--- a/Document/ppt.pptx
+++ b/Document/ppt.pptx
@@ -5,7 +5,7 @@
     <p:sldMasterId id="2147483648" r:id="rId1"/>
   </p:sldMasterIdLst>
   <p:notesMasterIdLst>
-    <p:notesMasterId r:id="rId39"/>
+    <p:notesMasterId r:id="rId43"/>
   </p:notesMasterIdLst>
   <p:sldIdLst>
     <p:sldId id="256" r:id="rId2"/>
@@ -24,27 +24,31 @@
     <p:sldId id="261" r:id="rId15"/>
     <p:sldId id="279" r:id="rId16"/>
     <p:sldId id="281" r:id="rId17"/>
-    <p:sldId id="292" r:id="rId18"/>
-    <p:sldId id="302" r:id="rId19"/>
-    <p:sldId id="303" r:id="rId20"/>
-    <p:sldId id="284" r:id="rId21"/>
-    <p:sldId id="289" r:id="rId22"/>
-    <p:sldId id="290" r:id="rId23"/>
-    <p:sldId id="291" r:id="rId24"/>
-    <p:sldId id="304" r:id="rId25"/>
-    <p:sldId id="305" r:id="rId26"/>
-    <p:sldId id="285" r:id="rId27"/>
-    <p:sldId id="286" r:id="rId28"/>
-    <p:sldId id="288" r:id="rId29"/>
-    <p:sldId id="293" r:id="rId30"/>
-    <p:sldId id="294" r:id="rId31"/>
-    <p:sldId id="296" r:id="rId32"/>
-    <p:sldId id="297" r:id="rId33"/>
-    <p:sldId id="298" r:id="rId34"/>
-    <p:sldId id="299" r:id="rId35"/>
-    <p:sldId id="300" r:id="rId36"/>
-    <p:sldId id="301" r:id="rId37"/>
-    <p:sldId id="266" r:id="rId38"/>
+    <p:sldId id="308" r:id="rId18"/>
+    <p:sldId id="292" r:id="rId19"/>
+    <p:sldId id="306" r:id="rId20"/>
+    <p:sldId id="307" r:id="rId21"/>
+    <p:sldId id="309" r:id="rId22"/>
+    <p:sldId id="302" r:id="rId23"/>
+    <p:sldId id="303" r:id="rId24"/>
+    <p:sldId id="284" r:id="rId25"/>
+    <p:sldId id="289" r:id="rId26"/>
+    <p:sldId id="290" r:id="rId27"/>
+    <p:sldId id="291" r:id="rId28"/>
+    <p:sldId id="304" r:id="rId29"/>
+    <p:sldId id="305" r:id="rId30"/>
+    <p:sldId id="285" r:id="rId31"/>
+    <p:sldId id="286" r:id="rId32"/>
+    <p:sldId id="288" r:id="rId33"/>
+    <p:sldId id="293" r:id="rId34"/>
+    <p:sldId id="294" r:id="rId35"/>
+    <p:sldId id="296" r:id="rId36"/>
+    <p:sldId id="297" r:id="rId37"/>
+    <p:sldId id="298" r:id="rId38"/>
+    <p:sldId id="299" r:id="rId39"/>
+    <p:sldId id="300" r:id="rId40"/>
+    <p:sldId id="301" r:id="rId41"/>
+    <p:sldId id="266" r:id="rId42"/>
   </p:sldIdLst>
   <p:sldSz cx="9144000" cy="6858000" type="screen4x3"/>
   <p:notesSz cx="6858000" cy="9144000"/>
@@ -244,7 +248,7 @@
           <a:p>
             <a:fld id="{24AFCB65-A6C1-492A-97A5-60611BA2BCDD}" type="datetimeFigureOut">
               <a:rPr lang="ko-KR" altLang="en-US" smtClean="0"/>
-              <a:t>2022-12-02</a:t>
+              <a:t>2022-12-07</a:t>
             </a:fld>
             <a:endParaRPr lang="ko-KR" altLang="en-US"/>
           </a:p>
@@ -774,7 +778,7 @@
           <a:p>
             <a:fld id="{F92C1CC1-FDD2-4E89-93AF-4550721CFBBA}" type="datetimeFigureOut">
               <a:rPr lang="ko-KR" altLang="en-US" smtClean="0"/>
-              <a:t>2022-12-02</a:t>
+              <a:t>2022-12-07</a:t>
             </a:fld>
             <a:endParaRPr lang="ko-KR" altLang="en-US"/>
           </a:p>
@@ -942,7 +946,7 @@
           <a:p>
             <a:fld id="{F92C1CC1-FDD2-4E89-93AF-4550721CFBBA}" type="datetimeFigureOut">
               <a:rPr lang="ko-KR" altLang="en-US" smtClean="0"/>
-              <a:t>2022-12-02</a:t>
+              <a:t>2022-12-07</a:t>
             </a:fld>
             <a:endParaRPr lang="ko-KR" altLang="en-US"/>
           </a:p>
@@ -1120,7 +1124,7 @@
           <a:p>
             <a:fld id="{F92C1CC1-FDD2-4E89-93AF-4550721CFBBA}" type="datetimeFigureOut">
               <a:rPr lang="ko-KR" altLang="en-US" smtClean="0"/>
-              <a:t>2022-12-02</a:t>
+              <a:t>2022-12-07</a:t>
             </a:fld>
             <a:endParaRPr lang="ko-KR" altLang="en-US"/>
           </a:p>
@@ -1288,7 +1292,7 @@
           <a:p>
             <a:fld id="{F92C1CC1-FDD2-4E89-93AF-4550721CFBBA}" type="datetimeFigureOut">
               <a:rPr lang="ko-KR" altLang="en-US" smtClean="0"/>
-              <a:t>2022-12-02</a:t>
+              <a:t>2022-12-07</a:t>
             </a:fld>
             <a:endParaRPr lang="ko-KR" altLang="en-US"/>
           </a:p>
@@ -1533,7 +1537,7 @@
           <a:p>
             <a:fld id="{F92C1CC1-FDD2-4E89-93AF-4550721CFBBA}" type="datetimeFigureOut">
               <a:rPr lang="ko-KR" altLang="en-US" smtClean="0"/>
-              <a:t>2022-12-02</a:t>
+              <a:t>2022-12-07</a:t>
             </a:fld>
             <a:endParaRPr lang="ko-KR" altLang="en-US"/>
           </a:p>
@@ -1818,7 +1822,7 @@
           <a:p>
             <a:fld id="{F92C1CC1-FDD2-4E89-93AF-4550721CFBBA}" type="datetimeFigureOut">
               <a:rPr lang="ko-KR" altLang="en-US" smtClean="0"/>
-              <a:t>2022-12-02</a:t>
+              <a:t>2022-12-07</a:t>
             </a:fld>
             <a:endParaRPr lang="ko-KR" altLang="en-US"/>
           </a:p>
@@ -2237,7 +2241,7 @@
           <a:p>
             <a:fld id="{F92C1CC1-FDD2-4E89-93AF-4550721CFBBA}" type="datetimeFigureOut">
               <a:rPr lang="ko-KR" altLang="en-US" smtClean="0"/>
-              <a:t>2022-12-02</a:t>
+              <a:t>2022-12-07</a:t>
             </a:fld>
             <a:endParaRPr lang="ko-KR" altLang="en-US"/>
           </a:p>
@@ -2354,7 +2358,7 @@
           <a:p>
             <a:fld id="{F92C1CC1-FDD2-4E89-93AF-4550721CFBBA}" type="datetimeFigureOut">
               <a:rPr lang="ko-KR" altLang="en-US" smtClean="0"/>
-              <a:t>2022-12-02</a:t>
+              <a:t>2022-12-07</a:t>
             </a:fld>
             <a:endParaRPr lang="ko-KR" altLang="en-US"/>
           </a:p>
@@ -2449,7 +2453,7 @@
           <a:p>
             <a:fld id="{F92C1CC1-FDD2-4E89-93AF-4550721CFBBA}" type="datetimeFigureOut">
               <a:rPr lang="ko-KR" altLang="en-US" smtClean="0"/>
-              <a:t>2022-12-02</a:t>
+              <a:t>2022-12-07</a:t>
             </a:fld>
             <a:endParaRPr lang="ko-KR" altLang="en-US"/>
           </a:p>
@@ -2724,7 +2728,7 @@
           <a:p>
             <a:fld id="{F92C1CC1-FDD2-4E89-93AF-4550721CFBBA}" type="datetimeFigureOut">
               <a:rPr lang="ko-KR" altLang="en-US" smtClean="0"/>
-              <a:t>2022-12-02</a:t>
+              <a:t>2022-12-07</a:t>
             </a:fld>
             <a:endParaRPr lang="ko-KR" altLang="en-US"/>
           </a:p>
@@ -2976,7 +2980,7 @@
           <a:p>
             <a:fld id="{F92C1CC1-FDD2-4E89-93AF-4550721CFBBA}" type="datetimeFigureOut">
               <a:rPr lang="ko-KR" altLang="en-US" smtClean="0"/>
-              <a:t>2022-12-02</a:t>
+              <a:t>2022-12-07</a:t>
             </a:fld>
             <a:endParaRPr lang="ko-KR" altLang="en-US"/>
           </a:p>
@@ -3187,7 +3191,7 @@
           <a:p>
             <a:fld id="{F92C1CC1-FDD2-4E89-93AF-4550721CFBBA}" type="datetimeFigureOut">
               <a:rPr lang="ko-KR" altLang="en-US" smtClean="0"/>
-              <a:t>2022-12-02</a:t>
+              <a:t>2022-12-07</a:t>
             </a:fld>
             <a:endParaRPr lang="ko-KR" altLang="en-US"/>
           </a:p>
@@ -6526,7 +6530,7 @@
         <p:spPr>
           <a:xfrm>
             <a:off x="5004048" y="3015070"/>
-            <a:ext cx="2232248" cy="1384995"/>
+            <a:ext cx="2232248" cy="1815882"/>
           </a:xfrm>
           <a:prstGeom prst="rect">
             <a:avLst/>
@@ -6678,7 +6682,107 @@
                 <a:latin typeface="Sandoll 고딕 02 Medium" pitchFamily="34" charset="-127"/>
                 <a:ea typeface="Sandoll 고딕 02 Medium" pitchFamily="34" charset="-127"/>
               </a:rPr>
+              <a:t>공격 </a:t>
+            </a:r>
+            <a:r>
+              <a:rPr lang="en-US" altLang="ko-KR" sz="1400" dirty="0">
+                <a:solidFill>
+                  <a:schemeClr val="bg1">
+                    <a:lumMod val="50000"/>
+                  </a:schemeClr>
+                </a:solidFill>
+                <a:latin typeface="Sandoll 고딕 02 Medium" pitchFamily="34" charset="-127"/>
+                <a:ea typeface="Sandoll 고딕 02 Medium" pitchFamily="34" charset="-127"/>
+              </a:rPr>
+              <a:t>– </a:t>
+            </a:r>
+            <a:r>
+              <a:rPr lang="ko-KR" altLang="en-US" sz="1400" dirty="0">
+                <a:solidFill>
+                  <a:schemeClr val="bg1">
+                    <a:lumMod val="50000"/>
+                  </a:schemeClr>
+                </a:solidFill>
+                <a:latin typeface="Sandoll 고딕 02 Medium" pitchFamily="34" charset="-127"/>
+                <a:ea typeface="Sandoll 고딕 02 Medium" pitchFamily="34" charset="-127"/>
+              </a:rPr>
               <a:t>일반 몬스터</a:t>
+            </a:r>
+            <a:endParaRPr lang="en-US" altLang="ko-KR" sz="1400" dirty="0">
+              <a:solidFill>
+                <a:schemeClr val="bg1">
+                  <a:lumMod val="50000"/>
+                </a:schemeClr>
+              </a:solidFill>
+              <a:latin typeface="Sandoll 고딕 02 Medium" pitchFamily="34" charset="-127"/>
+              <a:ea typeface="Sandoll 고딕 02 Medium" pitchFamily="34" charset="-127"/>
+            </a:endParaRPr>
+          </a:p>
+          <a:p>
+            <a:pPr marL="342900" indent="-342900">
+              <a:buAutoNum type="arabicParenR"/>
+            </a:pPr>
+            <a:r>
+              <a:rPr lang="ko-KR" altLang="en-US" sz="1400" dirty="0">
+                <a:solidFill>
+                  <a:schemeClr val="bg1">
+                    <a:lumMod val="50000"/>
+                  </a:schemeClr>
+                </a:solidFill>
+                <a:latin typeface="Sandoll 고딕 02 Medium" pitchFamily="34" charset="-127"/>
+                <a:ea typeface="Sandoll 고딕 02 Medium" pitchFamily="34" charset="-127"/>
+              </a:rPr>
+              <a:t>일반 몬스터</a:t>
+            </a:r>
+            <a:endParaRPr lang="en-US" altLang="ko-KR" sz="1400" dirty="0">
+              <a:solidFill>
+                <a:schemeClr val="bg1">
+                  <a:lumMod val="50000"/>
+                </a:schemeClr>
+              </a:solidFill>
+              <a:latin typeface="Sandoll 고딕 02 Medium" pitchFamily="34" charset="-127"/>
+              <a:ea typeface="Sandoll 고딕 02 Medium" pitchFamily="34" charset="-127"/>
+            </a:endParaRPr>
+          </a:p>
+          <a:p>
+            <a:pPr marL="342900" indent="-342900">
+              <a:buAutoNum type="arabicParenR"/>
+            </a:pPr>
+            <a:r>
+              <a:rPr lang="ko-KR" altLang="en-US" sz="1400" dirty="0">
+                <a:solidFill>
+                  <a:schemeClr val="bg1">
+                    <a:lumMod val="50000"/>
+                  </a:schemeClr>
+                </a:solidFill>
+                <a:latin typeface="Sandoll 고딕 02 Medium" pitchFamily="34" charset="-127"/>
+                <a:ea typeface="Sandoll 고딕 02 Medium" pitchFamily="34" charset="-127"/>
+              </a:rPr>
+              <a:t>공격 </a:t>
+            </a:r>
+            <a:r>
+              <a:rPr lang="en-US" altLang="ko-KR" sz="1400" dirty="0">
+                <a:solidFill>
+                  <a:schemeClr val="bg1">
+                    <a:lumMod val="50000"/>
+                  </a:schemeClr>
+                </a:solidFill>
+                <a:latin typeface="Sandoll 고딕 02 Medium" pitchFamily="34" charset="-127"/>
+                <a:ea typeface="Sandoll 고딕 02 Medium" pitchFamily="34" charset="-127"/>
+              </a:rPr>
+              <a:t>– </a:t>
+            </a:r>
+            <a:r>
+              <a:rPr lang="ko-KR" altLang="en-US" sz="1400" dirty="0">
+                <a:solidFill>
+                  <a:schemeClr val="bg1">
+                    <a:lumMod val="50000"/>
+                  </a:schemeClr>
+                </a:solidFill>
+                <a:latin typeface="Sandoll 고딕 02 Medium" pitchFamily="34" charset="-127"/>
+                <a:ea typeface="Sandoll 고딕 02 Medium" pitchFamily="34" charset="-127"/>
+              </a:rPr>
+              <a:t>보스 몬스터</a:t>
             </a:r>
             <a:endParaRPr lang="en-US" altLang="ko-KR" sz="1400" dirty="0">
               <a:solidFill>
@@ -7153,7 +7257,7 @@
         </p:nvSpPr>
         <p:spPr>
           <a:xfrm>
-            <a:off x="1976785" y="1548469"/>
+            <a:off x="2145272" y="1051774"/>
             <a:ext cx="962058" cy="369332"/>
           </a:xfrm>
           <a:prstGeom prst="rect">
@@ -7188,7 +7292,7 @@
         </p:nvSpPr>
         <p:spPr>
           <a:xfrm>
-            <a:off x="6523815" y="1546592"/>
+            <a:off x="6529930" y="1051774"/>
             <a:ext cx="1286800" cy="369332"/>
           </a:xfrm>
           <a:prstGeom prst="rect">
@@ -7209,100 +7313,206 @@
           </a:p>
         </p:txBody>
       </p:sp>
-      <p:sp>
-        <p:nvSpPr>
-          <p:cNvPr id="13" name="사각형: 둥근 모서리 12">
+      <p:pic>
+        <p:nvPicPr>
+          <p:cNvPr id="16" name="그림 15">
             <a:extLst>
               <a:ext uri="{FF2B5EF4-FFF2-40B4-BE49-F238E27FC236}">
-                <a16:creationId xmlns:a16="http://schemas.microsoft.com/office/drawing/2014/main" id="{46DF070A-C415-0C18-A4AE-ECE6B7BD5C7C}"/>
+                <a16:creationId xmlns:a16="http://schemas.microsoft.com/office/drawing/2014/main" id="{1673809D-087A-2E1E-7578-D6082765C312}"/>
               </a:ext>
             </a:extLst>
           </p:cNvPr>
-          <p:cNvSpPr/>
-          <p:nvPr/>
-        </p:nvSpPr>
-        <p:spPr>
-          <a:xfrm>
-            <a:off x="503041" y="2060847"/>
-            <a:ext cx="3563440" cy="3831223"/>
-          </a:xfrm>
-          <a:prstGeom prst="roundRect">
-            <a:avLst/>
-          </a:prstGeom>
-        </p:spPr>
-        <p:style>
-          <a:lnRef idx="2">
-            <a:schemeClr val="accent1">
-              <a:shade val="50000"/>
-            </a:schemeClr>
-          </a:lnRef>
-          <a:fillRef idx="1">
-            <a:schemeClr val="accent1"/>
-          </a:fillRef>
-          <a:effectRef idx="0">
-            <a:schemeClr val="accent1"/>
-          </a:effectRef>
-          <a:fontRef idx="minor">
-            <a:schemeClr val="lt1"/>
-          </a:fontRef>
-        </p:style>
-        <p:txBody>
-          <a:bodyPr rtlCol="0" anchor="ctr"/>
-          <a:lstStyle/>
-          <a:p>
-            <a:pPr algn="ctr"/>
-            <a:r>
-              <a:rPr lang="ko-KR" altLang="en-US" dirty="0"/>
-              <a:t>모델</a:t>
-            </a:r>
-          </a:p>
-        </p:txBody>
-      </p:sp>
-      <p:sp>
-        <p:nvSpPr>
-          <p:cNvPr id="14" name="사각형: 둥근 모서리 13">
+          <p:cNvPicPr>
+            <a:picLocks noChangeAspect="1"/>
+          </p:cNvPicPr>
+          <p:nvPr/>
+        </p:nvPicPr>
+        <p:blipFill>
+          <a:blip r:embed="rId2"/>
+          <a:stretch>
+            <a:fillRect/>
+          </a:stretch>
+        </p:blipFill>
+        <p:spPr>
+          <a:xfrm>
+            <a:off x="463400" y="1508228"/>
+            <a:ext cx="4175693" cy="2880000"/>
+          </a:xfrm>
+          <a:prstGeom prst="rect">
+            <a:avLst/>
+          </a:prstGeom>
+        </p:spPr>
+      </p:pic>
+      <p:pic>
+        <p:nvPicPr>
+          <p:cNvPr id="18" name="그림 17">
             <a:extLst>
               <a:ext uri="{FF2B5EF4-FFF2-40B4-BE49-F238E27FC236}">
-                <a16:creationId xmlns:a16="http://schemas.microsoft.com/office/drawing/2014/main" id="{BC183A30-7691-53DD-F451-9DFA57E04153}"/>
+                <a16:creationId xmlns:a16="http://schemas.microsoft.com/office/drawing/2014/main" id="{5B6B06A8-75D7-AC81-C6AA-AC810490915C}"/>
               </a:ext>
             </a:extLst>
           </p:cNvPr>
-          <p:cNvSpPr/>
-          <p:nvPr/>
-        </p:nvSpPr>
-        <p:spPr>
-          <a:xfrm>
-            <a:off x="5091925" y="2095923"/>
-            <a:ext cx="3563440" cy="3831223"/>
-          </a:xfrm>
-          <a:prstGeom prst="roundRect">
-            <a:avLst/>
-          </a:prstGeom>
-        </p:spPr>
-        <p:style>
-          <a:lnRef idx="2">
-            <a:schemeClr val="accent1">
-              <a:shade val="50000"/>
-            </a:schemeClr>
-          </a:lnRef>
-          <a:fillRef idx="1">
-            <a:schemeClr val="accent1"/>
-          </a:fillRef>
-          <a:effectRef idx="0">
-            <a:schemeClr val="accent1"/>
-          </a:effectRef>
-          <a:fontRef idx="minor">
-            <a:schemeClr val="lt1"/>
-          </a:fontRef>
-        </p:style>
-        <p:txBody>
-          <a:bodyPr rtlCol="0" anchor="ctr"/>
+          <p:cNvPicPr>
+            <a:picLocks/>
+          </p:cNvPicPr>
+          <p:nvPr/>
+        </p:nvPicPr>
+        <p:blipFill>
+          <a:blip r:embed="rId3"/>
+          <a:stretch>
+            <a:fillRect/>
+          </a:stretch>
+        </p:blipFill>
+        <p:spPr>
+          <a:xfrm>
+            <a:off x="4740089" y="1508228"/>
+            <a:ext cx="4176000" cy="2880000"/>
+          </a:xfrm>
+          <a:prstGeom prst="rect">
+            <a:avLst/>
+          </a:prstGeom>
+        </p:spPr>
+      </p:pic>
+      <p:sp>
+        <p:nvSpPr>
+          <p:cNvPr id="19" name="TextBox 18">
+            <a:extLst>
+              <a:ext uri="{FF2B5EF4-FFF2-40B4-BE49-F238E27FC236}">
+                <a16:creationId xmlns:a16="http://schemas.microsoft.com/office/drawing/2014/main" id="{0B627869-A1CD-5FAA-BD83-894C8CF11808}"/>
+              </a:ext>
+            </a:extLst>
+          </p:cNvPr>
+          <p:cNvSpPr txBox="1"/>
+          <p:nvPr/>
+        </p:nvSpPr>
+        <p:spPr>
+          <a:xfrm>
+            <a:off x="547803" y="4417478"/>
+            <a:ext cx="7965939" cy="200055"/>
+          </a:xfrm>
+          <a:prstGeom prst="rect">
+            <a:avLst/>
+          </a:prstGeom>
+          <a:noFill/>
+        </p:spPr>
+        <p:txBody>
+          <a:bodyPr wrap="square" rtlCol="0">
+            <a:spAutoFit/>
+          </a:bodyPr>
           <a:lstStyle/>
           <a:p>
-            <a:pPr algn="ctr"/>
+            <a:r>
+              <a:rPr lang="ko-KR" altLang="en-US" sz="700" dirty="0"/>
+              <a:t>출처 </a:t>
+            </a:r>
+            <a:r>
+              <a:rPr lang="en-US" altLang="ko-KR" sz="700" dirty="0"/>
+              <a:t>: https://assetstore.unity.com/packages/3d/characters/humanoids/humans/nana-117514</a:t>
+            </a:r>
+            <a:endParaRPr lang="ko-KR" altLang="en-US" sz="700" dirty="0"/>
+          </a:p>
+        </p:txBody>
+      </p:sp>
+      <p:sp>
+        <p:nvSpPr>
+          <p:cNvPr id="20" name="TextBox 19">
+            <a:extLst>
+              <a:ext uri="{FF2B5EF4-FFF2-40B4-BE49-F238E27FC236}">
+                <a16:creationId xmlns:a16="http://schemas.microsoft.com/office/drawing/2014/main" id="{555E6806-D66E-CB2C-EFB7-A97C46F564C9}"/>
+              </a:ext>
+            </a:extLst>
+          </p:cNvPr>
+          <p:cNvSpPr txBox="1"/>
+          <p:nvPr/>
+        </p:nvSpPr>
+        <p:spPr>
+          <a:xfrm>
+            <a:off x="4834522" y="4417477"/>
+            <a:ext cx="4081567" cy="200055"/>
+          </a:xfrm>
+          <a:prstGeom prst="rect">
+            <a:avLst/>
+          </a:prstGeom>
+          <a:noFill/>
+        </p:spPr>
+        <p:txBody>
+          <a:bodyPr wrap="none" rtlCol="0">
+            <a:spAutoFit/>
+          </a:bodyPr>
+          <a:lstStyle/>
+          <a:p>
+            <a:r>
+              <a:rPr lang="ko-KR" altLang="en-US" sz="700" dirty="0"/>
+              <a:t>출처 </a:t>
+            </a:r>
+            <a:r>
+              <a:rPr lang="en-US" altLang="ko-KR" sz="700" dirty="0"/>
+              <a:t>: https://assetstore.unity.com/packages/3d/characters/humanoids/fantasy/red-mage-91017</a:t>
+            </a:r>
+            <a:endParaRPr lang="ko-KR" altLang="en-US" sz="700" dirty="0"/>
+          </a:p>
+        </p:txBody>
+      </p:sp>
+      <p:sp>
+        <p:nvSpPr>
+          <p:cNvPr id="21" name="TextBox 20">
+            <a:extLst>
+              <a:ext uri="{FF2B5EF4-FFF2-40B4-BE49-F238E27FC236}">
+                <a16:creationId xmlns:a16="http://schemas.microsoft.com/office/drawing/2014/main" id="{7E340EEB-3FB8-03B8-1436-9E1042F7D4EF}"/>
+              </a:ext>
+            </a:extLst>
+          </p:cNvPr>
+          <p:cNvSpPr txBox="1"/>
+          <p:nvPr/>
+        </p:nvSpPr>
+        <p:spPr>
+          <a:xfrm>
+            <a:off x="503041" y="4928997"/>
+            <a:ext cx="7126655" cy="1477328"/>
+          </a:xfrm>
+          <a:prstGeom prst="rect">
+            <a:avLst/>
+          </a:prstGeom>
+          <a:noFill/>
+        </p:spPr>
+        <p:txBody>
+          <a:bodyPr wrap="square" rtlCol="0">
+            <a:spAutoFit/>
+          </a:bodyPr>
+          <a:lstStyle/>
+          <a:p>
+            <a:r>
+              <a:rPr lang="en-US" altLang="ko-KR" b="1" dirty="0"/>
+              <a:t>Unity Asset Store ( SURIYUN )</a:t>
+            </a:r>
+          </a:p>
+          <a:p>
+            <a:endParaRPr lang="en-US" altLang="ko-KR" dirty="0"/>
+          </a:p>
+          <a:p>
             <a:r>
               <a:rPr lang="ko-KR" altLang="en-US" dirty="0"/>
-              <a:t>모델</a:t>
+              <a:t>전사 </a:t>
+            </a:r>
+            <a:r>
+              <a:rPr lang="en-US" altLang="ko-KR" dirty="0"/>
+              <a:t>: Nana</a:t>
+            </a:r>
+          </a:p>
+          <a:p>
+            <a:r>
+              <a:rPr lang="ko-KR" altLang="en-US" dirty="0"/>
+              <a:t>마법사 </a:t>
+            </a:r>
+            <a:r>
+              <a:rPr lang="en-US" altLang="ko-KR" dirty="0"/>
+              <a:t>: Red Mage</a:t>
+            </a:r>
+          </a:p>
+          <a:p>
+            <a:r>
+              <a:rPr lang="ko-KR" altLang="en-US" dirty="0"/>
+              <a:t>구매</a:t>
             </a:r>
           </a:p>
         </p:txBody>
@@ -7813,12 +8023,8 @@
           <a:p>
             <a:pPr algn="ctr"/>
             <a:r>
-              <a:rPr lang="ko-KR" altLang="en-US" dirty="0" err="1"/>
-              <a:t>좌클릭</a:t>
-            </a:r>
-            <a:r>
               <a:rPr lang="ko-KR" altLang="en-US" dirty="0"/>
-              <a:t> </a:t>
+              <a:t>좌 클릭 </a:t>
             </a:r>
             <a:r>
               <a:rPr lang="en-US" altLang="ko-KR" dirty="0"/>
@@ -8651,12 +8857,8 @@
           <a:p>
             <a:pPr algn="ctr"/>
             <a:r>
-              <a:rPr lang="ko-KR" altLang="en-US" dirty="0" err="1"/>
-              <a:t>좌클릭</a:t>
-            </a:r>
-            <a:r>
               <a:rPr lang="ko-KR" altLang="en-US" dirty="0"/>
-              <a:t> </a:t>
+              <a:t>좌 클릭 </a:t>
             </a:r>
             <a:r>
               <a:rPr lang="en-US" altLang="ko-KR" dirty="0"/>
@@ -8967,6 +9169,181 @@
       </p:grpSpPr>
       <p:sp>
         <p:nvSpPr>
+          <p:cNvPr id="13" name="직사각형 12">
+            <a:extLst>
+              <a:ext uri="{FF2B5EF4-FFF2-40B4-BE49-F238E27FC236}">
+                <a16:creationId xmlns:a16="http://schemas.microsoft.com/office/drawing/2014/main" id="{0E028C0A-04E3-D406-B5BD-86C26BA73485}"/>
+              </a:ext>
+            </a:extLst>
+          </p:cNvPr>
+          <p:cNvSpPr/>
+          <p:nvPr/>
+        </p:nvSpPr>
+        <p:spPr>
+          <a:xfrm>
+            <a:off x="370592" y="2924944"/>
+            <a:ext cx="8346080" cy="2592284"/>
+          </a:xfrm>
+          <a:prstGeom prst="rect">
+            <a:avLst/>
+          </a:prstGeom>
+        </p:spPr>
+        <p:style>
+          <a:lnRef idx="2">
+            <a:schemeClr val="accent1"/>
+          </a:lnRef>
+          <a:fillRef idx="1">
+            <a:schemeClr val="lt1"/>
+          </a:fillRef>
+          <a:effectRef idx="0">
+            <a:schemeClr val="accent1"/>
+          </a:effectRef>
+          <a:fontRef idx="minor">
+            <a:schemeClr val="dk1"/>
+          </a:fontRef>
+        </p:style>
+        <p:txBody>
+          <a:bodyPr rtlCol="0" anchor="ctr"/>
+          <a:lstStyle/>
+          <a:p>
+            <a:r>
+              <a:rPr lang="ko-KR" altLang="en-US" b="1"/>
+              <a:t>근접</a:t>
+            </a:r>
+            <a:r>
+              <a:rPr lang="ko-KR" altLang="en-US"/>
+              <a:t> </a:t>
+            </a:r>
+            <a:r>
+              <a:rPr lang="en-US" altLang="ko-KR"/>
+              <a:t>– 		</a:t>
+            </a:r>
+            <a:r>
+              <a:rPr lang="ko-KR" altLang="en-US"/>
+              <a:t>플레이어가 </a:t>
+            </a:r>
+            <a:r>
+              <a:rPr lang="ko-KR" altLang="en-US" b="1"/>
+              <a:t>시야</a:t>
+            </a:r>
+            <a:r>
+              <a:rPr lang="ko-KR" altLang="en-US"/>
+              <a:t>에 들어오면 플레이어에게 천천히 </a:t>
+            </a:r>
+            <a:r>
+              <a:rPr lang="ko-KR" altLang="en-US" b="1"/>
+              <a:t>다가간다</a:t>
+            </a:r>
+            <a:r>
+              <a:rPr lang="en-US" altLang="ko-KR"/>
+              <a:t>.</a:t>
+            </a:r>
+          </a:p>
+          <a:p>
+            <a:r>
+              <a:rPr lang="en-US" altLang="ko-KR"/>
+              <a:t>		</a:t>
+            </a:r>
+            <a:r>
+              <a:rPr lang="ko-KR" altLang="en-US"/>
+              <a:t>플레이어가 </a:t>
+            </a:r>
+            <a:r>
+              <a:rPr lang="ko-KR" altLang="en-US" b="1"/>
+              <a:t>공격 사거리 </a:t>
+            </a:r>
+            <a:r>
+              <a:rPr lang="ko-KR" altLang="en-US"/>
+              <a:t>안에 들어오면 </a:t>
+            </a:r>
+            <a:r>
+              <a:rPr lang="ko-KR" altLang="en-US" b="1"/>
+              <a:t>전방을 공격한다</a:t>
+            </a:r>
+            <a:r>
+              <a:rPr lang="en-US" altLang="ko-KR"/>
+              <a:t>.</a:t>
+            </a:r>
+          </a:p>
+          <a:p>
+            <a:endParaRPr lang="en-US" altLang="ko-KR"/>
+          </a:p>
+          <a:p>
+            <a:r>
+              <a:rPr lang="ko-KR" altLang="en-US" b="1"/>
+              <a:t>원거리</a:t>
+            </a:r>
+            <a:r>
+              <a:rPr lang="ko-KR" altLang="en-US"/>
+              <a:t> </a:t>
+            </a:r>
+            <a:r>
+              <a:rPr lang="en-US" altLang="ko-KR"/>
+              <a:t>– 	</a:t>
+            </a:r>
+            <a:r>
+              <a:rPr lang="ko-KR" altLang="en-US"/>
+              <a:t>플레이어가 </a:t>
+            </a:r>
+            <a:r>
+              <a:rPr lang="ko-KR" altLang="en-US" b="1"/>
+              <a:t>시야</a:t>
+            </a:r>
+            <a:r>
+              <a:rPr lang="ko-KR" altLang="en-US"/>
+              <a:t>에 들어오면 </a:t>
+            </a:r>
+            <a:r>
+              <a:rPr lang="ko-KR" altLang="en-US" b="1"/>
+              <a:t>무기를 던져 공격을 한다</a:t>
+            </a:r>
+            <a:r>
+              <a:rPr lang="en-US" altLang="ko-KR"/>
+              <a:t>.</a:t>
+            </a:r>
+          </a:p>
+          <a:p>
+            <a:endParaRPr lang="en-US" altLang="ko-KR"/>
+          </a:p>
+          <a:p>
+            <a:r>
+              <a:rPr lang="ko-KR" altLang="en-US" b="1"/>
+              <a:t>돌진</a:t>
+            </a:r>
+            <a:r>
+              <a:rPr lang="ko-KR" altLang="en-US"/>
+              <a:t> </a:t>
+            </a:r>
+            <a:r>
+              <a:rPr lang="en-US" altLang="ko-KR"/>
+              <a:t>– 		</a:t>
+            </a:r>
+            <a:r>
+              <a:rPr lang="ko-KR" altLang="en-US"/>
+              <a:t>플레이어가 </a:t>
+            </a:r>
+            <a:r>
+              <a:rPr lang="ko-KR" altLang="en-US" b="1"/>
+              <a:t>시야</a:t>
+            </a:r>
+            <a:r>
+              <a:rPr lang="ko-KR" altLang="en-US"/>
+              <a:t>에 들어오면 플레이어에게 </a:t>
+            </a:r>
+            <a:r>
+              <a:rPr lang="ko-KR" altLang="en-US" b="1"/>
+              <a:t>돌진 공격한다</a:t>
+            </a:r>
+            <a:r>
+              <a:rPr lang="en-US" altLang="ko-KR"/>
+              <a:t>.</a:t>
+            </a:r>
+            <a:endParaRPr lang="en-US" altLang="ko-KR" dirty="0"/>
+          </a:p>
+        </p:txBody>
+      </p:sp>
+      <p:sp>
+        <p:nvSpPr>
           <p:cNvPr id="4" name="직사각형 3"/>
           <p:cNvSpPr/>
           <p:nvPr/>
@@ -9095,7 +9472,3494 @@
                 <a:latin typeface="Sandoll 고딕 02 Medium" pitchFamily="34" charset="-127"/>
                 <a:ea typeface="Sandoll 고딕 02 Medium" pitchFamily="34" charset="-127"/>
               </a:rPr>
+              <a:t>공격 </a:t>
+            </a:r>
+            <a:r>
+              <a:rPr lang="en-US" altLang="ko-KR" sz="1600" dirty="0">
+                <a:solidFill>
+                  <a:schemeClr val="bg1">
+                    <a:lumMod val="50000"/>
+                  </a:schemeClr>
+                </a:solidFill>
+                <a:latin typeface="Sandoll 고딕 02 Medium" pitchFamily="34" charset="-127"/>
+                <a:ea typeface="Sandoll 고딕 02 Medium" pitchFamily="34" charset="-127"/>
+              </a:rPr>
+              <a:t>- </a:t>
+            </a:r>
+            <a:r>
+              <a:rPr lang="ko-KR" altLang="en-US" sz="1600" dirty="0">
+                <a:solidFill>
+                  <a:schemeClr val="bg1">
+                    <a:lumMod val="50000"/>
+                  </a:schemeClr>
+                </a:solidFill>
+                <a:latin typeface="Sandoll 고딕 02 Medium" pitchFamily="34" charset="-127"/>
+                <a:ea typeface="Sandoll 고딕 02 Medium" pitchFamily="34" charset="-127"/>
+              </a:rPr>
               <a:t>일반 몬스터</a:t>
+            </a:r>
+          </a:p>
+        </p:txBody>
+      </p:sp>
+      <p:cxnSp>
+        <p:nvCxnSpPr>
+          <p:cNvPr id="7" name="직선 연결선 6"/>
+          <p:cNvCxnSpPr/>
+          <p:nvPr/>
+        </p:nvCxnSpPr>
+        <p:spPr>
+          <a:xfrm>
+            <a:off x="251520" y="0"/>
+            <a:ext cx="0" cy="6858000"/>
+          </a:xfrm>
+          <a:prstGeom prst="line">
+            <a:avLst/>
+          </a:prstGeom>
+          <a:ln>
+            <a:solidFill>
+              <a:schemeClr val="bg1">
+                <a:lumMod val="65000"/>
+              </a:schemeClr>
+            </a:solidFill>
+            <a:prstDash val="sysDot"/>
+          </a:ln>
+        </p:spPr>
+        <p:style>
+          <a:lnRef idx="1">
+            <a:schemeClr val="accent1"/>
+          </a:lnRef>
+          <a:fillRef idx="0">
+            <a:schemeClr val="accent1"/>
+          </a:fillRef>
+          <a:effectRef idx="0">
+            <a:schemeClr val="accent1"/>
+          </a:effectRef>
+          <a:fontRef idx="minor">
+            <a:schemeClr val="tx1"/>
+          </a:fontRef>
+        </p:style>
+      </p:cxnSp>
+      <p:cxnSp>
+        <p:nvCxnSpPr>
+          <p:cNvPr id="8" name="직선 연결선 7"/>
+          <p:cNvCxnSpPr/>
+          <p:nvPr/>
+        </p:nvCxnSpPr>
+        <p:spPr>
+          <a:xfrm>
+            <a:off x="0" y="260648"/>
+            <a:ext cx="9144000" cy="0"/>
+          </a:xfrm>
+          <a:prstGeom prst="line">
+            <a:avLst/>
+          </a:prstGeom>
+          <a:ln>
+            <a:solidFill>
+              <a:schemeClr val="bg1">
+                <a:lumMod val="65000"/>
+              </a:schemeClr>
+            </a:solidFill>
+            <a:prstDash val="sysDot"/>
+          </a:ln>
+        </p:spPr>
+        <p:style>
+          <a:lnRef idx="1">
+            <a:schemeClr val="accent1"/>
+          </a:lnRef>
+          <a:fillRef idx="0">
+            <a:schemeClr val="accent1"/>
+          </a:fillRef>
+          <a:effectRef idx="0">
+            <a:schemeClr val="accent1"/>
+          </a:effectRef>
+          <a:fontRef idx="minor">
+            <a:schemeClr val="tx1"/>
+          </a:fontRef>
+        </p:style>
+      </p:cxnSp>
+      <p:grpSp>
+        <p:nvGrpSpPr>
+          <p:cNvPr id="9" name="그룹 8"/>
+          <p:cNvGrpSpPr/>
+          <p:nvPr/>
+        </p:nvGrpSpPr>
+        <p:grpSpPr>
+          <a:xfrm>
+            <a:off x="8371684" y="6351563"/>
+            <a:ext cx="772316" cy="491577"/>
+            <a:chOff x="4252314" y="1143866"/>
+            <a:chExt cx="772316" cy="491577"/>
+          </a:xfrm>
+        </p:grpSpPr>
+        <p:sp>
+          <p:nvSpPr>
+            <p:cNvPr id="10" name="직사각형 9"/>
+            <p:cNvSpPr/>
+            <p:nvPr/>
+          </p:nvSpPr>
+          <p:spPr>
+            <a:xfrm rot="599424">
+              <a:off x="4252314" y="1223935"/>
+              <a:ext cx="319686" cy="319686"/>
+            </a:xfrm>
+            <a:prstGeom prst="rect">
+              <a:avLst/>
+            </a:prstGeom>
+            <a:noFill/>
+            <a:ln w="9525">
+              <a:solidFill>
+                <a:schemeClr val="bg1">
+                  <a:lumMod val="65000"/>
+                </a:schemeClr>
+              </a:solidFill>
+            </a:ln>
+          </p:spPr>
+          <p:style>
+            <a:lnRef idx="2">
+              <a:schemeClr val="accent1">
+                <a:shade val="50000"/>
+              </a:schemeClr>
+            </a:lnRef>
+            <a:fillRef idx="1">
+              <a:schemeClr val="accent1"/>
+            </a:fillRef>
+            <a:effectRef idx="0">
+              <a:schemeClr val="accent1"/>
+            </a:effectRef>
+            <a:fontRef idx="minor">
+              <a:schemeClr val="lt1"/>
+            </a:fontRef>
+          </p:style>
+          <p:txBody>
+            <a:bodyPr rtlCol="0" anchor="ctr"/>
+            <a:lstStyle/>
+            <a:p>
+              <a:pPr algn="ctr"/>
+              <a:endParaRPr lang="ko-KR" altLang="en-US"/>
+            </a:p>
+          </p:txBody>
+        </p:sp>
+        <p:sp>
+          <p:nvSpPr>
+            <p:cNvPr id="11" name="직사각형 10"/>
+            <p:cNvSpPr/>
+            <p:nvPr/>
+          </p:nvSpPr>
+          <p:spPr>
+            <a:xfrm rot="1427337">
+              <a:off x="4556578" y="1143866"/>
+              <a:ext cx="468052" cy="468052"/>
+            </a:xfrm>
+            <a:prstGeom prst="rect">
+              <a:avLst/>
+            </a:prstGeom>
+            <a:noFill/>
+            <a:ln w="9525">
+              <a:solidFill>
+                <a:schemeClr val="bg1">
+                  <a:lumMod val="65000"/>
+                </a:schemeClr>
+              </a:solidFill>
+            </a:ln>
+          </p:spPr>
+          <p:style>
+            <a:lnRef idx="2">
+              <a:schemeClr val="accent1">
+                <a:shade val="50000"/>
+              </a:schemeClr>
+            </a:lnRef>
+            <a:fillRef idx="1">
+              <a:schemeClr val="accent1"/>
+            </a:fillRef>
+            <a:effectRef idx="0">
+              <a:schemeClr val="accent1"/>
+            </a:effectRef>
+            <a:fontRef idx="minor">
+              <a:schemeClr val="lt1"/>
+            </a:fontRef>
+          </p:style>
+          <p:txBody>
+            <a:bodyPr rtlCol="0" anchor="ctr"/>
+            <a:lstStyle/>
+            <a:p>
+              <a:pPr algn="ctr"/>
+              <a:endParaRPr lang="ko-KR" altLang="en-US"/>
+            </a:p>
+          </p:txBody>
+        </p:sp>
+        <p:sp>
+          <p:nvSpPr>
+            <p:cNvPr id="12" name="직사각형 11"/>
+            <p:cNvSpPr/>
+            <p:nvPr/>
+          </p:nvSpPr>
+          <p:spPr>
+            <a:xfrm rot="3783077">
+              <a:off x="4440058" y="1443568"/>
+              <a:ext cx="191875" cy="191875"/>
+            </a:xfrm>
+            <a:prstGeom prst="rect">
+              <a:avLst/>
+            </a:prstGeom>
+            <a:solidFill>
+              <a:schemeClr val="bg1">
+                <a:lumMod val="65000"/>
+              </a:schemeClr>
+            </a:solidFill>
+            <a:ln w="9525">
+              <a:solidFill>
+                <a:schemeClr val="bg1">
+                  <a:lumMod val="65000"/>
+                </a:schemeClr>
+              </a:solidFill>
+            </a:ln>
+          </p:spPr>
+          <p:style>
+            <a:lnRef idx="2">
+              <a:schemeClr val="accent1">
+                <a:shade val="50000"/>
+              </a:schemeClr>
+            </a:lnRef>
+            <a:fillRef idx="1">
+              <a:schemeClr val="accent1"/>
+            </a:fillRef>
+            <a:effectRef idx="0">
+              <a:schemeClr val="accent1"/>
+            </a:effectRef>
+            <a:fontRef idx="minor">
+              <a:schemeClr val="lt1"/>
+            </a:fontRef>
+          </p:style>
+          <p:txBody>
+            <a:bodyPr rtlCol="0" anchor="ctr"/>
+            <a:lstStyle/>
+            <a:p>
+              <a:pPr algn="ctr"/>
+              <a:endParaRPr lang="ko-KR" altLang="en-US"/>
+            </a:p>
+          </p:txBody>
+        </p:sp>
+      </p:grpSp>
+      <p:sp>
+        <p:nvSpPr>
+          <p:cNvPr id="3" name="TextBox 2">
+            <a:extLst>
+              <a:ext uri="{FF2B5EF4-FFF2-40B4-BE49-F238E27FC236}">
+                <a16:creationId xmlns:a16="http://schemas.microsoft.com/office/drawing/2014/main" id="{B0247C08-0D0A-1C59-A4DB-B9BA86E7F352}"/>
+              </a:ext>
+            </a:extLst>
+          </p:cNvPr>
+          <p:cNvSpPr txBox="1"/>
+          <p:nvPr/>
+        </p:nvSpPr>
+        <p:spPr>
+          <a:xfrm>
+            <a:off x="370592" y="1052736"/>
+            <a:ext cx="8155775" cy="5632311"/>
+          </a:xfrm>
+          <a:prstGeom prst="rect">
+            <a:avLst/>
+          </a:prstGeom>
+          <a:noFill/>
+        </p:spPr>
+        <p:txBody>
+          <a:bodyPr wrap="square" rtlCol="0">
+            <a:spAutoFit/>
+          </a:bodyPr>
+          <a:lstStyle/>
+          <a:p>
+            <a:r>
+              <a:rPr lang="ko-KR" altLang="en-US" dirty="0"/>
+              <a:t>매 스테이지 마다 다른 </a:t>
+            </a:r>
+            <a:r>
+              <a:rPr lang="ko-KR" altLang="en-US" b="1" dirty="0"/>
+              <a:t>종족의 몬스터</a:t>
+            </a:r>
+            <a:r>
+              <a:rPr lang="ko-KR" altLang="en-US" dirty="0"/>
+              <a:t>가 등장</a:t>
+            </a:r>
+            <a:endParaRPr lang="en-US" altLang="ko-KR" dirty="0"/>
+          </a:p>
+          <a:p>
+            <a:endParaRPr lang="en-US" altLang="ko-KR" dirty="0"/>
+          </a:p>
+          <a:p>
+            <a:r>
+              <a:rPr lang="ko-KR" altLang="en-US" b="1" dirty="0"/>
+              <a:t>청각</a:t>
+            </a:r>
+            <a:r>
+              <a:rPr lang="ko-KR" altLang="en-US" dirty="0"/>
+              <a:t> 스테이지 </a:t>
+            </a:r>
+            <a:r>
+              <a:rPr lang="en-US" altLang="ko-KR" dirty="0"/>
+              <a:t>– </a:t>
+            </a:r>
+            <a:r>
+              <a:rPr lang="ko-KR" altLang="en-US" dirty="0"/>
+              <a:t>오크</a:t>
+            </a:r>
+            <a:endParaRPr lang="en-US" altLang="ko-KR" dirty="0"/>
+          </a:p>
+          <a:p>
+            <a:r>
+              <a:rPr lang="ko-KR" altLang="en-US" b="1" dirty="0"/>
+              <a:t>시각</a:t>
+            </a:r>
+            <a:r>
+              <a:rPr lang="ko-KR" altLang="en-US" dirty="0"/>
+              <a:t> 스테이지 </a:t>
+            </a:r>
+            <a:r>
+              <a:rPr lang="en-US" altLang="ko-KR" dirty="0"/>
+              <a:t>– </a:t>
+            </a:r>
+            <a:r>
+              <a:rPr lang="ko-KR" altLang="en-US" dirty="0"/>
+              <a:t>고블린</a:t>
+            </a:r>
+            <a:endParaRPr lang="en-US" altLang="ko-KR" dirty="0"/>
+          </a:p>
+          <a:p>
+            <a:r>
+              <a:rPr lang="ko-KR" altLang="en-US" b="1" dirty="0"/>
+              <a:t>촉각</a:t>
+            </a:r>
+            <a:r>
+              <a:rPr lang="ko-KR" altLang="en-US" dirty="0"/>
+              <a:t> 스테이지 </a:t>
+            </a:r>
+            <a:r>
+              <a:rPr lang="en-US" altLang="ko-KR" dirty="0"/>
+              <a:t>– </a:t>
+            </a:r>
+            <a:r>
+              <a:rPr lang="ko-KR" altLang="en-US" dirty="0"/>
+              <a:t>스컬</a:t>
+            </a:r>
+            <a:endParaRPr lang="en-US" altLang="ko-KR" dirty="0"/>
+          </a:p>
+          <a:p>
+            <a:endParaRPr lang="en-US" altLang="ko-KR" dirty="0"/>
+          </a:p>
+          <a:p>
+            <a:endParaRPr lang="en-US" altLang="ko-KR" dirty="0"/>
+          </a:p>
+          <a:p>
+            <a:endParaRPr lang="en-US" altLang="ko-KR" dirty="0"/>
+          </a:p>
+          <a:p>
+            <a:endParaRPr lang="en-US" altLang="ko-KR" dirty="0"/>
+          </a:p>
+          <a:p>
+            <a:endParaRPr lang="en-US" altLang="ko-KR" dirty="0"/>
+          </a:p>
+          <a:p>
+            <a:endParaRPr lang="en-US" altLang="ko-KR" dirty="0"/>
+          </a:p>
+          <a:p>
+            <a:endParaRPr lang="en-US" altLang="ko-KR" dirty="0"/>
+          </a:p>
+          <a:p>
+            <a:endParaRPr lang="en-US" altLang="ko-KR" dirty="0"/>
+          </a:p>
+          <a:p>
+            <a:r>
+              <a:rPr lang="en-US" altLang="ko-KR" dirty="0"/>
+              <a:t>	</a:t>
+            </a:r>
+          </a:p>
+          <a:p>
+            <a:endParaRPr lang="en-US" altLang="ko-KR" dirty="0"/>
+          </a:p>
+          <a:p>
+            <a:endParaRPr lang="en-US" altLang="ko-KR" dirty="0"/>
+          </a:p>
+          <a:p>
+            <a:endParaRPr lang="en-US" altLang="ko-KR" dirty="0"/>
+          </a:p>
+          <a:p>
+            <a:endParaRPr lang="en-US" altLang="ko-KR" dirty="0"/>
+          </a:p>
+          <a:p>
+            <a:r>
+              <a:rPr lang="ko-KR" altLang="en-US" dirty="0"/>
+              <a:t>위 </a:t>
+            </a:r>
+            <a:r>
+              <a:rPr lang="en-US" altLang="ko-KR" dirty="0"/>
+              <a:t>3</a:t>
+            </a:r>
+            <a:r>
+              <a:rPr lang="ko-KR" altLang="en-US" dirty="0"/>
+              <a:t>종류의 공격패턴을 구현 한 후 </a:t>
+            </a:r>
+            <a:r>
+              <a:rPr lang="ko-KR" altLang="en-US" b="1" dirty="0"/>
+              <a:t>모델만 바꿔서 사용</a:t>
+            </a:r>
+            <a:endParaRPr lang="en-US" altLang="ko-KR" b="1" dirty="0"/>
+          </a:p>
+          <a:p>
+            <a:endParaRPr lang="en-US" altLang="ko-KR" dirty="0"/>
+          </a:p>
+        </p:txBody>
+      </p:sp>
+    </p:spTree>
+    <p:extLst>
+      <p:ext uri="{BB962C8B-B14F-4D97-AF65-F5344CB8AC3E}">
+        <p14:creationId xmlns:p14="http://schemas.microsoft.com/office/powerpoint/2010/main" val="3372819110"/>
+      </p:ext>
+    </p:extLst>
+  </p:cSld>
+  <p:clrMapOvr>
+    <a:masterClrMapping/>
+  </p:clrMapOvr>
+</p:sld>
+</file>
+
+<file path=ppt/slides/slide18.xml><?xml version="1.0" encoding="utf-8"?>
+<p:sld xmlns:a="http://schemas.openxmlformats.org/drawingml/2006/main" xmlns:r="http://schemas.openxmlformats.org/officeDocument/2006/relationships" xmlns:p="http://schemas.openxmlformats.org/presentationml/2006/main">
+  <p:cSld>
+    <p:spTree>
+      <p:nvGrpSpPr>
+        <p:cNvPr id="1" name=""/>
+        <p:cNvGrpSpPr/>
+        <p:nvPr/>
+      </p:nvGrpSpPr>
+      <p:grpSpPr>
+        <a:xfrm>
+          <a:off x="0" y="0"/>
+          <a:ext cx="0" cy="0"/>
+          <a:chOff x="0" y="0"/>
+          <a:chExt cx="0" cy="0"/>
+        </a:xfrm>
+      </p:grpSpPr>
+      <p:sp>
+        <p:nvSpPr>
+          <p:cNvPr id="4" name="직사각형 3"/>
+          <p:cNvSpPr/>
+          <p:nvPr/>
+        </p:nvSpPr>
+        <p:spPr>
+          <a:xfrm>
+            <a:off x="370592" y="389855"/>
+            <a:ext cx="264898" cy="246221"/>
+          </a:xfrm>
+          <a:prstGeom prst="rect">
+            <a:avLst/>
+          </a:prstGeom>
+          <a:solidFill>
+            <a:schemeClr val="bg1">
+              <a:lumMod val="85000"/>
+            </a:schemeClr>
+          </a:solidFill>
+          <a:ln>
+            <a:noFill/>
+          </a:ln>
+        </p:spPr>
+        <p:style>
+          <a:lnRef idx="2">
+            <a:schemeClr val="accent1">
+              <a:shade val="50000"/>
+            </a:schemeClr>
+          </a:lnRef>
+          <a:fillRef idx="1">
+            <a:schemeClr val="accent1"/>
+          </a:fillRef>
+          <a:effectRef idx="0">
+            <a:schemeClr val="accent1"/>
+          </a:effectRef>
+          <a:fontRef idx="minor">
+            <a:schemeClr val="lt1"/>
+          </a:fontRef>
+        </p:style>
+        <p:txBody>
+          <a:bodyPr rtlCol="0" anchor="ctr"/>
+          <a:lstStyle/>
+          <a:p>
+            <a:pPr algn="ctr"/>
+            <a:endParaRPr lang="ko-KR" altLang="en-US"/>
+          </a:p>
+        </p:txBody>
+      </p:sp>
+      <p:sp>
+        <p:nvSpPr>
+          <p:cNvPr id="5" name="TextBox 4"/>
+          <p:cNvSpPr txBox="1"/>
+          <p:nvPr/>
+        </p:nvSpPr>
+        <p:spPr>
+          <a:xfrm>
+            <a:off x="635490" y="335487"/>
+            <a:ext cx="1176849" cy="400110"/>
+          </a:xfrm>
+          <a:prstGeom prst="rect">
+            <a:avLst/>
+          </a:prstGeom>
+          <a:noFill/>
+        </p:spPr>
+        <p:txBody>
+          <a:bodyPr wrap="square" rtlCol="0">
+            <a:spAutoFit/>
+          </a:bodyPr>
+          <a:lstStyle/>
+          <a:p>
+            <a:r>
+              <a:rPr lang="ko-KR" altLang="en-US" sz="2000" dirty="0">
+                <a:solidFill>
+                  <a:schemeClr val="tx1">
+                    <a:lumMod val="75000"/>
+                    <a:lumOff val="25000"/>
+                  </a:schemeClr>
+                </a:solidFill>
+                <a:latin typeface="Sandoll 고딕 03 Bold" pitchFamily="34" charset="-127"/>
+                <a:ea typeface="Sandoll 고딕 03 Bold" pitchFamily="34" charset="-127"/>
+              </a:rPr>
+              <a:t>캐릭터</a:t>
+            </a:r>
+          </a:p>
+        </p:txBody>
+      </p:sp>
+      <p:sp>
+        <p:nvSpPr>
+          <p:cNvPr id="6" name="TextBox 5"/>
+          <p:cNvSpPr txBox="1"/>
+          <p:nvPr/>
+        </p:nvSpPr>
+        <p:spPr>
+          <a:xfrm>
+            <a:off x="1475656" y="366265"/>
+            <a:ext cx="2232248" cy="338554"/>
+          </a:xfrm>
+          <a:prstGeom prst="rect">
+            <a:avLst/>
+          </a:prstGeom>
+          <a:noFill/>
+        </p:spPr>
+        <p:txBody>
+          <a:bodyPr wrap="square" rtlCol="0">
+            <a:spAutoFit/>
+          </a:bodyPr>
+          <a:lstStyle/>
+          <a:p>
+            <a:r>
+              <a:rPr lang="en-US" altLang="ko-KR" sz="1600" dirty="0">
+                <a:solidFill>
+                  <a:schemeClr val="bg1">
+                    <a:lumMod val="50000"/>
+                  </a:schemeClr>
+                </a:solidFill>
+                <a:latin typeface="Sandoll 고딕 02 Medium" pitchFamily="34" charset="-127"/>
+                <a:ea typeface="Sandoll 고딕 02 Medium" pitchFamily="34" charset="-127"/>
+              </a:rPr>
+              <a:t>4) </a:t>
+            </a:r>
+            <a:r>
+              <a:rPr lang="ko-KR" altLang="en-US" sz="1600" dirty="0">
+                <a:solidFill>
+                  <a:schemeClr val="bg1">
+                    <a:lumMod val="50000"/>
+                  </a:schemeClr>
+                </a:solidFill>
+                <a:latin typeface="Sandoll 고딕 02 Medium" pitchFamily="34" charset="-127"/>
+                <a:ea typeface="Sandoll 고딕 02 Medium" pitchFamily="34" charset="-127"/>
+              </a:rPr>
+              <a:t>일반 몬스터 </a:t>
+            </a:r>
+            <a:r>
+              <a:rPr lang="en-US" altLang="ko-KR" sz="1600" dirty="0">
+                <a:solidFill>
+                  <a:schemeClr val="bg1">
+                    <a:lumMod val="50000"/>
+                  </a:schemeClr>
+                </a:solidFill>
+                <a:latin typeface="Sandoll 고딕 02 Medium" pitchFamily="34" charset="-127"/>
+                <a:ea typeface="Sandoll 고딕 02 Medium" pitchFamily="34" charset="-127"/>
+              </a:rPr>
+              <a:t>- </a:t>
+            </a:r>
+            <a:r>
+              <a:rPr lang="ko-KR" altLang="en-US" sz="1600" dirty="0">
+                <a:solidFill>
+                  <a:schemeClr val="bg1">
+                    <a:lumMod val="50000"/>
+                  </a:schemeClr>
+                </a:solidFill>
+                <a:latin typeface="Sandoll 고딕 02 Medium" pitchFamily="34" charset="-127"/>
+                <a:ea typeface="Sandoll 고딕 02 Medium" pitchFamily="34" charset="-127"/>
+              </a:rPr>
+              <a:t>오크</a:t>
+            </a:r>
+          </a:p>
+        </p:txBody>
+      </p:sp>
+      <p:cxnSp>
+        <p:nvCxnSpPr>
+          <p:cNvPr id="7" name="직선 연결선 6"/>
+          <p:cNvCxnSpPr/>
+          <p:nvPr/>
+        </p:nvCxnSpPr>
+        <p:spPr>
+          <a:xfrm>
+            <a:off x="251520" y="0"/>
+            <a:ext cx="0" cy="6858000"/>
+          </a:xfrm>
+          <a:prstGeom prst="line">
+            <a:avLst/>
+          </a:prstGeom>
+          <a:ln>
+            <a:solidFill>
+              <a:schemeClr val="bg1">
+                <a:lumMod val="65000"/>
+              </a:schemeClr>
+            </a:solidFill>
+            <a:prstDash val="sysDot"/>
+          </a:ln>
+        </p:spPr>
+        <p:style>
+          <a:lnRef idx="1">
+            <a:schemeClr val="accent1"/>
+          </a:lnRef>
+          <a:fillRef idx="0">
+            <a:schemeClr val="accent1"/>
+          </a:fillRef>
+          <a:effectRef idx="0">
+            <a:schemeClr val="accent1"/>
+          </a:effectRef>
+          <a:fontRef idx="minor">
+            <a:schemeClr val="tx1"/>
+          </a:fontRef>
+        </p:style>
+      </p:cxnSp>
+      <p:cxnSp>
+        <p:nvCxnSpPr>
+          <p:cNvPr id="8" name="직선 연결선 7"/>
+          <p:cNvCxnSpPr/>
+          <p:nvPr/>
+        </p:nvCxnSpPr>
+        <p:spPr>
+          <a:xfrm>
+            <a:off x="0" y="260648"/>
+            <a:ext cx="9144000" cy="0"/>
+          </a:xfrm>
+          <a:prstGeom prst="line">
+            <a:avLst/>
+          </a:prstGeom>
+          <a:ln>
+            <a:solidFill>
+              <a:schemeClr val="bg1">
+                <a:lumMod val="65000"/>
+              </a:schemeClr>
+            </a:solidFill>
+            <a:prstDash val="sysDot"/>
+          </a:ln>
+        </p:spPr>
+        <p:style>
+          <a:lnRef idx="1">
+            <a:schemeClr val="accent1"/>
+          </a:lnRef>
+          <a:fillRef idx="0">
+            <a:schemeClr val="accent1"/>
+          </a:fillRef>
+          <a:effectRef idx="0">
+            <a:schemeClr val="accent1"/>
+          </a:effectRef>
+          <a:fontRef idx="minor">
+            <a:schemeClr val="tx1"/>
+          </a:fontRef>
+        </p:style>
+      </p:cxnSp>
+      <p:grpSp>
+        <p:nvGrpSpPr>
+          <p:cNvPr id="9" name="그룹 8"/>
+          <p:cNvGrpSpPr/>
+          <p:nvPr/>
+        </p:nvGrpSpPr>
+        <p:grpSpPr>
+          <a:xfrm>
+            <a:off x="8371684" y="6351563"/>
+            <a:ext cx="772316" cy="491577"/>
+            <a:chOff x="4252314" y="1143866"/>
+            <a:chExt cx="772316" cy="491577"/>
+          </a:xfrm>
+        </p:grpSpPr>
+        <p:sp>
+          <p:nvSpPr>
+            <p:cNvPr id="10" name="직사각형 9"/>
+            <p:cNvSpPr/>
+            <p:nvPr/>
+          </p:nvSpPr>
+          <p:spPr>
+            <a:xfrm rot="599424">
+              <a:off x="4252314" y="1223935"/>
+              <a:ext cx="319686" cy="319686"/>
+            </a:xfrm>
+            <a:prstGeom prst="rect">
+              <a:avLst/>
+            </a:prstGeom>
+            <a:noFill/>
+            <a:ln w="9525">
+              <a:solidFill>
+                <a:schemeClr val="bg1">
+                  <a:lumMod val="65000"/>
+                </a:schemeClr>
+              </a:solidFill>
+            </a:ln>
+          </p:spPr>
+          <p:style>
+            <a:lnRef idx="2">
+              <a:schemeClr val="accent1">
+                <a:shade val="50000"/>
+              </a:schemeClr>
+            </a:lnRef>
+            <a:fillRef idx="1">
+              <a:schemeClr val="accent1"/>
+            </a:fillRef>
+            <a:effectRef idx="0">
+              <a:schemeClr val="accent1"/>
+            </a:effectRef>
+            <a:fontRef idx="minor">
+              <a:schemeClr val="lt1"/>
+            </a:fontRef>
+          </p:style>
+          <p:txBody>
+            <a:bodyPr rtlCol="0" anchor="ctr"/>
+            <a:lstStyle/>
+            <a:p>
+              <a:pPr algn="ctr"/>
+              <a:endParaRPr lang="ko-KR" altLang="en-US"/>
+            </a:p>
+          </p:txBody>
+        </p:sp>
+        <p:sp>
+          <p:nvSpPr>
+            <p:cNvPr id="11" name="직사각형 10"/>
+            <p:cNvSpPr/>
+            <p:nvPr/>
+          </p:nvSpPr>
+          <p:spPr>
+            <a:xfrm rot="1427337">
+              <a:off x="4556578" y="1143866"/>
+              <a:ext cx="468052" cy="468052"/>
+            </a:xfrm>
+            <a:prstGeom prst="rect">
+              <a:avLst/>
+            </a:prstGeom>
+            <a:noFill/>
+            <a:ln w="9525">
+              <a:solidFill>
+                <a:schemeClr val="bg1">
+                  <a:lumMod val="65000"/>
+                </a:schemeClr>
+              </a:solidFill>
+            </a:ln>
+          </p:spPr>
+          <p:style>
+            <a:lnRef idx="2">
+              <a:schemeClr val="accent1">
+                <a:shade val="50000"/>
+              </a:schemeClr>
+            </a:lnRef>
+            <a:fillRef idx="1">
+              <a:schemeClr val="accent1"/>
+            </a:fillRef>
+            <a:effectRef idx="0">
+              <a:schemeClr val="accent1"/>
+            </a:effectRef>
+            <a:fontRef idx="minor">
+              <a:schemeClr val="lt1"/>
+            </a:fontRef>
+          </p:style>
+          <p:txBody>
+            <a:bodyPr rtlCol="0" anchor="ctr"/>
+            <a:lstStyle/>
+            <a:p>
+              <a:pPr algn="ctr"/>
+              <a:endParaRPr lang="ko-KR" altLang="en-US"/>
+            </a:p>
+          </p:txBody>
+        </p:sp>
+        <p:sp>
+          <p:nvSpPr>
+            <p:cNvPr id="12" name="직사각형 11"/>
+            <p:cNvSpPr/>
+            <p:nvPr/>
+          </p:nvSpPr>
+          <p:spPr>
+            <a:xfrm rot="3783077">
+              <a:off x="4440058" y="1443568"/>
+              <a:ext cx="191875" cy="191875"/>
+            </a:xfrm>
+            <a:prstGeom prst="rect">
+              <a:avLst/>
+            </a:prstGeom>
+            <a:solidFill>
+              <a:schemeClr val="bg1">
+                <a:lumMod val="65000"/>
+              </a:schemeClr>
+            </a:solidFill>
+            <a:ln w="9525">
+              <a:solidFill>
+                <a:schemeClr val="bg1">
+                  <a:lumMod val="65000"/>
+                </a:schemeClr>
+              </a:solidFill>
+            </a:ln>
+          </p:spPr>
+          <p:style>
+            <a:lnRef idx="2">
+              <a:schemeClr val="accent1">
+                <a:shade val="50000"/>
+              </a:schemeClr>
+            </a:lnRef>
+            <a:fillRef idx="1">
+              <a:schemeClr val="accent1"/>
+            </a:fillRef>
+            <a:effectRef idx="0">
+              <a:schemeClr val="accent1"/>
+            </a:effectRef>
+            <a:fontRef idx="minor">
+              <a:schemeClr val="lt1"/>
+            </a:fontRef>
+          </p:style>
+          <p:txBody>
+            <a:bodyPr rtlCol="0" anchor="ctr"/>
+            <a:lstStyle/>
+            <a:p>
+              <a:pPr algn="ctr"/>
+              <a:endParaRPr lang="ko-KR" altLang="en-US"/>
+            </a:p>
+          </p:txBody>
+        </p:sp>
+      </p:grpSp>
+      <p:pic>
+        <p:nvPicPr>
+          <p:cNvPr id="2050" name="Picture 2" descr="screenshot">
+            <a:extLst>
+              <a:ext uri="{FF2B5EF4-FFF2-40B4-BE49-F238E27FC236}">
+                <a16:creationId xmlns:a16="http://schemas.microsoft.com/office/drawing/2014/main" id="{F34BFE6E-30E9-0C77-738E-6B3A042F676C}"/>
+              </a:ext>
+            </a:extLst>
+          </p:cNvPr>
+          <p:cNvPicPr>
+            <a:picLocks noChangeAspect="1" noChangeArrowheads="1"/>
+          </p:cNvPicPr>
+          <p:nvPr/>
+        </p:nvPicPr>
+        <p:blipFill rotWithShape="1">
+          <a:blip r:embed="rId2">
+            <a:extLst>
+              <a:ext uri="{28A0092B-C50C-407E-A947-70E740481C1C}">
+                <a14:useLocalDpi xmlns:a14="http://schemas.microsoft.com/office/drawing/2010/main" val="0"/>
+              </a:ext>
+            </a:extLst>
+          </a:blip>
+          <a:srcRect r="25075"/>
+          <a:stretch/>
+        </p:blipFill>
+        <p:spPr bwMode="auto">
+          <a:xfrm>
+            <a:off x="1758036" y="1086480"/>
+            <a:ext cx="5627928" cy="4219802"/>
+          </a:xfrm>
+          <a:prstGeom prst="rect">
+            <a:avLst/>
+          </a:prstGeom>
+          <a:noFill/>
+          <a:extLst>
+            <a:ext uri="{909E8E84-426E-40DD-AFC4-6F175D3DCCD1}">
+              <a14:hiddenFill xmlns:a14="http://schemas.microsoft.com/office/drawing/2010/main">
+                <a:solidFill>
+                  <a:srgbClr val="FFFFFF"/>
+                </a:solidFill>
+              </a14:hiddenFill>
+            </a:ext>
+          </a:extLst>
+        </p:spPr>
+      </p:pic>
+      <p:sp>
+        <p:nvSpPr>
+          <p:cNvPr id="2" name="TextBox 1">
+            <a:extLst>
+              <a:ext uri="{FF2B5EF4-FFF2-40B4-BE49-F238E27FC236}">
+                <a16:creationId xmlns:a16="http://schemas.microsoft.com/office/drawing/2014/main" id="{8B9D4E88-D5BE-9047-B2AC-7AF631AD36AA}"/>
+              </a:ext>
+            </a:extLst>
+          </p:cNvPr>
+          <p:cNvSpPr txBox="1"/>
+          <p:nvPr/>
+        </p:nvSpPr>
+        <p:spPr>
+          <a:xfrm>
+            <a:off x="798915" y="5337060"/>
+            <a:ext cx="7477125" cy="1477328"/>
+          </a:xfrm>
+          <a:prstGeom prst="rect">
+            <a:avLst/>
+          </a:prstGeom>
+          <a:noFill/>
+        </p:spPr>
+        <p:txBody>
+          <a:bodyPr wrap="square" rtlCol="0">
+            <a:spAutoFit/>
+          </a:bodyPr>
+          <a:lstStyle/>
+          <a:p>
+            <a:pPr algn="ctr"/>
+            <a:r>
+              <a:rPr lang="ko-KR" altLang="en-US" sz="700" dirty="0"/>
+              <a:t>출처 </a:t>
+            </a:r>
+            <a:r>
+              <a:rPr lang="en-US" altLang="ko-KR" sz="700" dirty="0"/>
+              <a:t>: https://assetstore.unity.com/packages/3d/fantasy-monsters-v2-orc-59422</a:t>
+            </a:r>
+          </a:p>
+          <a:p>
+            <a:endParaRPr lang="en-US" altLang="ko-KR" sz="700" dirty="0"/>
+          </a:p>
+          <a:p>
+            <a:endParaRPr lang="en-US" altLang="ko-KR" sz="700" dirty="0"/>
+          </a:p>
+          <a:p>
+            <a:r>
+              <a:rPr lang="en-US" altLang="ko-KR" sz="1600" dirty="0"/>
+              <a:t>Unity Asset Store ( ENTIGI )</a:t>
+            </a:r>
+          </a:p>
+          <a:p>
+            <a:endParaRPr lang="en-US" altLang="ko-KR" sz="1600" dirty="0"/>
+          </a:p>
+          <a:p>
+            <a:r>
+              <a:rPr lang="en-US" altLang="ko-KR" sz="1600" i="0" dirty="0">
+                <a:solidFill>
+                  <a:srgbClr val="212121"/>
+                </a:solidFill>
+                <a:effectLst/>
+              </a:rPr>
+              <a:t>Fantasy Monsters V2 – </a:t>
+            </a:r>
+            <a:r>
+              <a:rPr lang="en-US" altLang="ko-KR" sz="1600" i="0" dirty="0" err="1">
+                <a:solidFill>
+                  <a:srgbClr val="212121"/>
+                </a:solidFill>
+                <a:effectLst/>
+              </a:rPr>
+              <a:t>Ork</a:t>
+            </a:r>
+            <a:r>
+              <a:rPr lang="en-US" altLang="ko-KR" sz="1600" i="0" dirty="0">
+                <a:solidFill>
+                  <a:srgbClr val="212121"/>
+                </a:solidFill>
+                <a:effectLst/>
+              </a:rPr>
+              <a:t> </a:t>
+            </a:r>
+            <a:r>
+              <a:rPr lang="ko-KR" altLang="en-US" sz="1600" i="0" dirty="0">
+                <a:solidFill>
+                  <a:srgbClr val="212121"/>
+                </a:solidFill>
+                <a:effectLst/>
+              </a:rPr>
+              <a:t>구매</a:t>
+            </a:r>
+            <a:endParaRPr lang="en-US" altLang="ko-KR" sz="1600" i="0" dirty="0">
+              <a:solidFill>
+                <a:srgbClr val="212121"/>
+              </a:solidFill>
+              <a:effectLst/>
+            </a:endParaRPr>
+          </a:p>
+          <a:p>
+            <a:endParaRPr lang="en-US" altLang="ko-KR" sz="1400" dirty="0"/>
+          </a:p>
+          <a:p>
+            <a:endParaRPr lang="ko-KR" altLang="en-US" sz="700" dirty="0"/>
+          </a:p>
+        </p:txBody>
+      </p:sp>
+      <p:sp>
+        <p:nvSpPr>
+          <p:cNvPr id="13" name="TextBox 12">
+            <a:extLst>
+              <a:ext uri="{FF2B5EF4-FFF2-40B4-BE49-F238E27FC236}">
+                <a16:creationId xmlns:a16="http://schemas.microsoft.com/office/drawing/2014/main" id="{36BEBA6B-1947-8EEE-E760-79AD21BF5CFA}"/>
+              </a:ext>
+            </a:extLst>
+          </p:cNvPr>
+          <p:cNvSpPr txBox="1"/>
+          <p:nvPr/>
+        </p:nvSpPr>
+        <p:spPr>
+          <a:xfrm>
+            <a:off x="2483768" y="3062726"/>
+            <a:ext cx="4608512" cy="338554"/>
+          </a:xfrm>
+          <a:prstGeom prst="rect">
+            <a:avLst/>
+          </a:prstGeom>
+          <a:noFill/>
+        </p:spPr>
+        <p:txBody>
+          <a:bodyPr wrap="square" rtlCol="0">
+            <a:spAutoFit/>
+          </a:bodyPr>
+          <a:lstStyle/>
+          <a:p>
+            <a:r>
+              <a:rPr lang="ko-KR" altLang="en-US" sz="1600" dirty="0">
+                <a:solidFill>
+                  <a:schemeClr val="bg1"/>
+                </a:solidFill>
+              </a:rPr>
+              <a:t>근접</a:t>
+            </a:r>
+            <a:r>
+              <a:rPr lang="en-US" altLang="ko-KR" sz="1600" dirty="0">
+                <a:solidFill>
+                  <a:schemeClr val="bg1"/>
+                </a:solidFill>
+              </a:rPr>
+              <a:t>		 </a:t>
+            </a:r>
+            <a:r>
+              <a:rPr lang="ko-KR" altLang="en-US" sz="1600" dirty="0">
+                <a:solidFill>
+                  <a:schemeClr val="bg1"/>
+                </a:solidFill>
+              </a:rPr>
+              <a:t>돌진</a:t>
+            </a:r>
+            <a:r>
+              <a:rPr lang="en-US" altLang="ko-KR" sz="1600" dirty="0">
+                <a:solidFill>
+                  <a:schemeClr val="bg1"/>
+                </a:solidFill>
+              </a:rPr>
+              <a:t>	           </a:t>
+            </a:r>
+            <a:r>
+              <a:rPr lang="ko-KR" altLang="en-US" sz="1600" dirty="0">
+                <a:solidFill>
+                  <a:schemeClr val="bg1"/>
+                </a:solidFill>
+              </a:rPr>
+              <a:t>원거리</a:t>
+            </a:r>
+          </a:p>
+        </p:txBody>
+      </p:sp>
+    </p:spTree>
+    <p:extLst>
+      <p:ext uri="{BB962C8B-B14F-4D97-AF65-F5344CB8AC3E}">
+        <p14:creationId xmlns:p14="http://schemas.microsoft.com/office/powerpoint/2010/main" val="1897545715"/>
+      </p:ext>
+    </p:extLst>
+  </p:cSld>
+  <p:clrMapOvr>
+    <a:masterClrMapping/>
+  </p:clrMapOvr>
+</p:sld>
+</file>
+
+<file path=ppt/slides/slide19.xml><?xml version="1.0" encoding="utf-8"?>
+<p:sld xmlns:a="http://schemas.openxmlformats.org/drawingml/2006/main" xmlns:r="http://schemas.openxmlformats.org/officeDocument/2006/relationships" xmlns:p="http://schemas.openxmlformats.org/presentationml/2006/main">
+  <p:cSld>
+    <p:spTree>
+      <p:nvGrpSpPr>
+        <p:cNvPr id="1" name=""/>
+        <p:cNvGrpSpPr/>
+        <p:nvPr/>
+      </p:nvGrpSpPr>
+      <p:grpSpPr>
+        <a:xfrm>
+          <a:off x="0" y="0"/>
+          <a:ext cx="0" cy="0"/>
+          <a:chOff x="0" y="0"/>
+          <a:chExt cx="0" cy="0"/>
+        </a:xfrm>
+      </p:grpSpPr>
+      <p:sp>
+        <p:nvSpPr>
+          <p:cNvPr id="4" name="직사각형 3"/>
+          <p:cNvSpPr/>
+          <p:nvPr/>
+        </p:nvSpPr>
+        <p:spPr>
+          <a:xfrm>
+            <a:off x="370592" y="389855"/>
+            <a:ext cx="264898" cy="246221"/>
+          </a:xfrm>
+          <a:prstGeom prst="rect">
+            <a:avLst/>
+          </a:prstGeom>
+          <a:solidFill>
+            <a:schemeClr val="bg1">
+              <a:lumMod val="85000"/>
+            </a:schemeClr>
+          </a:solidFill>
+          <a:ln>
+            <a:noFill/>
+          </a:ln>
+        </p:spPr>
+        <p:style>
+          <a:lnRef idx="2">
+            <a:schemeClr val="accent1">
+              <a:shade val="50000"/>
+            </a:schemeClr>
+          </a:lnRef>
+          <a:fillRef idx="1">
+            <a:schemeClr val="accent1"/>
+          </a:fillRef>
+          <a:effectRef idx="0">
+            <a:schemeClr val="accent1"/>
+          </a:effectRef>
+          <a:fontRef idx="minor">
+            <a:schemeClr val="lt1"/>
+          </a:fontRef>
+        </p:style>
+        <p:txBody>
+          <a:bodyPr rtlCol="0" anchor="ctr"/>
+          <a:lstStyle/>
+          <a:p>
+            <a:pPr algn="ctr"/>
+            <a:endParaRPr lang="ko-KR" altLang="en-US"/>
+          </a:p>
+        </p:txBody>
+      </p:sp>
+      <p:sp>
+        <p:nvSpPr>
+          <p:cNvPr id="5" name="TextBox 4"/>
+          <p:cNvSpPr txBox="1"/>
+          <p:nvPr/>
+        </p:nvSpPr>
+        <p:spPr>
+          <a:xfrm>
+            <a:off x="635490" y="335487"/>
+            <a:ext cx="1176849" cy="400110"/>
+          </a:xfrm>
+          <a:prstGeom prst="rect">
+            <a:avLst/>
+          </a:prstGeom>
+          <a:noFill/>
+        </p:spPr>
+        <p:txBody>
+          <a:bodyPr wrap="square" rtlCol="0">
+            <a:spAutoFit/>
+          </a:bodyPr>
+          <a:lstStyle/>
+          <a:p>
+            <a:r>
+              <a:rPr lang="ko-KR" altLang="en-US" sz="2000" dirty="0">
+                <a:solidFill>
+                  <a:schemeClr val="tx1">
+                    <a:lumMod val="75000"/>
+                    <a:lumOff val="25000"/>
+                  </a:schemeClr>
+                </a:solidFill>
+                <a:latin typeface="Sandoll 고딕 03 Bold" pitchFamily="34" charset="-127"/>
+                <a:ea typeface="Sandoll 고딕 03 Bold" pitchFamily="34" charset="-127"/>
+              </a:rPr>
+              <a:t>캐릭터</a:t>
+            </a:r>
+          </a:p>
+        </p:txBody>
+      </p:sp>
+      <p:sp>
+        <p:nvSpPr>
+          <p:cNvPr id="6" name="TextBox 5"/>
+          <p:cNvSpPr txBox="1"/>
+          <p:nvPr/>
+        </p:nvSpPr>
+        <p:spPr>
+          <a:xfrm>
+            <a:off x="1475655" y="366265"/>
+            <a:ext cx="2448269" cy="338554"/>
+          </a:xfrm>
+          <a:prstGeom prst="rect">
+            <a:avLst/>
+          </a:prstGeom>
+          <a:noFill/>
+        </p:spPr>
+        <p:txBody>
+          <a:bodyPr wrap="square" rtlCol="0">
+            <a:spAutoFit/>
+          </a:bodyPr>
+          <a:lstStyle/>
+          <a:p>
+            <a:r>
+              <a:rPr lang="en-US" altLang="ko-KR" sz="1600" dirty="0">
+                <a:solidFill>
+                  <a:schemeClr val="bg1">
+                    <a:lumMod val="50000"/>
+                  </a:schemeClr>
+                </a:solidFill>
+                <a:latin typeface="Sandoll 고딕 02 Medium" pitchFamily="34" charset="-127"/>
+                <a:ea typeface="Sandoll 고딕 02 Medium" pitchFamily="34" charset="-127"/>
+              </a:rPr>
+              <a:t>4) </a:t>
+            </a:r>
+            <a:r>
+              <a:rPr lang="ko-KR" altLang="en-US" sz="1600" dirty="0">
+                <a:solidFill>
+                  <a:schemeClr val="bg1">
+                    <a:lumMod val="50000"/>
+                  </a:schemeClr>
+                </a:solidFill>
+                <a:latin typeface="Sandoll 고딕 02 Medium" pitchFamily="34" charset="-127"/>
+                <a:ea typeface="Sandoll 고딕 02 Medium" pitchFamily="34" charset="-127"/>
+              </a:rPr>
+              <a:t>일반 몬스터 </a:t>
+            </a:r>
+            <a:r>
+              <a:rPr lang="en-US" altLang="ko-KR" sz="1600" dirty="0">
+                <a:solidFill>
+                  <a:schemeClr val="bg1">
+                    <a:lumMod val="50000"/>
+                  </a:schemeClr>
+                </a:solidFill>
+                <a:latin typeface="Sandoll 고딕 02 Medium" pitchFamily="34" charset="-127"/>
+                <a:ea typeface="Sandoll 고딕 02 Medium" pitchFamily="34" charset="-127"/>
+              </a:rPr>
+              <a:t>- </a:t>
+            </a:r>
+            <a:r>
+              <a:rPr lang="ko-KR" altLang="en-US" sz="1600" dirty="0">
+                <a:solidFill>
+                  <a:schemeClr val="bg1">
+                    <a:lumMod val="50000"/>
+                  </a:schemeClr>
+                </a:solidFill>
+                <a:latin typeface="Sandoll 고딕 02 Medium" pitchFamily="34" charset="-127"/>
+                <a:ea typeface="Sandoll 고딕 02 Medium" pitchFamily="34" charset="-127"/>
+              </a:rPr>
+              <a:t>고블린</a:t>
+            </a:r>
+          </a:p>
+        </p:txBody>
+      </p:sp>
+      <p:cxnSp>
+        <p:nvCxnSpPr>
+          <p:cNvPr id="7" name="직선 연결선 6"/>
+          <p:cNvCxnSpPr/>
+          <p:nvPr/>
+        </p:nvCxnSpPr>
+        <p:spPr>
+          <a:xfrm>
+            <a:off x="251520" y="0"/>
+            <a:ext cx="0" cy="6858000"/>
+          </a:xfrm>
+          <a:prstGeom prst="line">
+            <a:avLst/>
+          </a:prstGeom>
+          <a:ln>
+            <a:solidFill>
+              <a:schemeClr val="bg1">
+                <a:lumMod val="65000"/>
+              </a:schemeClr>
+            </a:solidFill>
+            <a:prstDash val="sysDot"/>
+          </a:ln>
+        </p:spPr>
+        <p:style>
+          <a:lnRef idx="1">
+            <a:schemeClr val="accent1"/>
+          </a:lnRef>
+          <a:fillRef idx="0">
+            <a:schemeClr val="accent1"/>
+          </a:fillRef>
+          <a:effectRef idx="0">
+            <a:schemeClr val="accent1"/>
+          </a:effectRef>
+          <a:fontRef idx="minor">
+            <a:schemeClr val="tx1"/>
+          </a:fontRef>
+        </p:style>
+      </p:cxnSp>
+      <p:cxnSp>
+        <p:nvCxnSpPr>
+          <p:cNvPr id="8" name="직선 연결선 7"/>
+          <p:cNvCxnSpPr/>
+          <p:nvPr/>
+        </p:nvCxnSpPr>
+        <p:spPr>
+          <a:xfrm>
+            <a:off x="0" y="260648"/>
+            <a:ext cx="9144000" cy="0"/>
+          </a:xfrm>
+          <a:prstGeom prst="line">
+            <a:avLst/>
+          </a:prstGeom>
+          <a:ln>
+            <a:solidFill>
+              <a:schemeClr val="bg1">
+                <a:lumMod val="65000"/>
+              </a:schemeClr>
+            </a:solidFill>
+            <a:prstDash val="sysDot"/>
+          </a:ln>
+        </p:spPr>
+        <p:style>
+          <a:lnRef idx="1">
+            <a:schemeClr val="accent1"/>
+          </a:lnRef>
+          <a:fillRef idx="0">
+            <a:schemeClr val="accent1"/>
+          </a:fillRef>
+          <a:effectRef idx="0">
+            <a:schemeClr val="accent1"/>
+          </a:effectRef>
+          <a:fontRef idx="minor">
+            <a:schemeClr val="tx1"/>
+          </a:fontRef>
+        </p:style>
+      </p:cxnSp>
+      <p:grpSp>
+        <p:nvGrpSpPr>
+          <p:cNvPr id="9" name="그룹 8"/>
+          <p:cNvGrpSpPr/>
+          <p:nvPr/>
+        </p:nvGrpSpPr>
+        <p:grpSpPr>
+          <a:xfrm>
+            <a:off x="8371684" y="6351563"/>
+            <a:ext cx="772316" cy="491577"/>
+            <a:chOff x="4252314" y="1143866"/>
+            <a:chExt cx="772316" cy="491577"/>
+          </a:xfrm>
+        </p:grpSpPr>
+        <p:sp>
+          <p:nvSpPr>
+            <p:cNvPr id="10" name="직사각형 9"/>
+            <p:cNvSpPr/>
+            <p:nvPr/>
+          </p:nvSpPr>
+          <p:spPr>
+            <a:xfrm rot="599424">
+              <a:off x="4252314" y="1223935"/>
+              <a:ext cx="319686" cy="319686"/>
+            </a:xfrm>
+            <a:prstGeom prst="rect">
+              <a:avLst/>
+            </a:prstGeom>
+            <a:noFill/>
+            <a:ln w="9525">
+              <a:solidFill>
+                <a:schemeClr val="bg1">
+                  <a:lumMod val="65000"/>
+                </a:schemeClr>
+              </a:solidFill>
+            </a:ln>
+          </p:spPr>
+          <p:style>
+            <a:lnRef idx="2">
+              <a:schemeClr val="accent1">
+                <a:shade val="50000"/>
+              </a:schemeClr>
+            </a:lnRef>
+            <a:fillRef idx="1">
+              <a:schemeClr val="accent1"/>
+            </a:fillRef>
+            <a:effectRef idx="0">
+              <a:schemeClr val="accent1"/>
+            </a:effectRef>
+            <a:fontRef idx="minor">
+              <a:schemeClr val="lt1"/>
+            </a:fontRef>
+          </p:style>
+          <p:txBody>
+            <a:bodyPr rtlCol="0" anchor="ctr"/>
+            <a:lstStyle/>
+            <a:p>
+              <a:pPr algn="ctr"/>
+              <a:endParaRPr lang="ko-KR" altLang="en-US"/>
+            </a:p>
+          </p:txBody>
+        </p:sp>
+        <p:sp>
+          <p:nvSpPr>
+            <p:cNvPr id="11" name="직사각형 10"/>
+            <p:cNvSpPr/>
+            <p:nvPr/>
+          </p:nvSpPr>
+          <p:spPr>
+            <a:xfrm rot="1427337">
+              <a:off x="4556578" y="1143866"/>
+              <a:ext cx="468052" cy="468052"/>
+            </a:xfrm>
+            <a:prstGeom prst="rect">
+              <a:avLst/>
+            </a:prstGeom>
+            <a:noFill/>
+            <a:ln w="9525">
+              <a:solidFill>
+                <a:schemeClr val="bg1">
+                  <a:lumMod val="65000"/>
+                </a:schemeClr>
+              </a:solidFill>
+            </a:ln>
+          </p:spPr>
+          <p:style>
+            <a:lnRef idx="2">
+              <a:schemeClr val="accent1">
+                <a:shade val="50000"/>
+              </a:schemeClr>
+            </a:lnRef>
+            <a:fillRef idx="1">
+              <a:schemeClr val="accent1"/>
+            </a:fillRef>
+            <a:effectRef idx="0">
+              <a:schemeClr val="accent1"/>
+            </a:effectRef>
+            <a:fontRef idx="minor">
+              <a:schemeClr val="lt1"/>
+            </a:fontRef>
+          </p:style>
+          <p:txBody>
+            <a:bodyPr rtlCol="0" anchor="ctr"/>
+            <a:lstStyle/>
+            <a:p>
+              <a:pPr algn="ctr"/>
+              <a:endParaRPr lang="ko-KR" altLang="en-US"/>
+            </a:p>
+          </p:txBody>
+        </p:sp>
+        <p:sp>
+          <p:nvSpPr>
+            <p:cNvPr id="12" name="직사각형 11"/>
+            <p:cNvSpPr/>
+            <p:nvPr/>
+          </p:nvSpPr>
+          <p:spPr>
+            <a:xfrm rot="3783077">
+              <a:off x="4440058" y="1443568"/>
+              <a:ext cx="191875" cy="191875"/>
+            </a:xfrm>
+            <a:prstGeom prst="rect">
+              <a:avLst/>
+            </a:prstGeom>
+            <a:solidFill>
+              <a:schemeClr val="bg1">
+                <a:lumMod val="65000"/>
+              </a:schemeClr>
+            </a:solidFill>
+            <a:ln w="9525">
+              <a:solidFill>
+                <a:schemeClr val="bg1">
+                  <a:lumMod val="65000"/>
+                </a:schemeClr>
+              </a:solidFill>
+            </a:ln>
+          </p:spPr>
+          <p:style>
+            <a:lnRef idx="2">
+              <a:schemeClr val="accent1">
+                <a:shade val="50000"/>
+              </a:schemeClr>
+            </a:lnRef>
+            <a:fillRef idx="1">
+              <a:schemeClr val="accent1"/>
+            </a:fillRef>
+            <a:effectRef idx="0">
+              <a:schemeClr val="accent1"/>
+            </a:effectRef>
+            <a:fontRef idx="minor">
+              <a:schemeClr val="lt1"/>
+            </a:fontRef>
+          </p:style>
+          <p:txBody>
+            <a:bodyPr rtlCol="0" anchor="ctr"/>
+            <a:lstStyle/>
+            <a:p>
+              <a:pPr algn="ctr"/>
+              <a:endParaRPr lang="ko-KR" altLang="en-US"/>
+            </a:p>
+          </p:txBody>
+        </p:sp>
+      </p:grpSp>
+      <p:pic>
+        <p:nvPicPr>
+          <p:cNvPr id="3074" name="Picture 2" descr="screenshot">
+            <a:extLst>
+              <a:ext uri="{FF2B5EF4-FFF2-40B4-BE49-F238E27FC236}">
+                <a16:creationId xmlns:a16="http://schemas.microsoft.com/office/drawing/2014/main" id="{771D3F16-71CC-77C8-CF00-D8FE83F9CD78}"/>
+              </a:ext>
+            </a:extLst>
+          </p:cNvPr>
+          <p:cNvPicPr>
+            <a:picLocks noChangeAspect="1" noChangeArrowheads="1"/>
+          </p:cNvPicPr>
+          <p:nvPr/>
+        </p:nvPicPr>
+        <p:blipFill rotWithShape="1">
+          <a:blip r:embed="rId2">
+            <a:extLst>
+              <a:ext uri="{28A0092B-C50C-407E-A947-70E740481C1C}">
+                <a14:useLocalDpi xmlns:a14="http://schemas.microsoft.com/office/drawing/2010/main" val="0"/>
+              </a:ext>
+            </a:extLst>
+          </a:blip>
+          <a:srcRect r="25924"/>
+          <a:stretch/>
+        </p:blipFill>
+        <p:spPr bwMode="auto">
+          <a:xfrm>
+            <a:off x="1768095" y="1105757"/>
+            <a:ext cx="5538763" cy="4200525"/>
+          </a:xfrm>
+          <a:prstGeom prst="rect">
+            <a:avLst/>
+          </a:prstGeom>
+          <a:noFill/>
+          <a:extLst>
+            <a:ext uri="{909E8E84-426E-40DD-AFC4-6F175D3DCCD1}">
+              <a14:hiddenFill xmlns:a14="http://schemas.microsoft.com/office/drawing/2010/main">
+                <a:solidFill>
+                  <a:srgbClr val="FFFFFF"/>
+                </a:solidFill>
+              </a14:hiddenFill>
+            </a:ext>
+          </a:extLst>
+        </p:spPr>
+      </p:pic>
+      <p:sp>
+        <p:nvSpPr>
+          <p:cNvPr id="2" name="TextBox 1">
+            <a:extLst>
+              <a:ext uri="{FF2B5EF4-FFF2-40B4-BE49-F238E27FC236}">
+                <a16:creationId xmlns:a16="http://schemas.microsoft.com/office/drawing/2014/main" id="{EA4998A5-C47D-A12F-2F8D-0E357213407C}"/>
+              </a:ext>
+            </a:extLst>
+          </p:cNvPr>
+          <p:cNvSpPr txBox="1"/>
+          <p:nvPr/>
+        </p:nvSpPr>
+        <p:spPr>
+          <a:xfrm>
+            <a:off x="798915" y="5337060"/>
+            <a:ext cx="7477125" cy="1477328"/>
+          </a:xfrm>
+          <a:prstGeom prst="rect">
+            <a:avLst/>
+          </a:prstGeom>
+          <a:noFill/>
+        </p:spPr>
+        <p:txBody>
+          <a:bodyPr wrap="square" rtlCol="0">
+            <a:spAutoFit/>
+          </a:bodyPr>
+          <a:lstStyle/>
+          <a:p>
+            <a:pPr algn="ctr"/>
+            <a:r>
+              <a:rPr lang="ko-KR" altLang="en-US" sz="700" dirty="0"/>
+              <a:t>출처 </a:t>
+            </a:r>
+            <a:r>
+              <a:rPr lang="en-US" altLang="ko-KR" sz="700" dirty="0"/>
+              <a:t>: https://assetstore.unity.com/packages/3d/fantasy-monsters-v2-goblin-59428</a:t>
+            </a:r>
+          </a:p>
+          <a:p>
+            <a:endParaRPr lang="en-US" altLang="ko-KR" sz="700" dirty="0"/>
+          </a:p>
+          <a:p>
+            <a:endParaRPr lang="en-US" altLang="ko-KR" sz="700" dirty="0"/>
+          </a:p>
+          <a:p>
+            <a:r>
+              <a:rPr lang="en-US" altLang="ko-KR" sz="1600" dirty="0"/>
+              <a:t>Unity Asset Store ( ENTIGI )</a:t>
+            </a:r>
+          </a:p>
+          <a:p>
+            <a:endParaRPr lang="en-US" altLang="ko-KR" sz="1600" dirty="0"/>
+          </a:p>
+          <a:p>
+            <a:r>
+              <a:rPr lang="en-US" altLang="ko-KR" sz="1600" i="0" dirty="0">
+                <a:solidFill>
+                  <a:srgbClr val="212121"/>
+                </a:solidFill>
+                <a:effectLst/>
+              </a:rPr>
+              <a:t>Fantasy Monsters V2 – Goblin </a:t>
+            </a:r>
+            <a:r>
+              <a:rPr lang="ko-KR" altLang="en-US" sz="1600" i="0" dirty="0">
+                <a:solidFill>
+                  <a:srgbClr val="212121"/>
+                </a:solidFill>
+                <a:effectLst/>
+              </a:rPr>
+              <a:t>구매</a:t>
+            </a:r>
+            <a:endParaRPr lang="en-US" altLang="ko-KR" sz="1600" i="0" dirty="0">
+              <a:solidFill>
+                <a:srgbClr val="212121"/>
+              </a:solidFill>
+              <a:effectLst/>
+            </a:endParaRPr>
+          </a:p>
+          <a:p>
+            <a:endParaRPr lang="en-US" altLang="ko-KR" sz="1400" dirty="0"/>
+          </a:p>
+          <a:p>
+            <a:endParaRPr lang="ko-KR" altLang="en-US" sz="700" dirty="0"/>
+          </a:p>
+        </p:txBody>
+      </p:sp>
+      <p:sp>
+        <p:nvSpPr>
+          <p:cNvPr id="3" name="TextBox 2">
+            <a:extLst>
+              <a:ext uri="{FF2B5EF4-FFF2-40B4-BE49-F238E27FC236}">
+                <a16:creationId xmlns:a16="http://schemas.microsoft.com/office/drawing/2014/main" id="{D074648C-C903-2B2F-A3E6-A18663F69199}"/>
+              </a:ext>
+            </a:extLst>
+          </p:cNvPr>
+          <p:cNvSpPr txBox="1"/>
+          <p:nvPr/>
+        </p:nvSpPr>
+        <p:spPr>
+          <a:xfrm>
+            <a:off x="2483768" y="3090446"/>
+            <a:ext cx="4608512" cy="338554"/>
+          </a:xfrm>
+          <a:prstGeom prst="rect">
+            <a:avLst/>
+          </a:prstGeom>
+          <a:noFill/>
+        </p:spPr>
+        <p:txBody>
+          <a:bodyPr wrap="square" rtlCol="0">
+            <a:spAutoFit/>
+          </a:bodyPr>
+          <a:lstStyle/>
+          <a:p>
+            <a:r>
+              <a:rPr lang="ko-KR" altLang="en-US" sz="1600" dirty="0">
+                <a:solidFill>
+                  <a:schemeClr val="bg1"/>
+                </a:solidFill>
+              </a:rPr>
+              <a:t>근접</a:t>
+            </a:r>
+            <a:r>
+              <a:rPr lang="en-US" altLang="ko-KR" sz="1600" dirty="0">
+                <a:solidFill>
+                  <a:schemeClr val="bg1"/>
+                </a:solidFill>
+              </a:rPr>
+              <a:t>		 </a:t>
+            </a:r>
+            <a:r>
+              <a:rPr lang="ko-KR" altLang="en-US" sz="1600" dirty="0">
+                <a:solidFill>
+                  <a:schemeClr val="bg1"/>
+                </a:solidFill>
+              </a:rPr>
+              <a:t>돌진</a:t>
+            </a:r>
+            <a:r>
+              <a:rPr lang="en-US" altLang="ko-KR" sz="1600" dirty="0">
+                <a:solidFill>
+                  <a:schemeClr val="bg1"/>
+                </a:solidFill>
+              </a:rPr>
+              <a:t>	           </a:t>
+            </a:r>
+            <a:r>
+              <a:rPr lang="ko-KR" altLang="en-US" sz="1600" dirty="0">
+                <a:solidFill>
+                  <a:schemeClr val="bg1"/>
+                </a:solidFill>
+              </a:rPr>
+              <a:t>원거리</a:t>
+            </a:r>
+          </a:p>
+        </p:txBody>
+      </p:sp>
+    </p:spTree>
+    <p:extLst>
+      <p:ext uri="{BB962C8B-B14F-4D97-AF65-F5344CB8AC3E}">
+        <p14:creationId xmlns:p14="http://schemas.microsoft.com/office/powerpoint/2010/main" val="1207956573"/>
+      </p:ext>
+    </p:extLst>
+  </p:cSld>
+  <p:clrMapOvr>
+    <a:masterClrMapping/>
+  </p:clrMapOvr>
+</p:sld>
+</file>
+
+<file path=ppt/slides/slide2.xml><?xml version="1.0" encoding="utf-8"?>
+<p:sld xmlns:a="http://schemas.openxmlformats.org/drawingml/2006/main" xmlns:r="http://schemas.openxmlformats.org/officeDocument/2006/relationships" xmlns:p="http://schemas.openxmlformats.org/presentationml/2006/main">
+  <p:cSld>
+    <p:spTree>
+      <p:nvGrpSpPr>
+        <p:cNvPr id="1" name=""/>
+        <p:cNvGrpSpPr/>
+        <p:nvPr/>
+      </p:nvGrpSpPr>
+      <p:grpSpPr>
+        <a:xfrm>
+          <a:off x="0" y="0"/>
+          <a:ext cx="0" cy="0"/>
+          <a:chOff x="0" y="0"/>
+          <a:chExt cx="0" cy="0"/>
+        </a:xfrm>
+      </p:grpSpPr>
+      <p:cxnSp>
+        <p:nvCxnSpPr>
+          <p:cNvPr id="6" name="직선 연결선 5"/>
+          <p:cNvCxnSpPr/>
+          <p:nvPr/>
+        </p:nvCxnSpPr>
+        <p:spPr>
+          <a:xfrm>
+            <a:off x="251520" y="0"/>
+            <a:ext cx="0" cy="6858000"/>
+          </a:xfrm>
+          <a:prstGeom prst="line">
+            <a:avLst/>
+          </a:prstGeom>
+          <a:ln>
+            <a:solidFill>
+              <a:schemeClr val="bg1">
+                <a:lumMod val="65000"/>
+              </a:schemeClr>
+            </a:solidFill>
+            <a:prstDash val="sysDot"/>
+          </a:ln>
+        </p:spPr>
+        <p:style>
+          <a:lnRef idx="1">
+            <a:schemeClr val="accent1"/>
+          </a:lnRef>
+          <a:fillRef idx="0">
+            <a:schemeClr val="accent1"/>
+          </a:fillRef>
+          <a:effectRef idx="0">
+            <a:schemeClr val="accent1"/>
+          </a:effectRef>
+          <a:fontRef idx="minor">
+            <a:schemeClr val="tx1"/>
+          </a:fontRef>
+        </p:style>
+      </p:cxnSp>
+      <p:cxnSp>
+        <p:nvCxnSpPr>
+          <p:cNvPr id="7" name="직선 연결선 6"/>
+          <p:cNvCxnSpPr/>
+          <p:nvPr/>
+        </p:nvCxnSpPr>
+        <p:spPr>
+          <a:xfrm>
+            <a:off x="0" y="260648"/>
+            <a:ext cx="9144000" cy="0"/>
+          </a:xfrm>
+          <a:prstGeom prst="line">
+            <a:avLst/>
+          </a:prstGeom>
+          <a:ln>
+            <a:solidFill>
+              <a:schemeClr val="bg1">
+                <a:lumMod val="65000"/>
+              </a:schemeClr>
+            </a:solidFill>
+            <a:prstDash val="sysDot"/>
+          </a:ln>
+        </p:spPr>
+        <p:style>
+          <a:lnRef idx="1">
+            <a:schemeClr val="accent1"/>
+          </a:lnRef>
+          <a:fillRef idx="0">
+            <a:schemeClr val="accent1"/>
+          </a:fillRef>
+          <a:effectRef idx="0">
+            <a:schemeClr val="accent1"/>
+          </a:effectRef>
+          <a:fontRef idx="minor">
+            <a:schemeClr val="tx1"/>
+          </a:fontRef>
+        </p:style>
+      </p:cxnSp>
+      <p:grpSp>
+        <p:nvGrpSpPr>
+          <p:cNvPr id="12" name="그룹 11"/>
+          <p:cNvGrpSpPr/>
+          <p:nvPr/>
+        </p:nvGrpSpPr>
+        <p:grpSpPr>
+          <a:xfrm>
+            <a:off x="55860" y="129111"/>
+            <a:ext cx="772316" cy="491577"/>
+            <a:chOff x="4252314" y="1143866"/>
+            <a:chExt cx="772316" cy="491577"/>
+          </a:xfrm>
+        </p:grpSpPr>
+        <p:sp>
+          <p:nvSpPr>
+            <p:cNvPr id="13" name="직사각형 12"/>
+            <p:cNvSpPr/>
+            <p:nvPr/>
+          </p:nvSpPr>
+          <p:spPr>
+            <a:xfrm rot="599424">
+              <a:off x="4252314" y="1223935"/>
+              <a:ext cx="319686" cy="319686"/>
+            </a:xfrm>
+            <a:prstGeom prst="rect">
+              <a:avLst/>
+            </a:prstGeom>
+            <a:noFill/>
+            <a:ln w="9525">
+              <a:solidFill>
+                <a:schemeClr val="bg1">
+                  <a:lumMod val="65000"/>
+                </a:schemeClr>
+              </a:solidFill>
+            </a:ln>
+          </p:spPr>
+          <p:style>
+            <a:lnRef idx="2">
+              <a:schemeClr val="accent1">
+                <a:shade val="50000"/>
+              </a:schemeClr>
+            </a:lnRef>
+            <a:fillRef idx="1">
+              <a:schemeClr val="accent1"/>
+            </a:fillRef>
+            <a:effectRef idx="0">
+              <a:schemeClr val="accent1"/>
+            </a:effectRef>
+            <a:fontRef idx="minor">
+              <a:schemeClr val="lt1"/>
+            </a:fontRef>
+          </p:style>
+          <p:txBody>
+            <a:bodyPr rtlCol="0" anchor="ctr"/>
+            <a:lstStyle/>
+            <a:p>
+              <a:pPr algn="ctr"/>
+              <a:endParaRPr lang="ko-KR" altLang="en-US"/>
+            </a:p>
+          </p:txBody>
+        </p:sp>
+        <p:sp>
+          <p:nvSpPr>
+            <p:cNvPr id="14" name="직사각형 13"/>
+            <p:cNvSpPr/>
+            <p:nvPr/>
+          </p:nvSpPr>
+          <p:spPr>
+            <a:xfrm rot="1427337">
+              <a:off x="4556578" y="1143866"/>
+              <a:ext cx="468052" cy="468052"/>
+            </a:xfrm>
+            <a:prstGeom prst="rect">
+              <a:avLst/>
+            </a:prstGeom>
+            <a:noFill/>
+            <a:ln w="9525">
+              <a:solidFill>
+                <a:schemeClr val="bg1">
+                  <a:lumMod val="65000"/>
+                </a:schemeClr>
+              </a:solidFill>
+            </a:ln>
+          </p:spPr>
+          <p:style>
+            <a:lnRef idx="2">
+              <a:schemeClr val="accent1">
+                <a:shade val="50000"/>
+              </a:schemeClr>
+            </a:lnRef>
+            <a:fillRef idx="1">
+              <a:schemeClr val="accent1"/>
+            </a:fillRef>
+            <a:effectRef idx="0">
+              <a:schemeClr val="accent1"/>
+            </a:effectRef>
+            <a:fontRef idx="minor">
+              <a:schemeClr val="lt1"/>
+            </a:fontRef>
+          </p:style>
+          <p:txBody>
+            <a:bodyPr rtlCol="0" anchor="ctr"/>
+            <a:lstStyle/>
+            <a:p>
+              <a:pPr algn="ctr"/>
+              <a:endParaRPr lang="ko-KR" altLang="en-US"/>
+            </a:p>
+          </p:txBody>
+        </p:sp>
+        <p:sp>
+          <p:nvSpPr>
+            <p:cNvPr id="15" name="직사각형 14"/>
+            <p:cNvSpPr/>
+            <p:nvPr/>
+          </p:nvSpPr>
+          <p:spPr>
+            <a:xfrm rot="3783077">
+              <a:off x="4440058" y="1443568"/>
+              <a:ext cx="191875" cy="191875"/>
+            </a:xfrm>
+            <a:prstGeom prst="rect">
+              <a:avLst/>
+            </a:prstGeom>
+            <a:solidFill>
+              <a:schemeClr val="bg1">
+                <a:lumMod val="65000"/>
+              </a:schemeClr>
+            </a:solidFill>
+            <a:ln w="9525">
+              <a:solidFill>
+                <a:schemeClr val="bg1">
+                  <a:lumMod val="65000"/>
+                </a:schemeClr>
+              </a:solidFill>
+            </a:ln>
+          </p:spPr>
+          <p:style>
+            <a:lnRef idx="2">
+              <a:schemeClr val="accent1">
+                <a:shade val="50000"/>
+              </a:schemeClr>
+            </a:lnRef>
+            <a:fillRef idx="1">
+              <a:schemeClr val="accent1"/>
+            </a:fillRef>
+            <a:effectRef idx="0">
+              <a:schemeClr val="accent1"/>
+            </a:effectRef>
+            <a:fontRef idx="minor">
+              <a:schemeClr val="lt1"/>
+            </a:fontRef>
+          </p:style>
+          <p:txBody>
+            <a:bodyPr rtlCol="0" anchor="ctr"/>
+            <a:lstStyle/>
+            <a:p>
+              <a:pPr algn="ctr"/>
+              <a:endParaRPr lang="ko-KR" altLang="en-US"/>
+            </a:p>
+          </p:txBody>
+        </p:sp>
+      </p:grpSp>
+      <p:sp>
+        <p:nvSpPr>
+          <p:cNvPr id="16" name="직사각형 15"/>
+          <p:cNvSpPr/>
+          <p:nvPr/>
+        </p:nvSpPr>
+        <p:spPr>
+          <a:xfrm>
+            <a:off x="510724" y="845965"/>
+            <a:ext cx="128998" cy="360842"/>
+          </a:xfrm>
+          <a:prstGeom prst="rect">
+            <a:avLst/>
+          </a:prstGeom>
+          <a:solidFill>
+            <a:schemeClr val="tx1">
+              <a:lumMod val="75000"/>
+              <a:lumOff val="25000"/>
+            </a:schemeClr>
+          </a:solidFill>
+          <a:ln>
+            <a:noFill/>
+          </a:ln>
+        </p:spPr>
+        <p:style>
+          <a:lnRef idx="2">
+            <a:schemeClr val="accent1">
+              <a:shade val="50000"/>
+            </a:schemeClr>
+          </a:lnRef>
+          <a:fillRef idx="1">
+            <a:schemeClr val="accent1"/>
+          </a:fillRef>
+          <a:effectRef idx="0">
+            <a:schemeClr val="accent1"/>
+          </a:effectRef>
+          <a:fontRef idx="minor">
+            <a:schemeClr val="lt1"/>
+          </a:fontRef>
+        </p:style>
+        <p:txBody>
+          <a:bodyPr rtlCol="0" anchor="ctr"/>
+          <a:lstStyle/>
+          <a:p>
+            <a:pPr algn="ctr"/>
+            <a:endParaRPr lang="ko-KR" altLang="en-US"/>
+          </a:p>
+        </p:txBody>
+      </p:sp>
+      <p:sp>
+        <p:nvSpPr>
+          <p:cNvPr id="18" name="직사각형 17"/>
+          <p:cNvSpPr/>
+          <p:nvPr/>
+        </p:nvSpPr>
+        <p:spPr>
+          <a:xfrm rot="20490163">
+            <a:off x="661076" y="3090175"/>
+            <a:ext cx="160430" cy="163973"/>
+          </a:xfrm>
+          <a:prstGeom prst="rect">
+            <a:avLst/>
+          </a:prstGeom>
+          <a:solidFill>
+            <a:schemeClr val="bg1">
+              <a:lumMod val="75000"/>
+            </a:schemeClr>
+          </a:solidFill>
+          <a:ln w="3175">
+            <a:noFill/>
+          </a:ln>
+        </p:spPr>
+        <p:style>
+          <a:lnRef idx="2">
+            <a:schemeClr val="accent1">
+              <a:shade val="50000"/>
+            </a:schemeClr>
+          </a:lnRef>
+          <a:fillRef idx="1">
+            <a:schemeClr val="accent1"/>
+          </a:fillRef>
+          <a:effectRef idx="0">
+            <a:schemeClr val="accent1"/>
+          </a:effectRef>
+          <a:fontRef idx="minor">
+            <a:schemeClr val="lt1"/>
+          </a:fontRef>
+        </p:style>
+        <p:txBody>
+          <a:bodyPr rtlCol="0" anchor="ctr"/>
+          <a:lstStyle/>
+          <a:p>
+            <a:pPr algn="ctr"/>
+            <a:endParaRPr lang="ko-KR" altLang="en-US"/>
+          </a:p>
+        </p:txBody>
+      </p:sp>
+      <p:sp>
+        <p:nvSpPr>
+          <p:cNvPr id="19" name="직사각형 18"/>
+          <p:cNvSpPr/>
+          <p:nvPr/>
+        </p:nvSpPr>
+        <p:spPr>
+          <a:xfrm rot="20490163">
+            <a:off x="661076" y="4299691"/>
+            <a:ext cx="160430" cy="163973"/>
+          </a:xfrm>
+          <a:prstGeom prst="rect">
+            <a:avLst/>
+          </a:prstGeom>
+          <a:solidFill>
+            <a:schemeClr val="bg1">
+              <a:lumMod val="75000"/>
+            </a:schemeClr>
+          </a:solidFill>
+          <a:ln w="3175">
+            <a:noFill/>
+          </a:ln>
+        </p:spPr>
+        <p:style>
+          <a:lnRef idx="2">
+            <a:schemeClr val="accent1">
+              <a:shade val="50000"/>
+            </a:schemeClr>
+          </a:lnRef>
+          <a:fillRef idx="1">
+            <a:schemeClr val="accent1"/>
+          </a:fillRef>
+          <a:effectRef idx="0">
+            <a:schemeClr val="accent1"/>
+          </a:effectRef>
+          <a:fontRef idx="minor">
+            <a:schemeClr val="lt1"/>
+          </a:fontRef>
+        </p:style>
+        <p:txBody>
+          <a:bodyPr rtlCol="0" anchor="ctr"/>
+          <a:lstStyle/>
+          <a:p>
+            <a:pPr algn="ctr"/>
+            <a:endParaRPr lang="ko-KR" altLang="en-US"/>
+          </a:p>
+        </p:txBody>
+      </p:sp>
+      <p:sp>
+        <p:nvSpPr>
+          <p:cNvPr id="20" name="직사각형 19"/>
+          <p:cNvSpPr/>
+          <p:nvPr/>
+        </p:nvSpPr>
+        <p:spPr>
+          <a:xfrm rot="20490163">
+            <a:off x="661076" y="1848766"/>
+            <a:ext cx="160430" cy="163973"/>
+          </a:xfrm>
+          <a:prstGeom prst="rect">
+            <a:avLst/>
+          </a:prstGeom>
+          <a:solidFill>
+            <a:schemeClr val="bg1">
+              <a:lumMod val="75000"/>
+            </a:schemeClr>
+          </a:solidFill>
+          <a:ln w="3175">
+            <a:noFill/>
+          </a:ln>
+        </p:spPr>
+        <p:style>
+          <a:lnRef idx="2">
+            <a:schemeClr val="accent1">
+              <a:shade val="50000"/>
+            </a:schemeClr>
+          </a:lnRef>
+          <a:fillRef idx="1">
+            <a:schemeClr val="accent1"/>
+          </a:fillRef>
+          <a:effectRef idx="0">
+            <a:schemeClr val="accent1"/>
+          </a:effectRef>
+          <a:fontRef idx="minor">
+            <a:schemeClr val="lt1"/>
+          </a:fontRef>
+        </p:style>
+        <p:txBody>
+          <a:bodyPr rtlCol="0" anchor="ctr"/>
+          <a:lstStyle/>
+          <a:p>
+            <a:pPr algn="ctr"/>
+            <a:endParaRPr lang="ko-KR" altLang="en-US"/>
+          </a:p>
+        </p:txBody>
+      </p:sp>
+      <p:sp>
+        <p:nvSpPr>
+          <p:cNvPr id="21" name="TextBox 20"/>
+          <p:cNvSpPr txBox="1"/>
+          <p:nvPr/>
+        </p:nvSpPr>
+        <p:spPr>
+          <a:xfrm>
+            <a:off x="632520" y="1844824"/>
+            <a:ext cx="1656184" cy="307777"/>
+          </a:xfrm>
+          <a:prstGeom prst="rect">
+            <a:avLst/>
+          </a:prstGeom>
+          <a:noFill/>
+        </p:spPr>
+        <p:txBody>
+          <a:bodyPr wrap="square" rtlCol="0">
+            <a:spAutoFit/>
+          </a:bodyPr>
+          <a:lstStyle/>
+          <a:p>
+            <a:r>
+              <a:rPr lang="en-US" altLang="ko-KR" sz="1400" dirty="0">
+                <a:solidFill>
+                  <a:schemeClr val="tx1">
+                    <a:lumMod val="75000"/>
+                    <a:lumOff val="25000"/>
+                  </a:schemeClr>
+                </a:solidFill>
+                <a:ea typeface="Sandoll 고딕 03 Bold" pitchFamily="34" charset="-127"/>
+              </a:rPr>
+              <a:t>TITLE 1</a:t>
+            </a:r>
+            <a:endParaRPr lang="ko-KR" altLang="en-US" sz="1400" dirty="0">
+              <a:solidFill>
+                <a:schemeClr val="tx1">
+                  <a:lumMod val="75000"/>
+                  <a:lumOff val="25000"/>
+                </a:schemeClr>
+              </a:solidFill>
+              <a:ea typeface="Sandoll 고딕 03 Bold" pitchFamily="34" charset="-127"/>
+            </a:endParaRPr>
+          </a:p>
+        </p:txBody>
+      </p:sp>
+      <p:sp>
+        <p:nvSpPr>
+          <p:cNvPr id="22" name="TextBox 21"/>
+          <p:cNvSpPr txBox="1"/>
+          <p:nvPr/>
+        </p:nvSpPr>
+        <p:spPr>
+          <a:xfrm>
+            <a:off x="632520" y="2204864"/>
+            <a:ext cx="1656184" cy="261610"/>
+          </a:xfrm>
+          <a:prstGeom prst="rect">
+            <a:avLst/>
+          </a:prstGeom>
+          <a:noFill/>
+        </p:spPr>
+        <p:txBody>
+          <a:bodyPr wrap="square" rtlCol="0">
+            <a:spAutoFit/>
+          </a:bodyPr>
+          <a:lstStyle/>
+          <a:p>
+            <a:r>
+              <a:rPr lang="en-US" altLang="ko-KR" sz="1100" dirty="0">
+                <a:solidFill>
+                  <a:schemeClr val="bg1">
+                    <a:lumMod val="50000"/>
+                  </a:schemeClr>
+                </a:solidFill>
+                <a:ea typeface="Sandoll 고딕 02 Medium" pitchFamily="34" charset="-127"/>
+              </a:rPr>
+              <a:t>1) </a:t>
+            </a:r>
+            <a:r>
+              <a:rPr lang="ko-KR" altLang="en-US" sz="1100" dirty="0">
+                <a:solidFill>
+                  <a:schemeClr val="bg1">
+                    <a:lumMod val="50000"/>
+                  </a:schemeClr>
+                </a:solidFill>
+                <a:ea typeface="Sandoll 고딕 02 Medium" pitchFamily="34" charset="-127"/>
+              </a:rPr>
+              <a:t>제목을 입력하세요</a:t>
+            </a:r>
+          </a:p>
+        </p:txBody>
+      </p:sp>
+      <p:sp>
+        <p:nvSpPr>
+          <p:cNvPr id="23" name="TextBox 22"/>
+          <p:cNvSpPr txBox="1"/>
+          <p:nvPr/>
+        </p:nvSpPr>
+        <p:spPr>
+          <a:xfrm>
+            <a:off x="632520" y="2426474"/>
+            <a:ext cx="1800200" cy="261610"/>
+          </a:xfrm>
+          <a:prstGeom prst="rect">
+            <a:avLst/>
+          </a:prstGeom>
+          <a:noFill/>
+        </p:spPr>
+        <p:txBody>
+          <a:bodyPr wrap="square" rtlCol="0">
+            <a:spAutoFit/>
+          </a:bodyPr>
+          <a:lstStyle/>
+          <a:p>
+            <a:r>
+              <a:rPr lang="en-US" altLang="ko-KR" sz="1100" dirty="0">
+                <a:solidFill>
+                  <a:schemeClr val="bg1">
+                    <a:lumMod val="50000"/>
+                  </a:schemeClr>
+                </a:solidFill>
+                <a:ea typeface="Sandoll 고딕 02 Medium" pitchFamily="34" charset="-127"/>
+              </a:rPr>
+              <a:t>2) </a:t>
+            </a:r>
+            <a:r>
+              <a:rPr lang="ko-KR" altLang="en-US" sz="1100" dirty="0">
+                <a:solidFill>
+                  <a:schemeClr val="bg1">
+                    <a:lumMod val="50000"/>
+                  </a:schemeClr>
+                </a:solidFill>
+                <a:ea typeface="Sandoll 고딕 02 Medium" pitchFamily="34" charset="-127"/>
+              </a:rPr>
+              <a:t>제목을 입력하세요</a:t>
+            </a:r>
+          </a:p>
+        </p:txBody>
+      </p:sp>
+      <p:sp>
+        <p:nvSpPr>
+          <p:cNvPr id="24" name="TextBox 23"/>
+          <p:cNvSpPr txBox="1"/>
+          <p:nvPr/>
+        </p:nvSpPr>
+        <p:spPr>
+          <a:xfrm>
+            <a:off x="632520" y="3068960"/>
+            <a:ext cx="1656184" cy="307777"/>
+          </a:xfrm>
+          <a:prstGeom prst="rect">
+            <a:avLst/>
+          </a:prstGeom>
+          <a:noFill/>
+        </p:spPr>
+        <p:txBody>
+          <a:bodyPr wrap="square" rtlCol="0">
+            <a:spAutoFit/>
+          </a:bodyPr>
+          <a:lstStyle/>
+          <a:p>
+            <a:r>
+              <a:rPr lang="en-US" altLang="ko-KR" sz="1400" dirty="0">
+                <a:solidFill>
+                  <a:schemeClr val="tx1">
+                    <a:lumMod val="75000"/>
+                    <a:lumOff val="25000"/>
+                  </a:schemeClr>
+                </a:solidFill>
+                <a:ea typeface="Sandoll 고딕 03 Bold" pitchFamily="34" charset="-127"/>
+              </a:rPr>
+              <a:t>TITLE 2</a:t>
+            </a:r>
+            <a:endParaRPr lang="ko-KR" altLang="en-US" sz="1400" dirty="0">
+              <a:solidFill>
+                <a:schemeClr val="tx1">
+                  <a:lumMod val="75000"/>
+                  <a:lumOff val="25000"/>
+                </a:schemeClr>
+              </a:solidFill>
+              <a:ea typeface="Sandoll 고딕 03 Bold" pitchFamily="34" charset="-127"/>
+            </a:endParaRPr>
+          </a:p>
+        </p:txBody>
+      </p:sp>
+      <p:sp>
+        <p:nvSpPr>
+          <p:cNvPr id="25" name="TextBox 24"/>
+          <p:cNvSpPr txBox="1"/>
+          <p:nvPr/>
+        </p:nvSpPr>
+        <p:spPr>
+          <a:xfrm>
+            <a:off x="632520" y="3429000"/>
+            <a:ext cx="1656184" cy="261610"/>
+          </a:xfrm>
+          <a:prstGeom prst="rect">
+            <a:avLst/>
+          </a:prstGeom>
+          <a:noFill/>
+        </p:spPr>
+        <p:txBody>
+          <a:bodyPr wrap="square" rtlCol="0">
+            <a:spAutoFit/>
+          </a:bodyPr>
+          <a:lstStyle/>
+          <a:p>
+            <a:r>
+              <a:rPr lang="en-US" altLang="ko-KR" sz="1100" dirty="0">
+                <a:solidFill>
+                  <a:schemeClr val="bg1">
+                    <a:lumMod val="50000"/>
+                  </a:schemeClr>
+                </a:solidFill>
+                <a:ea typeface="Sandoll 고딕 02 Medium" pitchFamily="34" charset="-127"/>
+              </a:rPr>
+              <a:t>1) </a:t>
+            </a:r>
+            <a:r>
+              <a:rPr lang="ko-KR" altLang="en-US" sz="1100" dirty="0">
+                <a:solidFill>
+                  <a:schemeClr val="bg1">
+                    <a:lumMod val="50000"/>
+                  </a:schemeClr>
+                </a:solidFill>
+                <a:ea typeface="Sandoll 고딕 02 Medium" pitchFamily="34" charset="-127"/>
+              </a:rPr>
+              <a:t>제목을 입력하세요</a:t>
+            </a:r>
+          </a:p>
+        </p:txBody>
+      </p:sp>
+      <p:sp>
+        <p:nvSpPr>
+          <p:cNvPr id="26" name="TextBox 25"/>
+          <p:cNvSpPr txBox="1"/>
+          <p:nvPr/>
+        </p:nvSpPr>
+        <p:spPr>
+          <a:xfrm>
+            <a:off x="632520" y="3650610"/>
+            <a:ext cx="1800200" cy="261610"/>
+          </a:xfrm>
+          <a:prstGeom prst="rect">
+            <a:avLst/>
+          </a:prstGeom>
+          <a:noFill/>
+        </p:spPr>
+        <p:txBody>
+          <a:bodyPr wrap="square" rtlCol="0">
+            <a:spAutoFit/>
+          </a:bodyPr>
+          <a:lstStyle/>
+          <a:p>
+            <a:r>
+              <a:rPr lang="en-US" altLang="ko-KR" sz="1100" dirty="0">
+                <a:solidFill>
+                  <a:schemeClr val="bg1">
+                    <a:lumMod val="50000"/>
+                  </a:schemeClr>
+                </a:solidFill>
+                <a:ea typeface="Sandoll 고딕 02 Medium" pitchFamily="34" charset="-127"/>
+              </a:rPr>
+              <a:t>2) </a:t>
+            </a:r>
+            <a:r>
+              <a:rPr lang="ko-KR" altLang="en-US" sz="1100" dirty="0">
+                <a:solidFill>
+                  <a:schemeClr val="bg1">
+                    <a:lumMod val="50000"/>
+                  </a:schemeClr>
+                </a:solidFill>
+                <a:ea typeface="Sandoll 고딕 02 Medium" pitchFamily="34" charset="-127"/>
+              </a:rPr>
+              <a:t>제목을 입력하세요</a:t>
+            </a:r>
+          </a:p>
+        </p:txBody>
+      </p:sp>
+      <p:sp>
+        <p:nvSpPr>
+          <p:cNvPr id="27" name="TextBox 26"/>
+          <p:cNvSpPr txBox="1"/>
+          <p:nvPr/>
+        </p:nvSpPr>
+        <p:spPr>
+          <a:xfrm>
+            <a:off x="632520" y="4287510"/>
+            <a:ext cx="1656184" cy="307777"/>
+          </a:xfrm>
+          <a:prstGeom prst="rect">
+            <a:avLst/>
+          </a:prstGeom>
+          <a:noFill/>
+        </p:spPr>
+        <p:txBody>
+          <a:bodyPr wrap="square" rtlCol="0">
+            <a:spAutoFit/>
+          </a:bodyPr>
+          <a:lstStyle/>
+          <a:p>
+            <a:r>
+              <a:rPr lang="en-US" altLang="ko-KR" sz="1400" dirty="0">
+                <a:solidFill>
+                  <a:schemeClr val="tx1">
+                    <a:lumMod val="75000"/>
+                    <a:lumOff val="25000"/>
+                  </a:schemeClr>
+                </a:solidFill>
+                <a:ea typeface="Sandoll 고딕 03 Bold" pitchFamily="34" charset="-127"/>
+              </a:rPr>
+              <a:t>TITLE 3</a:t>
+            </a:r>
+            <a:endParaRPr lang="ko-KR" altLang="en-US" sz="1400" dirty="0">
+              <a:solidFill>
+                <a:schemeClr val="tx1">
+                  <a:lumMod val="75000"/>
+                  <a:lumOff val="25000"/>
+                </a:schemeClr>
+              </a:solidFill>
+              <a:ea typeface="Sandoll 고딕 03 Bold" pitchFamily="34" charset="-127"/>
+            </a:endParaRPr>
+          </a:p>
+        </p:txBody>
+      </p:sp>
+      <p:sp>
+        <p:nvSpPr>
+          <p:cNvPr id="28" name="TextBox 27"/>
+          <p:cNvSpPr txBox="1"/>
+          <p:nvPr/>
+        </p:nvSpPr>
+        <p:spPr>
+          <a:xfrm>
+            <a:off x="632520" y="4647550"/>
+            <a:ext cx="1656184" cy="261610"/>
+          </a:xfrm>
+          <a:prstGeom prst="rect">
+            <a:avLst/>
+          </a:prstGeom>
+          <a:noFill/>
+        </p:spPr>
+        <p:txBody>
+          <a:bodyPr wrap="square" rtlCol="0">
+            <a:spAutoFit/>
+          </a:bodyPr>
+          <a:lstStyle/>
+          <a:p>
+            <a:r>
+              <a:rPr lang="en-US" altLang="ko-KR" sz="1100" dirty="0">
+                <a:solidFill>
+                  <a:schemeClr val="bg1">
+                    <a:lumMod val="50000"/>
+                  </a:schemeClr>
+                </a:solidFill>
+                <a:ea typeface="Sandoll 고딕 02 Medium" pitchFamily="34" charset="-127"/>
+              </a:rPr>
+              <a:t>1) </a:t>
+            </a:r>
+            <a:r>
+              <a:rPr lang="ko-KR" altLang="en-US" sz="1100" dirty="0">
+                <a:solidFill>
+                  <a:schemeClr val="bg1">
+                    <a:lumMod val="50000"/>
+                  </a:schemeClr>
+                </a:solidFill>
+                <a:ea typeface="Sandoll 고딕 02 Medium" pitchFamily="34" charset="-127"/>
+              </a:rPr>
+              <a:t>제목을 입력하세요</a:t>
+            </a:r>
+          </a:p>
+        </p:txBody>
+      </p:sp>
+      <p:sp>
+        <p:nvSpPr>
+          <p:cNvPr id="29" name="TextBox 28"/>
+          <p:cNvSpPr txBox="1"/>
+          <p:nvPr/>
+        </p:nvSpPr>
+        <p:spPr>
+          <a:xfrm>
+            <a:off x="632520" y="4869160"/>
+            <a:ext cx="1800200" cy="261610"/>
+          </a:xfrm>
+          <a:prstGeom prst="rect">
+            <a:avLst/>
+          </a:prstGeom>
+          <a:noFill/>
+        </p:spPr>
+        <p:txBody>
+          <a:bodyPr wrap="square" rtlCol="0">
+            <a:spAutoFit/>
+          </a:bodyPr>
+          <a:lstStyle/>
+          <a:p>
+            <a:r>
+              <a:rPr lang="en-US" altLang="ko-KR" sz="1100" dirty="0">
+                <a:solidFill>
+                  <a:schemeClr val="bg1">
+                    <a:lumMod val="50000"/>
+                  </a:schemeClr>
+                </a:solidFill>
+                <a:ea typeface="Sandoll 고딕 02 Medium" pitchFamily="34" charset="-127"/>
+              </a:rPr>
+              <a:t>2) </a:t>
+            </a:r>
+            <a:r>
+              <a:rPr lang="ko-KR" altLang="en-US" sz="1100" dirty="0">
+                <a:solidFill>
+                  <a:schemeClr val="bg1">
+                    <a:lumMod val="50000"/>
+                  </a:schemeClr>
+                </a:solidFill>
+                <a:ea typeface="Sandoll 고딕 02 Medium" pitchFamily="34" charset="-127"/>
+              </a:rPr>
+              <a:t>제목을 입력하세요</a:t>
+            </a:r>
+          </a:p>
+        </p:txBody>
+      </p:sp>
+      <p:sp>
+        <p:nvSpPr>
+          <p:cNvPr id="3" name="TextBox 2">
+            <a:extLst>
+              <a:ext uri="{FF2B5EF4-FFF2-40B4-BE49-F238E27FC236}">
+                <a16:creationId xmlns:a16="http://schemas.microsoft.com/office/drawing/2014/main" id="{7BF6B17C-E825-BA6E-3F44-B4BCE8055F4F}"/>
+              </a:ext>
+            </a:extLst>
+          </p:cNvPr>
+          <p:cNvSpPr txBox="1"/>
+          <p:nvPr/>
+        </p:nvSpPr>
+        <p:spPr>
+          <a:xfrm>
+            <a:off x="510724" y="707649"/>
+            <a:ext cx="1300100" cy="584775"/>
+          </a:xfrm>
+          <a:prstGeom prst="rect">
+            <a:avLst/>
+          </a:prstGeom>
+          <a:noFill/>
+        </p:spPr>
+        <p:txBody>
+          <a:bodyPr wrap="square" rtlCol="0">
+            <a:spAutoFit/>
+          </a:bodyPr>
+          <a:lstStyle/>
+          <a:p>
+            <a:pPr algn="ctr"/>
+            <a:r>
+              <a:rPr lang="ko-KR" altLang="en-US" sz="3200">
+                <a:solidFill>
+                  <a:schemeClr val="tx1">
+                    <a:lumMod val="75000"/>
+                    <a:lumOff val="25000"/>
+                  </a:schemeClr>
+                </a:solidFill>
+                <a:latin typeface="+mj-lt"/>
+                <a:ea typeface="HU젊음의행진140" pitchFamily="18" charset="-127"/>
+              </a:rPr>
+              <a:t>목차</a:t>
+            </a:r>
+            <a:endParaRPr lang="ko-KR" altLang="en-US" sz="3200" dirty="0">
+              <a:solidFill>
+                <a:schemeClr val="tx1">
+                  <a:lumMod val="75000"/>
+                  <a:lumOff val="25000"/>
+                </a:schemeClr>
+              </a:solidFill>
+              <a:latin typeface="+mj-lt"/>
+              <a:ea typeface="HU젊음의행진140" pitchFamily="18" charset="-127"/>
+            </a:endParaRPr>
+          </a:p>
+        </p:txBody>
+      </p:sp>
+    </p:spTree>
+    <p:extLst>
+      <p:ext uri="{BB962C8B-B14F-4D97-AF65-F5344CB8AC3E}">
+        <p14:creationId xmlns:p14="http://schemas.microsoft.com/office/powerpoint/2010/main" val="3887094283"/>
+      </p:ext>
+    </p:extLst>
+  </p:cSld>
+  <p:clrMapOvr>
+    <a:masterClrMapping/>
+  </p:clrMapOvr>
+</p:sld>
+</file>
+
+<file path=ppt/slides/slide20.xml><?xml version="1.0" encoding="utf-8"?>
+<p:sld xmlns:a="http://schemas.openxmlformats.org/drawingml/2006/main" xmlns:r="http://schemas.openxmlformats.org/officeDocument/2006/relationships" xmlns:p="http://schemas.openxmlformats.org/presentationml/2006/main">
+  <p:cSld>
+    <p:spTree>
+      <p:nvGrpSpPr>
+        <p:cNvPr id="1" name=""/>
+        <p:cNvGrpSpPr/>
+        <p:nvPr/>
+      </p:nvGrpSpPr>
+      <p:grpSpPr>
+        <a:xfrm>
+          <a:off x="0" y="0"/>
+          <a:ext cx="0" cy="0"/>
+          <a:chOff x="0" y="0"/>
+          <a:chExt cx="0" cy="0"/>
+        </a:xfrm>
+      </p:grpSpPr>
+      <p:sp>
+        <p:nvSpPr>
+          <p:cNvPr id="4" name="직사각형 3"/>
+          <p:cNvSpPr/>
+          <p:nvPr/>
+        </p:nvSpPr>
+        <p:spPr>
+          <a:xfrm>
+            <a:off x="370592" y="389855"/>
+            <a:ext cx="264898" cy="246221"/>
+          </a:xfrm>
+          <a:prstGeom prst="rect">
+            <a:avLst/>
+          </a:prstGeom>
+          <a:solidFill>
+            <a:schemeClr val="bg1">
+              <a:lumMod val="85000"/>
+            </a:schemeClr>
+          </a:solidFill>
+          <a:ln>
+            <a:noFill/>
+          </a:ln>
+        </p:spPr>
+        <p:style>
+          <a:lnRef idx="2">
+            <a:schemeClr val="accent1">
+              <a:shade val="50000"/>
+            </a:schemeClr>
+          </a:lnRef>
+          <a:fillRef idx="1">
+            <a:schemeClr val="accent1"/>
+          </a:fillRef>
+          <a:effectRef idx="0">
+            <a:schemeClr val="accent1"/>
+          </a:effectRef>
+          <a:fontRef idx="minor">
+            <a:schemeClr val="lt1"/>
+          </a:fontRef>
+        </p:style>
+        <p:txBody>
+          <a:bodyPr rtlCol="0" anchor="ctr"/>
+          <a:lstStyle/>
+          <a:p>
+            <a:pPr algn="ctr"/>
+            <a:endParaRPr lang="ko-KR" altLang="en-US"/>
+          </a:p>
+        </p:txBody>
+      </p:sp>
+      <p:sp>
+        <p:nvSpPr>
+          <p:cNvPr id="5" name="TextBox 4"/>
+          <p:cNvSpPr txBox="1"/>
+          <p:nvPr/>
+        </p:nvSpPr>
+        <p:spPr>
+          <a:xfrm>
+            <a:off x="635490" y="335487"/>
+            <a:ext cx="1176849" cy="400110"/>
+          </a:xfrm>
+          <a:prstGeom prst="rect">
+            <a:avLst/>
+          </a:prstGeom>
+          <a:noFill/>
+        </p:spPr>
+        <p:txBody>
+          <a:bodyPr wrap="square" rtlCol="0">
+            <a:spAutoFit/>
+          </a:bodyPr>
+          <a:lstStyle/>
+          <a:p>
+            <a:r>
+              <a:rPr lang="ko-KR" altLang="en-US" sz="2000" dirty="0">
+                <a:solidFill>
+                  <a:schemeClr val="tx1">
+                    <a:lumMod val="75000"/>
+                    <a:lumOff val="25000"/>
+                  </a:schemeClr>
+                </a:solidFill>
+                <a:latin typeface="Sandoll 고딕 03 Bold" pitchFamily="34" charset="-127"/>
+                <a:ea typeface="Sandoll 고딕 03 Bold" pitchFamily="34" charset="-127"/>
+              </a:rPr>
+              <a:t>캐릭터</a:t>
+            </a:r>
+          </a:p>
+        </p:txBody>
+      </p:sp>
+      <p:sp>
+        <p:nvSpPr>
+          <p:cNvPr id="6" name="TextBox 5"/>
+          <p:cNvSpPr txBox="1"/>
+          <p:nvPr/>
+        </p:nvSpPr>
+        <p:spPr>
+          <a:xfrm>
+            <a:off x="1475655" y="366265"/>
+            <a:ext cx="2448269" cy="338554"/>
+          </a:xfrm>
+          <a:prstGeom prst="rect">
+            <a:avLst/>
+          </a:prstGeom>
+          <a:noFill/>
+        </p:spPr>
+        <p:txBody>
+          <a:bodyPr wrap="square" rtlCol="0">
+            <a:spAutoFit/>
+          </a:bodyPr>
+          <a:lstStyle/>
+          <a:p>
+            <a:r>
+              <a:rPr lang="en-US" altLang="ko-KR" sz="1600" dirty="0">
+                <a:solidFill>
+                  <a:schemeClr val="bg1">
+                    <a:lumMod val="50000"/>
+                  </a:schemeClr>
+                </a:solidFill>
+                <a:latin typeface="Sandoll 고딕 02 Medium" pitchFamily="34" charset="-127"/>
+                <a:ea typeface="Sandoll 고딕 02 Medium" pitchFamily="34" charset="-127"/>
+              </a:rPr>
+              <a:t>4) </a:t>
+            </a:r>
+            <a:r>
+              <a:rPr lang="ko-KR" altLang="en-US" sz="1600" dirty="0">
+                <a:solidFill>
+                  <a:schemeClr val="bg1">
+                    <a:lumMod val="50000"/>
+                  </a:schemeClr>
+                </a:solidFill>
+                <a:latin typeface="Sandoll 고딕 02 Medium" pitchFamily="34" charset="-127"/>
+                <a:ea typeface="Sandoll 고딕 02 Medium" pitchFamily="34" charset="-127"/>
+              </a:rPr>
+              <a:t>일반 몬스터 </a:t>
+            </a:r>
+            <a:r>
+              <a:rPr lang="en-US" altLang="ko-KR" sz="1600" dirty="0">
+                <a:solidFill>
+                  <a:schemeClr val="bg1">
+                    <a:lumMod val="50000"/>
+                  </a:schemeClr>
+                </a:solidFill>
+                <a:latin typeface="Sandoll 고딕 02 Medium" pitchFamily="34" charset="-127"/>
+                <a:ea typeface="Sandoll 고딕 02 Medium" pitchFamily="34" charset="-127"/>
+              </a:rPr>
+              <a:t>- </a:t>
+            </a:r>
+            <a:r>
+              <a:rPr lang="ko-KR" altLang="en-US" sz="1600" dirty="0" err="1">
+                <a:solidFill>
+                  <a:schemeClr val="bg1">
+                    <a:lumMod val="50000"/>
+                  </a:schemeClr>
+                </a:solidFill>
+                <a:latin typeface="Sandoll 고딕 02 Medium" pitchFamily="34" charset="-127"/>
+                <a:ea typeface="Sandoll 고딕 02 Medium" pitchFamily="34" charset="-127"/>
+              </a:rPr>
+              <a:t>쉴드</a:t>
+            </a:r>
+            <a:endParaRPr lang="ko-KR" altLang="en-US" sz="1600" dirty="0">
+              <a:solidFill>
+                <a:schemeClr val="bg1">
+                  <a:lumMod val="50000"/>
+                </a:schemeClr>
+              </a:solidFill>
+              <a:latin typeface="Sandoll 고딕 02 Medium" pitchFamily="34" charset="-127"/>
+              <a:ea typeface="Sandoll 고딕 02 Medium" pitchFamily="34" charset="-127"/>
+            </a:endParaRPr>
+          </a:p>
+        </p:txBody>
+      </p:sp>
+      <p:cxnSp>
+        <p:nvCxnSpPr>
+          <p:cNvPr id="7" name="직선 연결선 6"/>
+          <p:cNvCxnSpPr/>
+          <p:nvPr/>
+        </p:nvCxnSpPr>
+        <p:spPr>
+          <a:xfrm>
+            <a:off x="251520" y="0"/>
+            <a:ext cx="0" cy="6858000"/>
+          </a:xfrm>
+          <a:prstGeom prst="line">
+            <a:avLst/>
+          </a:prstGeom>
+          <a:ln>
+            <a:solidFill>
+              <a:schemeClr val="bg1">
+                <a:lumMod val="65000"/>
+              </a:schemeClr>
+            </a:solidFill>
+            <a:prstDash val="sysDot"/>
+          </a:ln>
+        </p:spPr>
+        <p:style>
+          <a:lnRef idx="1">
+            <a:schemeClr val="accent1"/>
+          </a:lnRef>
+          <a:fillRef idx="0">
+            <a:schemeClr val="accent1"/>
+          </a:fillRef>
+          <a:effectRef idx="0">
+            <a:schemeClr val="accent1"/>
+          </a:effectRef>
+          <a:fontRef idx="minor">
+            <a:schemeClr val="tx1"/>
+          </a:fontRef>
+        </p:style>
+      </p:cxnSp>
+      <p:cxnSp>
+        <p:nvCxnSpPr>
+          <p:cNvPr id="8" name="직선 연결선 7"/>
+          <p:cNvCxnSpPr/>
+          <p:nvPr/>
+        </p:nvCxnSpPr>
+        <p:spPr>
+          <a:xfrm>
+            <a:off x="0" y="260648"/>
+            <a:ext cx="9144000" cy="0"/>
+          </a:xfrm>
+          <a:prstGeom prst="line">
+            <a:avLst/>
+          </a:prstGeom>
+          <a:ln>
+            <a:solidFill>
+              <a:schemeClr val="bg1">
+                <a:lumMod val="65000"/>
+              </a:schemeClr>
+            </a:solidFill>
+            <a:prstDash val="sysDot"/>
+          </a:ln>
+        </p:spPr>
+        <p:style>
+          <a:lnRef idx="1">
+            <a:schemeClr val="accent1"/>
+          </a:lnRef>
+          <a:fillRef idx="0">
+            <a:schemeClr val="accent1"/>
+          </a:fillRef>
+          <a:effectRef idx="0">
+            <a:schemeClr val="accent1"/>
+          </a:effectRef>
+          <a:fontRef idx="minor">
+            <a:schemeClr val="tx1"/>
+          </a:fontRef>
+        </p:style>
+      </p:cxnSp>
+      <p:grpSp>
+        <p:nvGrpSpPr>
+          <p:cNvPr id="9" name="그룹 8"/>
+          <p:cNvGrpSpPr/>
+          <p:nvPr/>
+        </p:nvGrpSpPr>
+        <p:grpSpPr>
+          <a:xfrm>
+            <a:off x="8371684" y="6351563"/>
+            <a:ext cx="772316" cy="491577"/>
+            <a:chOff x="4252314" y="1143866"/>
+            <a:chExt cx="772316" cy="491577"/>
+          </a:xfrm>
+        </p:grpSpPr>
+        <p:sp>
+          <p:nvSpPr>
+            <p:cNvPr id="10" name="직사각형 9"/>
+            <p:cNvSpPr/>
+            <p:nvPr/>
+          </p:nvSpPr>
+          <p:spPr>
+            <a:xfrm rot="599424">
+              <a:off x="4252314" y="1223935"/>
+              <a:ext cx="319686" cy="319686"/>
+            </a:xfrm>
+            <a:prstGeom prst="rect">
+              <a:avLst/>
+            </a:prstGeom>
+            <a:noFill/>
+            <a:ln w="9525">
+              <a:solidFill>
+                <a:schemeClr val="bg1">
+                  <a:lumMod val="65000"/>
+                </a:schemeClr>
+              </a:solidFill>
+            </a:ln>
+          </p:spPr>
+          <p:style>
+            <a:lnRef idx="2">
+              <a:schemeClr val="accent1">
+                <a:shade val="50000"/>
+              </a:schemeClr>
+            </a:lnRef>
+            <a:fillRef idx="1">
+              <a:schemeClr val="accent1"/>
+            </a:fillRef>
+            <a:effectRef idx="0">
+              <a:schemeClr val="accent1"/>
+            </a:effectRef>
+            <a:fontRef idx="minor">
+              <a:schemeClr val="lt1"/>
+            </a:fontRef>
+          </p:style>
+          <p:txBody>
+            <a:bodyPr rtlCol="0" anchor="ctr"/>
+            <a:lstStyle/>
+            <a:p>
+              <a:pPr algn="ctr"/>
+              <a:endParaRPr lang="ko-KR" altLang="en-US"/>
+            </a:p>
+          </p:txBody>
+        </p:sp>
+        <p:sp>
+          <p:nvSpPr>
+            <p:cNvPr id="11" name="직사각형 10"/>
+            <p:cNvSpPr/>
+            <p:nvPr/>
+          </p:nvSpPr>
+          <p:spPr>
+            <a:xfrm rot="1427337">
+              <a:off x="4556578" y="1143866"/>
+              <a:ext cx="468052" cy="468052"/>
+            </a:xfrm>
+            <a:prstGeom prst="rect">
+              <a:avLst/>
+            </a:prstGeom>
+            <a:noFill/>
+            <a:ln w="9525">
+              <a:solidFill>
+                <a:schemeClr val="bg1">
+                  <a:lumMod val="65000"/>
+                </a:schemeClr>
+              </a:solidFill>
+            </a:ln>
+          </p:spPr>
+          <p:style>
+            <a:lnRef idx="2">
+              <a:schemeClr val="accent1">
+                <a:shade val="50000"/>
+              </a:schemeClr>
+            </a:lnRef>
+            <a:fillRef idx="1">
+              <a:schemeClr val="accent1"/>
+            </a:fillRef>
+            <a:effectRef idx="0">
+              <a:schemeClr val="accent1"/>
+            </a:effectRef>
+            <a:fontRef idx="minor">
+              <a:schemeClr val="lt1"/>
+            </a:fontRef>
+          </p:style>
+          <p:txBody>
+            <a:bodyPr rtlCol="0" anchor="ctr"/>
+            <a:lstStyle/>
+            <a:p>
+              <a:pPr algn="ctr"/>
+              <a:endParaRPr lang="ko-KR" altLang="en-US"/>
+            </a:p>
+          </p:txBody>
+        </p:sp>
+        <p:sp>
+          <p:nvSpPr>
+            <p:cNvPr id="12" name="직사각형 11"/>
+            <p:cNvSpPr/>
+            <p:nvPr/>
+          </p:nvSpPr>
+          <p:spPr>
+            <a:xfrm rot="3783077">
+              <a:off x="4440058" y="1443568"/>
+              <a:ext cx="191875" cy="191875"/>
+            </a:xfrm>
+            <a:prstGeom prst="rect">
+              <a:avLst/>
+            </a:prstGeom>
+            <a:solidFill>
+              <a:schemeClr val="bg1">
+                <a:lumMod val="65000"/>
+              </a:schemeClr>
+            </a:solidFill>
+            <a:ln w="9525">
+              <a:solidFill>
+                <a:schemeClr val="bg1">
+                  <a:lumMod val="65000"/>
+                </a:schemeClr>
+              </a:solidFill>
+            </a:ln>
+          </p:spPr>
+          <p:style>
+            <a:lnRef idx="2">
+              <a:schemeClr val="accent1">
+                <a:shade val="50000"/>
+              </a:schemeClr>
+            </a:lnRef>
+            <a:fillRef idx="1">
+              <a:schemeClr val="accent1"/>
+            </a:fillRef>
+            <a:effectRef idx="0">
+              <a:schemeClr val="accent1"/>
+            </a:effectRef>
+            <a:fontRef idx="minor">
+              <a:schemeClr val="lt1"/>
+            </a:fontRef>
+          </p:style>
+          <p:txBody>
+            <a:bodyPr rtlCol="0" anchor="ctr"/>
+            <a:lstStyle/>
+            <a:p>
+              <a:pPr algn="ctr"/>
+              <a:endParaRPr lang="ko-KR" altLang="en-US"/>
+            </a:p>
+          </p:txBody>
+        </p:sp>
+      </p:grpSp>
+      <p:pic>
+        <p:nvPicPr>
+          <p:cNvPr id="4100" name="Picture 4" descr="screenshot">
+            <a:extLst>
+              <a:ext uri="{FF2B5EF4-FFF2-40B4-BE49-F238E27FC236}">
+                <a16:creationId xmlns:a16="http://schemas.microsoft.com/office/drawing/2014/main" id="{0812E9F1-ECAC-9EB5-34AE-749E98804F12}"/>
+              </a:ext>
+            </a:extLst>
+          </p:cNvPr>
+          <p:cNvPicPr>
+            <a:picLocks noChangeAspect="1" noChangeArrowheads="1"/>
+          </p:cNvPicPr>
+          <p:nvPr/>
+        </p:nvPicPr>
+        <p:blipFill rotWithShape="1">
+          <a:blip r:embed="rId2">
+            <a:extLst>
+              <a:ext uri="{28A0092B-C50C-407E-A947-70E740481C1C}">
+                <a14:useLocalDpi xmlns:a14="http://schemas.microsoft.com/office/drawing/2010/main" val="0"/>
+              </a:ext>
+            </a:extLst>
+          </a:blip>
+          <a:srcRect l="25924"/>
+          <a:stretch/>
+        </p:blipFill>
+        <p:spPr bwMode="auto">
+          <a:xfrm>
+            <a:off x="1802619" y="971428"/>
+            <a:ext cx="5538761" cy="4200525"/>
+          </a:xfrm>
+          <a:prstGeom prst="rect">
+            <a:avLst/>
+          </a:prstGeom>
+          <a:noFill/>
+          <a:extLst>
+            <a:ext uri="{909E8E84-426E-40DD-AFC4-6F175D3DCCD1}">
+              <a14:hiddenFill xmlns:a14="http://schemas.microsoft.com/office/drawing/2010/main">
+                <a:solidFill>
+                  <a:srgbClr val="FFFFFF"/>
+                </a:solidFill>
+              </a14:hiddenFill>
+            </a:ext>
+          </a:extLst>
+        </p:spPr>
+      </p:pic>
+      <p:sp>
+        <p:nvSpPr>
+          <p:cNvPr id="15" name="TextBox 14">
+            <a:extLst>
+              <a:ext uri="{FF2B5EF4-FFF2-40B4-BE49-F238E27FC236}">
+                <a16:creationId xmlns:a16="http://schemas.microsoft.com/office/drawing/2014/main" id="{C51913E1-6286-C04C-E864-CB97A1DD893C}"/>
+              </a:ext>
+            </a:extLst>
+          </p:cNvPr>
+          <p:cNvSpPr txBox="1"/>
+          <p:nvPr/>
+        </p:nvSpPr>
+        <p:spPr>
+          <a:xfrm>
+            <a:off x="798915" y="5337060"/>
+            <a:ext cx="7477125" cy="1585049"/>
+          </a:xfrm>
+          <a:prstGeom prst="rect">
+            <a:avLst/>
+          </a:prstGeom>
+          <a:noFill/>
+        </p:spPr>
+        <p:txBody>
+          <a:bodyPr wrap="square" rtlCol="0">
+            <a:spAutoFit/>
+          </a:bodyPr>
+          <a:lstStyle/>
+          <a:p>
+            <a:pPr algn="ctr"/>
+            <a:r>
+              <a:rPr lang="ko-KR" altLang="en-US" sz="700" dirty="0"/>
+              <a:t>출처 </a:t>
+            </a:r>
+            <a:r>
+              <a:rPr lang="en-US" altLang="ko-KR" sz="700" dirty="0"/>
+              <a:t>: </a:t>
+            </a:r>
+            <a:r>
+              <a:rPr lang="en-US" altLang="ko-KR" sz="700" dirty="0">
+                <a:hlinkClick r:id="rId3"/>
+              </a:rPr>
+              <a:t>https://assetstore.unity.com/packages/3d/fantasy-monsters-v2-skull-59426</a:t>
+            </a:r>
+            <a:endParaRPr lang="en-US" altLang="ko-KR" sz="700" dirty="0"/>
+          </a:p>
+          <a:p>
+            <a:endParaRPr lang="en-US" altLang="ko-KR" sz="700" dirty="0"/>
+          </a:p>
+          <a:p>
+            <a:endParaRPr lang="en-US" altLang="ko-KR" sz="700" dirty="0"/>
+          </a:p>
+          <a:p>
+            <a:endParaRPr lang="en-US" altLang="ko-KR" sz="700" dirty="0"/>
+          </a:p>
+          <a:p>
+            <a:r>
+              <a:rPr lang="en-US" altLang="ko-KR" sz="1600" dirty="0"/>
+              <a:t>Unity Asset Store ( ENTIGI )</a:t>
+            </a:r>
+          </a:p>
+          <a:p>
+            <a:endParaRPr lang="en-US" altLang="ko-KR" sz="1600" dirty="0"/>
+          </a:p>
+          <a:p>
+            <a:r>
+              <a:rPr lang="en-US" altLang="ko-KR" sz="1600" i="0" dirty="0">
+                <a:solidFill>
+                  <a:srgbClr val="212121"/>
+                </a:solidFill>
+                <a:effectLst/>
+              </a:rPr>
+              <a:t>Fantasy Monsters V2 – Skull </a:t>
+            </a:r>
+            <a:r>
+              <a:rPr lang="ko-KR" altLang="en-US" sz="1600" i="0" dirty="0">
+                <a:solidFill>
+                  <a:srgbClr val="212121"/>
+                </a:solidFill>
+                <a:effectLst/>
+              </a:rPr>
+              <a:t>구매</a:t>
+            </a:r>
+            <a:endParaRPr lang="en-US" altLang="ko-KR" sz="1600" i="0" dirty="0">
+              <a:solidFill>
+                <a:srgbClr val="212121"/>
+              </a:solidFill>
+              <a:effectLst/>
+            </a:endParaRPr>
+          </a:p>
+          <a:p>
+            <a:endParaRPr lang="en-US" altLang="ko-KR" sz="1400" dirty="0"/>
+          </a:p>
+          <a:p>
+            <a:endParaRPr lang="ko-KR" altLang="en-US" sz="700" dirty="0"/>
+          </a:p>
+        </p:txBody>
+      </p:sp>
+      <p:sp>
+        <p:nvSpPr>
+          <p:cNvPr id="16" name="TextBox 15">
+            <a:extLst>
+              <a:ext uri="{FF2B5EF4-FFF2-40B4-BE49-F238E27FC236}">
+                <a16:creationId xmlns:a16="http://schemas.microsoft.com/office/drawing/2014/main" id="{B555BA2F-670E-F4B2-5C8D-60ECAEA9479A}"/>
+              </a:ext>
+            </a:extLst>
+          </p:cNvPr>
+          <p:cNvSpPr txBox="1"/>
+          <p:nvPr/>
+        </p:nvSpPr>
+        <p:spPr>
+          <a:xfrm>
+            <a:off x="2359973" y="2930294"/>
+            <a:ext cx="4608512" cy="338554"/>
+          </a:xfrm>
+          <a:prstGeom prst="rect">
+            <a:avLst/>
+          </a:prstGeom>
+          <a:noFill/>
+        </p:spPr>
+        <p:txBody>
+          <a:bodyPr wrap="square" rtlCol="0">
+            <a:spAutoFit/>
+          </a:bodyPr>
+          <a:lstStyle/>
+          <a:p>
+            <a:r>
+              <a:rPr lang="ko-KR" altLang="en-US" sz="1600" dirty="0">
+                <a:solidFill>
+                  <a:schemeClr val="bg1"/>
+                </a:solidFill>
+              </a:rPr>
+              <a:t>돌진</a:t>
+            </a:r>
+            <a:r>
+              <a:rPr lang="en-US" altLang="ko-KR" sz="1600" dirty="0">
+                <a:solidFill>
+                  <a:schemeClr val="bg1"/>
+                </a:solidFill>
+              </a:rPr>
+              <a:t>		</a:t>
+            </a:r>
+            <a:r>
+              <a:rPr lang="ko-KR" altLang="en-US" sz="1600" dirty="0">
+                <a:solidFill>
+                  <a:schemeClr val="bg1"/>
+                </a:solidFill>
+              </a:rPr>
+              <a:t>원거리</a:t>
+            </a:r>
+            <a:r>
+              <a:rPr lang="en-US" altLang="ko-KR" sz="1600" dirty="0">
+                <a:solidFill>
+                  <a:schemeClr val="bg1"/>
+                </a:solidFill>
+              </a:rPr>
+              <a:t>	            </a:t>
+            </a:r>
+            <a:r>
+              <a:rPr lang="ko-KR" altLang="en-US" sz="1600" dirty="0">
+                <a:solidFill>
+                  <a:schemeClr val="bg1"/>
+                </a:solidFill>
+              </a:rPr>
+              <a:t>근접</a:t>
+            </a:r>
+          </a:p>
+        </p:txBody>
+      </p:sp>
+    </p:spTree>
+    <p:extLst>
+      <p:ext uri="{BB962C8B-B14F-4D97-AF65-F5344CB8AC3E}">
+        <p14:creationId xmlns:p14="http://schemas.microsoft.com/office/powerpoint/2010/main" val="1600459095"/>
+      </p:ext>
+    </p:extLst>
+  </p:cSld>
+  <p:clrMapOvr>
+    <a:masterClrMapping/>
+  </p:clrMapOvr>
+</p:sld>
+</file>
+
+<file path=ppt/slides/slide21.xml><?xml version="1.0" encoding="utf-8"?>
+<p:sld xmlns:a="http://schemas.openxmlformats.org/drawingml/2006/main" xmlns:r="http://schemas.openxmlformats.org/officeDocument/2006/relationships" xmlns:p="http://schemas.openxmlformats.org/presentationml/2006/main">
+  <p:cSld>
+    <p:spTree>
+      <p:nvGrpSpPr>
+        <p:cNvPr id="1" name=""/>
+        <p:cNvGrpSpPr/>
+        <p:nvPr/>
+      </p:nvGrpSpPr>
+      <p:grpSpPr>
+        <a:xfrm>
+          <a:off x="0" y="0"/>
+          <a:ext cx="0" cy="0"/>
+          <a:chOff x="0" y="0"/>
+          <a:chExt cx="0" cy="0"/>
+        </a:xfrm>
+      </p:grpSpPr>
+      <p:sp>
+        <p:nvSpPr>
+          <p:cNvPr id="4" name="직사각형 3"/>
+          <p:cNvSpPr/>
+          <p:nvPr/>
+        </p:nvSpPr>
+        <p:spPr>
+          <a:xfrm>
+            <a:off x="370592" y="389855"/>
+            <a:ext cx="264898" cy="246221"/>
+          </a:xfrm>
+          <a:prstGeom prst="rect">
+            <a:avLst/>
+          </a:prstGeom>
+          <a:solidFill>
+            <a:schemeClr val="bg1">
+              <a:lumMod val="85000"/>
+            </a:schemeClr>
+          </a:solidFill>
+          <a:ln>
+            <a:noFill/>
+          </a:ln>
+        </p:spPr>
+        <p:style>
+          <a:lnRef idx="2">
+            <a:schemeClr val="accent1">
+              <a:shade val="50000"/>
+            </a:schemeClr>
+          </a:lnRef>
+          <a:fillRef idx="1">
+            <a:schemeClr val="accent1"/>
+          </a:fillRef>
+          <a:effectRef idx="0">
+            <a:schemeClr val="accent1"/>
+          </a:effectRef>
+          <a:fontRef idx="minor">
+            <a:schemeClr val="lt1"/>
+          </a:fontRef>
+        </p:style>
+        <p:txBody>
+          <a:bodyPr rtlCol="0" anchor="ctr"/>
+          <a:lstStyle/>
+          <a:p>
+            <a:pPr algn="ctr"/>
+            <a:endParaRPr lang="ko-KR" altLang="en-US"/>
+          </a:p>
+        </p:txBody>
+      </p:sp>
+      <p:sp>
+        <p:nvSpPr>
+          <p:cNvPr id="5" name="TextBox 4"/>
+          <p:cNvSpPr txBox="1"/>
+          <p:nvPr/>
+        </p:nvSpPr>
+        <p:spPr>
+          <a:xfrm>
+            <a:off x="635490" y="335487"/>
+            <a:ext cx="1176849" cy="400110"/>
+          </a:xfrm>
+          <a:prstGeom prst="rect">
+            <a:avLst/>
+          </a:prstGeom>
+          <a:noFill/>
+        </p:spPr>
+        <p:txBody>
+          <a:bodyPr wrap="square" rtlCol="0">
+            <a:spAutoFit/>
+          </a:bodyPr>
+          <a:lstStyle/>
+          <a:p>
+            <a:r>
+              <a:rPr lang="ko-KR" altLang="en-US" sz="2000" dirty="0">
+                <a:solidFill>
+                  <a:schemeClr val="tx1">
+                    <a:lumMod val="75000"/>
+                    <a:lumOff val="25000"/>
+                  </a:schemeClr>
+                </a:solidFill>
+                <a:latin typeface="Sandoll 고딕 03 Bold" pitchFamily="34" charset="-127"/>
+                <a:ea typeface="Sandoll 고딕 03 Bold" pitchFamily="34" charset="-127"/>
+              </a:rPr>
+              <a:t>캐릭터</a:t>
+            </a:r>
+          </a:p>
+        </p:txBody>
+      </p:sp>
+      <p:sp>
+        <p:nvSpPr>
+          <p:cNvPr id="6" name="TextBox 5"/>
+          <p:cNvSpPr txBox="1"/>
+          <p:nvPr/>
+        </p:nvSpPr>
+        <p:spPr>
+          <a:xfrm>
+            <a:off x="1475656" y="366265"/>
+            <a:ext cx="2232248" cy="338554"/>
+          </a:xfrm>
+          <a:prstGeom prst="rect">
+            <a:avLst/>
+          </a:prstGeom>
+          <a:noFill/>
+        </p:spPr>
+        <p:txBody>
+          <a:bodyPr wrap="square" rtlCol="0">
+            <a:spAutoFit/>
+          </a:bodyPr>
+          <a:lstStyle/>
+          <a:p>
+            <a:r>
+              <a:rPr lang="en-US" altLang="ko-KR" sz="1600" dirty="0">
+                <a:solidFill>
+                  <a:schemeClr val="bg1">
+                    <a:lumMod val="50000"/>
+                  </a:schemeClr>
+                </a:solidFill>
+                <a:latin typeface="Sandoll 고딕 02 Medium" pitchFamily="34" charset="-127"/>
+                <a:ea typeface="Sandoll 고딕 02 Medium" pitchFamily="34" charset="-127"/>
+              </a:rPr>
+              <a:t>5) </a:t>
+            </a:r>
+            <a:r>
+              <a:rPr lang="ko-KR" altLang="en-US" sz="1600" dirty="0">
+                <a:solidFill>
+                  <a:schemeClr val="bg1">
+                    <a:lumMod val="50000"/>
+                  </a:schemeClr>
+                </a:solidFill>
+                <a:latin typeface="Sandoll 고딕 02 Medium" pitchFamily="34" charset="-127"/>
+                <a:ea typeface="Sandoll 고딕 02 Medium" pitchFamily="34" charset="-127"/>
+              </a:rPr>
+              <a:t>공격 </a:t>
+            </a:r>
+            <a:r>
+              <a:rPr lang="en-US" altLang="ko-KR" sz="1600" dirty="0">
+                <a:solidFill>
+                  <a:schemeClr val="bg1">
+                    <a:lumMod val="50000"/>
+                  </a:schemeClr>
+                </a:solidFill>
+                <a:latin typeface="Sandoll 고딕 02 Medium" pitchFamily="34" charset="-127"/>
+                <a:ea typeface="Sandoll 고딕 02 Medium" pitchFamily="34" charset="-127"/>
+              </a:rPr>
+              <a:t>– </a:t>
+            </a:r>
+            <a:r>
+              <a:rPr lang="ko-KR" altLang="en-US" sz="1600" dirty="0">
+                <a:solidFill>
+                  <a:schemeClr val="bg1">
+                    <a:lumMod val="50000"/>
+                  </a:schemeClr>
+                </a:solidFill>
+                <a:latin typeface="Sandoll 고딕 02 Medium" pitchFamily="34" charset="-127"/>
+                <a:ea typeface="Sandoll 고딕 02 Medium" pitchFamily="34" charset="-127"/>
+              </a:rPr>
+              <a:t>보스 몬스터</a:t>
             </a:r>
           </a:p>
         </p:txBody>
@@ -9342,7 +13206,7 @@
     </p:spTree>
     <p:extLst>
       <p:ext uri="{BB962C8B-B14F-4D97-AF65-F5344CB8AC3E}">
-        <p14:creationId xmlns:p14="http://schemas.microsoft.com/office/powerpoint/2010/main" val="1897545715"/>
+        <p14:creationId xmlns:p14="http://schemas.microsoft.com/office/powerpoint/2010/main" val="328459170"/>
       </p:ext>
     </p:extLst>
   </p:cSld>
@@ -9352,7 +13216,7 @@
 </p:sld>
 </file>
 
-<file path=ppt/slides/slide18.xml><?xml version="1.0" encoding="utf-8"?>
+<file path=ppt/slides/slide22.xml><?xml version="1.0" encoding="utf-8"?>
 <p:sld xmlns:a="http://schemas.openxmlformats.org/drawingml/2006/main" xmlns:r="http://schemas.openxmlformats.org/officeDocument/2006/relationships" xmlns:p="http://schemas.openxmlformats.org/presentationml/2006/main">
   <p:cSld>
     <p:spTree>
@@ -9499,8 +13363,41 @@
                 <a:latin typeface="Sandoll 고딕 02 Medium" pitchFamily="34" charset="-127"/>
                 <a:ea typeface="Sandoll 고딕 02 Medium" pitchFamily="34" charset="-127"/>
               </a:rPr>
-              <a:t>보스 몬스터</a:t>
-            </a:r>
+              <a:t>보스 몬스터 </a:t>
+            </a:r>
+            <a:r>
+              <a:rPr lang="en-US" altLang="ko-KR" sz="1600" dirty="0">
+                <a:solidFill>
+                  <a:schemeClr val="bg1">
+                    <a:lumMod val="50000"/>
+                  </a:schemeClr>
+                </a:solidFill>
+                <a:latin typeface="Sandoll 고딕 02 Medium" pitchFamily="34" charset="-127"/>
+                <a:ea typeface="Sandoll 고딕 02 Medium" pitchFamily="34" charset="-127"/>
+              </a:rPr>
+              <a:t>- </a:t>
+            </a:r>
+            <a:r>
+              <a:rPr lang="ko-KR" altLang="en-US" sz="1600" dirty="0" err="1">
+                <a:solidFill>
+                  <a:schemeClr val="bg1">
+                    <a:lumMod val="50000"/>
+                  </a:schemeClr>
+                </a:solidFill>
+                <a:latin typeface="Sandoll 고딕 02 Medium" pitchFamily="34" charset="-127"/>
+                <a:ea typeface="Sandoll 고딕 02 Medium" pitchFamily="34" charset="-127"/>
+              </a:rPr>
+              <a:t>쉴드</a:t>
+            </a:r>
+            <a:endParaRPr lang="ko-KR" altLang="en-US" sz="1600" dirty="0">
+              <a:solidFill>
+                <a:schemeClr val="bg1">
+                  <a:lumMod val="50000"/>
+                </a:schemeClr>
+              </a:solidFill>
+              <a:latin typeface="Sandoll 고딕 02 Medium" pitchFamily="34" charset="-127"/>
+              <a:ea typeface="Sandoll 고딕 02 Medium" pitchFamily="34" charset="-127"/>
+            </a:endParaRPr>
           </a:p>
         </p:txBody>
       </p:sp>
@@ -9743,6 +13640,139 @@
           </p:txBody>
         </p:sp>
       </p:grpSp>
+      <p:pic>
+        <p:nvPicPr>
+          <p:cNvPr id="2" name="Picture 2" descr="screenshot">
+            <a:extLst>
+              <a:ext uri="{FF2B5EF4-FFF2-40B4-BE49-F238E27FC236}">
+                <a16:creationId xmlns:a16="http://schemas.microsoft.com/office/drawing/2014/main" id="{D23F9A4E-49C1-8E13-1B5F-070643918CDA}"/>
+              </a:ext>
+            </a:extLst>
+          </p:cNvPr>
+          <p:cNvPicPr>
+            <a:picLocks noChangeAspect="1" noChangeArrowheads="1"/>
+          </p:cNvPicPr>
+          <p:nvPr/>
+        </p:nvPicPr>
+        <p:blipFill>
+          <a:blip r:embed="rId2">
+            <a:extLst>
+              <a:ext uri="{28A0092B-C50C-407E-A947-70E740481C1C}">
+                <a14:useLocalDpi xmlns:a14="http://schemas.microsoft.com/office/drawing/2010/main" val="0"/>
+              </a:ext>
+            </a:extLst>
+          </a:blip>
+          <a:srcRect/>
+          <a:stretch>
+            <a:fillRect/>
+          </a:stretch>
+        </p:blipFill>
+        <p:spPr bwMode="auto">
+          <a:xfrm>
+            <a:off x="833437" y="1052736"/>
+            <a:ext cx="7477125" cy="4200525"/>
+          </a:xfrm>
+          <a:prstGeom prst="rect">
+            <a:avLst/>
+          </a:prstGeom>
+          <a:noFill/>
+          <a:extLst>
+            <a:ext uri="{909E8E84-426E-40DD-AFC4-6F175D3DCCD1}">
+              <a14:hiddenFill xmlns:a14="http://schemas.microsoft.com/office/drawing/2010/main">
+                <a:solidFill>
+                  <a:srgbClr val="FFFFFF"/>
+                </a:solidFill>
+              </a14:hiddenFill>
+            </a:ext>
+          </a:extLst>
+        </p:spPr>
+      </p:pic>
+      <p:sp>
+        <p:nvSpPr>
+          <p:cNvPr id="3" name="TextBox 2">
+            <a:extLst>
+              <a:ext uri="{FF2B5EF4-FFF2-40B4-BE49-F238E27FC236}">
+                <a16:creationId xmlns:a16="http://schemas.microsoft.com/office/drawing/2014/main" id="{9B144BB6-D6C2-85E6-6BAA-D44DFE8E1A9A}"/>
+              </a:ext>
+            </a:extLst>
+          </p:cNvPr>
+          <p:cNvSpPr txBox="1"/>
+          <p:nvPr/>
+        </p:nvSpPr>
+        <p:spPr>
+          <a:xfrm>
+            <a:off x="798915" y="5337060"/>
+            <a:ext cx="7477125" cy="1477328"/>
+          </a:xfrm>
+          <a:prstGeom prst="rect">
+            <a:avLst/>
+          </a:prstGeom>
+          <a:noFill/>
+        </p:spPr>
+        <p:txBody>
+          <a:bodyPr wrap="square" rtlCol="0">
+            <a:spAutoFit/>
+          </a:bodyPr>
+          <a:lstStyle/>
+          <a:p>
+            <a:r>
+              <a:rPr lang="ko-KR" altLang="en-US" sz="700" dirty="0"/>
+              <a:t>출처 </a:t>
+            </a:r>
+            <a:r>
+              <a:rPr lang="en-US" altLang="ko-KR" sz="700" dirty="0"/>
+              <a:t>: https://assetstore.unity.com/packages/3d/fantasy-monsters-v2-shield-59429</a:t>
+            </a:r>
+          </a:p>
+          <a:p>
+            <a:endParaRPr lang="en-US" altLang="ko-KR" sz="700" dirty="0"/>
+          </a:p>
+          <a:p>
+            <a:endParaRPr lang="en-US" altLang="ko-KR" sz="700" dirty="0"/>
+          </a:p>
+          <a:p>
+            <a:r>
+              <a:rPr lang="en-US" altLang="ko-KR" sz="1600" dirty="0"/>
+              <a:t>Unity Asset Store ( ENTIGI )</a:t>
+            </a:r>
+          </a:p>
+          <a:p>
+            <a:endParaRPr lang="en-US" altLang="ko-KR" sz="1600" dirty="0"/>
+          </a:p>
+          <a:p>
+            <a:r>
+              <a:rPr lang="en-US" altLang="ko-KR" sz="1600" i="0" dirty="0">
+                <a:solidFill>
+                  <a:srgbClr val="212121"/>
+                </a:solidFill>
+                <a:effectLst/>
+              </a:rPr>
+              <a:t>Fantasy Monsters V2 – Shield </a:t>
+            </a:r>
+            <a:r>
+              <a:rPr lang="ko-KR" altLang="en-US" sz="1600" i="0" dirty="0">
+                <a:solidFill>
+                  <a:srgbClr val="212121"/>
+                </a:solidFill>
+                <a:effectLst/>
+              </a:rPr>
+              <a:t>구매</a:t>
+            </a:r>
+            <a:endParaRPr lang="en-US" altLang="ko-KR" sz="1600" i="0" dirty="0">
+              <a:solidFill>
+                <a:srgbClr val="212121"/>
+              </a:solidFill>
+              <a:effectLst/>
+            </a:endParaRPr>
+          </a:p>
+          <a:p>
+            <a:endParaRPr lang="en-US" altLang="ko-KR" sz="1400" dirty="0"/>
+          </a:p>
+          <a:p>
+            <a:endParaRPr lang="ko-KR" altLang="en-US" sz="700" dirty="0"/>
+          </a:p>
+        </p:txBody>
+      </p:sp>
     </p:spTree>
     <p:extLst>
       <p:ext uri="{BB962C8B-B14F-4D97-AF65-F5344CB8AC3E}">
@@ -9756,7 +13786,7 @@
 </p:sld>
 </file>
 
-<file path=ppt/slides/slide19.xml><?xml version="1.0" encoding="utf-8"?>
+<file path=ppt/slides/slide23.xml><?xml version="1.0" encoding="utf-8"?>
 <p:sld xmlns:a="http://schemas.openxmlformats.org/drawingml/2006/main" xmlns:r="http://schemas.openxmlformats.org/officeDocument/2006/relationships" xmlns:p="http://schemas.openxmlformats.org/presentationml/2006/main">
   <p:cSld>
     <p:spTree>
@@ -10144,6 +14174,277 @@
           </p:txBody>
         </p:sp>
       </p:grpSp>
+      <p:pic>
+        <p:nvPicPr>
+          <p:cNvPr id="1028" name="Picture 4" descr="screenshot">
+            <a:extLst>
+              <a:ext uri="{FF2B5EF4-FFF2-40B4-BE49-F238E27FC236}">
+                <a16:creationId xmlns:a16="http://schemas.microsoft.com/office/drawing/2014/main" id="{DDF45E4B-BD30-45E9-BE42-CF006B63ECFE}"/>
+              </a:ext>
+            </a:extLst>
+          </p:cNvPr>
+          <p:cNvPicPr>
+            <a:picLocks noChangeAspect="1" noChangeArrowheads="1"/>
+          </p:cNvPicPr>
+          <p:nvPr/>
+        </p:nvPicPr>
+        <p:blipFill>
+          <a:blip r:embed="rId2">
+            <a:extLst>
+              <a:ext uri="{28A0092B-C50C-407E-A947-70E740481C1C}">
+                <a14:useLocalDpi xmlns:a14="http://schemas.microsoft.com/office/drawing/2010/main" val="0"/>
+              </a:ext>
+            </a:extLst>
+          </a:blip>
+          <a:srcRect/>
+          <a:stretch>
+            <a:fillRect/>
+          </a:stretch>
+        </p:blipFill>
+        <p:spPr bwMode="auto">
+          <a:xfrm>
+            <a:off x="869252" y="1328737"/>
+            <a:ext cx="7477125" cy="4200525"/>
+          </a:xfrm>
+          <a:prstGeom prst="rect">
+            <a:avLst/>
+          </a:prstGeom>
+          <a:noFill/>
+          <a:extLst>
+            <a:ext uri="{909E8E84-426E-40DD-AFC4-6F175D3DCCD1}">
+              <a14:hiddenFill xmlns:a14="http://schemas.microsoft.com/office/drawing/2010/main">
+                <a:solidFill>
+                  <a:srgbClr val="FFFFFF"/>
+                </a:solidFill>
+              </a14:hiddenFill>
+            </a:ext>
+          </a:extLst>
+        </p:spPr>
+      </p:pic>
+      <p:sp>
+        <p:nvSpPr>
+          <p:cNvPr id="2" name="TextBox 1">
+            <a:extLst>
+              <a:ext uri="{FF2B5EF4-FFF2-40B4-BE49-F238E27FC236}">
+                <a16:creationId xmlns:a16="http://schemas.microsoft.com/office/drawing/2014/main" id="{9C0D35DB-896D-D24A-B38B-2378988E3834}"/>
+              </a:ext>
+            </a:extLst>
+          </p:cNvPr>
+          <p:cNvSpPr txBox="1"/>
+          <p:nvPr/>
+        </p:nvSpPr>
+        <p:spPr>
+          <a:xfrm>
+            <a:off x="798915" y="5627605"/>
+            <a:ext cx="7477125" cy="1477328"/>
+          </a:xfrm>
+          <a:prstGeom prst="rect">
+            <a:avLst/>
+          </a:prstGeom>
+          <a:noFill/>
+        </p:spPr>
+        <p:txBody>
+          <a:bodyPr wrap="square" rtlCol="0">
+            <a:spAutoFit/>
+          </a:bodyPr>
+          <a:lstStyle/>
+          <a:p>
+            <a:r>
+              <a:rPr lang="ko-KR" altLang="en-US" sz="700" dirty="0"/>
+              <a:t>출처 </a:t>
+            </a:r>
+            <a:r>
+              <a:rPr lang="en-US" altLang="ko-KR" sz="700" dirty="0"/>
+              <a:t>: https://assetstore.unity.com/packages/3d/fantasy-monsters-v2-ent-59427</a:t>
+            </a:r>
+          </a:p>
+          <a:p>
+            <a:endParaRPr lang="en-US" altLang="ko-KR" sz="700" dirty="0"/>
+          </a:p>
+          <a:p>
+            <a:endParaRPr lang="en-US" altLang="ko-KR" sz="700" dirty="0"/>
+          </a:p>
+          <a:p>
+            <a:r>
+              <a:rPr lang="en-US" altLang="ko-KR" sz="1600" dirty="0"/>
+              <a:t>Unity Asset Store ( ENTIGI )</a:t>
+            </a:r>
+          </a:p>
+          <a:p>
+            <a:endParaRPr lang="en-US" altLang="ko-KR" sz="1600" dirty="0"/>
+          </a:p>
+          <a:p>
+            <a:r>
+              <a:rPr lang="en-US" altLang="ko-KR" sz="1600" i="0" dirty="0">
+                <a:solidFill>
+                  <a:srgbClr val="212121"/>
+                </a:solidFill>
+                <a:effectLst/>
+              </a:rPr>
+              <a:t>Fantasy Monsters V2 – Ent </a:t>
+            </a:r>
+            <a:r>
+              <a:rPr lang="ko-KR" altLang="en-US" sz="1600" i="0" dirty="0">
+                <a:solidFill>
+                  <a:srgbClr val="212121"/>
+                </a:solidFill>
+                <a:effectLst/>
+              </a:rPr>
+              <a:t>구매</a:t>
+            </a:r>
+            <a:endParaRPr lang="en-US" altLang="ko-KR" sz="1600" i="0" dirty="0">
+              <a:solidFill>
+                <a:srgbClr val="212121"/>
+              </a:solidFill>
+              <a:effectLst/>
+            </a:endParaRPr>
+          </a:p>
+          <a:p>
+            <a:endParaRPr lang="en-US" altLang="ko-KR" sz="1400" dirty="0"/>
+          </a:p>
+          <a:p>
+            <a:endParaRPr lang="ko-KR" altLang="en-US" sz="700" dirty="0"/>
+          </a:p>
+        </p:txBody>
+      </p:sp>
+      <p:sp>
+        <p:nvSpPr>
+          <p:cNvPr id="3" name="TextBox 2">
+            <a:extLst>
+              <a:ext uri="{FF2B5EF4-FFF2-40B4-BE49-F238E27FC236}">
+                <a16:creationId xmlns:a16="http://schemas.microsoft.com/office/drawing/2014/main" id="{02A7002E-0A75-ABE2-38AD-FB30E355C330}"/>
+              </a:ext>
+            </a:extLst>
+          </p:cNvPr>
+          <p:cNvSpPr txBox="1"/>
+          <p:nvPr/>
+        </p:nvSpPr>
+        <p:spPr>
+          <a:xfrm>
+            <a:off x="777428" y="910234"/>
+            <a:ext cx="7732179" cy="369332"/>
+          </a:xfrm>
+          <a:prstGeom prst="rect">
+            <a:avLst/>
+          </a:prstGeom>
+          <a:noFill/>
+        </p:spPr>
+        <p:txBody>
+          <a:bodyPr wrap="square" rtlCol="0">
+            <a:spAutoFit/>
+          </a:bodyPr>
+          <a:lstStyle/>
+          <a:p>
+            <a:r>
+              <a:rPr lang="ko-KR" altLang="en-US" dirty="0"/>
+              <a:t>매 스테이지마다 </a:t>
+            </a:r>
+            <a:r>
+              <a:rPr lang="ko-KR" altLang="en-US" b="1" dirty="0"/>
+              <a:t>스토리텔링</a:t>
+            </a:r>
+            <a:r>
+              <a:rPr lang="ko-KR" altLang="en-US" dirty="0"/>
+              <a:t>을 해주고 플레이어들의 </a:t>
+            </a:r>
+            <a:r>
+              <a:rPr lang="ko-KR" altLang="en-US" b="1" dirty="0"/>
+              <a:t>가이드</a:t>
+            </a:r>
+            <a:r>
+              <a:rPr lang="ko-KR" altLang="en-US" dirty="0"/>
+              <a:t> 역할을 해 줌</a:t>
+            </a:r>
+          </a:p>
+        </p:txBody>
+      </p:sp>
+      <p:sp>
+        <p:nvSpPr>
+          <p:cNvPr id="13" name="TextBox 12">
+            <a:extLst>
+              <a:ext uri="{FF2B5EF4-FFF2-40B4-BE49-F238E27FC236}">
+                <a16:creationId xmlns:a16="http://schemas.microsoft.com/office/drawing/2014/main" id="{761E04E6-0E91-A1F2-9A62-8C758FF1FAAF}"/>
+              </a:ext>
+            </a:extLst>
+          </p:cNvPr>
+          <p:cNvSpPr txBox="1"/>
+          <p:nvPr/>
+        </p:nvSpPr>
+        <p:spPr>
+          <a:xfrm>
+            <a:off x="1259442" y="3244333"/>
+            <a:ext cx="6696744" cy="369332"/>
+          </a:xfrm>
+          <a:prstGeom prst="rect">
+            <a:avLst/>
+          </a:prstGeom>
+          <a:noFill/>
+        </p:spPr>
+        <p:txBody>
+          <a:bodyPr wrap="square" rtlCol="0">
+            <a:spAutoFit/>
+          </a:bodyPr>
+          <a:lstStyle/>
+          <a:p>
+            <a:r>
+              <a:rPr lang="ko-KR" altLang="en-US" dirty="0">
+                <a:solidFill>
+                  <a:schemeClr val="bg1"/>
+                </a:solidFill>
+              </a:rPr>
+              <a:t>    청각</a:t>
+            </a:r>
+            <a:r>
+              <a:rPr lang="en-US" altLang="ko-KR" dirty="0">
+                <a:solidFill>
+                  <a:schemeClr val="bg1"/>
+                </a:solidFill>
+              </a:rPr>
+              <a:t>		    </a:t>
+            </a:r>
+            <a:r>
+              <a:rPr lang="ko-KR" altLang="en-US" dirty="0">
+                <a:solidFill>
+                  <a:schemeClr val="bg1"/>
+                </a:solidFill>
+              </a:rPr>
+              <a:t>시각</a:t>
+            </a:r>
+            <a:r>
+              <a:rPr lang="en-US" altLang="ko-KR" dirty="0">
+                <a:solidFill>
+                  <a:schemeClr val="bg1"/>
+                </a:solidFill>
+              </a:rPr>
+              <a:t>		    </a:t>
+            </a:r>
+            <a:r>
+              <a:rPr lang="ko-KR" altLang="en-US" dirty="0">
+                <a:solidFill>
+                  <a:schemeClr val="bg1"/>
+                </a:solidFill>
+              </a:rPr>
+              <a:t>촉각</a:t>
+            </a:r>
+            <a:r>
+              <a:rPr lang="en-US" altLang="ko-KR" dirty="0">
+                <a:solidFill>
+                  <a:schemeClr val="bg1"/>
+                </a:solidFill>
+              </a:rPr>
+              <a:t>		   </a:t>
+            </a:r>
+            <a:r>
+              <a:rPr lang="ko-KR" altLang="en-US" dirty="0">
+                <a:solidFill>
+                  <a:schemeClr val="bg1"/>
+                </a:solidFill>
+              </a:rPr>
+              <a:t>보스</a:t>
+            </a:r>
+          </a:p>
+        </p:txBody>
+      </p:sp>
     </p:spTree>
     <p:extLst>
       <p:ext uri="{BB962C8B-B14F-4D97-AF65-F5344CB8AC3E}">
@@ -10157,944 +14458,7 @@
 </p:sld>
 </file>
 
-<file path=ppt/slides/slide2.xml><?xml version="1.0" encoding="utf-8"?>
-<p:sld xmlns:a="http://schemas.openxmlformats.org/drawingml/2006/main" xmlns:r="http://schemas.openxmlformats.org/officeDocument/2006/relationships" xmlns:p="http://schemas.openxmlformats.org/presentationml/2006/main">
-  <p:cSld>
-    <p:spTree>
-      <p:nvGrpSpPr>
-        <p:cNvPr id="1" name=""/>
-        <p:cNvGrpSpPr/>
-        <p:nvPr/>
-      </p:nvGrpSpPr>
-      <p:grpSpPr>
-        <a:xfrm>
-          <a:off x="0" y="0"/>
-          <a:ext cx="0" cy="0"/>
-          <a:chOff x="0" y="0"/>
-          <a:chExt cx="0" cy="0"/>
-        </a:xfrm>
-      </p:grpSpPr>
-      <p:cxnSp>
-        <p:nvCxnSpPr>
-          <p:cNvPr id="6" name="직선 연결선 5"/>
-          <p:cNvCxnSpPr/>
-          <p:nvPr/>
-        </p:nvCxnSpPr>
-        <p:spPr>
-          <a:xfrm>
-            <a:off x="251520" y="0"/>
-            <a:ext cx="0" cy="6858000"/>
-          </a:xfrm>
-          <a:prstGeom prst="line">
-            <a:avLst/>
-          </a:prstGeom>
-          <a:ln>
-            <a:solidFill>
-              <a:schemeClr val="bg1">
-                <a:lumMod val="65000"/>
-              </a:schemeClr>
-            </a:solidFill>
-            <a:prstDash val="sysDot"/>
-          </a:ln>
-        </p:spPr>
-        <p:style>
-          <a:lnRef idx="1">
-            <a:schemeClr val="accent1"/>
-          </a:lnRef>
-          <a:fillRef idx="0">
-            <a:schemeClr val="accent1"/>
-          </a:fillRef>
-          <a:effectRef idx="0">
-            <a:schemeClr val="accent1"/>
-          </a:effectRef>
-          <a:fontRef idx="minor">
-            <a:schemeClr val="tx1"/>
-          </a:fontRef>
-        </p:style>
-      </p:cxnSp>
-      <p:cxnSp>
-        <p:nvCxnSpPr>
-          <p:cNvPr id="7" name="직선 연결선 6"/>
-          <p:cNvCxnSpPr/>
-          <p:nvPr/>
-        </p:nvCxnSpPr>
-        <p:spPr>
-          <a:xfrm>
-            <a:off x="0" y="260648"/>
-            <a:ext cx="9144000" cy="0"/>
-          </a:xfrm>
-          <a:prstGeom prst="line">
-            <a:avLst/>
-          </a:prstGeom>
-          <a:ln>
-            <a:solidFill>
-              <a:schemeClr val="bg1">
-                <a:lumMod val="65000"/>
-              </a:schemeClr>
-            </a:solidFill>
-            <a:prstDash val="sysDot"/>
-          </a:ln>
-        </p:spPr>
-        <p:style>
-          <a:lnRef idx="1">
-            <a:schemeClr val="accent1"/>
-          </a:lnRef>
-          <a:fillRef idx="0">
-            <a:schemeClr val="accent1"/>
-          </a:fillRef>
-          <a:effectRef idx="0">
-            <a:schemeClr val="accent1"/>
-          </a:effectRef>
-          <a:fontRef idx="minor">
-            <a:schemeClr val="tx1"/>
-          </a:fontRef>
-        </p:style>
-      </p:cxnSp>
-      <p:grpSp>
-        <p:nvGrpSpPr>
-          <p:cNvPr id="12" name="그룹 11"/>
-          <p:cNvGrpSpPr/>
-          <p:nvPr/>
-        </p:nvGrpSpPr>
-        <p:grpSpPr>
-          <a:xfrm>
-            <a:off x="55860" y="129111"/>
-            <a:ext cx="772316" cy="491577"/>
-            <a:chOff x="4252314" y="1143866"/>
-            <a:chExt cx="772316" cy="491577"/>
-          </a:xfrm>
-        </p:grpSpPr>
-        <p:sp>
-          <p:nvSpPr>
-            <p:cNvPr id="13" name="직사각형 12"/>
-            <p:cNvSpPr/>
-            <p:nvPr/>
-          </p:nvSpPr>
-          <p:spPr>
-            <a:xfrm rot="599424">
-              <a:off x="4252314" y="1223935"/>
-              <a:ext cx="319686" cy="319686"/>
-            </a:xfrm>
-            <a:prstGeom prst="rect">
-              <a:avLst/>
-            </a:prstGeom>
-            <a:noFill/>
-            <a:ln w="9525">
-              <a:solidFill>
-                <a:schemeClr val="bg1">
-                  <a:lumMod val="65000"/>
-                </a:schemeClr>
-              </a:solidFill>
-            </a:ln>
-          </p:spPr>
-          <p:style>
-            <a:lnRef idx="2">
-              <a:schemeClr val="accent1">
-                <a:shade val="50000"/>
-              </a:schemeClr>
-            </a:lnRef>
-            <a:fillRef idx="1">
-              <a:schemeClr val="accent1"/>
-            </a:fillRef>
-            <a:effectRef idx="0">
-              <a:schemeClr val="accent1"/>
-            </a:effectRef>
-            <a:fontRef idx="minor">
-              <a:schemeClr val="lt1"/>
-            </a:fontRef>
-          </p:style>
-          <p:txBody>
-            <a:bodyPr rtlCol="0" anchor="ctr"/>
-            <a:lstStyle/>
-            <a:p>
-              <a:pPr algn="ctr"/>
-              <a:endParaRPr lang="ko-KR" altLang="en-US"/>
-            </a:p>
-          </p:txBody>
-        </p:sp>
-        <p:sp>
-          <p:nvSpPr>
-            <p:cNvPr id="14" name="직사각형 13"/>
-            <p:cNvSpPr/>
-            <p:nvPr/>
-          </p:nvSpPr>
-          <p:spPr>
-            <a:xfrm rot="1427337">
-              <a:off x="4556578" y="1143866"/>
-              <a:ext cx="468052" cy="468052"/>
-            </a:xfrm>
-            <a:prstGeom prst="rect">
-              <a:avLst/>
-            </a:prstGeom>
-            <a:noFill/>
-            <a:ln w="9525">
-              <a:solidFill>
-                <a:schemeClr val="bg1">
-                  <a:lumMod val="65000"/>
-                </a:schemeClr>
-              </a:solidFill>
-            </a:ln>
-          </p:spPr>
-          <p:style>
-            <a:lnRef idx="2">
-              <a:schemeClr val="accent1">
-                <a:shade val="50000"/>
-              </a:schemeClr>
-            </a:lnRef>
-            <a:fillRef idx="1">
-              <a:schemeClr val="accent1"/>
-            </a:fillRef>
-            <a:effectRef idx="0">
-              <a:schemeClr val="accent1"/>
-            </a:effectRef>
-            <a:fontRef idx="minor">
-              <a:schemeClr val="lt1"/>
-            </a:fontRef>
-          </p:style>
-          <p:txBody>
-            <a:bodyPr rtlCol="0" anchor="ctr"/>
-            <a:lstStyle/>
-            <a:p>
-              <a:pPr algn="ctr"/>
-              <a:endParaRPr lang="ko-KR" altLang="en-US"/>
-            </a:p>
-          </p:txBody>
-        </p:sp>
-        <p:sp>
-          <p:nvSpPr>
-            <p:cNvPr id="15" name="직사각형 14"/>
-            <p:cNvSpPr/>
-            <p:nvPr/>
-          </p:nvSpPr>
-          <p:spPr>
-            <a:xfrm rot="3783077">
-              <a:off x="4440058" y="1443568"/>
-              <a:ext cx="191875" cy="191875"/>
-            </a:xfrm>
-            <a:prstGeom prst="rect">
-              <a:avLst/>
-            </a:prstGeom>
-            <a:solidFill>
-              <a:schemeClr val="bg1">
-                <a:lumMod val="65000"/>
-              </a:schemeClr>
-            </a:solidFill>
-            <a:ln w="9525">
-              <a:solidFill>
-                <a:schemeClr val="bg1">
-                  <a:lumMod val="65000"/>
-                </a:schemeClr>
-              </a:solidFill>
-            </a:ln>
-          </p:spPr>
-          <p:style>
-            <a:lnRef idx="2">
-              <a:schemeClr val="accent1">
-                <a:shade val="50000"/>
-              </a:schemeClr>
-            </a:lnRef>
-            <a:fillRef idx="1">
-              <a:schemeClr val="accent1"/>
-            </a:fillRef>
-            <a:effectRef idx="0">
-              <a:schemeClr val="accent1"/>
-            </a:effectRef>
-            <a:fontRef idx="minor">
-              <a:schemeClr val="lt1"/>
-            </a:fontRef>
-          </p:style>
-          <p:txBody>
-            <a:bodyPr rtlCol="0" anchor="ctr"/>
-            <a:lstStyle/>
-            <a:p>
-              <a:pPr algn="ctr"/>
-              <a:endParaRPr lang="ko-KR" altLang="en-US"/>
-            </a:p>
-          </p:txBody>
-        </p:sp>
-      </p:grpSp>
-      <p:sp>
-        <p:nvSpPr>
-          <p:cNvPr id="16" name="직사각형 15"/>
-          <p:cNvSpPr/>
-          <p:nvPr/>
-        </p:nvSpPr>
-        <p:spPr>
-          <a:xfrm>
-            <a:off x="510724" y="845965"/>
-            <a:ext cx="128998" cy="360842"/>
-          </a:xfrm>
-          <a:prstGeom prst="rect">
-            <a:avLst/>
-          </a:prstGeom>
-          <a:solidFill>
-            <a:schemeClr val="tx1">
-              <a:lumMod val="75000"/>
-              <a:lumOff val="25000"/>
-            </a:schemeClr>
-          </a:solidFill>
-          <a:ln>
-            <a:noFill/>
-          </a:ln>
-        </p:spPr>
-        <p:style>
-          <a:lnRef idx="2">
-            <a:schemeClr val="accent1">
-              <a:shade val="50000"/>
-            </a:schemeClr>
-          </a:lnRef>
-          <a:fillRef idx="1">
-            <a:schemeClr val="accent1"/>
-          </a:fillRef>
-          <a:effectRef idx="0">
-            <a:schemeClr val="accent1"/>
-          </a:effectRef>
-          <a:fontRef idx="minor">
-            <a:schemeClr val="lt1"/>
-          </a:fontRef>
-        </p:style>
-        <p:txBody>
-          <a:bodyPr rtlCol="0" anchor="ctr"/>
-          <a:lstStyle/>
-          <a:p>
-            <a:pPr algn="ctr"/>
-            <a:endParaRPr lang="ko-KR" altLang="en-US"/>
-          </a:p>
-        </p:txBody>
-      </p:sp>
-      <p:sp>
-        <p:nvSpPr>
-          <p:cNvPr id="18" name="직사각형 17"/>
-          <p:cNvSpPr/>
-          <p:nvPr/>
-        </p:nvSpPr>
-        <p:spPr>
-          <a:xfrm rot="20490163">
-            <a:off x="661076" y="3090175"/>
-            <a:ext cx="160430" cy="163973"/>
-          </a:xfrm>
-          <a:prstGeom prst="rect">
-            <a:avLst/>
-          </a:prstGeom>
-          <a:solidFill>
-            <a:schemeClr val="bg1">
-              <a:lumMod val="75000"/>
-            </a:schemeClr>
-          </a:solidFill>
-          <a:ln w="3175">
-            <a:noFill/>
-          </a:ln>
-        </p:spPr>
-        <p:style>
-          <a:lnRef idx="2">
-            <a:schemeClr val="accent1">
-              <a:shade val="50000"/>
-            </a:schemeClr>
-          </a:lnRef>
-          <a:fillRef idx="1">
-            <a:schemeClr val="accent1"/>
-          </a:fillRef>
-          <a:effectRef idx="0">
-            <a:schemeClr val="accent1"/>
-          </a:effectRef>
-          <a:fontRef idx="minor">
-            <a:schemeClr val="lt1"/>
-          </a:fontRef>
-        </p:style>
-        <p:txBody>
-          <a:bodyPr rtlCol="0" anchor="ctr"/>
-          <a:lstStyle/>
-          <a:p>
-            <a:pPr algn="ctr"/>
-            <a:endParaRPr lang="ko-KR" altLang="en-US"/>
-          </a:p>
-        </p:txBody>
-      </p:sp>
-      <p:sp>
-        <p:nvSpPr>
-          <p:cNvPr id="19" name="직사각형 18"/>
-          <p:cNvSpPr/>
-          <p:nvPr/>
-        </p:nvSpPr>
-        <p:spPr>
-          <a:xfrm rot="20490163">
-            <a:off x="661076" y="4299691"/>
-            <a:ext cx="160430" cy="163973"/>
-          </a:xfrm>
-          <a:prstGeom prst="rect">
-            <a:avLst/>
-          </a:prstGeom>
-          <a:solidFill>
-            <a:schemeClr val="bg1">
-              <a:lumMod val="75000"/>
-            </a:schemeClr>
-          </a:solidFill>
-          <a:ln w="3175">
-            <a:noFill/>
-          </a:ln>
-        </p:spPr>
-        <p:style>
-          <a:lnRef idx="2">
-            <a:schemeClr val="accent1">
-              <a:shade val="50000"/>
-            </a:schemeClr>
-          </a:lnRef>
-          <a:fillRef idx="1">
-            <a:schemeClr val="accent1"/>
-          </a:fillRef>
-          <a:effectRef idx="0">
-            <a:schemeClr val="accent1"/>
-          </a:effectRef>
-          <a:fontRef idx="minor">
-            <a:schemeClr val="lt1"/>
-          </a:fontRef>
-        </p:style>
-        <p:txBody>
-          <a:bodyPr rtlCol="0" anchor="ctr"/>
-          <a:lstStyle/>
-          <a:p>
-            <a:pPr algn="ctr"/>
-            <a:endParaRPr lang="ko-KR" altLang="en-US"/>
-          </a:p>
-        </p:txBody>
-      </p:sp>
-      <p:sp>
-        <p:nvSpPr>
-          <p:cNvPr id="20" name="직사각형 19"/>
-          <p:cNvSpPr/>
-          <p:nvPr/>
-        </p:nvSpPr>
-        <p:spPr>
-          <a:xfrm rot="20490163">
-            <a:off x="661076" y="1848766"/>
-            <a:ext cx="160430" cy="163973"/>
-          </a:xfrm>
-          <a:prstGeom prst="rect">
-            <a:avLst/>
-          </a:prstGeom>
-          <a:solidFill>
-            <a:schemeClr val="bg1">
-              <a:lumMod val="75000"/>
-            </a:schemeClr>
-          </a:solidFill>
-          <a:ln w="3175">
-            <a:noFill/>
-          </a:ln>
-        </p:spPr>
-        <p:style>
-          <a:lnRef idx="2">
-            <a:schemeClr val="accent1">
-              <a:shade val="50000"/>
-            </a:schemeClr>
-          </a:lnRef>
-          <a:fillRef idx="1">
-            <a:schemeClr val="accent1"/>
-          </a:fillRef>
-          <a:effectRef idx="0">
-            <a:schemeClr val="accent1"/>
-          </a:effectRef>
-          <a:fontRef idx="minor">
-            <a:schemeClr val="lt1"/>
-          </a:fontRef>
-        </p:style>
-        <p:txBody>
-          <a:bodyPr rtlCol="0" anchor="ctr"/>
-          <a:lstStyle/>
-          <a:p>
-            <a:pPr algn="ctr"/>
-            <a:endParaRPr lang="ko-KR" altLang="en-US"/>
-          </a:p>
-        </p:txBody>
-      </p:sp>
-      <p:sp>
-        <p:nvSpPr>
-          <p:cNvPr id="21" name="TextBox 20"/>
-          <p:cNvSpPr txBox="1"/>
-          <p:nvPr/>
-        </p:nvSpPr>
-        <p:spPr>
-          <a:xfrm>
-            <a:off x="632520" y="1844824"/>
-            <a:ext cx="1656184" cy="307777"/>
-          </a:xfrm>
-          <a:prstGeom prst="rect">
-            <a:avLst/>
-          </a:prstGeom>
-          <a:noFill/>
-        </p:spPr>
-        <p:txBody>
-          <a:bodyPr wrap="square" rtlCol="0">
-            <a:spAutoFit/>
-          </a:bodyPr>
-          <a:lstStyle/>
-          <a:p>
-            <a:r>
-              <a:rPr lang="en-US" altLang="ko-KR" sz="1400" dirty="0">
-                <a:solidFill>
-                  <a:schemeClr val="tx1">
-                    <a:lumMod val="75000"/>
-                    <a:lumOff val="25000"/>
-                  </a:schemeClr>
-                </a:solidFill>
-                <a:ea typeface="Sandoll 고딕 03 Bold" pitchFamily="34" charset="-127"/>
-              </a:rPr>
-              <a:t>TITLE 1</a:t>
-            </a:r>
-            <a:endParaRPr lang="ko-KR" altLang="en-US" sz="1400" dirty="0">
-              <a:solidFill>
-                <a:schemeClr val="tx1">
-                  <a:lumMod val="75000"/>
-                  <a:lumOff val="25000"/>
-                </a:schemeClr>
-              </a:solidFill>
-              <a:ea typeface="Sandoll 고딕 03 Bold" pitchFamily="34" charset="-127"/>
-            </a:endParaRPr>
-          </a:p>
-        </p:txBody>
-      </p:sp>
-      <p:sp>
-        <p:nvSpPr>
-          <p:cNvPr id="22" name="TextBox 21"/>
-          <p:cNvSpPr txBox="1"/>
-          <p:nvPr/>
-        </p:nvSpPr>
-        <p:spPr>
-          <a:xfrm>
-            <a:off x="632520" y="2204864"/>
-            <a:ext cx="1656184" cy="261610"/>
-          </a:xfrm>
-          <a:prstGeom prst="rect">
-            <a:avLst/>
-          </a:prstGeom>
-          <a:noFill/>
-        </p:spPr>
-        <p:txBody>
-          <a:bodyPr wrap="square" rtlCol="0">
-            <a:spAutoFit/>
-          </a:bodyPr>
-          <a:lstStyle/>
-          <a:p>
-            <a:r>
-              <a:rPr lang="en-US" altLang="ko-KR" sz="1100" dirty="0">
-                <a:solidFill>
-                  <a:schemeClr val="bg1">
-                    <a:lumMod val="50000"/>
-                  </a:schemeClr>
-                </a:solidFill>
-                <a:ea typeface="Sandoll 고딕 02 Medium" pitchFamily="34" charset="-127"/>
-              </a:rPr>
-              <a:t>1) </a:t>
-            </a:r>
-            <a:r>
-              <a:rPr lang="ko-KR" altLang="en-US" sz="1100" dirty="0">
-                <a:solidFill>
-                  <a:schemeClr val="bg1">
-                    <a:lumMod val="50000"/>
-                  </a:schemeClr>
-                </a:solidFill>
-                <a:ea typeface="Sandoll 고딕 02 Medium" pitchFamily="34" charset="-127"/>
-              </a:rPr>
-              <a:t>제목을 입력하세요</a:t>
-            </a:r>
-          </a:p>
-        </p:txBody>
-      </p:sp>
-      <p:sp>
-        <p:nvSpPr>
-          <p:cNvPr id="23" name="TextBox 22"/>
-          <p:cNvSpPr txBox="1"/>
-          <p:nvPr/>
-        </p:nvSpPr>
-        <p:spPr>
-          <a:xfrm>
-            <a:off x="632520" y="2426474"/>
-            <a:ext cx="1800200" cy="261610"/>
-          </a:xfrm>
-          <a:prstGeom prst="rect">
-            <a:avLst/>
-          </a:prstGeom>
-          <a:noFill/>
-        </p:spPr>
-        <p:txBody>
-          <a:bodyPr wrap="square" rtlCol="0">
-            <a:spAutoFit/>
-          </a:bodyPr>
-          <a:lstStyle/>
-          <a:p>
-            <a:r>
-              <a:rPr lang="en-US" altLang="ko-KR" sz="1100" dirty="0">
-                <a:solidFill>
-                  <a:schemeClr val="bg1">
-                    <a:lumMod val="50000"/>
-                  </a:schemeClr>
-                </a:solidFill>
-                <a:ea typeface="Sandoll 고딕 02 Medium" pitchFamily="34" charset="-127"/>
-              </a:rPr>
-              <a:t>2) </a:t>
-            </a:r>
-            <a:r>
-              <a:rPr lang="ko-KR" altLang="en-US" sz="1100" dirty="0">
-                <a:solidFill>
-                  <a:schemeClr val="bg1">
-                    <a:lumMod val="50000"/>
-                  </a:schemeClr>
-                </a:solidFill>
-                <a:ea typeface="Sandoll 고딕 02 Medium" pitchFamily="34" charset="-127"/>
-              </a:rPr>
-              <a:t>제목을 입력하세요</a:t>
-            </a:r>
-          </a:p>
-        </p:txBody>
-      </p:sp>
-      <p:sp>
-        <p:nvSpPr>
-          <p:cNvPr id="24" name="TextBox 23"/>
-          <p:cNvSpPr txBox="1"/>
-          <p:nvPr/>
-        </p:nvSpPr>
-        <p:spPr>
-          <a:xfrm>
-            <a:off x="632520" y="3068960"/>
-            <a:ext cx="1656184" cy="307777"/>
-          </a:xfrm>
-          <a:prstGeom prst="rect">
-            <a:avLst/>
-          </a:prstGeom>
-          <a:noFill/>
-        </p:spPr>
-        <p:txBody>
-          <a:bodyPr wrap="square" rtlCol="0">
-            <a:spAutoFit/>
-          </a:bodyPr>
-          <a:lstStyle/>
-          <a:p>
-            <a:r>
-              <a:rPr lang="en-US" altLang="ko-KR" sz="1400" dirty="0">
-                <a:solidFill>
-                  <a:schemeClr val="tx1">
-                    <a:lumMod val="75000"/>
-                    <a:lumOff val="25000"/>
-                  </a:schemeClr>
-                </a:solidFill>
-                <a:ea typeface="Sandoll 고딕 03 Bold" pitchFamily="34" charset="-127"/>
-              </a:rPr>
-              <a:t>TITLE 2</a:t>
-            </a:r>
-            <a:endParaRPr lang="ko-KR" altLang="en-US" sz="1400" dirty="0">
-              <a:solidFill>
-                <a:schemeClr val="tx1">
-                  <a:lumMod val="75000"/>
-                  <a:lumOff val="25000"/>
-                </a:schemeClr>
-              </a:solidFill>
-              <a:ea typeface="Sandoll 고딕 03 Bold" pitchFamily="34" charset="-127"/>
-            </a:endParaRPr>
-          </a:p>
-        </p:txBody>
-      </p:sp>
-      <p:sp>
-        <p:nvSpPr>
-          <p:cNvPr id="25" name="TextBox 24"/>
-          <p:cNvSpPr txBox="1"/>
-          <p:nvPr/>
-        </p:nvSpPr>
-        <p:spPr>
-          <a:xfrm>
-            <a:off x="632520" y="3429000"/>
-            <a:ext cx="1656184" cy="261610"/>
-          </a:xfrm>
-          <a:prstGeom prst="rect">
-            <a:avLst/>
-          </a:prstGeom>
-          <a:noFill/>
-        </p:spPr>
-        <p:txBody>
-          <a:bodyPr wrap="square" rtlCol="0">
-            <a:spAutoFit/>
-          </a:bodyPr>
-          <a:lstStyle/>
-          <a:p>
-            <a:r>
-              <a:rPr lang="en-US" altLang="ko-KR" sz="1100" dirty="0">
-                <a:solidFill>
-                  <a:schemeClr val="bg1">
-                    <a:lumMod val="50000"/>
-                  </a:schemeClr>
-                </a:solidFill>
-                <a:ea typeface="Sandoll 고딕 02 Medium" pitchFamily="34" charset="-127"/>
-              </a:rPr>
-              <a:t>1) </a:t>
-            </a:r>
-            <a:r>
-              <a:rPr lang="ko-KR" altLang="en-US" sz="1100" dirty="0">
-                <a:solidFill>
-                  <a:schemeClr val="bg1">
-                    <a:lumMod val="50000"/>
-                  </a:schemeClr>
-                </a:solidFill>
-                <a:ea typeface="Sandoll 고딕 02 Medium" pitchFamily="34" charset="-127"/>
-              </a:rPr>
-              <a:t>제목을 입력하세요</a:t>
-            </a:r>
-          </a:p>
-        </p:txBody>
-      </p:sp>
-      <p:sp>
-        <p:nvSpPr>
-          <p:cNvPr id="26" name="TextBox 25"/>
-          <p:cNvSpPr txBox="1"/>
-          <p:nvPr/>
-        </p:nvSpPr>
-        <p:spPr>
-          <a:xfrm>
-            <a:off x="632520" y="3650610"/>
-            <a:ext cx="1800200" cy="261610"/>
-          </a:xfrm>
-          <a:prstGeom prst="rect">
-            <a:avLst/>
-          </a:prstGeom>
-          <a:noFill/>
-        </p:spPr>
-        <p:txBody>
-          <a:bodyPr wrap="square" rtlCol="0">
-            <a:spAutoFit/>
-          </a:bodyPr>
-          <a:lstStyle/>
-          <a:p>
-            <a:r>
-              <a:rPr lang="en-US" altLang="ko-KR" sz="1100" dirty="0">
-                <a:solidFill>
-                  <a:schemeClr val="bg1">
-                    <a:lumMod val="50000"/>
-                  </a:schemeClr>
-                </a:solidFill>
-                <a:ea typeface="Sandoll 고딕 02 Medium" pitchFamily="34" charset="-127"/>
-              </a:rPr>
-              <a:t>2) </a:t>
-            </a:r>
-            <a:r>
-              <a:rPr lang="ko-KR" altLang="en-US" sz="1100" dirty="0">
-                <a:solidFill>
-                  <a:schemeClr val="bg1">
-                    <a:lumMod val="50000"/>
-                  </a:schemeClr>
-                </a:solidFill>
-                <a:ea typeface="Sandoll 고딕 02 Medium" pitchFamily="34" charset="-127"/>
-              </a:rPr>
-              <a:t>제목을 입력하세요</a:t>
-            </a:r>
-          </a:p>
-        </p:txBody>
-      </p:sp>
-      <p:sp>
-        <p:nvSpPr>
-          <p:cNvPr id="27" name="TextBox 26"/>
-          <p:cNvSpPr txBox="1"/>
-          <p:nvPr/>
-        </p:nvSpPr>
-        <p:spPr>
-          <a:xfrm>
-            <a:off x="632520" y="4287510"/>
-            <a:ext cx="1656184" cy="307777"/>
-          </a:xfrm>
-          <a:prstGeom prst="rect">
-            <a:avLst/>
-          </a:prstGeom>
-          <a:noFill/>
-        </p:spPr>
-        <p:txBody>
-          <a:bodyPr wrap="square" rtlCol="0">
-            <a:spAutoFit/>
-          </a:bodyPr>
-          <a:lstStyle/>
-          <a:p>
-            <a:r>
-              <a:rPr lang="en-US" altLang="ko-KR" sz="1400" dirty="0">
-                <a:solidFill>
-                  <a:schemeClr val="tx1">
-                    <a:lumMod val="75000"/>
-                    <a:lumOff val="25000"/>
-                  </a:schemeClr>
-                </a:solidFill>
-                <a:ea typeface="Sandoll 고딕 03 Bold" pitchFamily="34" charset="-127"/>
-              </a:rPr>
-              <a:t>TITLE 3</a:t>
-            </a:r>
-            <a:endParaRPr lang="ko-KR" altLang="en-US" sz="1400" dirty="0">
-              <a:solidFill>
-                <a:schemeClr val="tx1">
-                  <a:lumMod val="75000"/>
-                  <a:lumOff val="25000"/>
-                </a:schemeClr>
-              </a:solidFill>
-              <a:ea typeface="Sandoll 고딕 03 Bold" pitchFamily="34" charset="-127"/>
-            </a:endParaRPr>
-          </a:p>
-        </p:txBody>
-      </p:sp>
-      <p:sp>
-        <p:nvSpPr>
-          <p:cNvPr id="28" name="TextBox 27"/>
-          <p:cNvSpPr txBox="1"/>
-          <p:nvPr/>
-        </p:nvSpPr>
-        <p:spPr>
-          <a:xfrm>
-            <a:off x="632520" y="4647550"/>
-            <a:ext cx="1656184" cy="261610"/>
-          </a:xfrm>
-          <a:prstGeom prst="rect">
-            <a:avLst/>
-          </a:prstGeom>
-          <a:noFill/>
-        </p:spPr>
-        <p:txBody>
-          <a:bodyPr wrap="square" rtlCol="0">
-            <a:spAutoFit/>
-          </a:bodyPr>
-          <a:lstStyle/>
-          <a:p>
-            <a:r>
-              <a:rPr lang="en-US" altLang="ko-KR" sz="1100" dirty="0">
-                <a:solidFill>
-                  <a:schemeClr val="bg1">
-                    <a:lumMod val="50000"/>
-                  </a:schemeClr>
-                </a:solidFill>
-                <a:ea typeface="Sandoll 고딕 02 Medium" pitchFamily="34" charset="-127"/>
-              </a:rPr>
-              <a:t>1) </a:t>
-            </a:r>
-            <a:r>
-              <a:rPr lang="ko-KR" altLang="en-US" sz="1100" dirty="0">
-                <a:solidFill>
-                  <a:schemeClr val="bg1">
-                    <a:lumMod val="50000"/>
-                  </a:schemeClr>
-                </a:solidFill>
-                <a:ea typeface="Sandoll 고딕 02 Medium" pitchFamily="34" charset="-127"/>
-              </a:rPr>
-              <a:t>제목을 입력하세요</a:t>
-            </a:r>
-          </a:p>
-        </p:txBody>
-      </p:sp>
-      <p:sp>
-        <p:nvSpPr>
-          <p:cNvPr id="29" name="TextBox 28"/>
-          <p:cNvSpPr txBox="1"/>
-          <p:nvPr/>
-        </p:nvSpPr>
-        <p:spPr>
-          <a:xfrm>
-            <a:off x="632520" y="4869160"/>
-            <a:ext cx="1800200" cy="261610"/>
-          </a:xfrm>
-          <a:prstGeom prst="rect">
-            <a:avLst/>
-          </a:prstGeom>
-          <a:noFill/>
-        </p:spPr>
-        <p:txBody>
-          <a:bodyPr wrap="square" rtlCol="0">
-            <a:spAutoFit/>
-          </a:bodyPr>
-          <a:lstStyle/>
-          <a:p>
-            <a:r>
-              <a:rPr lang="en-US" altLang="ko-KR" sz="1100" dirty="0">
-                <a:solidFill>
-                  <a:schemeClr val="bg1">
-                    <a:lumMod val="50000"/>
-                  </a:schemeClr>
-                </a:solidFill>
-                <a:ea typeface="Sandoll 고딕 02 Medium" pitchFamily="34" charset="-127"/>
-              </a:rPr>
-              <a:t>2) </a:t>
-            </a:r>
-            <a:r>
-              <a:rPr lang="ko-KR" altLang="en-US" sz="1100" dirty="0">
-                <a:solidFill>
-                  <a:schemeClr val="bg1">
-                    <a:lumMod val="50000"/>
-                  </a:schemeClr>
-                </a:solidFill>
-                <a:ea typeface="Sandoll 고딕 02 Medium" pitchFamily="34" charset="-127"/>
-              </a:rPr>
-              <a:t>제목을 입력하세요</a:t>
-            </a:r>
-          </a:p>
-        </p:txBody>
-      </p:sp>
-      <p:sp>
-        <p:nvSpPr>
-          <p:cNvPr id="3" name="TextBox 2">
-            <a:extLst>
-              <a:ext uri="{FF2B5EF4-FFF2-40B4-BE49-F238E27FC236}">
-                <a16:creationId xmlns:a16="http://schemas.microsoft.com/office/drawing/2014/main" id="{7BF6B17C-E825-BA6E-3F44-B4BCE8055F4F}"/>
-              </a:ext>
-            </a:extLst>
-          </p:cNvPr>
-          <p:cNvSpPr txBox="1"/>
-          <p:nvPr/>
-        </p:nvSpPr>
-        <p:spPr>
-          <a:xfrm>
-            <a:off x="510724" y="707649"/>
-            <a:ext cx="1300100" cy="584775"/>
-          </a:xfrm>
-          <a:prstGeom prst="rect">
-            <a:avLst/>
-          </a:prstGeom>
-          <a:noFill/>
-        </p:spPr>
-        <p:txBody>
-          <a:bodyPr wrap="square" rtlCol="0">
-            <a:spAutoFit/>
-          </a:bodyPr>
-          <a:lstStyle/>
-          <a:p>
-            <a:pPr algn="ctr"/>
-            <a:r>
-              <a:rPr lang="ko-KR" altLang="en-US" sz="3200">
-                <a:solidFill>
-                  <a:schemeClr val="tx1">
-                    <a:lumMod val="75000"/>
-                    <a:lumOff val="25000"/>
-                  </a:schemeClr>
-                </a:solidFill>
-                <a:latin typeface="+mj-lt"/>
-                <a:ea typeface="HU젊음의행진140" pitchFamily="18" charset="-127"/>
-              </a:rPr>
-              <a:t>목차</a:t>
-            </a:r>
-            <a:endParaRPr lang="ko-KR" altLang="en-US" sz="3200" dirty="0">
-              <a:solidFill>
-                <a:schemeClr val="tx1">
-                  <a:lumMod val="75000"/>
-                  <a:lumOff val="25000"/>
-                </a:schemeClr>
-              </a:solidFill>
-              <a:latin typeface="+mj-lt"/>
-              <a:ea typeface="HU젊음의행진140" pitchFamily="18" charset="-127"/>
-            </a:endParaRPr>
-          </a:p>
-        </p:txBody>
-      </p:sp>
-    </p:spTree>
-    <p:extLst>
-      <p:ext uri="{BB962C8B-B14F-4D97-AF65-F5344CB8AC3E}">
-        <p14:creationId xmlns:p14="http://schemas.microsoft.com/office/powerpoint/2010/main" val="3887094283"/>
-      </p:ext>
-    </p:extLst>
-  </p:cSld>
-  <p:clrMapOvr>
-    <a:masterClrMapping/>
-  </p:clrMapOvr>
-</p:sld>
-</file>
-
-<file path=ppt/slides/slide20.xml><?xml version="1.0" encoding="utf-8"?>
+<file path=ppt/slides/slide24.xml><?xml version="1.0" encoding="utf-8"?>
 <p:sld xmlns:a="http://schemas.openxmlformats.org/drawingml/2006/main" xmlns:r="http://schemas.openxmlformats.org/officeDocument/2006/relationships" xmlns:p="http://schemas.openxmlformats.org/presentationml/2006/main">
   <p:cSld>
     <p:spTree>
@@ -11490,7 +14854,7 @@
 </p:sld>
 </file>
 
-<file path=ppt/slides/slide21.xml><?xml version="1.0" encoding="utf-8"?>
+<file path=ppt/slides/slide25.xml><?xml version="1.0" encoding="utf-8"?>
 <p:sld xmlns:a="http://schemas.openxmlformats.org/drawingml/2006/main" xmlns:r="http://schemas.openxmlformats.org/officeDocument/2006/relationships" xmlns:p="http://schemas.openxmlformats.org/presentationml/2006/main">
   <p:cSld>
     <p:spTree>
@@ -11991,7 +15355,7 @@
 </p:sld>
 </file>
 
-<file path=ppt/slides/slide22.xml><?xml version="1.0" encoding="utf-8"?>
+<file path=ppt/slides/slide26.xml><?xml version="1.0" encoding="utf-8"?>
 <p:sld xmlns:a="http://schemas.openxmlformats.org/drawingml/2006/main" xmlns:r="http://schemas.openxmlformats.org/officeDocument/2006/relationships" xmlns:p="http://schemas.openxmlformats.org/presentationml/2006/main">
   <p:cSld>
     <p:spTree>
@@ -12495,7 +15859,7 @@
 </p:sld>
 </file>
 
-<file path=ppt/slides/slide23.xml><?xml version="1.0" encoding="utf-8"?>
+<file path=ppt/slides/slide27.xml><?xml version="1.0" encoding="utf-8"?>
 <p:sld xmlns:a="http://schemas.openxmlformats.org/drawingml/2006/main" xmlns:r="http://schemas.openxmlformats.org/officeDocument/2006/relationships" xmlns:p="http://schemas.openxmlformats.org/presentationml/2006/main">
   <p:cSld>
     <p:spTree>
@@ -13051,7 +16415,7 @@
 </p:sld>
 </file>
 
-<file path=ppt/slides/slide24.xml><?xml version="1.0" encoding="utf-8"?>
+<file path=ppt/slides/slide28.xml><?xml version="1.0" encoding="utf-8"?>
 <p:sld xmlns:a="http://schemas.openxmlformats.org/drawingml/2006/main" xmlns:r="http://schemas.openxmlformats.org/officeDocument/2006/relationships" xmlns:p="http://schemas.openxmlformats.org/presentationml/2006/main">
   <p:cSld>
     <p:spTree>
@@ -13587,7 +16951,7 @@
 </p:sld>
 </file>
 
-<file path=ppt/slides/slide25.xml><?xml version="1.0" encoding="utf-8"?>
+<file path=ppt/slides/slide29.xml><?xml version="1.0" encoding="utf-8"?>
 <p:sld xmlns:a="http://schemas.openxmlformats.org/drawingml/2006/main" xmlns:r="http://schemas.openxmlformats.org/officeDocument/2006/relationships" xmlns:p="http://schemas.openxmlformats.org/presentationml/2006/main">
   <p:cSld>
     <p:spTree>
@@ -14074,7 +17438,7 @@
 </p:sld>
 </file>
 
-<file path=ppt/slides/slide26.xml><?xml version="1.0" encoding="utf-8"?>
+<file path=ppt/slides/slide3.xml><?xml version="1.0" encoding="utf-8"?>
 <p:sld xmlns:a="http://schemas.openxmlformats.org/drawingml/2006/main" xmlns:r="http://schemas.openxmlformats.org/officeDocument/2006/relationships" xmlns:p="http://schemas.openxmlformats.org/presentationml/2006/main">
   <p:cSld>
     <p:spTree>
@@ -14099,7 +17463,7 @@
         </p:nvSpPr>
         <p:spPr>
           <a:xfrm rot="20490163">
-            <a:off x="3142350" y="2004270"/>
+            <a:off x="3142350" y="2031542"/>
             <a:ext cx="623762" cy="621764"/>
           </a:xfrm>
           <a:prstGeom prst="rect">
@@ -14173,7 +17537,7 @@
                 <a:latin typeface="Sandoll 고딕 03 Bold" pitchFamily="34" charset="-127"/>
                 <a:ea typeface="Sandoll 고딕 03 Bold" pitchFamily="34" charset="-127"/>
               </a:rPr>
-              <a:t>게임 진행</a:t>
+              <a:t>개발 준비</a:t>
             </a:r>
           </a:p>
         </p:txBody>
@@ -14186,7 +17550,7 @@
         </p:nvSpPr>
         <p:spPr>
           <a:xfrm rot="16200000">
-            <a:off x="2543420" y="2263172"/>
+            <a:off x="2543420" y="2290444"/>
             <a:ext cx="885986" cy="246221"/>
           </a:xfrm>
           <a:prstGeom prst="rect">
@@ -14318,6 +17682,333 @@
       </p:grpSp>
       <p:sp>
         <p:nvSpPr>
+          <p:cNvPr id="2" name="TextBox 1">
+            <a:extLst>
+              <a:ext uri="{FF2B5EF4-FFF2-40B4-BE49-F238E27FC236}">
+                <a16:creationId xmlns:a16="http://schemas.microsoft.com/office/drawing/2014/main" id="{43E414FA-CD18-6AF7-D952-FEC1D18579B8}"/>
+              </a:ext>
+            </a:extLst>
+          </p:cNvPr>
+          <p:cNvSpPr txBox="1"/>
+          <p:nvPr/>
+        </p:nvSpPr>
+        <p:spPr>
+          <a:xfrm>
+            <a:off x="5004048" y="3015070"/>
+            <a:ext cx="2232248" cy="523220"/>
+          </a:xfrm>
+          <a:prstGeom prst="rect">
+            <a:avLst/>
+          </a:prstGeom>
+          <a:noFill/>
+        </p:spPr>
+        <p:txBody>
+          <a:bodyPr wrap="square" rtlCol="0">
+            <a:spAutoFit/>
+          </a:bodyPr>
+          <a:lstStyle/>
+          <a:p>
+            <a:pPr marL="342900" indent="-342900">
+              <a:buAutoNum type="arabicParenR"/>
+            </a:pPr>
+            <a:r>
+              <a:rPr lang="ko-KR" altLang="en-US" sz="1400" dirty="0">
+                <a:solidFill>
+                  <a:schemeClr val="bg1">
+                    <a:lumMod val="50000"/>
+                  </a:schemeClr>
+                </a:solidFill>
+                <a:latin typeface="Sandoll 고딕 02 Medium" pitchFamily="34" charset="-127"/>
+                <a:ea typeface="Sandoll 고딕 02 Medium" pitchFamily="34" charset="-127"/>
+              </a:rPr>
+              <a:t>연구 목적</a:t>
+            </a:r>
+            <a:endParaRPr lang="en-US" altLang="ko-KR" sz="1400" dirty="0">
+              <a:solidFill>
+                <a:schemeClr val="bg1">
+                  <a:lumMod val="50000"/>
+                </a:schemeClr>
+              </a:solidFill>
+              <a:latin typeface="Sandoll 고딕 02 Medium" pitchFamily="34" charset="-127"/>
+              <a:ea typeface="Sandoll 고딕 02 Medium" pitchFamily="34" charset="-127"/>
+            </a:endParaRPr>
+          </a:p>
+          <a:p>
+            <a:pPr marL="342900" indent="-342900">
+              <a:buAutoNum type="arabicParenR"/>
+            </a:pPr>
+            <a:r>
+              <a:rPr lang="ko-KR" altLang="en-US" sz="1400" dirty="0">
+                <a:solidFill>
+                  <a:schemeClr val="bg1">
+                    <a:lumMod val="50000"/>
+                  </a:schemeClr>
+                </a:solidFill>
+                <a:latin typeface="Sandoll 고딕 02 Medium" pitchFamily="34" charset="-127"/>
+                <a:ea typeface="Sandoll 고딕 02 Medium" pitchFamily="34" charset="-127"/>
+              </a:rPr>
+              <a:t>개발 환경</a:t>
+            </a:r>
+          </a:p>
+        </p:txBody>
+      </p:sp>
+    </p:spTree>
+    <p:extLst>
+      <p:ext uri="{BB962C8B-B14F-4D97-AF65-F5344CB8AC3E}">
+        <p14:creationId xmlns:p14="http://schemas.microsoft.com/office/powerpoint/2010/main" val="2783633061"/>
+      </p:ext>
+    </p:extLst>
+  </p:cSld>
+  <p:clrMapOvr>
+    <a:masterClrMapping/>
+  </p:clrMapOvr>
+</p:sld>
+</file>
+
+<file path=ppt/slides/slide30.xml><?xml version="1.0" encoding="utf-8"?>
+<p:sld xmlns:a="http://schemas.openxmlformats.org/drawingml/2006/main" xmlns:r="http://schemas.openxmlformats.org/officeDocument/2006/relationships" xmlns:p="http://schemas.openxmlformats.org/presentationml/2006/main">
+  <p:cSld>
+    <p:spTree>
+      <p:nvGrpSpPr>
+        <p:cNvPr id="1" name=""/>
+        <p:cNvGrpSpPr/>
+        <p:nvPr/>
+      </p:nvGrpSpPr>
+      <p:grpSpPr>
+        <a:xfrm>
+          <a:off x="0" y="0"/>
+          <a:ext cx="0" cy="0"/>
+          <a:chOff x="0" y="0"/>
+          <a:chExt cx="0" cy="0"/>
+        </a:xfrm>
+      </p:grpSpPr>
+      <p:sp>
+        <p:nvSpPr>
+          <p:cNvPr id="4" name="직사각형 3"/>
+          <p:cNvSpPr/>
+          <p:nvPr/>
+        </p:nvSpPr>
+        <p:spPr>
+          <a:xfrm rot="20490163">
+            <a:off x="3142350" y="2004270"/>
+            <a:ext cx="623762" cy="621764"/>
+          </a:xfrm>
+          <a:prstGeom prst="rect">
+            <a:avLst/>
+          </a:prstGeom>
+          <a:solidFill>
+            <a:schemeClr val="bg1">
+              <a:lumMod val="95000"/>
+            </a:schemeClr>
+          </a:solidFill>
+          <a:ln w="3175">
+            <a:noFill/>
+          </a:ln>
+        </p:spPr>
+        <p:style>
+          <a:lnRef idx="2">
+            <a:schemeClr val="accent1">
+              <a:shade val="50000"/>
+            </a:schemeClr>
+          </a:lnRef>
+          <a:fillRef idx="1">
+            <a:schemeClr val="accent1"/>
+          </a:fillRef>
+          <a:effectRef idx="0">
+            <a:schemeClr val="accent1"/>
+          </a:effectRef>
+          <a:fontRef idx="minor">
+            <a:schemeClr val="lt1"/>
+          </a:fontRef>
+        </p:style>
+        <p:txBody>
+          <a:bodyPr rtlCol="0" anchor="ctr"/>
+          <a:lstStyle/>
+          <a:p>
+            <a:pPr algn="ctr"/>
+            <a:endParaRPr lang="ko-KR" altLang="en-US" dirty="0"/>
+          </a:p>
+        </p:txBody>
+      </p:sp>
+      <p:sp>
+        <p:nvSpPr>
+          <p:cNvPr id="8" name="TextBox 7"/>
+          <p:cNvSpPr txBox="1"/>
+          <p:nvPr/>
+        </p:nvSpPr>
+        <p:spPr>
+          <a:xfrm>
+            <a:off x="2735796" y="2204864"/>
+            <a:ext cx="3672408" cy="707886"/>
+          </a:xfrm>
+          <a:prstGeom prst="rect">
+            <a:avLst/>
+          </a:prstGeom>
+          <a:noFill/>
+        </p:spPr>
+        <p:txBody>
+          <a:bodyPr wrap="square" rtlCol="0">
+            <a:spAutoFit/>
+          </a:bodyPr>
+          <a:lstStyle/>
+          <a:p>
+            <a:pPr algn="ctr"/>
+            <a:r>
+              <a:rPr lang="ko-KR" altLang="en-US" sz="4000" dirty="0">
+                <a:solidFill>
+                  <a:schemeClr val="tx1">
+                    <a:lumMod val="75000"/>
+                    <a:lumOff val="25000"/>
+                  </a:schemeClr>
+                </a:solidFill>
+                <a:latin typeface="Sandoll 고딕 03 Bold" pitchFamily="34" charset="-127"/>
+                <a:ea typeface="Sandoll 고딕 03 Bold" pitchFamily="34" charset="-127"/>
+              </a:rPr>
+              <a:t>게임 진행</a:t>
+            </a:r>
+          </a:p>
+        </p:txBody>
+      </p:sp>
+      <p:sp>
+        <p:nvSpPr>
+          <p:cNvPr id="11" name="TextBox 10"/>
+          <p:cNvSpPr txBox="1"/>
+          <p:nvPr/>
+        </p:nvSpPr>
+        <p:spPr>
+          <a:xfrm rot="16200000">
+            <a:off x="2543420" y="2263172"/>
+            <a:ext cx="885986" cy="246221"/>
+          </a:xfrm>
+          <a:prstGeom prst="rect">
+            <a:avLst/>
+          </a:prstGeom>
+          <a:noFill/>
+        </p:spPr>
+        <p:txBody>
+          <a:bodyPr wrap="square" rtlCol="0">
+            <a:spAutoFit/>
+          </a:bodyPr>
+          <a:lstStyle/>
+          <a:p>
+            <a:pPr algn="ctr"/>
+            <a:r>
+              <a:rPr lang="en-US" altLang="ko-KR" sz="1000" dirty="0">
+                <a:solidFill>
+                  <a:schemeClr val="bg1">
+                    <a:lumMod val="65000"/>
+                  </a:schemeClr>
+                </a:solidFill>
+                <a:latin typeface="Sandoll 고딕 03 Bold" pitchFamily="34" charset="-127"/>
+                <a:ea typeface="Sandoll 고딕 03 Bold" pitchFamily="34" charset="-127"/>
+              </a:rPr>
+              <a:t>SLUG</a:t>
+            </a:r>
+            <a:endParaRPr lang="ko-KR" altLang="en-US" sz="1000" dirty="0">
+              <a:solidFill>
+                <a:schemeClr val="bg1">
+                  <a:lumMod val="65000"/>
+                </a:schemeClr>
+              </a:solidFill>
+              <a:latin typeface="Sandoll 고딕 03 Bold" pitchFamily="34" charset="-127"/>
+              <a:ea typeface="Sandoll 고딕 03 Bold" pitchFamily="34" charset="-127"/>
+            </a:endParaRPr>
+          </a:p>
+        </p:txBody>
+      </p:sp>
+      <p:grpSp>
+        <p:nvGrpSpPr>
+          <p:cNvPr id="12" name="그룹 11"/>
+          <p:cNvGrpSpPr/>
+          <p:nvPr/>
+        </p:nvGrpSpPr>
+        <p:grpSpPr>
+          <a:xfrm>
+            <a:off x="0" y="0"/>
+            <a:ext cx="4427984" cy="6858000"/>
+            <a:chOff x="0" y="0"/>
+            <a:chExt cx="4427984" cy="6858000"/>
+          </a:xfrm>
+        </p:grpSpPr>
+        <p:cxnSp>
+          <p:nvCxnSpPr>
+            <p:cNvPr id="13" name="직선 연결선 12"/>
+            <p:cNvCxnSpPr/>
+            <p:nvPr/>
+          </p:nvCxnSpPr>
+          <p:spPr>
+            <a:xfrm flipH="1">
+              <a:off x="0" y="0"/>
+              <a:ext cx="2915816" cy="5229200"/>
+            </a:xfrm>
+            <a:prstGeom prst="line">
+              <a:avLst/>
+            </a:prstGeom>
+            <a:ln>
+              <a:solidFill>
+                <a:schemeClr val="bg1">
+                  <a:lumMod val="65000"/>
+                </a:schemeClr>
+              </a:solidFill>
+              <a:prstDash val="sysDot"/>
+            </a:ln>
+          </p:spPr>
+          <p:style>
+            <a:lnRef idx="1">
+              <a:schemeClr val="accent1"/>
+            </a:lnRef>
+            <a:fillRef idx="0">
+              <a:schemeClr val="accent1"/>
+            </a:fillRef>
+            <a:effectRef idx="0">
+              <a:schemeClr val="accent1"/>
+            </a:effectRef>
+            <a:fontRef idx="minor">
+              <a:schemeClr val="tx1"/>
+            </a:fontRef>
+          </p:style>
+        </p:cxnSp>
+        <p:cxnSp>
+          <p:nvCxnSpPr>
+            <p:cNvPr id="14" name="직선 연결선 13"/>
+            <p:cNvCxnSpPr/>
+            <p:nvPr/>
+          </p:nvCxnSpPr>
+          <p:spPr>
+            <a:xfrm>
+              <a:off x="0" y="4337720"/>
+              <a:ext cx="4427984" cy="2520280"/>
+            </a:xfrm>
+            <a:prstGeom prst="line">
+              <a:avLst/>
+            </a:prstGeom>
+            <a:ln>
+              <a:solidFill>
+                <a:schemeClr val="bg1">
+                  <a:lumMod val="65000"/>
+                </a:schemeClr>
+              </a:solidFill>
+              <a:prstDash val="sysDot"/>
+            </a:ln>
+          </p:spPr>
+          <p:style>
+            <a:lnRef idx="1">
+              <a:schemeClr val="accent1"/>
+            </a:lnRef>
+            <a:fillRef idx="0">
+              <a:schemeClr val="accent1"/>
+            </a:fillRef>
+            <a:effectRef idx="0">
+              <a:schemeClr val="accent1"/>
+            </a:effectRef>
+            <a:fontRef idx="minor">
+              <a:schemeClr val="tx1"/>
+            </a:fontRef>
+          </p:style>
+        </p:cxnSp>
+      </p:grpSp>
+      <p:sp>
+        <p:nvSpPr>
           <p:cNvPr id="3" name="TextBox 2">
             <a:extLst>
               <a:ext uri="{FF2B5EF4-FFF2-40B4-BE49-F238E27FC236}">
@@ -14410,7 +18101,7 @@
 </p:sld>
 </file>
 
-<file path=ppt/slides/slide27.xml><?xml version="1.0" encoding="utf-8"?>
+<file path=ppt/slides/slide31.xml><?xml version="1.0" encoding="utf-8"?>
 <p:sld xmlns:a="http://schemas.openxmlformats.org/drawingml/2006/main" xmlns:r="http://schemas.openxmlformats.org/officeDocument/2006/relationships" xmlns:p="http://schemas.openxmlformats.org/presentationml/2006/main">
   <p:cSld>
     <p:spTree>
@@ -15662,7 +19353,7 @@
         </p:nvSpPr>
         <p:spPr>
           <a:xfrm>
-            <a:off x="2430719" y="860008"/>
+            <a:off x="2339474" y="723795"/>
             <a:ext cx="1058971" cy="338554"/>
           </a:xfrm>
           <a:prstGeom prst="rect">
@@ -16185,7 +19876,7 @@
 </p:sld>
 </file>
 
-<file path=ppt/slides/slide28.xml><?xml version="1.0" encoding="utf-8"?>
+<file path=ppt/slides/slide32.xml><?xml version="1.0" encoding="utf-8"?>
 <p:sld xmlns:a="http://schemas.openxmlformats.org/drawingml/2006/main" xmlns:r="http://schemas.openxmlformats.org/officeDocument/2006/relationships" xmlns:p="http://schemas.openxmlformats.org/presentationml/2006/main">
   <p:cSld>
     <p:spTree>
@@ -16595,7 +20286,7 @@
 </p:sld>
 </file>
 
-<file path=ppt/slides/slide29.xml><?xml version="1.0" encoding="utf-8"?>
+<file path=ppt/slides/slide33.xml><?xml version="1.0" encoding="utf-8"?>
 <p:sld xmlns:a="http://schemas.openxmlformats.org/drawingml/2006/main" xmlns:r="http://schemas.openxmlformats.org/officeDocument/2006/relationships" xmlns:p="http://schemas.openxmlformats.org/presentationml/2006/main">
   <p:cSld>
     <p:spTree>
@@ -16957,334 +20648,7 @@
 </p:sld>
 </file>
 
-<file path=ppt/slides/slide3.xml><?xml version="1.0" encoding="utf-8"?>
-<p:sld xmlns:a="http://schemas.openxmlformats.org/drawingml/2006/main" xmlns:r="http://schemas.openxmlformats.org/officeDocument/2006/relationships" xmlns:p="http://schemas.openxmlformats.org/presentationml/2006/main">
-  <p:cSld>
-    <p:spTree>
-      <p:nvGrpSpPr>
-        <p:cNvPr id="1" name=""/>
-        <p:cNvGrpSpPr/>
-        <p:nvPr/>
-      </p:nvGrpSpPr>
-      <p:grpSpPr>
-        <a:xfrm>
-          <a:off x="0" y="0"/>
-          <a:ext cx="0" cy="0"/>
-          <a:chOff x="0" y="0"/>
-          <a:chExt cx="0" cy="0"/>
-        </a:xfrm>
-      </p:grpSpPr>
-      <p:sp>
-        <p:nvSpPr>
-          <p:cNvPr id="4" name="직사각형 3"/>
-          <p:cNvSpPr/>
-          <p:nvPr/>
-        </p:nvSpPr>
-        <p:spPr>
-          <a:xfrm rot="20490163">
-            <a:off x="3142350" y="2031542"/>
-            <a:ext cx="623762" cy="621764"/>
-          </a:xfrm>
-          <a:prstGeom prst="rect">
-            <a:avLst/>
-          </a:prstGeom>
-          <a:solidFill>
-            <a:schemeClr val="bg1">
-              <a:lumMod val="95000"/>
-            </a:schemeClr>
-          </a:solidFill>
-          <a:ln w="3175">
-            <a:noFill/>
-          </a:ln>
-        </p:spPr>
-        <p:style>
-          <a:lnRef idx="2">
-            <a:schemeClr val="accent1">
-              <a:shade val="50000"/>
-            </a:schemeClr>
-          </a:lnRef>
-          <a:fillRef idx="1">
-            <a:schemeClr val="accent1"/>
-          </a:fillRef>
-          <a:effectRef idx="0">
-            <a:schemeClr val="accent1"/>
-          </a:effectRef>
-          <a:fontRef idx="minor">
-            <a:schemeClr val="lt1"/>
-          </a:fontRef>
-        </p:style>
-        <p:txBody>
-          <a:bodyPr rtlCol="0" anchor="ctr"/>
-          <a:lstStyle/>
-          <a:p>
-            <a:pPr algn="ctr"/>
-            <a:endParaRPr lang="ko-KR" altLang="en-US" dirty="0"/>
-          </a:p>
-        </p:txBody>
-      </p:sp>
-      <p:sp>
-        <p:nvSpPr>
-          <p:cNvPr id="8" name="TextBox 7"/>
-          <p:cNvSpPr txBox="1"/>
-          <p:nvPr/>
-        </p:nvSpPr>
-        <p:spPr>
-          <a:xfrm>
-            <a:off x="2735796" y="2204864"/>
-            <a:ext cx="3672408" cy="707886"/>
-          </a:xfrm>
-          <a:prstGeom prst="rect">
-            <a:avLst/>
-          </a:prstGeom>
-          <a:noFill/>
-        </p:spPr>
-        <p:txBody>
-          <a:bodyPr wrap="square" rtlCol="0">
-            <a:spAutoFit/>
-          </a:bodyPr>
-          <a:lstStyle/>
-          <a:p>
-            <a:pPr algn="ctr"/>
-            <a:r>
-              <a:rPr lang="ko-KR" altLang="en-US" sz="4000" dirty="0">
-                <a:solidFill>
-                  <a:schemeClr val="tx1">
-                    <a:lumMod val="75000"/>
-                    <a:lumOff val="25000"/>
-                  </a:schemeClr>
-                </a:solidFill>
-                <a:latin typeface="Sandoll 고딕 03 Bold" pitchFamily="34" charset="-127"/>
-                <a:ea typeface="Sandoll 고딕 03 Bold" pitchFamily="34" charset="-127"/>
-              </a:rPr>
-              <a:t>개발 준비</a:t>
-            </a:r>
-          </a:p>
-        </p:txBody>
-      </p:sp>
-      <p:sp>
-        <p:nvSpPr>
-          <p:cNvPr id="11" name="TextBox 10"/>
-          <p:cNvSpPr txBox="1"/>
-          <p:nvPr/>
-        </p:nvSpPr>
-        <p:spPr>
-          <a:xfrm rot="16200000">
-            <a:off x="2543420" y="2290444"/>
-            <a:ext cx="885986" cy="246221"/>
-          </a:xfrm>
-          <a:prstGeom prst="rect">
-            <a:avLst/>
-          </a:prstGeom>
-          <a:noFill/>
-        </p:spPr>
-        <p:txBody>
-          <a:bodyPr wrap="square" rtlCol="0">
-            <a:spAutoFit/>
-          </a:bodyPr>
-          <a:lstStyle/>
-          <a:p>
-            <a:pPr algn="ctr"/>
-            <a:r>
-              <a:rPr lang="en-US" altLang="ko-KR" sz="1000" dirty="0">
-                <a:solidFill>
-                  <a:schemeClr val="bg1">
-                    <a:lumMod val="65000"/>
-                  </a:schemeClr>
-                </a:solidFill>
-                <a:latin typeface="Sandoll 고딕 03 Bold" pitchFamily="34" charset="-127"/>
-                <a:ea typeface="Sandoll 고딕 03 Bold" pitchFamily="34" charset="-127"/>
-              </a:rPr>
-              <a:t>SLUG</a:t>
-            </a:r>
-            <a:endParaRPr lang="ko-KR" altLang="en-US" sz="1000" dirty="0">
-              <a:solidFill>
-                <a:schemeClr val="bg1">
-                  <a:lumMod val="65000"/>
-                </a:schemeClr>
-              </a:solidFill>
-              <a:latin typeface="Sandoll 고딕 03 Bold" pitchFamily="34" charset="-127"/>
-              <a:ea typeface="Sandoll 고딕 03 Bold" pitchFamily="34" charset="-127"/>
-            </a:endParaRPr>
-          </a:p>
-        </p:txBody>
-      </p:sp>
-      <p:grpSp>
-        <p:nvGrpSpPr>
-          <p:cNvPr id="12" name="그룹 11"/>
-          <p:cNvGrpSpPr/>
-          <p:nvPr/>
-        </p:nvGrpSpPr>
-        <p:grpSpPr>
-          <a:xfrm>
-            <a:off x="0" y="0"/>
-            <a:ext cx="4427984" cy="6858000"/>
-            <a:chOff x="0" y="0"/>
-            <a:chExt cx="4427984" cy="6858000"/>
-          </a:xfrm>
-        </p:grpSpPr>
-        <p:cxnSp>
-          <p:nvCxnSpPr>
-            <p:cNvPr id="13" name="직선 연결선 12"/>
-            <p:cNvCxnSpPr/>
-            <p:nvPr/>
-          </p:nvCxnSpPr>
-          <p:spPr>
-            <a:xfrm flipH="1">
-              <a:off x="0" y="0"/>
-              <a:ext cx="2915816" cy="5229200"/>
-            </a:xfrm>
-            <a:prstGeom prst="line">
-              <a:avLst/>
-            </a:prstGeom>
-            <a:ln>
-              <a:solidFill>
-                <a:schemeClr val="bg1">
-                  <a:lumMod val="65000"/>
-                </a:schemeClr>
-              </a:solidFill>
-              <a:prstDash val="sysDot"/>
-            </a:ln>
-          </p:spPr>
-          <p:style>
-            <a:lnRef idx="1">
-              <a:schemeClr val="accent1"/>
-            </a:lnRef>
-            <a:fillRef idx="0">
-              <a:schemeClr val="accent1"/>
-            </a:fillRef>
-            <a:effectRef idx="0">
-              <a:schemeClr val="accent1"/>
-            </a:effectRef>
-            <a:fontRef idx="minor">
-              <a:schemeClr val="tx1"/>
-            </a:fontRef>
-          </p:style>
-        </p:cxnSp>
-        <p:cxnSp>
-          <p:nvCxnSpPr>
-            <p:cNvPr id="14" name="직선 연결선 13"/>
-            <p:cNvCxnSpPr/>
-            <p:nvPr/>
-          </p:nvCxnSpPr>
-          <p:spPr>
-            <a:xfrm>
-              <a:off x="0" y="4337720"/>
-              <a:ext cx="4427984" cy="2520280"/>
-            </a:xfrm>
-            <a:prstGeom prst="line">
-              <a:avLst/>
-            </a:prstGeom>
-            <a:ln>
-              <a:solidFill>
-                <a:schemeClr val="bg1">
-                  <a:lumMod val="65000"/>
-                </a:schemeClr>
-              </a:solidFill>
-              <a:prstDash val="sysDot"/>
-            </a:ln>
-          </p:spPr>
-          <p:style>
-            <a:lnRef idx="1">
-              <a:schemeClr val="accent1"/>
-            </a:lnRef>
-            <a:fillRef idx="0">
-              <a:schemeClr val="accent1"/>
-            </a:fillRef>
-            <a:effectRef idx="0">
-              <a:schemeClr val="accent1"/>
-            </a:effectRef>
-            <a:fontRef idx="minor">
-              <a:schemeClr val="tx1"/>
-            </a:fontRef>
-          </p:style>
-        </p:cxnSp>
-      </p:grpSp>
-      <p:sp>
-        <p:nvSpPr>
-          <p:cNvPr id="2" name="TextBox 1">
-            <a:extLst>
-              <a:ext uri="{FF2B5EF4-FFF2-40B4-BE49-F238E27FC236}">
-                <a16:creationId xmlns:a16="http://schemas.microsoft.com/office/drawing/2014/main" id="{43E414FA-CD18-6AF7-D952-FEC1D18579B8}"/>
-              </a:ext>
-            </a:extLst>
-          </p:cNvPr>
-          <p:cNvSpPr txBox="1"/>
-          <p:nvPr/>
-        </p:nvSpPr>
-        <p:spPr>
-          <a:xfrm>
-            <a:off x="5004048" y="3015070"/>
-            <a:ext cx="2232248" cy="523220"/>
-          </a:xfrm>
-          <a:prstGeom prst="rect">
-            <a:avLst/>
-          </a:prstGeom>
-          <a:noFill/>
-        </p:spPr>
-        <p:txBody>
-          <a:bodyPr wrap="square" rtlCol="0">
-            <a:spAutoFit/>
-          </a:bodyPr>
-          <a:lstStyle/>
-          <a:p>
-            <a:pPr marL="342900" indent="-342900">
-              <a:buAutoNum type="arabicParenR"/>
-            </a:pPr>
-            <a:r>
-              <a:rPr lang="ko-KR" altLang="en-US" sz="1400" dirty="0">
-                <a:solidFill>
-                  <a:schemeClr val="bg1">
-                    <a:lumMod val="50000"/>
-                  </a:schemeClr>
-                </a:solidFill>
-                <a:latin typeface="Sandoll 고딕 02 Medium" pitchFamily="34" charset="-127"/>
-                <a:ea typeface="Sandoll 고딕 02 Medium" pitchFamily="34" charset="-127"/>
-              </a:rPr>
-              <a:t>연구 목적</a:t>
-            </a:r>
-            <a:endParaRPr lang="en-US" altLang="ko-KR" sz="1400" dirty="0">
-              <a:solidFill>
-                <a:schemeClr val="bg1">
-                  <a:lumMod val="50000"/>
-                </a:schemeClr>
-              </a:solidFill>
-              <a:latin typeface="Sandoll 고딕 02 Medium" pitchFamily="34" charset="-127"/>
-              <a:ea typeface="Sandoll 고딕 02 Medium" pitchFamily="34" charset="-127"/>
-            </a:endParaRPr>
-          </a:p>
-          <a:p>
-            <a:pPr marL="342900" indent="-342900">
-              <a:buAutoNum type="arabicParenR"/>
-            </a:pPr>
-            <a:r>
-              <a:rPr lang="ko-KR" altLang="en-US" sz="1400" dirty="0">
-                <a:solidFill>
-                  <a:schemeClr val="bg1">
-                    <a:lumMod val="50000"/>
-                  </a:schemeClr>
-                </a:solidFill>
-                <a:latin typeface="Sandoll 고딕 02 Medium" pitchFamily="34" charset="-127"/>
-                <a:ea typeface="Sandoll 고딕 02 Medium" pitchFamily="34" charset="-127"/>
-              </a:rPr>
-              <a:t>개발 환경</a:t>
-            </a:r>
-          </a:p>
-        </p:txBody>
-      </p:sp>
-    </p:spTree>
-    <p:extLst>
-      <p:ext uri="{BB962C8B-B14F-4D97-AF65-F5344CB8AC3E}">
-        <p14:creationId xmlns:p14="http://schemas.microsoft.com/office/powerpoint/2010/main" val="2783633061"/>
-      </p:ext>
-    </p:extLst>
-  </p:cSld>
-  <p:clrMapOvr>
-    <a:masterClrMapping/>
-  </p:clrMapOvr>
-</p:sld>
-</file>
-
-<file path=ppt/slides/slide30.xml><?xml version="1.0" encoding="utf-8"?>
+<file path=ppt/slides/slide34.xml><?xml version="1.0" encoding="utf-8"?>
 <p:sld xmlns:a="http://schemas.openxmlformats.org/drawingml/2006/main" xmlns:r="http://schemas.openxmlformats.org/officeDocument/2006/relationships" xmlns:p="http://schemas.openxmlformats.org/presentationml/2006/main">
   <p:cSld>
     <p:spTree>
@@ -18028,7 +21392,7 @@
 </p:sld>
 </file>
 
-<file path=ppt/slides/slide31.xml><?xml version="1.0" encoding="utf-8"?>
+<file path=ppt/slides/slide35.xml><?xml version="1.0" encoding="utf-8"?>
 <p:sld xmlns:a="http://schemas.openxmlformats.org/drawingml/2006/main" xmlns:r="http://schemas.openxmlformats.org/officeDocument/2006/relationships" xmlns:p="http://schemas.openxmlformats.org/presentationml/2006/main">
   <p:cSld>
     <p:spTree>
@@ -19415,7 +22779,7 @@
 </p:sld>
 </file>
 
-<file path=ppt/slides/slide32.xml><?xml version="1.0" encoding="utf-8"?>
+<file path=ppt/slides/slide36.xml><?xml version="1.0" encoding="utf-8"?>
 <p:sld xmlns:a="http://schemas.openxmlformats.org/drawingml/2006/main" xmlns:r="http://schemas.openxmlformats.org/officeDocument/2006/relationships" xmlns:p="http://schemas.openxmlformats.org/presentationml/2006/main">
   <p:cSld>
     <p:spTree>
@@ -19834,7 +23198,7 @@
         </p:blipFill>
         <p:spPr>
           <a:xfrm>
-            <a:off x="503041" y="1756648"/>
+            <a:off x="505011" y="1690760"/>
             <a:ext cx="4046793" cy="2282676"/>
           </a:xfrm>
           <a:prstGeom prst="rect">
@@ -20032,7 +23396,7 @@
         </p:nvSpPr>
         <p:spPr>
           <a:xfrm>
-            <a:off x="6162838" y="1210065"/>
+            <a:off x="6162838" y="1386998"/>
             <a:ext cx="1368152" cy="369332"/>
           </a:xfrm>
           <a:prstGeom prst="rect">
@@ -20068,8 +23432,8 @@
         </p:nvSpPr>
         <p:spPr>
           <a:xfrm>
-            <a:off x="4801350" y="1663063"/>
-            <a:ext cx="4091129" cy="2376261"/>
+            <a:off x="4801350" y="1776306"/>
+            <a:ext cx="4091129" cy="2224826"/>
           </a:xfrm>
           <a:prstGeom prst="roundRect">
             <a:avLst/>
@@ -20077,28 +23441,95 @@
         </p:spPr>
         <p:style>
           <a:lnRef idx="2">
-            <a:schemeClr val="accent1">
-              <a:shade val="50000"/>
-            </a:schemeClr>
+            <a:schemeClr val="dk1"/>
           </a:lnRef>
           <a:fillRef idx="1">
-            <a:schemeClr val="accent1"/>
+            <a:schemeClr val="lt1"/>
           </a:fillRef>
           <a:effectRef idx="0">
-            <a:schemeClr val="accent1"/>
+            <a:schemeClr val="dk1"/>
           </a:effectRef>
           <a:fontRef idx="minor">
-            <a:schemeClr val="lt1"/>
+            <a:schemeClr val="dk1"/>
           </a:fontRef>
         </p:style>
         <p:txBody>
           <a:bodyPr rtlCol="0" anchor="ctr"/>
           <a:lstStyle/>
           <a:p>
-            <a:pPr algn="ctr"/>
-            <a:r>
-              <a:rPr lang="ko-KR" altLang="en-US" dirty="0"/>
-              <a:t>유사</a:t>
+            <a:pPr marL="228600" indent="-228600">
+              <a:buAutoNum type="arabicPeriod"/>
+            </a:pPr>
+            <a:r>
+              <a:rPr lang="en-US" altLang="ko-KR" sz="1200" dirty="0"/>
+              <a:t>1</a:t>
+            </a:r>
+            <a:r>
+              <a:rPr lang="ko-KR" altLang="en-US" sz="1200" dirty="0"/>
+              <a:t>인칭 게임이다</a:t>
+            </a:r>
+            <a:r>
+              <a:rPr lang="en-US" altLang="ko-KR" sz="1200" dirty="0"/>
+              <a:t>.</a:t>
+            </a:r>
+          </a:p>
+          <a:p>
+            <a:pPr marL="228600" indent="-228600">
+              <a:buAutoNum type="arabicPeriod"/>
+            </a:pPr>
+            <a:endParaRPr lang="en-US" altLang="ko-KR" sz="1200" dirty="0"/>
+          </a:p>
+          <a:p>
+            <a:r>
+              <a:rPr lang="en-US" altLang="ko-KR" sz="1200" dirty="0"/>
+              <a:t>2. </a:t>
+            </a:r>
+            <a:r>
+              <a:rPr lang="ko-KR" altLang="en-US" sz="1200" dirty="0"/>
+              <a:t>최대 </a:t>
+            </a:r>
+            <a:r>
+              <a:rPr lang="en-US" altLang="ko-KR" sz="1200" dirty="0"/>
+              <a:t>4</a:t>
+            </a:r>
+            <a:r>
+              <a:rPr lang="ko-KR" altLang="en-US" sz="1200" dirty="0"/>
+              <a:t>인 협동게임이다</a:t>
+            </a:r>
+            <a:endParaRPr lang="en-US" altLang="ko-KR" sz="1200" dirty="0"/>
+          </a:p>
+          <a:p>
+            <a:endParaRPr lang="en-US" altLang="ko-KR" sz="1200" dirty="0"/>
+          </a:p>
+          <a:p>
+            <a:r>
+              <a:rPr lang="en-US" altLang="ko-KR" sz="1200" dirty="0"/>
+              <a:t>3. </a:t>
+            </a:r>
+            <a:r>
+              <a:rPr lang="ko-KR" altLang="en-US" sz="1200" dirty="0"/>
+              <a:t>스킬과 무기를 사용하여 적을 물리쳐야 한다</a:t>
+            </a:r>
+            <a:r>
+              <a:rPr lang="en-US" altLang="ko-KR" sz="1200" dirty="0"/>
+              <a:t>.</a:t>
+            </a:r>
+          </a:p>
+          <a:p>
+            <a:endParaRPr lang="en-US" altLang="ko-KR" sz="1200" dirty="0"/>
+          </a:p>
+          <a:p>
+            <a:r>
+              <a:rPr lang="en-US" altLang="ko-KR" sz="1200" dirty="0"/>
+              <a:t>4. </a:t>
+            </a:r>
+            <a:r>
+              <a:rPr lang="ko-KR" altLang="en-US" sz="1200" dirty="0"/>
+              <a:t>일반 스테이지와 보스 스테이지로 나뉘어져 있다</a:t>
+            </a:r>
+            <a:r>
+              <a:rPr lang="en-US" altLang="ko-KR" sz="1200" dirty="0"/>
+              <a:t>.</a:t>
             </a:r>
           </a:p>
         </p:txBody>
@@ -20117,8 +23548,8 @@
         </p:nvSpPr>
         <p:spPr>
           <a:xfrm>
-            <a:off x="6162838" y="4056310"/>
-            <a:ext cx="1368152" cy="369332"/>
+            <a:off x="6162838" y="3999975"/>
+            <a:ext cx="1368152" cy="338554"/>
           </a:xfrm>
           <a:prstGeom prst="rect">
             <a:avLst/>
@@ -20133,7 +23564,7 @@
           <a:p>
             <a:pPr algn="ctr"/>
             <a:r>
-              <a:rPr lang="ko-KR" altLang="en-US" dirty="0"/>
+              <a:rPr lang="ko-KR" altLang="en-US" sz="1600" dirty="0"/>
               <a:t>차이점</a:t>
             </a:r>
           </a:p>
@@ -20153,8 +23584,8 @@
         </p:nvSpPr>
         <p:spPr>
           <a:xfrm>
-            <a:off x="4801350" y="4442629"/>
-            <a:ext cx="4091129" cy="2124486"/>
+            <a:off x="4801350" y="4342289"/>
+            <a:ext cx="4091129" cy="2224826"/>
           </a:xfrm>
           <a:prstGeom prst="roundRect">
             <a:avLst/>
@@ -20162,30 +23593,99 @@
         </p:spPr>
         <p:style>
           <a:lnRef idx="2">
-            <a:schemeClr val="accent1">
-              <a:shade val="50000"/>
-            </a:schemeClr>
+            <a:schemeClr val="dk1"/>
           </a:lnRef>
           <a:fillRef idx="1">
-            <a:schemeClr val="accent1"/>
+            <a:schemeClr val="lt1"/>
           </a:fillRef>
           <a:effectRef idx="0">
-            <a:schemeClr val="accent1"/>
+            <a:schemeClr val="dk1"/>
           </a:effectRef>
           <a:fontRef idx="minor">
-            <a:schemeClr val="lt1"/>
+            <a:schemeClr val="dk1"/>
           </a:fontRef>
         </p:style>
         <p:txBody>
           <a:bodyPr rtlCol="0" anchor="ctr"/>
           <a:lstStyle/>
           <a:p>
-            <a:pPr algn="ctr"/>
-            <a:r>
-              <a:rPr lang="ko-KR" altLang="en-US"/>
-              <a:t>차이</a:t>
-            </a:r>
-            <a:endParaRPr lang="ko-KR" altLang="en-US" dirty="0"/>
+            <a:pPr marL="228600" indent="-228600">
+              <a:buAutoNum type="arabicPeriod"/>
+            </a:pPr>
+            <a:r>
+              <a:rPr lang="ko-KR" altLang="en-US" sz="1200" dirty="0" err="1"/>
+              <a:t>마나를</a:t>
+            </a:r>
+            <a:r>
+              <a:rPr lang="ko-KR" altLang="en-US" sz="1200" dirty="0"/>
+              <a:t> 신경 써야 한다</a:t>
+            </a:r>
+            <a:r>
+              <a:rPr lang="en-US" altLang="ko-KR" sz="1200" dirty="0"/>
+              <a:t>.</a:t>
+            </a:r>
+          </a:p>
+          <a:p>
+            <a:pPr marL="228600" indent="-228600">
+              <a:buAutoNum type="arabicPeriod"/>
+            </a:pPr>
+            <a:endParaRPr lang="en-US" altLang="ko-KR" sz="1200" dirty="0"/>
+          </a:p>
+          <a:p>
+            <a:r>
+              <a:rPr lang="en-US" altLang="ko-KR" sz="1200" dirty="0"/>
+              <a:t>2. </a:t>
+            </a:r>
+            <a:r>
+              <a:rPr lang="ko-KR" altLang="en-US" sz="1200" dirty="0"/>
+              <a:t>게임 진행을 위한 스토리 </a:t>
+            </a:r>
+            <a:r>
+              <a:rPr lang="ko-KR" altLang="en-US" sz="1200" dirty="0" err="1"/>
+              <a:t>텔링이</a:t>
+            </a:r>
+            <a:r>
+              <a:rPr lang="ko-KR" altLang="en-US" sz="1200" dirty="0"/>
+              <a:t> 존재한다</a:t>
+            </a:r>
+            <a:r>
+              <a:rPr lang="en-US" altLang="ko-KR" sz="1200" dirty="0"/>
+              <a:t>.</a:t>
+            </a:r>
+          </a:p>
+          <a:p>
+            <a:endParaRPr lang="en-US" altLang="ko-KR" sz="1200" dirty="0"/>
+          </a:p>
+          <a:p>
+            <a:r>
+              <a:rPr lang="en-US" altLang="ko-KR" sz="1200" dirty="0"/>
+              <a:t>3. </a:t>
+            </a:r>
+            <a:r>
+              <a:rPr lang="ko-KR" altLang="en-US" sz="1200" dirty="0"/>
+              <a:t>음성채팅이 가능하다</a:t>
+            </a:r>
+            <a:r>
+              <a:rPr lang="en-US" altLang="ko-KR" sz="1200" dirty="0"/>
+              <a:t>.</a:t>
+            </a:r>
+          </a:p>
+          <a:p>
+            <a:endParaRPr lang="en-US" altLang="ko-KR" sz="1200" dirty="0"/>
+          </a:p>
+          <a:p>
+            <a:r>
+              <a:rPr lang="en-US" altLang="ko-KR" sz="1200" dirty="0"/>
+              <a:t>4. </a:t>
+            </a:r>
+            <a:r>
+              <a:rPr lang="ko-KR" altLang="en-US" sz="1200" dirty="0"/>
+              <a:t>게임이 플레이어의 감각에 영향을 준다</a:t>
+            </a:r>
+            <a:r>
+              <a:rPr lang="en-US" altLang="ko-KR" sz="1200" dirty="0"/>
+              <a:t>.</a:t>
+            </a:r>
           </a:p>
         </p:txBody>
       </p:sp>
@@ -20202,7 +23702,7 @@
 </p:sld>
 </file>
 
-<file path=ppt/slides/slide33.xml><?xml version="1.0" encoding="utf-8"?>
+<file path=ppt/slides/slide37.xml><?xml version="1.0" encoding="utf-8"?>
 <p:sld xmlns:a="http://schemas.openxmlformats.org/drawingml/2006/main" xmlns:r="http://schemas.openxmlformats.org/officeDocument/2006/relationships" xmlns:p="http://schemas.openxmlformats.org/presentationml/2006/main">
   <p:cSld>
     <p:spTree>
@@ -20578,7 +24078,7 @@
 </p:sld>
 </file>
 
-<file path=ppt/slides/slide34.xml><?xml version="1.0" encoding="utf-8"?>
+<file path=ppt/slides/slide38.xml><?xml version="1.0" encoding="utf-8"?>
 <p:sld xmlns:a="http://schemas.openxmlformats.org/drawingml/2006/main" xmlns:r="http://schemas.openxmlformats.org/officeDocument/2006/relationships" xmlns:p="http://schemas.openxmlformats.org/presentationml/2006/main">
   <p:cSld>
     <p:spTree>
@@ -21432,7 +24932,7 @@
 </p:sld>
 </file>
 
-<file path=ppt/slides/slide35.xml><?xml version="1.0" encoding="utf-8"?>
+<file path=ppt/slides/slide39.xml><?xml version="1.0" encoding="utf-8"?>
 <p:sld xmlns:a="http://schemas.openxmlformats.org/drawingml/2006/main" xmlns:r="http://schemas.openxmlformats.org/officeDocument/2006/relationships" xmlns:p="http://schemas.openxmlformats.org/presentationml/2006/main">
   <p:cSld>
     <p:spTree>
@@ -21853,7 +25353,7 @@
         </p:nvSpPr>
         <p:spPr>
           <a:xfrm>
-            <a:off x="704704" y="2132856"/>
+            <a:off x="969655" y="1819816"/>
             <a:ext cx="1584176" cy="861774"/>
           </a:xfrm>
           <a:prstGeom prst="rect">
@@ -21923,7 +25423,7 @@
         </p:nvSpPr>
         <p:spPr>
           <a:xfrm>
-            <a:off x="712602" y="3387079"/>
+            <a:off x="977553" y="3074039"/>
             <a:ext cx="1584176" cy="861774"/>
           </a:xfrm>
           <a:prstGeom prst="rect">
@@ -21993,7 +25493,7 @@
         </p:nvSpPr>
         <p:spPr>
           <a:xfrm>
-            <a:off x="704704" y="4641302"/>
+            <a:off x="969655" y="4328262"/>
             <a:ext cx="1584176" cy="861774"/>
           </a:xfrm>
           <a:prstGeom prst="rect">
@@ -22098,8 +25598,8 @@
         </p:nvSpPr>
         <p:spPr>
           <a:xfrm>
-            <a:off x="3461848" y="1776132"/>
-            <a:ext cx="5322516" cy="4279146"/>
+            <a:off x="4288414" y="1541383"/>
+            <a:ext cx="4174956" cy="3921270"/>
           </a:xfrm>
           <a:prstGeom prst="roundRect">
             <a:avLst/>
@@ -22107,135 +25607,211 @@
         </p:spPr>
         <p:style>
           <a:lnRef idx="2">
-            <a:schemeClr val="accent1">
-              <a:shade val="50000"/>
-            </a:schemeClr>
+            <a:schemeClr val="accent5"/>
           </a:lnRef>
           <a:fillRef idx="1">
-            <a:schemeClr val="accent1"/>
+            <a:schemeClr val="lt1"/>
           </a:fillRef>
           <a:effectRef idx="0">
-            <a:schemeClr val="accent1"/>
+            <a:schemeClr val="accent5"/>
           </a:effectRef>
           <a:fontRef idx="minor">
-            <a:schemeClr val="lt1"/>
+            <a:schemeClr val="dk1"/>
           </a:fontRef>
         </p:style>
         <p:txBody>
           <a:bodyPr rtlCol="0" anchor="ctr"/>
           <a:lstStyle/>
           <a:p>
-            <a:pPr algn="ctr"/>
+            <a:r>
+              <a:rPr lang="en-US" altLang="ko-KR" b="1" dirty="0"/>
+              <a:t>Component</a:t>
+            </a:r>
+            <a:r>
+              <a:rPr lang="ko-KR" altLang="en-US" b="1" dirty="0"/>
+              <a:t> </a:t>
+            </a:r>
+            <a:r>
+              <a:rPr lang="en-US" altLang="ko-KR" b="1" dirty="0"/>
+              <a:t>Design</a:t>
+            </a:r>
+            <a:r>
+              <a:rPr lang="ko-KR" altLang="en-US" b="1" dirty="0"/>
+              <a:t> </a:t>
+            </a:r>
+            <a:r>
+              <a:rPr lang="en-US" altLang="ko-KR" b="1" dirty="0"/>
+              <a:t>Pattern</a:t>
+            </a:r>
+            <a:r>
+              <a:rPr lang="ko-KR" altLang="en-US" b="1" dirty="0"/>
+              <a:t> </a:t>
+            </a:r>
             <a:r>
               <a:rPr lang="ko-KR" altLang="en-US" dirty="0"/>
-              <a:t>공통 </a:t>
-            </a:r>
-            <a:r>
-              <a:rPr lang="en-US" altLang="ko-KR" dirty="0"/>
-              <a:t>– Component</a:t>
-            </a:r>
+              <a:t>학습</a:t>
+            </a:r>
+            <a:endParaRPr lang="en-US" altLang="ko-KR" dirty="0"/>
+          </a:p>
+          <a:p>
+            <a:endParaRPr lang="en-US" altLang="ko-KR" dirty="0"/>
+          </a:p>
+          <a:p>
+            <a:endParaRPr lang="en-US" altLang="ko-KR" dirty="0"/>
+          </a:p>
+          <a:p>
+            <a:r>
+              <a:rPr lang="en-US" altLang="ko-KR" b="1" dirty="0"/>
+              <a:t>3D</a:t>
+            </a:r>
+            <a:r>
+              <a:rPr lang="ko-KR" altLang="en-US" b="1" dirty="0"/>
+              <a:t>게임 프로그래밍</a:t>
+            </a:r>
+            <a:r>
+              <a:rPr lang="en-US" altLang="ko-KR" b="1" dirty="0"/>
+              <a:t>1/2</a:t>
+            </a:r>
+          </a:p>
+          <a:p>
+            <a:r>
+              <a:rPr lang="ko-KR" altLang="en-US" b="1" dirty="0"/>
+              <a:t>게임 수학</a:t>
+            </a:r>
+            <a:endParaRPr lang="en-US" altLang="ko-KR" b="1" dirty="0"/>
+          </a:p>
+          <a:p>
+            <a:r>
+              <a:rPr lang="en-US" altLang="ko-KR" b="1" dirty="0"/>
+              <a:t>C / C++ / STL</a:t>
+            </a:r>
+          </a:p>
+          <a:p>
+            <a:r>
+              <a:rPr lang="ko-KR" altLang="en-US" b="1" dirty="0"/>
+              <a:t>네트워크 기초 </a:t>
+            </a:r>
+            <a:r>
+              <a:rPr lang="en-US" altLang="ko-KR" b="1" dirty="0"/>
+              <a:t>/ </a:t>
+            </a:r>
+            <a:r>
+              <a:rPr lang="ko-KR" altLang="en-US" b="1" dirty="0"/>
+              <a:t>게임 프로그래밍</a:t>
+            </a:r>
+            <a:endParaRPr lang="en-US" altLang="ko-KR" b="1" dirty="0"/>
+          </a:p>
+          <a:p>
+            <a:r>
+              <a:rPr lang="ko-KR" altLang="en-US" b="1" dirty="0"/>
+              <a:t>자료구조</a:t>
+            </a:r>
+            <a:endParaRPr lang="en-US" altLang="ko-KR" b="1" dirty="0"/>
+          </a:p>
+          <a:p>
+            <a:r>
+              <a:rPr lang="ko-KR" altLang="en-US" b="1" dirty="0"/>
+              <a:t>인공지능</a:t>
+            </a:r>
+            <a:endParaRPr lang="en-US" altLang="ko-KR" b="1" dirty="0"/>
+          </a:p>
+          <a:p>
+            <a:r>
+              <a:rPr lang="ko-KR" altLang="en-US" b="1" dirty="0"/>
+              <a:t>알고리즘</a:t>
+            </a:r>
+            <a:endParaRPr lang="en-US" altLang="ko-KR" b="1" dirty="0"/>
+          </a:p>
+          <a:p>
             <a:r>
               <a:rPr lang="ko-KR" altLang="en-US" dirty="0"/>
-              <a:t> </a:t>
-            </a:r>
-            <a:r>
-              <a:rPr lang="en-US" altLang="ko-KR" dirty="0"/>
-              <a:t>Design</a:t>
-            </a:r>
-            <a:r>
-              <a:rPr lang="ko-KR" altLang="en-US" dirty="0"/>
-              <a:t> </a:t>
-            </a:r>
-            <a:r>
-              <a:rPr lang="en-US" altLang="ko-KR" dirty="0"/>
-              <a:t>Pattern</a:t>
-            </a:r>
-            <a:r>
-              <a:rPr lang="ko-KR" altLang="en-US" dirty="0"/>
-              <a:t> 학습</a:t>
+              <a:t>수강</a:t>
             </a:r>
             <a:endParaRPr lang="en-US" altLang="ko-KR" dirty="0"/>
           </a:p>
-          <a:p>
-            <a:pPr algn="ctr"/>
-            <a:r>
-              <a:rPr lang="en-US" altLang="ko-KR" dirty="0"/>
-              <a:t>3D </a:t>
-            </a:r>
-            <a:r>
-              <a:rPr lang="ko-KR" altLang="en-US" dirty="0" err="1"/>
-              <a:t>겜플</a:t>
-            </a:r>
-            <a:r>
-              <a:rPr lang="ko-KR" altLang="en-US" dirty="0"/>
-              <a:t> </a:t>
-            </a:r>
-            <a:r>
-              <a:rPr lang="en-US" altLang="ko-KR" dirty="0"/>
-              <a:t>12</a:t>
-            </a:r>
-          </a:p>
-          <a:p>
-            <a:pPr algn="ctr"/>
-            <a:r>
-              <a:rPr lang="ko-KR" altLang="en-US" dirty="0"/>
-              <a:t>게임 수학</a:t>
-            </a:r>
-            <a:endParaRPr lang="en-US" altLang="ko-KR" dirty="0"/>
-          </a:p>
-          <a:p>
-            <a:pPr algn="ctr"/>
-            <a:r>
-              <a:rPr lang="en-US" altLang="ko-KR" dirty="0"/>
-              <a:t>C/C++/STL</a:t>
-            </a:r>
-          </a:p>
-          <a:p>
-            <a:pPr algn="ctr"/>
-            <a:r>
-              <a:rPr lang="ko-KR" altLang="en-US" dirty="0" err="1"/>
-              <a:t>넷기초</a:t>
-            </a:r>
-            <a:r>
-              <a:rPr lang="en-US" altLang="ko-KR" dirty="0"/>
-              <a:t>/</a:t>
-            </a:r>
-            <a:r>
-              <a:rPr lang="ko-KR" altLang="en-US" dirty="0" err="1"/>
-              <a:t>넷게플</a:t>
-            </a:r>
-            <a:endParaRPr lang="en-US" altLang="ko-KR" dirty="0"/>
-          </a:p>
-          <a:p>
-            <a:pPr algn="ctr"/>
-            <a:r>
-              <a:rPr lang="ko-KR" altLang="en-US" dirty="0"/>
-              <a:t>자료구조</a:t>
-            </a:r>
-            <a:endParaRPr lang="en-US" altLang="ko-KR" dirty="0"/>
-          </a:p>
-          <a:p>
-            <a:pPr algn="ctr"/>
-            <a:r>
-              <a:rPr lang="ko-KR" altLang="en-US" dirty="0"/>
-              <a:t>인공지능</a:t>
-            </a:r>
-            <a:endParaRPr lang="en-US" altLang="ko-KR" dirty="0"/>
-          </a:p>
-          <a:p>
-            <a:pPr algn="ctr"/>
-            <a:r>
-              <a:rPr lang="ko-KR" altLang="en-US" dirty="0"/>
-              <a:t>알고리즘 수강</a:t>
-            </a:r>
-            <a:endParaRPr lang="en-US" altLang="ko-KR" dirty="0"/>
-          </a:p>
-          <a:p>
-            <a:pPr algn="ctr"/>
-            <a:endParaRPr lang="ko-KR" altLang="en-US" dirty="0"/>
-          </a:p>
-        </p:txBody>
-      </p:sp>
+        </p:txBody>
+      </p:sp>
+      <p:cxnSp>
+        <p:nvCxnSpPr>
+          <p:cNvPr id="14" name="연결선: 꺾임 13">
+            <a:extLst>
+              <a:ext uri="{FF2B5EF4-FFF2-40B4-BE49-F238E27FC236}">
+                <a16:creationId xmlns:a16="http://schemas.microsoft.com/office/drawing/2014/main" id="{B540078C-086A-7BC2-5976-2F96B4C46FED}"/>
+              </a:ext>
+            </a:extLst>
+          </p:cNvPr>
+          <p:cNvCxnSpPr>
+            <a:stCxn id="2" idx="3"/>
+            <a:endCxn id="6" idx="3"/>
+          </p:cNvCxnSpPr>
+          <p:nvPr/>
+        </p:nvCxnSpPr>
+        <p:spPr>
+          <a:xfrm>
+            <a:off x="2553831" y="2250703"/>
+            <a:ext cx="12700" cy="2508446"/>
+          </a:xfrm>
+          <a:prstGeom prst="bentConnector3">
+            <a:avLst>
+              <a:gd name="adj1" fmla="val 2800000"/>
+            </a:avLst>
+          </a:prstGeom>
+        </p:spPr>
+        <p:style>
+          <a:lnRef idx="1">
+            <a:schemeClr val="accent1"/>
+          </a:lnRef>
+          <a:fillRef idx="0">
+            <a:schemeClr val="accent1"/>
+          </a:fillRef>
+          <a:effectRef idx="0">
+            <a:schemeClr val="accent1"/>
+          </a:effectRef>
+          <a:fontRef idx="minor">
+            <a:schemeClr val="tx1"/>
+          </a:fontRef>
+        </p:style>
+      </p:cxnSp>
+      <p:cxnSp>
+        <p:nvCxnSpPr>
+          <p:cNvPr id="19" name="직선 연결선 18">
+            <a:extLst>
+              <a:ext uri="{FF2B5EF4-FFF2-40B4-BE49-F238E27FC236}">
+                <a16:creationId xmlns:a16="http://schemas.microsoft.com/office/drawing/2014/main" id="{C287330D-CD35-2446-A56E-6A7FED4F1666}"/>
+              </a:ext>
+            </a:extLst>
+          </p:cNvPr>
+          <p:cNvCxnSpPr>
+            <a:cxnSpLocks/>
+            <a:stCxn id="3" idx="3"/>
+            <a:endCxn id="18" idx="1"/>
+          </p:cNvCxnSpPr>
+          <p:nvPr/>
+        </p:nvCxnSpPr>
+        <p:spPr>
+          <a:xfrm flipV="1">
+            <a:off x="2561729" y="3502018"/>
+            <a:ext cx="1726685" cy="2908"/>
+          </a:xfrm>
+          <a:prstGeom prst="line">
+            <a:avLst/>
+          </a:prstGeom>
+        </p:spPr>
+        <p:style>
+          <a:lnRef idx="1">
+            <a:schemeClr val="accent1"/>
+          </a:lnRef>
+          <a:fillRef idx="0">
+            <a:schemeClr val="accent1"/>
+          </a:fillRef>
+          <a:effectRef idx="0">
+            <a:schemeClr val="accent1"/>
+          </a:effectRef>
+          <a:fontRef idx="minor">
+            <a:schemeClr val="tx1"/>
+          </a:fontRef>
+        </p:style>
+      </p:cxnSp>
     </p:spTree>
     <p:extLst>
       <p:ext uri="{BB962C8B-B14F-4D97-AF65-F5344CB8AC3E}">
@@ -22249,7 +25825,7 @@
 </p:sld>
 </file>
 
-<file path=ppt/slides/slide36.xml><?xml version="1.0" encoding="utf-8"?>
+<file path=ppt/slides/slide4.xml><?xml version="1.0" encoding="utf-8"?>
 <p:sld xmlns:a="http://schemas.openxmlformats.org/drawingml/2006/main" xmlns:r="http://schemas.openxmlformats.org/officeDocument/2006/relationships" xmlns:p="http://schemas.openxmlformats.org/presentationml/2006/main">
   <p:cSld>
     <p:spTree>
@@ -22268,6 +25844,330 @@
       </p:grpSpPr>
       <p:sp>
         <p:nvSpPr>
+          <p:cNvPr id="17" name="직사각형 16">
+            <a:extLst>
+              <a:ext uri="{FF2B5EF4-FFF2-40B4-BE49-F238E27FC236}">
+                <a16:creationId xmlns:a16="http://schemas.microsoft.com/office/drawing/2014/main" id="{10D800BA-0DDB-22C2-D79C-085B60B259B8}"/>
+              </a:ext>
+            </a:extLst>
+          </p:cNvPr>
+          <p:cNvSpPr/>
+          <p:nvPr/>
+        </p:nvSpPr>
+        <p:spPr>
+          <a:xfrm rot="20490163">
+            <a:off x="1703343" y="5953542"/>
+            <a:ext cx="382788" cy="421868"/>
+          </a:xfrm>
+          <a:prstGeom prst="rect">
+            <a:avLst/>
+          </a:prstGeom>
+          <a:solidFill>
+            <a:schemeClr val="bg1">
+              <a:lumMod val="95000"/>
+            </a:schemeClr>
+          </a:solidFill>
+          <a:ln w="3175">
+            <a:noFill/>
+          </a:ln>
+        </p:spPr>
+        <p:style>
+          <a:lnRef idx="2">
+            <a:schemeClr val="accent1">
+              <a:shade val="50000"/>
+            </a:schemeClr>
+          </a:lnRef>
+          <a:fillRef idx="1">
+            <a:schemeClr val="accent1"/>
+          </a:fillRef>
+          <a:effectRef idx="0">
+            <a:schemeClr val="accent1"/>
+          </a:effectRef>
+          <a:fontRef idx="minor">
+            <a:schemeClr val="lt1"/>
+          </a:fontRef>
+        </p:style>
+        <p:txBody>
+          <a:bodyPr rtlCol="0" anchor="ctr"/>
+          <a:lstStyle/>
+          <a:p>
+            <a:pPr algn="ctr"/>
+            <a:endParaRPr lang="ko-KR" altLang="en-US" dirty="0"/>
+          </a:p>
+        </p:txBody>
+      </p:sp>
+      <p:sp>
+        <p:nvSpPr>
+          <p:cNvPr id="15" name="직사각형 14">
+            <a:extLst>
+              <a:ext uri="{FF2B5EF4-FFF2-40B4-BE49-F238E27FC236}">
+                <a16:creationId xmlns:a16="http://schemas.microsoft.com/office/drawing/2014/main" id="{A3705E14-1E73-8134-150C-07631A8E11C5}"/>
+              </a:ext>
+            </a:extLst>
+          </p:cNvPr>
+          <p:cNvSpPr/>
+          <p:nvPr/>
+        </p:nvSpPr>
+        <p:spPr>
+          <a:xfrm rot="20490163">
+            <a:off x="1707952" y="4046717"/>
+            <a:ext cx="382788" cy="421868"/>
+          </a:xfrm>
+          <a:prstGeom prst="rect">
+            <a:avLst/>
+          </a:prstGeom>
+          <a:solidFill>
+            <a:schemeClr val="bg1">
+              <a:lumMod val="95000"/>
+            </a:schemeClr>
+          </a:solidFill>
+          <a:ln w="3175">
+            <a:noFill/>
+          </a:ln>
+        </p:spPr>
+        <p:style>
+          <a:lnRef idx="2">
+            <a:schemeClr val="accent1">
+              <a:shade val="50000"/>
+            </a:schemeClr>
+          </a:lnRef>
+          <a:fillRef idx="1">
+            <a:schemeClr val="accent1"/>
+          </a:fillRef>
+          <a:effectRef idx="0">
+            <a:schemeClr val="accent1"/>
+          </a:effectRef>
+          <a:fontRef idx="minor">
+            <a:schemeClr val="lt1"/>
+          </a:fontRef>
+        </p:style>
+        <p:txBody>
+          <a:bodyPr rtlCol="0" anchor="ctr"/>
+          <a:lstStyle/>
+          <a:p>
+            <a:pPr algn="ctr"/>
+            <a:endParaRPr lang="ko-KR" altLang="en-US" dirty="0"/>
+          </a:p>
+        </p:txBody>
+      </p:sp>
+      <p:sp>
+        <p:nvSpPr>
+          <p:cNvPr id="16" name="직사각형 15">
+            <a:extLst>
+              <a:ext uri="{FF2B5EF4-FFF2-40B4-BE49-F238E27FC236}">
+                <a16:creationId xmlns:a16="http://schemas.microsoft.com/office/drawing/2014/main" id="{94580FFC-4166-C7EF-8506-8153A9B395A6}"/>
+              </a:ext>
+            </a:extLst>
+          </p:cNvPr>
+          <p:cNvSpPr/>
+          <p:nvPr/>
+        </p:nvSpPr>
+        <p:spPr>
+          <a:xfrm rot="20490163">
+            <a:off x="1703342" y="4998917"/>
+            <a:ext cx="382788" cy="421868"/>
+          </a:xfrm>
+          <a:prstGeom prst="rect">
+            <a:avLst/>
+          </a:prstGeom>
+          <a:solidFill>
+            <a:schemeClr val="bg1">
+              <a:lumMod val="95000"/>
+            </a:schemeClr>
+          </a:solidFill>
+          <a:ln w="3175">
+            <a:noFill/>
+          </a:ln>
+        </p:spPr>
+        <p:style>
+          <a:lnRef idx="2">
+            <a:schemeClr val="accent1">
+              <a:shade val="50000"/>
+            </a:schemeClr>
+          </a:lnRef>
+          <a:fillRef idx="1">
+            <a:schemeClr val="accent1"/>
+          </a:fillRef>
+          <a:effectRef idx="0">
+            <a:schemeClr val="accent1"/>
+          </a:effectRef>
+          <a:fontRef idx="minor">
+            <a:schemeClr val="lt1"/>
+          </a:fontRef>
+        </p:style>
+        <p:txBody>
+          <a:bodyPr rtlCol="0" anchor="ctr"/>
+          <a:lstStyle/>
+          <a:p>
+            <a:pPr algn="ctr"/>
+            <a:endParaRPr lang="ko-KR" altLang="en-US" dirty="0"/>
+          </a:p>
+        </p:txBody>
+      </p:sp>
+      <p:sp>
+        <p:nvSpPr>
+          <p:cNvPr id="14" name="직사각형 13">
+            <a:extLst>
+              <a:ext uri="{FF2B5EF4-FFF2-40B4-BE49-F238E27FC236}">
+                <a16:creationId xmlns:a16="http://schemas.microsoft.com/office/drawing/2014/main" id="{863D5D88-3A4E-AB86-89EB-A887C56CE333}"/>
+              </a:ext>
+            </a:extLst>
+          </p:cNvPr>
+          <p:cNvSpPr/>
+          <p:nvPr/>
+        </p:nvSpPr>
+        <p:spPr>
+          <a:xfrm rot="20490163">
+            <a:off x="1703343" y="3094295"/>
+            <a:ext cx="382788" cy="421868"/>
+          </a:xfrm>
+          <a:prstGeom prst="rect">
+            <a:avLst/>
+          </a:prstGeom>
+          <a:solidFill>
+            <a:schemeClr val="bg1">
+              <a:lumMod val="95000"/>
+            </a:schemeClr>
+          </a:solidFill>
+          <a:ln w="3175">
+            <a:noFill/>
+          </a:ln>
+        </p:spPr>
+        <p:style>
+          <a:lnRef idx="2">
+            <a:schemeClr val="accent1">
+              <a:shade val="50000"/>
+            </a:schemeClr>
+          </a:lnRef>
+          <a:fillRef idx="1">
+            <a:schemeClr val="accent1"/>
+          </a:fillRef>
+          <a:effectRef idx="0">
+            <a:schemeClr val="accent1"/>
+          </a:effectRef>
+          <a:fontRef idx="minor">
+            <a:schemeClr val="lt1"/>
+          </a:fontRef>
+        </p:style>
+        <p:txBody>
+          <a:bodyPr rtlCol="0" anchor="ctr"/>
+          <a:lstStyle/>
+          <a:p>
+            <a:pPr algn="ctr"/>
+            <a:endParaRPr lang="ko-KR" altLang="en-US" dirty="0"/>
+          </a:p>
+        </p:txBody>
+      </p:sp>
+      <p:sp>
+        <p:nvSpPr>
+          <p:cNvPr id="13" name="직사각형 12">
+            <a:extLst>
+              <a:ext uri="{FF2B5EF4-FFF2-40B4-BE49-F238E27FC236}">
+                <a16:creationId xmlns:a16="http://schemas.microsoft.com/office/drawing/2014/main" id="{BCD83F7E-076A-4B9A-3714-A01C45724DC7}"/>
+              </a:ext>
+            </a:extLst>
+          </p:cNvPr>
+          <p:cNvSpPr/>
+          <p:nvPr/>
+        </p:nvSpPr>
+        <p:spPr>
+          <a:xfrm rot="20490163">
+            <a:off x="1703342" y="2141984"/>
+            <a:ext cx="382788" cy="421868"/>
+          </a:xfrm>
+          <a:prstGeom prst="rect">
+            <a:avLst/>
+          </a:prstGeom>
+          <a:solidFill>
+            <a:schemeClr val="bg1">
+              <a:lumMod val="95000"/>
+            </a:schemeClr>
+          </a:solidFill>
+          <a:ln w="3175">
+            <a:noFill/>
+          </a:ln>
+        </p:spPr>
+        <p:style>
+          <a:lnRef idx="2">
+            <a:schemeClr val="accent1">
+              <a:shade val="50000"/>
+            </a:schemeClr>
+          </a:lnRef>
+          <a:fillRef idx="1">
+            <a:schemeClr val="accent1"/>
+          </a:fillRef>
+          <a:effectRef idx="0">
+            <a:schemeClr val="accent1"/>
+          </a:effectRef>
+          <a:fontRef idx="minor">
+            <a:schemeClr val="lt1"/>
+          </a:fontRef>
+        </p:style>
+        <p:txBody>
+          <a:bodyPr rtlCol="0" anchor="ctr"/>
+          <a:lstStyle/>
+          <a:p>
+            <a:pPr algn="ctr"/>
+            <a:endParaRPr lang="ko-KR" altLang="en-US" dirty="0"/>
+          </a:p>
+        </p:txBody>
+      </p:sp>
+      <p:sp>
+        <p:nvSpPr>
+          <p:cNvPr id="3" name="직사각형 2">
+            <a:extLst>
+              <a:ext uri="{FF2B5EF4-FFF2-40B4-BE49-F238E27FC236}">
+                <a16:creationId xmlns:a16="http://schemas.microsoft.com/office/drawing/2014/main" id="{0B9D2513-2525-1501-DB31-21015ED95D99}"/>
+              </a:ext>
+            </a:extLst>
+          </p:cNvPr>
+          <p:cNvSpPr/>
+          <p:nvPr/>
+        </p:nvSpPr>
+        <p:spPr>
+          <a:xfrm rot="20490163">
+            <a:off x="1703342" y="1189673"/>
+            <a:ext cx="382788" cy="421868"/>
+          </a:xfrm>
+          <a:prstGeom prst="rect">
+            <a:avLst/>
+          </a:prstGeom>
+          <a:solidFill>
+            <a:schemeClr val="bg1">
+              <a:lumMod val="95000"/>
+            </a:schemeClr>
+          </a:solidFill>
+          <a:ln w="3175">
+            <a:noFill/>
+          </a:ln>
+        </p:spPr>
+        <p:style>
+          <a:lnRef idx="2">
+            <a:schemeClr val="accent1">
+              <a:shade val="50000"/>
+            </a:schemeClr>
+          </a:lnRef>
+          <a:fillRef idx="1">
+            <a:schemeClr val="accent1"/>
+          </a:fillRef>
+          <a:effectRef idx="0">
+            <a:schemeClr val="accent1"/>
+          </a:effectRef>
+          <a:fontRef idx="minor">
+            <a:schemeClr val="lt1"/>
+          </a:fontRef>
+        </p:style>
+        <p:txBody>
+          <a:bodyPr rtlCol="0" anchor="ctr"/>
+          <a:lstStyle/>
+          <a:p>
+            <a:pPr algn="ctr"/>
+            <a:endParaRPr lang="ko-KR" altLang="en-US" dirty="0"/>
+          </a:p>
+        </p:txBody>
+      </p:sp>
+      <p:sp>
+        <p:nvSpPr>
           <p:cNvPr id="4" name="직사각형 3"/>
           <p:cNvSpPr/>
           <p:nvPr/>
@@ -22323,7 +26223,7 @@
         <p:spPr>
           <a:xfrm>
             <a:off x="635490" y="335487"/>
-            <a:ext cx="1776269" cy="400110"/>
+            <a:ext cx="1488236" cy="400110"/>
           </a:xfrm>
           <a:prstGeom prst="rect">
             <a:avLst/>
@@ -22337,7 +26237,7 @@
           <a:lstStyle/>
           <a:p>
             <a:r>
-              <a:rPr lang="ko-KR" altLang="en-US" sz="2000">
+              <a:rPr lang="ko-KR" altLang="en-US" sz="2000" dirty="0">
                 <a:solidFill>
                   <a:schemeClr val="tx1">
                     <a:lumMod val="75000"/>
@@ -22347,18 +26247,8 @@
                 <a:latin typeface="Sandoll 고딕 03 Bold" pitchFamily="34" charset="-127"/>
                 <a:ea typeface="Sandoll 고딕 03 Bold" pitchFamily="34" charset="-127"/>
               </a:rPr>
-              <a:t>현황 및 계획</a:t>
-            </a:r>
-            <a:endParaRPr lang="ko-KR" altLang="en-US" sz="2000" dirty="0">
-              <a:solidFill>
-                <a:schemeClr val="tx1">
-                  <a:lumMod val="75000"/>
-                  <a:lumOff val="25000"/>
-                </a:schemeClr>
-              </a:solidFill>
-              <a:latin typeface="Sandoll 고딕 03 Bold" pitchFamily="34" charset="-127"/>
-              <a:ea typeface="Sandoll 고딕 03 Bold" pitchFamily="34" charset="-127"/>
-            </a:endParaRPr>
+              <a:t>개발 준비</a:t>
+            </a:r>
           </a:p>
         </p:txBody>
       </p:sp>
@@ -22603,6 +26493,667 @@
       </p:grpSp>
       <p:sp>
         <p:nvSpPr>
+          <p:cNvPr id="2" name="TextBox 1">
+            <a:extLst>
+              <a:ext uri="{FF2B5EF4-FFF2-40B4-BE49-F238E27FC236}">
+                <a16:creationId xmlns:a16="http://schemas.microsoft.com/office/drawing/2014/main" id="{A70262A0-FEE2-7285-419F-84C165D09D53}"/>
+              </a:ext>
+            </a:extLst>
+          </p:cNvPr>
+          <p:cNvSpPr txBox="1"/>
+          <p:nvPr/>
+        </p:nvSpPr>
+        <p:spPr>
+          <a:xfrm>
+            <a:off x="1763688" y="1025180"/>
+            <a:ext cx="8061880" cy="5422446"/>
+          </a:xfrm>
+          <a:prstGeom prst="rect">
+            <a:avLst/>
+          </a:prstGeom>
+          <a:noFill/>
+        </p:spPr>
+        <p:txBody>
+          <a:bodyPr wrap="square" rtlCol="0">
+            <a:spAutoFit/>
+          </a:bodyPr>
+          <a:lstStyle/>
+          <a:p>
+            <a:pPr>
+              <a:lnSpc>
+                <a:spcPct val="150000"/>
+              </a:lnSpc>
+            </a:pPr>
+            <a:r>
+              <a:rPr lang="en-US" altLang="ko-KR" sz="2400" dirty="0"/>
+              <a:t>1</a:t>
+            </a:r>
+            <a:r>
+              <a:rPr lang="en-US" altLang="ko-KR" dirty="0"/>
+              <a:t>    </a:t>
+            </a:r>
+            <a:r>
+              <a:rPr lang="ko-KR" altLang="en-US" b="1" dirty="0"/>
+              <a:t>게임 제작</a:t>
+            </a:r>
+            <a:r>
+              <a:rPr lang="ko-KR" altLang="en-US" dirty="0"/>
+              <a:t>에 대한 전반적인 흐름 이해</a:t>
+            </a:r>
+            <a:endParaRPr lang="en-US" altLang="ko-KR" dirty="0"/>
+          </a:p>
+          <a:p>
+            <a:pPr>
+              <a:lnSpc>
+                <a:spcPct val="150000"/>
+              </a:lnSpc>
+            </a:pPr>
+            <a:endParaRPr lang="en-US" altLang="ko-KR" dirty="0"/>
+          </a:p>
+          <a:p>
+            <a:pPr>
+              <a:lnSpc>
+                <a:spcPct val="150000"/>
+              </a:lnSpc>
+            </a:pPr>
+            <a:r>
+              <a:rPr lang="en-US" altLang="ko-KR" sz="2400" dirty="0"/>
+              <a:t>2</a:t>
+            </a:r>
+            <a:r>
+              <a:rPr lang="en-US" altLang="ko-KR" dirty="0"/>
+              <a:t>    </a:t>
+            </a:r>
+            <a:r>
+              <a:rPr lang="ko-KR" altLang="en-US" dirty="0"/>
+              <a:t>다른 사람이 봐도 </a:t>
+            </a:r>
+            <a:r>
+              <a:rPr lang="ko-KR" altLang="en-US" b="1" dirty="0"/>
+              <a:t>이해하기 쉬운 코드 </a:t>
+            </a:r>
+            <a:r>
+              <a:rPr lang="ko-KR" altLang="en-US" dirty="0"/>
+              <a:t>작성 요령 습득</a:t>
+            </a:r>
+            <a:endParaRPr lang="en-US" altLang="ko-KR" dirty="0"/>
+          </a:p>
+          <a:p>
+            <a:pPr>
+              <a:lnSpc>
+                <a:spcPct val="150000"/>
+              </a:lnSpc>
+            </a:pPr>
+            <a:endParaRPr lang="en-US" altLang="ko-KR" dirty="0"/>
+          </a:p>
+          <a:p>
+            <a:pPr>
+              <a:lnSpc>
+                <a:spcPct val="150000"/>
+              </a:lnSpc>
+            </a:pPr>
+            <a:r>
+              <a:rPr lang="en-US" altLang="ko-KR" sz="2400" dirty="0"/>
+              <a:t>3</a:t>
+            </a:r>
+            <a:r>
+              <a:rPr lang="en-US" altLang="ko-KR" dirty="0"/>
+              <a:t>    </a:t>
+            </a:r>
+            <a:r>
+              <a:rPr lang="en-US" altLang="ko-KR" b="1" dirty="0"/>
+              <a:t>DirectX 12 </a:t>
+            </a:r>
+            <a:r>
+              <a:rPr lang="ko-KR" altLang="en-US" dirty="0"/>
+              <a:t>환경의 이해</a:t>
+            </a:r>
+            <a:r>
+              <a:rPr lang="en-US" altLang="ko-KR" dirty="0"/>
+              <a:t> </a:t>
+            </a:r>
+            <a:r>
+              <a:rPr lang="ko-KR" altLang="en-US" dirty="0"/>
+              <a:t>및 화려한 게임 제작</a:t>
+            </a:r>
+            <a:endParaRPr lang="en-US" altLang="ko-KR" dirty="0"/>
+          </a:p>
+          <a:p>
+            <a:pPr>
+              <a:lnSpc>
+                <a:spcPct val="150000"/>
+              </a:lnSpc>
+            </a:pPr>
+            <a:endParaRPr lang="en-US" altLang="ko-KR" dirty="0"/>
+          </a:p>
+          <a:p>
+            <a:pPr>
+              <a:lnSpc>
+                <a:spcPct val="150000"/>
+              </a:lnSpc>
+            </a:pPr>
+            <a:r>
+              <a:rPr lang="en-US" altLang="ko-KR" sz="2400" dirty="0"/>
+              <a:t>4</a:t>
+            </a:r>
+            <a:r>
+              <a:rPr lang="en-US" altLang="ko-KR" dirty="0"/>
+              <a:t>    </a:t>
+            </a:r>
+            <a:r>
+              <a:rPr lang="en-US" altLang="ko-KR" b="1" dirty="0"/>
+              <a:t>IOCP</a:t>
+            </a:r>
+            <a:r>
+              <a:rPr lang="en-US" altLang="ko-KR" dirty="0"/>
+              <a:t> </a:t>
+            </a:r>
+            <a:r>
+              <a:rPr lang="ko-KR" altLang="en-US" dirty="0"/>
+              <a:t>서버 환경에 대한 이해</a:t>
+            </a:r>
+            <a:endParaRPr lang="en-US" altLang="ko-KR" dirty="0"/>
+          </a:p>
+          <a:p>
+            <a:pPr>
+              <a:lnSpc>
+                <a:spcPct val="150000"/>
+              </a:lnSpc>
+            </a:pPr>
+            <a:endParaRPr lang="en-US" altLang="ko-KR" dirty="0"/>
+          </a:p>
+          <a:p>
+            <a:pPr>
+              <a:lnSpc>
+                <a:spcPct val="150000"/>
+              </a:lnSpc>
+            </a:pPr>
+            <a:r>
+              <a:rPr lang="en-US" altLang="ko-KR" sz="2400" dirty="0"/>
+              <a:t>5</a:t>
+            </a:r>
+            <a:r>
+              <a:rPr lang="en-US" altLang="ko-KR" dirty="0"/>
+              <a:t>    </a:t>
+            </a:r>
+            <a:r>
+              <a:rPr lang="ko-KR" altLang="en-US" dirty="0"/>
+              <a:t>게임에 </a:t>
+            </a:r>
+            <a:r>
+              <a:rPr lang="ko-KR" altLang="en-US" b="1" dirty="0"/>
+              <a:t>다양한 네트워크</a:t>
+            </a:r>
+            <a:r>
+              <a:rPr lang="ko-KR" altLang="en-US" dirty="0"/>
+              <a:t>를 접목시키는 방식 경험</a:t>
+            </a:r>
+            <a:endParaRPr lang="en-US" altLang="ko-KR" dirty="0"/>
+          </a:p>
+          <a:p>
+            <a:pPr>
+              <a:lnSpc>
+                <a:spcPct val="150000"/>
+              </a:lnSpc>
+            </a:pPr>
+            <a:endParaRPr lang="en-US" altLang="ko-KR" dirty="0"/>
+          </a:p>
+          <a:p>
+            <a:pPr>
+              <a:lnSpc>
+                <a:spcPct val="150000"/>
+              </a:lnSpc>
+            </a:pPr>
+            <a:r>
+              <a:rPr lang="en-US" altLang="ko-KR" sz="2400" dirty="0"/>
+              <a:t>6</a:t>
+            </a:r>
+            <a:r>
+              <a:rPr lang="en-US" altLang="ko-KR" dirty="0"/>
+              <a:t>    </a:t>
+            </a:r>
+            <a:r>
+              <a:rPr lang="en-US" altLang="ko-KR" b="1" dirty="0"/>
+              <a:t>GIT</a:t>
+            </a:r>
+            <a:r>
+              <a:rPr lang="ko-KR" altLang="en-US" dirty="0"/>
+              <a:t>을 이용한 </a:t>
+            </a:r>
+            <a:r>
+              <a:rPr lang="ko-KR" altLang="en-US" b="1" dirty="0"/>
+              <a:t>협업능력</a:t>
+            </a:r>
+            <a:r>
+              <a:rPr lang="ko-KR" altLang="en-US" dirty="0"/>
+              <a:t> 향상</a:t>
+            </a:r>
+            <a:endParaRPr lang="en-US" altLang="ko-KR" dirty="0"/>
+          </a:p>
+        </p:txBody>
+      </p:sp>
+      <p:sp>
+        <p:nvSpPr>
+          <p:cNvPr id="6" name="TextBox 5">
+            <a:extLst>
+              <a:ext uri="{FF2B5EF4-FFF2-40B4-BE49-F238E27FC236}">
+                <a16:creationId xmlns:a16="http://schemas.microsoft.com/office/drawing/2014/main" id="{C0397F37-A0EF-62DE-22EA-F082A53E380B}"/>
+              </a:ext>
+            </a:extLst>
+          </p:cNvPr>
+          <p:cNvSpPr txBox="1"/>
+          <p:nvPr/>
+        </p:nvSpPr>
+        <p:spPr>
+          <a:xfrm>
+            <a:off x="1835696" y="366265"/>
+            <a:ext cx="2232248" cy="338554"/>
+          </a:xfrm>
+          <a:prstGeom prst="rect">
+            <a:avLst/>
+          </a:prstGeom>
+          <a:noFill/>
+        </p:spPr>
+        <p:txBody>
+          <a:bodyPr wrap="square" rtlCol="0">
+            <a:spAutoFit/>
+          </a:bodyPr>
+          <a:lstStyle/>
+          <a:p>
+            <a:r>
+              <a:rPr lang="en-US" altLang="ko-KR" sz="1600" dirty="0">
+                <a:solidFill>
+                  <a:schemeClr val="bg1">
+                    <a:lumMod val="50000"/>
+                  </a:schemeClr>
+                </a:solidFill>
+                <a:latin typeface="Sandoll 고딕 02 Medium" pitchFamily="34" charset="-127"/>
+                <a:ea typeface="Sandoll 고딕 02 Medium" pitchFamily="34" charset="-127"/>
+              </a:rPr>
+              <a:t>1) </a:t>
+            </a:r>
+            <a:r>
+              <a:rPr lang="ko-KR" altLang="en-US" sz="1600" dirty="0">
+                <a:solidFill>
+                  <a:schemeClr val="bg1">
+                    <a:lumMod val="50000"/>
+                  </a:schemeClr>
+                </a:solidFill>
+                <a:latin typeface="Sandoll 고딕 02 Medium" pitchFamily="34" charset="-127"/>
+                <a:ea typeface="Sandoll 고딕 02 Medium" pitchFamily="34" charset="-127"/>
+              </a:rPr>
+              <a:t>연구 목적</a:t>
+            </a:r>
+          </a:p>
+        </p:txBody>
+      </p:sp>
+    </p:spTree>
+    <p:extLst>
+      <p:ext uri="{BB962C8B-B14F-4D97-AF65-F5344CB8AC3E}">
+        <p14:creationId xmlns:p14="http://schemas.microsoft.com/office/powerpoint/2010/main" val="56458010"/>
+      </p:ext>
+    </p:extLst>
+  </p:cSld>
+  <p:clrMapOvr>
+    <a:masterClrMapping/>
+  </p:clrMapOvr>
+</p:sld>
+</file>
+
+<file path=ppt/slides/slide40.xml><?xml version="1.0" encoding="utf-8"?>
+<p:sld xmlns:a="http://schemas.openxmlformats.org/drawingml/2006/main" xmlns:r="http://schemas.openxmlformats.org/officeDocument/2006/relationships" xmlns:p="http://schemas.openxmlformats.org/presentationml/2006/main">
+  <p:cSld>
+    <p:spTree>
+      <p:nvGrpSpPr>
+        <p:cNvPr id="1" name=""/>
+        <p:cNvGrpSpPr/>
+        <p:nvPr/>
+      </p:nvGrpSpPr>
+      <p:grpSpPr>
+        <a:xfrm>
+          <a:off x="0" y="0"/>
+          <a:ext cx="0" cy="0"/>
+          <a:chOff x="0" y="0"/>
+          <a:chExt cx="0" cy="0"/>
+        </a:xfrm>
+      </p:grpSpPr>
+      <p:sp>
+        <p:nvSpPr>
+          <p:cNvPr id="4" name="직사각형 3"/>
+          <p:cNvSpPr/>
+          <p:nvPr/>
+        </p:nvSpPr>
+        <p:spPr>
+          <a:xfrm>
+            <a:off x="370592" y="389855"/>
+            <a:ext cx="264898" cy="246221"/>
+          </a:xfrm>
+          <a:prstGeom prst="rect">
+            <a:avLst/>
+          </a:prstGeom>
+          <a:solidFill>
+            <a:schemeClr val="bg1">
+              <a:lumMod val="85000"/>
+            </a:schemeClr>
+          </a:solidFill>
+          <a:ln>
+            <a:noFill/>
+          </a:ln>
+        </p:spPr>
+        <p:style>
+          <a:lnRef idx="2">
+            <a:schemeClr val="accent1">
+              <a:shade val="50000"/>
+            </a:schemeClr>
+          </a:lnRef>
+          <a:fillRef idx="1">
+            <a:schemeClr val="accent1"/>
+          </a:fillRef>
+          <a:effectRef idx="0">
+            <a:schemeClr val="accent1"/>
+          </a:effectRef>
+          <a:fontRef idx="minor">
+            <a:schemeClr val="lt1"/>
+          </a:fontRef>
+        </p:style>
+        <p:txBody>
+          <a:bodyPr rtlCol="0" anchor="ctr"/>
+          <a:lstStyle/>
+          <a:p>
+            <a:pPr algn="ctr"/>
+            <a:endParaRPr lang="ko-KR" altLang="en-US"/>
+          </a:p>
+        </p:txBody>
+      </p:sp>
+      <p:sp>
+        <p:nvSpPr>
+          <p:cNvPr id="5" name="TextBox 4"/>
+          <p:cNvSpPr txBox="1"/>
+          <p:nvPr/>
+        </p:nvSpPr>
+        <p:spPr>
+          <a:xfrm>
+            <a:off x="635490" y="335487"/>
+            <a:ext cx="1776269" cy="400110"/>
+          </a:xfrm>
+          <a:prstGeom prst="rect">
+            <a:avLst/>
+          </a:prstGeom>
+          <a:noFill/>
+        </p:spPr>
+        <p:txBody>
+          <a:bodyPr wrap="square" rtlCol="0">
+            <a:spAutoFit/>
+          </a:bodyPr>
+          <a:lstStyle/>
+          <a:p>
+            <a:r>
+              <a:rPr lang="ko-KR" altLang="en-US" sz="2000">
+                <a:solidFill>
+                  <a:schemeClr val="tx1">
+                    <a:lumMod val="75000"/>
+                    <a:lumOff val="25000"/>
+                  </a:schemeClr>
+                </a:solidFill>
+                <a:latin typeface="Sandoll 고딕 03 Bold" pitchFamily="34" charset="-127"/>
+                <a:ea typeface="Sandoll 고딕 03 Bold" pitchFamily="34" charset="-127"/>
+              </a:rPr>
+              <a:t>현황 및 계획</a:t>
+            </a:r>
+            <a:endParaRPr lang="ko-KR" altLang="en-US" sz="2000" dirty="0">
+              <a:solidFill>
+                <a:schemeClr val="tx1">
+                  <a:lumMod val="75000"/>
+                  <a:lumOff val="25000"/>
+                </a:schemeClr>
+              </a:solidFill>
+              <a:latin typeface="Sandoll 고딕 03 Bold" pitchFamily="34" charset="-127"/>
+              <a:ea typeface="Sandoll 고딕 03 Bold" pitchFamily="34" charset="-127"/>
+            </a:endParaRPr>
+          </a:p>
+        </p:txBody>
+      </p:sp>
+      <p:cxnSp>
+        <p:nvCxnSpPr>
+          <p:cNvPr id="7" name="직선 연결선 6"/>
+          <p:cNvCxnSpPr/>
+          <p:nvPr/>
+        </p:nvCxnSpPr>
+        <p:spPr>
+          <a:xfrm>
+            <a:off x="251520" y="0"/>
+            <a:ext cx="0" cy="6858000"/>
+          </a:xfrm>
+          <a:prstGeom prst="line">
+            <a:avLst/>
+          </a:prstGeom>
+          <a:ln>
+            <a:solidFill>
+              <a:schemeClr val="bg1">
+                <a:lumMod val="65000"/>
+              </a:schemeClr>
+            </a:solidFill>
+            <a:prstDash val="sysDot"/>
+          </a:ln>
+        </p:spPr>
+        <p:style>
+          <a:lnRef idx="1">
+            <a:schemeClr val="accent1"/>
+          </a:lnRef>
+          <a:fillRef idx="0">
+            <a:schemeClr val="accent1"/>
+          </a:fillRef>
+          <a:effectRef idx="0">
+            <a:schemeClr val="accent1"/>
+          </a:effectRef>
+          <a:fontRef idx="minor">
+            <a:schemeClr val="tx1"/>
+          </a:fontRef>
+        </p:style>
+      </p:cxnSp>
+      <p:cxnSp>
+        <p:nvCxnSpPr>
+          <p:cNvPr id="8" name="직선 연결선 7"/>
+          <p:cNvCxnSpPr/>
+          <p:nvPr/>
+        </p:nvCxnSpPr>
+        <p:spPr>
+          <a:xfrm>
+            <a:off x="0" y="260648"/>
+            <a:ext cx="9144000" cy="0"/>
+          </a:xfrm>
+          <a:prstGeom prst="line">
+            <a:avLst/>
+          </a:prstGeom>
+          <a:ln>
+            <a:solidFill>
+              <a:schemeClr val="bg1">
+                <a:lumMod val="65000"/>
+              </a:schemeClr>
+            </a:solidFill>
+            <a:prstDash val="sysDot"/>
+          </a:ln>
+        </p:spPr>
+        <p:style>
+          <a:lnRef idx="1">
+            <a:schemeClr val="accent1"/>
+          </a:lnRef>
+          <a:fillRef idx="0">
+            <a:schemeClr val="accent1"/>
+          </a:fillRef>
+          <a:effectRef idx="0">
+            <a:schemeClr val="accent1"/>
+          </a:effectRef>
+          <a:fontRef idx="minor">
+            <a:schemeClr val="tx1"/>
+          </a:fontRef>
+        </p:style>
+      </p:cxnSp>
+      <p:grpSp>
+        <p:nvGrpSpPr>
+          <p:cNvPr id="9" name="그룹 8"/>
+          <p:cNvGrpSpPr/>
+          <p:nvPr/>
+        </p:nvGrpSpPr>
+        <p:grpSpPr>
+          <a:xfrm>
+            <a:off x="8371684" y="6351563"/>
+            <a:ext cx="772316" cy="491577"/>
+            <a:chOff x="4252314" y="1143866"/>
+            <a:chExt cx="772316" cy="491577"/>
+          </a:xfrm>
+        </p:grpSpPr>
+        <p:sp>
+          <p:nvSpPr>
+            <p:cNvPr id="10" name="직사각형 9"/>
+            <p:cNvSpPr/>
+            <p:nvPr/>
+          </p:nvSpPr>
+          <p:spPr>
+            <a:xfrm rot="599424">
+              <a:off x="4252314" y="1223935"/>
+              <a:ext cx="319686" cy="319686"/>
+            </a:xfrm>
+            <a:prstGeom prst="rect">
+              <a:avLst/>
+            </a:prstGeom>
+            <a:noFill/>
+            <a:ln w="9525">
+              <a:solidFill>
+                <a:schemeClr val="bg1">
+                  <a:lumMod val="65000"/>
+                </a:schemeClr>
+              </a:solidFill>
+            </a:ln>
+          </p:spPr>
+          <p:style>
+            <a:lnRef idx="2">
+              <a:schemeClr val="accent1">
+                <a:shade val="50000"/>
+              </a:schemeClr>
+            </a:lnRef>
+            <a:fillRef idx="1">
+              <a:schemeClr val="accent1"/>
+            </a:fillRef>
+            <a:effectRef idx="0">
+              <a:schemeClr val="accent1"/>
+            </a:effectRef>
+            <a:fontRef idx="minor">
+              <a:schemeClr val="lt1"/>
+            </a:fontRef>
+          </p:style>
+          <p:txBody>
+            <a:bodyPr rtlCol="0" anchor="ctr"/>
+            <a:lstStyle/>
+            <a:p>
+              <a:pPr algn="ctr"/>
+              <a:endParaRPr lang="ko-KR" altLang="en-US"/>
+            </a:p>
+          </p:txBody>
+        </p:sp>
+        <p:sp>
+          <p:nvSpPr>
+            <p:cNvPr id="11" name="직사각형 10"/>
+            <p:cNvSpPr/>
+            <p:nvPr/>
+          </p:nvSpPr>
+          <p:spPr>
+            <a:xfrm rot="1427337">
+              <a:off x="4556578" y="1143866"/>
+              <a:ext cx="468052" cy="468052"/>
+            </a:xfrm>
+            <a:prstGeom prst="rect">
+              <a:avLst/>
+            </a:prstGeom>
+            <a:noFill/>
+            <a:ln w="9525">
+              <a:solidFill>
+                <a:schemeClr val="bg1">
+                  <a:lumMod val="65000"/>
+                </a:schemeClr>
+              </a:solidFill>
+            </a:ln>
+          </p:spPr>
+          <p:style>
+            <a:lnRef idx="2">
+              <a:schemeClr val="accent1">
+                <a:shade val="50000"/>
+              </a:schemeClr>
+            </a:lnRef>
+            <a:fillRef idx="1">
+              <a:schemeClr val="accent1"/>
+            </a:fillRef>
+            <a:effectRef idx="0">
+              <a:schemeClr val="accent1"/>
+            </a:effectRef>
+            <a:fontRef idx="minor">
+              <a:schemeClr val="lt1"/>
+            </a:fontRef>
+          </p:style>
+          <p:txBody>
+            <a:bodyPr rtlCol="0" anchor="ctr"/>
+            <a:lstStyle/>
+            <a:p>
+              <a:pPr algn="ctr"/>
+              <a:endParaRPr lang="ko-KR" altLang="en-US"/>
+            </a:p>
+          </p:txBody>
+        </p:sp>
+        <p:sp>
+          <p:nvSpPr>
+            <p:cNvPr id="12" name="직사각형 11"/>
+            <p:cNvSpPr/>
+            <p:nvPr/>
+          </p:nvSpPr>
+          <p:spPr>
+            <a:xfrm rot="3783077">
+              <a:off x="4440058" y="1443568"/>
+              <a:ext cx="191875" cy="191875"/>
+            </a:xfrm>
+            <a:prstGeom prst="rect">
+              <a:avLst/>
+            </a:prstGeom>
+            <a:solidFill>
+              <a:schemeClr val="bg1">
+                <a:lumMod val="65000"/>
+              </a:schemeClr>
+            </a:solidFill>
+            <a:ln w="9525">
+              <a:solidFill>
+                <a:schemeClr val="bg1">
+                  <a:lumMod val="65000"/>
+                </a:schemeClr>
+              </a:solidFill>
+            </a:ln>
+          </p:spPr>
+          <p:style>
+            <a:lnRef idx="2">
+              <a:schemeClr val="accent1">
+                <a:shade val="50000"/>
+              </a:schemeClr>
+            </a:lnRef>
+            <a:fillRef idx="1">
+              <a:schemeClr val="accent1"/>
+            </a:fillRef>
+            <a:effectRef idx="0">
+              <a:schemeClr val="accent1"/>
+            </a:effectRef>
+            <a:fontRef idx="minor">
+              <a:schemeClr val="lt1"/>
+            </a:fontRef>
+          </p:style>
+          <p:txBody>
+            <a:bodyPr rtlCol="0" anchor="ctr"/>
+            <a:lstStyle/>
+            <a:p>
+              <a:pPr algn="ctr"/>
+              <a:endParaRPr lang="ko-KR" altLang="en-US"/>
+            </a:p>
+          </p:txBody>
+        </p:sp>
+      </p:grpSp>
+      <p:sp>
+        <p:nvSpPr>
           <p:cNvPr id="4163" name="TextBox 4162">
             <a:extLst>
               <a:ext uri="{FF2B5EF4-FFF2-40B4-BE49-F238E27FC236}">
@@ -23129,7 +27680,7 @@
 </p:sld>
 </file>
 
-<file path=ppt/slides/slide37.xml><?xml version="1.0" encoding="utf-8"?>
+<file path=ppt/slides/slide41.xml><?xml version="1.0" encoding="utf-8"?>
 <p:sld xmlns:a="http://schemas.openxmlformats.org/drawingml/2006/main" xmlns:r="http://schemas.openxmlformats.org/officeDocument/2006/relationships" xmlns:p="http://schemas.openxmlformats.org/presentationml/2006/main">
   <p:cSld>
     <p:spTree>
@@ -23514,981 +28065,6 @@
     <p:extLst>
       <p:ext uri="{BB962C8B-B14F-4D97-AF65-F5344CB8AC3E}">
         <p14:creationId xmlns:p14="http://schemas.microsoft.com/office/powerpoint/2010/main" val="717293422"/>
-      </p:ext>
-    </p:extLst>
-  </p:cSld>
-  <p:clrMapOvr>
-    <a:masterClrMapping/>
-  </p:clrMapOvr>
-</p:sld>
-</file>
-
-<file path=ppt/slides/slide4.xml><?xml version="1.0" encoding="utf-8"?>
-<p:sld xmlns:a="http://schemas.openxmlformats.org/drawingml/2006/main" xmlns:r="http://schemas.openxmlformats.org/officeDocument/2006/relationships" xmlns:p="http://schemas.openxmlformats.org/presentationml/2006/main">
-  <p:cSld>
-    <p:spTree>
-      <p:nvGrpSpPr>
-        <p:cNvPr id="1" name=""/>
-        <p:cNvGrpSpPr/>
-        <p:nvPr/>
-      </p:nvGrpSpPr>
-      <p:grpSpPr>
-        <a:xfrm>
-          <a:off x="0" y="0"/>
-          <a:ext cx="0" cy="0"/>
-          <a:chOff x="0" y="0"/>
-          <a:chExt cx="0" cy="0"/>
-        </a:xfrm>
-      </p:grpSpPr>
-      <p:sp>
-        <p:nvSpPr>
-          <p:cNvPr id="17" name="직사각형 16">
-            <a:extLst>
-              <a:ext uri="{FF2B5EF4-FFF2-40B4-BE49-F238E27FC236}">
-                <a16:creationId xmlns:a16="http://schemas.microsoft.com/office/drawing/2014/main" id="{10D800BA-0DDB-22C2-D79C-085B60B259B8}"/>
-              </a:ext>
-            </a:extLst>
-          </p:cNvPr>
-          <p:cNvSpPr/>
-          <p:nvPr/>
-        </p:nvSpPr>
-        <p:spPr>
-          <a:xfrm rot="20490163">
-            <a:off x="1703343" y="5953542"/>
-            <a:ext cx="382788" cy="421868"/>
-          </a:xfrm>
-          <a:prstGeom prst="rect">
-            <a:avLst/>
-          </a:prstGeom>
-          <a:solidFill>
-            <a:schemeClr val="bg1">
-              <a:lumMod val="95000"/>
-            </a:schemeClr>
-          </a:solidFill>
-          <a:ln w="3175">
-            <a:noFill/>
-          </a:ln>
-        </p:spPr>
-        <p:style>
-          <a:lnRef idx="2">
-            <a:schemeClr val="accent1">
-              <a:shade val="50000"/>
-            </a:schemeClr>
-          </a:lnRef>
-          <a:fillRef idx="1">
-            <a:schemeClr val="accent1"/>
-          </a:fillRef>
-          <a:effectRef idx="0">
-            <a:schemeClr val="accent1"/>
-          </a:effectRef>
-          <a:fontRef idx="minor">
-            <a:schemeClr val="lt1"/>
-          </a:fontRef>
-        </p:style>
-        <p:txBody>
-          <a:bodyPr rtlCol="0" anchor="ctr"/>
-          <a:lstStyle/>
-          <a:p>
-            <a:pPr algn="ctr"/>
-            <a:endParaRPr lang="ko-KR" altLang="en-US" dirty="0"/>
-          </a:p>
-        </p:txBody>
-      </p:sp>
-      <p:sp>
-        <p:nvSpPr>
-          <p:cNvPr id="15" name="직사각형 14">
-            <a:extLst>
-              <a:ext uri="{FF2B5EF4-FFF2-40B4-BE49-F238E27FC236}">
-                <a16:creationId xmlns:a16="http://schemas.microsoft.com/office/drawing/2014/main" id="{A3705E14-1E73-8134-150C-07631A8E11C5}"/>
-              </a:ext>
-            </a:extLst>
-          </p:cNvPr>
-          <p:cNvSpPr/>
-          <p:nvPr/>
-        </p:nvSpPr>
-        <p:spPr>
-          <a:xfrm rot="20490163">
-            <a:off x="1707952" y="4046717"/>
-            <a:ext cx="382788" cy="421868"/>
-          </a:xfrm>
-          <a:prstGeom prst="rect">
-            <a:avLst/>
-          </a:prstGeom>
-          <a:solidFill>
-            <a:schemeClr val="bg1">
-              <a:lumMod val="95000"/>
-            </a:schemeClr>
-          </a:solidFill>
-          <a:ln w="3175">
-            <a:noFill/>
-          </a:ln>
-        </p:spPr>
-        <p:style>
-          <a:lnRef idx="2">
-            <a:schemeClr val="accent1">
-              <a:shade val="50000"/>
-            </a:schemeClr>
-          </a:lnRef>
-          <a:fillRef idx="1">
-            <a:schemeClr val="accent1"/>
-          </a:fillRef>
-          <a:effectRef idx="0">
-            <a:schemeClr val="accent1"/>
-          </a:effectRef>
-          <a:fontRef idx="minor">
-            <a:schemeClr val="lt1"/>
-          </a:fontRef>
-        </p:style>
-        <p:txBody>
-          <a:bodyPr rtlCol="0" anchor="ctr"/>
-          <a:lstStyle/>
-          <a:p>
-            <a:pPr algn="ctr"/>
-            <a:endParaRPr lang="ko-KR" altLang="en-US" dirty="0"/>
-          </a:p>
-        </p:txBody>
-      </p:sp>
-      <p:sp>
-        <p:nvSpPr>
-          <p:cNvPr id="16" name="직사각형 15">
-            <a:extLst>
-              <a:ext uri="{FF2B5EF4-FFF2-40B4-BE49-F238E27FC236}">
-                <a16:creationId xmlns:a16="http://schemas.microsoft.com/office/drawing/2014/main" id="{94580FFC-4166-C7EF-8506-8153A9B395A6}"/>
-              </a:ext>
-            </a:extLst>
-          </p:cNvPr>
-          <p:cNvSpPr/>
-          <p:nvPr/>
-        </p:nvSpPr>
-        <p:spPr>
-          <a:xfrm rot="20490163">
-            <a:off x="1703342" y="4998917"/>
-            <a:ext cx="382788" cy="421868"/>
-          </a:xfrm>
-          <a:prstGeom prst="rect">
-            <a:avLst/>
-          </a:prstGeom>
-          <a:solidFill>
-            <a:schemeClr val="bg1">
-              <a:lumMod val="95000"/>
-            </a:schemeClr>
-          </a:solidFill>
-          <a:ln w="3175">
-            <a:noFill/>
-          </a:ln>
-        </p:spPr>
-        <p:style>
-          <a:lnRef idx="2">
-            <a:schemeClr val="accent1">
-              <a:shade val="50000"/>
-            </a:schemeClr>
-          </a:lnRef>
-          <a:fillRef idx="1">
-            <a:schemeClr val="accent1"/>
-          </a:fillRef>
-          <a:effectRef idx="0">
-            <a:schemeClr val="accent1"/>
-          </a:effectRef>
-          <a:fontRef idx="minor">
-            <a:schemeClr val="lt1"/>
-          </a:fontRef>
-        </p:style>
-        <p:txBody>
-          <a:bodyPr rtlCol="0" anchor="ctr"/>
-          <a:lstStyle/>
-          <a:p>
-            <a:pPr algn="ctr"/>
-            <a:endParaRPr lang="ko-KR" altLang="en-US" dirty="0"/>
-          </a:p>
-        </p:txBody>
-      </p:sp>
-      <p:sp>
-        <p:nvSpPr>
-          <p:cNvPr id="14" name="직사각형 13">
-            <a:extLst>
-              <a:ext uri="{FF2B5EF4-FFF2-40B4-BE49-F238E27FC236}">
-                <a16:creationId xmlns:a16="http://schemas.microsoft.com/office/drawing/2014/main" id="{863D5D88-3A4E-AB86-89EB-A887C56CE333}"/>
-              </a:ext>
-            </a:extLst>
-          </p:cNvPr>
-          <p:cNvSpPr/>
-          <p:nvPr/>
-        </p:nvSpPr>
-        <p:spPr>
-          <a:xfrm rot="20490163">
-            <a:off x="1703343" y="3094295"/>
-            <a:ext cx="382788" cy="421868"/>
-          </a:xfrm>
-          <a:prstGeom prst="rect">
-            <a:avLst/>
-          </a:prstGeom>
-          <a:solidFill>
-            <a:schemeClr val="bg1">
-              <a:lumMod val="95000"/>
-            </a:schemeClr>
-          </a:solidFill>
-          <a:ln w="3175">
-            <a:noFill/>
-          </a:ln>
-        </p:spPr>
-        <p:style>
-          <a:lnRef idx="2">
-            <a:schemeClr val="accent1">
-              <a:shade val="50000"/>
-            </a:schemeClr>
-          </a:lnRef>
-          <a:fillRef idx="1">
-            <a:schemeClr val="accent1"/>
-          </a:fillRef>
-          <a:effectRef idx="0">
-            <a:schemeClr val="accent1"/>
-          </a:effectRef>
-          <a:fontRef idx="minor">
-            <a:schemeClr val="lt1"/>
-          </a:fontRef>
-        </p:style>
-        <p:txBody>
-          <a:bodyPr rtlCol="0" anchor="ctr"/>
-          <a:lstStyle/>
-          <a:p>
-            <a:pPr algn="ctr"/>
-            <a:endParaRPr lang="ko-KR" altLang="en-US" dirty="0"/>
-          </a:p>
-        </p:txBody>
-      </p:sp>
-      <p:sp>
-        <p:nvSpPr>
-          <p:cNvPr id="13" name="직사각형 12">
-            <a:extLst>
-              <a:ext uri="{FF2B5EF4-FFF2-40B4-BE49-F238E27FC236}">
-                <a16:creationId xmlns:a16="http://schemas.microsoft.com/office/drawing/2014/main" id="{BCD83F7E-076A-4B9A-3714-A01C45724DC7}"/>
-              </a:ext>
-            </a:extLst>
-          </p:cNvPr>
-          <p:cNvSpPr/>
-          <p:nvPr/>
-        </p:nvSpPr>
-        <p:spPr>
-          <a:xfrm rot="20490163">
-            <a:off x="1703342" y="2141984"/>
-            <a:ext cx="382788" cy="421868"/>
-          </a:xfrm>
-          <a:prstGeom prst="rect">
-            <a:avLst/>
-          </a:prstGeom>
-          <a:solidFill>
-            <a:schemeClr val="bg1">
-              <a:lumMod val="95000"/>
-            </a:schemeClr>
-          </a:solidFill>
-          <a:ln w="3175">
-            <a:noFill/>
-          </a:ln>
-        </p:spPr>
-        <p:style>
-          <a:lnRef idx="2">
-            <a:schemeClr val="accent1">
-              <a:shade val="50000"/>
-            </a:schemeClr>
-          </a:lnRef>
-          <a:fillRef idx="1">
-            <a:schemeClr val="accent1"/>
-          </a:fillRef>
-          <a:effectRef idx="0">
-            <a:schemeClr val="accent1"/>
-          </a:effectRef>
-          <a:fontRef idx="minor">
-            <a:schemeClr val="lt1"/>
-          </a:fontRef>
-        </p:style>
-        <p:txBody>
-          <a:bodyPr rtlCol="0" anchor="ctr"/>
-          <a:lstStyle/>
-          <a:p>
-            <a:pPr algn="ctr"/>
-            <a:endParaRPr lang="ko-KR" altLang="en-US" dirty="0"/>
-          </a:p>
-        </p:txBody>
-      </p:sp>
-      <p:sp>
-        <p:nvSpPr>
-          <p:cNvPr id="3" name="직사각형 2">
-            <a:extLst>
-              <a:ext uri="{FF2B5EF4-FFF2-40B4-BE49-F238E27FC236}">
-                <a16:creationId xmlns:a16="http://schemas.microsoft.com/office/drawing/2014/main" id="{0B9D2513-2525-1501-DB31-21015ED95D99}"/>
-              </a:ext>
-            </a:extLst>
-          </p:cNvPr>
-          <p:cNvSpPr/>
-          <p:nvPr/>
-        </p:nvSpPr>
-        <p:spPr>
-          <a:xfrm rot="20490163">
-            <a:off x="1703342" y="1189673"/>
-            <a:ext cx="382788" cy="421868"/>
-          </a:xfrm>
-          <a:prstGeom prst="rect">
-            <a:avLst/>
-          </a:prstGeom>
-          <a:solidFill>
-            <a:schemeClr val="bg1">
-              <a:lumMod val="95000"/>
-            </a:schemeClr>
-          </a:solidFill>
-          <a:ln w="3175">
-            <a:noFill/>
-          </a:ln>
-        </p:spPr>
-        <p:style>
-          <a:lnRef idx="2">
-            <a:schemeClr val="accent1">
-              <a:shade val="50000"/>
-            </a:schemeClr>
-          </a:lnRef>
-          <a:fillRef idx="1">
-            <a:schemeClr val="accent1"/>
-          </a:fillRef>
-          <a:effectRef idx="0">
-            <a:schemeClr val="accent1"/>
-          </a:effectRef>
-          <a:fontRef idx="minor">
-            <a:schemeClr val="lt1"/>
-          </a:fontRef>
-        </p:style>
-        <p:txBody>
-          <a:bodyPr rtlCol="0" anchor="ctr"/>
-          <a:lstStyle/>
-          <a:p>
-            <a:pPr algn="ctr"/>
-            <a:endParaRPr lang="ko-KR" altLang="en-US" dirty="0"/>
-          </a:p>
-        </p:txBody>
-      </p:sp>
-      <p:sp>
-        <p:nvSpPr>
-          <p:cNvPr id="4" name="직사각형 3"/>
-          <p:cNvSpPr/>
-          <p:nvPr/>
-        </p:nvSpPr>
-        <p:spPr>
-          <a:xfrm>
-            <a:off x="370592" y="389855"/>
-            <a:ext cx="264898" cy="246221"/>
-          </a:xfrm>
-          <a:prstGeom prst="rect">
-            <a:avLst/>
-          </a:prstGeom>
-          <a:solidFill>
-            <a:schemeClr val="bg1">
-              <a:lumMod val="85000"/>
-            </a:schemeClr>
-          </a:solidFill>
-          <a:ln>
-            <a:noFill/>
-          </a:ln>
-        </p:spPr>
-        <p:style>
-          <a:lnRef idx="2">
-            <a:schemeClr val="accent1">
-              <a:shade val="50000"/>
-            </a:schemeClr>
-          </a:lnRef>
-          <a:fillRef idx="1">
-            <a:schemeClr val="accent1"/>
-          </a:fillRef>
-          <a:effectRef idx="0">
-            <a:schemeClr val="accent1"/>
-          </a:effectRef>
-          <a:fontRef idx="minor">
-            <a:schemeClr val="lt1"/>
-          </a:fontRef>
-        </p:style>
-        <p:txBody>
-          <a:bodyPr rtlCol="0" anchor="ctr"/>
-          <a:lstStyle/>
-          <a:p>
-            <a:pPr algn="ctr"/>
-            <a:endParaRPr lang="ko-KR" altLang="en-US"/>
-          </a:p>
-        </p:txBody>
-      </p:sp>
-      <p:sp>
-        <p:nvSpPr>
-          <p:cNvPr id="5" name="TextBox 4"/>
-          <p:cNvSpPr txBox="1"/>
-          <p:nvPr/>
-        </p:nvSpPr>
-        <p:spPr>
-          <a:xfrm>
-            <a:off x="635490" y="335487"/>
-            <a:ext cx="1488236" cy="400110"/>
-          </a:xfrm>
-          <a:prstGeom prst="rect">
-            <a:avLst/>
-          </a:prstGeom>
-          <a:noFill/>
-        </p:spPr>
-        <p:txBody>
-          <a:bodyPr wrap="square" rtlCol="0">
-            <a:spAutoFit/>
-          </a:bodyPr>
-          <a:lstStyle/>
-          <a:p>
-            <a:r>
-              <a:rPr lang="ko-KR" altLang="en-US" sz="2000" dirty="0">
-                <a:solidFill>
-                  <a:schemeClr val="tx1">
-                    <a:lumMod val="75000"/>
-                    <a:lumOff val="25000"/>
-                  </a:schemeClr>
-                </a:solidFill>
-                <a:latin typeface="Sandoll 고딕 03 Bold" pitchFamily="34" charset="-127"/>
-                <a:ea typeface="Sandoll 고딕 03 Bold" pitchFamily="34" charset="-127"/>
-              </a:rPr>
-              <a:t>개발 준비</a:t>
-            </a:r>
-          </a:p>
-        </p:txBody>
-      </p:sp>
-      <p:cxnSp>
-        <p:nvCxnSpPr>
-          <p:cNvPr id="7" name="직선 연결선 6"/>
-          <p:cNvCxnSpPr/>
-          <p:nvPr/>
-        </p:nvCxnSpPr>
-        <p:spPr>
-          <a:xfrm>
-            <a:off x="251520" y="0"/>
-            <a:ext cx="0" cy="6858000"/>
-          </a:xfrm>
-          <a:prstGeom prst="line">
-            <a:avLst/>
-          </a:prstGeom>
-          <a:ln>
-            <a:solidFill>
-              <a:schemeClr val="bg1">
-                <a:lumMod val="65000"/>
-              </a:schemeClr>
-            </a:solidFill>
-            <a:prstDash val="sysDot"/>
-          </a:ln>
-        </p:spPr>
-        <p:style>
-          <a:lnRef idx="1">
-            <a:schemeClr val="accent1"/>
-          </a:lnRef>
-          <a:fillRef idx="0">
-            <a:schemeClr val="accent1"/>
-          </a:fillRef>
-          <a:effectRef idx="0">
-            <a:schemeClr val="accent1"/>
-          </a:effectRef>
-          <a:fontRef idx="minor">
-            <a:schemeClr val="tx1"/>
-          </a:fontRef>
-        </p:style>
-      </p:cxnSp>
-      <p:cxnSp>
-        <p:nvCxnSpPr>
-          <p:cNvPr id="8" name="직선 연결선 7"/>
-          <p:cNvCxnSpPr/>
-          <p:nvPr/>
-        </p:nvCxnSpPr>
-        <p:spPr>
-          <a:xfrm>
-            <a:off x="0" y="260648"/>
-            <a:ext cx="9144000" cy="0"/>
-          </a:xfrm>
-          <a:prstGeom prst="line">
-            <a:avLst/>
-          </a:prstGeom>
-          <a:ln>
-            <a:solidFill>
-              <a:schemeClr val="bg1">
-                <a:lumMod val="65000"/>
-              </a:schemeClr>
-            </a:solidFill>
-            <a:prstDash val="sysDot"/>
-          </a:ln>
-        </p:spPr>
-        <p:style>
-          <a:lnRef idx="1">
-            <a:schemeClr val="accent1"/>
-          </a:lnRef>
-          <a:fillRef idx="0">
-            <a:schemeClr val="accent1"/>
-          </a:fillRef>
-          <a:effectRef idx="0">
-            <a:schemeClr val="accent1"/>
-          </a:effectRef>
-          <a:fontRef idx="minor">
-            <a:schemeClr val="tx1"/>
-          </a:fontRef>
-        </p:style>
-      </p:cxnSp>
-      <p:grpSp>
-        <p:nvGrpSpPr>
-          <p:cNvPr id="9" name="그룹 8"/>
-          <p:cNvGrpSpPr/>
-          <p:nvPr/>
-        </p:nvGrpSpPr>
-        <p:grpSpPr>
-          <a:xfrm>
-            <a:off x="8371684" y="6351563"/>
-            <a:ext cx="772316" cy="491577"/>
-            <a:chOff x="4252314" y="1143866"/>
-            <a:chExt cx="772316" cy="491577"/>
-          </a:xfrm>
-        </p:grpSpPr>
-        <p:sp>
-          <p:nvSpPr>
-            <p:cNvPr id="10" name="직사각형 9"/>
-            <p:cNvSpPr/>
-            <p:nvPr/>
-          </p:nvSpPr>
-          <p:spPr>
-            <a:xfrm rot="599424">
-              <a:off x="4252314" y="1223935"/>
-              <a:ext cx="319686" cy="319686"/>
-            </a:xfrm>
-            <a:prstGeom prst="rect">
-              <a:avLst/>
-            </a:prstGeom>
-            <a:noFill/>
-            <a:ln w="9525">
-              <a:solidFill>
-                <a:schemeClr val="bg1">
-                  <a:lumMod val="65000"/>
-                </a:schemeClr>
-              </a:solidFill>
-            </a:ln>
-          </p:spPr>
-          <p:style>
-            <a:lnRef idx="2">
-              <a:schemeClr val="accent1">
-                <a:shade val="50000"/>
-              </a:schemeClr>
-            </a:lnRef>
-            <a:fillRef idx="1">
-              <a:schemeClr val="accent1"/>
-            </a:fillRef>
-            <a:effectRef idx="0">
-              <a:schemeClr val="accent1"/>
-            </a:effectRef>
-            <a:fontRef idx="minor">
-              <a:schemeClr val="lt1"/>
-            </a:fontRef>
-          </p:style>
-          <p:txBody>
-            <a:bodyPr rtlCol="0" anchor="ctr"/>
-            <a:lstStyle/>
-            <a:p>
-              <a:pPr algn="ctr"/>
-              <a:endParaRPr lang="ko-KR" altLang="en-US"/>
-            </a:p>
-          </p:txBody>
-        </p:sp>
-        <p:sp>
-          <p:nvSpPr>
-            <p:cNvPr id="11" name="직사각형 10"/>
-            <p:cNvSpPr/>
-            <p:nvPr/>
-          </p:nvSpPr>
-          <p:spPr>
-            <a:xfrm rot="1427337">
-              <a:off x="4556578" y="1143866"/>
-              <a:ext cx="468052" cy="468052"/>
-            </a:xfrm>
-            <a:prstGeom prst="rect">
-              <a:avLst/>
-            </a:prstGeom>
-            <a:noFill/>
-            <a:ln w="9525">
-              <a:solidFill>
-                <a:schemeClr val="bg1">
-                  <a:lumMod val="65000"/>
-                </a:schemeClr>
-              </a:solidFill>
-            </a:ln>
-          </p:spPr>
-          <p:style>
-            <a:lnRef idx="2">
-              <a:schemeClr val="accent1">
-                <a:shade val="50000"/>
-              </a:schemeClr>
-            </a:lnRef>
-            <a:fillRef idx="1">
-              <a:schemeClr val="accent1"/>
-            </a:fillRef>
-            <a:effectRef idx="0">
-              <a:schemeClr val="accent1"/>
-            </a:effectRef>
-            <a:fontRef idx="minor">
-              <a:schemeClr val="lt1"/>
-            </a:fontRef>
-          </p:style>
-          <p:txBody>
-            <a:bodyPr rtlCol="0" anchor="ctr"/>
-            <a:lstStyle/>
-            <a:p>
-              <a:pPr algn="ctr"/>
-              <a:endParaRPr lang="ko-KR" altLang="en-US"/>
-            </a:p>
-          </p:txBody>
-        </p:sp>
-        <p:sp>
-          <p:nvSpPr>
-            <p:cNvPr id="12" name="직사각형 11"/>
-            <p:cNvSpPr/>
-            <p:nvPr/>
-          </p:nvSpPr>
-          <p:spPr>
-            <a:xfrm rot="3783077">
-              <a:off x="4440058" y="1443568"/>
-              <a:ext cx="191875" cy="191875"/>
-            </a:xfrm>
-            <a:prstGeom prst="rect">
-              <a:avLst/>
-            </a:prstGeom>
-            <a:solidFill>
-              <a:schemeClr val="bg1">
-                <a:lumMod val="65000"/>
-              </a:schemeClr>
-            </a:solidFill>
-            <a:ln w="9525">
-              <a:solidFill>
-                <a:schemeClr val="bg1">
-                  <a:lumMod val="65000"/>
-                </a:schemeClr>
-              </a:solidFill>
-            </a:ln>
-          </p:spPr>
-          <p:style>
-            <a:lnRef idx="2">
-              <a:schemeClr val="accent1">
-                <a:shade val="50000"/>
-              </a:schemeClr>
-            </a:lnRef>
-            <a:fillRef idx="1">
-              <a:schemeClr val="accent1"/>
-            </a:fillRef>
-            <a:effectRef idx="0">
-              <a:schemeClr val="accent1"/>
-            </a:effectRef>
-            <a:fontRef idx="minor">
-              <a:schemeClr val="lt1"/>
-            </a:fontRef>
-          </p:style>
-          <p:txBody>
-            <a:bodyPr rtlCol="0" anchor="ctr"/>
-            <a:lstStyle/>
-            <a:p>
-              <a:pPr algn="ctr"/>
-              <a:endParaRPr lang="ko-KR" altLang="en-US"/>
-            </a:p>
-          </p:txBody>
-        </p:sp>
-      </p:grpSp>
-      <p:sp>
-        <p:nvSpPr>
-          <p:cNvPr id="2" name="TextBox 1">
-            <a:extLst>
-              <a:ext uri="{FF2B5EF4-FFF2-40B4-BE49-F238E27FC236}">
-                <a16:creationId xmlns:a16="http://schemas.microsoft.com/office/drawing/2014/main" id="{A70262A0-FEE2-7285-419F-84C165D09D53}"/>
-              </a:ext>
-            </a:extLst>
-          </p:cNvPr>
-          <p:cNvSpPr txBox="1"/>
-          <p:nvPr/>
-        </p:nvSpPr>
-        <p:spPr>
-          <a:xfrm>
-            <a:off x="1763688" y="1025180"/>
-            <a:ext cx="8061880" cy="5422446"/>
-          </a:xfrm>
-          <a:prstGeom prst="rect">
-            <a:avLst/>
-          </a:prstGeom>
-          <a:noFill/>
-        </p:spPr>
-        <p:txBody>
-          <a:bodyPr wrap="square" rtlCol="0">
-            <a:spAutoFit/>
-          </a:bodyPr>
-          <a:lstStyle/>
-          <a:p>
-            <a:pPr>
-              <a:lnSpc>
-                <a:spcPct val="150000"/>
-              </a:lnSpc>
-            </a:pPr>
-            <a:r>
-              <a:rPr lang="en-US" altLang="ko-KR" sz="2400" dirty="0"/>
-              <a:t>1</a:t>
-            </a:r>
-            <a:r>
-              <a:rPr lang="en-US" altLang="ko-KR" dirty="0"/>
-              <a:t>    </a:t>
-            </a:r>
-            <a:r>
-              <a:rPr lang="ko-KR" altLang="en-US" b="1" dirty="0"/>
-              <a:t>게임 제작</a:t>
-            </a:r>
-            <a:r>
-              <a:rPr lang="ko-KR" altLang="en-US" dirty="0"/>
-              <a:t>에 대한 전반적인 흐름 이해</a:t>
-            </a:r>
-            <a:endParaRPr lang="en-US" altLang="ko-KR" dirty="0"/>
-          </a:p>
-          <a:p>
-            <a:pPr>
-              <a:lnSpc>
-                <a:spcPct val="150000"/>
-              </a:lnSpc>
-            </a:pPr>
-            <a:endParaRPr lang="en-US" altLang="ko-KR" dirty="0"/>
-          </a:p>
-          <a:p>
-            <a:pPr>
-              <a:lnSpc>
-                <a:spcPct val="150000"/>
-              </a:lnSpc>
-            </a:pPr>
-            <a:r>
-              <a:rPr lang="en-US" altLang="ko-KR" sz="2400" dirty="0"/>
-              <a:t>2</a:t>
-            </a:r>
-            <a:r>
-              <a:rPr lang="en-US" altLang="ko-KR" dirty="0"/>
-              <a:t>    </a:t>
-            </a:r>
-            <a:r>
-              <a:rPr lang="ko-KR" altLang="en-US" dirty="0"/>
-              <a:t>다른 사람이 봐도 </a:t>
-            </a:r>
-            <a:r>
-              <a:rPr lang="ko-KR" altLang="en-US" b="1" dirty="0"/>
-              <a:t>이해하기 쉬운 코드 </a:t>
-            </a:r>
-            <a:r>
-              <a:rPr lang="ko-KR" altLang="en-US" dirty="0"/>
-              <a:t>작성 요령 습득</a:t>
-            </a:r>
-            <a:endParaRPr lang="en-US" altLang="ko-KR" dirty="0"/>
-          </a:p>
-          <a:p>
-            <a:pPr>
-              <a:lnSpc>
-                <a:spcPct val="150000"/>
-              </a:lnSpc>
-            </a:pPr>
-            <a:endParaRPr lang="en-US" altLang="ko-KR" dirty="0"/>
-          </a:p>
-          <a:p>
-            <a:pPr>
-              <a:lnSpc>
-                <a:spcPct val="150000"/>
-              </a:lnSpc>
-            </a:pPr>
-            <a:r>
-              <a:rPr lang="en-US" altLang="ko-KR" sz="2400" dirty="0"/>
-              <a:t>3</a:t>
-            </a:r>
-            <a:r>
-              <a:rPr lang="en-US" altLang="ko-KR" dirty="0"/>
-              <a:t>    </a:t>
-            </a:r>
-            <a:r>
-              <a:rPr lang="en-US" altLang="ko-KR" b="1" dirty="0"/>
-              <a:t>DirectX 12 </a:t>
-            </a:r>
-            <a:r>
-              <a:rPr lang="ko-KR" altLang="en-US" dirty="0"/>
-              <a:t>환경의 이해</a:t>
-            </a:r>
-            <a:r>
-              <a:rPr lang="en-US" altLang="ko-KR" dirty="0"/>
-              <a:t> </a:t>
-            </a:r>
-            <a:r>
-              <a:rPr lang="ko-KR" altLang="en-US" dirty="0"/>
-              <a:t>및 화려한 게임 제작</a:t>
-            </a:r>
-            <a:endParaRPr lang="en-US" altLang="ko-KR" dirty="0"/>
-          </a:p>
-          <a:p>
-            <a:pPr>
-              <a:lnSpc>
-                <a:spcPct val="150000"/>
-              </a:lnSpc>
-            </a:pPr>
-            <a:endParaRPr lang="en-US" altLang="ko-KR" dirty="0"/>
-          </a:p>
-          <a:p>
-            <a:pPr>
-              <a:lnSpc>
-                <a:spcPct val="150000"/>
-              </a:lnSpc>
-            </a:pPr>
-            <a:r>
-              <a:rPr lang="en-US" altLang="ko-KR" sz="2400" dirty="0"/>
-              <a:t>4</a:t>
-            </a:r>
-            <a:r>
-              <a:rPr lang="en-US" altLang="ko-KR" dirty="0"/>
-              <a:t>    </a:t>
-            </a:r>
-            <a:r>
-              <a:rPr lang="en-US" altLang="ko-KR" b="1" dirty="0"/>
-              <a:t>IOCP</a:t>
-            </a:r>
-            <a:r>
-              <a:rPr lang="en-US" altLang="ko-KR" dirty="0"/>
-              <a:t> </a:t>
-            </a:r>
-            <a:r>
-              <a:rPr lang="ko-KR" altLang="en-US" dirty="0"/>
-              <a:t>서버 환경에 대한 이해</a:t>
-            </a:r>
-            <a:endParaRPr lang="en-US" altLang="ko-KR" dirty="0"/>
-          </a:p>
-          <a:p>
-            <a:pPr>
-              <a:lnSpc>
-                <a:spcPct val="150000"/>
-              </a:lnSpc>
-            </a:pPr>
-            <a:endParaRPr lang="en-US" altLang="ko-KR" dirty="0"/>
-          </a:p>
-          <a:p>
-            <a:pPr>
-              <a:lnSpc>
-                <a:spcPct val="150000"/>
-              </a:lnSpc>
-            </a:pPr>
-            <a:r>
-              <a:rPr lang="en-US" altLang="ko-KR" sz="2400" dirty="0"/>
-              <a:t>5</a:t>
-            </a:r>
-            <a:r>
-              <a:rPr lang="en-US" altLang="ko-KR" dirty="0"/>
-              <a:t>    </a:t>
-            </a:r>
-            <a:r>
-              <a:rPr lang="ko-KR" altLang="en-US" dirty="0"/>
-              <a:t>게임에 </a:t>
-            </a:r>
-            <a:r>
-              <a:rPr lang="ko-KR" altLang="en-US" b="1" dirty="0"/>
-              <a:t>다양한 네트워크</a:t>
-            </a:r>
-            <a:r>
-              <a:rPr lang="ko-KR" altLang="en-US" dirty="0"/>
-              <a:t>를 접목시키는 방식 경험</a:t>
-            </a:r>
-            <a:endParaRPr lang="en-US" altLang="ko-KR" dirty="0"/>
-          </a:p>
-          <a:p>
-            <a:pPr>
-              <a:lnSpc>
-                <a:spcPct val="150000"/>
-              </a:lnSpc>
-            </a:pPr>
-            <a:endParaRPr lang="en-US" altLang="ko-KR" dirty="0"/>
-          </a:p>
-          <a:p>
-            <a:pPr>
-              <a:lnSpc>
-                <a:spcPct val="150000"/>
-              </a:lnSpc>
-            </a:pPr>
-            <a:r>
-              <a:rPr lang="en-US" altLang="ko-KR" sz="2400" dirty="0"/>
-              <a:t>6</a:t>
-            </a:r>
-            <a:r>
-              <a:rPr lang="en-US" altLang="ko-KR" dirty="0"/>
-              <a:t>    </a:t>
-            </a:r>
-            <a:r>
-              <a:rPr lang="en-US" altLang="ko-KR" b="1" dirty="0"/>
-              <a:t>GIT</a:t>
-            </a:r>
-            <a:r>
-              <a:rPr lang="ko-KR" altLang="en-US" dirty="0"/>
-              <a:t>을 이용한 </a:t>
-            </a:r>
-            <a:r>
-              <a:rPr lang="ko-KR" altLang="en-US" b="1" dirty="0"/>
-              <a:t>협업능력</a:t>
-            </a:r>
-            <a:r>
-              <a:rPr lang="ko-KR" altLang="en-US" dirty="0"/>
-              <a:t> 향상</a:t>
-            </a:r>
-            <a:endParaRPr lang="en-US" altLang="ko-KR" dirty="0"/>
-          </a:p>
-        </p:txBody>
-      </p:sp>
-      <p:sp>
-        <p:nvSpPr>
-          <p:cNvPr id="6" name="TextBox 5">
-            <a:extLst>
-              <a:ext uri="{FF2B5EF4-FFF2-40B4-BE49-F238E27FC236}">
-                <a16:creationId xmlns:a16="http://schemas.microsoft.com/office/drawing/2014/main" id="{C0397F37-A0EF-62DE-22EA-F082A53E380B}"/>
-              </a:ext>
-            </a:extLst>
-          </p:cNvPr>
-          <p:cNvSpPr txBox="1"/>
-          <p:nvPr/>
-        </p:nvSpPr>
-        <p:spPr>
-          <a:xfrm>
-            <a:off x="1835696" y="366265"/>
-            <a:ext cx="2232248" cy="338554"/>
-          </a:xfrm>
-          <a:prstGeom prst="rect">
-            <a:avLst/>
-          </a:prstGeom>
-          <a:noFill/>
-        </p:spPr>
-        <p:txBody>
-          <a:bodyPr wrap="square" rtlCol="0">
-            <a:spAutoFit/>
-          </a:bodyPr>
-          <a:lstStyle/>
-          <a:p>
-            <a:r>
-              <a:rPr lang="en-US" altLang="ko-KR" sz="1600" dirty="0">
-                <a:solidFill>
-                  <a:schemeClr val="bg1">
-                    <a:lumMod val="50000"/>
-                  </a:schemeClr>
-                </a:solidFill>
-                <a:latin typeface="Sandoll 고딕 02 Medium" pitchFamily="34" charset="-127"/>
-                <a:ea typeface="Sandoll 고딕 02 Medium" pitchFamily="34" charset="-127"/>
-              </a:rPr>
-              <a:t>1) </a:t>
-            </a:r>
-            <a:r>
-              <a:rPr lang="ko-KR" altLang="en-US" sz="1600" dirty="0">
-                <a:solidFill>
-                  <a:schemeClr val="bg1">
-                    <a:lumMod val="50000"/>
-                  </a:schemeClr>
-                </a:solidFill>
-                <a:latin typeface="Sandoll 고딕 02 Medium" pitchFamily="34" charset="-127"/>
-                <a:ea typeface="Sandoll 고딕 02 Medium" pitchFamily="34" charset="-127"/>
-              </a:rPr>
-              <a:t>연구 목적</a:t>
-            </a:r>
-          </a:p>
-        </p:txBody>
-      </p:sp>
-    </p:spTree>
-    <p:extLst>
-      <p:ext uri="{BB962C8B-B14F-4D97-AF65-F5344CB8AC3E}">
-        <p14:creationId xmlns:p14="http://schemas.microsoft.com/office/powerpoint/2010/main" val="56458010"/>
       </p:ext>
     </p:extLst>
   </p:cSld>

--- a/Document/ppt.pptx
+++ b/Document/ppt.pptx
@@ -248,7 +248,7 @@
           <a:p>
             <a:fld id="{24AFCB65-A6C1-492A-97A5-60611BA2BCDD}" type="datetimeFigureOut">
               <a:rPr lang="ko-KR" altLang="en-US" smtClean="0"/>
-              <a:t>2022-12-07</a:t>
+              <a:t>2022-12-08</a:t>
             </a:fld>
             <a:endParaRPr lang="ko-KR" altLang="en-US"/>
           </a:p>
@@ -778,7 +778,7 @@
           <a:p>
             <a:fld id="{F92C1CC1-FDD2-4E89-93AF-4550721CFBBA}" type="datetimeFigureOut">
               <a:rPr lang="ko-KR" altLang="en-US" smtClean="0"/>
-              <a:t>2022-12-07</a:t>
+              <a:t>2022-12-08</a:t>
             </a:fld>
             <a:endParaRPr lang="ko-KR" altLang="en-US"/>
           </a:p>
@@ -946,7 +946,7 @@
           <a:p>
             <a:fld id="{F92C1CC1-FDD2-4E89-93AF-4550721CFBBA}" type="datetimeFigureOut">
               <a:rPr lang="ko-KR" altLang="en-US" smtClean="0"/>
-              <a:t>2022-12-07</a:t>
+              <a:t>2022-12-08</a:t>
             </a:fld>
             <a:endParaRPr lang="ko-KR" altLang="en-US"/>
           </a:p>
@@ -1124,7 +1124,7 @@
           <a:p>
             <a:fld id="{F92C1CC1-FDD2-4E89-93AF-4550721CFBBA}" type="datetimeFigureOut">
               <a:rPr lang="ko-KR" altLang="en-US" smtClean="0"/>
-              <a:t>2022-12-07</a:t>
+              <a:t>2022-12-08</a:t>
             </a:fld>
             <a:endParaRPr lang="ko-KR" altLang="en-US"/>
           </a:p>
@@ -1292,7 +1292,7 @@
           <a:p>
             <a:fld id="{F92C1CC1-FDD2-4E89-93AF-4550721CFBBA}" type="datetimeFigureOut">
               <a:rPr lang="ko-KR" altLang="en-US" smtClean="0"/>
-              <a:t>2022-12-07</a:t>
+              <a:t>2022-12-08</a:t>
             </a:fld>
             <a:endParaRPr lang="ko-KR" altLang="en-US"/>
           </a:p>
@@ -1537,7 +1537,7 @@
           <a:p>
             <a:fld id="{F92C1CC1-FDD2-4E89-93AF-4550721CFBBA}" type="datetimeFigureOut">
               <a:rPr lang="ko-KR" altLang="en-US" smtClean="0"/>
-              <a:t>2022-12-07</a:t>
+              <a:t>2022-12-08</a:t>
             </a:fld>
             <a:endParaRPr lang="ko-KR" altLang="en-US"/>
           </a:p>
@@ -1822,7 +1822,7 @@
           <a:p>
             <a:fld id="{F92C1CC1-FDD2-4E89-93AF-4550721CFBBA}" type="datetimeFigureOut">
               <a:rPr lang="ko-KR" altLang="en-US" smtClean="0"/>
-              <a:t>2022-12-07</a:t>
+              <a:t>2022-12-08</a:t>
             </a:fld>
             <a:endParaRPr lang="ko-KR" altLang="en-US"/>
           </a:p>
@@ -2241,7 +2241,7 @@
           <a:p>
             <a:fld id="{F92C1CC1-FDD2-4E89-93AF-4550721CFBBA}" type="datetimeFigureOut">
               <a:rPr lang="ko-KR" altLang="en-US" smtClean="0"/>
-              <a:t>2022-12-07</a:t>
+              <a:t>2022-12-08</a:t>
             </a:fld>
             <a:endParaRPr lang="ko-KR" altLang="en-US"/>
           </a:p>
@@ -2358,7 +2358,7 @@
           <a:p>
             <a:fld id="{F92C1CC1-FDD2-4E89-93AF-4550721CFBBA}" type="datetimeFigureOut">
               <a:rPr lang="ko-KR" altLang="en-US" smtClean="0"/>
-              <a:t>2022-12-07</a:t>
+              <a:t>2022-12-08</a:t>
             </a:fld>
             <a:endParaRPr lang="ko-KR" altLang="en-US"/>
           </a:p>
@@ -2453,7 +2453,7 @@
           <a:p>
             <a:fld id="{F92C1CC1-FDD2-4E89-93AF-4550721CFBBA}" type="datetimeFigureOut">
               <a:rPr lang="ko-KR" altLang="en-US" smtClean="0"/>
-              <a:t>2022-12-07</a:t>
+              <a:t>2022-12-08</a:t>
             </a:fld>
             <a:endParaRPr lang="ko-KR" altLang="en-US"/>
           </a:p>
@@ -2728,7 +2728,7 @@
           <a:p>
             <a:fld id="{F92C1CC1-FDD2-4E89-93AF-4550721CFBBA}" type="datetimeFigureOut">
               <a:rPr lang="ko-KR" altLang="en-US" smtClean="0"/>
-              <a:t>2022-12-07</a:t>
+              <a:t>2022-12-08</a:t>
             </a:fld>
             <a:endParaRPr lang="ko-KR" altLang="en-US"/>
           </a:p>
@@ -2980,7 +2980,7 @@
           <a:p>
             <a:fld id="{F92C1CC1-FDD2-4E89-93AF-4550721CFBBA}" type="datetimeFigureOut">
               <a:rPr lang="ko-KR" altLang="en-US" smtClean="0"/>
-              <a:t>2022-12-07</a:t>
+              <a:t>2022-12-08</a:t>
             </a:fld>
             <a:endParaRPr lang="ko-KR" altLang="en-US"/>
           </a:p>
@@ -3191,7 +3191,7 @@
           <a:p>
             <a:fld id="{F92C1CC1-FDD2-4E89-93AF-4550721CFBBA}" type="datetimeFigureOut">
               <a:rPr lang="ko-KR" altLang="en-US" smtClean="0"/>
-              <a:t>2022-12-07</a:t>
+              <a:t>2022-12-08</a:t>
             </a:fld>
             <a:endParaRPr lang="ko-KR" altLang="en-US"/>
           </a:p>
@@ -7365,8 +7365,8 @@
         </p:blipFill>
         <p:spPr>
           <a:xfrm>
-            <a:off x="4740089" y="1508228"/>
-            <a:ext cx="4176000" cy="2880000"/>
+            <a:off x="4855888" y="1508228"/>
+            <a:ext cx="3960000" cy="2880000"/>
           </a:xfrm>
           <a:prstGeom prst="rect">
             <a:avLst/>

--- a/Document/ppt.pptx
+++ b/Document/ppt.pptx
@@ -5,7 +5,7 @@
     <p:sldMasterId id="2147483648" r:id="rId1"/>
   </p:sldMasterIdLst>
   <p:notesMasterIdLst>
-    <p:notesMasterId r:id="rId25"/>
+    <p:notesMasterId r:id="rId23"/>
   </p:notesMasterIdLst>
   <p:sldIdLst>
     <p:sldId id="256" r:id="rId2"/>
@@ -20,17 +20,15 @@
     <p:sldId id="309" r:id="rId11"/>
     <p:sldId id="289" r:id="rId12"/>
     <p:sldId id="290" r:id="rId13"/>
-    <p:sldId id="291" r:id="rId14"/>
-    <p:sldId id="304" r:id="rId15"/>
-    <p:sldId id="305" r:id="rId16"/>
-    <p:sldId id="286" r:id="rId17"/>
-    <p:sldId id="288" r:id="rId18"/>
-    <p:sldId id="294" r:id="rId19"/>
-    <p:sldId id="296" r:id="rId20"/>
-    <p:sldId id="297" r:id="rId21"/>
-    <p:sldId id="299" r:id="rId22"/>
-    <p:sldId id="300" r:id="rId23"/>
-    <p:sldId id="266" r:id="rId24"/>
+    <p:sldId id="304" r:id="rId14"/>
+    <p:sldId id="286" r:id="rId15"/>
+    <p:sldId id="288" r:id="rId16"/>
+    <p:sldId id="294" r:id="rId17"/>
+    <p:sldId id="296" r:id="rId18"/>
+    <p:sldId id="297" r:id="rId19"/>
+    <p:sldId id="299" r:id="rId20"/>
+    <p:sldId id="300" r:id="rId21"/>
+    <p:sldId id="266" r:id="rId22"/>
   </p:sldIdLst>
   <p:sldSz cx="9144000" cy="6858000" type="screen4x3"/>
   <p:notesSz cx="6858000" cy="9144000"/>
@@ -230,7 +228,7 @@
           <a:p>
             <a:fld id="{24AFCB65-A6C1-492A-97A5-60611BA2BCDD}" type="datetimeFigureOut">
               <a:rPr lang="ko-KR" altLang="en-US" smtClean="0"/>
-              <a:t>2022-12-08</a:t>
+              <a:t>2022-12-09</a:t>
             </a:fld>
             <a:endParaRPr lang="ko-KR" altLang="en-US"/>
           </a:p>
@@ -760,7 +758,7 @@
           <a:p>
             <a:fld id="{F92C1CC1-FDD2-4E89-93AF-4550721CFBBA}" type="datetimeFigureOut">
               <a:rPr lang="ko-KR" altLang="en-US" smtClean="0"/>
-              <a:t>2022-12-08</a:t>
+              <a:t>2022-12-09</a:t>
             </a:fld>
             <a:endParaRPr lang="ko-KR" altLang="en-US"/>
           </a:p>
@@ -928,7 +926,7 @@
           <a:p>
             <a:fld id="{F92C1CC1-FDD2-4E89-93AF-4550721CFBBA}" type="datetimeFigureOut">
               <a:rPr lang="ko-KR" altLang="en-US" smtClean="0"/>
-              <a:t>2022-12-08</a:t>
+              <a:t>2022-12-09</a:t>
             </a:fld>
             <a:endParaRPr lang="ko-KR" altLang="en-US"/>
           </a:p>
@@ -1106,7 +1104,7 @@
           <a:p>
             <a:fld id="{F92C1CC1-FDD2-4E89-93AF-4550721CFBBA}" type="datetimeFigureOut">
               <a:rPr lang="ko-KR" altLang="en-US" smtClean="0"/>
-              <a:t>2022-12-08</a:t>
+              <a:t>2022-12-09</a:t>
             </a:fld>
             <a:endParaRPr lang="ko-KR" altLang="en-US"/>
           </a:p>
@@ -1274,7 +1272,7 @@
           <a:p>
             <a:fld id="{F92C1CC1-FDD2-4E89-93AF-4550721CFBBA}" type="datetimeFigureOut">
               <a:rPr lang="ko-KR" altLang="en-US" smtClean="0"/>
-              <a:t>2022-12-08</a:t>
+              <a:t>2022-12-09</a:t>
             </a:fld>
             <a:endParaRPr lang="ko-KR" altLang="en-US"/>
           </a:p>
@@ -1519,7 +1517,7 @@
           <a:p>
             <a:fld id="{F92C1CC1-FDD2-4E89-93AF-4550721CFBBA}" type="datetimeFigureOut">
               <a:rPr lang="ko-KR" altLang="en-US" smtClean="0"/>
-              <a:t>2022-12-08</a:t>
+              <a:t>2022-12-09</a:t>
             </a:fld>
             <a:endParaRPr lang="ko-KR" altLang="en-US"/>
           </a:p>
@@ -1804,7 +1802,7 @@
           <a:p>
             <a:fld id="{F92C1CC1-FDD2-4E89-93AF-4550721CFBBA}" type="datetimeFigureOut">
               <a:rPr lang="ko-KR" altLang="en-US" smtClean="0"/>
-              <a:t>2022-12-08</a:t>
+              <a:t>2022-12-09</a:t>
             </a:fld>
             <a:endParaRPr lang="ko-KR" altLang="en-US"/>
           </a:p>
@@ -2223,7 +2221,7 @@
           <a:p>
             <a:fld id="{F92C1CC1-FDD2-4E89-93AF-4550721CFBBA}" type="datetimeFigureOut">
               <a:rPr lang="ko-KR" altLang="en-US" smtClean="0"/>
-              <a:t>2022-12-08</a:t>
+              <a:t>2022-12-09</a:t>
             </a:fld>
             <a:endParaRPr lang="ko-KR" altLang="en-US"/>
           </a:p>
@@ -2340,7 +2338,7 @@
           <a:p>
             <a:fld id="{F92C1CC1-FDD2-4E89-93AF-4550721CFBBA}" type="datetimeFigureOut">
               <a:rPr lang="ko-KR" altLang="en-US" smtClean="0"/>
-              <a:t>2022-12-08</a:t>
+              <a:t>2022-12-09</a:t>
             </a:fld>
             <a:endParaRPr lang="ko-KR" altLang="en-US"/>
           </a:p>
@@ -2435,7 +2433,7 @@
           <a:p>
             <a:fld id="{F92C1CC1-FDD2-4E89-93AF-4550721CFBBA}" type="datetimeFigureOut">
               <a:rPr lang="ko-KR" altLang="en-US" smtClean="0"/>
-              <a:t>2022-12-08</a:t>
+              <a:t>2022-12-09</a:t>
             </a:fld>
             <a:endParaRPr lang="ko-KR" altLang="en-US"/>
           </a:p>
@@ -2710,7 +2708,7 @@
           <a:p>
             <a:fld id="{F92C1CC1-FDD2-4E89-93AF-4550721CFBBA}" type="datetimeFigureOut">
               <a:rPr lang="ko-KR" altLang="en-US" smtClean="0"/>
-              <a:t>2022-12-08</a:t>
+              <a:t>2022-12-09</a:t>
             </a:fld>
             <a:endParaRPr lang="ko-KR" altLang="en-US"/>
           </a:p>
@@ -2962,7 +2960,7 @@
           <a:p>
             <a:fld id="{F92C1CC1-FDD2-4E89-93AF-4550721CFBBA}" type="datetimeFigureOut">
               <a:rPr lang="ko-KR" altLang="en-US" smtClean="0"/>
-              <a:t>2022-12-08</a:t>
+              <a:t>2022-12-09</a:t>
             </a:fld>
             <a:endParaRPr lang="ko-KR" altLang="en-US"/>
           </a:p>
@@ -3173,7 +3171,7 @@
           <a:p>
             <a:fld id="{F92C1CC1-FDD2-4E89-93AF-4550721CFBBA}" type="datetimeFigureOut">
               <a:rPr lang="ko-KR" altLang="en-US" smtClean="0"/>
-              <a:t>2022-12-08</a:t>
+              <a:t>2022-12-09</a:t>
             </a:fld>
             <a:endParaRPr lang="ko-KR" altLang="en-US"/>
           </a:p>
@@ -5969,562 +5967,6 @@
                 <a:latin typeface="Sandoll 고딕 02 Medium" pitchFamily="34" charset="-127"/>
                 <a:ea typeface="Sandoll 고딕 02 Medium" pitchFamily="34" charset="-127"/>
               </a:rPr>
-              <a:t>3) </a:t>
-            </a:r>
-            <a:r>
-              <a:rPr lang="ko-KR" altLang="en-US" sz="1600" dirty="0">
-                <a:solidFill>
-                  <a:schemeClr val="bg1">
-                    <a:lumMod val="50000"/>
-                  </a:schemeClr>
-                </a:solidFill>
-                <a:latin typeface="Sandoll 고딕 02 Medium" pitchFamily="34" charset="-127"/>
-                <a:ea typeface="Sandoll 고딕 02 Medium" pitchFamily="34" charset="-127"/>
-              </a:rPr>
-              <a:t>사설</a:t>
-            </a:r>
-          </a:p>
-        </p:txBody>
-      </p:sp>
-      <p:sp>
-        <p:nvSpPr>
-          <p:cNvPr id="2" name="사각형: 둥근 모서리 1">
-            <a:extLst>
-              <a:ext uri="{FF2B5EF4-FFF2-40B4-BE49-F238E27FC236}">
-                <a16:creationId xmlns:a16="http://schemas.microsoft.com/office/drawing/2014/main" id="{B198505B-207B-E2F9-CD6A-06B41936813F}"/>
-              </a:ext>
-            </a:extLst>
-          </p:cNvPr>
-          <p:cNvSpPr/>
-          <p:nvPr/>
-        </p:nvSpPr>
-        <p:spPr>
-          <a:xfrm>
-            <a:off x="1068235" y="1268760"/>
-            <a:ext cx="6888141" cy="4752527"/>
-          </a:xfrm>
-          <a:prstGeom prst="roundRect">
-            <a:avLst/>
-          </a:prstGeom>
-        </p:spPr>
-        <p:style>
-          <a:lnRef idx="2">
-            <a:schemeClr val="accent1">
-              <a:shade val="50000"/>
-            </a:schemeClr>
-          </a:lnRef>
-          <a:fillRef idx="1">
-            <a:schemeClr val="accent1"/>
-          </a:fillRef>
-          <a:effectRef idx="0">
-            <a:schemeClr val="accent1"/>
-          </a:effectRef>
-          <a:fontRef idx="minor">
-            <a:schemeClr val="lt1"/>
-          </a:fontRef>
-        </p:style>
-        <p:txBody>
-          <a:bodyPr rtlCol="0" anchor="ctr"/>
-          <a:lstStyle/>
-          <a:p>
-            <a:pPr algn="ctr"/>
-            <a:r>
-              <a:rPr lang="ko-KR" altLang="en-US" dirty="0"/>
-              <a:t>방 목록</a:t>
-            </a:r>
-            <a:endParaRPr lang="en-US" altLang="ko-KR" dirty="0"/>
-          </a:p>
-          <a:p>
-            <a:pPr algn="ctr"/>
-            <a:r>
-              <a:rPr lang="en-US" altLang="ko-KR" dirty="0"/>
-              <a:t>( </a:t>
-            </a:r>
-            <a:r>
-              <a:rPr lang="ko-KR" altLang="en-US" dirty="0" err="1"/>
-              <a:t>방번호</a:t>
-            </a:r>
-            <a:r>
-              <a:rPr lang="ko-KR" altLang="en-US" dirty="0"/>
-              <a:t> </a:t>
-            </a:r>
-            <a:r>
-              <a:rPr lang="ko-KR" altLang="en-US" dirty="0" err="1"/>
-              <a:t>방이름</a:t>
-            </a:r>
-            <a:r>
-              <a:rPr lang="ko-KR" altLang="en-US" dirty="0"/>
-              <a:t> </a:t>
-            </a:r>
-            <a:r>
-              <a:rPr lang="ko-KR" altLang="en-US" dirty="0" err="1"/>
-              <a:t>플레이어수</a:t>
-            </a:r>
-            <a:r>
-              <a:rPr lang="ko-KR" altLang="en-US" dirty="0"/>
-              <a:t> 방장이름 </a:t>
-            </a:r>
-            <a:r>
-              <a:rPr lang="en-US" altLang="ko-KR" dirty="0"/>
-              <a:t>)</a:t>
-            </a:r>
-          </a:p>
-          <a:p>
-            <a:pPr algn="ctr"/>
-            <a:r>
-              <a:rPr lang="ko-KR" altLang="en-US" dirty="0" err="1"/>
-              <a:t>방만들기</a:t>
-            </a:r>
-            <a:r>
-              <a:rPr lang="ko-KR" altLang="en-US" dirty="0"/>
-              <a:t> 버튼 </a:t>
-            </a:r>
-            <a:r>
-              <a:rPr lang="en-US" altLang="ko-KR" dirty="0"/>
-              <a:t>( </a:t>
-            </a:r>
-            <a:r>
-              <a:rPr lang="ko-KR" altLang="en-US" dirty="0" err="1"/>
-              <a:t>방이름</a:t>
-            </a:r>
-            <a:r>
-              <a:rPr lang="ko-KR" altLang="en-US" dirty="0"/>
-              <a:t> 적고 확인</a:t>
-            </a:r>
-            <a:r>
-              <a:rPr lang="en-US" altLang="ko-KR" dirty="0"/>
-              <a:t>/</a:t>
-            </a:r>
-            <a:r>
-              <a:rPr lang="ko-KR" altLang="en-US" dirty="0"/>
-              <a:t>취소 </a:t>
-            </a:r>
-            <a:r>
-              <a:rPr lang="en-US" altLang="ko-KR" dirty="0"/>
-              <a:t>)</a:t>
-            </a:r>
-          </a:p>
-          <a:p>
-            <a:pPr algn="ctr"/>
-            <a:r>
-              <a:rPr lang="ko-KR" altLang="en-US" dirty="0"/>
-              <a:t>방 입장</a:t>
-            </a:r>
-            <a:endParaRPr lang="en-US" altLang="ko-KR" dirty="0"/>
-          </a:p>
-          <a:p>
-            <a:pPr algn="ctr"/>
-            <a:r>
-              <a:rPr lang="ko-KR" altLang="en-US" dirty="0" err="1"/>
-              <a:t>뒤로가기</a:t>
-            </a:r>
-            <a:endParaRPr lang="ko-KR" altLang="en-US" dirty="0"/>
-          </a:p>
-        </p:txBody>
-      </p:sp>
-    </p:spTree>
-    <p:extLst>
-      <p:ext uri="{BB962C8B-B14F-4D97-AF65-F5344CB8AC3E}">
-        <p14:creationId xmlns:p14="http://schemas.microsoft.com/office/powerpoint/2010/main" val="1354917214"/>
-      </p:ext>
-    </p:extLst>
-  </p:cSld>
-  <p:clrMapOvr>
-    <a:masterClrMapping/>
-  </p:clrMapOvr>
-</p:sld>
-</file>
-
-<file path=ppt/slides/slide14.xml><?xml version="1.0" encoding="utf-8"?>
-<p:sld xmlns:a="http://schemas.openxmlformats.org/drawingml/2006/main" xmlns:r="http://schemas.openxmlformats.org/officeDocument/2006/relationships" xmlns:p="http://schemas.openxmlformats.org/presentationml/2006/main">
-  <p:cSld>
-    <p:spTree>
-      <p:nvGrpSpPr>
-        <p:cNvPr id="1" name=""/>
-        <p:cNvGrpSpPr/>
-        <p:nvPr/>
-      </p:nvGrpSpPr>
-      <p:grpSpPr>
-        <a:xfrm>
-          <a:off x="0" y="0"/>
-          <a:ext cx="0" cy="0"/>
-          <a:chOff x="0" y="0"/>
-          <a:chExt cx="0" cy="0"/>
-        </a:xfrm>
-      </p:grpSpPr>
-      <p:sp>
-        <p:nvSpPr>
-          <p:cNvPr id="4" name="직사각형 3"/>
-          <p:cNvSpPr/>
-          <p:nvPr/>
-        </p:nvSpPr>
-        <p:spPr>
-          <a:xfrm>
-            <a:off x="370592" y="389855"/>
-            <a:ext cx="264898" cy="246221"/>
-          </a:xfrm>
-          <a:prstGeom prst="rect">
-            <a:avLst/>
-          </a:prstGeom>
-          <a:solidFill>
-            <a:schemeClr val="bg1">
-              <a:lumMod val="85000"/>
-            </a:schemeClr>
-          </a:solidFill>
-          <a:ln>
-            <a:noFill/>
-          </a:ln>
-        </p:spPr>
-        <p:style>
-          <a:lnRef idx="2">
-            <a:schemeClr val="accent1">
-              <a:shade val="50000"/>
-            </a:schemeClr>
-          </a:lnRef>
-          <a:fillRef idx="1">
-            <a:schemeClr val="accent1"/>
-          </a:fillRef>
-          <a:effectRef idx="0">
-            <a:schemeClr val="accent1"/>
-          </a:effectRef>
-          <a:fontRef idx="minor">
-            <a:schemeClr val="lt1"/>
-          </a:fontRef>
-        </p:style>
-        <p:txBody>
-          <a:bodyPr rtlCol="0" anchor="ctr"/>
-          <a:lstStyle/>
-          <a:p>
-            <a:pPr algn="ctr"/>
-            <a:endParaRPr lang="ko-KR" altLang="en-US"/>
-          </a:p>
-        </p:txBody>
-      </p:sp>
-      <p:sp>
-        <p:nvSpPr>
-          <p:cNvPr id="5" name="TextBox 4"/>
-          <p:cNvSpPr txBox="1"/>
-          <p:nvPr/>
-        </p:nvSpPr>
-        <p:spPr>
-          <a:xfrm>
-            <a:off x="635490" y="335487"/>
-            <a:ext cx="1441381" cy="400110"/>
-          </a:xfrm>
-          <a:prstGeom prst="rect">
-            <a:avLst/>
-          </a:prstGeom>
-          <a:noFill/>
-        </p:spPr>
-        <p:txBody>
-          <a:bodyPr wrap="square" rtlCol="0">
-            <a:spAutoFit/>
-          </a:bodyPr>
-          <a:lstStyle/>
-          <a:p>
-            <a:r>
-              <a:rPr lang="en-US" altLang="ko-KR" sz="2000" dirty="0">
-                <a:solidFill>
-                  <a:schemeClr val="tx1">
-                    <a:lumMod val="75000"/>
-                    <a:lumOff val="25000"/>
-                  </a:schemeClr>
-                </a:solidFill>
-                <a:latin typeface="Sandoll 고딕 03 Bold" pitchFamily="34" charset="-127"/>
-                <a:ea typeface="Sandoll 고딕 03 Bold" pitchFamily="34" charset="-127"/>
-              </a:rPr>
-              <a:t>UI</a:t>
-            </a:r>
-            <a:endParaRPr lang="ko-KR" altLang="en-US" sz="2000" dirty="0">
-              <a:solidFill>
-                <a:schemeClr val="tx1">
-                  <a:lumMod val="75000"/>
-                  <a:lumOff val="25000"/>
-                </a:schemeClr>
-              </a:solidFill>
-              <a:latin typeface="Sandoll 고딕 03 Bold" pitchFamily="34" charset="-127"/>
-              <a:ea typeface="Sandoll 고딕 03 Bold" pitchFamily="34" charset="-127"/>
-            </a:endParaRPr>
-          </a:p>
-        </p:txBody>
-      </p:sp>
-      <p:cxnSp>
-        <p:nvCxnSpPr>
-          <p:cNvPr id="7" name="직선 연결선 6"/>
-          <p:cNvCxnSpPr/>
-          <p:nvPr/>
-        </p:nvCxnSpPr>
-        <p:spPr>
-          <a:xfrm>
-            <a:off x="251520" y="0"/>
-            <a:ext cx="0" cy="6858000"/>
-          </a:xfrm>
-          <a:prstGeom prst="line">
-            <a:avLst/>
-          </a:prstGeom>
-          <a:ln>
-            <a:solidFill>
-              <a:schemeClr val="bg1">
-                <a:lumMod val="65000"/>
-              </a:schemeClr>
-            </a:solidFill>
-            <a:prstDash val="sysDot"/>
-          </a:ln>
-        </p:spPr>
-        <p:style>
-          <a:lnRef idx="1">
-            <a:schemeClr val="accent1"/>
-          </a:lnRef>
-          <a:fillRef idx="0">
-            <a:schemeClr val="accent1"/>
-          </a:fillRef>
-          <a:effectRef idx="0">
-            <a:schemeClr val="accent1"/>
-          </a:effectRef>
-          <a:fontRef idx="minor">
-            <a:schemeClr val="tx1"/>
-          </a:fontRef>
-        </p:style>
-      </p:cxnSp>
-      <p:cxnSp>
-        <p:nvCxnSpPr>
-          <p:cNvPr id="8" name="직선 연결선 7"/>
-          <p:cNvCxnSpPr/>
-          <p:nvPr/>
-        </p:nvCxnSpPr>
-        <p:spPr>
-          <a:xfrm>
-            <a:off x="0" y="260648"/>
-            <a:ext cx="9144000" cy="0"/>
-          </a:xfrm>
-          <a:prstGeom prst="line">
-            <a:avLst/>
-          </a:prstGeom>
-          <a:ln>
-            <a:solidFill>
-              <a:schemeClr val="bg1">
-                <a:lumMod val="65000"/>
-              </a:schemeClr>
-            </a:solidFill>
-            <a:prstDash val="sysDot"/>
-          </a:ln>
-        </p:spPr>
-        <p:style>
-          <a:lnRef idx="1">
-            <a:schemeClr val="accent1"/>
-          </a:lnRef>
-          <a:fillRef idx="0">
-            <a:schemeClr val="accent1"/>
-          </a:fillRef>
-          <a:effectRef idx="0">
-            <a:schemeClr val="accent1"/>
-          </a:effectRef>
-          <a:fontRef idx="minor">
-            <a:schemeClr val="tx1"/>
-          </a:fontRef>
-        </p:style>
-      </p:cxnSp>
-      <p:grpSp>
-        <p:nvGrpSpPr>
-          <p:cNvPr id="9" name="그룹 8"/>
-          <p:cNvGrpSpPr/>
-          <p:nvPr/>
-        </p:nvGrpSpPr>
-        <p:grpSpPr>
-          <a:xfrm>
-            <a:off x="8371684" y="6351563"/>
-            <a:ext cx="772316" cy="491577"/>
-            <a:chOff x="4252314" y="1143866"/>
-            <a:chExt cx="772316" cy="491577"/>
-          </a:xfrm>
-        </p:grpSpPr>
-        <p:sp>
-          <p:nvSpPr>
-            <p:cNvPr id="10" name="직사각형 9"/>
-            <p:cNvSpPr/>
-            <p:nvPr/>
-          </p:nvSpPr>
-          <p:spPr>
-            <a:xfrm rot="599424">
-              <a:off x="4252314" y="1223935"/>
-              <a:ext cx="319686" cy="319686"/>
-            </a:xfrm>
-            <a:prstGeom prst="rect">
-              <a:avLst/>
-            </a:prstGeom>
-            <a:noFill/>
-            <a:ln w="9525">
-              <a:solidFill>
-                <a:schemeClr val="bg1">
-                  <a:lumMod val="65000"/>
-                </a:schemeClr>
-              </a:solidFill>
-            </a:ln>
-          </p:spPr>
-          <p:style>
-            <a:lnRef idx="2">
-              <a:schemeClr val="accent1">
-                <a:shade val="50000"/>
-              </a:schemeClr>
-            </a:lnRef>
-            <a:fillRef idx="1">
-              <a:schemeClr val="accent1"/>
-            </a:fillRef>
-            <a:effectRef idx="0">
-              <a:schemeClr val="accent1"/>
-            </a:effectRef>
-            <a:fontRef idx="minor">
-              <a:schemeClr val="lt1"/>
-            </a:fontRef>
-          </p:style>
-          <p:txBody>
-            <a:bodyPr rtlCol="0" anchor="ctr"/>
-            <a:lstStyle/>
-            <a:p>
-              <a:pPr algn="ctr"/>
-              <a:endParaRPr lang="ko-KR" altLang="en-US"/>
-            </a:p>
-          </p:txBody>
-        </p:sp>
-        <p:sp>
-          <p:nvSpPr>
-            <p:cNvPr id="11" name="직사각형 10"/>
-            <p:cNvSpPr/>
-            <p:nvPr/>
-          </p:nvSpPr>
-          <p:spPr>
-            <a:xfrm rot="1427337">
-              <a:off x="4556578" y="1143866"/>
-              <a:ext cx="468052" cy="468052"/>
-            </a:xfrm>
-            <a:prstGeom prst="rect">
-              <a:avLst/>
-            </a:prstGeom>
-            <a:noFill/>
-            <a:ln w="9525">
-              <a:solidFill>
-                <a:schemeClr val="bg1">
-                  <a:lumMod val="65000"/>
-                </a:schemeClr>
-              </a:solidFill>
-            </a:ln>
-          </p:spPr>
-          <p:style>
-            <a:lnRef idx="2">
-              <a:schemeClr val="accent1">
-                <a:shade val="50000"/>
-              </a:schemeClr>
-            </a:lnRef>
-            <a:fillRef idx="1">
-              <a:schemeClr val="accent1"/>
-            </a:fillRef>
-            <a:effectRef idx="0">
-              <a:schemeClr val="accent1"/>
-            </a:effectRef>
-            <a:fontRef idx="minor">
-              <a:schemeClr val="lt1"/>
-            </a:fontRef>
-          </p:style>
-          <p:txBody>
-            <a:bodyPr rtlCol="0" anchor="ctr"/>
-            <a:lstStyle/>
-            <a:p>
-              <a:pPr algn="ctr"/>
-              <a:endParaRPr lang="ko-KR" altLang="en-US"/>
-            </a:p>
-          </p:txBody>
-        </p:sp>
-        <p:sp>
-          <p:nvSpPr>
-            <p:cNvPr id="12" name="직사각형 11"/>
-            <p:cNvSpPr/>
-            <p:nvPr/>
-          </p:nvSpPr>
-          <p:spPr>
-            <a:xfrm rot="3783077">
-              <a:off x="4440058" y="1443568"/>
-              <a:ext cx="191875" cy="191875"/>
-            </a:xfrm>
-            <a:prstGeom prst="rect">
-              <a:avLst/>
-            </a:prstGeom>
-            <a:solidFill>
-              <a:schemeClr val="bg1">
-                <a:lumMod val="65000"/>
-              </a:schemeClr>
-            </a:solidFill>
-            <a:ln w="9525">
-              <a:solidFill>
-                <a:schemeClr val="bg1">
-                  <a:lumMod val="65000"/>
-                </a:schemeClr>
-              </a:solidFill>
-            </a:ln>
-          </p:spPr>
-          <p:style>
-            <a:lnRef idx="2">
-              <a:schemeClr val="accent1">
-                <a:shade val="50000"/>
-              </a:schemeClr>
-            </a:lnRef>
-            <a:fillRef idx="1">
-              <a:schemeClr val="accent1"/>
-            </a:fillRef>
-            <a:effectRef idx="0">
-              <a:schemeClr val="accent1"/>
-            </a:effectRef>
-            <a:fontRef idx="minor">
-              <a:schemeClr val="lt1"/>
-            </a:fontRef>
-          </p:style>
-          <p:txBody>
-            <a:bodyPr rtlCol="0" anchor="ctr"/>
-            <a:lstStyle/>
-            <a:p>
-              <a:pPr algn="ctr"/>
-              <a:endParaRPr lang="ko-KR" altLang="en-US"/>
-            </a:p>
-          </p:txBody>
-        </p:sp>
-      </p:grpSp>
-      <p:sp>
-        <p:nvSpPr>
-          <p:cNvPr id="4163" name="TextBox 4162">
-            <a:extLst>
-              <a:ext uri="{FF2B5EF4-FFF2-40B4-BE49-F238E27FC236}">
-                <a16:creationId xmlns:a16="http://schemas.microsoft.com/office/drawing/2014/main" id="{3C4B1F17-2D08-8557-911F-4590D98CF19B}"/>
-              </a:ext>
-            </a:extLst>
-          </p:cNvPr>
-          <p:cNvSpPr txBox="1"/>
-          <p:nvPr/>
-        </p:nvSpPr>
-        <p:spPr>
-          <a:xfrm>
-            <a:off x="1068235" y="366265"/>
-            <a:ext cx="2232248" cy="338554"/>
-          </a:xfrm>
-          <a:prstGeom prst="rect">
-            <a:avLst/>
-          </a:prstGeom>
-          <a:noFill/>
-        </p:spPr>
-        <p:txBody>
-          <a:bodyPr wrap="square" rtlCol="0">
-            <a:spAutoFit/>
-          </a:bodyPr>
-          <a:lstStyle/>
-          <a:p>
-            <a:r>
-              <a:rPr lang="en-US" altLang="ko-KR" sz="1600" dirty="0">
-                <a:solidFill>
-                  <a:schemeClr val="bg1">
-                    <a:lumMod val="50000"/>
-                  </a:schemeClr>
-                </a:solidFill>
-                <a:latin typeface="Sandoll 고딕 02 Medium" pitchFamily="34" charset="-127"/>
-                <a:ea typeface="Sandoll 고딕 02 Medium" pitchFamily="34" charset="-127"/>
-              </a:rPr>
               <a:t>4) </a:t>
             </a:r>
             <a:r>
@@ -6671,494 +6113,7 @@
 </p:sld>
 </file>
 
-<file path=ppt/slides/slide15.xml><?xml version="1.0" encoding="utf-8"?>
-<p:sld xmlns:a="http://schemas.openxmlformats.org/drawingml/2006/main" xmlns:r="http://schemas.openxmlformats.org/officeDocument/2006/relationships" xmlns:p="http://schemas.openxmlformats.org/presentationml/2006/main">
-  <p:cSld>
-    <p:spTree>
-      <p:nvGrpSpPr>
-        <p:cNvPr id="1" name=""/>
-        <p:cNvGrpSpPr/>
-        <p:nvPr/>
-      </p:nvGrpSpPr>
-      <p:grpSpPr>
-        <a:xfrm>
-          <a:off x="0" y="0"/>
-          <a:ext cx="0" cy="0"/>
-          <a:chOff x="0" y="0"/>
-          <a:chExt cx="0" cy="0"/>
-        </a:xfrm>
-      </p:grpSpPr>
-      <p:sp>
-        <p:nvSpPr>
-          <p:cNvPr id="4" name="직사각형 3"/>
-          <p:cNvSpPr/>
-          <p:nvPr/>
-        </p:nvSpPr>
-        <p:spPr>
-          <a:xfrm>
-            <a:off x="370592" y="389855"/>
-            <a:ext cx="264898" cy="246221"/>
-          </a:xfrm>
-          <a:prstGeom prst="rect">
-            <a:avLst/>
-          </a:prstGeom>
-          <a:solidFill>
-            <a:schemeClr val="bg1">
-              <a:lumMod val="85000"/>
-            </a:schemeClr>
-          </a:solidFill>
-          <a:ln>
-            <a:noFill/>
-          </a:ln>
-        </p:spPr>
-        <p:style>
-          <a:lnRef idx="2">
-            <a:schemeClr val="accent1">
-              <a:shade val="50000"/>
-            </a:schemeClr>
-          </a:lnRef>
-          <a:fillRef idx="1">
-            <a:schemeClr val="accent1"/>
-          </a:fillRef>
-          <a:effectRef idx="0">
-            <a:schemeClr val="accent1"/>
-          </a:effectRef>
-          <a:fontRef idx="minor">
-            <a:schemeClr val="lt1"/>
-          </a:fontRef>
-        </p:style>
-        <p:txBody>
-          <a:bodyPr rtlCol="0" anchor="ctr"/>
-          <a:lstStyle/>
-          <a:p>
-            <a:pPr algn="ctr"/>
-            <a:endParaRPr lang="ko-KR" altLang="en-US"/>
-          </a:p>
-        </p:txBody>
-      </p:sp>
-      <p:sp>
-        <p:nvSpPr>
-          <p:cNvPr id="5" name="TextBox 4"/>
-          <p:cNvSpPr txBox="1"/>
-          <p:nvPr/>
-        </p:nvSpPr>
-        <p:spPr>
-          <a:xfrm>
-            <a:off x="635490" y="335487"/>
-            <a:ext cx="1441381" cy="400110"/>
-          </a:xfrm>
-          <a:prstGeom prst="rect">
-            <a:avLst/>
-          </a:prstGeom>
-          <a:noFill/>
-        </p:spPr>
-        <p:txBody>
-          <a:bodyPr wrap="square" rtlCol="0">
-            <a:spAutoFit/>
-          </a:bodyPr>
-          <a:lstStyle/>
-          <a:p>
-            <a:r>
-              <a:rPr lang="en-US" altLang="ko-KR" sz="2000" dirty="0">
-                <a:solidFill>
-                  <a:schemeClr val="tx1">
-                    <a:lumMod val="75000"/>
-                    <a:lumOff val="25000"/>
-                  </a:schemeClr>
-                </a:solidFill>
-                <a:latin typeface="Sandoll 고딕 03 Bold" pitchFamily="34" charset="-127"/>
-                <a:ea typeface="Sandoll 고딕 03 Bold" pitchFamily="34" charset="-127"/>
-              </a:rPr>
-              <a:t>UI</a:t>
-            </a:r>
-            <a:endParaRPr lang="ko-KR" altLang="en-US" sz="2000" dirty="0">
-              <a:solidFill>
-                <a:schemeClr val="tx1">
-                  <a:lumMod val="75000"/>
-                  <a:lumOff val="25000"/>
-                </a:schemeClr>
-              </a:solidFill>
-              <a:latin typeface="Sandoll 고딕 03 Bold" pitchFamily="34" charset="-127"/>
-              <a:ea typeface="Sandoll 고딕 03 Bold" pitchFamily="34" charset="-127"/>
-            </a:endParaRPr>
-          </a:p>
-        </p:txBody>
-      </p:sp>
-      <p:cxnSp>
-        <p:nvCxnSpPr>
-          <p:cNvPr id="7" name="직선 연결선 6"/>
-          <p:cNvCxnSpPr/>
-          <p:nvPr/>
-        </p:nvCxnSpPr>
-        <p:spPr>
-          <a:xfrm>
-            <a:off x="251520" y="0"/>
-            <a:ext cx="0" cy="6858000"/>
-          </a:xfrm>
-          <a:prstGeom prst="line">
-            <a:avLst/>
-          </a:prstGeom>
-          <a:ln>
-            <a:solidFill>
-              <a:schemeClr val="bg1">
-                <a:lumMod val="65000"/>
-              </a:schemeClr>
-            </a:solidFill>
-            <a:prstDash val="sysDot"/>
-          </a:ln>
-        </p:spPr>
-        <p:style>
-          <a:lnRef idx="1">
-            <a:schemeClr val="accent1"/>
-          </a:lnRef>
-          <a:fillRef idx="0">
-            <a:schemeClr val="accent1"/>
-          </a:fillRef>
-          <a:effectRef idx="0">
-            <a:schemeClr val="accent1"/>
-          </a:effectRef>
-          <a:fontRef idx="minor">
-            <a:schemeClr val="tx1"/>
-          </a:fontRef>
-        </p:style>
-      </p:cxnSp>
-      <p:cxnSp>
-        <p:nvCxnSpPr>
-          <p:cNvPr id="8" name="직선 연결선 7"/>
-          <p:cNvCxnSpPr/>
-          <p:nvPr/>
-        </p:nvCxnSpPr>
-        <p:spPr>
-          <a:xfrm>
-            <a:off x="0" y="260648"/>
-            <a:ext cx="9144000" cy="0"/>
-          </a:xfrm>
-          <a:prstGeom prst="line">
-            <a:avLst/>
-          </a:prstGeom>
-          <a:ln>
-            <a:solidFill>
-              <a:schemeClr val="bg1">
-                <a:lumMod val="65000"/>
-              </a:schemeClr>
-            </a:solidFill>
-            <a:prstDash val="sysDot"/>
-          </a:ln>
-        </p:spPr>
-        <p:style>
-          <a:lnRef idx="1">
-            <a:schemeClr val="accent1"/>
-          </a:lnRef>
-          <a:fillRef idx="0">
-            <a:schemeClr val="accent1"/>
-          </a:fillRef>
-          <a:effectRef idx="0">
-            <a:schemeClr val="accent1"/>
-          </a:effectRef>
-          <a:fontRef idx="minor">
-            <a:schemeClr val="tx1"/>
-          </a:fontRef>
-        </p:style>
-      </p:cxnSp>
-      <p:grpSp>
-        <p:nvGrpSpPr>
-          <p:cNvPr id="9" name="그룹 8"/>
-          <p:cNvGrpSpPr/>
-          <p:nvPr/>
-        </p:nvGrpSpPr>
-        <p:grpSpPr>
-          <a:xfrm>
-            <a:off x="8371684" y="6351563"/>
-            <a:ext cx="772316" cy="491577"/>
-            <a:chOff x="4252314" y="1143866"/>
-            <a:chExt cx="772316" cy="491577"/>
-          </a:xfrm>
-        </p:grpSpPr>
-        <p:sp>
-          <p:nvSpPr>
-            <p:cNvPr id="10" name="직사각형 9"/>
-            <p:cNvSpPr/>
-            <p:nvPr/>
-          </p:nvSpPr>
-          <p:spPr>
-            <a:xfrm rot="599424">
-              <a:off x="4252314" y="1223935"/>
-              <a:ext cx="319686" cy="319686"/>
-            </a:xfrm>
-            <a:prstGeom prst="rect">
-              <a:avLst/>
-            </a:prstGeom>
-            <a:noFill/>
-            <a:ln w="9525">
-              <a:solidFill>
-                <a:schemeClr val="bg1">
-                  <a:lumMod val="65000"/>
-                </a:schemeClr>
-              </a:solidFill>
-            </a:ln>
-          </p:spPr>
-          <p:style>
-            <a:lnRef idx="2">
-              <a:schemeClr val="accent1">
-                <a:shade val="50000"/>
-              </a:schemeClr>
-            </a:lnRef>
-            <a:fillRef idx="1">
-              <a:schemeClr val="accent1"/>
-            </a:fillRef>
-            <a:effectRef idx="0">
-              <a:schemeClr val="accent1"/>
-            </a:effectRef>
-            <a:fontRef idx="minor">
-              <a:schemeClr val="lt1"/>
-            </a:fontRef>
-          </p:style>
-          <p:txBody>
-            <a:bodyPr rtlCol="0" anchor="ctr"/>
-            <a:lstStyle/>
-            <a:p>
-              <a:pPr algn="ctr"/>
-              <a:endParaRPr lang="ko-KR" altLang="en-US"/>
-            </a:p>
-          </p:txBody>
-        </p:sp>
-        <p:sp>
-          <p:nvSpPr>
-            <p:cNvPr id="11" name="직사각형 10"/>
-            <p:cNvSpPr/>
-            <p:nvPr/>
-          </p:nvSpPr>
-          <p:spPr>
-            <a:xfrm rot="1427337">
-              <a:off x="4556578" y="1143866"/>
-              <a:ext cx="468052" cy="468052"/>
-            </a:xfrm>
-            <a:prstGeom prst="rect">
-              <a:avLst/>
-            </a:prstGeom>
-            <a:noFill/>
-            <a:ln w="9525">
-              <a:solidFill>
-                <a:schemeClr val="bg1">
-                  <a:lumMod val="65000"/>
-                </a:schemeClr>
-              </a:solidFill>
-            </a:ln>
-          </p:spPr>
-          <p:style>
-            <a:lnRef idx="2">
-              <a:schemeClr val="accent1">
-                <a:shade val="50000"/>
-              </a:schemeClr>
-            </a:lnRef>
-            <a:fillRef idx="1">
-              <a:schemeClr val="accent1"/>
-            </a:fillRef>
-            <a:effectRef idx="0">
-              <a:schemeClr val="accent1"/>
-            </a:effectRef>
-            <a:fontRef idx="minor">
-              <a:schemeClr val="lt1"/>
-            </a:fontRef>
-          </p:style>
-          <p:txBody>
-            <a:bodyPr rtlCol="0" anchor="ctr"/>
-            <a:lstStyle/>
-            <a:p>
-              <a:pPr algn="ctr"/>
-              <a:endParaRPr lang="ko-KR" altLang="en-US"/>
-            </a:p>
-          </p:txBody>
-        </p:sp>
-        <p:sp>
-          <p:nvSpPr>
-            <p:cNvPr id="12" name="직사각형 11"/>
-            <p:cNvSpPr/>
-            <p:nvPr/>
-          </p:nvSpPr>
-          <p:spPr>
-            <a:xfrm rot="3783077">
-              <a:off x="4440058" y="1443568"/>
-              <a:ext cx="191875" cy="191875"/>
-            </a:xfrm>
-            <a:prstGeom prst="rect">
-              <a:avLst/>
-            </a:prstGeom>
-            <a:solidFill>
-              <a:schemeClr val="bg1">
-                <a:lumMod val="65000"/>
-              </a:schemeClr>
-            </a:solidFill>
-            <a:ln w="9525">
-              <a:solidFill>
-                <a:schemeClr val="bg1">
-                  <a:lumMod val="65000"/>
-                </a:schemeClr>
-              </a:solidFill>
-            </a:ln>
-          </p:spPr>
-          <p:style>
-            <a:lnRef idx="2">
-              <a:schemeClr val="accent1">
-                <a:shade val="50000"/>
-              </a:schemeClr>
-            </a:lnRef>
-            <a:fillRef idx="1">
-              <a:schemeClr val="accent1"/>
-            </a:fillRef>
-            <a:effectRef idx="0">
-              <a:schemeClr val="accent1"/>
-            </a:effectRef>
-            <a:fontRef idx="minor">
-              <a:schemeClr val="lt1"/>
-            </a:fontRef>
-          </p:style>
-          <p:txBody>
-            <a:bodyPr rtlCol="0" anchor="ctr"/>
-            <a:lstStyle/>
-            <a:p>
-              <a:pPr algn="ctr"/>
-              <a:endParaRPr lang="ko-KR" altLang="en-US"/>
-            </a:p>
-          </p:txBody>
-        </p:sp>
-      </p:grpSp>
-      <p:sp>
-        <p:nvSpPr>
-          <p:cNvPr id="4163" name="TextBox 4162">
-            <a:extLst>
-              <a:ext uri="{FF2B5EF4-FFF2-40B4-BE49-F238E27FC236}">
-                <a16:creationId xmlns:a16="http://schemas.microsoft.com/office/drawing/2014/main" id="{3C4B1F17-2D08-8557-911F-4590D98CF19B}"/>
-              </a:ext>
-            </a:extLst>
-          </p:cNvPr>
-          <p:cNvSpPr txBox="1"/>
-          <p:nvPr/>
-        </p:nvSpPr>
-        <p:spPr>
-          <a:xfrm>
-            <a:off x="1068235" y="366265"/>
-            <a:ext cx="2232248" cy="338554"/>
-          </a:xfrm>
-          <a:prstGeom prst="rect">
-            <a:avLst/>
-          </a:prstGeom>
-          <a:noFill/>
-        </p:spPr>
-        <p:txBody>
-          <a:bodyPr wrap="square" rtlCol="0">
-            <a:spAutoFit/>
-          </a:bodyPr>
-          <a:lstStyle/>
-          <a:p>
-            <a:r>
-              <a:rPr lang="en-US" altLang="ko-KR" sz="1600" dirty="0">
-                <a:solidFill>
-                  <a:schemeClr val="bg1">
-                    <a:lumMod val="50000"/>
-                  </a:schemeClr>
-                </a:solidFill>
-                <a:latin typeface="Sandoll 고딕 02 Medium" pitchFamily="34" charset="-127"/>
-                <a:ea typeface="Sandoll 고딕 02 Medium" pitchFamily="34" charset="-127"/>
-              </a:rPr>
-              <a:t>4) </a:t>
-            </a:r>
-            <a:r>
-              <a:rPr lang="ko-KR" altLang="en-US" sz="1600" dirty="0" err="1">
-                <a:solidFill>
-                  <a:schemeClr val="bg1">
-                    <a:lumMod val="50000"/>
-                  </a:schemeClr>
-                </a:solidFill>
-                <a:latin typeface="Sandoll 고딕 02 Medium" pitchFamily="34" charset="-127"/>
-                <a:ea typeface="Sandoll 고딕 02 Medium" pitchFamily="34" charset="-127"/>
-              </a:rPr>
-              <a:t>인게임</a:t>
-            </a:r>
-            <a:endParaRPr lang="ko-KR" altLang="en-US" sz="1600" dirty="0">
-              <a:solidFill>
-                <a:schemeClr val="bg1">
-                  <a:lumMod val="50000"/>
-                </a:schemeClr>
-              </a:solidFill>
-              <a:latin typeface="Sandoll 고딕 02 Medium" pitchFamily="34" charset="-127"/>
-              <a:ea typeface="Sandoll 고딕 02 Medium" pitchFamily="34" charset="-127"/>
-            </a:endParaRPr>
-          </a:p>
-        </p:txBody>
-      </p:sp>
-      <p:sp>
-        <p:nvSpPr>
-          <p:cNvPr id="2" name="사각형: 둥근 모서리 1">
-            <a:extLst>
-              <a:ext uri="{FF2B5EF4-FFF2-40B4-BE49-F238E27FC236}">
-                <a16:creationId xmlns:a16="http://schemas.microsoft.com/office/drawing/2014/main" id="{B198505B-207B-E2F9-CD6A-06B41936813F}"/>
-              </a:ext>
-            </a:extLst>
-          </p:cNvPr>
-          <p:cNvSpPr/>
-          <p:nvPr/>
-        </p:nvSpPr>
-        <p:spPr>
-          <a:xfrm>
-            <a:off x="1068235" y="1268760"/>
-            <a:ext cx="6888141" cy="4752527"/>
-          </a:xfrm>
-          <a:prstGeom prst="roundRect">
-            <a:avLst/>
-          </a:prstGeom>
-        </p:spPr>
-        <p:style>
-          <a:lnRef idx="2">
-            <a:schemeClr val="accent1">
-              <a:shade val="50000"/>
-            </a:schemeClr>
-          </a:lnRef>
-          <a:fillRef idx="1">
-            <a:schemeClr val="accent1"/>
-          </a:fillRef>
-          <a:effectRef idx="0">
-            <a:schemeClr val="accent1"/>
-          </a:effectRef>
-          <a:fontRef idx="minor">
-            <a:schemeClr val="lt1"/>
-          </a:fontRef>
-        </p:style>
-        <p:txBody>
-          <a:bodyPr rtlCol="0" anchor="ctr"/>
-          <a:lstStyle/>
-          <a:p>
-            <a:pPr algn="ctr"/>
-            <a:r>
-              <a:rPr lang="ko-KR" altLang="en-US" dirty="0"/>
-              <a:t>전에 </a:t>
-            </a:r>
-            <a:r>
-              <a:rPr lang="ko-KR" altLang="en-US" dirty="0" err="1"/>
-              <a:t>그렸던거</a:t>
-            </a:r>
-            <a:r>
-              <a:rPr lang="ko-KR" altLang="en-US" dirty="0"/>
-              <a:t> 좀 수정해서</a:t>
-            </a:r>
-            <a:endParaRPr lang="en-US" altLang="ko-KR" dirty="0"/>
-          </a:p>
-        </p:txBody>
-      </p:sp>
-    </p:spTree>
-    <p:extLst>
-      <p:ext uri="{BB962C8B-B14F-4D97-AF65-F5344CB8AC3E}">
-        <p14:creationId xmlns:p14="http://schemas.microsoft.com/office/powerpoint/2010/main" val="1126326017"/>
-      </p:ext>
-    </p:extLst>
-  </p:cSld>
-  <p:clrMapOvr>
-    <a:masterClrMapping/>
-  </p:clrMapOvr>
-</p:sld>
-</file>
-
-<file path=ppt/slides/slide16.xml><?xml version="1.0" encoding="utf-8"?>
+<file path=ppt/slides/slide14.xml><?xml version="1.0" encoding="utf-8"?>
 <p:sld xmlns:a="http://schemas.openxmlformats.org/drawingml/2006/main" xmlns:r="http://schemas.openxmlformats.org/officeDocument/2006/relationships" xmlns:p="http://schemas.openxmlformats.org/presentationml/2006/main">
   <p:cSld>
     <p:spTree>
@@ -8933,7 +7888,7 @@
 </p:sld>
 </file>
 
-<file path=ppt/slides/slide17.xml><?xml version="1.0" encoding="utf-8"?>
+<file path=ppt/slides/slide15.xml><?xml version="1.0" encoding="utf-8"?>
 <p:sld xmlns:a="http://schemas.openxmlformats.org/drawingml/2006/main" xmlns:r="http://schemas.openxmlformats.org/officeDocument/2006/relationships" xmlns:p="http://schemas.openxmlformats.org/presentationml/2006/main">
   <p:cSld>
     <p:spTree>
@@ -9343,7 +8298,7 @@
 </p:sld>
 </file>
 
-<file path=ppt/slides/slide18.xml><?xml version="1.0" encoding="utf-8"?>
+<file path=ppt/slides/slide16.xml><?xml version="1.0" encoding="utf-8"?>
 <p:sld xmlns:a="http://schemas.openxmlformats.org/drawingml/2006/main" xmlns:r="http://schemas.openxmlformats.org/officeDocument/2006/relationships" xmlns:p="http://schemas.openxmlformats.org/presentationml/2006/main">
   <p:cSld>
     <p:spTree>
@@ -10087,7 +9042,7 @@
 </p:sld>
 </file>
 
-<file path=ppt/slides/slide19.xml><?xml version="1.0" encoding="utf-8"?>
+<file path=ppt/slides/slide17.xml><?xml version="1.0" encoding="utf-8"?>
 <p:sld xmlns:a="http://schemas.openxmlformats.org/drawingml/2006/main" xmlns:r="http://schemas.openxmlformats.org/officeDocument/2006/relationships" xmlns:p="http://schemas.openxmlformats.org/presentationml/2006/main">
   <p:cSld>
     <p:spTree>
@@ -11474,7 +10429,7 @@
 </p:sld>
 </file>
 
-<file path=ppt/slides/slide2.xml><?xml version="1.0" encoding="utf-8"?>
+<file path=ppt/slides/slide18.xml><?xml version="1.0" encoding="utf-8"?>
 <p:sld xmlns:a="http://schemas.openxmlformats.org/drawingml/2006/main" xmlns:r="http://schemas.openxmlformats.org/officeDocument/2006/relationships" xmlns:p="http://schemas.openxmlformats.org/presentationml/2006/main">
   <p:cSld>
     <p:spTree>
@@ -11493,330 +10448,6 @@
       </p:grpSpPr>
       <p:sp>
         <p:nvSpPr>
-          <p:cNvPr id="17" name="직사각형 16">
-            <a:extLst>
-              <a:ext uri="{FF2B5EF4-FFF2-40B4-BE49-F238E27FC236}">
-                <a16:creationId xmlns:a16="http://schemas.microsoft.com/office/drawing/2014/main" id="{10D800BA-0DDB-22C2-D79C-085B60B259B8}"/>
-              </a:ext>
-            </a:extLst>
-          </p:cNvPr>
-          <p:cNvSpPr/>
-          <p:nvPr/>
-        </p:nvSpPr>
-        <p:spPr>
-          <a:xfrm rot="20490163">
-            <a:off x="1703343" y="5953542"/>
-            <a:ext cx="382788" cy="421868"/>
-          </a:xfrm>
-          <a:prstGeom prst="rect">
-            <a:avLst/>
-          </a:prstGeom>
-          <a:solidFill>
-            <a:schemeClr val="bg1">
-              <a:lumMod val="95000"/>
-            </a:schemeClr>
-          </a:solidFill>
-          <a:ln w="3175">
-            <a:noFill/>
-          </a:ln>
-        </p:spPr>
-        <p:style>
-          <a:lnRef idx="2">
-            <a:schemeClr val="accent1">
-              <a:shade val="50000"/>
-            </a:schemeClr>
-          </a:lnRef>
-          <a:fillRef idx="1">
-            <a:schemeClr val="accent1"/>
-          </a:fillRef>
-          <a:effectRef idx="0">
-            <a:schemeClr val="accent1"/>
-          </a:effectRef>
-          <a:fontRef idx="minor">
-            <a:schemeClr val="lt1"/>
-          </a:fontRef>
-        </p:style>
-        <p:txBody>
-          <a:bodyPr rtlCol="0" anchor="ctr"/>
-          <a:lstStyle/>
-          <a:p>
-            <a:pPr algn="ctr"/>
-            <a:endParaRPr lang="ko-KR" altLang="en-US" dirty="0"/>
-          </a:p>
-        </p:txBody>
-      </p:sp>
-      <p:sp>
-        <p:nvSpPr>
-          <p:cNvPr id="15" name="직사각형 14">
-            <a:extLst>
-              <a:ext uri="{FF2B5EF4-FFF2-40B4-BE49-F238E27FC236}">
-                <a16:creationId xmlns:a16="http://schemas.microsoft.com/office/drawing/2014/main" id="{A3705E14-1E73-8134-150C-07631A8E11C5}"/>
-              </a:ext>
-            </a:extLst>
-          </p:cNvPr>
-          <p:cNvSpPr/>
-          <p:nvPr/>
-        </p:nvSpPr>
-        <p:spPr>
-          <a:xfrm rot="20490163">
-            <a:off x="1707952" y="4046717"/>
-            <a:ext cx="382788" cy="421868"/>
-          </a:xfrm>
-          <a:prstGeom prst="rect">
-            <a:avLst/>
-          </a:prstGeom>
-          <a:solidFill>
-            <a:schemeClr val="bg1">
-              <a:lumMod val="95000"/>
-            </a:schemeClr>
-          </a:solidFill>
-          <a:ln w="3175">
-            <a:noFill/>
-          </a:ln>
-        </p:spPr>
-        <p:style>
-          <a:lnRef idx="2">
-            <a:schemeClr val="accent1">
-              <a:shade val="50000"/>
-            </a:schemeClr>
-          </a:lnRef>
-          <a:fillRef idx="1">
-            <a:schemeClr val="accent1"/>
-          </a:fillRef>
-          <a:effectRef idx="0">
-            <a:schemeClr val="accent1"/>
-          </a:effectRef>
-          <a:fontRef idx="minor">
-            <a:schemeClr val="lt1"/>
-          </a:fontRef>
-        </p:style>
-        <p:txBody>
-          <a:bodyPr rtlCol="0" anchor="ctr"/>
-          <a:lstStyle/>
-          <a:p>
-            <a:pPr algn="ctr"/>
-            <a:endParaRPr lang="ko-KR" altLang="en-US" dirty="0"/>
-          </a:p>
-        </p:txBody>
-      </p:sp>
-      <p:sp>
-        <p:nvSpPr>
-          <p:cNvPr id="16" name="직사각형 15">
-            <a:extLst>
-              <a:ext uri="{FF2B5EF4-FFF2-40B4-BE49-F238E27FC236}">
-                <a16:creationId xmlns:a16="http://schemas.microsoft.com/office/drawing/2014/main" id="{94580FFC-4166-C7EF-8506-8153A9B395A6}"/>
-              </a:ext>
-            </a:extLst>
-          </p:cNvPr>
-          <p:cNvSpPr/>
-          <p:nvPr/>
-        </p:nvSpPr>
-        <p:spPr>
-          <a:xfrm rot="20490163">
-            <a:off x="1703342" y="4998917"/>
-            <a:ext cx="382788" cy="421868"/>
-          </a:xfrm>
-          <a:prstGeom prst="rect">
-            <a:avLst/>
-          </a:prstGeom>
-          <a:solidFill>
-            <a:schemeClr val="bg1">
-              <a:lumMod val="95000"/>
-            </a:schemeClr>
-          </a:solidFill>
-          <a:ln w="3175">
-            <a:noFill/>
-          </a:ln>
-        </p:spPr>
-        <p:style>
-          <a:lnRef idx="2">
-            <a:schemeClr val="accent1">
-              <a:shade val="50000"/>
-            </a:schemeClr>
-          </a:lnRef>
-          <a:fillRef idx="1">
-            <a:schemeClr val="accent1"/>
-          </a:fillRef>
-          <a:effectRef idx="0">
-            <a:schemeClr val="accent1"/>
-          </a:effectRef>
-          <a:fontRef idx="minor">
-            <a:schemeClr val="lt1"/>
-          </a:fontRef>
-        </p:style>
-        <p:txBody>
-          <a:bodyPr rtlCol="0" anchor="ctr"/>
-          <a:lstStyle/>
-          <a:p>
-            <a:pPr algn="ctr"/>
-            <a:endParaRPr lang="ko-KR" altLang="en-US" dirty="0"/>
-          </a:p>
-        </p:txBody>
-      </p:sp>
-      <p:sp>
-        <p:nvSpPr>
-          <p:cNvPr id="14" name="직사각형 13">
-            <a:extLst>
-              <a:ext uri="{FF2B5EF4-FFF2-40B4-BE49-F238E27FC236}">
-                <a16:creationId xmlns:a16="http://schemas.microsoft.com/office/drawing/2014/main" id="{863D5D88-3A4E-AB86-89EB-A887C56CE333}"/>
-              </a:ext>
-            </a:extLst>
-          </p:cNvPr>
-          <p:cNvSpPr/>
-          <p:nvPr/>
-        </p:nvSpPr>
-        <p:spPr>
-          <a:xfrm rot="20490163">
-            <a:off x="1703343" y="3094295"/>
-            <a:ext cx="382788" cy="421868"/>
-          </a:xfrm>
-          <a:prstGeom prst="rect">
-            <a:avLst/>
-          </a:prstGeom>
-          <a:solidFill>
-            <a:schemeClr val="bg1">
-              <a:lumMod val="95000"/>
-            </a:schemeClr>
-          </a:solidFill>
-          <a:ln w="3175">
-            <a:noFill/>
-          </a:ln>
-        </p:spPr>
-        <p:style>
-          <a:lnRef idx="2">
-            <a:schemeClr val="accent1">
-              <a:shade val="50000"/>
-            </a:schemeClr>
-          </a:lnRef>
-          <a:fillRef idx="1">
-            <a:schemeClr val="accent1"/>
-          </a:fillRef>
-          <a:effectRef idx="0">
-            <a:schemeClr val="accent1"/>
-          </a:effectRef>
-          <a:fontRef idx="minor">
-            <a:schemeClr val="lt1"/>
-          </a:fontRef>
-        </p:style>
-        <p:txBody>
-          <a:bodyPr rtlCol="0" anchor="ctr"/>
-          <a:lstStyle/>
-          <a:p>
-            <a:pPr algn="ctr"/>
-            <a:endParaRPr lang="ko-KR" altLang="en-US" dirty="0"/>
-          </a:p>
-        </p:txBody>
-      </p:sp>
-      <p:sp>
-        <p:nvSpPr>
-          <p:cNvPr id="13" name="직사각형 12">
-            <a:extLst>
-              <a:ext uri="{FF2B5EF4-FFF2-40B4-BE49-F238E27FC236}">
-                <a16:creationId xmlns:a16="http://schemas.microsoft.com/office/drawing/2014/main" id="{BCD83F7E-076A-4B9A-3714-A01C45724DC7}"/>
-              </a:ext>
-            </a:extLst>
-          </p:cNvPr>
-          <p:cNvSpPr/>
-          <p:nvPr/>
-        </p:nvSpPr>
-        <p:spPr>
-          <a:xfrm rot="20490163">
-            <a:off x="1703342" y="2141984"/>
-            <a:ext cx="382788" cy="421868"/>
-          </a:xfrm>
-          <a:prstGeom prst="rect">
-            <a:avLst/>
-          </a:prstGeom>
-          <a:solidFill>
-            <a:schemeClr val="bg1">
-              <a:lumMod val="95000"/>
-            </a:schemeClr>
-          </a:solidFill>
-          <a:ln w="3175">
-            <a:noFill/>
-          </a:ln>
-        </p:spPr>
-        <p:style>
-          <a:lnRef idx="2">
-            <a:schemeClr val="accent1">
-              <a:shade val="50000"/>
-            </a:schemeClr>
-          </a:lnRef>
-          <a:fillRef idx="1">
-            <a:schemeClr val="accent1"/>
-          </a:fillRef>
-          <a:effectRef idx="0">
-            <a:schemeClr val="accent1"/>
-          </a:effectRef>
-          <a:fontRef idx="minor">
-            <a:schemeClr val="lt1"/>
-          </a:fontRef>
-        </p:style>
-        <p:txBody>
-          <a:bodyPr rtlCol="0" anchor="ctr"/>
-          <a:lstStyle/>
-          <a:p>
-            <a:pPr algn="ctr"/>
-            <a:endParaRPr lang="ko-KR" altLang="en-US" dirty="0"/>
-          </a:p>
-        </p:txBody>
-      </p:sp>
-      <p:sp>
-        <p:nvSpPr>
-          <p:cNvPr id="3" name="직사각형 2">
-            <a:extLst>
-              <a:ext uri="{FF2B5EF4-FFF2-40B4-BE49-F238E27FC236}">
-                <a16:creationId xmlns:a16="http://schemas.microsoft.com/office/drawing/2014/main" id="{0B9D2513-2525-1501-DB31-21015ED95D99}"/>
-              </a:ext>
-            </a:extLst>
-          </p:cNvPr>
-          <p:cNvSpPr/>
-          <p:nvPr/>
-        </p:nvSpPr>
-        <p:spPr>
-          <a:xfrm rot="20490163">
-            <a:off x="1703342" y="1189673"/>
-            <a:ext cx="382788" cy="421868"/>
-          </a:xfrm>
-          <a:prstGeom prst="rect">
-            <a:avLst/>
-          </a:prstGeom>
-          <a:solidFill>
-            <a:schemeClr val="bg1">
-              <a:lumMod val="95000"/>
-            </a:schemeClr>
-          </a:solidFill>
-          <a:ln w="3175">
-            <a:noFill/>
-          </a:ln>
-        </p:spPr>
-        <p:style>
-          <a:lnRef idx="2">
-            <a:schemeClr val="accent1">
-              <a:shade val="50000"/>
-            </a:schemeClr>
-          </a:lnRef>
-          <a:fillRef idx="1">
-            <a:schemeClr val="accent1"/>
-          </a:fillRef>
-          <a:effectRef idx="0">
-            <a:schemeClr val="accent1"/>
-          </a:effectRef>
-          <a:fontRef idx="minor">
-            <a:schemeClr val="lt1"/>
-          </a:fontRef>
-        </p:style>
-        <p:txBody>
-          <a:bodyPr rtlCol="0" anchor="ctr"/>
-          <a:lstStyle/>
-          <a:p>
-            <a:pPr algn="ctr"/>
-            <a:endParaRPr lang="ko-KR" altLang="en-US" dirty="0"/>
-          </a:p>
-        </p:txBody>
-      </p:sp>
-      <p:sp>
-        <p:nvSpPr>
           <p:cNvPr id="4" name="직사각형 3"/>
           <p:cNvSpPr/>
           <p:nvPr/>
@@ -11872,7 +10503,7 @@
         <p:spPr>
           <a:xfrm>
             <a:off x="635490" y="335487"/>
-            <a:ext cx="1488236" cy="400110"/>
+            <a:ext cx="1441381" cy="400110"/>
           </a:xfrm>
           <a:prstGeom prst="rect">
             <a:avLst/>
@@ -11896,7 +10527,7 @@
                 <a:latin typeface="Sandoll 고딕 03 Bold" pitchFamily="34" charset="-127"/>
                 <a:ea typeface="Sandoll 고딕 03 Bold" pitchFamily="34" charset="-127"/>
               </a:rPr>
-              <a:t>개발 준비</a:t>
+              <a:t>게임 특징</a:t>
             </a:r>
           </a:p>
         </p:txBody>
@@ -12142,10 +10773,10 @@
       </p:grpSp>
       <p:sp>
         <p:nvSpPr>
-          <p:cNvPr id="2" name="TextBox 1">
+          <p:cNvPr id="4163" name="TextBox 4162">
             <a:extLst>
               <a:ext uri="{FF2B5EF4-FFF2-40B4-BE49-F238E27FC236}">
-                <a16:creationId xmlns:a16="http://schemas.microsoft.com/office/drawing/2014/main" id="{A70262A0-FEE2-7285-419F-84C165D09D53}"/>
+                <a16:creationId xmlns:a16="http://schemas.microsoft.com/office/drawing/2014/main" id="{3C4B1F17-2D08-8557-911F-4590D98CF19B}"/>
               </a:ext>
             </a:extLst>
           </p:cNvPr>
@@ -12154,248 +10785,7 @@
         </p:nvSpPr>
         <p:spPr>
           <a:xfrm>
-            <a:off x="1763688" y="1025180"/>
-            <a:ext cx="8061880" cy="5422446"/>
-          </a:xfrm>
-          <a:prstGeom prst="rect">
-            <a:avLst/>
-          </a:prstGeom>
-          <a:noFill/>
-        </p:spPr>
-        <p:txBody>
-          <a:bodyPr wrap="square" rtlCol="0">
-            <a:spAutoFit/>
-          </a:bodyPr>
-          <a:lstStyle/>
-          <a:p>
-            <a:pPr>
-              <a:lnSpc>
-                <a:spcPct val="150000"/>
-              </a:lnSpc>
-            </a:pPr>
-            <a:r>
-              <a:rPr lang="en-US" altLang="ko-KR" sz="2400" dirty="0"/>
-              <a:t>1</a:t>
-            </a:r>
-            <a:r>
-              <a:rPr lang="en-US" altLang="ko-KR" dirty="0"/>
-              <a:t>    </a:t>
-            </a:r>
-            <a:r>
-              <a:rPr lang="ko-KR" altLang="en-US" b="1" dirty="0"/>
-              <a:t>게임 제작</a:t>
-            </a:r>
-            <a:r>
-              <a:rPr lang="ko-KR" altLang="en-US" dirty="0"/>
-              <a:t>에 대한 전반적인 흐름 이해</a:t>
-            </a:r>
-            <a:endParaRPr lang="en-US" altLang="ko-KR" dirty="0"/>
-          </a:p>
-          <a:p>
-            <a:pPr>
-              <a:lnSpc>
-                <a:spcPct val="150000"/>
-              </a:lnSpc>
-            </a:pPr>
-            <a:endParaRPr lang="en-US" altLang="ko-KR" dirty="0"/>
-          </a:p>
-          <a:p>
-            <a:pPr>
-              <a:lnSpc>
-                <a:spcPct val="150000"/>
-              </a:lnSpc>
-            </a:pPr>
-            <a:r>
-              <a:rPr lang="en-US" altLang="ko-KR" sz="2400" dirty="0"/>
-              <a:t>2</a:t>
-            </a:r>
-            <a:r>
-              <a:rPr lang="en-US" altLang="ko-KR" dirty="0"/>
-              <a:t>    </a:t>
-            </a:r>
-            <a:r>
-              <a:rPr lang="ko-KR" altLang="en-US" dirty="0"/>
-              <a:t>다른 사람이 봐도 </a:t>
-            </a:r>
-            <a:r>
-              <a:rPr lang="ko-KR" altLang="en-US" b="1" dirty="0"/>
-              <a:t>이해하기 쉬운 코드 </a:t>
-            </a:r>
-            <a:r>
-              <a:rPr lang="ko-KR" altLang="en-US" dirty="0"/>
-              <a:t>작성 요령 습득</a:t>
-            </a:r>
-            <a:endParaRPr lang="en-US" altLang="ko-KR" dirty="0"/>
-          </a:p>
-          <a:p>
-            <a:pPr>
-              <a:lnSpc>
-                <a:spcPct val="150000"/>
-              </a:lnSpc>
-            </a:pPr>
-            <a:endParaRPr lang="en-US" altLang="ko-KR" dirty="0"/>
-          </a:p>
-          <a:p>
-            <a:pPr>
-              <a:lnSpc>
-                <a:spcPct val="150000"/>
-              </a:lnSpc>
-            </a:pPr>
-            <a:r>
-              <a:rPr lang="en-US" altLang="ko-KR" sz="2400" dirty="0"/>
-              <a:t>3</a:t>
-            </a:r>
-            <a:r>
-              <a:rPr lang="en-US" altLang="ko-KR" dirty="0"/>
-              <a:t>    </a:t>
-            </a:r>
-            <a:r>
-              <a:rPr lang="en-US" altLang="ko-KR" b="1" dirty="0"/>
-              <a:t>DirectX 12 </a:t>
-            </a:r>
-            <a:r>
-              <a:rPr lang="ko-KR" altLang="en-US" dirty="0"/>
-              <a:t>환경의 이해</a:t>
-            </a:r>
-            <a:r>
-              <a:rPr lang="en-US" altLang="ko-KR" dirty="0"/>
-              <a:t> </a:t>
-            </a:r>
-            <a:r>
-              <a:rPr lang="ko-KR" altLang="en-US" dirty="0"/>
-              <a:t>및 화려한 게임 제작</a:t>
-            </a:r>
-            <a:endParaRPr lang="en-US" altLang="ko-KR" dirty="0"/>
-          </a:p>
-          <a:p>
-            <a:pPr>
-              <a:lnSpc>
-                <a:spcPct val="150000"/>
-              </a:lnSpc>
-            </a:pPr>
-            <a:endParaRPr lang="en-US" altLang="ko-KR" dirty="0"/>
-          </a:p>
-          <a:p>
-            <a:pPr>
-              <a:lnSpc>
-                <a:spcPct val="150000"/>
-              </a:lnSpc>
-            </a:pPr>
-            <a:r>
-              <a:rPr lang="en-US" altLang="ko-KR" sz="2400" dirty="0"/>
-              <a:t>4</a:t>
-            </a:r>
-            <a:r>
-              <a:rPr lang="en-US" altLang="ko-KR" dirty="0"/>
-              <a:t>    </a:t>
-            </a:r>
-            <a:r>
-              <a:rPr lang="en-US" altLang="ko-KR" b="1" dirty="0"/>
-              <a:t>IOCP</a:t>
-            </a:r>
-            <a:r>
-              <a:rPr lang="en-US" altLang="ko-KR" dirty="0"/>
-              <a:t> </a:t>
-            </a:r>
-            <a:r>
-              <a:rPr lang="ko-KR" altLang="en-US" dirty="0"/>
-              <a:t>서버 환경에 대한 이해</a:t>
-            </a:r>
-            <a:endParaRPr lang="en-US" altLang="ko-KR" dirty="0"/>
-          </a:p>
-          <a:p>
-            <a:pPr>
-              <a:lnSpc>
-                <a:spcPct val="150000"/>
-              </a:lnSpc>
-            </a:pPr>
-            <a:endParaRPr lang="en-US" altLang="ko-KR" dirty="0"/>
-          </a:p>
-          <a:p>
-            <a:pPr>
-              <a:lnSpc>
-                <a:spcPct val="150000"/>
-              </a:lnSpc>
-            </a:pPr>
-            <a:r>
-              <a:rPr lang="en-US" altLang="ko-KR" sz="2400" dirty="0"/>
-              <a:t>5</a:t>
-            </a:r>
-            <a:r>
-              <a:rPr lang="en-US" altLang="ko-KR" dirty="0"/>
-              <a:t>    </a:t>
-            </a:r>
-            <a:r>
-              <a:rPr lang="ko-KR" altLang="en-US" dirty="0"/>
-              <a:t>게임에 </a:t>
-            </a:r>
-            <a:r>
-              <a:rPr lang="ko-KR" altLang="en-US" b="1" dirty="0"/>
-              <a:t>다양한 네트워크</a:t>
-            </a:r>
-            <a:r>
-              <a:rPr lang="ko-KR" altLang="en-US" dirty="0"/>
-              <a:t>를 접목시키는 방식 경험</a:t>
-            </a:r>
-            <a:endParaRPr lang="en-US" altLang="ko-KR" dirty="0"/>
-          </a:p>
-          <a:p>
-            <a:pPr>
-              <a:lnSpc>
-                <a:spcPct val="150000"/>
-              </a:lnSpc>
-            </a:pPr>
-            <a:endParaRPr lang="en-US" altLang="ko-KR" dirty="0"/>
-          </a:p>
-          <a:p>
-            <a:pPr>
-              <a:lnSpc>
-                <a:spcPct val="150000"/>
-              </a:lnSpc>
-            </a:pPr>
-            <a:r>
-              <a:rPr lang="en-US" altLang="ko-KR" sz="2400" dirty="0"/>
-              <a:t>6</a:t>
-            </a:r>
-            <a:r>
-              <a:rPr lang="en-US" altLang="ko-KR" dirty="0"/>
-              <a:t>    </a:t>
-            </a:r>
-            <a:r>
-              <a:rPr lang="en-US" altLang="ko-KR" b="1" dirty="0"/>
-              <a:t>GIT</a:t>
-            </a:r>
-            <a:r>
-              <a:rPr lang="ko-KR" altLang="en-US" dirty="0"/>
-              <a:t>을 이용한 </a:t>
-            </a:r>
-            <a:r>
-              <a:rPr lang="ko-KR" altLang="en-US" b="1" dirty="0"/>
-              <a:t>협업능력</a:t>
-            </a:r>
-            <a:r>
-              <a:rPr lang="ko-KR" altLang="en-US" dirty="0"/>
-              <a:t> 향상</a:t>
-            </a:r>
-            <a:endParaRPr lang="en-US" altLang="ko-KR" dirty="0"/>
-          </a:p>
-        </p:txBody>
-      </p:sp>
-      <p:sp>
-        <p:nvSpPr>
-          <p:cNvPr id="6" name="TextBox 5">
-            <a:extLst>
-              <a:ext uri="{FF2B5EF4-FFF2-40B4-BE49-F238E27FC236}">
-                <a16:creationId xmlns:a16="http://schemas.microsoft.com/office/drawing/2014/main" id="{C0397F37-A0EF-62DE-22EA-F082A53E380B}"/>
-              </a:ext>
-            </a:extLst>
-          </p:cNvPr>
-          <p:cNvSpPr txBox="1"/>
-          <p:nvPr/>
-        </p:nvSpPr>
-        <p:spPr>
-          <a:xfrm>
-            <a:off x="1835696" y="366265"/>
+            <a:off x="1907704" y="366265"/>
             <a:ext cx="2232248" cy="338554"/>
           </a:xfrm>
           <a:prstGeom prst="rect">
@@ -12419,7 +10809,7 @@
                 <a:latin typeface="Sandoll 고딕 02 Medium" pitchFamily="34" charset="-127"/>
                 <a:ea typeface="Sandoll 고딕 02 Medium" pitchFamily="34" charset="-127"/>
               </a:rPr>
-              <a:t>1) </a:t>
+              <a:t>3) </a:t>
             </a:r>
             <a:r>
               <a:rPr lang="ko-KR" altLang="en-US" sz="1600" dirty="0">
@@ -12431,7 +10821,520 @@
                 <a:latin typeface="Sandoll 고딕 02 Medium" pitchFamily="34" charset="-127"/>
                 <a:ea typeface="Sandoll 고딕 02 Medium" pitchFamily="34" charset="-127"/>
               </a:rPr>
-              <a:t>연구 목적</a:t>
+              <a:t>타 게임과 비교</a:t>
+            </a:r>
+          </a:p>
+        </p:txBody>
+      </p:sp>
+      <p:pic>
+        <p:nvPicPr>
+          <p:cNvPr id="3" name="그림 2">
+            <a:extLst>
+              <a:ext uri="{FF2B5EF4-FFF2-40B4-BE49-F238E27FC236}">
+                <a16:creationId xmlns:a16="http://schemas.microsoft.com/office/drawing/2014/main" id="{C32A9BB2-54F0-A71F-5A4E-E85793B4180A}"/>
+              </a:ext>
+            </a:extLst>
+          </p:cNvPr>
+          <p:cNvPicPr>
+            <a:picLocks noChangeAspect="1"/>
+          </p:cNvPicPr>
+          <p:nvPr/>
+        </p:nvPicPr>
+        <p:blipFill>
+          <a:blip r:embed="rId2"/>
+          <a:stretch>
+            <a:fillRect/>
+          </a:stretch>
+        </p:blipFill>
+        <p:spPr>
+          <a:xfrm>
+            <a:off x="505011" y="1690760"/>
+            <a:ext cx="4046793" cy="2282676"/>
+          </a:xfrm>
+          <a:prstGeom prst="rect">
+            <a:avLst/>
+          </a:prstGeom>
+        </p:spPr>
+      </p:pic>
+      <p:sp>
+        <p:nvSpPr>
+          <p:cNvPr id="6" name="TextBox 5">
+            <a:extLst>
+              <a:ext uri="{FF2B5EF4-FFF2-40B4-BE49-F238E27FC236}">
+                <a16:creationId xmlns:a16="http://schemas.microsoft.com/office/drawing/2014/main" id="{51586400-A884-2B06-3106-F3107DD7C1FF}"/>
+              </a:ext>
+            </a:extLst>
+          </p:cNvPr>
+          <p:cNvSpPr txBox="1"/>
+          <p:nvPr/>
+        </p:nvSpPr>
+        <p:spPr>
+          <a:xfrm>
+            <a:off x="503041" y="4001131"/>
+            <a:ext cx="3936510" cy="215444"/>
+          </a:xfrm>
+          <a:prstGeom prst="rect">
+            <a:avLst/>
+          </a:prstGeom>
+          <a:noFill/>
+        </p:spPr>
+        <p:txBody>
+          <a:bodyPr wrap="square" rtlCol="0">
+            <a:spAutoFit/>
+          </a:bodyPr>
+          <a:lstStyle/>
+          <a:p>
+            <a:r>
+              <a:rPr lang="ko-KR" altLang="en-US" sz="800" dirty="0"/>
+              <a:t>출처 </a:t>
+            </a:r>
+            <a:r>
+              <a:rPr lang="en-US" altLang="ko-KR" sz="800" dirty="0"/>
+              <a:t>- https://bzooryu.tistory.com/77</a:t>
+            </a:r>
+            <a:endParaRPr lang="ko-KR" altLang="en-US" sz="800" dirty="0"/>
+          </a:p>
+        </p:txBody>
+      </p:sp>
+      <p:pic>
+        <p:nvPicPr>
+          <p:cNvPr id="10242" name="Picture 2" descr="Gunfire Reborn - Proving the '30 Seconds of Fun' Mantra">
+            <a:extLst>
+              <a:ext uri="{FF2B5EF4-FFF2-40B4-BE49-F238E27FC236}">
+                <a16:creationId xmlns:a16="http://schemas.microsoft.com/office/drawing/2014/main" id="{E15E812A-79A7-7A19-A56C-8492C36AB087}"/>
+              </a:ext>
+            </a:extLst>
+          </p:cNvPr>
+          <p:cNvPicPr>
+            <a:picLocks noChangeAspect="1" noChangeArrowheads="1"/>
+          </p:cNvPicPr>
+          <p:nvPr/>
+        </p:nvPicPr>
+        <p:blipFill>
+          <a:blip r:embed="rId3" cstate="print">
+            <a:extLst>
+              <a:ext uri="{28A0092B-C50C-407E-A947-70E740481C1C}">
+                <a14:useLocalDpi xmlns:a14="http://schemas.microsoft.com/office/drawing/2010/main" val="0"/>
+              </a:ext>
+            </a:extLst>
+          </a:blip>
+          <a:srcRect/>
+          <a:stretch>
+            <a:fillRect/>
+          </a:stretch>
+        </p:blipFill>
+        <p:spPr bwMode="auto">
+          <a:xfrm>
+            <a:off x="503040" y="4247353"/>
+            <a:ext cx="4046793" cy="2282675"/>
+          </a:xfrm>
+          <a:prstGeom prst="rect">
+            <a:avLst/>
+          </a:prstGeom>
+          <a:noFill/>
+          <a:extLst>
+            <a:ext uri="{909E8E84-426E-40DD-AFC4-6F175D3DCCD1}">
+              <a14:hiddenFill xmlns:a14="http://schemas.microsoft.com/office/drawing/2010/main">
+                <a:solidFill>
+                  <a:srgbClr val="FFFFFF"/>
+                </a:solidFill>
+              </a14:hiddenFill>
+            </a:ext>
+          </a:extLst>
+        </p:spPr>
+      </p:pic>
+      <p:sp>
+        <p:nvSpPr>
+          <p:cNvPr id="19" name="TextBox 18">
+            <a:extLst>
+              <a:ext uri="{FF2B5EF4-FFF2-40B4-BE49-F238E27FC236}">
+                <a16:creationId xmlns:a16="http://schemas.microsoft.com/office/drawing/2014/main" id="{DC0A1512-0BE4-9FBB-FF7E-94EC0C056D4D}"/>
+              </a:ext>
+            </a:extLst>
+          </p:cNvPr>
+          <p:cNvSpPr txBox="1"/>
+          <p:nvPr/>
+        </p:nvSpPr>
+        <p:spPr>
+          <a:xfrm>
+            <a:off x="503041" y="6514249"/>
+            <a:ext cx="3936510" cy="215444"/>
+          </a:xfrm>
+          <a:prstGeom prst="rect">
+            <a:avLst/>
+          </a:prstGeom>
+          <a:noFill/>
+        </p:spPr>
+        <p:txBody>
+          <a:bodyPr wrap="square" rtlCol="0">
+            <a:spAutoFit/>
+          </a:bodyPr>
+          <a:lstStyle/>
+          <a:p>
+            <a:r>
+              <a:rPr lang="ko-KR" altLang="en-US" sz="800" dirty="0"/>
+              <a:t>출처 </a:t>
+            </a:r>
+            <a:r>
+              <a:rPr lang="en-US" altLang="ko-KR" sz="800" dirty="0"/>
+              <a:t>- https://www.superjumpmagazine.com/gunfire-reborn-30-seconds-of-fun/</a:t>
+            </a:r>
+            <a:endParaRPr lang="ko-KR" altLang="en-US" sz="800" dirty="0"/>
+          </a:p>
+        </p:txBody>
+      </p:sp>
+      <p:sp>
+        <p:nvSpPr>
+          <p:cNvPr id="20" name="TextBox 19">
+            <a:extLst>
+              <a:ext uri="{FF2B5EF4-FFF2-40B4-BE49-F238E27FC236}">
+                <a16:creationId xmlns:a16="http://schemas.microsoft.com/office/drawing/2014/main" id="{6F0EB287-4D86-8B27-81B0-B1209604BE06}"/>
+              </a:ext>
+            </a:extLst>
+          </p:cNvPr>
+          <p:cNvSpPr txBox="1"/>
+          <p:nvPr/>
+        </p:nvSpPr>
+        <p:spPr>
+          <a:xfrm>
+            <a:off x="1338304" y="933066"/>
+            <a:ext cx="2376264" cy="646331"/>
+          </a:xfrm>
+          <a:prstGeom prst="rect">
+            <a:avLst/>
+          </a:prstGeom>
+          <a:noFill/>
+        </p:spPr>
+        <p:txBody>
+          <a:bodyPr wrap="square" rtlCol="0">
+            <a:spAutoFit/>
+          </a:bodyPr>
+          <a:lstStyle/>
+          <a:p>
+            <a:pPr algn="ctr"/>
+            <a:r>
+              <a:rPr lang="ko-KR" altLang="en-US" dirty="0" err="1"/>
+              <a:t>건파이어</a:t>
+            </a:r>
+            <a:r>
+              <a:rPr lang="ko-KR" altLang="en-US" dirty="0"/>
+              <a:t> 리본</a:t>
+            </a:r>
+            <a:endParaRPr lang="en-US" altLang="ko-KR" dirty="0"/>
+          </a:p>
+          <a:p>
+            <a:pPr algn="ctr"/>
+            <a:r>
+              <a:rPr lang="en-US" altLang="ko-KR" dirty="0"/>
+              <a:t>( Gunfire Reborn )</a:t>
+            </a:r>
+            <a:endParaRPr lang="ko-KR" altLang="en-US" dirty="0"/>
+          </a:p>
+        </p:txBody>
+      </p:sp>
+      <p:sp>
+        <p:nvSpPr>
+          <p:cNvPr id="21" name="TextBox 20">
+            <a:extLst>
+              <a:ext uri="{FF2B5EF4-FFF2-40B4-BE49-F238E27FC236}">
+                <a16:creationId xmlns:a16="http://schemas.microsoft.com/office/drawing/2014/main" id="{3685A815-B982-D946-3384-F419145D23B2}"/>
+              </a:ext>
+            </a:extLst>
+          </p:cNvPr>
+          <p:cNvSpPr txBox="1"/>
+          <p:nvPr/>
+        </p:nvSpPr>
+        <p:spPr>
+          <a:xfrm>
+            <a:off x="6162838" y="1386998"/>
+            <a:ext cx="1368152" cy="369332"/>
+          </a:xfrm>
+          <a:prstGeom prst="rect">
+            <a:avLst/>
+          </a:prstGeom>
+          <a:noFill/>
+        </p:spPr>
+        <p:txBody>
+          <a:bodyPr wrap="square" rtlCol="0">
+            <a:spAutoFit/>
+          </a:bodyPr>
+          <a:lstStyle/>
+          <a:p>
+            <a:pPr algn="ctr"/>
+            <a:r>
+              <a:rPr lang="ko-KR" altLang="en-US" dirty="0"/>
+              <a:t>유사점</a:t>
+            </a:r>
+          </a:p>
+        </p:txBody>
+      </p:sp>
+      <p:sp>
+        <p:nvSpPr>
+          <p:cNvPr id="22" name="사각형: 둥근 모서리 21">
+            <a:extLst>
+              <a:ext uri="{FF2B5EF4-FFF2-40B4-BE49-F238E27FC236}">
+                <a16:creationId xmlns:a16="http://schemas.microsoft.com/office/drawing/2014/main" id="{6160797C-CB6A-E90C-5CF2-B2030C1B3166}"/>
+              </a:ext>
+            </a:extLst>
+          </p:cNvPr>
+          <p:cNvSpPr/>
+          <p:nvPr/>
+        </p:nvSpPr>
+        <p:spPr>
+          <a:xfrm>
+            <a:off x="4801350" y="1776306"/>
+            <a:ext cx="4091129" cy="2224826"/>
+          </a:xfrm>
+          <a:prstGeom prst="roundRect">
+            <a:avLst/>
+          </a:prstGeom>
+        </p:spPr>
+        <p:style>
+          <a:lnRef idx="2">
+            <a:schemeClr val="dk1"/>
+          </a:lnRef>
+          <a:fillRef idx="1">
+            <a:schemeClr val="lt1"/>
+          </a:fillRef>
+          <a:effectRef idx="0">
+            <a:schemeClr val="dk1"/>
+          </a:effectRef>
+          <a:fontRef idx="minor">
+            <a:schemeClr val="dk1"/>
+          </a:fontRef>
+        </p:style>
+        <p:txBody>
+          <a:bodyPr rtlCol="0" anchor="ctr"/>
+          <a:lstStyle/>
+          <a:p>
+            <a:pPr marL="228600" indent="-228600">
+              <a:buAutoNum type="arabicPeriod"/>
+            </a:pPr>
+            <a:r>
+              <a:rPr lang="en-US" altLang="ko-KR" sz="1200" dirty="0"/>
+              <a:t>1</a:t>
+            </a:r>
+            <a:r>
+              <a:rPr lang="ko-KR" altLang="en-US" sz="1200" dirty="0"/>
+              <a:t>인칭 게임이다</a:t>
+            </a:r>
+            <a:r>
+              <a:rPr lang="en-US" altLang="ko-KR" sz="1200" dirty="0"/>
+              <a:t>.</a:t>
+            </a:r>
+          </a:p>
+          <a:p>
+            <a:pPr marL="228600" indent="-228600">
+              <a:buAutoNum type="arabicPeriod"/>
+            </a:pPr>
+            <a:endParaRPr lang="en-US" altLang="ko-KR" sz="1200" dirty="0"/>
+          </a:p>
+          <a:p>
+            <a:r>
+              <a:rPr lang="en-US" altLang="ko-KR" sz="1200" dirty="0"/>
+              <a:t>2. </a:t>
+            </a:r>
+            <a:r>
+              <a:rPr lang="ko-KR" altLang="en-US" sz="1200" dirty="0"/>
+              <a:t>최대 </a:t>
+            </a:r>
+            <a:r>
+              <a:rPr lang="en-US" altLang="ko-KR" sz="1200" dirty="0"/>
+              <a:t>4</a:t>
+            </a:r>
+            <a:r>
+              <a:rPr lang="ko-KR" altLang="en-US" sz="1200" dirty="0"/>
+              <a:t>인 협동게임이다</a:t>
+            </a:r>
+            <a:endParaRPr lang="en-US" altLang="ko-KR" sz="1200" dirty="0"/>
+          </a:p>
+          <a:p>
+            <a:endParaRPr lang="en-US" altLang="ko-KR" sz="1200" dirty="0"/>
+          </a:p>
+          <a:p>
+            <a:r>
+              <a:rPr lang="en-US" altLang="ko-KR" sz="1200" dirty="0"/>
+              <a:t>3. </a:t>
+            </a:r>
+            <a:r>
+              <a:rPr lang="ko-KR" altLang="en-US" sz="1200" dirty="0"/>
+              <a:t>스킬과 무기를 사용하여 적을 물리쳐야 한다</a:t>
+            </a:r>
+            <a:r>
+              <a:rPr lang="en-US" altLang="ko-KR" sz="1200" dirty="0"/>
+              <a:t>.</a:t>
+            </a:r>
+          </a:p>
+          <a:p>
+            <a:endParaRPr lang="en-US" altLang="ko-KR" sz="1200" dirty="0"/>
+          </a:p>
+          <a:p>
+            <a:r>
+              <a:rPr lang="en-US" altLang="ko-KR" sz="1200" dirty="0"/>
+              <a:t>4. </a:t>
+            </a:r>
+            <a:r>
+              <a:rPr lang="ko-KR" altLang="en-US" sz="1200" dirty="0"/>
+              <a:t>일반 스테이지와 보스 스테이지로 나뉘어져 있다</a:t>
+            </a:r>
+            <a:r>
+              <a:rPr lang="en-US" altLang="ko-KR" sz="1200" dirty="0"/>
+              <a:t>.</a:t>
+            </a:r>
+          </a:p>
+        </p:txBody>
+      </p:sp>
+      <p:sp>
+        <p:nvSpPr>
+          <p:cNvPr id="23" name="TextBox 22">
+            <a:extLst>
+              <a:ext uri="{FF2B5EF4-FFF2-40B4-BE49-F238E27FC236}">
+                <a16:creationId xmlns:a16="http://schemas.microsoft.com/office/drawing/2014/main" id="{719690DC-B741-65A2-7139-4DFDCCC79FE8}"/>
+              </a:ext>
+            </a:extLst>
+          </p:cNvPr>
+          <p:cNvSpPr txBox="1"/>
+          <p:nvPr/>
+        </p:nvSpPr>
+        <p:spPr>
+          <a:xfrm>
+            <a:off x="6162838" y="3999975"/>
+            <a:ext cx="1368152" cy="338554"/>
+          </a:xfrm>
+          <a:prstGeom prst="rect">
+            <a:avLst/>
+          </a:prstGeom>
+          <a:noFill/>
+        </p:spPr>
+        <p:txBody>
+          <a:bodyPr wrap="square" rtlCol="0">
+            <a:spAutoFit/>
+          </a:bodyPr>
+          <a:lstStyle/>
+          <a:p>
+            <a:pPr algn="ctr"/>
+            <a:r>
+              <a:rPr lang="ko-KR" altLang="en-US" sz="1600" dirty="0"/>
+              <a:t>차이점</a:t>
+            </a:r>
+          </a:p>
+        </p:txBody>
+      </p:sp>
+      <p:sp>
+        <p:nvSpPr>
+          <p:cNvPr id="24" name="사각형: 둥근 모서리 23">
+            <a:extLst>
+              <a:ext uri="{FF2B5EF4-FFF2-40B4-BE49-F238E27FC236}">
+                <a16:creationId xmlns:a16="http://schemas.microsoft.com/office/drawing/2014/main" id="{2985935C-F360-9724-9143-FF88A42CA5C8}"/>
+              </a:ext>
+            </a:extLst>
+          </p:cNvPr>
+          <p:cNvSpPr/>
+          <p:nvPr/>
+        </p:nvSpPr>
+        <p:spPr>
+          <a:xfrm>
+            <a:off x="4801350" y="4342289"/>
+            <a:ext cx="4091129" cy="2224826"/>
+          </a:xfrm>
+          <a:prstGeom prst="roundRect">
+            <a:avLst/>
+          </a:prstGeom>
+        </p:spPr>
+        <p:style>
+          <a:lnRef idx="2">
+            <a:schemeClr val="dk1"/>
+          </a:lnRef>
+          <a:fillRef idx="1">
+            <a:schemeClr val="lt1"/>
+          </a:fillRef>
+          <a:effectRef idx="0">
+            <a:schemeClr val="dk1"/>
+          </a:effectRef>
+          <a:fontRef idx="minor">
+            <a:schemeClr val="dk1"/>
+          </a:fontRef>
+        </p:style>
+        <p:txBody>
+          <a:bodyPr rtlCol="0" anchor="ctr"/>
+          <a:lstStyle/>
+          <a:p>
+            <a:pPr marL="228600" indent="-228600">
+              <a:buAutoNum type="arabicPeriod"/>
+            </a:pPr>
+            <a:r>
+              <a:rPr lang="ko-KR" altLang="en-US" sz="1200" dirty="0" err="1"/>
+              <a:t>마나를</a:t>
+            </a:r>
+            <a:r>
+              <a:rPr lang="ko-KR" altLang="en-US" sz="1200" dirty="0"/>
+              <a:t> 신경 써야 한다</a:t>
+            </a:r>
+            <a:r>
+              <a:rPr lang="en-US" altLang="ko-KR" sz="1200" dirty="0"/>
+              <a:t>.</a:t>
+            </a:r>
+          </a:p>
+          <a:p>
+            <a:pPr marL="228600" indent="-228600">
+              <a:buAutoNum type="arabicPeriod"/>
+            </a:pPr>
+            <a:endParaRPr lang="en-US" altLang="ko-KR" sz="1200" dirty="0"/>
+          </a:p>
+          <a:p>
+            <a:r>
+              <a:rPr lang="en-US" altLang="ko-KR" sz="1200" dirty="0"/>
+              <a:t>2. </a:t>
+            </a:r>
+            <a:r>
+              <a:rPr lang="ko-KR" altLang="en-US" sz="1200" dirty="0"/>
+              <a:t>게임 진행을 위한 스토리 </a:t>
+            </a:r>
+            <a:r>
+              <a:rPr lang="ko-KR" altLang="en-US" sz="1200" dirty="0" err="1"/>
+              <a:t>텔링이</a:t>
+            </a:r>
+            <a:r>
+              <a:rPr lang="ko-KR" altLang="en-US" sz="1200" dirty="0"/>
+              <a:t> 존재한다</a:t>
+            </a:r>
+            <a:r>
+              <a:rPr lang="en-US" altLang="ko-KR" sz="1200" dirty="0"/>
+              <a:t>.</a:t>
+            </a:r>
+          </a:p>
+          <a:p>
+            <a:endParaRPr lang="en-US" altLang="ko-KR" sz="1200" dirty="0"/>
+          </a:p>
+          <a:p>
+            <a:r>
+              <a:rPr lang="en-US" altLang="ko-KR" sz="1200" dirty="0"/>
+              <a:t>3. </a:t>
+            </a:r>
+            <a:r>
+              <a:rPr lang="ko-KR" altLang="en-US" sz="1200" dirty="0"/>
+              <a:t>음성채팅이 가능하다</a:t>
+            </a:r>
+            <a:r>
+              <a:rPr lang="en-US" altLang="ko-KR" sz="1200" dirty="0"/>
+              <a:t>.</a:t>
+            </a:r>
+          </a:p>
+          <a:p>
+            <a:endParaRPr lang="en-US" altLang="ko-KR" sz="1200" dirty="0"/>
+          </a:p>
+          <a:p>
+            <a:r>
+              <a:rPr lang="en-US" altLang="ko-KR" sz="1200" dirty="0"/>
+              <a:t>4. </a:t>
+            </a:r>
+            <a:r>
+              <a:rPr lang="ko-KR" altLang="en-US" sz="1200" dirty="0"/>
+              <a:t>게임이 플레이어의 감각에 영향을 준다</a:t>
+            </a:r>
+            <a:r>
+              <a:rPr lang="en-US" altLang="ko-KR" sz="1200" dirty="0"/>
+              <a:t>.</a:t>
             </a:r>
           </a:p>
         </p:txBody>
@@ -12439,7 +11342,7 @@
     </p:spTree>
     <p:extLst>
       <p:ext uri="{BB962C8B-B14F-4D97-AF65-F5344CB8AC3E}">
-        <p14:creationId xmlns:p14="http://schemas.microsoft.com/office/powerpoint/2010/main" val="56458010"/>
+        <p14:creationId xmlns:p14="http://schemas.microsoft.com/office/powerpoint/2010/main" val="1902747088"/>
       </p:ext>
     </p:extLst>
   </p:cSld>
@@ -12449,7 +11352,7 @@
 </p:sld>
 </file>
 
-<file path=ppt/slides/slide20.xml><?xml version="1.0" encoding="utf-8"?>
+<file path=ppt/slides/slide19.xml><?xml version="1.0" encoding="utf-8"?>
 <p:sld xmlns:a="http://schemas.openxmlformats.org/drawingml/2006/main" xmlns:r="http://schemas.openxmlformats.org/officeDocument/2006/relationships" xmlns:p="http://schemas.openxmlformats.org/presentationml/2006/main">
   <p:cSld>
     <p:spTree>
@@ -12523,7 +11426,1408 @@
         <p:spPr>
           <a:xfrm>
             <a:off x="635490" y="335487"/>
-            <a:ext cx="1441381" cy="400110"/>
+            <a:ext cx="1776269" cy="400110"/>
+          </a:xfrm>
+          <a:prstGeom prst="rect">
+            <a:avLst/>
+          </a:prstGeom>
+          <a:noFill/>
+        </p:spPr>
+        <p:txBody>
+          <a:bodyPr wrap="square" rtlCol="0">
+            <a:spAutoFit/>
+          </a:bodyPr>
+          <a:lstStyle/>
+          <a:p>
+            <a:r>
+              <a:rPr lang="ko-KR" altLang="en-US" sz="2000">
+                <a:solidFill>
+                  <a:schemeClr val="tx1">
+                    <a:lumMod val="75000"/>
+                    <a:lumOff val="25000"/>
+                  </a:schemeClr>
+                </a:solidFill>
+                <a:latin typeface="Sandoll 고딕 03 Bold" pitchFamily="34" charset="-127"/>
+                <a:ea typeface="Sandoll 고딕 03 Bold" pitchFamily="34" charset="-127"/>
+              </a:rPr>
+              <a:t>현황 및 계획</a:t>
+            </a:r>
+            <a:endParaRPr lang="ko-KR" altLang="en-US" sz="2000" dirty="0">
+              <a:solidFill>
+                <a:schemeClr val="tx1">
+                  <a:lumMod val="75000"/>
+                  <a:lumOff val="25000"/>
+                </a:schemeClr>
+              </a:solidFill>
+              <a:latin typeface="Sandoll 고딕 03 Bold" pitchFamily="34" charset="-127"/>
+              <a:ea typeface="Sandoll 고딕 03 Bold" pitchFamily="34" charset="-127"/>
+            </a:endParaRPr>
+          </a:p>
+        </p:txBody>
+      </p:sp>
+      <p:cxnSp>
+        <p:nvCxnSpPr>
+          <p:cNvPr id="7" name="직선 연결선 6"/>
+          <p:cNvCxnSpPr/>
+          <p:nvPr/>
+        </p:nvCxnSpPr>
+        <p:spPr>
+          <a:xfrm>
+            <a:off x="251520" y="0"/>
+            <a:ext cx="0" cy="6858000"/>
+          </a:xfrm>
+          <a:prstGeom prst="line">
+            <a:avLst/>
+          </a:prstGeom>
+          <a:ln>
+            <a:solidFill>
+              <a:schemeClr val="bg1">
+                <a:lumMod val="65000"/>
+              </a:schemeClr>
+            </a:solidFill>
+            <a:prstDash val="sysDot"/>
+          </a:ln>
+        </p:spPr>
+        <p:style>
+          <a:lnRef idx="1">
+            <a:schemeClr val="accent1"/>
+          </a:lnRef>
+          <a:fillRef idx="0">
+            <a:schemeClr val="accent1"/>
+          </a:fillRef>
+          <a:effectRef idx="0">
+            <a:schemeClr val="accent1"/>
+          </a:effectRef>
+          <a:fontRef idx="minor">
+            <a:schemeClr val="tx1"/>
+          </a:fontRef>
+        </p:style>
+      </p:cxnSp>
+      <p:cxnSp>
+        <p:nvCxnSpPr>
+          <p:cNvPr id="8" name="직선 연결선 7"/>
+          <p:cNvCxnSpPr/>
+          <p:nvPr/>
+        </p:nvCxnSpPr>
+        <p:spPr>
+          <a:xfrm>
+            <a:off x="0" y="260648"/>
+            <a:ext cx="9144000" cy="0"/>
+          </a:xfrm>
+          <a:prstGeom prst="line">
+            <a:avLst/>
+          </a:prstGeom>
+          <a:ln>
+            <a:solidFill>
+              <a:schemeClr val="bg1">
+                <a:lumMod val="65000"/>
+              </a:schemeClr>
+            </a:solidFill>
+            <a:prstDash val="sysDot"/>
+          </a:ln>
+        </p:spPr>
+        <p:style>
+          <a:lnRef idx="1">
+            <a:schemeClr val="accent1"/>
+          </a:lnRef>
+          <a:fillRef idx="0">
+            <a:schemeClr val="accent1"/>
+          </a:fillRef>
+          <a:effectRef idx="0">
+            <a:schemeClr val="accent1"/>
+          </a:effectRef>
+          <a:fontRef idx="minor">
+            <a:schemeClr val="tx1"/>
+          </a:fontRef>
+        </p:style>
+      </p:cxnSp>
+      <p:sp>
+        <p:nvSpPr>
+          <p:cNvPr id="4163" name="TextBox 4162">
+            <a:extLst>
+              <a:ext uri="{FF2B5EF4-FFF2-40B4-BE49-F238E27FC236}">
+                <a16:creationId xmlns:a16="http://schemas.microsoft.com/office/drawing/2014/main" id="{3C4B1F17-2D08-8557-911F-4590D98CF19B}"/>
+              </a:ext>
+            </a:extLst>
+          </p:cNvPr>
+          <p:cNvSpPr txBox="1"/>
+          <p:nvPr/>
+        </p:nvSpPr>
+        <p:spPr>
+          <a:xfrm>
+            <a:off x="2194227" y="366265"/>
+            <a:ext cx="5258091" cy="338554"/>
+          </a:xfrm>
+          <a:prstGeom prst="rect">
+            <a:avLst/>
+          </a:prstGeom>
+          <a:noFill/>
+        </p:spPr>
+        <p:txBody>
+          <a:bodyPr wrap="square" rtlCol="0">
+            <a:spAutoFit/>
+          </a:bodyPr>
+          <a:lstStyle/>
+          <a:p>
+            <a:r>
+              <a:rPr lang="en-US" altLang="ko-KR" sz="1600" dirty="0">
+                <a:solidFill>
+                  <a:schemeClr val="bg1">
+                    <a:lumMod val="50000"/>
+                  </a:schemeClr>
+                </a:solidFill>
+                <a:latin typeface="Sandoll 고딕 02 Medium" pitchFamily="34" charset="-127"/>
+                <a:ea typeface="Sandoll 고딕 02 Medium" pitchFamily="34" charset="-127"/>
+              </a:rPr>
+              <a:t>1) </a:t>
+            </a:r>
+            <a:r>
+              <a:rPr lang="ko-KR" altLang="en-US" sz="1600" dirty="0">
+                <a:solidFill>
+                  <a:schemeClr val="bg1">
+                    <a:lumMod val="50000"/>
+                  </a:schemeClr>
+                </a:solidFill>
+                <a:latin typeface="Sandoll 고딕 02 Medium" pitchFamily="34" charset="-127"/>
+                <a:ea typeface="Sandoll 고딕 02 Medium" pitchFamily="34" charset="-127"/>
+              </a:rPr>
+              <a:t>구성원 역할 분담 및 중점 연구 분야</a:t>
+            </a:r>
+          </a:p>
+        </p:txBody>
+      </p:sp>
+      <p:sp>
+        <p:nvSpPr>
+          <p:cNvPr id="2" name="TextBox 1">
+            <a:extLst>
+              <a:ext uri="{FF2B5EF4-FFF2-40B4-BE49-F238E27FC236}">
+                <a16:creationId xmlns:a16="http://schemas.microsoft.com/office/drawing/2014/main" id="{35DAEF35-F020-A34B-7F86-186C9B3A3EB9}"/>
+              </a:ext>
+            </a:extLst>
+          </p:cNvPr>
+          <p:cNvSpPr txBox="1"/>
+          <p:nvPr/>
+        </p:nvSpPr>
+        <p:spPr>
+          <a:xfrm>
+            <a:off x="450252" y="1848251"/>
+            <a:ext cx="1584176" cy="861774"/>
+          </a:xfrm>
+          <a:prstGeom prst="rect">
+            <a:avLst/>
+          </a:prstGeom>
+        </p:spPr>
+        <p:style>
+          <a:lnRef idx="2">
+            <a:schemeClr val="accent3"/>
+          </a:lnRef>
+          <a:fillRef idx="1">
+            <a:schemeClr val="lt1"/>
+          </a:fillRef>
+          <a:effectRef idx="0">
+            <a:schemeClr val="accent3"/>
+          </a:effectRef>
+          <a:fontRef idx="minor">
+            <a:schemeClr val="dk1"/>
+          </a:fontRef>
+        </p:style>
+        <p:txBody>
+          <a:bodyPr wrap="square" rtlCol="0">
+            <a:spAutoFit/>
+          </a:bodyPr>
+          <a:lstStyle/>
+          <a:p>
+            <a:r>
+              <a:rPr lang="en-US" altLang="ko-KR" sz="1600" dirty="0"/>
+              <a:t>2018180020</a:t>
+            </a:r>
+          </a:p>
+          <a:p>
+            <a:r>
+              <a:rPr lang="ko-KR" altLang="en-US" b="1" dirty="0"/>
+              <a:t>박재우</a:t>
+            </a:r>
+            <a:endParaRPr lang="en-US" altLang="ko-KR" b="1" dirty="0"/>
+          </a:p>
+          <a:p>
+            <a:r>
+              <a:rPr lang="en-US" altLang="ko-KR" sz="1400" dirty="0"/>
+              <a:t>(</a:t>
+            </a:r>
+            <a:r>
+              <a:rPr lang="ko-KR" altLang="en-US" sz="1400" dirty="0"/>
+              <a:t>클라이언트</a:t>
+            </a:r>
+            <a:r>
+              <a:rPr lang="en-US" altLang="ko-KR" sz="1400" dirty="0"/>
+              <a:t>)</a:t>
+            </a:r>
+            <a:endParaRPr lang="ko-KR" altLang="en-US" sz="1400" dirty="0"/>
+          </a:p>
+        </p:txBody>
+      </p:sp>
+      <p:sp>
+        <p:nvSpPr>
+          <p:cNvPr id="3" name="TextBox 2">
+            <a:extLst>
+              <a:ext uri="{FF2B5EF4-FFF2-40B4-BE49-F238E27FC236}">
+                <a16:creationId xmlns:a16="http://schemas.microsoft.com/office/drawing/2014/main" id="{39610EAD-EAEA-97D2-682D-F46F83F44849}"/>
+              </a:ext>
+            </a:extLst>
+          </p:cNvPr>
+          <p:cNvSpPr txBox="1"/>
+          <p:nvPr/>
+        </p:nvSpPr>
+        <p:spPr>
+          <a:xfrm>
+            <a:off x="458150" y="3102474"/>
+            <a:ext cx="1584176" cy="861774"/>
+          </a:xfrm>
+          <a:prstGeom prst="rect">
+            <a:avLst/>
+          </a:prstGeom>
+        </p:spPr>
+        <p:style>
+          <a:lnRef idx="2">
+            <a:schemeClr val="accent6"/>
+          </a:lnRef>
+          <a:fillRef idx="1">
+            <a:schemeClr val="lt1"/>
+          </a:fillRef>
+          <a:effectRef idx="0">
+            <a:schemeClr val="accent6"/>
+          </a:effectRef>
+          <a:fontRef idx="minor">
+            <a:schemeClr val="dk1"/>
+          </a:fontRef>
+        </p:style>
+        <p:txBody>
+          <a:bodyPr wrap="square" rtlCol="0">
+            <a:spAutoFit/>
+          </a:bodyPr>
+          <a:lstStyle/>
+          <a:p>
+            <a:r>
+              <a:rPr lang="en-US" altLang="ko-KR" sz="1600" dirty="0"/>
+              <a:t>2020182031</a:t>
+            </a:r>
+          </a:p>
+          <a:p>
+            <a:r>
+              <a:rPr lang="ko-KR" altLang="en-US" b="1" dirty="0"/>
+              <a:t>이서연</a:t>
+            </a:r>
+            <a:endParaRPr lang="en-US" altLang="ko-KR" b="1" dirty="0"/>
+          </a:p>
+          <a:p>
+            <a:r>
+              <a:rPr lang="en-US" altLang="ko-KR" sz="1400" dirty="0"/>
+              <a:t>(</a:t>
+            </a:r>
+            <a:r>
+              <a:rPr lang="ko-KR" altLang="en-US" sz="1400" dirty="0"/>
+              <a:t>클라이언트</a:t>
+            </a:r>
+            <a:r>
+              <a:rPr lang="en-US" altLang="ko-KR" sz="1400" dirty="0"/>
+              <a:t>)</a:t>
+            </a:r>
+            <a:endParaRPr lang="ko-KR" altLang="en-US" sz="1400" dirty="0"/>
+          </a:p>
+        </p:txBody>
+      </p:sp>
+      <p:sp>
+        <p:nvSpPr>
+          <p:cNvPr id="6" name="TextBox 5">
+            <a:extLst>
+              <a:ext uri="{FF2B5EF4-FFF2-40B4-BE49-F238E27FC236}">
+                <a16:creationId xmlns:a16="http://schemas.microsoft.com/office/drawing/2014/main" id="{CAAA451C-AA5E-078C-161A-122EE43099F6}"/>
+              </a:ext>
+            </a:extLst>
+          </p:cNvPr>
+          <p:cNvSpPr txBox="1"/>
+          <p:nvPr/>
+        </p:nvSpPr>
+        <p:spPr>
+          <a:xfrm>
+            <a:off x="450252" y="4356697"/>
+            <a:ext cx="1584176" cy="861774"/>
+          </a:xfrm>
+          <a:prstGeom prst="rect">
+            <a:avLst/>
+          </a:prstGeom>
+        </p:spPr>
+        <p:style>
+          <a:lnRef idx="2">
+            <a:schemeClr val="accent1"/>
+          </a:lnRef>
+          <a:fillRef idx="1">
+            <a:schemeClr val="lt1"/>
+          </a:fillRef>
+          <a:effectRef idx="0">
+            <a:schemeClr val="accent1"/>
+          </a:effectRef>
+          <a:fontRef idx="minor">
+            <a:schemeClr val="dk1"/>
+          </a:fontRef>
+        </p:style>
+        <p:txBody>
+          <a:bodyPr wrap="square" rtlCol="0">
+            <a:spAutoFit/>
+          </a:bodyPr>
+          <a:lstStyle/>
+          <a:p>
+            <a:r>
+              <a:rPr lang="en-US" altLang="ko-KR" sz="1600" dirty="0"/>
+              <a:t>2020182037</a:t>
+            </a:r>
+          </a:p>
+          <a:p>
+            <a:r>
+              <a:rPr lang="ko-KR" altLang="en-US" b="1" dirty="0" err="1"/>
+              <a:t>정롭비</a:t>
+            </a:r>
+            <a:endParaRPr lang="en-US" altLang="ko-KR" b="1" dirty="0"/>
+          </a:p>
+          <a:p>
+            <a:r>
+              <a:rPr lang="en-US" altLang="ko-KR" sz="1400" dirty="0"/>
+              <a:t>(</a:t>
+            </a:r>
+            <a:r>
+              <a:rPr lang="ko-KR" altLang="en-US" sz="1400" dirty="0"/>
+              <a:t>서버</a:t>
+            </a:r>
+            <a:r>
+              <a:rPr lang="en-US" altLang="ko-KR" sz="1400" dirty="0"/>
+              <a:t>)</a:t>
+            </a:r>
+            <a:endParaRPr lang="ko-KR" altLang="en-US" sz="1400" dirty="0"/>
+          </a:p>
+        </p:txBody>
+      </p:sp>
+      <p:sp>
+        <p:nvSpPr>
+          <p:cNvPr id="13" name="TextBox 12">
+            <a:extLst>
+              <a:ext uri="{FF2B5EF4-FFF2-40B4-BE49-F238E27FC236}">
+                <a16:creationId xmlns:a16="http://schemas.microsoft.com/office/drawing/2014/main" id="{09D0B5AF-0575-54FC-4544-66715A1C578C}"/>
+              </a:ext>
+            </a:extLst>
+          </p:cNvPr>
+          <p:cNvSpPr txBox="1"/>
+          <p:nvPr/>
+        </p:nvSpPr>
+        <p:spPr>
+          <a:xfrm>
+            <a:off x="2241800" y="1920763"/>
+            <a:ext cx="6160901" cy="738664"/>
+          </a:xfrm>
+          <a:prstGeom prst="rect">
+            <a:avLst/>
+          </a:prstGeom>
+          <a:noFill/>
+        </p:spPr>
+        <p:txBody>
+          <a:bodyPr wrap="square" rtlCol="0">
+            <a:spAutoFit/>
+          </a:bodyPr>
+          <a:lstStyle/>
+          <a:p>
+            <a:r>
+              <a:rPr lang="en-US" altLang="ko-KR" sz="1400" dirty="0"/>
+              <a:t>Level-Design</a:t>
+            </a:r>
+          </a:p>
+          <a:p>
+            <a:r>
+              <a:rPr lang="en-US" altLang="ko-KR" sz="1400" dirty="0"/>
+              <a:t>VIVOX </a:t>
+            </a:r>
+            <a:r>
+              <a:rPr lang="ko-KR" altLang="en-US" sz="1400" dirty="0"/>
+              <a:t>환경 구축</a:t>
+            </a:r>
+            <a:endParaRPr lang="en-US" altLang="ko-KR" sz="1400" dirty="0"/>
+          </a:p>
+          <a:p>
+            <a:r>
+              <a:rPr lang="en-US" altLang="ko-KR" sz="1400" dirty="0"/>
+              <a:t>Git </a:t>
+            </a:r>
+            <a:r>
+              <a:rPr lang="ko-KR" altLang="en-US" sz="1400" dirty="0"/>
+              <a:t>관리</a:t>
+            </a:r>
+          </a:p>
+        </p:txBody>
+      </p:sp>
+      <p:sp>
+        <p:nvSpPr>
+          <p:cNvPr id="14" name="TextBox 13">
+            <a:extLst>
+              <a:ext uri="{FF2B5EF4-FFF2-40B4-BE49-F238E27FC236}">
+                <a16:creationId xmlns:a16="http://schemas.microsoft.com/office/drawing/2014/main" id="{AC6BAB15-F88D-E1A0-595C-56D5843B30A8}"/>
+              </a:ext>
+            </a:extLst>
+          </p:cNvPr>
+          <p:cNvSpPr txBox="1"/>
+          <p:nvPr/>
+        </p:nvSpPr>
+        <p:spPr>
+          <a:xfrm>
+            <a:off x="2213020" y="3278760"/>
+            <a:ext cx="6160901" cy="523220"/>
+          </a:xfrm>
+          <a:prstGeom prst="rect">
+            <a:avLst/>
+          </a:prstGeom>
+          <a:noFill/>
+        </p:spPr>
+        <p:txBody>
+          <a:bodyPr wrap="square" rtlCol="0">
+            <a:spAutoFit/>
+          </a:bodyPr>
+          <a:lstStyle/>
+          <a:p>
+            <a:r>
+              <a:rPr lang="en-US" altLang="ko-KR" sz="1400" dirty="0"/>
+              <a:t>Shader</a:t>
+            </a:r>
+            <a:r>
+              <a:rPr lang="ko-KR" altLang="en-US" sz="1400" dirty="0"/>
+              <a:t> </a:t>
+            </a:r>
+            <a:r>
+              <a:rPr lang="en-US" altLang="ko-KR" sz="1400" dirty="0"/>
+              <a:t>Programming</a:t>
+            </a:r>
+          </a:p>
+          <a:p>
+            <a:r>
+              <a:rPr lang="en-US" altLang="ko-KR" sz="1400" dirty="0"/>
+              <a:t>2D </a:t>
+            </a:r>
+            <a:r>
+              <a:rPr lang="ko-KR" altLang="en-US" sz="1400" dirty="0"/>
+              <a:t>리소스 제작</a:t>
+            </a:r>
+          </a:p>
+        </p:txBody>
+      </p:sp>
+      <p:sp>
+        <p:nvSpPr>
+          <p:cNvPr id="15" name="TextBox 14">
+            <a:extLst>
+              <a:ext uri="{FF2B5EF4-FFF2-40B4-BE49-F238E27FC236}">
+                <a16:creationId xmlns:a16="http://schemas.microsoft.com/office/drawing/2014/main" id="{6802AB36-2113-AA46-E828-1E75ED7055AE}"/>
+              </a:ext>
+            </a:extLst>
+          </p:cNvPr>
+          <p:cNvSpPr txBox="1"/>
+          <p:nvPr/>
+        </p:nvSpPr>
+        <p:spPr>
+          <a:xfrm>
+            <a:off x="2213019" y="4514582"/>
+            <a:ext cx="6160901" cy="523220"/>
+          </a:xfrm>
+          <a:prstGeom prst="rect">
+            <a:avLst/>
+          </a:prstGeom>
+          <a:noFill/>
+        </p:spPr>
+        <p:txBody>
+          <a:bodyPr wrap="square" rtlCol="0">
+            <a:spAutoFit/>
+          </a:bodyPr>
+          <a:lstStyle/>
+          <a:p>
+            <a:r>
+              <a:rPr lang="en-US" altLang="ko-KR" sz="1400" dirty="0"/>
+              <a:t>IOCP</a:t>
+            </a:r>
+            <a:r>
+              <a:rPr lang="ko-KR" altLang="en-US" sz="1400" dirty="0"/>
+              <a:t>기반 서버 구축</a:t>
+            </a:r>
+            <a:endParaRPr lang="en-US" altLang="ko-KR" sz="1400" dirty="0"/>
+          </a:p>
+          <a:p>
+            <a:r>
+              <a:rPr lang="ko-KR" altLang="en-US" sz="1400" dirty="0"/>
+              <a:t>네트워크 프레임워크 작성</a:t>
+            </a:r>
+          </a:p>
+        </p:txBody>
+      </p:sp>
+      <p:sp>
+        <p:nvSpPr>
+          <p:cNvPr id="16" name="TextBox 15">
+            <a:extLst>
+              <a:ext uri="{FF2B5EF4-FFF2-40B4-BE49-F238E27FC236}">
+                <a16:creationId xmlns:a16="http://schemas.microsoft.com/office/drawing/2014/main" id="{A214C3B6-54CB-349A-071C-0963160355F6}"/>
+              </a:ext>
+            </a:extLst>
+          </p:cNvPr>
+          <p:cNvSpPr txBox="1"/>
+          <p:nvPr/>
+        </p:nvSpPr>
+        <p:spPr>
+          <a:xfrm>
+            <a:off x="2221775" y="5610920"/>
+            <a:ext cx="6160901" cy="1231106"/>
+          </a:xfrm>
+          <a:prstGeom prst="rect">
+            <a:avLst/>
+          </a:prstGeom>
+          <a:noFill/>
+        </p:spPr>
+        <p:txBody>
+          <a:bodyPr wrap="square" rtlCol="0">
+            <a:spAutoFit/>
+          </a:bodyPr>
+          <a:lstStyle/>
+          <a:p>
+            <a:r>
+              <a:rPr lang="ko-KR" altLang="en-US" sz="1400" dirty="0"/>
+              <a:t>클라이언트 </a:t>
+            </a:r>
+            <a:r>
+              <a:rPr lang="en-US" altLang="ko-KR" sz="1400" dirty="0"/>
+              <a:t>Component </a:t>
+            </a:r>
+            <a:r>
+              <a:rPr lang="ko-KR" altLang="en-US" sz="1400" dirty="0"/>
+              <a:t>구조</a:t>
+            </a:r>
+            <a:endParaRPr lang="en-US" altLang="ko-KR" sz="1400" dirty="0"/>
+          </a:p>
+          <a:p>
+            <a:r>
+              <a:rPr lang="ko-KR" altLang="en-US" sz="1400" dirty="0"/>
+              <a:t>프레임워크 제작</a:t>
+            </a:r>
+            <a:endParaRPr lang="en-US" altLang="ko-KR" sz="1400" dirty="0"/>
+          </a:p>
+          <a:p>
+            <a:endParaRPr lang="en-US" altLang="ko-KR" sz="1400" dirty="0"/>
+          </a:p>
+          <a:p>
+            <a:r>
+              <a:rPr lang="ko-KR" altLang="en-US" sz="1400" dirty="0"/>
+              <a:t>애니메이션</a:t>
+            </a:r>
+            <a:endParaRPr lang="en-US" altLang="ko-KR" sz="1400" dirty="0"/>
+          </a:p>
+          <a:p>
+            <a:r>
+              <a:rPr lang="en-US" altLang="ko-KR" dirty="0"/>
+              <a:t>	</a:t>
+            </a:r>
+          </a:p>
+        </p:txBody>
+      </p:sp>
+      <p:sp>
+        <p:nvSpPr>
+          <p:cNvPr id="17" name="TextBox 16">
+            <a:extLst>
+              <a:ext uri="{FF2B5EF4-FFF2-40B4-BE49-F238E27FC236}">
+                <a16:creationId xmlns:a16="http://schemas.microsoft.com/office/drawing/2014/main" id="{77E5888E-40A7-1D0E-FDE0-4D89C5DF0B5D}"/>
+              </a:ext>
+            </a:extLst>
+          </p:cNvPr>
+          <p:cNvSpPr txBox="1"/>
+          <p:nvPr/>
+        </p:nvSpPr>
+        <p:spPr>
+          <a:xfrm>
+            <a:off x="450252" y="5610920"/>
+            <a:ext cx="1584176" cy="861774"/>
+          </a:xfrm>
+          <a:prstGeom prst="rect">
+            <a:avLst/>
+          </a:prstGeom>
+        </p:spPr>
+        <p:style>
+          <a:lnRef idx="2">
+            <a:schemeClr val="accent2"/>
+          </a:lnRef>
+          <a:fillRef idx="1">
+            <a:schemeClr val="lt1"/>
+          </a:fillRef>
+          <a:effectRef idx="0">
+            <a:schemeClr val="accent2"/>
+          </a:effectRef>
+          <a:fontRef idx="minor">
+            <a:schemeClr val="dk1"/>
+          </a:fontRef>
+        </p:style>
+        <p:txBody>
+          <a:bodyPr wrap="square" rtlCol="0">
+            <a:spAutoFit/>
+          </a:bodyPr>
+          <a:lstStyle/>
+          <a:p>
+            <a:endParaRPr lang="en-US" altLang="ko-KR" sz="1600" dirty="0"/>
+          </a:p>
+          <a:p>
+            <a:pPr algn="ctr"/>
+            <a:r>
+              <a:rPr lang="ko-KR" altLang="en-US" b="1" dirty="0"/>
+              <a:t>공통</a:t>
+            </a:r>
+            <a:endParaRPr lang="en-US" altLang="ko-KR" b="1" dirty="0"/>
+          </a:p>
+          <a:p>
+            <a:endParaRPr lang="en-US" altLang="ko-KR" sz="1600" dirty="0"/>
+          </a:p>
+        </p:txBody>
+      </p:sp>
+      <p:sp>
+        <p:nvSpPr>
+          <p:cNvPr id="18" name="TextBox 17">
+            <a:extLst>
+              <a:ext uri="{FF2B5EF4-FFF2-40B4-BE49-F238E27FC236}">
+                <a16:creationId xmlns:a16="http://schemas.microsoft.com/office/drawing/2014/main" id="{78DBE603-059C-A098-F95D-68B6751C0990}"/>
+              </a:ext>
+            </a:extLst>
+          </p:cNvPr>
+          <p:cNvSpPr txBox="1"/>
+          <p:nvPr/>
+        </p:nvSpPr>
+        <p:spPr>
+          <a:xfrm>
+            <a:off x="2591024" y="1053512"/>
+            <a:ext cx="2232248" cy="369332"/>
+          </a:xfrm>
+          <a:prstGeom prst="rect">
+            <a:avLst/>
+          </a:prstGeom>
+          <a:noFill/>
+        </p:spPr>
+        <p:txBody>
+          <a:bodyPr wrap="square" rtlCol="0">
+            <a:spAutoFit/>
+          </a:bodyPr>
+          <a:lstStyle/>
+          <a:p>
+            <a:r>
+              <a:rPr lang="ko-KR" altLang="en-US" b="1" dirty="0"/>
+              <a:t>역할 분담</a:t>
+            </a:r>
+          </a:p>
+        </p:txBody>
+      </p:sp>
+      <p:sp>
+        <p:nvSpPr>
+          <p:cNvPr id="19" name="TextBox 18">
+            <a:extLst>
+              <a:ext uri="{FF2B5EF4-FFF2-40B4-BE49-F238E27FC236}">
+                <a16:creationId xmlns:a16="http://schemas.microsoft.com/office/drawing/2014/main" id="{88B129F9-ED72-A45E-72BC-FCB75A41676D}"/>
+              </a:ext>
+            </a:extLst>
+          </p:cNvPr>
+          <p:cNvSpPr txBox="1"/>
+          <p:nvPr/>
+        </p:nvSpPr>
+        <p:spPr>
+          <a:xfrm>
+            <a:off x="6192076" y="1048542"/>
+            <a:ext cx="2592288" cy="369332"/>
+          </a:xfrm>
+          <a:prstGeom prst="rect">
+            <a:avLst/>
+          </a:prstGeom>
+          <a:noFill/>
+        </p:spPr>
+        <p:txBody>
+          <a:bodyPr wrap="square" rtlCol="0">
+            <a:spAutoFit/>
+          </a:bodyPr>
+          <a:lstStyle/>
+          <a:p>
+            <a:r>
+              <a:rPr lang="ko-KR" altLang="en-US" b="1" dirty="0"/>
+              <a:t>중점 연구 분야</a:t>
+            </a:r>
+          </a:p>
+        </p:txBody>
+      </p:sp>
+      <p:sp>
+        <p:nvSpPr>
+          <p:cNvPr id="20" name="TextBox 19">
+            <a:extLst>
+              <a:ext uri="{FF2B5EF4-FFF2-40B4-BE49-F238E27FC236}">
+                <a16:creationId xmlns:a16="http://schemas.microsoft.com/office/drawing/2014/main" id="{315A9DA5-F196-540D-8963-A369D8EBAB3C}"/>
+              </a:ext>
+            </a:extLst>
+          </p:cNvPr>
+          <p:cNvSpPr txBox="1"/>
+          <p:nvPr/>
+        </p:nvSpPr>
+        <p:spPr>
+          <a:xfrm>
+            <a:off x="2731578" y="1953454"/>
+            <a:ext cx="6160901" cy="954107"/>
+          </a:xfrm>
+          <a:prstGeom prst="rect">
+            <a:avLst/>
+          </a:prstGeom>
+          <a:noFill/>
+        </p:spPr>
+        <p:txBody>
+          <a:bodyPr wrap="square" rtlCol="0">
+            <a:spAutoFit/>
+          </a:bodyPr>
+          <a:lstStyle/>
+          <a:p>
+            <a:pPr algn="r"/>
+            <a:r>
+              <a:rPr lang="en-US" altLang="ko-KR" sz="1400" dirty="0"/>
+              <a:t>Level-Design </a:t>
+            </a:r>
+            <a:r>
+              <a:rPr lang="ko-KR" altLang="en-US" sz="1400" dirty="0"/>
+              <a:t>연구</a:t>
+            </a:r>
+            <a:endParaRPr lang="en-US" altLang="ko-KR" sz="1400" dirty="0"/>
+          </a:p>
+          <a:p>
+            <a:pPr algn="r"/>
+            <a:r>
+              <a:rPr lang="en-US" altLang="ko-KR" sz="1400" dirty="0"/>
+              <a:t>DirectX12 </a:t>
+            </a:r>
+            <a:r>
+              <a:rPr lang="ko-KR" altLang="en-US" sz="1400" dirty="0"/>
+              <a:t>연구</a:t>
+            </a:r>
+            <a:endParaRPr lang="en-US" altLang="ko-KR" sz="1400" dirty="0"/>
+          </a:p>
+          <a:p>
+            <a:pPr algn="r"/>
+            <a:r>
+              <a:rPr lang="en-US" altLang="ko-KR" sz="1400" dirty="0"/>
+              <a:t>VIVOX </a:t>
+            </a:r>
+            <a:r>
+              <a:rPr lang="ko-KR" altLang="en-US" sz="1400" dirty="0"/>
+              <a:t>환경 연구</a:t>
+            </a:r>
+            <a:endParaRPr lang="en-US" altLang="ko-KR" sz="1400" dirty="0"/>
+          </a:p>
+          <a:p>
+            <a:pPr algn="r"/>
+            <a:endParaRPr lang="ko-KR" altLang="en-US" sz="1400" dirty="0"/>
+          </a:p>
+        </p:txBody>
+      </p:sp>
+      <p:sp>
+        <p:nvSpPr>
+          <p:cNvPr id="21" name="TextBox 20">
+            <a:extLst>
+              <a:ext uri="{FF2B5EF4-FFF2-40B4-BE49-F238E27FC236}">
+                <a16:creationId xmlns:a16="http://schemas.microsoft.com/office/drawing/2014/main" id="{67BE4F02-3641-084E-32E1-1EAE26C7C155}"/>
+              </a:ext>
+            </a:extLst>
+          </p:cNvPr>
+          <p:cNvSpPr txBox="1"/>
+          <p:nvPr/>
+        </p:nvSpPr>
+        <p:spPr>
+          <a:xfrm>
+            <a:off x="2731579" y="3202800"/>
+            <a:ext cx="6160901" cy="738664"/>
+          </a:xfrm>
+          <a:prstGeom prst="rect">
+            <a:avLst/>
+          </a:prstGeom>
+          <a:noFill/>
+        </p:spPr>
+        <p:txBody>
+          <a:bodyPr wrap="square" rtlCol="0">
+            <a:spAutoFit/>
+          </a:bodyPr>
+          <a:lstStyle/>
+          <a:p>
+            <a:pPr algn="r"/>
+            <a:r>
+              <a:rPr lang="ko-KR" altLang="en-US" sz="1400" dirty="0" err="1"/>
+              <a:t>카툰</a:t>
+            </a:r>
+            <a:r>
+              <a:rPr lang="ko-KR" altLang="en-US" sz="1400" dirty="0"/>
+              <a:t> 렌더링 및 여러 </a:t>
+            </a:r>
+            <a:r>
+              <a:rPr lang="ko-KR" altLang="en-US" sz="1400" dirty="0" err="1"/>
+              <a:t>쉐이더</a:t>
+            </a:r>
+            <a:r>
+              <a:rPr lang="ko-KR" altLang="en-US" sz="1400" dirty="0"/>
+              <a:t> 프로그래밍 연구</a:t>
+            </a:r>
+            <a:endParaRPr lang="en-US" altLang="ko-KR" sz="1400" dirty="0"/>
+          </a:p>
+          <a:p>
+            <a:pPr algn="r"/>
+            <a:r>
+              <a:rPr lang="en-US" altLang="ko-KR" sz="1400" dirty="0"/>
+              <a:t>DirectX12 </a:t>
+            </a:r>
+            <a:r>
+              <a:rPr lang="ko-KR" altLang="en-US" sz="1400" dirty="0"/>
+              <a:t>연구</a:t>
+            </a:r>
+          </a:p>
+          <a:p>
+            <a:pPr algn="r"/>
+            <a:endParaRPr lang="ko-KR" altLang="en-US" sz="1400" dirty="0"/>
+          </a:p>
+        </p:txBody>
+      </p:sp>
+      <p:sp>
+        <p:nvSpPr>
+          <p:cNvPr id="22" name="TextBox 21">
+            <a:extLst>
+              <a:ext uri="{FF2B5EF4-FFF2-40B4-BE49-F238E27FC236}">
+                <a16:creationId xmlns:a16="http://schemas.microsoft.com/office/drawing/2014/main" id="{E2CF5605-7CA3-8E0C-99C3-E75BE3A62B2F}"/>
+              </a:ext>
+            </a:extLst>
+          </p:cNvPr>
+          <p:cNvSpPr txBox="1"/>
+          <p:nvPr/>
+        </p:nvSpPr>
+        <p:spPr>
+          <a:xfrm>
+            <a:off x="2731578" y="4489304"/>
+            <a:ext cx="6160901" cy="523220"/>
+          </a:xfrm>
+          <a:prstGeom prst="rect">
+            <a:avLst/>
+          </a:prstGeom>
+          <a:noFill/>
+        </p:spPr>
+        <p:txBody>
+          <a:bodyPr wrap="square" rtlCol="0">
+            <a:spAutoFit/>
+          </a:bodyPr>
+          <a:lstStyle/>
+          <a:p>
+            <a:pPr algn="r"/>
+            <a:r>
+              <a:rPr lang="en-US" altLang="ko-KR" sz="1400" dirty="0"/>
+              <a:t>IOCP </a:t>
+            </a:r>
+            <a:r>
+              <a:rPr lang="ko-KR" altLang="en-US" sz="1400" dirty="0"/>
+              <a:t>멀티 스레드 연구</a:t>
+            </a:r>
+            <a:endParaRPr lang="en-US" altLang="ko-KR" sz="1400" dirty="0"/>
+          </a:p>
+          <a:p>
+            <a:pPr algn="r"/>
+            <a:r>
+              <a:rPr lang="ko-KR" altLang="en-US" sz="1400" dirty="0"/>
+              <a:t>네트워크 문제에 대처 가능한 설계 연구</a:t>
+            </a:r>
+          </a:p>
+        </p:txBody>
+      </p:sp>
+      <p:sp>
+        <p:nvSpPr>
+          <p:cNvPr id="23" name="TextBox 22">
+            <a:extLst>
+              <a:ext uri="{FF2B5EF4-FFF2-40B4-BE49-F238E27FC236}">
+                <a16:creationId xmlns:a16="http://schemas.microsoft.com/office/drawing/2014/main" id="{247E8820-B58B-0A23-71EF-4F5A1EA99FCC}"/>
+              </a:ext>
+            </a:extLst>
+          </p:cNvPr>
+          <p:cNvSpPr txBox="1"/>
+          <p:nvPr/>
+        </p:nvSpPr>
+        <p:spPr>
+          <a:xfrm>
+            <a:off x="1807837" y="5616020"/>
+            <a:ext cx="7084642" cy="1169551"/>
+          </a:xfrm>
+          <a:prstGeom prst="rect">
+            <a:avLst/>
+          </a:prstGeom>
+          <a:noFill/>
+        </p:spPr>
+        <p:txBody>
+          <a:bodyPr wrap="square" rtlCol="0">
+            <a:spAutoFit/>
+          </a:bodyPr>
+          <a:lstStyle/>
+          <a:p>
+            <a:pPr algn="r"/>
+            <a:r>
+              <a:rPr lang="ko-KR" altLang="en-US" sz="1400" dirty="0"/>
+              <a:t>매끄러운 공동 작업을 위한 공학적 설계방법 사고</a:t>
+            </a:r>
+            <a:endParaRPr lang="en-US" altLang="ko-KR" sz="1400" dirty="0"/>
+          </a:p>
+          <a:p>
+            <a:pPr algn="r"/>
+            <a:endParaRPr lang="en-US" altLang="ko-KR" sz="1400" dirty="0"/>
+          </a:p>
+          <a:p>
+            <a:pPr algn="r"/>
+            <a:r>
+              <a:rPr lang="ko-KR" altLang="en-US" sz="1400" dirty="0"/>
+              <a:t>효율적인 </a:t>
+            </a:r>
+            <a:r>
+              <a:rPr lang="en-US" altLang="ko-KR" sz="1400" dirty="0"/>
+              <a:t>Multi - Threading</a:t>
+            </a:r>
+            <a:r>
+              <a:rPr lang="ko-KR" altLang="en-US" sz="1400" dirty="0"/>
+              <a:t>연구</a:t>
+            </a:r>
+            <a:endParaRPr lang="en-US" altLang="ko-KR" sz="1400" dirty="0"/>
+          </a:p>
+          <a:p>
+            <a:pPr algn="r"/>
+            <a:endParaRPr lang="ko-KR" altLang="en-US" sz="1400" dirty="0"/>
+          </a:p>
+          <a:p>
+            <a:pPr algn="r"/>
+            <a:r>
+              <a:rPr lang="en-US" altLang="ko-KR" sz="1400" dirty="0"/>
+              <a:t>DirectX12</a:t>
+            </a:r>
+            <a:r>
+              <a:rPr lang="ko-KR" altLang="en-US" sz="1400" dirty="0"/>
+              <a:t>를 결합한 </a:t>
+            </a:r>
+            <a:r>
+              <a:rPr lang="en-US" altLang="ko-KR" sz="1400" dirty="0"/>
+              <a:t>Component</a:t>
+            </a:r>
+            <a:r>
+              <a:rPr lang="ko-KR" altLang="en-US" sz="1400" dirty="0"/>
+              <a:t>구조 프레임워크 연구</a:t>
+            </a:r>
+            <a:endParaRPr lang="en-US" altLang="ko-KR" sz="1400" dirty="0"/>
+          </a:p>
+        </p:txBody>
+      </p:sp>
+    </p:spTree>
+    <p:extLst>
+      <p:ext uri="{BB962C8B-B14F-4D97-AF65-F5344CB8AC3E}">
+        <p14:creationId xmlns:p14="http://schemas.microsoft.com/office/powerpoint/2010/main" val="1857559583"/>
+      </p:ext>
+    </p:extLst>
+  </p:cSld>
+  <p:clrMapOvr>
+    <a:masterClrMapping/>
+  </p:clrMapOvr>
+</p:sld>
+</file>
+
+<file path=ppt/slides/slide2.xml><?xml version="1.0" encoding="utf-8"?>
+<p:sld xmlns:a="http://schemas.openxmlformats.org/drawingml/2006/main" xmlns:r="http://schemas.openxmlformats.org/officeDocument/2006/relationships" xmlns:p="http://schemas.openxmlformats.org/presentationml/2006/main">
+  <p:cSld>
+    <p:spTree>
+      <p:nvGrpSpPr>
+        <p:cNvPr id="1" name=""/>
+        <p:cNvGrpSpPr/>
+        <p:nvPr/>
+      </p:nvGrpSpPr>
+      <p:grpSpPr>
+        <a:xfrm>
+          <a:off x="0" y="0"/>
+          <a:ext cx="0" cy="0"/>
+          <a:chOff x="0" y="0"/>
+          <a:chExt cx="0" cy="0"/>
+        </a:xfrm>
+      </p:grpSpPr>
+      <p:sp>
+        <p:nvSpPr>
+          <p:cNvPr id="17" name="직사각형 16">
+            <a:extLst>
+              <a:ext uri="{FF2B5EF4-FFF2-40B4-BE49-F238E27FC236}">
+                <a16:creationId xmlns:a16="http://schemas.microsoft.com/office/drawing/2014/main" id="{10D800BA-0DDB-22C2-D79C-085B60B259B8}"/>
+              </a:ext>
+            </a:extLst>
+          </p:cNvPr>
+          <p:cNvSpPr/>
+          <p:nvPr/>
+        </p:nvSpPr>
+        <p:spPr>
+          <a:xfrm rot="20490163">
+            <a:off x="1703343" y="5953542"/>
+            <a:ext cx="382788" cy="421868"/>
+          </a:xfrm>
+          <a:prstGeom prst="rect">
+            <a:avLst/>
+          </a:prstGeom>
+          <a:solidFill>
+            <a:schemeClr val="bg1">
+              <a:lumMod val="95000"/>
+            </a:schemeClr>
+          </a:solidFill>
+          <a:ln w="3175">
+            <a:noFill/>
+          </a:ln>
+        </p:spPr>
+        <p:style>
+          <a:lnRef idx="2">
+            <a:schemeClr val="accent1">
+              <a:shade val="50000"/>
+            </a:schemeClr>
+          </a:lnRef>
+          <a:fillRef idx="1">
+            <a:schemeClr val="accent1"/>
+          </a:fillRef>
+          <a:effectRef idx="0">
+            <a:schemeClr val="accent1"/>
+          </a:effectRef>
+          <a:fontRef idx="minor">
+            <a:schemeClr val="lt1"/>
+          </a:fontRef>
+        </p:style>
+        <p:txBody>
+          <a:bodyPr rtlCol="0" anchor="ctr"/>
+          <a:lstStyle/>
+          <a:p>
+            <a:pPr algn="ctr"/>
+            <a:endParaRPr lang="ko-KR" altLang="en-US" dirty="0"/>
+          </a:p>
+        </p:txBody>
+      </p:sp>
+      <p:sp>
+        <p:nvSpPr>
+          <p:cNvPr id="15" name="직사각형 14">
+            <a:extLst>
+              <a:ext uri="{FF2B5EF4-FFF2-40B4-BE49-F238E27FC236}">
+                <a16:creationId xmlns:a16="http://schemas.microsoft.com/office/drawing/2014/main" id="{A3705E14-1E73-8134-150C-07631A8E11C5}"/>
+              </a:ext>
+            </a:extLst>
+          </p:cNvPr>
+          <p:cNvSpPr/>
+          <p:nvPr/>
+        </p:nvSpPr>
+        <p:spPr>
+          <a:xfrm rot="20490163">
+            <a:off x="1707952" y="4046717"/>
+            <a:ext cx="382788" cy="421868"/>
+          </a:xfrm>
+          <a:prstGeom prst="rect">
+            <a:avLst/>
+          </a:prstGeom>
+          <a:solidFill>
+            <a:schemeClr val="bg1">
+              <a:lumMod val="95000"/>
+            </a:schemeClr>
+          </a:solidFill>
+          <a:ln w="3175">
+            <a:noFill/>
+          </a:ln>
+        </p:spPr>
+        <p:style>
+          <a:lnRef idx="2">
+            <a:schemeClr val="accent1">
+              <a:shade val="50000"/>
+            </a:schemeClr>
+          </a:lnRef>
+          <a:fillRef idx="1">
+            <a:schemeClr val="accent1"/>
+          </a:fillRef>
+          <a:effectRef idx="0">
+            <a:schemeClr val="accent1"/>
+          </a:effectRef>
+          <a:fontRef idx="minor">
+            <a:schemeClr val="lt1"/>
+          </a:fontRef>
+        </p:style>
+        <p:txBody>
+          <a:bodyPr rtlCol="0" anchor="ctr"/>
+          <a:lstStyle/>
+          <a:p>
+            <a:pPr algn="ctr"/>
+            <a:endParaRPr lang="ko-KR" altLang="en-US" dirty="0"/>
+          </a:p>
+        </p:txBody>
+      </p:sp>
+      <p:sp>
+        <p:nvSpPr>
+          <p:cNvPr id="16" name="직사각형 15">
+            <a:extLst>
+              <a:ext uri="{FF2B5EF4-FFF2-40B4-BE49-F238E27FC236}">
+                <a16:creationId xmlns:a16="http://schemas.microsoft.com/office/drawing/2014/main" id="{94580FFC-4166-C7EF-8506-8153A9B395A6}"/>
+              </a:ext>
+            </a:extLst>
+          </p:cNvPr>
+          <p:cNvSpPr/>
+          <p:nvPr/>
+        </p:nvSpPr>
+        <p:spPr>
+          <a:xfrm rot="20490163">
+            <a:off x="1703342" y="4998917"/>
+            <a:ext cx="382788" cy="421868"/>
+          </a:xfrm>
+          <a:prstGeom prst="rect">
+            <a:avLst/>
+          </a:prstGeom>
+          <a:solidFill>
+            <a:schemeClr val="bg1">
+              <a:lumMod val="95000"/>
+            </a:schemeClr>
+          </a:solidFill>
+          <a:ln w="3175">
+            <a:noFill/>
+          </a:ln>
+        </p:spPr>
+        <p:style>
+          <a:lnRef idx="2">
+            <a:schemeClr val="accent1">
+              <a:shade val="50000"/>
+            </a:schemeClr>
+          </a:lnRef>
+          <a:fillRef idx="1">
+            <a:schemeClr val="accent1"/>
+          </a:fillRef>
+          <a:effectRef idx="0">
+            <a:schemeClr val="accent1"/>
+          </a:effectRef>
+          <a:fontRef idx="minor">
+            <a:schemeClr val="lt1"/>
+          </a:fontRef>
+        </p:style>
+        <p:txBody>
+          <a:bodyPr rtlCol="0" anchor="ctr"/>
+          <a:lstStyle/>
+          <a:p>
+            <a:pPr algn="ctr"/>
+            <a:endParaRPr lang="ko-KR" altLang="en-US" dirty="0"/>
+          </a:p>
+        </p:txBody>
+      </p:sp>
+      <p:sp>
+        <p:nvSpPr>
+          <p:cNvPr id="14" name="직사각형 13">
+            <a:extLst>
+              <a:ext uri="{FF2B5EF4-FFF2-40B4-BE49-F238E27FC236}">
+                <a16:creationId xmlns:a16="http://schemas.microsoft.com/office/drawing/2014/main" id="{863D5D88-3A4E-AB86-89EB-A887C56CE333}"/>
+              </a:ext>
+            </a:extLst>
+          </p:cNvPr>
+          <p:cNvSpPr/>
+          <p:nvPr/>
+        </p:nvSpPr>
+        <p:spPr>
+          <a:xfrm rot="20490163">
+            <a:off x="1703343" y="3094295"/>
+            <a:ext cx="382788" cy="421868"/>
+          </a:xfrm>
+          <a:prstGeom prst="rect">
+            <a:avLst/>
+          </a:prstGeom>
+          <a:solidFill>
+            <a:schemeClr val="bg1">
+              <a:lumMod val="95000"/>
+            </a:schemeClr>
+          </a:solidFill>
+          <a:ln w="3175">
+            <a:noFill/>
+          </a:ln>
+        </p:spPr>
+        <p:style>
+          <a:lnRef idx="2">
+            <a:schemeClr val="accent1">
+              <a:shade val="50000"/>
+            </a:schemeClr>
+          </a:lnRef>
+          <a:fillRef idx="1">
+            <a:schemeClr val="accent1"/>
+          </a:fillRef>
+          <a:effectRef idx="0">
+            <a:schemeClr val="accent1"/>
+          </a:effectRef>
+          <a:fontRef idx="minor">
+            <a:schemeClr val="lt1"/>
+          </a:fontRef>
+        </p:style>
+        <p:txBody>
+          <a:bodyPr rtlCol="0" anchor="ctr"/>
+          <a:lstStyle/>
+          <a:p>
+            <a:pPr algn="ctr"/>
+            <a:endParaRPr lang="ko-KR" altLang="en-US" dirty="0"/>
+          </a:p>
+        </p:txBody>
+      </p:sp>
+      <p:sp>
+        <p:nvSpPr>
+          <p:cNvPr id="13" name="직사각형 12">
+            <a:extLst>
+              <a:ext uri="{FF2B5EF4-FFF2-40B4-BE49-F238E27FC236}">
+                <a16:creationId xmlns:a16="http://schemas.microsoft.com/office/drawing/2014/main" id="{BCD83F7E-076A-4B9A-3714-A01C45724DC7}"/>
+              </a:ext>
+            </a:extLst>
+          </p:cNvPr>
+          <p:cNvSpPr/>
+          <p:nvPr/>
+        </p:nvSpPr>
+        <p:spPr>
+          <a:xfrm rot="20490163">
+            <a:off x="1703342" y="2141984"/>
+            <a:ext cx="382788" cy="421868"/>
+          </a:xfrm>
+          <a:prstGeom prst="rect">
+            <a:avLst/>
+          </a:prstGeom>
+          <a:solidFill>
+            <a:schemeClr val="bg1">
+              <a:lumMod val="95000"/>
+            </a:schemeClr>
+          </a:solidFill>
+          <a:ln w="3175">
+            <a:noFill/>
+          </a:ln>
+        </p:spPr>
+        <p:style>
+          <a:lnRef idx="2">
+            <a:schemeClr val="accent1">
+              <a:shade val="50000"/>
+            </a:schemeClr>
+          </a:lnRef>
+          <a:fillRef idx="1">
+            <a:schemeClr val="accent1"/>
+          </a:fillRef>
+          <a:effectRef idx="0">
+            <a:schemeClr val="accent1"/>
+          </a:effectRef>
+          <a:fontRef idx="minor">
+            <a:schemeClr val="lt1"/>
+          </a:fontRef>
+        </p:style>
+        <p:txBody>
+          <a:bodyPr rtlCol="0" anchor="ctr"/>
+          <a:lstStyle/>
+          <a:p>
+            <a:pPr algn="ctr"/>
+            <a:endParaRPr lang="ko-KR" altLang="en-US" dirty="0"/>
+          </a:p>
+        </p:txBody>
+      </p:sp>
+      <p:sp>
+        <p:nvSpPr>
+          <p:cNvPr id="3" name="직사각형 2">
+            <a:extLst>
+              <a:ext uri="{FF2B5EF4-FFF2-40B4-BE49-F238E27FC236}">
+                <a16:creationId xmlns:a16="http://schemas.microsoft.com/office/drawing/2014/main" id="{0B9D2513-2525-1501-DB31-21015ED95D99}"/>
+              </a:ext>
+            </a:extLst>
+          </p:cNvPr>
+          <p:cNvSpPr/>
+          <p:nvPr/>
+        </p:nvSpPr>
+        <p:spPr>
+          <a:xfrm rot="20490163">
+            <a:off x="1703342" y="1189673"/>
+            <a:ext cx="382788" cy="421868"/>
+          </a:xfrm>
+          <a:prstGeom prst="rect">
+            <a:avLst/>
+          </a:prstGeom>
+          <a:solidFill>
+            <a:schemeClr val="bg1">
+              <a:lumMod val="95000"/>
+            </a:schemeClr>
+          </a:solidFill>
+          <a:ln w="3175">
+            <a:noFill/>
+          </a:ln>
+        </p:spPr>
+        <p:style>
+          <a:lnRef idx="2">
+            <a:schemeClr val="accent1">
+              <a:shade val="50000"/>
+            </a:schemeClr>
+          </a:lnRef>
+          <a:fillRef idx="1">
+            <a:schemeClr val="accent1"/>
+          </a:fillRef>
+          <a:effectRef idx="0">
+            <a:schemeClr val="accent1"/>
+          </a:effectRef>
+          <a:fontRef idx="minor">
+            <a:schemeClr val="lt1"/>
+          </a:fontRef>
+        </p:style>
+        <p:txBody>
+          <a:bodyPr rtlCol="0" anchor="ctr"/>
+          <a:lstStyle/>
+          <a:p>
+            <a:pPr algn="ctr"/>
+            <a:endParaRPr lang="ko-KR" altLang="en-US" dirty="0"/>
+          </a:p>
+        </p:txBody>
+      </p:sp>
+      <p:sp>
+        <p:nvSpPr>
+          <p:cNvPr id="4" name="직사각형 3"/>
+          <p:cNvSpPr/>
+          <p:nvPr/>
+        </p:nvSpPr>
+        <p:spPr>
+          <a:xfrm>
+            <a:off x="370592" y="389855"/>
+            <a:ext cx="264898" cy="246221"/>
+          </a:xfrm>
+          <a:prstGeom prst="rect">
+            <a:avLst/>
+          </a:prstGeom>
+          <a:solidFill>
+            <a:schemeClr val="bg1">
+              <a:lumMod val="85000"/>
+            </a:schemeClr>
+          </a:solidFill>
+          <a:ln>
+            <a:noFill/>
+          </a:ln>
+        </p:spPr>
+        <p:style>
+          <a:lnRef idx="2">
+            <a:schemeClr val="accent1">
+              <a:shade val="50000"/>
+            </a:schemeClr>
+          </a:lnRef>
+          <a:fillRef idx="1">
+            <a:schemeClr val="accent1"/>
+          </a:fillRef>
+          <a:effectRef idx="0">
+            <a:schemeClr val="accent1"/>
+          </a:effectRef>
+          <a:fontRef idx="minor">
+            <a:schemeClr val="lt1"/>
+          </a:fontRef>
+        </p:style>
+        <p:txBody>
+          <a:bodyPr rtlCol="0" anchor="ctr"/>
+          <a:lstStyle/>
+          <a:p>
+            <a:pPr algn="ctr"/>
+            <a:endParaRPr lang="ko-KR" altLang="en-US"/>
+          </a:p>
+        </p:txBody>
+      </p:sp>
+      <p:sp>
+        <p:nvSpPr>
+          <p:cNvPr id="5" name="TextBox 4"/>
+          <p:cNvSpPr txBox="1"/>
+          <p:nvPr/>
+        </p:nvSpPr>
+        <p:spPr>
+          <a:xfrm>
+            <a:off x="635490" y="335487"/>
+            <a:ext cx="1488236" cy="400110"/>
           </a:xfrm>
           <a:prstGeom prst="rect">
             <a:avLst/>
@@ -12547,7 +12851,7 @@
                 <a:latin typeface="Sandoll 고딕 03 Bold" pitchFamily="34" charset="-127"/>
                 <a:ea typeface="Sandoll 고딕 03 Bold" pitchFamily="34" charset="-127"/>
               </a:rPr>
-              <a:t>게임 특징</a:t>
+              <a:t>개발 준비</a:t>
             </a:r>
           </a:p>
         </p:txBody>
@@ -12793,10 +13097,10 @@
       </p:grpSp>
       <p:sp>
         <p:nvSpPr>
-          <p:cNvPr id="4163" name="TextBox 4162">
+          <p:cNvPr id="2" name="TextBox 1">
             <a:extLst>
               <a:ext uri="{FF2B5EF4-FFF2-40B4-BE49-F238E27FC236}">
-                <a16:creationId xmlns:a16="http://schemas.microsoft.com/office/drawing/2014/main" id="{3C4B1F17-2D08-8557-911F-4590D98CF19B}"/>
+                <a16:creationId xmlns:a16="http://schemas.microsoft.com/office/drawing/2014/main" id="{A70262A0-FEE2-7285-419F-84C165D09D53}"/>
               </a:ext>
             </a:extLst>
           </p:cNvPr>
@@ -12805,8 +13109,8 @@
         </p:nvSpPr>
         <p:spPr>
           <a:xfrm>
-            <a:off x="1907704" y="366265"/>
-            <a:ext cx="2232248" cy="338554"/>
+            <a:off x="1763688" y="1025180"/>
+            <a:ext cx="8061880" cy="5422446"/>
           </a:xfrm>
           <a:prstGeom prst="rect">
             <a:avLst/>
@@ -12819,69 +13123,225 @@
           </a:bodyPr>
           <a:lstStyle/>
           <a:p>
-            <a:r>
-              <a:rPr lang="en-US" altLang="ko-KR" sz="1600" dirty="0">
-                <a:solidFill>
-                  <a:schemeClr val="bg1">
-                    <a:lumMod val="50000"/>
-                  </a:schemeClr>
-                </a:solidFill>
-                <a:latin typeface="Sandoll 고딕 02 Medium" pitchFamily="34" charset="-127"/>
-                <a:ea typeface="Sandoll 고딕 02 Medium" pitchFamily="34" charset="-127"/>
-              </a:rPr>
-              <a:t>3) </a:t>
-            </a:r>
-            <a:r>
-              <a:rPr lang="ko-KR" altLang="en-US" sz="1600" dirty="0">
-                <a:solidFill>
-                  <a:schemeClr val="bg1">
-                    <a:lumMod val="50000"/>
-                  </a:schemeClr>
-                </a:solidFill>
-                <a:latin typeface="Sandoll 고딕 02 Medium" pitchFamily="34" charset="-127"/>
-                <a:ea typeface="Sandoll 고딕 02 Medium" pitchFamily="34" charset="-127"/>
-              </a:rPr>
-              <a:t>타 게임과 비교</a:t>
-            </a:r>
-          </a:p>
-        </p:txBody>
-      </p:sp>
-      <p:pic>
-        <p:nvPicPr>
-          <p:cNvPr id="3" name="그림 2">
-            <a:extLst>
-              <a:ext uri="{FF2B5EF4-FFF2-40B4-BE49-F238E27FC236}">
-                <a16:creationId xmlns:a16="http://schemas.microsoft.com/office/drawing/2014/main" id="{C32A9BB2-54F0-A71F-5A4E-E85793B4180A}"/>
-              </a:ext>
-            </a:extLst>
-          </p:cNvPr>
-          <p:cNvPicPr>
-            <a:picLocks noChangeAspect="1"/>
-          </p:cNvPicPr>
-          <p:nvPr/>
-        </p:nvPicPr>
-        <p:blipFill>
-          <a:blip r:embed="rId2"/>
-          <a:stretch>
-            <a:fillRect/>
-          </a:stretch>
-        </p:blipFill>
-        <p:spPr>
-          <a:xfrm>
-            <a:off x="505011" y="1690760"/>
-            <a:ext cx="4046793" cy="2282676"/>
-          </a:xfrm>
-          <a:prstGeom prst="rect">
-            <a:avLst/>
-          </a:prstGeom>
-        </p:spPr>
-      </p:pic>
+            <a:pPr>
+              <a:lnSpc>
+                <a:spcPct val="150000"/>
+              </a:lnSpc>
+            </a:pPr>
+            <a:r>
+              <a:rPr lang="en-US" altLang="ko-KR" sz="2400" dirty="0"/>
+              <a:t>1</a:t>
+            </a:r>
+            <a:r>
+              <a:rPr lang="en-US" altLang="ko-KR" dirty="0"/>
+              <a:t>    </a:t>
+            </a:r>
+            <a:r>
+              <a:rPr lang="ko-KR" altLang="en-US" b="1" dirty="0"/>
+              <a:t>게임 제작</a:t>
+            </a:r>
+            <a:r>
+              <a:rPr lang="ko-KR" altLang="en-US" dirty="0"/>
+              <a:t>에 대한 전반적인 흐름 이해</a:t>
+            </a:r>
+            <a:endParaRPr lang="en-US" altLang="ko-KR" dirty="0"/>
+          </a:p>
+          <a:p>
+            <a:pPr>
+              <a:lnSpc>
+                <a:spcPct val="150000"/>
+              </a:lnSpc>
+            </a:pPr>
+            <a:endParaRPr lang="en-US" altLang="ko-KR" dirty="0"/>
+          </a:p>
+          <a:p>
+            <a:pPr>
+              <a:lnSpc>
+                <a:spcPct val="150000"/>
+              </a:lnSpc>
+            </a:pPr>
+            <a:r>
+              <a:rPr lang="en-US" altLang="ko-KR" sz="2400" dirty="0"/>
+              <a:t>2</a:t>
+            </a:r>
+            <a:r>
+              <a:rPr lang="en-US" altLang="ko-KR" dirty="0"/>
+              <a:t>    </a:t>
+            </a:r>
+            <a:r>
+              <a:rPr lang="ko-KR" altLang="en-US" dirty="0"/>
+              <a:t>다른 사람이 봐도 </a:t>
+            </a:r>
+            <a:r>
+              <a:rPr lang="ko-KR" altLang="en-US" b="1" dirty="0"/>
+              <a:t>이해하기 쉬운 코드 </a:t>
+            </a:r>
+            <a:r>
+              <a:rPr lang="ko-KR" altLang="en-US" dirty="0"/>
+              <a:t>작성 요령 습득</a:t>
+            </a:r>
+            <a:endParaRPr lang="en-US" altLang="ko-KR" dirty="0"/>
+          </a:p>
+          <a:p>
+            <a:pPr>
+              <a:lnSpc>
+                <a:spcPct val="150000"/>
+              </a:lnSpc>
+            </a:pPr>
+            <a:endParaRPr lang="en-US" altLang="ko-KR" dirty="0"/>
+          </a:p>
+          <a:p>
+            <a:pPr>
+              <a:lnSpc>
+                <a:spcPct val="150000"/>
+              </a:lnSpc>
+            </a:pPr>
+            <a:r>
+              <a:rPr lang="en-US" altLang="ko-KR" sz="2400" dirty="0"/>
+              <a:t>3</a:t>
+            </a:r>
+            <a:r>
+              <a:rPr lang="en-US" altLang="ko-KR" dirty="0"/>
+              <a:t>    </a:t>
+            </a:r>
+            <a:r>
+              <a:rPr lang="en-US" altLang="ko-KR" b="1" dirty="0"/>
+              <a:t>DirectX 12 </a:t>
+            </a:r>
+            <a:r>
+              <a:rPr lang="ko-KR" altLang="en-US" dirty="0"/>
+              <a:t>환경의 이해</a:t>
+            </a:r>
+            <a:r>
+              <a:rPr lang="en-US" altLang="ko-KR" dirty="0"/>
+              <a:t> </a:t>
+            </a:r>
+            <a:r>
+              <a:rPr lang="ko-KR" altLang="en-US" dirty="0"/>
+              <a:t>및 화려한 게임 제작</a:t>
+            </a:r>
+            <a:endParaRPr lang="en-US" altLang="ko-KR" dirty="0"/>
+          </a:p>
+          <a:p>
+            <a:pPr>
+              <a:lnSpc>
+                <a:spcPct val="150000"/>
+              </a:lnSpc>
+            </a:pPr>
+            <a:endParaRPr lang="en-US" altLang="ko-KR" dirty="0"/>
+          </a:p>
+          <a:p>
+            <a:pPr>
+              <a:lnSpc>
+                <a:spcPct val="150000"/>
+              </a:lnSpc>
+            </a:pPr>
+            <a:r>
+              <a:rPr lang="en-US" altLang="ko-KR" sz="2400" dirty="0"/>
+              <a:t>4</a:t>
+            </a:r>
+            <a:r>
+              <a:rPr lang="en-US" altLang="ko-KR" dirty="0"/>
+              <a:t>    </a:t>
+            </a:r>
+            <a:r>
+              <a:rPr lang="en-US" altLang="ko-KR" b="1" dirty="0"/>
+              <a:t>IOCP</a:t>
+            </a:r>
+            <a:r>
+              <a:rPr lang="en-US" altLang="ko-KR" dirty="0"/>
+              <a:t> </a:t>
+            </a:r>
+            <a:r>
+              <a:rPr lang="ko-KR" altLang="en-US" dirty="0"/>
+              <a:t>서버 환경에 대한 이해</a:t>
+            </a:r>
+            <a:endParaRPr lang="en-US" altLang="ko-KR" dirty="0"/>
+          </a:p>
+          <a:p>
+            <a:pPr>
+              <a:lnSpc>
+                <a:spcPct val="150000"/>
+              </a:lnSpc>
+            </a:pPr>
+            <a:endParaRPr lang="en-US" altLang="ko-KR" dirty="0"/>
+          </a:p>
+          <a:p>
+            <a:pPr>
+              <a:lnSpc>
+                <a:spcPct val="150000"/>
+              </a:lnSpc>
+            </a:pPr>
+            <a:r>
+              <a:rPr lang="en-US" altLang="ko-KR" sz="2400" dirty="0"/>
+              <a:t>5</a:t>
+            </a:r>
+            <a:r>
+              <a:rPr lang="en-US" altLang="ko-KR" dirty="0"/>
+              <a:t>    </a:t>
+            </a:r>
+            <a:r>
+              <a:rPr lang="ko-KR" altLang="en-US" dirty="0"/>
+              <a:t>게임에 </a:t>
+            </a:r>
+            <a:r>
+              <a:rPr lang="ko-KR" altLang="en-US" b="1" dirty="0"/>
+              <a:t>다양한 네트워크</a:t>
+            </a:r>
+            <a:r>
+              <a:rPr lang="ko-KR" altLang="en-US" dirty="0"/>
+              <a:t>를 접목시키는 방식 경험</a:t>
+            </a:r>
+            <a:endParaRPr lang="en-US" altLang="ko-KR" dirty="0"/>
+          </a:p>
+          <a:p>
+            <a:pPr>
+              <a:lnSpc>
+                <a:spcPct val="150000"/>
+              </a:lnSpc>
+            </a:pPr>
+            <a:endParaRPr lang="en-US" altLang="ko-KR" dirty="0"/>
+          </a:p>
+          <a:p>
+            <a:pPr>
+              <a:lnSpc>
+                <a:spcPct val="150000"/>
+              </a:lnSpc>
+            </a:pPr>
+            <a:r>
+              <a:rPr lang="en-US" altLang="ko-KR" sz="2400" dirty="0"/>
+              <a:t>6</a:t>
+            </a:r>
+            <a:r>
+              <a:rPr lang="en-US" altLang="ko-KR" dirty="0"/>
+              <a:t>    </a:t>
+            </a:r>
+            <a:r>
+              <a:rPr lang="en-US" altLang="ko-KR" b="1" dirty="0"/>
+              <a:t>GIT</a:t>
+            </a:r>
+            <a:r>
+              <a:rPr lang="ko-KR" altLang="en-US" dirty="0"/>
+              <a:t>을 이용한 </a:t>
+            </a:r>
+            <a:r>
+              <a:rPr lang="ko-KR" altLang="en-US" b="1" dirty="0"/>
+              <a:t>협업능력</a:t>
+            </a:r>
+            <a:r>
+              <a:rPr lang="ko-KR" altLang="en-US" dirty="0"/>
+              <a:t> 향상</a:t>
+            </a:r>
+            <a:endParaRPr lang="en-US" altLang="ko-KR" dirty="0"/>
+          </a:p>
+        </p:txBody>
+      </p:sp>
       <p:sp>
         <p:nvSpPr>
           <p:cNvPr id="6" name="TextBox 5">
             <a:extLst>
               <a:ext uri="{FF2B5EF4-FFF2-40B4-BE49-F238E27FC236}">
-                <a16:creationId xmlns:a16="http://schemas.microsoft.com/office/drawing/2014/main" id="{51586400-A884-2B06-3106-F3107DD7C1FF}"/>
+                <a16:creationId xmlns:a16="http://schemas.microsoft.com/office/drawing/2014/main" id="{C0397F37-A0EF-62DE-22EA-F082A53E380B}"/>
               </a:ext>
             </a:extLst>
           </p:cNvPr>
@@ -12890,693 +13350,8 @@
         </p:nvSpPr>
         <p:spPr>
           <a:xfrm>
-            <a:off x="503041" y="4001131"/>
-            <a:ext cx="3936510" cy="215444"/>
-          </a:xfrm>
-          <a:prstGeom prst="rect">
-            <a:avLst/>
-          </a:prstGeom>
-          <a:noFill/>
-        </p:spPr>
-        <p:txBody>
-          <a:bodyPr wrap="square" rtlCol="0">
-            <a:spAutoFit/>
-          </a:bodyPr>
-          <a:lstStyle/>
-          <a:p>
-            <a:r>
-              <a:rPr lang="ko-KR" altLang="en-US" sz="800" dirty="0"/>
-              <a:t>출처 </a:t>
-            </a:r>
-            <a:r>
-              <a:rPr lang="en-US" altLang="ko-KR" sz="800" dirty="0"/>
-              <a:t>- https://bzooryu.tistory.com/77</a:t>
-            </a:r>
-            <a:endParaRPr lang="ko-KR" altLang="en-US" sz="800" dirty="0"/>
-          </a:p>
-        </p:txBody>
-      </p:sp>
-      <p:pic>
-        <p:nvPicPr>
-          <p:cNvPr id="10242" name="Picture 2" descr="Gunfire Reborn - Proving the '30 Seconds of Fun' Mantra">
-            <a:extLst>
-              <a:ext uri="{FF2B5EF4-FFF2-40B4-BE49-F238E27FC236}">
-                <a16:creationId xmlns:a16="http://schemas.microsoft.com/office/drawing/2014/main" id="{E15E812A-79A7-7A19-A56C-8492C36AB087}"/>
-              </a:ext>
-            </a:extLst>
-          </p:cNvPr>
-          <p:cNvPicPr>
-            <a:picLocks noChangeAspect="1" noChangeArrowheads="1"/>
-          </p:cNvPicPr>
-          <p:nvPr/>
-        </p:nvPicPr>
-        <p:blipFill>
-          <a:blip r:embed="rId3" cstate="print">
-            <a:extLst>
-              <a:ext uri="{28A0092B-C50C-407E-A947-70E740481C1C}">
-                <a14:useLocalDpi xmlns:a14="http://schemas.microsoft.com/office/drawing/2010/main" val="0"/>
-              </a:ext>
-            </a:extLst>
-          </a:blip>
-          <a:srcRect/>
-          <a:stretch>
-            <a:fillRect/>
-          </a:stretch>
-        </p:blipFill>
-        <p:spPr bwMode="auto">
-          <a:xfrm>
-            <a:off x="503040" y="4247353"/>
-            <a:ext cx="4046793" cy="2282675"/>
-          </a:xfrm>
-          <a:prstGeom prst="rect">
-            <a:avLst/>
-          </a:prstGeom>
-          <a:noFill/>
-          <a:extLst>
-            <a:ext uri="{909E8E84-426E-40DD-AFC4-6F175D3DCCD1}">
-              <a14:hiddenFill xmlns:a14="http://schemas.microsoft.com/office/drawing/2010/main">
-                <a:solidFill>
-                  <a:srgbClr val="FFFFFF"/>
-                </a:solidFill>
-              </a14:hiddenFill>
-            </a:ext>
-          </a:extLst>
-        </p:spPr>
-      </p:pic>
-      <p:sp>
-        <p:nvSpPr>
-          <p:cNvPr id="19" name="TextBox 18">
-            <a:extLst>
-              <a:ext uri="{FF2B5EF4-FFF2-40B4-BE49-F238E27FC236}">
-                <a16:creationId xmlns:a16="http://schemas.microsoft.com/office/drawing/2014/main" id="{DC0A1512-0BE4-9FBB-FF7E-94EC0C056D4D}"/>
-              </a:ext>
-            </a:extLst>
-          </p:cNvPr>
-          <p:cNvSpPr txBox="1"/>
-          <p:nvPr/>
-        </p:nvSpPr>
-        <p:spPr>
-          <a:xfrm>
-            <a:off x="503041" y="6514249"/>
-            <a:ext cx="3936510" cy="215444"/>
-          </a:xfrm>
-          <a:prstGeom prst="rect">
-            <a:avLst/>
-          </a:prstGeom>
-          <a:noFill/>
-        </p:spPr>
-        <p:txBody>
-          <a:bodyPr wrap="square" rtlCol="0">
-            <a:spAutoFit/>
-          </a:bodyPr>
-          <a:lstStyle/>
-          <a:p>
-            <a:r>
-              <a:rPr lang="ko-KR" altLang="en-US" sz="800" dirty="0"/>
-              <a:t>출처 </a:t>
-            </a:r>
-            <a:r>
-              <a:rPr lang="en-US" altLang="ko-KR" sz="800" dirty="0"/>
-              <a:t>- https://www.superjumpmagazine.com/gunfire-reborn-30-seconds-of-fun/</a:t>
-            </a:r>
-            <a:endParaRPr lang="ko-KR" altLang="en-US" sz="800" dirty="0"/>
-          </a:p>
-        </p:txBody>
-      </p:sp>
-      <p:sp>
-        <p:nvSpPr>
-          <p:cNvPr id="20" name="TextBox 19">
-            <a:extLst>
-              <a:ext uri="{FF2B5EF4-FFF2-40B4-BE49-F238E27FC236}">
-                <a16:creationId xmlns:a16="http://schemas.microsoft.com/office/drawing/2014/main" id="{6F0EB287-4D86-8B27-81B0-B1209604BE06}"/>
-              </a:ext>
-            </a:extLst>
-          </p:cNvPr>
-          <p:cNvSpPr txBox="1"/>
-          <p:nvPr/>
-        </p:nvSpPr>
-        <p:spPr>
-          <a:xfrm>
-            <a:off x="1338304" y="933066"/>
-            <a:ext cx="2376264" cy="646331"/>
-          </a:xfrm>
-          <a:prstGeom prst="rect">
-            <a:avLst/>
-          </a:prstGeom>
-          <a:noFill/>
-        </p:spPr>
-        <p:txBody>
-          <a:bodyPr wrap="square" rtlCol="0">
-            <a:spAutoFit/>
-          </a:bodyPr>
-          <a:lstStyle/>
-          <a:p>
-            <a:pPr algn="ctr"/>
-            <a:r>
-              <a:rPr lang="ko-KR" altLang="en-US" dirty="0" err="1"/>
-              <a:t>건파이어</a:t>
-            </a:r>
-            <a:r>
-              <a:rPr lang="ko-KR" altLang="en-US" dirty="0"/>
-              <a:t> 리본</a:t>
-            </a:r>
-            <a:endParaRPr lang="en-US" altLang="ko-KR" dirty="0"/>
-          </a:p>
-          <a:p>
-            <a:pPr algn="ctr"/>
-            <a:r>
-              <a:rPr lang="en-US" altLang="ko-KR" dirty="0"/>
-              <a:t>( Gunfire Reborn )</a:t>
-            </a:r>
-            <a:endParaRPr lang="ko-KR" altLang="en-US" dirty="0"/>
-          </a:p>
-        </p:txBody>
-      </p:sp>
-      <p:sp>
-        <p:nvSpPr>
-          <p:cNvPr id="21" name="TextBox 20">
-            <a:extLst>
-              <a:ext uri="{FF2B5EF4-FFF2-40B4-BE49-F238E27FC236}">
-                <a16:creationId xmlns:a16="http://schemas.microsoft.com/office/drawing/2014/main" id="{3685A815-B982-D946-3384-F419145D23B2}"/>
-              </a:ext>
-            </a:extLst>
-          </p:cNvPr>
-          <p:cNvSpPr txBox="1"/>
-          <p:nvPr/>
-        </p:nvSpPr>
-        <p:spPr>
-          <a:xfrm>
-            <a:off x="6162838" y="1386998"/>
-            <a:ext cx="1368152" cy="369332"/>
-          </a:xfrm>
-          <a:prstGeom prst="rect">
-            <a:avLst/>
-          </a:prstGeom>
-          <a:noFill/>
-        </p:spPr>
-        <p:txBody>
-          <a:bodyPr wrap="square" rtlCol="0">
-            <a:spAutoFit/>
-          </a:bodyPr>
-          <a:lstStyle/>
-          <a:p>
-            <a:pPr algn="ctr"/>
-            <a:r>
-              <a:rPr lang="ko-KR" altLang="en-US" dirty="0"/>
-              <a:t>유사점</a:t>
-            </a:r>
-          </a:p>
-        </p:txBody>
-      </p:sp>
-      <p:sp>
-        <p:nvSpPr>
-          <p:cNvPr id="22" name="사각형: 둥근 모서리 21">
-            <a:extLst>
-              <a:ext uri="{FF2B5EF4-FFF2-40B4-BE49-F238E27FC236}">
-                <a16:creationId xmlns:a16="http://schemas.microsoft.com/office/drawing/2014/main" id="{6160797C-CB6A-E90C-5CF2-B2030C1B3166}"/>
-              </a:ext>
-            </a:extLst>
-          </p:cNvPr>
-          <p:cNvSpPr/>
-          <p:nvPr/>
-        </p:nvSpPr>
-        <p:spPr>
-          <a:xfrm>
-            <a:off x="4801350" y="1776306"/>
-            <a:ext cx="4091129" cy="2224826"/>
-          </a:xfrm>
-          <a:prstGeom prst="roundRect">
-            <a:avLst/>
-          </a:prstGeom>
-        </p:spPr>
-        <p:style>
-          <a:lnRef idx="2">
-            <a:schemeClr val="dk1"/>
-          </a:lnRef>
-          <a:fillRef idx="1">
-            <a:schemeClr val="lt1"/>
-          </a:fillRef>
-          <a:effectRef idx="0">
-            <a:schemeClr val="dk1"/>
-          </a:effectRef>
-          <a:fontRef idx="minor">
-            <a:schemeClr val="dk1"/>
-          </a:fontRef>
-        </p:style>
-        <p:txBody>
-          <a:bodyPr rtlCol="0" anchor="ctr"/>
-          <a:lstStyle/>
-          <a:p>
-            <a:pPr marL="228600" indent="-228600">
-              <a:buAutoNum type="arabicPeriod"/>
-            </a:pPr>
-            <a:r>
-              <a:rPr lang="en-US" altLang="ko-KR" sz="1200" dirty="0"/>
-              <a:t>1</a:t>
-            </a:r>
-            <a:r>
-              <a:rPr lang="ko-KR" altLang="en-US" sz="1200" dirty="0"/>
-              <a:t>인칭 게임이다</a:t>
-            </a:r>
-            <a:r>
-              <a:rPr lang="en-US" altLang="ko-KR" sz="1200" dirty="0"/>
-              <a:t>.</a:t>
-            </a:r>
-          </a:p>
-          <a:p>
-            <a:pPr marL="228600" indent="-228600">
-              <a:buAutoNum type="arabicPeriod"/>
-            </a:pPr>
-            <a:endParaRPr lang="en-US" altLang="ko-KR" sz="1200" dirty="0"/>
-          </a:p>
-          <a:p>
-            <a:r>
-              <a:rPr lang="en-US" altLang="ko-KR" sz="1200" dirty="0"/>
-              <a:t>2. </a:t>
-            </a:r>
-            <a:r>
-              <a:rPr lang="ko-KR" altLang="en-US" sz="1200" dirty="0"/>
-              <a:t>최대 </a:t>
-            </a:r>
-            <a:r>
-              <a:rPr lang="en-US" altLang="ko-KR" sz="1200" dirty="0"/>
-              <a:t>4</a:t>
-            </a:r>
-            <a:r>
-              <a:rPr lang="ko-KR" altLang="en-US" sz="1200" dirty="0"/>
-              <a:t>인 협동게임이다</a:t>
-            </a:r>
-            <a:endParaRPr lang="en-US" altLang="ko-KR" sz="1200" dirty="0"/>
-          </a:p>
-          <a:p>
-            <a:endParaRPr lang="en-US" altLang="ko-KR" sz="1200" dirty="0"/>
-          </a:p>
-          <a:p>
-            <a:r>
-              <a:rPr lang="en-US" altLang="ko-KR" sz="1200" dirty="0"/>
-              <a:t>3. </a:t>
-            </a:r>
-            <a:r>
-              <a:rPr lang="ko-KR" altLang="en-US" sz="1200" dirty="0"/>
-              <a:t>스킬과 무기를 사용하여 적을 물리쳐야 한다</a:t>
-            </a:r>
-            <a:r>
-              <a:rPr lang="en-US" altLang="ko-KR" sz="1200" dirty="0"/>
-              <a:t>.</a:t>
-            </a:r>
-          </a:p>
-          <a:p>
-            <a:endParaRPr lang="en-US" altLang="ko-KR" sz="1200" dirty="0"/>
-          </a:p>
-          <a:p>
-            <a:r>
-              <a:rPr lang="en-US" altLang="ko-KR" sz="1200" dirty="0"/>
-              <a:t>4. </a:t>
-            </a:r>
-            <a:r>
-              <a:rPr lang="ko-KR" altLang="en-US" sz="1200" dirty="0"/>
-              <a:t>일반 스테이지와 보스 스테이지로 나뉘어져 있다</a:t>
-            </a:r>
-            <a:r>
-              <a:rPr lang="en-US" altLang="ko-KR" sz="1200" dirty="0"/>
-              <a:t>.</a:t>
-            </a:r>
-          </a:p>
-        </p:txBody>
-      </p:sp>
-      <p:sp>
-        <p:nvSpPr>
-          <p:cNvPr id="23" name="TextBox 22">
-            <a:extLst>
-              <a:ext uri="{FF2B5EF4-FFF2-40B4-BE49-F238E27FC236}">
-                <a16:creationId xmlns:a16="http://schemas.microsoft.com/office/drawing/2014/main" id="{719690DC-B741-65A2-7139-4DFDCCC79FE8}"/>
-              </a:ext>
-            </a:extLst>
-          </p:cNvPr>
-          <p:cNvSpPr txBox="1"/>
-          <p:nvPr/>
-        </p:nvSpPr>
-        <p:spPr>
-          <a:xfrm>
-            <a:off x="6162838" y="3999975"/>
-            <a:ext cx="1368152" cy="338554"/>
-          </a:xfrm>
-          <a:prstGeom prst="rect">
-            <a:avLst/>
-          </a:prstGeom>
-          <a:noFill/>
-        </p:spPr>
-        <p:txBody>
-          <a:bodyPr wrap="square" rtlCol="0">
-            <a:spAutoFit/>
-          </a:bodyPr>
-          <a:lstStyle/>
-          <a:p>
-            <a:pPr algn="ctr"/>
-            <a:r>
-              <a:rPr lang="ko-KR" altLang="en-US" sz="1600" dirty="0"/>
-              <a:t>차이점</a:t>
-            </a:r>
-          </a:p>
-        </p:txBody>
-      </p:sp>
-      <p:sp>
-        <p:nvSpPr>
-          <p:cNvPr id="24" name="사각형: 둥근 모서리 23">
-            <a:extLst>
-              <a:ext uri="{FF2B5EF4-FFF2-40B4-BE49-F238E27FC236}">
-                <a16:creationId xmlns:a16="http://schemas.microsoft.com/office/drawing/2014/main" id="{2985935C-F360-9724-9143-FF88A42CA5C8}"/>
-              </a:ext>
-            </a:extLst>
-          </p:cNvPr>
-          <p:cNvSpPr/>
-          <p:nvPr/>
-        </p:nvSpPr>
-        <p:spPr>
-          <a:xfrm>
-            <a:off x="4801350" y="4342289"/>
-            <a:ext cx="4091129" cy="2224826"/>
-          </a:xfrm>
-          <a:prstGeom prst="roundRect">
-            <a:avLst/>
-          </a:prstGeom>
-        </p:spPr>
-        <p:style>
-          <a:lnRef idx="2">
-            <a:schemeClr val="dk1"/>
-          </a:lnRef>
-          <a:fillRef idx="1">
-            <a:schemeClr val="lt1"/>
-          </a:fillRef>
-          <a:effectRef idx="0">
-            <a:schemeClr val="dk1"/>
-          </a:effectRef>
-          <a:fontRef idx="minor">
-            <a:schemeClr val="dk1"/>
-          </a:fontRef>
-        </p:style>
-        <p:txBody>
-          <a:bodyPr rtlCol="0" anchor="ctr"/>
-          <a:lstStyle/>
-          <a:p>
-            <a:pPr marL="228600" indent="-228600">
-              <a:buAutoNum type="arabicPeriod"/>
-            </a:pPr>
-            <a:r>
-              <a:rPr lang="ko-KR" altLang="en-US" sz="1200" dirty="0" err="1"/>
-              <a:t>마나를</a:t>
-            </a:r>
-            <a:r>
-              <a:rPr lang="ko-KR" altLang="en-US" sz="1200" dirty="0"/>
-              <a:t> 신경 써야 한다</a:t>
-            </a:r>
-            <a:r>
-              <a:rPr lang="en-US" altLang="ko-KR" sz="1200" dirty="0"/>
-              <a:t>.</a:t>
-            </a:r>
-          </a:p>
-          <a:p>
-            <a:pPr marL="228600" indent="-228600">
-              <a:buAutoNum type="arabicPeriod"/>
-            </a:pPr>
-            <a:endParaRPr lang="en-US" altLang="ko-KR" sz="1200" dirty="0"/>
-          </a:p>
-          <a:p>
-            <a:r>
-              <a:rPr lang="en-US" altLang="ko-KR" sz="1200" dirty="0"/>
-              <a:t>2. </a:t>
-            </a:r>
-            <a:r>
-              <a:rPr lang="ko-KR" altLang="en-US" sz="1200" dirty="0"/>
-              <a:t>게임 진행을 위한 스토리 </a:t>
-            </a:r>
-            <a:r>
-              <a:rPr lang="ko-KR" altLang="en-US" sz="1200" dirty="0" err="1"/>
-              <a:t>텔링이</a:t>
-            </a:r>
-            <a:r>
-              <a:rPr lang="ko-KR" altLang="en-US" sz="1200" dirty="0"/>
-              <a:t> 존재한다</a:t>
-            </a:r>
-            <a:r>
-              <a:rPr lang="en-US" altLang="ko-KR" sz="1200" dirty="0"/>
-              <a:t>.</a:t>
-            </a:r>
-          </a:p>
-          <a:p>
-            <a:endParaRPr lang="en-US" altLang="ko-KR" sz="1200" dirty="0"/>
-          </a:p>
-          <a:p>
-            <a:r>
-              <a:rPr lang="en-US" altLang="ko-KR" sz="1200" dirty="0"/>
-              <a:t>3. </a:t>
-            </a:r>
-            <a:r>
-              <a:rPr lang="ko-KR" altLang="en-US" sz="1200" dirty="0"/>
-              <a:t>음성채팅이 가능하다</a:t>
-            </a:r>
-            <a:r>
-              <a:rPr lang="en-US" altLang="ko-KR" sz="1200" dirty="0"/>
-              <a:t>.</a:t>
-            </a:r>
-          </a:p>
-          <a:p>
-            <a:endParaRPr lang="en-US" altLang="ko-KR" sz="1200" dirty="0"/>
-          </a:p>
-          <a:p>
-            <a:r>
-              <a:rPr lang="en-US" altLang="ko-KR" sz="1200" dirty="0"/>
-              <a:t>4. </a:t>
-            </a:r>
-            <a:r>
-              <a:rPr lang="ko-KR" altLang="en-US" sz="1200" dirty="0"/>
-              <a:t>게임이 플레이어의 감각에 영향을 준다</a:t>
-            </a:r>
-            <a:r>
-              <a:rPr lang="en-US" altLang="ko-KR" sz="1200" dirty="0"/>
-              <a:t>.</a:t>
-            </a:r>
-          </a:p>
-        </p:txBody>
-      </p:sp>
-    </p:spTree>
-    <p:extLst>
-      <p:ext uri="{BB962C8B-B14F-4D97-AF65-F5344CB8AC3E}">
-        <p14:creationId xmlns:p14="http://schemas.microsoft.com/office/powerpoint/2010/main" val="1902747088"/>
-      </p:ext>
-    </p:extLst>
-  </p:cSld>
-  <p:clrMapOvr>
-    <a:masterClrMapping/>
-  </p:clrMapOvr>
-</p:sld>
-</file>
-
-<file path=ppt/slides/slide21.xml><?xml version="1.0" encoding="utf-8"?>
-<p:sld xmlns:a="http://schemas.openxmlformats.org/drawingml/2006/main" xmlns:r="http://schemas.openxmlformats.org/officeDocument/2006/relationships" xmlns:p="http://schemas.openxmlformats.org/presentationml/2006/main">
-  <p:cSld>
-    <p:spTree>
-      <p:nvGrpSpPr>
-        <p:cNvPr id="1" name=""/>
-        <p:cNvGrpSpPr/>
-        <p:nvPr/>
-      </p:nvGrpSpPr>
-      <p:grpSpPr>
-        <a:xfrm>
-          <a:off x="0" y="0"/>
-          <a:ext cx="0" cy="0"/>
-          <a:chOff x="0" y="0"/>
-          <a:chExt cx="0" cy="0"/>
-        </a:xfrm>
-      </p:grpSpPr>
-      <p:sp>
-        <p:nvSpPr>
-          <p:cNvPr id="4" name="직사각형 3"/>
-          <p:cNvSpPr/>
-          <p:nvPr/>
-        </p:nvSpPr>
-        <p:spPr>
-          <a:xfrm>
-            <a:off x="370592" y="389855"/>
-            <a:ext cx="264898" cy="246221"/>
-          </a:xfrm>
-          <a:prstGeom prst="rect">
-            <a:avLst/>
-          </a:prstGeom>
-          <a:solidFill>
-            <a:schemeClr val="bg1">
-              <a:lumMod val="85000"/>
-            </a:schemeClr>
-          </a:solidFill>
-          <a:ln>
-            <a:noFill/>
-          </a:ln>
-        </p:spPr>
-        <p:style>
-          <a:lnRef idx="2">
-            <a:schemeClr val="accent1">
-              <a:shade val="50000"/>
-            </a:schemeClr>
-          </a:lnRef>
-          <a:fillRef idx="1">
-            <a:schemeClr val="accent1"/>
-          </a:fillRef>
-          <a:effectRef idx="0">
-            <a:schemeClr val="accent1"/>
-          </a:effectRef>
-          <a:fontRef idx="minor">
-            <a:schemeClr val="lt1"/>
-          </a:fontRef>
-        </p:style>
-        <p:txBody>
-          <a:bodyPr rtlCol="0" anchor="ctr"/>
-          <a:lstStyle/>
-          <a:p>
-            <a:pPr algn="ctr"/>
-            <a:endParaRPr lang="ko-KR" altLang="en-US"/>
-          </a:p>
-        </p:txBody>
-      </p:sp>
-      <p:sp>
-        <p:nvSpPr>
-          <p:cNvPr id="5" name="TextBox 4"/>
-          <p:cNvSpPr txBox="1"/>
-          <p:nvPr/>
-        </p:nvSpPr>
-        <p:spPr>
-          <a:xfrm>
-            <a:off x="635490" y="335487"/>
-            <a:ext cx="1776269" cy="400110"/>
-          </a:xfrm>
-          <a:prstGeom prst="rect">
-            <a:avLst/>
-          </a:prstGeom>
-          <a:noFill/>
-        </p:spPr>
-        <p:txBody>
-          <a:bodyPr wrap="square" rtlCol="0">
-            <a:spAutoFit/>
-          </a:bodyPr>
-          <a:lstStyle/>
-          <a:p>
-            <a:r>
-              <a:rPr lang="ko-KR" altLang="en-US" sz="2000">
-                <a:solidFill>
-                  <a:schemeClr val="tx1">
-                    <a:lumMod val="75000"/>
-                    <a:lumOff val="25000"/>
-                  </a:schemeClr>
-                </a:solidFill>
-                <a:latin typeface="Sandoll 고딕 03 Bold" pitchFamily="34" charset="-127"/>
-                <a:ea typeface="Sandoll 고딕 03 Bold" pitchFamily="34" charset="-127"/>
-              </a:rPr>
-              <a:t>현황 및 계획</a:t>
-            </a:r>
-            <a:endParaRPr lang="ko-KR" altLang="en-US" sz="2000" dirty="0">
-              <a:solidFill>
-                <a:schemeClr val="tx1">
-                  <a:lumMod val="75000"/>
-                  <a:lumOff val="25000"/>
-                </a:schemeClr>
-              </a:solidFill>
-              <a:latin typeface="Sandoll 고딕 03 Bold" pitchFamily="34" charset="-127"/>
-              <a:ea typeface="Sandoll 고딕 03 Bold" pitchFamily="34" charset="-127"/>
-            </a:endParaRPr>
-          </a:p>
-        </p:txBody>
-      </p:sp>
-      <p:cxnSp>
-        <p:nvCxnSpPr>
-          <p:cNvPr id="7" name="직선 연결선 6"/>
-          <p:cNvCxnSpPr/>
-          <p:nvPr/>
-        </p:nvCxnSpPr>
-        <p:spPr>
-          <a:xfrm>
-            <a:off x="251520" y="0"/>
-            <a:ext cx="0" cy="6858000"/>
-          </a:xfrm>
-          <a:prstGeom prst="line">
-            <a:avLst/>
-          </a:prstGeom>
-          <a:ln>
-            <a:solidFill>
-              <a:schemeClr val="bg1">
-                <a:lumMod val="65000"/>
-              </a:schemeClr>
-            </a:solidFill>
-            <a:prstDash val="sysDot"/>
-          </a:ln>
-        </p:spPr>
-        <p:style>
-          <a:lnRef idx="1">
-            <a:schemeClr val="accent1"/>
-          </a:lnRef>
-          <a:fillRef idx="0">
-            <a:schemeClr val="accent1"/>
-          </a:fillRef>
-          <a:effectRef idx="0">
-            <a:schemeClr val="accent1"/>
-          </a:effectRef>
-          <a:fontRef idx="minor">
-            <a:schemeClr val="tx1"/>
-          </a:fontRef>
-        </p:style>
-      </p:cxnSp>
-      <p:cxnSp>
-        <p:nvCxnSpPr>
-          <p:cNvPr id="8" name="직선 연결선 7"/>
-          <p:cNvCxnSpPr/>
-          <p:nvPr/>
-        </p:nvCxnSpPr>
-        <p:spPr>
-          <a:xfrm>
-            <a:off x="0" y="260648"/>
-            <a:ext cx="9144000" cy="0"/>
-          </a:xfrm>
-          <a:prstGeom prst="line">
-            <a:avLst/>
-          </a:prstGeom>
-          <a:ln>
-            <a:solidFill>
-              <a:schemeClr val="bg1">
-                <a:lumMod val="65000"/>
-              </a:schemeClr>
-            </a:solidFill>
-            <a:prstDash val="sysDot"/>
-          </a:ln>
-        </p:spPr>
-        <p:style>
-          <a:lnRef idx="1">
-            <a:schemeClr val="accent1"/>
-          </a:lnRef>
-          <a:fillRef idx="0">
-            <a:schemeClr val="accent1"/>
-          </a:fillRef>
-          <a:effectRef idx="0">
-            <a:schemeClr val="accent1"/>
-          </a:effectRef>
-          <a:fontRef idx="minor">
-            <a:schemeClr val="tx1"/>
-          </a:fontRef>
-        </p:style>
-      </p:cxnSp>
-      <p:sp>
-        <p:nvSpPr>
-          <p:cNvPr id="4163" name="TextBox 4162">
-            <a:extLst>
-              <a:ext uri="{FF2B5EF4-FFF2-40B4-BE49-F238E27FC236}">
-                <a16:creationId xmlns:a16="http://schemas.microsoft.com/office/drawing/2014/main" id="{3C4B1F17-2D08-8557-911F-4590D98CF19B}"/>
-              </a:ext>
-            </a:extLst>
-          </p:cNvPr>
-          <p:cNvSpPr txBox="1"/>
-          <p:nvPr/>
-        </p:nvSpPr>
-        <p:spPr>
-          <a:xfrm>
-            <a:off x="2194227" y="366265"/>
-            <a:ext cx="5258091" cy="338554"/>
+            <a:off x="1835696" y="366265"/>
+            <a:ext cx="2232248" cy="338554"/>
           </a:xfrm>
           <a:prstGeom prst="rect">
             <a:avLst/>
@@ -13611,835 +13386,15 @@
                 <a:latin typeface="Sandoll 고딕 02 Medium" pitchFamily="34" charset="-127"/>
                 <a:ea typeface="Sandoll 고딕 02 Medium" pitchFamily="34" charset="-127"/>
               </a:rPr>
-              <a:t>구성원 역할 분담 및 중점 연구 분야</a:t>
-            </a:r>
-          </a:p>
-        </p:txBody>
-      </p:sp>
-      <p:sp>
-        <p:nvSpPr>
-          <p:cNvPr id="2" name="TextBox 1">
-            <a:extLst>
-              <a:ext uri="{FF2B5EF4-FFF2-40B4-BE49-F238E27FC236}">
-                <a16:creationId xmlns:a16="http://schemas.microsoft.com/office/drawing/2014/main" id="{35DAEF35-F020-A34B-7F86-186C9B3A3EB9}"/>
-              </a:ext>
-            </a:extLst>
-          </p:cNvPr>
-          <p:cNvSpPr txBox="1"/>
-          <p:nvPr/>
-        </p:nvSpPr>
-        <p:spPr>
-          <a:xfrm>
-            <a:off x="450252" y="1848251"/>
-            <a:ext cx="1584176" cy="861774"/>
-          </a:xfrm>
-          <a:prstGeom prst="rect">
-            <a:avLst/>
-          </a:prstGeom>
-        </p:spPr>
-        <p:style>
-          <a:lnRef idx="2">
-            <a:schemeClr val="accent3"/>
-          </a:lnRef>
-          <a:fillRef idx="1">
-            <a:schemeClr val="lt1"/>
-          </a:fillRef>
-          <a:effectRef idx="0">
-            <a:schemeClr val="accent3"/>
-          </a:effectRef>
-          <a:fontRef idx="minor">
-            <a:schemeClr val="dk1"/>
-          </a:fontRef>
-        </p:style>
-        <p:txBody>
-          <a:bodyPr wrap="square" rtlCol="0">
-            <a:spAutoFit/>
-          </a:bodyPr>
-          <a:lstStyle/>
-          <a:p>
-            <a:r>
-              <a:rPr lang="en-US" altLang="ko-KR" sz="1600" dirty="0"/>
-              <a:t>2018180020</a:t>
-            </a:r>
-          </a:p>
-          <a:p>
-            <a:r>
-              <a:rPr lang="ko-KR" altLang="en-US" b="1" dirty="0"/>
-              <a:t>박재우</a:t>
-            </a:r>
-            <a:endParaRPr lang="en-US" altLang="ko-KR" b="1" dirty="0"/>
-          </a:p>
-          <a:p>
-            <a:r>
-              <a:rPr lang="en-US" altLang="ko-KR" sz="1400" dirty="0"/>
-              <a:t>(</a:t>
-            </a:r>
-            <a:r>
-              <a:rPr lang="ko-KR" altLang="en-US" sz="1400" dirty="0"/>
-              <a:t>클라이언트</a:t>
-            </a:r>
-            <a:r>
-              <a:rPr lang="en-US" altLang="ko-KR" sz="1400" dirty="0"/>
-              <a:t>)</a:t>
-            </a:r>
-            <a:endParaRPr lang="ko-KR" altLang="en-US" sz="1400" dirty="0"/>
-          </a:p>
-        </p:txBody>
-      </p:sp>
-      <p:sp>
-        <p:nvSpPr>
-          <p:cNvPr id="3" name="TextBox 2">
-            <a:extLst>
-              <a:ext uri="{FF2B5EF4-FFF2-40B4-BE49-F238E27FC236}">
-                <a16:creationId xmlns:a16="http://schemas.microsoft.com/office/drawing/2014/main" id="{39610EAD-EAEA-97D2-682D-F46F83F44849}"/>
-              </a:ext>
-            </a:extLst>
-          </p:cNvPr>
-          <p:cNvSpPr txBox="1"/>
-          <p:nvPr/>
-        </p:nvSpPr>
-        <p:spPr>
-          <a:xfrm>
-            <a:off x="458150" y="3102474"/>
-            <a:ext cx="1584176" cy="861774"/>
-          </a:xfrm>
-          <a:prstGeom prst="rect">
-            <a:avLst/>
-          </a:prstGeom>
-        </p:spPr>
-        <p:style>
-          <a:lnRef idx="2">
-            <a:schemeClr val="accent6"/>
-          </a:lnRef>
-          <a:fillRef idx="1">
-            <a:schemeClr val="lt1"/>
-          </a:fillRef>
-          <a:effectRef idx="0">
-            <a:schemeClr val="accent6"/>
-          </a:effectRef>
-          <a:fontRef idx="minor">
-            <a:schemeClr val="dk1"/>
-          </a:fontRef>
-        </p:style>
-        <p:txBody>
-          <a:bodyPr wrap="square" rtlCol="0">
-            <a:spAutoFit/>
-          </a:bodyPr>
-          <a:lstStyle/>
-          <a:p>
-            <a:r>
-              <a:rPr lang="en-US" altLang="ko-KR" sz="1600" dirty="0"/>
-              <a:t>2020182031</a:t>
-            </a:r>
-          </a:p>
-          <a:p>
-            <a:r>
-              <a:rPr lang="ko-KR" altLang="en-US" b="1" dirty="0"/>
-              <a:t>이서연</a:t>
-            </a:r>
-            <a:endParaRPr lang="en-US" altLang="ko-KR" b="1" dirty="0"/>
-          </a:p>
-          <a:p>
-            <a:r>
-              <a:rPr lang="en-US" altLang="ko-KR" sz="1400" dirty="0"/>
-              <a:t>(</a:t>
-            </a:r>
-            <a:r>
-              <a:rPr lang="ko-KR" altLang="en-US" sz="1400" dirty="0"/>
-              <a:t>클라이언트</a:t>
-            </a:r>
-            <a:r>
-              <a:rPr lang="en-US" altLang="ko-KR" sz="1400" dirty="0"/>
-              <a:t>)</a:t>
-            </a:r>
-            <a:endParaRPr lang="ko-KR" altLang="en-US" sz="1400" dirty="0"/>
-          </a:p>
-        </p:txBody>
-      </p:sp>
-      <p:sp>
-        <p:nvSpPr>
-          <p:cNvPr id="6" name="TextBox 5">
-            <a:extLst>
-              <a:ext uri="{FF2B5EF4-FFF2-40B4-BE49-F238E27FC236}">
-                <a16:creationId xmlns:a16="http://schemas.microsoft.com/office/drawing/2014/main" id="{CAAA451C-AA5E-078C-161A-122EE43099F6}"/>
-              </a:ext>
-            </a:extLst>
-          </p:cNvPr>
-          <p:cNvSpPr txBox="1"/>
-          <p:nvPr/>
-        </p:nvSpPr>
-        <p:spPr>
-          <a:xfrm>
-            <a:off x="450252" y="4356697"/>
-            <a:ext cx="1584176" cy="861774"/>
-          </a:xfrm>
-          <a:prstGeom prst="rect">
-            <a:avLst/>
-          </a:prstGeom>
-        </p:spPr>
-        <p:style>
-          <a:lnRef idx="2">
-            <a:schemeClr val="accent1"/>
-          </a:lnRef>
-          <a:fillRef idx="1">
-            <a:schemeClr val="lt1"/>
-          </a:fillRef>
-          <a:effectRef idx="0">
-            <a:schemeClr val="accent1"/>
-          </a:effectRef>
-          <a:fontRef idx="minor">
-            <a:schemeClr val="dk1"/>
-          </a:fontRef>
-        </p:style>
-        <p:txBody>
-          <a:bodyPr wrap="square" rtlCol="0">
-            <a:spAutoFit/>
-          </a:bodyPr>
-          <a:lstStyle/>
-          <a:p>
-            <a:r>
-              <a:rPr lang="en-US" altLang="ko-KR" sz="1600" dirty="0"/>
-              <a:t>2020182037</a:t>
-            </a:r>
-          </a:p>
-          <a:p>
-            <a:r>
-              <a:rPr lang="ko-KR" altLang="en-US" b="1" dirty="0" err="1"/>
-              <a:t>정롭비</a:t>
-            </a:r>
-            <a:endParaRPr lang="en-US" altLang="ko-KR" b="1" dirty="0"/>
-          </a:p>
-          <a:p>
-            <a:r>
-              <a:rPr lang="en-US" altLang="ko-KR" sz="1400" dirty="0"/>
-              <a:t>(</a:t>
-            </a:r>
-            <a:r>
-              <a:rPr lang="ko-KR" altLang="en-US" sz="1400" dirty="0"/>
-              <a:t>서버</a:t>
-            </a:r>
-            <a:r>
-              <a:rPr lang="en-US" altLang="ko-KR" sz="1400" dirty="0"/>
-              <a:t>)</a:t>
-            </a:r>
-            <a:endParaRPr lang="ko-KR" altLang="en-US" sz="1400" dirty="0"/>
-          </a:p>
-        </p:txBody>
-      </p:sp>
-      <p:sp>
-        <p:nvSpPr>
-          <p:cNvPr id="13" name="TextBox 12">
-            <a:extLst>
-              <a:ext uri="{FF2B5EF4-FFF2-40B4-BE49-F238E27FC236}">
-                <a16:creationId xmlns:a16="http://schemas.microsoft.com/office/drawing/2014/main" id="{09D0B5AF-0575-54FC-4544-66715A1C578C}"/>
-              </a:ext>
-            </a:extLst>
-          </p:cNvPr>
-          <p:cNvSpPr txBox="1"/>
-          <p:nvPr/>
-        </p:nvSpPr>
-        <p:spPr>
-          <a:xfrm>
-            <a:off x="2241800" y="1920763"/>
-            <a:ext cx="6160901" cy="738664"/>
-          </a:xfrm>
-          <a:prstGeom prst="rect">
-            <a:avLst/>
-          </a:prstGeom>
-          <a:noFill/>
-        </p:spPr>
-        <p:txBody>
-          <a:bodyPr wrap="square" rtlCol="0">
-            <a:spAutoFit/>
-          </a:bodyPr>
-          <a:lstStyle/>
-          <a:p>
-            <a:r>
-              <a:rPr lang="en-US" altLang="ko-KR" sz="1400" dirty="0"/>
-              <a:t>Level-Design</a:t>
-            </a:r>
-          </a:p>
-          <a:p>
-            <a:r>
-              <a:rPr lang="en-US" altLang="ko-KR" sz="1400" dirty="0"/>
-              <a:t>VIVOX </a:t>
-            </a:r>
-            <a:r>
-              <a:rPr lang="ko-KR" altLang="en-US" sz="1400" dirty="0"/>
-              <a:t>환경 구축</a:t>
-            </a:r>
-            <a:endParaRPr lang="en-US" altLang="ko-KR" sz="1400" dirty="0"/>
-          </a:p>
-          <a:p>
-            <a:r>
-              <a:rPr lang="en-US" altLang="ko-KR" sz="1400" dirty="0"/>
-              <a:t>Git </a:t>
-            </a:r>
-            <a:r>
-              <a:rPr lang="ko-KR" altLang="en-US" sz="1400" dirty="0"/>
-              <a:t>관리</a:t>
-            </a:r>
-          </a:p>
-        </p:txBody>
-      </p:sp>
-      <p:sp>
-        <p:nvSpPr>
-          <p:cNvPr id="14" name="TextBox 13">
-            <a:extLst>
-              <a:ext uri="{FF2B5EF4-FFF2-40B4-BE49-F238E27FC236}">
-                <a16:creationId xmlns:a16="http://schemas.microsoft.com/office/drawing/2014/main" id="{AC6BAB15-F88D-E1A0-595C-56D5843B30A8}"/>
-              </a:ext>
-            </a:extLst>
-          </p:cNvPr>
-          <p:cNvSpPr txBox="1"/>
-          <p:nvPr/>
-        </p:nvSpPr>
-        <p:spPr>
-          <a:xfrm>
-            <a:off x="2213020" y="3278760"/>
-            <a:ext cx="6160901" cy="523220"/>
-          </a:xfrm>
-          <a:prstGeom prst="rect">
-            <a:avLst/>
-          </a:prstGeom>
-          <a:noFill/>
-        </p:spPr>
-        <p:txBody>
-          <a:bodyPr wrap="square" rtlCol="0">
-            <a:spAutoFit/>
-          </a:bodyPr>
-          <a:lstStyle/>
-          <a:p>
-            <a:r>
-              <a:rPr lang="en-US" altLang="ko-KR" sz="1400" dirty="0"/>
-              <a:t>Shader</a:t>
-            </a:r>
-            <a:r>
-              <a:rPr lang="ko-KR" altLang="en-US" sz="1400" dirty="0"/>
-              <a:t> </a:t>
-            </a:r>
-            <a:r>
-              <a:rPr lang="en-US" altLang="ko-KR" sz="1400" dirty="0"/>
-              <a:t>Programming</a:t>
-            </a:r>
-          </a:p>
-          <a:p>
-            <a:r>
-              <a:rPr lang="en-US" altLang="ko-KR" sz="1400" dirty="0"/>
-              <a:t>2D </a:t>
-            </a:r>
-            <a:r>
-              <a:rPr lang="ko-KR" altLang="en-US" sz="1400" dirty="0"/>
-              <a:t>리소스 제작</a:t>
-            </a:r>
-          </a:p>
-        </p:txBody>
-      </p:sp>
-      <p:sp>
-        <p:nvSpPr>
-          <p:cNvPr id="15" name="TextBox 14">
-            <a:extLst>
-              <a:ext uri="{FF2B5EF4-FFF2-40B4-BE49-F238E27FC236}">
-                <a16:creationId xmlns:a16="http://schemas.microsoft.com/office/drawing/2014/main" id="{6802AB36-2113-AA46-E828-1E75ED7055AE}"/>
-              </a:ext>
-            </a:extLst>
-          </p:cNvPr>
-          <p:cNvSpPr txBox="1"/>
-          <p:nvPr/>
-        </p:nvSpPr>
-        <p:spPr>
-          <a:xfrm>
-            <a:off x="2213019" y="4514582"/>
-            <a:ext cx="6160901" cy="523220"/>
-          </a:xfrm>
-          <a:prstGeom prst="rect">
-            <a:avLst/>
-          </a:prstGeom>
-          <a:noFill/>
-        </p:spPr>
-        <p:txBody>
-          <a:bodyPr wrap="square" rtlCol="0">
-            <a:spAutoFit/>
-          </a:bodyPr>
-          <a:lstStyle/>
-          <a:p>
-            <a:r>
-              <a:rPr lang="en-US" altLang="ko-KR" sz="1400" dirty="0"/>
-              <a:t>IOCP</a:t>
-            </a:r>
-            <a:r>
-              <a:rPr lang="ko-KR" altLang="en-US" sz="1400" dirty="0"/>
-              <a:t>기반 서버 구축</a:t>
-            </a:r>
-            <a:endParaRPr lang="en-US" altLang="ko-KR" sz="1400" dirty="0"/>
-          </a:p>
-          <a:p>
-            <a:r>
-              <a:rPr lang="ko-KR" altLang="en-US" sz="1400" dirty="0"/>
-              <a:t>네트워크 프레임워크 작성</a:t>
-            </a:r>
-          </a:p>
-        </p:txBody>
-      </p:sp>
-      <p:sp>
-        <p:nvSpPr>
-          <p:cNvPr id="16" name="TextBox 15">
-            <a:extLst>
-              <a:ext uri="{FF2B5EF4-FFF2-40B4-BE49-F238E27FC236}">
-                <a16:creationId xmlns:a16="http://schemas.microsoft.com/office/drawing/2014/main" id="{A214C3B6-54CB-349A-071C-0963160355F6}"/>
-              </a:ext>
-            </a:extLst>
-          </p:cNvPr>
-          <p:cNvSpPr txBox="1"/>
-          <p:nvPr/>
-        </p:nvSpPr>
-        <p:spPr>
-          <a:xfrm>
-            <a:off x="2221775" y="5610920"/>
-            <a:ext cx="6160901" cy="1231106"/>
-          </a:xfrm>
-          <a:prstGeom prst="rect">
-            <a:avLst/>
-          </a:prstGeom>
-          <a:noFill/>
-        </p:spPr>
-        <p:txBody>
-          <a:bodyPr wrap="square" rtlCol="0">
-            <a:spAutoFit/>
-          </a:bodyPr>
-          <a:lstStyle/>
-          <a:p>
-            <a:r>
-              <a:rPr lang="ko-KR" altLang="en-US" sz="1400" dirty="0"/>
-              <a:t>클라이언트 </a:t>
-            </a:r>
-            <a:r>
-              <a:rPr lang="en-US" altLang="ko-KR" sz="1400" dirty="0"/>
-              <a:t>Component </a:t>
-            </a:r>
-            <a:r>
-              <a:rPr lang="ko-KR" altLang="en-US" sz="1400" dirty="0"/>
-              <a:t>구조</a:t>
-            </a:r>
-            <a:endParaRPr lang="en-US" altLang="ko-KR" sz="1400" dirty="0"/>
-          </a:p>
-          <a:p>
-            <a:r>
-              <a:rPr lang="ko-KR" altLang="en-US" sz="1400" dirty="0"/>
-              <a:t>프레임워크 제작</a:t>
-            </a:r>
-            <a:endParaRPr lang="en-US" altLang="ko-KR" sz="1400" dirty="0"/>
-          </a:p>
-          <a:p>
-            <a:endParaRPr lang="en-US" altLang="ko-KR" sz="1400" dirty="0"/>
-          </a:p>
-          <a:p>
-            <a:r>
-              <a:rPr lang="ko-KR" altLang="en-US" sz="1400" dirty="0"/>
-              <a:t>애니메이션</a:t>
-            </a:r>
-            <a:endParaRPr lang="en-US" altLang="ko-KR" sz="1400" dirty="0"/>
-          </a:p>
-          <a:p>
-            <a:r>
-              <a:rPr lang="en-US" altLang="ko-KR" dirty="0"/>
-              <a:t>	</a:t>
-            </a:r>
-          </a:p>
-        </p:txBody>
-      </p:sp>
-      <p:sp>
-        <p:nvSpPr>
-          <p:cNvPr id="17" name="TextBox 16">
-            <a:extLst>
-              <a:ext uri="{FF2B5EF4-FFF2-40B4-BE49-F238E27FC236}">
-                <a16:creationId xmlns:a16="http://schemas.microsoft.com/office/drawing/2014/main" id="{77E5888E-40A7-1D0E-FDE0-4D89C5DF0B5D}"/>
-              </a:ext>
-            </a:extLst>
-          </p:cNvPr>
-          <p:cNvSpPr txBox="1"/>
-          <p:nvPr/>
-        </p:nvSpPr>
-        <p:spPr>
-          <a:xfrm>
-            <a:off x="450252" y="5610920"/>
-            <a:ext cx="1584176" cy="861774"/>
-          </a:xfrm>
-          <a:prstGeom prst="rect">
-            <a:avLst/>
-          </a:prstGeom>
-        </p:spPr>
-        <p:style>
-          <a:lnRef idx="2">
-            <a:schemeClr val="accent2"/>
-          </a:lnRef>
-          <a:fillRef idx="1">
-            <a:schemeClr val="lt1"/>
-          </a:fillRef>
-          <a:effectRef idx="0">
-            <a:schemeClr val="accent2"/>
-          </a:effectRef>
-          <a:fontRef idx="minor">
-            <a:schemeClr val="dk1"/>
-          </a:fontRef>
-        </p:style>
-        <p:txBody>
-          <a:bodyPr wrap="square" rtlCol="0">
-            <a:spAutoFit/>
-          </a:bodyPr>
-          <a:lstStyle/>
-          <a:p>
-            <a:endParaRPr lang="en-US" altLang="ko-KR" sz="1600" dirty="0"/>
-          </a:p>
-          <a:p>
-            <a:pPr algn="ctr"/>
-            <a:r>
-              <a:rPr lang="ko-KR" altLang="en-US" b="1" dirty="0"/>
-              <a:t>공통</a:t>
-            </a:r>
-            <a:endParaRPr lang="en-US" altLang="ko-KR" b="1" dirty="0"/>
-          </a:p>
-          <a:p>
-            <a:endParaRPr lang="en-US" altLang="ko-KR" sz="1600" dirty="0"/>
-          </a:p>
-        </p:txBody>
-      </p:sp>
-      <p:sp>
-        <p:nvSpPr>
-          <p:cNvPr id="18" name="TextBox 17">
-            <a:extLst>
-              <a:ext uri="{FF2B5EF4-FFF2-40B4-BE49-F238E27FC236}">
-                <a16:creationId xmlns:a16="http://schemas.microsoft.com/office/drawing/2014/main" id="{78DBE603-059C-A098-F95D-68B6751C0990}"/>
-              </a:ext>
-            </a:extLst>
-          </p:cNvPr>
-          <p:cNvSpPr txBox="1"/>
-          <p:nvPr/>
-        </p:nvSpPr>
-        <p:spPr>
-          <a:xfrm>
-            <a:off x="2591024" y="1053512"/>
-            <a:ext cx="2232248" cy="369332"/>
-          </a:xfrm>
-          <a:prstGeom prst="rect">
-            <a:avLst/>
-          </a:prstGeom>
-          <a:noFill/>
-        </p:spPr>
-        <p:txBody>
-          <a:bodyPr wrap="square" rtlCol="0">
-            <a:spAutoFit/>
-          </a:bodyPr>
-          <a:lstStyle/>
-          <a:p>
-            <a:r>
-              <a:rPr lang="ko-KR" altLang="en-US" b="1" dirty="0"/>
-              <a:t>역할 분담</a:t>
-            </a:r>
-          </a:p>
-        </p:txBody>
-      </p:sp>
-      <p:sp>
-        <p:nvSpPr>
-          <p:cNvPr id="19" name="TextBox 18">
-            <a:extLst>
-              <a:ext uri="{FF2B5EF4-FFF2-40B4-BE49-F238E27FC236}">
-                <a16:creationId xmlns:a16="http://schemas.microsoft.com/office/drawing/2014/main" id="{88B129F9-ED72-A45E-72BC-FCB75A41676D}"/>
-              </a:ext>
-            </a:extLst>
-          </p:cNvPr>
-          <p:cNvSpPr txBox="1"/>
-          <p:nvPr/>
-        </p:nvSpPr>
-        <p:spPr>
-          <a:xfrm>
-            <a:off x="6192076" y="1048542"/>
-            <a:ext cx="2592288" cy="369332"/>
-          </a:xfrm>
-          <a:prstGeom prst="rect">
-            <a:avLst/>
-          </a:prstGeom>
-          <a:noFill/>
-        </p:spPr>
-        <p:txBody>
-          <a:bodyPr wrap="square" rtlCol="0">
-            <a:spAutoFit/>
-          </a:bodyPr>
-          <a:lstStyle/>
-          <a:p>
-            <a:r>
-              <a:rPr lang="ko-KR" altLang="en-US" b="1" dirty="0"/>
-              <a:t>중점 연구 분야</a:t>
-            </a:r>
-          </a:p>
-        </p:txBody>
-      </p:sp>
-      <p:sp>
-        <p:nvSpPr>
-          <p:cNvPr id="20" name="TextBox 19">
-            <a:extLst>
-              <a:ext uri="{FF2B5EF4-FFF2-40B4-BE49-F238E27FC236}">
-                <a16:creationId xmlns:a16="http://schemas.microsoft.com/office/drawing/2014/main" id="{315A9DA5-F196-540D-8963-A369D8EBAB3C}"/>
-              </a:ext>
-            </a:extLst>
-          </p:cNvPr>
-          <p:cNvSpPr txBox="1"/>
-          <p:nvPr/>
-        </p:nvSpPr>
-        <p:spPr>
-          <a:xfrm>
-            <a:off x="2731578" y="1953454"/>
-            <a:ext cx="6160901" cy="954107"/>
-          </a:xfrm>
-          <a:prstGeom prst="rect">
-            <a:avLst/>
-          </a:prstGeom>
-          <a:noFill/>
-        </p:spPr>
-        <p:txBody>
-          <a:bodyPr wrap="square" rtlCol="0">
-            <a:spAutoFit/>
-          </a:bodyPr>
-          <a:lstStyle/>
-          <a:p>
-            <a:pPr algn="r"/>
-            <a:r>
-              <a:rPr lang="en-US" altLang="ko-KR" sz="1400" dirty="0"/>
-              <a:t>Level-Design </a:t>
-            </a:r>
-            <a:r>
-              <a:rPr lang="ko-KR" altLang="en-US" sz="1400" dirty="0"/>
-              <a:t>연구</a:t>
-            </a:r>
-            <a:endParaRPr lang="en-US" altLang="ko-KR" sz="1400" dirty="0"/>
-          </a:p>
-          <a:p>
-            <a:pPr algn="r"/>
-            <a:r>
-              <a:rPr lang="en-US" altLang="ko-KR" sz="1400" dirty="0"/>
-              <a:t>DirectX12 </a:t>
-            </a:r>
-            <a:r>
-              <a:rPr lang="ko-KR" altLang="en-US" sz="1400" dirty="0"/>
-              <a:t>연구</a:t>
-            </a:r>
-            <a:endParaRPr lang="en-US" altLang="ko-KR" sz="1400" dirty="0"/>
-          </a:p>
-          <a:p>
-            <a:pPr algn="r"/>
-            <a:r>
-              <a:rPr lang="en-US" altLang="ko-KR" sz="1400" dirty="0"/>
-              <a:t>VIVOX </a:t>
-            </a:r>
-            <a:r>
-              <a:rPr lang="ko-KR" altLang="en-US" sz="1400" dirty="0"/>
-              <a:t>환경 연구</a:t>
-            </a:r>
-            <a:endParaRPr lang="en-US" altLang="ko-KR" sz="1400" dirty="0"/>
-          </a:p>
-          <a:p>
-            <a:pPr algn="r"/>
-            <a:endParaRPr lang="ko-KR" altLang="en-US" sz="1400" dirty="0"/>
-          </a:p>
-        </p:txBody>
-      </p:sp>
-      <p:sp>
-        <p:nvSpPr>
-          <p:cNvPr id="21" name="TextBox 20">
-            <a:extLst>
-              <a:ext uri="{FF2B5EF4-FFF2-40B4-BE49-F238E27FC236}">
-                <a16:creationId xmlns:a16="http://schemas.microsoft.com/office/drawing/2014/main" id="{67BE4F02-3641-084E-32E1-1EAE26C7C155}"/>
-              </a:ext>
-            </a:extLst>
-          </p:cNvPr>
-          <p:cNvSpPr txBox="1"/>
-          <p:nvPr/>
-        </p:nvSpPr>
-        <p:spPr>
-          <a:xfrm>
-            <a:off x="2731579" y="3202800"/>
-            <a:ext cx="6160901" cy="738664"/>
-          </a:xfrm>
-          <a:prstGeom prst="rect">
-            <a:avLst/>
-          </a:prstGeom>
-          <a:noFill/>
-        </p:spPr>
-        <p:txBody>
-          <a:bodyPr wrap="square" rtlCol="0">
-            <a:spAutoFit/>
-          </a:bodyPr>
-          <a:lstStyle/>
-          <a:p>
-            <a:pPr algn="r"/>
-            <a:r>
-              <a:rPr lang="ko-KR" altLang="en-US" sz="1400" dirty="0" err="1"/>
-              <a:t>카툰</a:t>
-            </a:r>
-            <a:r>
-              <a:rPr lang="ko-KR" altLang="en-US" sz="1400" dirty="0"/>
-              <a:t> 렌더링 및 여러 </a:t>
-            </a:r>
-            <a:r>
-              <a:rPr lang="ko-KR" altLang="en-US" sz="1400" dirty="0" err="1"/>
-              <a:t>쉐이더</a:t>
-            </a:r>
-            <a:r>
-              <a:rPr lang="ko-KR" altLang="en-US" sz="1400" dirty="0"/>
-              <a:t> 프로그래밍 연구</a:t>
-            </a:r>
-            <a:endParaRPr lang="en-US" altLang="ko-KR" sz="1400" dirty="0"/>
-          </a:p>
-          <a:p>
-            <a:pPr algn="r"/>
-            <a:r>
-              <a:rPr lang="en-US" altLang="ko-KR" sz="1400" dirty="0"/>
-              <a:t>DirectX12 </a:t>
-            </a:r>
-            <a:r>
-              <a:rPr lang="ko-KR" altLang="en-US" sz="1400" dirty="0"/>
-              <a:t>연구</a:t>
-            </a:r>
-          </a:p>
-          <a:p>
-            <a:pPr algn="r"/>
-            <a:endParaRPr lang="ko-KR" altLang="en-US" sz="1400" dirty="0"/>
-          </a:p>
-        </p:txBody>
-      </p:sp>
-      <p:sp>
-        <p:nvSpPr>
-          <p:cNvPr id="22" name="TextBox 21">
-            <a:extLst>
-              <a:ext uri="{FF2B5EF4-FFF2-40B4-BE49-F238E27FC236}">
-                <a16:creationId xmlns:a16="http://schemas.microsoft.com/office/drawing/2014/main" id="{E2CF5605-7CA3-8E0C-99C3-E75BE3A62B2F}"/>
-              </a:ext>
-            </a:extLst>
-          </p:cNvPr>
-          <p:cNvSpPr txBox="1"/>
-          <p:nvPr/>
-        </p:nvSpPr>
-        <p:spPr>
-          <a:xfrm>
-            <a:off x="2731578" y="4489304"/>
-            <a:ext cx="6160901" cy="523220"/>
-          </a:xfrm>
-          <a:prstGeom prst="rect">
-            <a:avLst/>
-          </a:prstGeom>
-          <a:noFill/>
-        </p:spPr>
-        <p:txBody>
-          <a:bodyPr wrap="square" rtlCol="0">
-            <a:spAutoFit/>
-          </a:bodyPr>
-          <a:lstStyle/>
-          <a:p>
-            <a:pPr algn="r"/>
-            <a:r>
-              <a:rPr lang="en-US" altLang="ko-KR" sz="1400" dirty="0"/>
-              <a:t>IOCP </a:t>
-            </a:r>
-            <a:r>
-              <a:rPr lang="ko-KR" altLang="en-US" sz="1400" dirty="0"/>
-              <a:t>멀티 스레드 연구</a:t>
-            </a:r>
-            <a:endParaRPr lang="en-US" altLang="ko-KR" sz="1400" dirty="0"/>
-          </a:p>
-          <a:p>
-            <a:pPr algn="r"/>
-            <a:r>
-              <a:rPr lang="ko-KR" altLang="en-US" sz="1400" dirty="0"/>
-              <a:t>네트워크 문제에 대처 가능한 설계 연구</a:t>
-            </a:r>
-          </a:p>
-        </p:txBody>
-      </p:sp>
-      <p:sp>
-        <p:nvSpPr>
-          <p:cNvPr id="23" name="TextBox 22">
-            <a:extLst>
-              <a:ext uri="{FF2B5EF4-FFF2-40B4-BE49-F238E27FC236}">
-                <a16:creationId xmlns:a16="http://schemas.microsoft.com/office/drawing/2014/main" id="{247E8820-B58B-0A23-71EF-4F5A1EA99FCC}"/>
-              </a:ext>
-            </a:extLst>
-          </p:cNvPr>
-          <p:cNvSpPr txBox="1"/>
-          <p:nvPr/>
-        </p:nvSpPr>
-        <p:spPr>
-          <a:xfrm>
-            <a:off x="1807837" y="5616020"/>
-            <a:ext cx="7084642" cy="1169551"/>
-          </a:xfrm>
-          <a:prstGeom prst="rect">
-            <a:avLst/>
-          </a:prstGeom>
-          <a:noFill/>
-        </p:spPr>
-        <p:txBody>
-          <a:bodyPr wrap="square" rtlCol="0">
-            <a:spAutoFit/>
-          </a:bodyPr>
-          <a:lstStyle/>
-          <a:p>
-            <a:pPr algn="r"/>
-            <a:r>
-              <a:rPr lang="ko-KR" altLang="en-US" sz="1400" dirty="0"/>
-              <a:t>매끄러운 공동 작업을 위한 공학적 설계방법 사고</a:t>
-            </a:r>
-            <a:endParaRPr lang="en-US" altLang="ko-KR" sz="1400" dirty="0"/>
-          </a:p>
-          <a:p>
-            <a:pPr algn="r"/>
-            <a:endParaRPr lang="en-US" altLang="ko-KR" sz="1400" dirty="0"/>
-          </a:p>
-          <a:p>
-            <a:pPr algn="r"/>
-            <a:r>
-              <a:rPr lang="ko-KR" altLang="en-US" sz="1400" dirty="0"/>
-              <a:t>효율적인 </a:t>
-            </a:r>
-            <a:r>
-              <a:rPr lang="en-US" altLang="ko-KR" sz="1400" dirty="0"/>
-              <a:t>Multi - Threading</a:t>
-            </a:r>
-            <a:r>
-              <a:rPr lang="ko-KR" altLang="en-US" sz="1400" dirty="0"/>
-              <a:t>연구</a:t>
-            </a:r>
-            <a:endParaRPr lang="en-US" altLang="ko-KR" sz="1400" dirty="0"/>
-          </a:p>
-          <a:p>
-            <a:pPr algn="r"/>
-            <a:endParaRPr lang="ko-KR" altLang="en-US" sz="1400" dirty="0"/>
-          </a:p>
-          <a:p>
-            <a:pPr algn="r"/>
-            <a:r>
-              <a:rPr lang="en-US" altLang="ko-KR" sz="1400" dirty="0"/>
-              <a:t>DirectX12</a:t>
-            </a:r>
-            <a:r>
-              <a:rPr lang="ko-KR" altLang="en-US" sz="1400" dirty="0"/>
-              <a:t>를 결합한 </a:t>
-            </a:r>
-            <a:r>
-              <a:rPr lang="en-US" altLang="ko-KR" sz="1400" dirty="0"/>
-              <a:t>Component</a:t>
-            </a:r>
-            <a:r>
-              <a:rPr lang="ko-KR" altLang="en-US" sz="1400" dirty="0"/>
-              <a:t>구조 프레임워크 연구</a:t>
-            </a:r>
-            <a:endParaRPr lang="en-US" altLang="ko-KR" sz="1400" dirty="0"/>
+              <a:t>연구 목적</a:t>
+            </a:r>
           </a:p>
         </p:txBody>
       </p:sp>
     </p:spTree>
     <p:extLst>
       <p:ext uri="{BB962C8B-B14F-4D97-AF65-F5344CB8AC3E}">
-        <p14:creationId xmlns:p14="http://schemas.microsoft.com/office/powerpoint/2010/main" val="1857559583"/>
+        <p14:creationId xmlns:p14="http://schemas.microsoft.com/office/powerpoint/2010/main" val="56458010"/>
       </p:ext>
     </p:extLst>
   </p:cSld>
@@ -14449,7 +13404,7 @@
 </p:sld>
 </file>
 
-<file path=ppt/slides/slide22.xml><?xml version="1.0" encoding="utf-8"?>
+<file path=ppt/slides/slide20.xml><?xml version="1.0" encoding="utf-8"?>
 <p:sld xmlns:a="http://schemas.openxmlformats.org/drawingml/2006/main" xmlns:r="http://schemas.openxmlformats.org/officeDocument/2006/relationships" xmlns:p="http://schemas.openxmlformats.org/presentationml/2006/main">
   <p:cSld>
     <p:spTree>
@@ -15014,7 +13969,7 @@
 </p:sld>
 </file>
 
-<file path=ppt/slides/slide23.xml><?xml version="1.0" encoding="utf-8"?>
+<file path=ppt/slides/slide21.xml><?xml version="1.0" encoding="utf-8"?>
 <p:sld xmlns:a="http://schemas.openxmlformats.org/drawingml/2006/main" xmlns:r="http://schemas.openxmlformats.org/officeDocument/2006/relationships" xmlns:p="http://schemas.openxmlformats.org/presentationml/2006/main">
   <p:cSld>
     <p:spTree>

--- a/Document/ppt.pptx
+++ b/Document/ppt.pptx
@@ -5,7 +5,7 @@
     <p:sldMasterId id="2147483648" r:id="rId1"/>
   </p:sldMasterIdLst>
   <p:notesMasterIdLst>
-    <p:notesMasterId r:id="rId23"/>
+    <p:notesMasterId r:id="rId21"/>
   </p:notesMasterIdLst>
   <p:sldIdLst>
     <p:sldId id="256" r:id="rId2"/>
@@ -18,17 +18,15 @@
     <p:sldId id="292" r:id="rId9"/>
     <p:sldId id="308" r:id="rId10"/>
     <p:sldId id="309" r:id="rId11"/>
-    <p:sldId id="289" r:id="rId12"/>
-    <p:sldId id="290" r:id="rId13"/>
-    <p:sldId id="304" r:id="rId14"/>
-    <p:sldId id="286" r:id="rId15"/>
-    <p:sldId id="288" r:id="rId16"/>
-    <p:sldId id="294" r:id="rId17"/>
-    <p:sldId id="296" r:id="rId18"/>
-    <p:sldId id="297" r:id="rId19"/>
-    <p:sldId id="299" r:id="rId20"/>
-    <p:sldId id="300" r:id="rId21"/>
-    <p:sldId id="266" r:id="rId22"/>
+    <p:sldId id="304" r:id="rId12"/>
+    <p:sldId id="311" r:id="rId13"/>
+    <p:sldId id="286" r:id="rId14"/>
+    <p:sldId id="294" r:id="rId15"/>
+    <p:sldId id="296" r:id="rId16"/>
+    <p:sldId id="297" r:id="rId17"/>
+    <p:sldId id="299" r:id="rId18"/>
+    <p:sldId id="300" r:id="rId19"/>
+    <p:sldId id="266" r:id="rId20"/>
   </p:sldIdLst>
   <p:sldSz cx="9144000" cy="6858000" type="screen4x3"/>
   <p:notesSz cx="6858000" cy="9144000"/>
@@ -228,7 +226,7 @@
           <a:p>
             <a:fld id="{24AFCB65-A6C1-492A-97A5-60611BA2BCDD}" type="datetimeFigureOut">
               <a:rPr lang="ko-KR" altLang="en-US" smtClean="0"/>
-              <a:t>2022-12-09</a:t>
+              <a:t>2022-12-10</a:t>
             </a:fld>
             <a:endParaRPr lang="ko-KR" altLang="en-US"/>
           </a:p>
@@ -758,7 +756,7 @@
           <a:p>
             <a:fld id="{F92C1CC1-FDD2-4E89-93AF-4550721CFBBA}" type="datetimeFigureOut">
               <a:rPr lang="ko-KR" altLang="en-US" smtClean="0"/>
-              <a:t>2022-12-09</a:t>
+              <a:t>2022-12-10</a:t>
             </a:fld>
             <a:endParaRPr lang="ko-KR" altLang="en-US"/>
           </a:p>
@@ -926,7 +924,7 @@
           <a:p>
             <a:fld id="{F92C1CC1-FDD2-4E89-93AF-4550721CFBBA}" type="datetimeFigureOut">
               <a:rPr lang="ko-KR" altLang="en-US" smtClean="0"/>
-              <a:t>2022-12-09</a:t>
+              <a:t>2022-12-10</a:t>
             </a:fld>
             <a:endParaRPr lang="ko-KR" altLang="en-US"/>
           </a:p>
@@ -1104,7 +1102,7 @@
           <a:p>
             <a:fld id="{F92C1CC1-FDD2-4E89-93AF-4550721CFBBA}" type="datetimeFigureOut">
               <a:rPr lang="ko-KR" altLang="en-US" smtClean="0"/>
-              <a:t>2022-12-09</a:t>
+              <a:t>2022-12-10</a:t>
             </a:fld>
             <a:endParaRPr lang="ko-KR" altLang="en-US"/>
           </a:p>
@@ -1272,7 +1270,7 @@
           <a:p>
             <a:fld id="{F92C1CC1-FDD2-4E89-93AF-4550721CFBBA}" type="datetimeFigureOut">
               <a:rPr lang="ko-KR" altLang="en-US" smtClean="0"/>
-              <a:t>2022-12-09</a:t>
+              <a:t>2022-12-10</a:t>
             </a:fld>
             <a:endParaRPr lang="ko-KR" altLang="en-US"/>
           </a:p>
@@ -1517,7 +1515,7 @@
           <a:p>
             <a:fld id="{F92C1CC1-FDD2-4E89-93AF-4550721CFBBA}" type="datetimeFigureOut">
               <a:rPr lang="ko-KR" altLang="en-US" smtClean="0"/>
-              <a:t>2022-12-09</a:t>
+              <a:t>2022-12-10</a:t>
             </a:fld>
             <a:endParaRPr lang="ko-KR" altLang="en-US"/>
           </a:p>
@@ -1802,7 +1800,7 @@
           <a:p>
             <a:fld id="{F92C1CC1-FDD2-4E89-93AF-4550721CFBBA}" type="datetimeFigureOut">
               <a:rPr lang="ko-KR" altLang="en-US" smtClean="0"/>
-              <a:t>2022-12-09</a:t>
+              <a:t>2022-12-10</a:t>
             </a:fld>
             <a:endParaRPr lang="ko-KR" altLang="en-US"/>
           </a:p>
@@ -2221,7 +2219,7 @@
           <a:p>
             <a:fld id="{F92C1CC1-FDD2-4E89-93AF-4550721CFBBA}" type="datetimeFigureOut">
               <a:rPr lang="ko-KR" altLang="en-US" smtClean="0"/>
-              <a:t>2022-12-09</a:t>
+              <a:t>2022-12-10</a:t>
             </a:fld>
             <a:endParaRPr lang="ko-KR" altLang="en-US"/>
           </a:p>
@@ -2338,7 +2336,7 @@
           <a:p>
             <a:fld id="{F92C1CC1-FDD2-4E89-93AF-4550721CFBBA}" type="datetimeFigureOut">
               <a:rPr lang="ko-KR" altLang="en-US" smtClean="0"/>
-              <a:t>2022-12-09</a:t>
+              <a:t>2022-12-10</a:t>
             </a:fld>
             <a:endParaRPr lang="ko-KR" altLang="en-US"/>
           </a:p>
@@ -2433,7 +2431,7 @@
           <a:p>
             <a:fld id="{F92C1CC1-FDD2-4E89-93AF-4550721CFBBA}" type="datetimeFigureOut">
               <a:rPr lang="ko-KR" altLang="en-US" smtClean="0"/>
-              <a:t>2022-12-09</a:t>
+              <a:t>2022-12-10</a:t>
             </a:fld>
             <a:endParaRPr lang="ko-KR" altLang="en-US"/>
           </a:p>
@@ -2708,7 +2706,7 @@
           <a:p>
             <a:fld id="{F92C1CC1-FDD2-4E89-93AF-4550721CFBBA}" type="datetimeFigureOut">
               <a:rPr lang="ko-KR" altLang="en-US" smtClean="0"/>
-              <a:t>2022-12-09</a:t>
+              <a:t>2022-12-10</a:t>
             </a:fld>
             <a:endParaRPr lang="ko-KR" altLang="en-US"/>
           </a:p>
@@ -2960,7 +2958,7 @@
           <a:p>
             <a:fld id="{F92C1CC1-FDD2-4E89-93AF-4550721CFBBA}" type="datetimeFigureOut">
               <a:rPr lang="ko-KR" altLang="en-US" smtClean="0"/>
-              <a:t>2022-12-09</a:t>
+              <a:t>2022-12-10</a:t>
             </a:fld>
             <a:endParaRPr lang="ko-KR" altLang="en-US"/>
           </a:p>
@@ -3171,7 +3169,7 @@
           <a:p>
             <a:fld id="{F92C1CC1-FDD2-4E89-93AF-4550721CFBBA}" type="datetimeFigureOut">
               <a:rPr lang="ko-KR" altLang="en-US" smtClean="0"/>
-              <a:t>2022-12-09</a:t>
+              <a:t>2022-12-10</a:t>
             </a:fld>
             <a:endParaRPr lang="ko-KR" altLang="en-US"/>
           </a:p>
@@ -4559,6 +4557,107 @@
           </p:txBody>
         </p:sp>
       </p:grpSp>
+      <p:sp>
+        <p:nvSpPr>
+          <p:cNvPr id="2" name="사각형: 둥근 모서리 1">
+            <a:extLst>
+              <a:ext uri="{FF2B5EF4-FFF2-40B4-BE49-F238E27FC236}">
+                <a16:creationId xmlns:a16="http://schemas.microsoft.com/office/drawing/2014/main" id="{C79026F6-2524-EC53-BCE0-9AE7B2AA46D7}"/>
+              </a:ext>
+            </a:extLst>
+          </p:cNvPr>
+          <p:cNvSpPr/>
+          <p:nvPr/>
+        </p:nvSpPr>
+        <p:spPr>
+          <a:xfrm>
+            <a:off x="776599" y="1772816"/>
+            <a:ext cx="7590801" cy="4176464"/>
+          </a:xfrm>
+          <a:prstGeom prst="roundRect">
+            <a:avLst/>
+          </a:prstGeom>
+        </p:spPr>
+        <p:style>
+          <a:lnRef idx="2">
+            <a:schemeClr val="accent1">
+              <a:shade val="50000"/>
+            </a:schemeClr>
+          </a:lnRef>
+          <a:fillRef idx="1">
+            <a:schemeClr val="accent1"/>
+          </a:fillRef>
+          <a:effectRef idx="0">
+            <a:schemeClr val="accent1"/>
+          </a:effectRef>
+          <a:fontRef idx="minor">
+            <a:schemeClr val="lt1"/>
+          </a:fontRef>
+        </p:style>
+        <p:txBody>
+          <a:bodyPr rtlCol="0" anchor="ctr"/>
+          <a:lstStyle/>
+          <a:p>
+            <a:pPr algn="ctr"/>
+            <a:r>
+              <a:rPr lang="ko-KR" altLang="en-US" dirty="0"/>
+              <a:t>일정 간격마다 감각 임의로 뺏기</a:t>
+            </a:r>
+            <a:endParaRPr lang="en-US" altLang="ko-KR" dirty="0"/>
+          </a:p>
+          <a:p>
+            <a:pPr algn="ctr"/>
+            <a:r>
+              <a:rPr lang="ko-KR" altLang="en-US" dirty="0"/>
+              <a:t>몬스터 소환</a:t>
+            </a:r>
+            <a:endParaRPr lang="en-US" altLang="ko-KR" dirty="0"/>
+          </a:p>
+          <a:p>
+            <a:pPr algn="ctr"/>
+            <a:r>
+              <a:rPr lang="ko-KR" altLang="en-US" dirty="0"/>
+              <a:t>방어</a:t>
+            </a:r>
+            <a:endParaRPr lang="en-US" altLang="ko-KR" dirty="0"/>
+          </a:p>
+          <a:p>
+            <a:pPr algn="ctr"/>
+            <a:endParaRPr lang="en-US" altLang="ko-KR" dirty="0"/>
+          </a:p>
+          <a:p>
+            <a:pPr algn="ctr"/>
+            <a:r>
+              <a:rPr lang="ko-KR" altLang="en-US" dirty="0"/>
+              <a:t>내려찍기</a:t>
+            </a:r>
+            <a:endParaRPr lang="en-US" altLang="ko-KR" dirty="0"/>
+          </a:p>
+          <a:p>
+            <a:pPr algn="ctr"/>
+            <a:r>
+              <a:rPr lang="ko-KR" altLang="en-US" dirty="0"/>
+              <a:t>점프해서 쿵</a:t>
+            </a:r>
+            <a:endParaRPr lang="en-US" altLang="ko-KR" dirty="0"/>
+          </a:p>
+          <a:p>
+            <a:pPr algn="ctr"/>
+            <a:r>
+              <a:rPr lang="ko-KR" altLang="en-US" dirty="0" err="1"/>
+              <a:t>양팔벌려서</a:t>
+            </a:r>
+            <a:r>
+              <a:rPr lang="ko-KR" altLang="en-US" dirty="0"/>
+              <a:t> 돌기</a:t>
+            </a:r>
+          </a:p>
+          <a:p>
+            <a:pPr algn="ctr"/>
+            <a:endParaRPr lang="en-US" altLang="ko-KR" dirty="0"/>
+          </a:p>
+        </p:txBody>
+      </p:sp>
     </p:spTree>
     <p:extLst>
       <p:ext uri="{BB962C8B-B14F-4D97-AF65-F5344CB8AC3E}">
@@ -4646,7 +4745,7 @@
         <p:spPr>
           <a:xfrm>
             <a:off x="635490" y="335487"/>
-            <a:ext cx="1441381" cy="400110"/>
+            <a:ext cx="2712374" cy="400110"/>
           </a:xfrm>
           <a:prstGeom prst="rect">
             <a:avLst/>
@@ -4659,6 +4758,19 @@
           </a:bodyPr>
           <a:lstStyle/>
           <a:p>
+            <a:r>
+              <a:rPr lang="ko-KR" altLang="en-US" sz="2000" dirty="0">
+                <a:solidFill>
+                  <a:schemeClr val="tx1">
+                    <a:lumMod val="75000"/>
+                    <a:lumOff val="25000"/>
+                  </a:schemeClr>
+                </a:solidFill>
+                <a:latin typeface="Sandoll 고딕 03 Bold" pitchFamily="34" charset="-127"/>
+                <a:ea typeface="Sandoll 고딕 03 Bold" pitchFamily="34" charset="-127"/>
+              </a:rPr>
+              <a:t>게임 진행</a:t>
+            </a:r>
             <a:r>
               <a:rPr lang="en-US" altLang="ko-KR" sz="2000" dirty="0">
                 <a:solidFill>
@@ -4670,7 +4782,7 @@
                 <a:latin typeface="Sandoll 고딕 03 Bold" pitchFamily="34" charset="-127"/>
                 <a:ea typeface="Sandoll 고딕 03 Bold" pitchFamily="34" charset="-127"/>
               </a:rPr>
-              <a:t>UI</a:t>
+              <a:t> &amp; UI</a:t>
             </a:r>
             <a:endParaRPr lang="ko-KR" altLang="en-US" sz="2000" dirty="0">
               <a:solidFill>
@@ -4924,146 +5036,10 @@
           </p:txBody>
         </p:sp>
       </p:grpSp>
-      <p:sp>
-        <p:nvSpPr>
-          <p:cNvPr id="4163" name="TextBox 4162">
-            <a:extLst>
-              <a:ext uri="{FF2B5EF4-FFF2-40B4-BE49-F238E27FC236}">
-                <a16:creationId xmlns:a16="http://schemas.microsoft.com/office/drawing/2014/main" id="{3C4B1F17-2D08-8557-911F-4590D98CF19B}"/>
-              </a:ext>
-            </a:extLst>
-          </p:cNvPr>
-          <p:cNvSpPr txBox="1"/>
-          <p:nvPr/>
-        </p:nvSpPr>
-        <p:spPr>
-          <a:xfrm>
-            <a:off x="1068235" y="366265"/>
-            <a:ext cx="2232248" cy="338554"/>
-          </a:xfrm>
-          <a:prstGeom prst="rect">
-            <a:avLst/>
-          </a:prstGeom>
-          <a:noFill/>
-        </p:spPr>
-        <p:txBody>
-          <a:bodyPr wrap="square" rtlCol="0">
-            <a:spAutoFit/>
-          </a:bodyPr>
-          <a:lstStyle/>
-          <a:p>
-            <a:r>
-              <a:rPr lang="en-US" altLang="ko-KR" sz="1600" dirty="0">
-                <a:solidFill>
-                  <a:schemeClr val="bg1">
-                    <a:lumMod val="50000"/>
-                  </a:schemeClr>
-                </a:solidFill>
-                <a:latin typeface="Sandoll 고딕 02 Medium" pitchFamily="34" charset="-127"/>
-                <a:ea typeface="Sandoll 고딕 02 Medium" pitchFamily="34" charset="-127"/>
-              </a:rPr>
-              <a:t>1) </a:t>
-            </a:r>
-            <a:r>
-              <a:rPr lang="ko-KR" altLang="en-US" sz="1600" dirty="0">
-                <a:solidFill>
-                  <a:schemeClr val="bg1">
-                    <a:lumMod val="50000"/>
-                  </a:schemeClr>
-                </a:solidFill>
-                <a:latin typeface="Sandoll 고딕 02 Medium" pitchFamily="34" charset="-127"/>
-                <a:ea typeface="Sandoll 고딕 02 Medium" pitchFamily="34" charset="-127"/>
-              </a:rPr>
-              <a:t>로그인</a:t>
-            </a:r>
-          </a:p>
-        </p:txBody>
-      </p:sp>
-      <p:sp>
-        <p:nvSpPr>
-          <p:cNvPr id="2" name="사각형: 둥근 모서리 1">
-            <a:extLst>
-              <a:ext uri="{FF2B5EF4-FFF2-40B4-BE49-F238E27FC236}">
-                <a16:creationId xmlns:a16="http://schemas.microsoft.com/office/drawing/2014/main" id="{5B82F6D1-8DFB-84B4-D546-6BE17CBAC662}"/>
-              </a:ext>
-            </a:extLst>
-          </p:cNvPr>
-          <p:cNvSpPr/>
-          <p:nvPr/>
-        </p:nvSpPr>
-        <p:spPr>
-          <a:xfrm>
-            <a:off x="1068235" y="1268760"/>
-            <a:ext cx="6888141" cy="4752527"/>
-          </a:xfrm>
-          <a:prstGeom prst="roundRect">
-            <a:avLst/>
-          </a:prstGeom>
-        </p:spPr>
-        <p:style>
-          <a:lnRef idx="2">
-            <a:schemeClr val="accent1">
-              <a:shade val="50000"/>
-            </a:schemeClr>
-          </a:lnRef>
-          <a:fillRef idx="1">
-            <a:schemeClr val="accent1"/>
-          </a:fillRef>
-          <a:effectRef idx="0">
-            <a:schemeClr val="accent1"/>
-          </a:effectRef>
-          <a:fontRef idx="minor">
-            <a:schemeClr val="lt1"/>
-          </a:fontRef>
-        </p:style>
-        <p:txBody>
-          <a:bodyPr rtlCol="0" anchor="ctr"/>
-          <a:lstStyle/>
-          <a:p>
-            <a:pPr algn="ctr"/>
-            <a:endParaRPr lang="en-US" altLang="ko-KR" dirty="0"/>
-          </a:p>
-          <a:p>
-            <a:pPr algn="ctr"/>
-            <a:r>
-              <a:rPr lang="ko-KR" altLang="en-US" dirty="0"/>
-              <a:t>게임 제목</a:t>
-            </a:r>
-            <a:endParaRPr lang="en-US" altLang="ko-KR" dirty="0"/>
-          </a:p>
-          <a:p>
-            <a:pPr algn="ctr"/>
-            <a:r>
-              <a:rPr lang="ko-KR" altLang="en-US" dirty="0"/>
-              <a:t>배경 </a:t>
-            </a:r>
-            <a:r>
-              <a:rPr lang="ko-KR" altLang="en-US" dirty="0" err="1"/>
-              <a:t>스프라이트</a:t>
-            </a:r>
-            <a:endParaRPr lang="en-US" altLang="ko-KR" dirty="0"/>
-          </a:p>
-          <a:p>
-            <a:pPr algn="ctr"/>
-            <a:r>
-              <a:rPr lang="ko-KR" altLang="en-US" dirty="0"/>
-              <a:t>닉네임 입력</a:t>
-            </a:r>
-            <a:endParaRPr lang="en-US" altLang="ko-KR" dirty="0"/>
-          </a:p>
-          <a:p>
-            <a:pPr algn="ctr"/>
-            <a:r>
-              <a:rPr lang="ko-KR" altLang="en-US" dirty="0"/>
-              <a:t>입장 버튼</a:t>
-            </a:r>
-          </a:p>
-        </p:txBody>
-      </p:sp>
     </p:spTree>
     <p:extLst>
       <p:ext uri="{BB962C8B-B14F-4D97-AF65-F5344CB8AC3E}">
-        <p14:creationId xmlns:p14="http://schemas.microsoft.com/office/powerpoint/2010/main" val="2216013329"/>
+        <p14:creationId xmlns:p14="http://schemas.microsoft.com/office/powerpoint/2010/main" val="696988283"/>
       </p:ext>
     </p:extLst>
   </p:cSld>
@@ -5147,7 +5123,7 @@
         <p:spPr>
           <a:xfrm>
             <a:off x="635490" y="335487"/>
-            <a:ext cx="1441381" cy="400110"/>
+            <a:ext cx="2712374" cy="400110"/>
           </a:xfrm>
           <a:prstGeom prst="rect">
             <a:avLst/>
@@ -5161,7 +5137,7 @@
           <a:lstStyle/>
           <a:p>
             <a:r>
-              <a:rPr lang="en-US" altLang="ko-KR" sz="2000" dirty="0">
+              <a:rPr lang="ko-KR" altLang="en-US" sz="2000" dirty="0">
                 <a:solidFill>
                   <a:schemeClr val="tx1">
                     <a:lumMod val="75000"/>
@@ -5171,18 +5147,8 @@
                 <a:latin typeface="Sandoll 고딕 03 Bold" pitchFamily="34" charset="-127"/>
                 <a:ea typeface="Sandoll 고딕 03 Bold" pitchFamily="34" charset="-127"/>
               </a:rPr>
-              <a:t>UI</a:t>
-            </a:r>
-            <a:endParaRPr lang="ko-KR" altLang="en-US" sz="2000" dirty="0">
-              <a:solidFill>
-                <a:schemeClr val="tx1">
-                  <a:lumMod val="75000"/>
-                  <a:lumOff val="25000"/>
-                </a:schemeClr>
-              </a:solidFill>
-              <a:latin typeface="Sandoll 고딕 03 Bold" pitchFamily="34" charset="-127"/>
-              <a:ea typeface="Sandoll 고딕 03 Bold" pitchFamily="34" charset="-127"/>
-            </a:endParaRPr>
+              <a:t>맵</a:t>
+            </a:r>
           </a:p>
         </p:txBody>
       </p:sp>
@@ -5425,149 +5391,10 @@
           </p:txBody>
         </p:sp>
       </p:grpSp>
-      <p:sp>
-        <p:nvSpPr>
-          <p:cNvPr id="4163" name="TextBox 4162">
-            <a:extLst>
-              <a:ext uri="{FF2B5EF4-FFF2-40B4-BE49-F238E27FC236}">
-                <a16:creationId xmlns:a16="http://schemas.microsoft.com/office/drawing/2014/main" id="{3C4B1F17-2D08-8557-911F-4590D98CF19B}"/>
-              </a:ext>
-            </a:extLst>
-          </p:cNvPr>
-          <p:cNvSpPr txBox="1"/>
-          <p:nvPr/>
-        </p:nvSpPr>
-        <p:spPr>
-          <a:xfrm>
-            <a:off x="1068235" y="366265"/>
-            <a:ext cx="2232248" cy="338554"/>
-          </a:xfrm>
-          <a:prstGeom prst="rect">
-            <a:avLst/>
-          </a:prstGeom>
-          <a:noFill/>
-        </p:spPr>
-        <p:txBody>
-          <a:bodyPr wrap="square" rtlCol="0">
-            <a:spAutoFit/>
-          </a:bodyPr>
-          <a:lstStyle/>
-          <a:p>
-            <a:r>
-              <a:rPr lang="en-US" altLang="ko-KR" sz="1600" dirty="0">
-                <a:solidFill>
-                  <a:schemeClr val="bg1">
-                    <a:lumMod val="50000"/>
-                  </a:schemeClr>
-                </a:solidFill>
-                <a:latin typeface="Sandoll 고딕 02 Medium" pitchFamily="34" charset="-127"/>
-                <a:ea typeface="Sandoll 고딕 02 Medium" pitchFamily="34" charset="-127"/>
-              </a:rPr>
-              <a:t>2) </a:t>
-            </a:r>
-            <a:r>
-              <a:rPr lang="ko-KR" altLang="en-US" sz="1600" dirty="0">
-                <a:solidFill>
-                  <a:schemeClr val="bg1">
-                    <a:lumMod val="50000"/>
-                  </a:schemeClr>
-                </a:solidFill>
-                <a:latin typeface="Sandoll 고딕 02 Medium" pitchFamily="34" charset="-127"/>
-                <a:ea typeface="Sandoll 고딕 02 Medium" pitchFamily="34" charset="-127"/>
-              </a:rPr>
-              <a:t>메인 메뉴</a:t>
-            </a:r>
-          </a:p>
-        </p:txBody>
-      </p:sp>
-      <p:sp>
-        <p:nvSpPr>
-          <p:cNvPr id="2" name="사각형: 둥근 모서리 1">
-            <a:extLst>
-              <a:ext uri="{FF2B5EF4-FFF2-40B4-BE49-F238E27FC236}">
-                <a16:creationId xmlns:a16="http://schemas.microsoft.com/office/drawing/2014/main" id="{781B766F-9B77-7CE1-416C-32D3AAFC6799}"/>
-              </a:ext>
-            </a:extLst>
-          </p:cNvPr>
-          <p:cNvSpPr/>
-          <p:nvPr/>
-        </p:nvSpPr>
-        <p:spPr>
-          <a:xfrm>
-            <a:off x="1068235" y="1268760"/>
-            <a:ext cx="6888141" cy="4752527"/>
-          </a:xfrm>
-          <a:prstGeom prst="roundRect">
-            <a:avLst/>
-          </a:prstGeom>
-        </p:spPr>
-        <p:style>
-          <a:lnRef idx="2">
-            <a:schemeClr val="accent1">
-              <a:shade val="50000"/>
-            </a:schemeClr>
-          </a:lnRef>
-          <a:fillRef idx="1">
-            <a:schemeClr val="accent1"/>
-          </a:fillRef>
-          <a:effectRef idx="0">
-            <a:schemeClr val="accent1"/>
-          </a:effectRef>
-          <a:fontRef idx="minor">
-            <a:schemeClr val="lt1"/>
-          </a:fontRef>
-        </p:style>
-        <p:txBody>
-          <a:bodyPr rtlCol="0" anchor="ctr"/>
-          <a:lstStyle/>
-          <a:p>
-            <a:pPr algn="ctr"/>
-            <a:r>
-              <a:rPr lang="ko-KR" altLang="en-US" dirty="0"/>
-              <a:t>메인 메뉴 </a:t>
-            </a:r>
-            <a:r>
-              <a:rPr lang="en-US" altLang="ko-KR" dirty="0"/>
-              <a:t>UI</a:t>
-            </a:r>
-          </a:p>
-          <a:p>
-            <a:pPr algn="ctr"/>
-            <a:r>
-              <a:rPr lang="ko-KR" altLang="en-US" dirty="0"/>
-              <a:t>오토 매치</a:t>
-            </a:r>
-            <a:endParaRPr lang="en-US" altLang="ko-KR" dirty="0"/>
-          </a:p>
-          <a:p>
-            <a:pPr algn="ctr"/>
-            <a:r>
-              <a:rPr lang="ko-KR" altLang="en-US" dirty="0"/>
-              <a:t>사설</a:t>
-            </a:r>
-            <a:endParaRPr lang="en-US" altLang="ko-KR" dirty="0"/>
-          </a:p>
-          <a:p>
-            <a:pPr algn="ctr"/>
-            <a:r>
-              <a:rPr lang="ko-KR" altLang="en-US" dirty="0"/>
-              <a:t>나가기</a:t>
-            </a:r>
-            <a:endParaRPr lang="en-US" altLang="ko-KR" dirty="0"/>
-          </a:p>
-          <a:p>
-            <a:pPr algn="ctr"/>
-            <a:r>
-              <a:rPr lang="ko-KR" altLang="en-US" dirty="0"/>
-              <a:t>옵션</a:t>
-            </a:r>
-          </a:p>
-        </p:txBody>
-      </p:sp>
     </p:spTree>
     <p:extLst>
       <p:ext uri="{BB962C8B-B14F-4D97-AF65-F5344CB8AC3E}">
-        <p14:creationId xmlns:p14="http://schemas.microsoft.com/office/powerpoint/2010/main" val="4061598182"/>
+        <p14:creationId xmlns:p14="http://schemas.microsoft.com/office/powerpoint/2010/main" val="541589422"/>
       </p:ext>
     </p:extLst>
   </p:cSld>
@@ -5578,542 +5405,6 @@
 </file>
 
 <file path=ppt/slides/slide13.xml><?xml version="1.0" encoding="utf-8"?>
-<p:sld xmlns:a="http://schemas.openxmlformats.org/drawingml/2006/main" xmlns:r="http://schemas.openxmlformats.org/officeDocument/2006/relationships" xmlns:p="http://schemas.openxmlformats.org/presentationml/2006/main">
-  <p:cSld>
-    <p:spTree>
-      <p:nvGrpSpPr>
-        <p:cNvPr id="1" name=""/>
-        <p:cNvGrpSpPr/>
-        <p:nvPr/>
-      </p:nvGrpSpPr>
-      <p:grpSpPr>
-        <a:xfrm>
-          <a:off x="0" y="0"/>
-          <a:ext cx="0" cy="0"/>
-          <a:chOff x="0" y="0"/>
-          <a:chExt cx="0" cy="0"/>
-        </a:xfrm>
-      </p:grpSpPr>
-      <p:sp>
-        <p:nvSpPr>
-          <p:cNvPr id="4" name="직사각형 3"/>
-          <p:cNvSpPr/>
-          <p:nvPr/>
-        </p:nvSpPr>
-        <p:spPr>
-          <a:xfrm>
-            <a:off x="370592" y="389855"/>
-            <a:ext cx="264898" cy="246221"/>
-          </a:xfrm>
-          <a:prstGeom prst="rect">
-            <a:avLst/>
-          </a:prstGeom>
-          <a:solidFill>
-            <a:schemeClr val="bg1">
-              <a:lumMod val="85000"/>
-            </a:schemeClr>
-          </a:solidFill>
-          <a:ln>
-            <a:noFill/>
-          </a:ln>
-        </p:spPr>
-        <p:style>
-          <a:lnRef idx="2">
-            <a:schemeClr val="accent1">
-              <a:shade val="50000"/>
-            </a:schemeClr>
-          </a:lnRef>
-          <a:fillRef idx="1">
-            <a:schemeClr val="accent1"/>
-          </a:fillRef>
-          <a:effectRef idx="0">
-            <a:schemeClr val="accent1"/>
-          </a:effectRef>
-          <a:fontRef idx="minor">
-            <a:schemeClr val="lt1"/>
-          </a:fontRef>
-        </p:style>
-        <p:txBody>
-          <a:bodyPr rtlCol="0" anchor="ctr"/>
-          <a:lstStyle/>
-          <a:p>
-            <a:pPr algn="ctr"/>
-            <a:endParaRPr lang="ko-KR" altLang="en-US"/>
-          </a:p>
-        </p:txBody>
-      </p:sp>
-      <p:sp>
-        <p:nvSpPr>
-          <p:cNvPr id="5" name="TextBox 4"/>
-          <p:cNvSpPr txBox="1"/>
-          <p:nvPr/>
-        </p:nvSpPr>
-        <p:spPr>
-          <a:xfrm>
-            <a:off x="635490" y="335487"/>
-            <a:ext cx="1441381" cy="400110"/>
-          </a:xfrm>
-          <a:prstGeom prst="rect">
-            <a:avLst/>
-          </a:prstGeom>
-          <a:noFill/>
-        </p:spPr>
-        <p:txBody>
-          <a:bodyPr wrap="square" rtlCol="0">
-            <a:spAutoFit/>
-          </a:bodyPr>
-          <a:lstStyle/>
-          <a:p>
-            <a:r>
-              <a:rPr lang="en-US" altLang="ko-KR" sz="2000" dirty="0">
-                <a:solidFill>
-                  <a:schemeClr val="tx1">
-                    <a:lumMod val="75000"/>
-                    <a:lumOff val="25000"/>
-                  </a:schemeClr>
-                </a:solidFill>
-                <a:latin typeface="Sandoll 고딕 03 Bold" pitchFamily="34" charset="-127"/>
-                <a:ea typeface="Sandoll 고딕 03 Bold" pitchFamily="34" charset="-127"/>
-              </a:rPr>
-              <a:t>UI</a:t>
-            </a:r>
-            <a:endParaRPr lang="ko-KR" altLang="en-US" sz="2000" dirty="0">
-              <a:solidFill>
-                <a:schemeClr val="tx1">
-                  <a:lumMod val="75000"/>
-                  <a:lumOff val="25000"/>
-                </a:schemeClr>
-              </a:solidFill>
-              <a:latin typeface="Sandoll 고딕 03 Bold" pitchFamily="34" charset="-127"/>
-              <a:ea typeface="Sandoll 고딕 03 Bold" pitchFamily="34" charset="-127"/>
-            </a:endParaRPr>
-          </a:p>
-        </p:txBody>
-      </p:sp>
-      <p:cxnSp>
-        <p:nvCxnSpPr>
-          <p:cNvPr id="7" name="직선 연결선 6"/>
-          <p:cNvCxnSpPr/>
-          <p:nvPr/>
-        </p:nvCxnSpPr>
-        <p:spPr>
-          <a:xfrm>
-            <a:off x="251520" y="0"/>
-            <a:ext cx="0" cy="6858000"/>
-          </a:xfrm>
-          <a:prstGeom prst="line">
-            <a:avLst/>
-          </a:prstGeom>
-          <a:ln>
-            <a:solidFill>
-              <a:schemeClr val="bg1">
-                <a:lumMod val="65000"/>
-              </a:schemeClr>
-            </a:solidFill>
-            <a:prstDash val="sysDot"/>
-          </a:ln>
-        </p:spPr>
-        <p:style>
-          <a:lnRef idx="1">
-            <a:schemeClr val="accent1"/>
-          </a:lnRef>
-          <a:fillRef idx="0">
-            <a:schemeClr val="accent1"/>
-          </a:fillRef>
-          <a:effectRef idx="0">
-            <a:schemeClr val="accent1"/>
-          </a:effectRef>
-          <a:fontRef idx="minor">
-            <a:schemeClr val="tx1"/>
-          </a:fontRef>
-        </p:style>
-      </p:cxnSp>
-      <p:cxnSp>
-        <p:nvCxnSpPr>
-          <p:cNvPr id="8" name="직선 연결선 7"/>
-          <p:cNvCxnSpPr/>
-          <p:nvPr/>
-        </p:nvCxnSpPr>
-        <p:spPr>
-          <a:xfrm>
-            <a:off x="0" y="260648"/>
-            <a:ext cx="9144000" cy="0"/>
-          </a:xfrm>
-          <a:prstGeom prst="line">
-            <a:avLst/>
-          </a:prstGeom>
-          <a:ln>
-            <a:solidFill>
-              <a:schemeClr val="bg1">
-                <a:lumMod val="65000"/>
-              </a:schemeClr>
-            </a:solidFill>
-            <a:prstDash val="sysDot"/>
-          </a:ln>
-        </p:spPr>
-        <p:style>
-          <a:lnRef idx="1">
-            <a:schemeClr val="accent1"/>
-          </a:lnRef>
-          <a:fillRef idx="0">
-            <a:schemeClr val="accent1"/>
-          </a:fillRef>
-          <a:effectRef idx="0">
-            <a:schemeClr val="accent1"/>
-          </a:effectRef>
-          <a:fontRef idx="minor">
-            <a:schemeClr val="tx1"/>
-          </a:fontRef>
-        </p:style>
-      </p:cxnSp>
-      <p:grpSp>
-        <p:nvGrpSpPr>
-          <p:cNvPr id="9" name="그룹 8"/>
-          <p:cNvGrpSpPr/>
-          <p:nvPr/>
-        </p:nvGrpSpPr>
-        <p:grpSpPr>
-          <a:xfrm>
-            <a:off x="8371684" y="6351563"/>
-            <a:ext cx="772316" cy="491577"/>
-            <a:chOff x="4252314" y="1143866"/>
-            <a:chExt cx="772316" cy="491577"/>
-          </a:xfrm>
-        </p:grpSpPr>
-        <p:sp>
-          <p:nvSpPr>
-            <p:cNvPr id="10" name="직사각형 9"/>
-            <p:cNvSpPr/>
-            <p:nvPr/>
-          </p:nvSpPr>
-          <p:spPr>
-            <a:xfrm rot="599424">
-              <a:off x="4252314" y="1223935"/>
-              <a:ext cx="319686" cy="319686"/>
-            </a:xfrm>
-            <a:prstGeom prst="rect">
-              <a:avLst/>
-            </a:prstGeom>
-            <a:noFill/>
-            <a:ln w="9525">
-              <a:solidFill>
-                <a:schemeClr val="bg1">
-                  <a:lumMod val="65000"/>
-                </a:schemeClr>
-              </a:solidFill>
-            </a:ln>
-          </p:spPr>
-          <p:style>
-            <a:lnRef idx="2">
-              <a:schemeClr val="accent1">
-                <a:shade val="50000"/>
-              </a:schemeClr>
-            </a:lnRef>
-            <a:fillRef idx="1">
-              <a:schemeClr val="accent1"/>
-            </a:fillRef>
-            <a:effectRef idx="0">
-              <a:schemeClr val="accent1"/>
-            </a:effectRef>
-            <a:fontRef idx="minor">
-              <a:schemeClr val="lt1"/>
-            </a:fontRef>
-          </p:style>
-          <p:txBody>
-            <a:bodyPr rtlCol="0" anchor="ctr"/>
-            <a:lstStyle/>
-            <a:p>
-              <a:pPr algn="ctr"/>
-              <a:endParaRPr lang="ko-KR" altLang="en-US"/>
-            </a:p>
-          </p:txBody>
-        </p:sp>
-        <p:sp>
-          <p:nvSpPr>
-            <p:cNvPr id="11" name="직사각형 10"/>
-            <p:cNvSpPr/>
-            <p:nvPr/>
-          </p:nvSpPr>
-          <p:spPr>
-            <a:xfrm rot="1427337">
-              <a:off x="4556578" y="1143866"/>
-              <a:ext cx="468052" cy="468052"/>
-            </a:xfrm>
-            <a:prstGeom prst="rect">
-              <a:avLst/>
-            </a:prstGeom>
-            <a:noFill/>
-            <a:ln w="9525">
-              <a:solidFill>
-                <a:schemeClr val="bg1">
-                  <a:lumMod val="65000"/>
-                </a:schemeClr>
-              </a:solidFill>
-            </a:ln>
-          </p:spPr>
-          <p:style>
-            <a:lnRef idx="2">
-              <a:schemeClr val="accent1">
-                <a:shade val="50000"/>
-              </a:schemeClr>
-            </a:lnRef>
-            <a:fillRef idx="1">
-              <a:schemeClr val="accent1"/>
-            </a:fillRef>
-            <a:effectRef idx="0">
-              <a:schemeClr val="accent1"/>
-            </a:effectRef>
-            <a:fontRef idx="minor">
-              <a:schemeClr val="lt1"/>
-            </a:fontRef>
-          </p:style>
-          <p:txBody>
-            <a:bodyPr rtlCol="0" anchor="ctr"/>
-            <a:lstStyle/>
-            <a:p>
-              <a:pPr algn="ctr"/>
-              <a:endParaRPr lang="ko-KR" altLang="en-US"/>
-            </a:p>
-          </p:txBody>
-        </p:sp>
-        <p:sp>
-          <p:nvSpPr>
-            <p:cNvPr id="12" name="직사각형 11"/>
-            <p:cNvSpPr/>
-            <p:nvPr/>
-          </p:nvSpPr>
-          <p:spPr>
-            <a:xfrm rot="3783077">
-              <a:off x="4440058" y="1443568"/>
-              <a:ext cx="191875" cy="191875"/>
-            </a:xfrm>
-            <a:prstGeom prst="rect">
-              <a:avLst/>
-            </a:prstGeom>
-            <a:solidFill>
-              <a:schemeClr val="bg1">
-                <a:lumMod val="65000"/>
-              </a:schemeClr>
-            </a:solidFill>
-            <a:ln w="9525">
-              <a:solidFill>
-                <a:schemeClr val="bg1">
-                  <a:lumMod val="65000"/>
-                </a:schemeClr>
-              </a:solidFill>
-            </a:ln>
-          </p:spPr>
-          <p:style>
-            <a:lnRef idx="2">
-              <a:schemeClr val="accent1">
-                <a:shade val="50000"/>
-              </a:schemeClr>
-            </a:lnRef>
-            <a:fillRef idx="1">
-              <a:schemeClr val="accent1"/>
-            </a:fillRef>
-            <a:effectRef idx="0">
-              <a:schemeClr val="accent1"/>
-            </a:effectRef>
-            <a:fontRef idx="minor">
-              <a:schemeClr val="lt1"/>
-            </a:fontRef>
-          </p:style>
-          <p:txBody>
-            <a:bodyPr rtlCol="0" anchor="ctr"/>
-            <a:lstStyle/>
-            <a:p>
-              <a:pPr algn="ctr"/>
-              <a:endParaRPr lang="ko-KR" altLang="en-US"/>
-            </a:p>
-          </p:txBody>
-        </p:sp>
-      </p:grpSp>
-      <p:sp>
-        <p:nvSpPr>
-          <p:cNvPr id="4163" name="TextBox 4162">
-            <a:extLst>
-              <a:ext uri="{FF2B5EF4-FFF2-40B4-BE49-F238E27FC236}">
-                <a16:creationId xmlns:a16="http://schemas.microsoft.com/office/drawing/2014/main" id="{3C4B1F17-2D08-8557-911F-4590D98CF19B}"/>
-              </a:ext>
-            </a:extLst>
-          </p:cNvPr>
-          <p:cNvSpPr txBox="1"/>
-          <p:nvPr/>
-        </p:nvSpPr>
-        <p:spPr>
-          <a:xfrm>
-            <a:off x="1068235" y="366265"/>
-            <a:ext cx="2232248" cy="338554"/>
-          </a:xfrm>
-          <a:prstGeom prst="rect">
-            <a:avLst/>
-          </a:prstGeom>
-          <a:noFill/>
-        </p:spPr>
-        <p:txBody>
-          <a:bodyPr wrap="square" rtlCol="0">
-            <a:spAutoFit/>
-          </a:bodyPr>
-          <a:lstStyle/>
-          <a:p>
-            <a:r>
-              <a:rPr lang="en-US" altLang="ko-KR" sz="1600" dirty="0">
-                <a:solidFill>
-                  <a:schemeClr val="bg1">
-                    <a:lumMod val="50000"/>
-                  </a:schemeClr>
-                </a:solidFill>
-                <a:latin typeface="Sandoll 고딕 02 Medium" pitchFamily="34" charset="-127"/>
-                <a:ea typeface="Sandoll 고딕 02 Medium" pitchFamily="34" charset="-127"/>
-              </a:rPr>
-              <a:t>4) </a:t>
-            </a:r>
-            <a:r>
-              <a:rPr lang="ko-KR" altLang="en-US" sz="1600" dirty="0">
-                <a:solidFill>
-                  <a:schemeClr val="bg1">
-                    <a:lumMod val="50000"/>
-                  </a:schemeClr>
-                </a:solidFill>
-                <a:latin typeface="Sandoll 고딕 02 Medium" pitchFamily="34" charset="-127"/>
-                <a:ea typeface="Sandoll 고딕 02 Medium" pitchFamily="34" charset="-127"/>
-              </a:rPr>
-              <a:t>로비</a:t>
-            </a:r>
-          </a:p>
-        </p:txBody>
-      </p:sp>
-      <p:sp>
-        <p:nvSpPr>
-          <p:cNvPr id="2" name="사각형: 둥근 모서리 1">
-            <a:extLst>
-              <a:ext uri="{FF2B5EF4-FFF2-40B4-BE49-F238E27FC236}">
-                <a16:creationId xmlns:a16="http://schemas.microsoft.com/office/drawing/2014/main" id="{B198505B-207B-E2F9-CD6A-06B41936813F}"/>
-              </a:ext>
-            </a:extLst>
-          </p:cNvPr>
-          <p:cNvSpPr/>
-          <p:nvPr/>
-        </p:nvSpPr>
-        <p:spPr>
-          <a:xfrm>
-            <a:off x="1068235" y="1268760"/>
-            <a:ext cx="6888141" cy="4752527"/>
-          </a:xfrm>
-          <a:prstGeom prst="roundRect">
-            <a:avLst/>
-          </a:prstGeom>
-        </p:spPr>
-        <p:style>
-          <a:lnRef idx="2">
-            <a:schemeClr val="accent1">
-              <a:shade val="50000"/>
-            </a:schemeClr>
-          </a:lnRef>
-          <a:fillRef idx="1">
-            <a:schemeClr val="accent1"/>
-          </a:fillRef>
-          <a:effectRef idx="0">
-            <a:schemeClr val="accent1"/>
-          </a:effectRef>
-          <a:fontRef idx="minor">
-            <a:schemeClr val="lt1"/>
-          </a:fontRef>
-        </p:style>
-        <p:txBody>
-          <a:bodyPr rtlCol="0" anchor="ctr"/>
-          <a:lstStyle/>
-          <a:p>
-            <a:pPr algn="ctr"/>
-            <a:r>
-              <a:rPr lang="en-US" altLang="ko-KR" dirty="0"/>
-              <a:t>3D </a:t>
-            </a:r>
-            <a:r>
-              <a:rPr lang="ko-KR" altLang="en-US" dirty="0"/>
-              <a:t>공간 </a:t>
-            </a:r>
-            <a:r>
-              <a:rPr lang="en-US" altLang="ko-KR" dirty="0"/>
-              <a:t>(</a:t>
-            </a:r>
-            <a:r>
-              <a:rPr lang="ko-KR" altLang="en-US" dirty="0"/>
-              <a:t>맵 구석</a:t>
-            </a:r>
-            <a:r>
-              <a:rPr lang="en-US" altLang="ko-KR" dirty="0"/>
-              <a:t>)</a:t>
-            </a:r>
-          </a:p>
-          <a:p>
-            <a:pPr algn="ctr"/>
-            <a:r>
-              <a:rPr lang="ko-KR" altLang="en-US" dirty="0"/>
-              <a:t>나가기</a:t>
-            </a:r>
-            <a:endParaRPr lang="en-US" altLang="ko-KR" dirty="0"/>
-          </a:p>
-          <a:p>
-            <a:pPr algn="ctr"/>
-            <a:r>
-              <a:rPr lang="ko-KR" altLang="en-US" dirty="0"/>
-              <a:t>캐릭터선택</a:t>
-            </a:r>
-            <a:endParaRPr lang="en-US" altLang="ko-KR" dirty="0"/>
-          </a:p>
-          <a:p>
-            <a:pPr algn="ctr"/>
-            <a:r>
-              <a:rPr lang="ko-KR" altLang="en-US" dirty="0"/>
-              <a:t>채팅</a:t>
-            </a:r>
-            <a:endParaRPr lang="en-US" altLang="ko-KR" dirty="0"/>
-          </a:p>
-          <a:p>
-            <a:pPr algn="ctr"/>
-            <a:r>
-              <a:rPr lang="en-US" altLang="ko-KR" dirty="0"/>
-              <a:t>Ready</a:t>
-            </a:r>
-          </a:p>
-          <a:p>
-            <a:pPr algn="ctr"/>
-            <a:r>
-              <a:rPr lang="en-US" altLang="ko-KR" dirty="0"/>
-              <a:t>(</a:t>
-            </a:r>
-            <a:r>
-              <a:rPr lang="ko-KR" altLang="en-US" dirty="0"/>
-              <a:t>방장</a:t>
-            </a:r>
-            <a:r>
-              <a:rPr lang="en-US" altLang="ko-KR" dirty="0"/>
-              <a:t>) </a:t>
-            </a:r>
-            <a:r>
-              <a:rPr lang="ko-KR" altLang="en-US" dirty="0"/>
-              <a:t>시작</a:t>
-            </a:r>
-            <a:endParaRPr lang="en-US" altLang="ko-KR" dirty="0"/>
-          </a:p>
-        </p:txBody>
-      </p:sp>
-    </p:spTree>
-    <p:extLst>
-      <p:ext uri="{BB962C8B-B14F-4D97-AF65-F5344CB8AC3E}">
-        <p14:creationId xmlns:p14="http://schemas.microsoft.com/office/powerpoint/2010/main" val="696988283"/>
-      </p:ext>
-    </p:extLst>
-  </p:cSld>
-  <p:clrMapOvr>
-    <a:masterClrMapping/>
-  </p:clrMapOvr>
-</p:sld>
-</file>
-
-<file path=ppt/slides/slide14.xml><?xml version="1.0" encoding="utf-8"?>
 <p:sld xmlns:a="http://schemas.openxmlformats.org/drawingml/2006/main" xmlns:r="http://schemas.openxmlformats.org/officeDocument/2006/relationships" xmlns:p="http://schemas.openxmlformats.org/presentationml/2006/main">
   <p:cSld>
     <p:spTree>
@@ -7888,7 +7179,7 @@
 </p:sld>
 </file>
 
-<file path=ppt/slides/slide15.xml><?xml version="1.0" encoding="utf-8"?>
+<file path=ppt/slides/slide14.xml><?xml version="1.0" encoding="utf-8"?>
 <p:sld xmlns:a="http://schemas.openxmlformats.org/drawingml/2006/main" xmlns:r="http://schemas.openxmlformats.org/officeDocument/2006/relationships" xmlns:p="http://schemas.openxmlformats.org/presentationml/2006/main">
   <p:cSld>
     <p:spTree>
@@ -7986,7 +7277,7 @@
                 <a:latin typeface="Sandoll 고딕 03 Bold" pitchFamily="34" charset="-127"/>
                 <a:ea typeface="Sandoll 고딕 03 Bold" pitchFamily="34" charset="-127"/>
               </a:rPr>
-              <a:t>게임 진행</a:t>
+              <a:t>게임 특징</a:t>
             </a:r>
           </a:p>
         </p:txBody>
@@ -8244,7 +7535,7 @@
         </p:nvSpPr>
         <p:spPr>
           <a:xfrm>
-            <a:off x="1835696" y="366265"/>
+            <a:off x="1907704" y="366265"/>
             <a:ext cx="2232248" cy="338554"/>
           </a:xfrm>
           <a:prstGeom prst="rect">
@@ -8268,7 +7559,7 @@
                 <a:latin typeface="Sandoll 고딕 02 Medium" pitchFamily="34" charset="-127"/>
                 <a:ea typeface="Sandoll 고딕 02 Medium" pitchFamily="34" charset="-127"/>
               </a:rPr>
-              <a:t>2) </a:t>
+              <a:t>1) </a:t>
             </a:r>
             <a:r>
               <a:rPr lang="ko-KR" altLang="en-US" sz="1600" dirty="0">
@@ -8280,15 +7571,349 @@
                 <a:latin typeface="Sandoll 고딕 02 Medium" pitchFamily="34" charset="-127"/>
                 <a:ea typeface="Sandoll 고딕 02 Medium" pitchFamily="34" charset="-127"/>
               </a:rPr>
-              <a:t>진행 방식</a:t>
-            </a:r>
+              <a:t>차별 점</a:t>
+            </a:r>
+          </a:p>
+        </p:txBody>
+      </p:sp>
+      <p:sp>
+        <p:nvSpPr>
+          <p:cNvPr id="13" name="직사각형 12">
+            <a:extLst>
+              <a:ext uri="{FF2B5EF4-FFF2-40B4-BE49-F238E27FC236}">
+                <a16:creationId xmlns:a16="http://schemas.microsoft.com/office/drawing/2014/main" id="{1D5AB063-24F1-C1C4-9487-C9169B037399}"/>
+              </a:ext>
+            </a:extLst>
+          </p:cNvPr>
+          <p:cNvSpPr/>
+          <p:nvPr/>
+        </p:nvSpPr>
+        <p:spPr>
+          <a:xfrm rot="20490163">
+            <a:off x="918453" y="3547420"/>
+            <a:ext cx="382788" cy="421868"/>
+          </a:xfrm>
+          <a:prstGeom prst="rect">
+            <a:avLst/>
+          </a:prstGeom>
+          <a:solidFill>
+            <a:schemeClr val="bg1">
+              <a:lumMod val="95000"/>
+            </a:schemeClr>
+          </a:solidFill>
+          <a:ln w="3175">
+            <a:noFill/>
+          </a:ln>
+        </p:spPr>
+        <p:style>
+          <a:lnRef idx="2">
+            <a:schemeClr val="accent1">
+              <a:shade val="50000"/>
+            </a:schemeClr>
+          </a:lnRef>
+          <a:fillRef idx="1">
+            <a:schemeClr val="accent1"/>
+          </a:fillRef>
+          <a:effectRef idx="0">
+            <a:schemeClr val="accent1"/>
+          </a:effectRef>
+          <a:fontRef idx="minor">
+            <a:schemeClr val="lt1"/>
+          </a:fontRef>
+        </p:style>
+        <p:txBody>
+          <a:bodyPr rtlCol="0" anchor="ctr"/>
+          <a:lstStyle/>
+          <a:p>
+            <a:pPr algn="ctr"/>
+            <a:endParaRPr lang="ko-KR" altLang="en-US" dirty="0"/>
+          </a:p>
+        </p:txBody>
+      </p:sp>
+      <p:sp>
+        <p:nvSpPr>
+          <p:cNvPr id="14" name="직사각형 13">
+            <a:extLst>
+              <a:ext uri="{FF2B5EF4-FFF2-40B4-BE49-F238E27FC236}">
+                <a16:creationId xmlns:a16="http://schemas.microsoft.com/office/drawing/2014/main" id="{E55F9845-A601-98CE-2862-EB8420853333}"/>
+              </a:ext>
+            </a:extLst>
+          </p:cNvPr>
+          <p:cNvSpPr/>
+          <p:nvPr/>
+        </p:nvSpPr>
+        <p:spPr>
+          <a:xfrm rot="20490163">
+            <a:off x="882942" y="4756874"/>
+            <a:ext cx="382788" cy="421868"/>
+          </a:xfrm>
+          <a:prstGeom prst="rect">
+            <a:avLst/>
+          </a:prstGeom>
+          <a:solidFill>
+            <a:schemeClr val="bg1">
+              <a:lumMod val="95000"/>
+            </a:schemeClr>
+          </a:solidFill>
+          <a:ln w="3175">
+            <a:noFill/>
+          </a:ln>
+        </p:spPr>
+        <p:style>
+          <a:lnRef idx="2">
+            <a:schemeClr val="accent1">
+              <a:shade val="50000"/>
+            </a:schemeClr>
+          </a:lnRef>
+          <a:fillRef idx="1">
+            <a:schemeClr val="accent1"/>
+          </a:fillRef>
+          <a:effectRef idx="0">
+            <a:schemeClr val="accent1"/>
+          </a:effectRef>
+          <a:fontRef idx="minor">
+            <a:schemeClr val="lt1"/>
+          </a:fontRef>
+        </p:style>
+        <p:txBody>
+          <a:bodyPr rtlCol="0" anchor="ctr"/>
+          <a:lstStyle/>
+          <a:p>
+            <a:pPr algn="ctr"/>
+            <a:endParaRPr lang="ko-KR" altLang="en-US" dirty="0"/>
+          </a:p>
+        </p:txBody>
+      </p:sp>
+      <p:sp>
+        <p:nvSpPr>
+          <p:cNvPr id="15" name="직사각형 14">
+            <a:extLst>
+              <a:ext uri="{FF2B5EF4-FFF2-40B4-BE49-F238E27FC236}">
+                <a16:creationId xmlns:a16="http://schemas.microsoft.com/office/drawing/2014/main" id="{6E07D91F-F350-0A72-7323-39DCC8A6FA89}"/>
+              </a:ext>
+            </a:extLst>
+          </p:cNvPr>
+          <p:cNvSpPr/>
+          <p:nvPr/>
+        </p:nvSpPr>
+        <p:spPr>
+          <a:xfrm rot="20490163">
+            <a:off x="918455" y="1866032"/>
+            <a:ext cx="382788" cy="421868"/>
+          </a:xfrm>
+          <a:prstGeom prst="rect">
+            <a:avLst/>
+          </a:prstGeom>
+          <a:solidFill>
+            <a:schemeClr val="bg1">
+              <a:lumMod val="95000"/>
+            </a:schemeClr>
+          </a:solidFill>
+          <a:ln w="3175">
+            <a:noFill/>
+          </a:ln>
+        </p:spPr>
+        <p:style>
+          <a:lnRef idx="2">
+            <a:schemeClr val="accent1">
+              <a:shade val="50000"/>
+            </a:schemeClr>
+          </a:lnRef>
+          <a:fillRef idx="1">
+            <a:schemeClr val="accent1"/>
+          </a:fillRef>
+          <a:effectRef idx="0">
+            <a:schemeClr val="accent1"/>
+          </a:effectRef>
+          <a:fontRef idx="minor">
+            <a:schemeClr val="lt1"/>
+          </a:fontRef>
+        </p:style>
+        <p:txBody>
+          <a:bodyPr rtlCol="0" anchor="ctr"/>
+          <a:lstStyle/>
+          <a:p>
+            <a:pPr algn="ctr"/>
+            <a:endParaRPr lang="ko-KR" altLang="en-US" dirty="0"/>
+          </a:p>
+        </p:txBody>
+      </p:sp>
+      <p:sp>
+        <p:nvSpPr>
+          <p:cNvPr id="16" name="TextBox 15">
+            <a:extLst>
+              <a:ext uri="{FF2B5EF4-FFF2-40B4-BE49-F238E27FC236}">
+                <a16:creationId xmlns:a16="http://schemas.microsoft.com/office/drawing/2014/main" id="{92214675-CD26-5EBA-9900-FD7626700D31}"/>
+              </a:ext>
+            </a:extLst>
+          </p:cNvPr>
+          <p:cNvSpPr txBox="1"/>
+          <p:nvPr/>
+        </p:nvSpPr>
+        <p:spPr>
+          <a:xfrm>
+            <a:off x="971600" y="1816206"/>
+            <a:ext cx="8061880" cy="3362780"/>
+          </a:xfrm>
+          <a:prstGeom prst="rect">
+            <a:avLst/>
+          </a:prstGeom>
+          <a:noFill/>
+        </p:spPr>
+        <p:txBody>
+          <a:bodyPr wrap="square" rtlCol="0">
+            <a:spAutoFit/>
+          </a:bodyPr>
+          <a:lstStyle/>
+          <a:p>
+            <a:pPr>
+              <a:lnSpc>
+                <a:spcPct val="150000"/>
+              </a:lnSpc>
+            </a:pPr>
+            <a:r>
+              <a:rPr lang="en-US" altLang="ko-KR" dirty="0"/>
+              <a:t>1  </a:t>
+            </a:r>
+            <a:r>
+              <a:rPr lang="ko-KR" altLang="en-US" dirty="0"/>
+              <a:t>감각을 빼앗는 것이 </a:t>
+            </a:r>
+            <a:r>
+              <a:rPr lang="ko-KR" altLang="en-US" b="1" dirty="0"/>
+              <a:t>게임 캐릭터의 능력치</a:t>
+            </a:r>
+            <a:r>
+              <a:rPr lang="ko-KR" altLang="en-US" dirty="0"/>
+              <a:t>에 영향을 주는 것이 아닌</a:t>
+            </a:r>
+            <a:endParaRPr lang="en-US" altLang="ko-KR" dirty="0"/>
+          </a:p>
+          <a:p>
+            <a:pPr>
+              <a:lnSpc>
+                <a:spcPct val="150000"/>
+              </a:lnSpc>
+            </a:pPr>
+            <a:r>
+              <a:rPr lang="en-US" altLang="ko-KR" dirty="0"/>
+              <a:t>    </a:t>
+            </a:r>
+            <a:r>
+              <a:rPr lang="ko-KR" altLang="en-US" b="1" dirty="0"/>
+              <a:t>사용자</a:t>
+            </a:r>
+            <a:r>
+              <a:rPr lang="ko-KR" altLang="en-US" dirty="0"/>
+              <a:t>가 보고 듣고 느끼는 요소에 영향을 주어 </a:t>
+            </a:r>
+            <a:r>
+              <a:rPr lang="ko-KR" altLang="en-US" b="1" dirty="0"/>
+              <a:t>몰입감</a:t>
+            </a:r>
+            <a:r>
+              <a:rPr lang="ko-KR" altLang="en-US" dirty="0"/>
+              <a:t>을 준다</a:t>
+            </a:r>
+            <a:r>
+              <a:rPr lang="en-US" altLang="ko-KR" dirty="0"/>
+              <a:t>.</a:t>
+            </a:r>
+          </a:p>
+          <a:p>
+            <a:pPr>
+              <a:lnSpc>
+                <a:spcPct val="150000"/>
+              </a:lnSpc>
+            </a:pPr>
+            <a:endParaRPr lang="en-US" altLang="ko-KR" dirty="0"/>
+          </a:p>
+          <a:p>
+            <a:pPr>
+              <a:lnSpc>
+                <a:spcPct val="150000"/>
+              </a:lnSpc>
+            </a:pPr>
+            <a:endParaRPr lang="en-US" altLang="ko-KR" dirty="0"/>
+          </a:p>
+          <a:p>
+            <a:pPr>
+              <a:lnSpc>
+                <a:spcPct val="150000"/>
+              </a:lnSpc>
+            </a:pPr>
+            <a:r>
+              <a:rPr lang="en-US" altLang="ko-KR" dirty="0"/>
+              <a:t>2  </a:t>
+            </a:r>
+            <a:r>
+              <a:rPr lang="ko-KR" altLang="en-US" dirty="0"/>
+              <a:t>스테이지 마다 </a:t>
+            </a:r>
+            <a:r>
+              <a:rPr lang="en-US" altLang="ko-KR" b="1" dirty="0"/>
+              <a:t>Cut-Scene</a:t>
+            </a:r>
+            <a:r>
+              <a:rPr lang="ko-KR" altLang="en-US" dirty="0"/>
+              <a:t>을 삽입</a:t>
+            </a:r>
+            <a:endParaRPr lang="en-US" altLang="ko-KR" dirty="0"/>
+          </a:p>
+          <a:p>
+            <a:pPr>
+              <a:lnSpc>
+                <a:spcPct val="150000"/>
+              </a:lnSpc>
+            </a:pPr>
+            <a:endParaRPr lang="en-US" altLang="ko-KR" dirty="0"/>
+          </a:p>
+          <a:p>
+            <a:pPr>
+              <a:lnSpc>
+                <a:spcPct val="150000"/>
+              </a:lnSpc>
+            </a:pPr>
+            <a:endParaRPr lang="en-US" altLang="ko-KR" dirty="0"/>
+          </a:p>
+          <a:p>
+            <a:pPr>
+              <a:lnSpc>
+                <a:spcPct val="150000"/>
+              </a:lnSpc>
+            </a:pPr>
+            <a:r>
+              <a:rPr lang="en-US" altLang="ko-KR" dirty="0"/>
+              <a:t>3  </a:t>
+            </a:r>
+            <a:r>
+              <a:rPr lang="en-US" altLang="ko-KR" b="1" dirty="0" err="1"/>
+              <a:t>Vivox</a:t>
+            </a:r>
+            <a:r>
+              <a:rPr lang="en-US" altLang="ko-KR" b="1" dirty="0"/>
+              <a:t> </a:t>
+            </a:r>
+            <a:r>
+              <a:rPr lang="ko-KR" altLang="en-US" dirty="0"/>
+              <a:t>를 이용한 거리에 따른 </a:t>
+            </a:r>
+            <a:r>
+              <a:rPr lang="en-US" altLang="ko-KR" b="1" dirty="0"/>
+              <a:t>3D </a:t>
+            </a:r>
+            <a:r>
+              <a:rPr lang="ko-KR" altLang="en-US" b="1" dirty="0"/>
+              <a:t>음성 채팅</a:t>
+            </a:r>
+            <a:endParaRPr lang="en-US" altLang="ko-KR" b="1" dirty="0"/>
           </a:p>
         </p:txBody>
       </p:sp>
     </p:spTree>
     <p:extLst>
       <p:ext uri="{BB962C8B-B14F-4D97-AF65-F5344CB8AC3E}">
-        <p14:creationId xmlns:p14="http://schemas.microsoft.com/office/powerpoint/2010/main" val="2347812335"/>
+        <p14:creationId xmlns:p14="http://schemas.microsoft.com/office/powerpoint/2010/main" val="3338063109"/>
       </p:ext>
     </p:extLst>
   </p:cSld>
@@ -8298,7 +7923,7 @@
 </p:sld>
 </file>
 
-<file path=ppt/slides/slide16.xml><?xml version="1.0" encoding="utf-8"?>
+<file path=ppt/slides/slide15.xml><?xml version="1.0" encoding="utf-8"?>
 <p:sld xmlns:a="http://schemas.openxmlformats.org/drawingml/2006/main" xmlns:r="http://schemas.openxmlformats.org/officeDocument/2006/relationships" xmlns:p="http://schemas.openxmlformats.org/presentationml/2006/main">
   <p:cSld>
     <p:spTree>
@@ -8315,6 +7940,384 @@
           <a:chExt cx="0" cy="0"/>
         </a:xfrm>
       </p:grpSpPr>
+      <p:sp>
+        <p:nvSpPr>
+          <p:cNvPr id="21" name="직사각형 20">
+            <a:extLst>
+              <a:ext uri="{FF2B5EF4-FFF2-40B4-BE49-F238E27FC236}">
+                <a16:creationId xmlns:a16="http://schemas.microsoft.com/office/drawing/2014/main" id="{4F000E13-DDC9-3C39-CBCB-7C8532148B73}"/>
+              </a:ext>
+            </a:extLst>
+          </p:cNvPr>
+          <p:cNvSpPr/>
+          <p:nvPr/>
+        </p:nvSpPr>
+        <p:spPr>
+          <a:xfrm rot="20490163">
+            <a:off x="399544" y="1558957"/>
+            <a:ext cx="302030" cy="320863"/>
+          </a:xfrm>
+          <a:prstGeom prst="rect">
+            <a:avLst/>
+          </a:prstGeom>
+          <a:solidFill>
+            <a:schemeClr val="bg1">
+              <a:lumMod val="95000"/>
+            </a:schemeClr>
+          </a:solidFill>
+          <a:ln w="3175">
+            <a:noFill/>
+          </a:ln>
+        </p:spPr>
+        <p:style>
+          <a:lnRef idx="2">
+            <a:schemeClr val="accent1">
+              <a:shade val="50000"/>
+            </a:schemeClr>
+          </a:lnRef>
+          <a:fillRef idx="1">
+            <a:schemeClr val="accent1"/>
+          </a:fillRef>
+          <a:effectRef idx="0">
+            <a:schemeClr val="accent1"/>
+          </a:effectRef>
+          <a:fontRef idx="minor">
+            <a:schemeClr val="lt1"/>
+          </a:fontRef>
+        </p:style>
+        <p:txBody>
+          <a:bodyPr rtlCol="0" anchor="ctr"/>
+          <a:lstStyle/>
+          <a:p>
+            <a:pPr algn="ctr"/>
+            <a:endParaRPr lang="ko-KR" altLang="en-US" dirty="0"/>
+          </a:p>
+        </p:txBody>
+      </p:sp>
+      <p:sp>
+        <p:nvSpPr>
+          <p:cNvPr id="22" name="직사각형 21">
+            <a:extLst>
+              <a:ext uri="{FF2B5EF4-FFF2-40B4-BE49-F238E27FC236}">
+                <a16:creationId xmlns:a16="http://schemas.microsoft.com/office/drawing/2014/main" id="{BB26AD94-1BC2-4747-0EDB-51BD2D1CCEBC}"/>
+              </a:ext>
+            </a:extLst>
+          </p:cNvPr>
+          <p:cNvSpPr/>
+          <p:nvPr/>
+        </p:nvSpPr>
+        <p:spPr>
+          <a:xfrm rot="20490163">
+            <a:off x="413689" y="2298100"/>
+            <a:ext cx="302030" cy="320863"/>
+          </a:xfrm>
+          <a:prstGeom prst="rect">
+            <a:avLst/>
+          </a:prstGeom>
+          <a:solidFill>
+            <a:schemeClr val="bg1">
+              <a:lumMod val="95000"/>
+            </a:schemeClr>
+          </a:solidFill>
+          <a:ln w="3175">
+            <a:noFill/>
+          </a:ln>
+        </p:spPr>
+        <p:style>
+          <a:lnRef idx="2">
+            <a:schemeClr val="accent1">
+              <a:shade val="50000"/>
+            </a:schemeClr>
+          </a:lnRef>
+          <a:fillRef idx="1">
+            <a:schemeClr val="accent1"/>
+          </a:fillRef>
+          <a:effectRef idx="0">
+            <a:schemeClr val="accent1"/>
+          </a:effectRef>
+          <a:fontRef idx="minor">
+            <a:schemeClr val="lt1"/>
+          </a:fontRef>
+        </p:style>
+        <p:txBody>
+          <a:bodyPr rtlCol="0" anchor="ctr"/>
+          <a:lstStyle/>
+          <a:p>
+            <a:pPr algn="ctr"/>
+            <a:endParaRPr lang="ko-KR" altLang="en-US" dirty="0"/>
+          </a:p>
+        </p:txBody>
+      </p:sp>
+      <p:sp>
+        <p:nvSpPr>
+          <p:cNvPr id="23" name="직사각형 22">
+            <a:extLst>
+              <a:ext uri="{FF2B5EF4-FFF2-40B4-BE49-F238E27FC236}">
+                <a16:creationId xmlns:a16="http://schemas.microsoft.com/office/drawing/2014/main" id="{9DD3562B-60EF-9EFC-7190-CA2FD471857C}"/>
+              </a:ext>
+            </a:extLst>
+          </p:cNvPr>
+          <p:cNvSpPr/>
+          <p:nvPr/>
+        </p:nvSpPr>
+        <p:spPr>
+          <a:xfrm rot="20490163">
+            <a:off x="413688" y="3012205"/>
+            <a:ext cx="302030" cy="320863"/>
+          </a:xfrm>
+          <a:prstGeom prst="rect">
+            <a:avLst/>
+          </a:prstGeom>
+          <a:solidFill>
+            <a:schemeClr val="bg1">
+              <a:lumMod val="95000"/>
+            </a:schemeClr>
+          </a:solidFill>
+          <a:ln w="3175">
+            <a:noFill/>
+          </a:ln>
+        </p:spPr>
+        <p:style>
+          <a:lnRef idx="2">
+            <a:schemeClr val="accent1">
+              <a:shade val="50000"/>
+            </a:schemeClr>
+          </a:lnRef>
+          <a:fillRef idx="1">
+            <a:schemeClr val="accent1"/>
+          </a:fillRef>
+          <a:effectRef idx="0">
+            <a:schemeClr val="accent1"/>
+          </a:effectRef>
+          <a:fontRef idx="minor">
+            <a:schemeClr val="lt1"/>
+          </a:fontRef>
+        </p:style>
+        <p:txBody>
+          <a:bodyPr rtlCol="0" anchor="ctr"/>
+          <a:lstStyle/>
+          <a:p>
+            <a:pPr algn="ctr"/>
+            <a:endParaRPr lang="ko-KR" altLang="en-US" dirty="0"/>
+          </a:p>
+        </p:txBody>
+      </p:sp>
+      <p:sp>
+        <p:nvSpPr>
+          <p:cNvPr id="24" name="직사각형 23">
+            <a:extLst>
+              <a:ext uri="{FF2B5EF4-FFF2-40B4-BE49-F238E27FC236}">
+                <a16:creationId xmlns:a16="http://schemas.microsoft.com/office/drawing/2014/main" id="{BB2AA921-47F9-9FFE-C08F-2E3ECBE51E0B}"/>
+              </a:ext>
+            </a:extLst>
+          </p:cNvPr>
+          <p:cNvSpPr/>
+          <p:nvPr/>
+        </p:nvSpPr>
+        <p:spPr>
+          <a:xfrm rot="20490163">
+            <a:off x="386169" y="4038983"/>
+            <a:ext cx="302030" cy="320863"/>
+          </a:xfrm>
+          <a:prstGeom prst="rect">
+            <a:avLst/>
+          </a:prstGeom>
+          <a:solidFill>
+            <a:schemeClr val="bg1">
+              <a:lumMod val="95000"/>
+            </a:schemeClr>
+          </a:solidFill>
+          <a:ln w="3175">
+            <a:noFill/>
+          </a:ln>
+        </p:spPr>
+        <p:style>
+          <a:lnRef idx="2">
+            <a:schemeClr val="accent1">
+              <a:shade val="50000"/>
+            </a:schemeClr>
+          </a:lnRef>
+          <a:fillRef idx="1">
+            <a:schemeClr val="accent1"/>
+          </a:fillRef>
+          <a:effectRef idx="0">
+            <a:schemeClr val="accent1"/>
+          </a:effectRef>
+          <a:fontRef idx="minor">
+            <a:schemeClr val="lt1"/>
+          </a:fontRef>
+        </p:style>
+        <p:txBody>
+          <a:bodyPr rtlCol="0" anchor="ctr"/>
+          <a:lstStyle/>
+          <a:p>
+            <a:pPr algn="ctr"/>
+            <a:endParaRPr lang="ko-KR" altLang="en-US" dirty="0"/>
+          </a:p>
+        </p:txBody>
+      </p:sp>
+      <p:sp>
+        <p:nvSpPr>
+          <p:cNvPr id="25" name="직사각형 24">
+            <a:extLst>
+              <a:ext uri="{FF2B5EF4-FFF2-40B4-BE49-F238E27FC236}">
+                <a16:creationId xmlns:a16="http://schemas.microsoft.com/office/drawing/2014/main" id="{8468E4A5-77F0-A9BD-A7BD-CA1E4EC12930}"/>
+              </a:ext>
+            </a:extLst>
+          </p:cNvPr>
+          <p:cNvSpPr/>
+          <p:nvPr/>
+        </p:nvSpPr>
+        <p:spPr>
+          <a:xfrm rot="20490163">
+            <a:off x="413689" y="4753088"/>
+            <a:ext cx="302030" cy="320863"/>
+          </a:xfrm>
+          <a:prstGeom prst="rect">
+            <a:avLst/>
+          </a:prstGeom>
+          <a:solidFill>
+            <a:schemeClr val="bg1">
+              <a:lumMod val="95000"/>
+            </a:schemeClr>
+          </a:solidFill>
+          <a:ln w="3175">
+            <a:noFill/>
+          </a:ln>
+        </p:spPr>
+        <p:style>
+          <a:lnRef idx="2">
+            <a:schemeClr val="accent1">
+              <a:shade val="50000"/>
+            </a:schemeClr>
+          </a:lnRef>
+          <a:fillRef idx="1">
+            <a:schemeClr val="accent1"/>
+          </a:fillRef>
+          <a:effectRef idx="0">
+            <a:schemeClr val="accent1"/>
+          </a:effectRef>
+          <a:fontRef idx="minor">
+            <a:schemeClr val="lt1"/>
+          </a:fontRef>
+        </p:style>
+        <p:txBody>
+          <a:bodyPr rtlCol="0" anchor="ctr"/>
+          <a:lstStyle/>
+          <a:p>
+            <a:pPr algn="ctr"/>
+            <a:endParaRPr lang="ko-KR" altLang="en-US" dirty="0"/>
+          </a:p>
+        </p:txBody>
+      </p:sp>
+      <p:sp>
+        <p:nvSpPr>
+          <p:cNvPr id="26" name="직사각형 25">
+            <a:extLst>
+              <a:ext uri="{FF2B5EF4-FFF2-40B4-BE49-F238E27FC236}">
+                <a16:creationId xmlns:a16="http://schemas.microsoft.com/office/drawing/2014/main" id="{B186FBEB-BB67-7481-5BBD-01CDD8F1F3FF}"/>
+              </a:ext>
+            </a:extLst>
+          </p:cNvPr>
+          <p:cNvSpPr/>
+          <p:nvPr/>
+        </p:nvSpPr>
+        <p:spPr>
+          <a:xfrm rot="20490163">
+            <a:off x="413689" y="5461628"/>
+            <a:ext cx="302030" cy="320863"/>
+          </a:xfrm>
+          <a:prstGeom prst="rect">
+            <a:avLst/>
+          </a:prstGeom>
+          <a:solidFill>
+            <a:schemeClr val="bg1">
+              <a:lumMod val="95000"/>
+            </a:schemeClr>
+          </a:solidFill>
+          <a:ln w="3175">
+            <a:noFill/>
+          </a:ln>
+        </p:spPr>
+        <p:style>
+          <a:lnRef idx="2">
+            <a:schemeClr val="accent1">
+              <a:shade val="50000"/>
+            </a:schemeClr>
+          </a:lnRef>
+          <a:fillRef idx="1">
+            <a:schemeClr val="accent1"/>
+          </a:fillRef>
+          <a:effectRef idx="0">
+            <a:schemeClr val="accent1"/>
+          </a:effectRef>
+          <a:fontRef idx="minor">
+            <a:schemeClr val="lt1"/>
+          </a:fontRef>
+        </p:style>
+        <p:txBody>
+          <a:bodyPr rtlCol="0" anchor="ctr"/>
+          <a:lstStyle/>
+          <a:p>
+            <a:pPr algn="ctr"/>
+            <a:endParaRPr lang="ko-KR" altLang="en-US" dirty="0"/>
+          </a:p>
+        </p:txBody>
+      </p:sp>
+      <p:sp>
+        <p:nvSpPr>
+          <p:cNvPr id="27" name="직사각형 26">
+            <a:extLst>
+              <a:ext uri="{FF2B5EF4-FFF2-40B4-BE49-F238E27FC236}">
+                <a16:creationId xmlns:a16="http://schemas.microsoft.com/office/drawing/2014/main" id="{C62757E9-A12D-8008-AFFF-9FA122AB0A1D}"/>
+              </a:ext>
+            </a:extLst>
+          </p:cNvPr>
+          <p:cNvSpPr/>
+          <p:nvPr/>
+        </p:nvSpPr>
+        <p:spPr>
+          <a:xfrm rot="20490163">
+            <a:off x="438717" y="6236866"/>
+            <a:ext cx="302030" cy="320863"/>
+          </a:xfrm>
+          <a:prstGeom prst="rect">
+            <a:avLst/>
+          </a:prstGeom>
+          <a:solidFill>
+            <a:schemeClr val="bg1">
+              <a:lumMod val="95000"/>
+            </a:schemeClr>
+          </a:solidFill>
+          <a:ln w="3175">
+            <a:noFill/>
+          </a:ln>
+        </p:spPr>
+        <p:style>
+          <a:lnRef idx="2">
+            <a:schemeClr val="accent1">
+              <a:shade val="50000"/>
+            </a:schemeClr>
+          </a:lnRef>
+          <a:fillRef idx="1">
+            <a:schemeClr val="accent1"/>
+          </a:fillRef>
+          <a:effectRef idx="0">
+            <a:schemeClr val="accent1"/>
+          </a:effectRef>
+          <a:fontRef idx="minor">
+            <a:schemeClr val="lt1"/>
+          </a:fontRef>
+        </p:style>
+        <p:txBody>
+          <a:bodyPr rtlCol="0" anchor="ctr"/>
+          <a:lstStyle/>
+          <a:p>
+            <a:pPr algn="ctr"/>
+            <a:endParaRPr lang="ko-KR" altLang="en-US" dirty="0"/>
+          </a:p>
+        </p:txBody>
+      </p:sp>
       <p:sp>
         <p:nvSpPr>
           <p:cNvPr id="4" name="직사각형 3"/>
@@ -8678,7 +8681,7 @@
                 <a:latin typeface="Sandoll 고딕 02 Medium" pitchFamily="34" charset="-127"/>
                 <a:ea typeface="Sandoll 고딕 02 Medium" pitchFamily="34" charset="-127"/>
               </a:rPr>
-              <a:t>1) </a:t>
+              <a:t>2) </a:t>
             </a:r>
             <a:r>
               <a:rPr lang="ko-KR" altLang="en-US" sz="1600" dirty="0">
@@ -8690,17 +8693,17 @@
                 <a:latin typeface="Sandoll 고딕 02 Medium" pitchFamily="34" charset="-127"/>
                 <a:ea typeface="Sandoll 고딕 02 Medium" pitchFamily="34" charset="-127"/>
               </a:rPr>
-              <a:t>차별 점</a:t>
-            </a:r>
-          </a:p>
-        </p:txBody>
-      </p:sp>
-      <p:sp>
-        <p:nvSpPr>
-          <p:cNvPr id="13" name="직사각형 12">
+              <a:t>기술적 요소</a:t>
+            </a:r>
+          </a:p>
+        </p:txBody>
+      </p:sp>
+      <p:sp>
+        <p:nvSpPr>
+          <p:cNvPr id="19" name="직사각형 18">
             <a:extLst>
               <a:ext uri="{FF2B5EF4-FFF2-40B4-BE49-F238E27FC236}">
-                <a16:creationId xmlns:a16="http://schemas.microsoft.com/office/drawing/2014/main" id="{1D5AB063-24F1-C1C4-9487-C9169B037399}"/>
+                <a16:creationId xmlns:a16="http://schemas.microsoft.com/office/drawing/2014/main" id="{5E5AD1A1-2882-E6A0-B6D9-1D8CEA367436}"/>
               </a:ext>
             </a:extLst>
           </p:cNvPr>
@@ -8709,8 +8712,8 @@
         </p:nvSpPr>
         <p:spPr>
           <a:xfrm rot="20490163">
-            <a:off x="918453" y="3547420"/>
-            <a:ext cx="382788" cy="421868"/>
+            <a:off x="399544" y="829588"/>
+            <a:ext cx="302030" cy="320863"/>
           </a:xfrm>
           <a:prstGeom prst="rect">
             <a:avLst/>
@@ -8751,118 +8754,10 @@
       </p:sp>
       <p:sp>
         <p:nvSpPr>
-          <p:cNvPr id="14" name="직사각형 13">
+          <p:cNvPr id="20" name="TextBox 19">
             <a:extLst>
               <a:ext uri="{FF2B5EF4-FFF2-40B4-BE49-F238E27FC236}">
-                <a16:creationId xmlns:a16="http://schemas.microsoft.com/office/drawing/2014/main" id="{E55F9845-A601-98CE-2862-EB8420853333}"/>
-              </a:ext>
-            </a:extLst>
-          </p:cNvPr>
-          <p:cNvSpPr/>
-          <p:nvPr/>
-        </p:nvSpPr>
-        <p:spPr>
-          <a:xfrm rot="20490163">
-            <a:off x="882942" y="4756874"/>
-            <a:ext cx="382788" cy="421868"/>
-          </a:xfrm>
-          <a:prstGeom prst="rect">
-            <a:avLst/>
-          </a:prstGeom>
-          <a:solidFill>
-            <a:schemeClr val="bg1">
-              <a:lumMod val="95000"/>
-            </a:schemeClr>
-          </a:solidFill>
-          <a:ln w="3175">
-            <a:noFill/>
-          </a:ln>
-        </p:spPr>
-        <p:style>
-          <a:lnRef idx="2">
-            <a:schemeClr val="accent1">
-              <a:shade val="50000"/>
-            </a:schemeClr>
-          </a:lnRef>
-          <a:fillRef idx="1">
-            <a:schemeClr val="accent1"/>
-          </a:fillRef>
-          <a:effectRef idx="0">
-            <a:schemeClr val="accent1"/>
-          </a:effectRef>
-          <a:fontRef idx="minor">
-            <a:schemeClr val="lt1"/>
-          </a:fontRef>
-        </p:style>
-        <p:txBody>
-          <a:bodyPr rtlCol="0" anchor="ctr"/>
-          <a:lstStyle/>
-          <a:p>
-            <a:pPr algn="ctr"/>
-            <a:endParaRPr lang="ko-KR" altLang="en-US" dirty="0"/>
-          </a:p>
-        </p:txBody>
-      </p:sp>
-      <p:sp>
-        <p:nvSpPr>
-          <p:cNvPr id="15" name="직사각형 14">
-            <a:extLst>
-              <a:ext uri="{FF2B5EF4-FFF2-40B4-BE49-F238E27FC236}">
-                <a16:creationId xmlns:a16="http://schemas.microsoft.com/office/drawing/2014/main" id="{6E07D91F-F350-0A72-7323-39DCC8A6FA89}"/>
-              </a:ext>
-            </a:extLst>
-          </p:cNvPr>
-          <p:cNvSpPr/>
-          <p:nvPr/>
-        </p:nvSpPr>
-        <p:spPr>
-          <a:xfrm rot="20490163">
-            <a:off x="918455" y="1866032"/>
-            <a:ext cx="382788" cy="421868"/>
-          </a:xfrm>
-          <a:prstGeom prst="rect">
-            <a:avLst/>
-          </a:prstGeom>
-          <a:solidFill>
-            <a:schemeClr val="bg1">
-              <a:lumMod val="95000"/>
-            </a:schemeClr>
-          </a:solidFill>
-          <a:ln w="3175">
-            <a:noFill/>
-          </a:ln>
-        </p:spPr>
-        <p:style>
-          <a:lnRef idx="2">
-            <a:schemeClr val="accent1">
-              <a:shade val="50000"/>
-            </a:schemeClr>
-          </a:lnRef>
-          <a:fillRef idx="1">
-            <a:schemeClr val="accent1"/>
-          </a:fillRef>
-          <a:effectRef idx="0">
-            <a:schemeClr val="accent1"/>
-          </a:effectRef>
-          <a:fontRef idx="minor">
-            <a:schemeClr val="lt1"/>
-          </a:fontRef>
-        </p:style>
-        <p:txBody>
-          <a:bodyPr rtlCol="0" anchor="ctr"/>
-          <a:lstStyle/>
-          <a:p>
-            <a:pPr algn="ctr"/>
-            <a:endParaRPr lang="ko-KR" altLang="en-US" dirty="0"/>
-          </a:p>
-        </p:txBody>
-      </p:sp>
-      <p:sp>
-        <p:nvSpPr>
-          <p:cNvPr id="16" name="TextBox 15">
-            <a:extLst>
-              <a:ext uri="{FF2B5EF4-FFF2-40B4-BE49-F238E27FC236}">
-                <a16:creationId xmlns:a16="http://schemas.microsoft.com/office/drawing/2014/main" id="{92214675-CD26-5EBA-9900-FD7626700D31}"/>
+                <a16:creationId xmlns:a16="http://schemas.microsoft.com/office/drawing/2014/main" id="{F41AF202-BC6D-8CE4-0407-56A9180CBA9F}"/>
               </a:ext>
             </a:extLst>
           </p:cNvPr>
@@ -8871,8 +8766,8 @@
         </p:nvSpPr>
         <p:spPr>
           <a:xfrm>
-            <a:off x="971600" y="1816206"/>
-            <a:ext cx="8061880" cy="3362780"/>
+            <a:off x="447999" y="799738"/>
+            <a:ext cx="8061880" cy="6058262"/>
           </a:xfrm>
           <a:prstGeom prst="rect">
             <a:avLst/>
@@ -8891,22 +8786,18 @@
               </a:lnSpc>
             </a:pPr>
             <a:r>
-              <a:rPr lang="en-US" altLang="ko-KR" dirty="0"/>
+              <a:rPr lang="en-US" altLang="ko-KR" sz="1200" b="1" dirty="0"/>
               <a:t>1  </a:t>
             </a:r>
             <a:r>
-              <a:rPr lang="ko-KR" altLang="en-US" dirty="0"/>
-              <a:t>감각을 빼앗는 것이 </a:t>
-            </a:r>
-            <a:r>
-              <a:rPr lang="ko-KR" altLang="en-US" b="1" dirty="0"/>
-              <a:t>게임 캐릭터의 능력치</a:t>
-            </a:r>
-            <a:r>
-              <a:rPr lang="ko-KR" altLang="en-US" dirty="0"/>
-              <a:t>에 영향을 주는 것이 아닌</a:t>
-            </a:r>
-            <a:endParaRPr lang="en-US" altLang="ko-KR" dirty="0"/>
+              <a:rPr lang="ko-KR" altLang="en-US" sz="1200" u="sng" dirty="0" err="1"/>
+              <a:t>스키닝</a:t>
+            </a:r>
+            <a:r>
+              <a:rPr lang="ko-KR" altLang="en-US" sz="1200" u="sng" dirty="0"/>
+              <a:t> 애니메이션</a:t>
+            </a:r>
+            <a:endParaRPr lang="en-US" altLang="ko-KR" sz="1200" u="sng" dirty="0"/>
           </a:p>
           <a:p>
             <a:pPr>
@@ -8915,29 +8806,100 @@
               </a:lnSpc>
             </a:pPr>
             <a:r>
-              <a:rPr lang="en-US" altLang="ko-KR" dirty="0"/>
+              <a:rPr lang="en-US" altLang="ko-KR" sz="1200" b="1" dirty="0">
+                <a:solidFill>
+                  <a:srgbClr val="000000"/>
+                </a:solidFill>
+                <a:ea typeface="맑은 고딕" panose="020B0503020000020004" pitchFamily="50" charset="-127"/>
+                <a:cs typeface="굴림" panose="020B0600000101010101" pitchFamily="50" charset="-127"/>
+              </a:rPr>
               <a:t>    </a:t>
             </a:r>
             <a:r>
-              <a:rPr lang="ko-KR" altLang="en-US" b="1" dirty="0"/>
-              <a:t>사용자</a:t>
-            </a:r>
-            <a:r>
-              <a:rPr lang="ko-KR" altLang="en-US" dirty="0"/>
-              <a:t>가 보고 듣고 느끼는 요소에 영향을 주어 </a:t>
-            </a:r>
-            <a:r>
-              <a:rPr lang="ko-KR" altLang="en-US" b="1" dirty="0"/>
-              <a:t>몰입감</a:t>
-            </a:r>
-            <a:r>
-              <a:rPr lang="ko-KR" altLang="en-US" dirty="0"/>
-              <a:t>을 준다</a:t>
-            </a:r>
-            <a:r>
-              <a:rPr lang="en-US" altLang="ko-KR" dirty="0"/>
-              <a:t>.</a:t>
-            </a:r>
+              <a:rPr lang="en-US" altLang="ko-KR" sz="1200" b="1" dirty="0">
+                <a:solidFill>
+                  <a:srgbClr val="000000"/>
+                </a:solidFill>
+                <a:effectLst/>
+                <a:ea typeface="맑은 고딕" panose="020B0503020000020004" pitchFamily="50" charset="-127"/>
+                <a:cs typeface="굴림" panose="020B0600000101010101" pitchFamily="50" charset="-127"/>
+              </a:rPr>
+              <a:t>Blender</a:t>
+            </a:r>
+            <a:r>
+              <a:rPr lang="ko-KR" altLang="ko-KR" sz="1200" dirty="0">
+                <a:solidFill>
+                  <a:srgbClr val="000000"/>
+                </a:solidFill>
+                <a:effectLst/>
+                <a:ea typeface="굴림" panose="020B0600000101010101" pitchFamily="50" charset="-127"/>
+                <a:cs typeface="굴림" panose="020B0600000101010101" pitchFamily="50" charset="-127"/>
+              </a:rPr>
+              <a:t>와 </a:t>
+            </a:r>
+            <a:r>
+              <a:rPr lang="en-US" altLang="ko-KR" sz="1200" b="1" dirty="0">
+                <a:solidFill>
+                  <a:srgbClr val="000000"/>
+                </a:solidFill>
+                <a:effectLst/>
+                <a:ea typeface="굴림" panose="020B0600000101010101" pitchFamily="50" charset="-127"/>
+                <a:cs typeface="굴림" panose="020B0600000101010101" pitchFamily="50" charset="-127"/>
+              </a:rPr>
+              <a:t>Unity 3D</a:t>
+            </a:r>
+            <a:r>
+              <a:rPr lang="ko-KR" altLang="ko-KR" sz="1200" dirty="0">
+                <a:solidFill>
+                  <a:srgbClr val="000000"/>
+                </a:solidFill>
+                <a:effectLst/>
+                <a:ea typeface="굴림" panose="020B0600000101010101" pitchFamily="50" charset="-127"/>
+                <a:cs typeface="굴림" panose="020B0600000101010101" pitchFamily="50" charset="-127"/>
+              </a:rPr>
+              <a:t>를 이용하여 </a:t>
+            </a:r>
+            <a:r>
+              <a:rPr lang="ko-KR" altLang="ko-KR" sz="1200" b="1" dirty="0" err="1">
+                <a:solidFill>
+                  <a:srgbClr val="000000"/>
+                </a:solidFill>
+                <a:effectLst/>
+                <a:ea typeface="굴림" panose="020B0600000101010101" pitchFamily="50" charset="-127"/>
+                <a:cs typeface="굴림" panose="020B0600000101010101" pitchFamily="50" charset="-127"/>
+              </a:rPr>
+              <a:t>스키닝</a:t>
+            </a:r>
+            <a:r>
+              <a:rPr lang="ko-KR" altLang="ko-KR" sz="1200" b="1" dirty="0">
+                <a:solidFill>
+                  <a:srgbClr val="000000"/>
+                </a:solidFill>
+                <a:effectLst/>
+                <a:ea typeface="굴림" panose="020B0600000101010101" pitchFamily="50" charset="-127"/>
+                <a:cs typeface="굴림" panose="020B0600000101010101" pitchFamily="50" charset="-127"/>
+              </a:rPr>
+              <a:t> 애니메이션</a:t>
+            </a:r>
+            <a:r>
+              <a:rPr lang="ko-KR" altLang="ko-KR" sz="1200" dirty="0">
+                <a:solidFill>
+                  <a:srgbClr val="000000"/>
+                </a:solidFill>
+                <a:effectLst/>
+                <a:ea typeface="굴림" panose="020B0600000101010101" pitchFamily="50" charset="-127"/>
+                <a:cs typeface="굴림" panose="020B0600000101010101" pitchFamily="50" charset="-127"/>
+              </a:rPr>
+              <a:t>을 받아와 캐릭터와 몬스터의 애니메이션 구현</a:t>
+            </a:r>
+            <a:endParaRPr lang="en-US" altLang="ko-KR" sz="1200" dirty="0">
+              <a:solidFill>
+                <a:srgbClr val="000000"/>
+              </a:solidFill>
+              <a:effectLst/>
+              <a:ea typeface="굴림" panose="020B0600000101010101" pitchFamily="50" charset="-127"/>
+              <a:cs typeface="굴림" panose="020B0600000101010101" pitchFamily="50" charset="-127"/>
+            </a:endParaRPr>
           </a:p>
           <a:p>
             <a:pPr>
@@ -8945,7 +8907,7 @@
                 <a:spcPct val="150000"/>
               </a:lnSpc>
             </a:pPr>
-            <a:endParaRPr lang="en-US" altLang="ko-KR" dirty="0"/>
+            <a:endParaRPr lang="en-US" altLang="ko-KR" sz="800" dirty="0"/>
           </a:p>
           <a:p>
             <a:pPr>
@@ -8953,7 +8915,15 @@
                 <a:spcPct val="150000"/>
               </a:lnSpc>
             </a:pPr>
-            <a:endParaRPr lang="en-US" altLang="ko-KR" dirty="0"/>
+            <a:r>
+              <a:rPr lang="en-US" altLang="ko-KR" sz="1200" b="1" dirty="0"/>
+              <a:t>2  </a:t>
+            </a:r>
+            <a:r>
+              <a:rPr lang="ko-KR" altLang="en-US" sz="1200" u="sng" dirty="0" err="1"/>
+              <a:t>블러링</a:t>
+            </a:r>
+            <a:endParaRPr lang="en-US" altLang="ko-KR" sz="1200" u="sng" dirty="0"/>
           </a:p>
           <a:p>
             <a:pPr>
@@ -8962,22 +8932,22 @@
               </a:lnSpc>
             </a:pPr>
             <a:r>
-              <a:rPr lang="en-US" altLang="ko-KR" dirty="0"/>
-              <a:t>2  </a:t>
-            </a:r>
-            <a:r>
-              <a:rPr lang="ko-KR" altLang="en-US" dirty="0"/>
-              <a:t>스테이지 마다 </a:t>
-            </a:r>
-            <a:r>
-              <a:rPr lang="en-US" altLang="ko-KR" b="1" dirty="0"/>
-              <a:t>Cut-Scene</a:t>
-            </a:r>
-            <a:r>
-              <a:rPr lang="ko-KR" altLang="en-US" dirty="0"/>
-              <a:t>을 삽입</a:t>
-            </a:r>
-            <a:endParaRPr lang="en-US" altLang="ko-KR" dirty="0"/>
+              <a:rPr lang="en-US" altLang="ko-KR" sz="1200" b="1" dirty="0"/>
+              <a:t>    DirectX12</a:t>
+            </a:r>
+            <a:r>
+              <a:rPr lang="ko-KR" altLang="en-US" sz="1200" dirty="0"/>
+              <a:t>를 이용해 </a:t>
+            </a:r>
+            <a:r>
+              <a:rPr lang="ko-KR" altLang="en-US" sz="1200" b="1" dirty="0"/>
+              <a:t>안개 효과</a:t>
+            </a:r>
+            <a:r>
+              <a:rPr lang="ko-KR" altLang="en-US" sz="1200" dirty="0"/>
+              <a:t>를 주어 좁아지는 시야를 표현</a:t>
+            </a:r>
+            <a:endParaRPr lang="en-US" altLang="ko-KR" sz="1200" dirty="0"/>
           </a:p>
           <a:p>
             <a:pPr>
@@ -8985,7 +8955,7 @@
                 <a:spcPct val="150000"/>
               </a:lnSpc>
             </a:pPr>
-            <a:endParaRPr lang="en-US" altLang="ko-KR" dirty="0"/>
+            <a:endParaRPr lang="en-US" altLang="ko-KR" sz="800" dirty="0"/>
           </a:p>
           <a:p>
             <a:pPr>
@@ -8993,7 +8963,15 @@
                 <a:spcPct val="150000"/>
               </a:lnSpc>
             </a:pPr>
-            <a:endParaRPr lang="en-US" altLang="ko-KR" dirty="0"/>
+            <a:r>
+              <a:rPr lang="en-US" altLang="ko-KR" sz="1200" b="1" dirty="0"/>
+              <a:t>3  </a:t>
+            </a:r>
+            <a:r>
+              <a:rPr lang="ko-KR" altLang="en-US" sz="1200" u="sng" dirty="0"/>
+              <a:t>멀티 플레이</a:t>
+            </a:r>
+            <a:endParaRPr lang="en-US" altLang="ko-KR" sz="1200" u="sng" dirty="0"/>
           </a:p>
           <a:p>
             <a:pPr>
@@ -9002,37 +8980,327 @@
               </a:lnSpc>
             </a:pPr>
             <a:r>
-              <a:rPr lang="en-US" altLang="ko-KR" dirty="0"/>
-              <a:t>3  </a:t>
-            </a:r>
-            <a:r>
-              <a:rPr lang="en-US" altLang="ko-KR" b="1" dirty="0" err="1"/>
+              <a:rPr lang="en-US" altLang="ko-KR" sz="1200" b="1" dirty="0"/>
+              <a:t>    IOCP </a:t>
+            </a:r>
+            <a:r>
+              <a:rPr lang="ko-KR" altLang="en-US" sz="1200" b="1" dirty="0"/>
+              <a:t>서버</a:t>
+            </a:r>
+            <a:r>
+              <a:rPr lang="ko-KR" altLang="en-US" sz="1200" dirty="0"/>
+              <a:t>를 이용해 멀티 플레이 구현</a:t>
+            </a:r>
+            <a:endParaRPr lang="en-US" altLang="ko-KR" sz="1200" dirty="0"/>
+          </a:p>
+          <a:p>
+            <a:pPr>
+              <a:lnSpc>
+                <a:spcPct val="150000"/>
+              </a:lnSpc>
+            </a:pPr>
+            <a:endParaRPr lang="en-US" altLang="ko-KR" sz="800" dirty="0"/>
+          </a:p>
+          <a:p>
+            <a:pPr>
+              <a:lnSpc>
+                <a:spcPct val="150000"/>
+              </a:lnSpc>
+            </a:pPr>
+            <a:r>
+              <a:rPr lang="en-US" altLang="ko-KR" sz="1200" b="1" dirty="0"/>
+              <a:t>4  </a:t>
+            </a:r>
+            <a:r>
+              <a:rPr lang="ko-KR" altLang="en-US" sz="1200" u="sng" dirty="0"/>
+              <a:t>컴포넌트 구조 디자인 패턴</a:t>
+            </a:r>
+            <a:endParaRPr lang="en-US" altLang="ko-KR" sz="1200" u="sng" dirty="0"/>
+          </a:p>
+          <a:p>
+            <a:pPr>
+              <a:lnSpc>
+                <a:spcPct val="150000"/>
+              </a:lnSpc>
+            </a:pPr>
+            <a:r>
+              <a:rPr lang="ko-KR" altLang="en-US" sz="1200" b="1" dirty="0"/>
+              <a:t>    컴포넌트 기반</a:t>
+            </a:r>
+            <a:r>
+              <a:rPr lang="ko-KR" altLang="en-US" sz="1200" dirty="0"/>
+              <a:t>의 </a:t>
+            </a:r>
+            <a:r>
+              <a:rPr lang="ko-KR" altLang="en-US" sz="1200" b="1" dirty="0"/>
+              <a:t>프레임워크</a:t>
+            </a:r>
+            <a:r>
+              <a:rPr lang="ko-KR" altLang="en-US" sz="1200" dirty="0"/>
+              <a:t>를 개발하여 코드의 </a:t>
+            </a:r>
+            <a:r>
+              <a:rPr lang="ko-KR" altLang="en-US" sz="1200" b="1" dirty="0"/>
+              <a:t>가독성</a:t>
+            </a:r>
+            <a:r>
+              <a:rPr lang="ko-KR" altLang="en-US" sz="1200" dirty="0"/>
+              <a:t>이 좋아지고 </a:t>
+            </a:r>
+            <a:r>
+              <a:rPr lang="ko-KR" altLang="en-US" sz="1200" b="1" dirty="0"/>
+              <a:t>버그</a:t>
+            </a:r>
+            <a:r>
+              <a:rPr lang="ko-KR" altLang="en-US" sz="1200" dirty="0"/>
+              <a:t>를 처리하기 쉬우며</a:t>
+            </a:r>
+            <a:endParaRPr lang="en-US" altLang="ko-KR" sz="1200" dirty="0"/>
+          </a:p>
+          <a:p>
+            <a:pPr>
+              <a:lnSpc>
+                <a:spcPct val="150000"/>
+              </a:lnSpc>
+            </a:pPr>
+            <a:r>
+              <a:rPr lang="ko-KR" altLang="en-US" sz="1200" b="1" dirty="0"/>
+              <a:t>    재활용</a:t>
+            </a:r>
+            <a:r>
+              <a:rPr lang="ko-KR" altLang="en-US" sz="1200" dirty="0"/>
+              <a:t>이 간편해서 </a:t>
+            </a:r>
+            <a:r>
+              <a:rPr lang="ko-KR" altLang="en-US" sz="1200" b="1" dirty="0"/>
+              <a:t>게임 개발 속도</a:t>
+            </a:r>
+            <a:r>
+              <a:rPr lang="ko-KR" altLang="en-US" sz="1200" dirty="0"/>
+              <a:t>에 영향을 준다</a:t>
+            </a:r>
+            <a:r>
+              <a:rPr lang="en-US" altLang="ko-KR" sz="1200" dirty="0"/>
+              <a:t>.</a:t>
+            </a:r>
+          </a:p>
+          <a:p>
+            <a:pPr>
+              <a:lnSpc>
+                <a:spcPct val="150000"/>
+              </a:lnSpc>
+            </a:pPr>
+            <a:endParaRPr lang="en-US" altLang="ko-KR" sz="800" dirty="0"/>
+          </a:p>
+          <a:p>
+            <a:pPr>
+              <a:lnSpc>
+                <a:spcPct val="150000"/>
+              </a:lnSpc>
+            </a:pPr>
+            <a:r>
+              <a:rPr lang="en-US" altLang="ko-KR" sz="1200" b="1" dirty="0"/>
+              <a:t>5  </a:t>
+            </a:r>
+            <a:r>
+              <a:rPr lang="ko-KR" altLang="en-US" sz="1200" u="sng" dirty="0"/>
+              <a:t>이펙트</a:t>
+            </a:r>
+            <a:endParaRPr lang="en-US" altLang="ko-KR" sz="1200" u="sng" dirty="0"/>
+          </a:p>
+          <a:p>
+            <a:pPr>
+              <a:lnSpc>
+                <a:spcPct val="150000"/>
+              </a:lnSpc>
+            </a:pPr>
+            <a:r>
+              <a:rPr lang="en-US" altLang="ko-KR" sz="1200" b="1" dirty="0"/>
+              <a:t>    DirectX12</a:t>
+            </a:r>
+            <a:r>
+              <a:rPr lang="ko-KR" altLang="en-US" sz="1200" dirty="0"/>
+              <a:t>로 </a:t>
+            </a:r>
+            <a:r>
+              <a:rPr lang="ko-KR" altLang="en-US" sz="1200" b="1" dirty="0"/>
+              <a:t>빌보드 </a:t>
+            </a:r>
+            <a:r>
+              <a:rPr lang="ko-KR" altLang="en-US" sz="1200" dirty="0" err="1"/>
+              <a:t>텍스쳐를</a:t>
+            </a:r>
+            <a:r>
+              <a:rPr lang="ko-KR" altLang="en-US" sz="1200" dirty="0"/>
+              <a:t> 이용한 이펙트 구현</a:t>
+            </a:r>
+            <a:endParaRPr lang="en-US" altLang="ko-KR" sz="1200" dirty="0"/>
+          </a:p>
+          <a:p>
+            <a:pPr>
+              <a:lnSpc>
+                <a:spcPct val="150000"/>
+              </a:lnSpc>
+            </a:pPr>
+            <a:endParaRPr lang="en-US" altLang="ko-KR" sz="800" dirty="0"/>
+          </a:p>
+          <a:p>
+            <a:pPr>
+              <a:lnSpc>
+                <a:spcPct val="150000"/>
+              </a:lnSpc>
+            </a:pPr>
+            <a:r>
+              <a:rPr lang="en-US" altLang="ko-KR" sz="1200" b="1" dirty="0"/>
+              <a:t>6  </a:t>
+            </a:r>
+            <a:r>
+              <a:rPr lang="ko-KR" altLang="en-US" sz="1200" u="sng" dirty="0" err="1"/>
+              <a:t>컷신</a:t>
+            </a:r>
+            <a:endParaRPr lang="en-US" altLang="ko-KR" sz="1200" u="sng" dirty="0"/>
+          </a:p>
+          <a:p>
+            <a:pPr>
+              <a:lnSpc>
+                <a:spcPct val="150000"/>
+              </a:lnSpc>
+            </a:pPr>
+            <a:r>
+              <a:rPr lang="ko-KR" altLang="en-US" sz="1200" b="1" dirty="0"/>
+              <a:t>    카메라</a:t>
+            </a:r>
+            <a:r>
+              <a:rPr lang="ko-KR" altLang="en-US" sz="1200" dirty="0"/>
+              <a:t>의 움직임과 객체의 애니메이션으로 게임 속 </a:t>
+            </a:r>
+            <a:r>
+              <a:rPr lang="ko-KR" altLang="en-US" sz="1200" b="1" dirty="0"/>
+              <a:t>영상 효과</a:t>
+            </a:r>
+            <a:r>
+              <a:rPr lang="ko-KR" altLang="en-US" sz="1200" dirty="0"/>
+              <a:t>구현</a:t>
+            </a:r>
+            <a:endParaRPr lang="en-US" altLang="ko-KR" sz="1200" dirty="0"/>
+          </a:p>
+          <a:p>
+            <a:pPr>
+              <a:lnSpc>
+                <a:spcPct val="150000"/>
+              </a:lnSpc>
+            </a:pPr>
+            <a:endParaRPr lang="en-US" altLang="ko-KR" sz="800" dirty="0"/>
+          </a:p>
+          <a:p>
+            <a:pPr>
+              <a:lnSpc>
+                <a:spcPct val="150000"/>
+              </a:lnSpc>
+            </a:pPr>
+            <a:r>
+              <a:rPr lang="en-US" altLang="ko-KR" sz="1200" b="1" dirty="0"/>
+              <a:t>7  </a:t>
+            </a:r>
+            <a:r>
+              <a:rPr lang="ko-KR" altLang="en-US" sz="1200" u="sng" dirty="0"/>
+              <a:t>음성 채팅</a:t>
+            </a:r>
+            <a:endParaRPr lang="en-US" altLang="ko-KR" sz="1200" u="sng" dirty="0"/>
+          </a:p>
+          <a:p>
+            <a:pPr>
+              <a:lnSpc>
+                <a:spcPct val="150000"/>
+              </a:lnSpc>
+            </a:pPr>
+            <a:r>
+              <a:rPr lang="en-US" altLang="ko-KR" sz="1200" b="1" dirty="0"/>
+              <a:t>    </a:t>
+            </a:r>
+            <a:r>
+              <a:rPr lang="en-US" altLang="ko-KR" sz="1200" b="1" dirty="0" err="1"/>
               <a:t>Vivox</a:t>
             </a:r>
             <a:r>
-              <a:rPr lang="en-US" altLang="ko-KR" b="1" dirty="0"/>
+              <a:rPr lang="ko-KR" altLang="en-US" sz="1200" dirty="0"/>
+              <a:t>를 활용한 음성 채팅으로 플레이어 간의 의사소통이 </a:t>
+            </a:r>
+            <a:r>
+              <a:rPr lang="ko-KR" altLang="en-US" sz="1200" dirty="0" err="1"/>
+              <a:t>원활해진다</a:t>
+            </a:r>
+            <a:endParaRPr lang="en-US" altLang="ko-KR" sz="1200" dirty="0"/>
+          </a:p>
+          <a:p>
+            <a:pPr>
+              <a:lnSpc>
+                <a:spcPct val="150000"/>
+              </a:lnSpc>
+            </a:pPr>
+            <a:endParaRPr lang="en-US" altLang="ko-KR" sz="800" dirty="0"/>
+          </a:p>
+          <a:p>
+            <a:pPr>
+              <a:lnSpc>
+                <a:spcPct val="150000"/>
+              </a:lnSpc>
+            </a:pPr>
+            <a:r>
+              <a:rPr lang="en-US" altLang="ko-KR" sz="1200" b="1" dirty="0"/>
+              <a:t>8  </a:t>
+            </a:r>
+            <a:r>
+              <a:rPr lang="ko-KR" altLang="en-US" sz="1200" u="sng" dirty="0" err="1"/>
+              <a:t>카툰</a:t>
+            </a:r>
+            <a:r>
+              <a:rPr lang="ko-KR" altLang="en-US" sz="1200" u="sng" dirty="0"/>
               <a:t> </a:t>
             </a:r>
             <a:r>
-              <a:rPr lang="ko-KR" altLang="en-US" dirty="0"/>
-              <a:t>를 이용한 거리에 따른 </a:t>
-            </a:r>
-            <a:r>
-              <a:rPr lang="en-US" altLang="ko-KR" b="1" dirty="0"/>
-              <a:t>3D </a:t>
-            </a:r>
-            <a:r>
-              <a:rPr lang="ko-KR" altLang="en-US" b="1" dirty="0"/>
-              <a:t>음성 채팅</a:t>
-            </a:r>
-            <a:endParaRPr lang="en-US" altLang="ko-KR" b="1" dirty="0"/>
+              <a:rPr lang="ko-KR" altLang="en-US" sz="1200" u="sng" dirty="0" err="1"/>
+              <a:t>쉐이딩</a:t>
+            </a:r>
+            <a:endParaRPr lang="en-US" altLang="ko-KR" sz="1200" u="sng" dirty="0"/>
+          </a:p>
+          <a:p>
+            <a:pPr>
+              <a:lnSpc>
+                <a:spcPct val="150000"/>
+              </a:lnSpc>
+            </a:pPr>
+            <a:r>
+              <a:rPr lang="ko-KR" altLang="en-US" sz="1200" b="1" dirty="0"/>
+              <a:t>    </a:t>
+            </a:r>
+            <a:r>
+              <a:rPr lang="ko-KR" altLang="en-US" sz="1200" b="1" dirty="0" err="1"/>
+              <a:t>카툰</a:t>
+            </a:r>
+            <a:r>
+              <a:rPr lang="ko-KR" altLang="en-US" sz="1200" b="1" dirty="0"/>
+              <a:t> 렌더링</a:t>
+            </a:r>
+            <a:r>
+              <a:rPr lang="ko-KR" altLang="en-US" sz="1200" dirty="0"/>
+              <a:t>을 활용해 거부감 없고 포근한 느낌의 </a:t>
+            </a:r>
+            <a:r>
+              <a:rPr lang="en-US" altLang="ko-KR" sz="1200" dirty="0"/>
+              <a:t>3D</a:t>
+            </a:r>
+            <a:r>
+              <a:rPr lang="ko-KR" altLang="en-US" sz="1200" dirty="0"/>
+              <a:t>게임 구현</a:t>
+            </a:r>
           </a:p>
         </p:txBody>
       </p:sp>
     </p:spTree>
     <p:extLst>
       <p:ext uri="{BB962C8B-B14F-4D97-AF65-F5344CB8AC3E}">
-        <p14:creationId xmlns:p14="http://schemas.microsoft.com/office/powerpoint/2010/main" val="3338063109"/>
+        <p14:creationId xmlns:p14="http://schemas.microsoft.com/office/powerpoint/2010/main" val="400805153"/>
       </p:ext>
     </p:extLst>
   </p:cSld>
@@ -9042,7 +9310,7 @@
 </p:sld>
 </file>
 
-<file path=ppt/slides/slide17.xml><?xml version="1.0" encoding="utf-8"?>
+<file path=ppt/slides/slide16.xml><?xml version="1.0" encoding="utf-8"?>
 <p:sld xmlns:a="http://schemas.openxmlformats.org/drawingml/2006/main" xmlns:r="http://schemas.openxmlformats.org/officeDocument/2006/relationships" xmlns:p="http://schemas.openxmlformats.org/presentationml/2006/main">
   <p:cSld>
     <p:spTree>
@@ -9059,384 +9327,6 @@
           <a:chExt cx="0" cy="0"/>
         </a:xfrm>
       </p:grpSpPr>
-      <p:sp>
-        <p:nvSpPr>
-          <p:cNvPr id="21" name="직사각형 20">
-            <a:extLst>
-              <a:ext uri="{FF2B5EF4-FFF2-40B4-BE49-F238E27FC236}">
-                <a16:creationId xmlns:a16="http://schemas.microsoft.com/office/drawing/2014/main" id="{4F000E13-DDC9-3C39-CBCB-7C8532148B73}"/>
-              </a:ext>
-            </a:extLst>
-          </p:cNvPr>
-          <p:cNvSpPr/>
-          <p:nvPr/>
-        </p:nvSpPr>
-        <p:spPr>
-          <a:xfrm rot="20490163">
-            <a:off x="399544" y="1558957"/>
-            <a:ext cx="302030" cy="320863"/>
-          </a:xfrm>
-          <a:prstGeom prst="rect">
-            <a:avLst/>
-          </a:prstGeom>
-          <a:solidFill>
-            <a:schemeClr val="bg1">
-              <a:lumMod val="95000"/>
-            </a:schemeClr>
-          </a:solidFill>
-          <a:ln w="3175">
-            <a:noFill/>
-          </a:ln>
-        </p:spPr>
-        <p:style>
-          <a:lnRef idx="2">
-            <a:schemeClr val="accent1">
-              <a:shade val="50000"/>
-            </a:schemeClr>
-          </a:lnRef>
-          <a:fillRef idx="1">
-            <a:schemeClr val="accent1"/>
-          </a:fillRef>
-          <a:effectRef idx="0">
-            <a:schemeClr val="accent1"/>
-          </a:effectRef>
-          <a:fontRef idx="minor">
-            <a:schemeClr val="lt1"/>
-          </a:fontRef>
-        </p:style>
-        <p:txBody>
-          <a:bodyPr rtlCol="0" anchor="ctr"/>
-          <a:lstStyle/>
-          <a:p>
-            <a:pPr algn="ctr"/>
-            <a:endParaRPr lang="ko-KR" altLang="en-US" dirty="0"/>
-          </a:p>
-        </p:txBody>
-      </p:sp>
-      <p:sp>
-        <p:nvSpPr>
-          <p:cNvPr id="22" name="직사각형 21">
-            <a:extLst>
-              <a:ext uri="{FF2B5EF4-FFF2-40B4-BE49-F238E27FC236}">
-                <a16:creationId xmlns:a16="http://schemas.microsoft.com/office/drawing/2014/main" id="{BB26AD94-1BC2-4747-0EDB-51BD2D1CCEBC}"/>
-              </a:ext>
-            </a:extLst>
-          </p:cNvPr>
-          <p:cNvSpPr/>
-          <p:nvPr/>
-        </p:nvSpPr>
-        <p:spPr>
-          <a:xfrm rot="20490163">
-            <a:off x="413689" y="2298100"/>
-            <a:ext cx="302030" cy="320863"/>
-          </a:xfrm>
-          <a:prstGeom prst="rect">
-            <a:avLst/>
-          </a:prstGeom>
-          <a:solidFill>
-            <a:schemeClr val="bg1">
-              <a:lumMod val="95000"/>
-            </a:schemeClr>
-          </a:solidFill>
-          <a:ln w="3175">
-            <a:noFill/>
-          </a:ln>
-        </p:spPr>
-        <p:style>
-          <a:lnRef idx="2">
-            <a:schemeClr val="accent1">
-              <a:shade val="50000"/>
-            </a:schemeClr>
-          </a:lnRef>
-          <a:fillRef idx="1">
-            <a:schemeClr val="accent1"/>
-          </a:fillRef>
-          <a:effectRef idx="0">
-            <a:schemeClr val="accent1"/>
-          </a:effectRef>
-          <a:fontRef idx="minor">
-            <a:schemeClr val="lt1"/>
-          </a:fontRef>
-        </p:style>
-        <p:txBody>
-          <a:bodyPr rtlCol="0" anchor="ctr"/>
-          <a:lstStyle/>
-          <a:p>
-            <a:pPr algn="ctr"/>
-            <a:endParaRPr lang="ko-KR" altLang="en-US" dirty="0"/>
-          </a:p>
-        </p:txBody>
-      </p:sp>
-      <p:sp>
-        <p:nvSpPr>
-          <p:cNvPr id="23" name="직사각형 22">
-            <a:extLst>
-              <a:ext uri="{FF2B5EF4-FFF2-40B4-BE49-F238E27FC236}">
-                <a16:creationId xmlns:a16="http://schemas.microsoft.com/office/drawing/2014/main" id="{9DD3562B-60EF-9EFC-7190-CA2FD471857C}"/>
-              </a:ext>
-            </a:extLst>
-          </p:cNvPr>
-          <p:cNvSpPr/>
-          <p:nvPr/>
-        </p:nvSpPr>
-        <p:spPr>
-          <a:xfrm rot="20490163">
-            <a:off x="413688" y="3012205"/>
-            <a:ext cx="302030" cy="320863"/>
-          </a:xfrm>
-          <a:prstGeom prst="rect">
-            <a:avLst/>
-          </a:prstGeom>
-          <a:solidFill>
-            <a:schemeClr val="bg1">
-              <a:lumMod val="95000"/>
-            </a:schemeClr>
-          </a:solidFill>
-          <a:ln w="3175">
-            <a:noFill/>
-          </a:ln>
-        </p:spPr>
-        <p:style>
-          <a:lnRef idx="2">
-            <a:schemeClr val="accent1">
-              <a:shade val="50000"/>
-            </a:schemeClr>
-          </a:lnRef>
-          <a:fillRef idx="1">
-            <a:schemeClr val="accent1"/>
-          </a:fillRef>
-          <a:effectRef idx="0">
-            <a:schemeClr val="accent1"/>
-          </a:effectRef>
-          <a:fontRef idx="minor">
-            <a:schemeClr val="lt1"/>
-          </a:fontRef>
-        </p:style>
-        <p:txBody>
-          <a:bodyPr rtlCol="0" anchor="ctr"/>
-          <a:lstStyle/>
-          <a:p>
-            <a:pPr algn="ctr"/>
-            <a:endParaRPr lang="ko-KR" altLang="en-US" dirty="0"/>
-          </a:p>
-        </p:txBody>
-      </p:sp>
-      <p:sp>
-        <p:nvSpPr>
-          <p:cNvPr id="24" name="직사각형 23">
-            <a:extLst>
-              <a:ext uri="{FF2B5EF4-FFF2-40B4-BE49-F238E27FC236}">
-                <a16:creationId xmlns:a16="http://schemas.microsoft.com/office/drawing/2014/main" id="{BB2AA921-47F9-9FFE-C08F-2E3ECBE51E0B}"/>
-              </a:ext>
-            </a:extLst>
-          </p:cNvPr>
-          <p:cNvSpPr/>
-          <p:nvPr/>
-        </p:nvSpPr>
-        <p:spPr>
-          <a:xfrm rot="20490163">
-            <a:off x="386169" y="4038983"/>
-            <a:ext cx="302030" cy="320863"/>
-          </a:xfrm>
-          <a:prstGeom prst="rect">
-            <a:avLst/>
-          </a:prstGeom>
-          <a:solidFill>
-            <a:schemeClr val="bg1">
-              <a:lumMod val="95000"/>
-            </a:schemeClr>
-          </a:solidFill>
-          <a:ln w="3175">
-            <a:noFill/>
-          </a:ln>
-        </p:spPr>
-        <p:style>
-          <a:lnRef idx="2">
-            <a:schemeClr val="accent1">
-              <a:shade val="50000"/>
-            </a:schemeClr>
-          </a:lnRef>
-          <a:fillRef idx="1">
-            <a:schemeClr val="accent1"/>
-          </a:fillRef>
-          <a:effectRef idx="0">
-            <a:schemeClr val="accent1"/>
-          </a:effectRef>
-          <a:fontRef idx="minor">
-            <a:schemeClr val="lt1"/>
-          </a:fontRef>
-        </p:style>
-        <p:txBody>
-          <a:bodyPr rtlCol="0" anchor="ctr"/>
-          <a:lstStyle/>
-          <a:p>
-            <a:pPr algn="ctr"/>
-            <a:endParaRPr lang="ko-KR" altLang="en-US" dirty="0"/>
-          </a:p>
-        </p:txBody>
-      </p:sp>
-      <p:sp>
-        <p:nvSpPr>
-          <p:cNvPr id="25" name="직사각형 24">
-            <a:extLst>
-              <a:ext uri="{FF2B5EF4-FFF2-40B4-BE49-F238E27FC236}">
-                <a16:creationId xmlns:a16="http://schemas.microsoft.com/office/drawing/2014/main" id="{8468E4A5-77F0-A9BD-A7BD-CA1E4EC12930}"/>
-              </a:ext>
-            </a:extLst>
-          </p:cNvPr>
-          <p:cNvSpPr/>
-          <p:nvPr/>
-        </p:nvSpPr>
-        <p:spPr>
-          <a:xfrm rot="20490163">
-            <a:off x="413689" y="4753088"/>
-            <a:ext cx="302030" cy="320863"/>
-          </a:xfrm>
-          <a:prstGeom prst="rect">
-            <a:avLst/>
-          </a:prstGeom>
-          <a:solidFill>
-            <a:schemeClr val="bg1">
-              <a:lumMod val="95000"/>
-            </a:schemeClr>
-          </a:solidFill>
-          <a:ln w="3175">
-            <a:noFill/>
-          </a:ln>
-        </p:spPr>
-        <p:style>
-          <a:lnRef idx="2">
-            <a:schemeClr val="accent1">
-              <a:shade val="50000"/>
-            </a:schemeClr>
-          </a:lnRef>
-          <a:fillRef idx="1">
-            <a:schemeClr val="accent1"/>
-          </a:fillRef>
-          <a:effectRef idx="0">
-            <a:schemeClr val="accent1"/>
-          </a:effectRef>
-          <a:fontRef idx="minor">
-            <a:schemeClr val="lt1"/>
-          </a:fontRef>
-        </p:style>
-        <p:txBody>
-          <a:bodyPr rtlCol="0" anchor="ctr"/>
-          <a:lstStyle/>
-          <a:p>
-            <a:pPr algn="ctr"/>
-            <a:endParaRPr lang="ko-KR" altLang="en-US" dirty="0"/>
-          </a:p>
-        </p:txBody>
-      </p:sp>
-      <p:sp>
-        <p:nvSpPr>
-          <p:cNvPr id="26" name="직사각형 25">
-            <a:extLst>
-              <a:ext uri="{FF2B5EF4-FFF2-40B4-BE49-F238E27FC236}">
-                <a16:creationId xmlns:a16="http://schemas.microsoft.com/office/drawing/2014/main" id="{B186FBEB-BB67-7481-5BBD-01CDD8F1F3FF}"/>
-              </a:ext>
-            </a:extLst>
-          </p:cNvPr>
-          <p:cNvSpPr/>
-          <p:nvPr/>
-        </p:nvSpPr>
-        <p:spPr>
-          <a:xfrm rot="20490163">
-            <a:off x="413689" y="5461628"/>
-            <a:ext cx="302030" cy="320863"/>
-          </a:xfrm>
-          <a:prstGeom prst="rect">
-            <a:avLst/>
-          </a:prstGeom>
-          <a:solidFill>
-            <a:schemeClr val="bg1">
-              <a:lumMod val="95000"/>
-            </a:schemeClr>
-          </a:solidFill>
-          <a:ln w="3175">
-            <a:noFill/>
-          </a:ln>
-        </p:spPr>
-        <p:style>
-          <a:lnRef idx="2">
-            <a:schemeClr val="accent1">
-              <a:shade val="50000"/>
-            </a:schemeClr>
-          </a:lnRef>
-          <a:fillRef idx="1">
-            <a:schemeClr val="accent1"/>
-          </a:fillRef>
-          <a:effectRef idx="0">
-            <a:schemeClr val="accent1"/>
-          </a:effectRef>
-          <a:fontRef idx="minor">
-            <a:schemeClr val="lt1"/>
-          </a:fontRef>
-        </p:style>
-        <p:txBody>
-          <a:bodyPr rtlCol="0" anchor="ctr"/>
-          <a:lstStyle/>
-          <a:p>
-            <a:pPr algn="ctr"/>
-            <a:endParaRPr lang="ko-KR" altLang="en-US" dirty="0"/>
-          </a:p>
-        </p:txBody>
-      </p:sp>
-      <p:sp>
-        <p:nvSpPr>
-          <p:cNvPr id="27" name="직사각형 26">
-            <a:extLst>
-              <a:ext uri="{FF2B5EF4-FFF2-40B4-BE49-F238E27FC236}">
-                <a16:creationId xmlns:a16="http://schemas.microsoft.com/office/drawing/2014/main" id="{C62757E9-A12D-8008-AFFF-9FA122AB0A1D}"/>
-              </a:ext>
-            </a:extLst>
-          </p:cNvPr>
-          <p:cNvSpPr/>
-          <p:nvPr/>
-        </p:nvSpPr>
-        <p:spPr>
-          <a:xfrm rot="20490163">
-            <a:off x="438717" y="6236866"/>
-            <a:ext cx="302030" cy="320863"/>
-          </a:xfrm>
-          <a:prstGeom prst="rect">
-            <a:avLst/>
-          </a:prstGeom>
-          <a:solidFill>
-            <a:schemeClr val="bg1">
-              <a:lumMod val="95000"/>
-            </a:schemeClr>
-          </a:solidFill>
-          <a:ln w="3175">
-            <a:noFill/>
-          </a:ln>
-        </p:spPr>
-        <p:style>
-          <a:lnRef idx="2">
-            <a:schemeClr val="accent1">
-              <a:shade val="50000"/>
-            </a:schemeClr>
-          </a:lnRef>
-          <a:fillRef idx="1">
-            <a:schemeClr val="accent1"/>
-          </a:fillRef>
-          <a:effectRef idx="0">
-            <a:schemeClr val="accent1"/>
-          </a:effectRef>
-          <a:fontRef idx="minor">
-            <a:schemeClr val="lt1"/>
-          </a:fontRef>
-        </p:style>
-        <p:txBody>
-          <a:bodyPr rtlCol="0" anchor="ctr"/>
-          <a:lstStyle/>
-          <a:p>
-            <a:pPr algn="ctr"/>
-            <a:endParaRPr lang="ko-KR" altLang="en-US" dirty="0"/>
-          </a:p>
-        </p:txBody>
-      </p:sp>
       <p:sp>
         <p:nvSpPr>
           <p:cNvPr id="4" name="직사각형 3"/>
@@ -9800,7 +9690,7 @@
                 <a:latin typeface="Sandoll 고딕 02 Medium" pitchFamily="34" charset="-127"/>
                 <a:ea typeface="Sandoll 고딕 02 Medium" pitchFamily="34" charset="-127"/>
               </a:rPr>
-              <a:t>2) </a:t>
+              <a:t>3) </a:t>
             </a:r>
             <a:r>
               <a:rPr lang="ko-KR" altLang="en-US" sz="1600" dirty="0">
@@ -9812,17 +9702,259 @@
                 <a:latin typeface="Sandoll 고딕 02 Medium" pitchFamily="34" charset="-127"/>
                 <a:ea typeface="Sandoll 고딕 02 Medium" pitchFamily="34" charset="-127"/>
               </a:rPr>
-              <a:t>기술적 요소</a:t>
-            </a:r>
-          </a:p>
-        </p:txBody>
-      </p:sp>
-      <p:sp>
-        <p:nvSpPr>
-          <p:cNvPr id="19" name="직사각형 18">
+              <a:t>타 게임과 비교</a:t>
+            </a:r>
+          </a:p>
+        </p:txBody>
+      </p:sp>
+      <p:pic>
+        <p:nvPicPr>
+          <p:cNvPr id="3" name="그림 2">
             <a:extLst>
               <a:ext uri="{FF2B5EF4-FFF2-40B4-BE49-F238E27FC236}">
-                <a16:creationId xmlns:a16="http://schemas.microsoft.com/office/drawing/2014/main" id="{5E5AD1A1-2882-E6A0-B6D9-1D8CEA367436}"/>
+                <a16:creationId xmlns:a16="http://schemas.microsoft.com/office/drawing/2014/main" id="{C32A9BB2-54F0-A71F-5A4E-E85793B4180A}"/>
+              </a:ext>
+            </a:extLst>
+          </p:cNvPr>
+          <p:cNvPicPr>
+            <a:picLocks noChangeAspect="1"/>
+          </p:cNvPicPr>
+          <p:nvPr/>
+        </p:nvPicPr>
+        <p:blipFill>
+          <a:blip r:embed="rId2"/>
+          <a:stretch>
+            <a:fillRect/>
+          </a:stretch>
+        </p:blipFill>
+        <p:spPr>
+          <a:xfrm>
+            <a:off x="505011" y="1690760"/>
+            <a:ext cx="4046793" cy="2282676"/>
+          </a:xfrm>
+          <a:prstGeom prst="rect">
+            <a:avLst/>
+          </a:prstGeom>
+        </p:spPr>
+      </p:pic>
+      <p:sp>
+        <p:nvSpPr>
+          <p:cNvPr id="6" name="TextBox 5">
+            <a:extLst>
+              <a:ext uri="{FF2B5EF4-FFF2-40B4-BE49-F238E27FC236}">
+                <a16:creationId xmlns:a16="http://schemas.microsoft.com/office/drawing/2014/main" id="{51586400-A884-2B06-3106-F3107DD7C1FF}"/>
+              </a:ext>
+            </a:extLst>
+          </p:cNvPr>
+          <p:cNvSpPr txBox="1"/>
+          <p:nvPr/>
+        </p:nvSpPr>
+        <p:spPr>
+          <a:xfrm>
+            <a:off x="503041" y="4001131"/>
+            <a:ext cx="3936510" cy="215444"/>
+          </a:xfrm>
+          <a:prstGeom prst="rect">
+            <a:avLst/>
+          </a:prstGeom>
+          <a:noFill/>
+        </p:spPr>
+        <p:txBody>
+          <a:bodyPr wrap="square" rtlCol="0">
+            <a:spAutoFit/>
+          </a:bodyPr>
+          <a:lstStyle/>
+          <a:p>
+            <a:r>
+              <a:rPr lang="ko-KR" altLang="en-US" sz="800" dirty="0"/>
+              <a:t>출처 </a:t>
+            </a:r>
+            <a:r>
+              <a:rPr lang="en-US" altLang="ko-KR" sz="800" dirty="0"/>
+              <a:t>- https://bzooryu.tistory.com/77</a:t>
+            </a:r>
+            <a:endParaRPr lang="ko-KR" altLang="en-US" sz="800" dirty="0"/>
+          </a:p>
+        </p:txBody>
+      </p:sp>
+      <p:pic>
+        <p:nvPicPr>
+          <p:cNvPr id="10242" name="Picture 2" descr="Gunfire Reborn - Proving the '30 Seconds of Fun' Mantra">
+            <a:extLst>
+              <a:ext uri="{FF2B5EF4-FFF2-40B4-BE49-F238E27FC236}">
+                <a16:creationId xmlns:a16="http://schemas.microsoft.com/office/drawing/2014/main" id="{E15E812A-79A7-7A19-A56C-8492C36AB087}"/>
+              </a:ext>
+            </a:extLst>
+          </p:cNvPr>
+          <p:cNvPicPr>
+            <a:picLocks noChangeAspect="1" noChangeArrowheads="1"/>
+          </p:cNvPicPr>
+          <p:nvPr/>
+        </p:nvPicPr>
+        <p:blipFill>
+          <a:blip r:embed="rId3" cstate="print">
+            <a:extLst>
+              <a:ext uri="{28A0092B-C50C-407E-A947-70E740481C1C}">
+                <a14:useLocalDpi xmlns:a14="http://schemas.microsoft.com/office/drawing/2010/main" val="0"/>
+              </a:ext>
+            </a:extLst>
+          </a:blip>
+          <a:srcRect/>
+          <a:stretch>
+            <a:fillRect/>
+          </a:stretch>
+        </p:blipFill>
+        <p:spPr bwMode="auto">
+          <a:xfrm>
+            <a:off x="503040" y="4247353"/>
+            <a:ext cx="4046793" cy="2282675"/>
+          </a:xfrm>
+          <a:prstGeom prst="rect">
+            <a:avLst/>
+          </a:prstGeom>
+          <a:noFill/>
+          <a:extLst>
+            <a:ext uri="{909E8E84-426E-40DD-AFC4-6F175D3DCCD1}">
+              <a14:hiddenFill xmlns:a14="http://schemas.microsoft.com/office/drawing/2010/main">
+                <a:solidFill>
+                  <a:srgbClr val="FFFFFF"/>
+                </a:solidFill>
+              </a14:hiddenFill>
+            </a:ext>
+          </a:extLst>
+        </p:spPr>
+      </p:pic>
+      <p:sp>
+        <p:nvSpPr>
+          <p:cNvPr id="19" name="TextBox 18">
+            <a:extLst>
+              <a:ext uri="{FF2B5EF4-FFF2-40B4-BE49-F238E27FC236}">
+                <a16:creationId xmlns:a16="http://schemas.microsoft.com/office/drawing/2014/main" id="{DC0A1512-0BE4-9FBB-FF7E-94EC0C056D4D}"/>
+              </a:ext>
+            </a:extLst>
+          </p:cNvPr>
+          <p:cNvSpPr txBox="1"/>
+          <p:nvPr/>
+        </p:nvSpPr>
+        <p:spPr>
+          <a:xfrm>
+            <a:off x="503041" y="6514249"/>
+            <a:ext cx="3936510" cy="215444"/>
+          </a:xfrm>
+          <a:prstGeom prst="rect">
+            <a:avLst/>
+          </a:prstGeom>
+          <a:noFill/>
+        </p:spPr>
+        <p:txBody>
+          <a:bodyPr wrap="square" rtlCol="0">
+            <a:spAutoFit/>
+          </a:bodyPr>
+          <a:lstStyle/>
+          <a:p>
+            <a:r>
+              <a:rPr lang="ko-KR" altLang="en-US" sz="800" dirty="0"/>
+              <a:t>출처 </a:t>
+            </a:r>
+            <a:r>
+              <a:rPr lang="en-US" altLang="ko-KR" sz="800" dirty="0"/>
+              <a:t>- https://www.superjumpmagazine.com/gunfire-reborn-30-seconds-of-fun/</a:t>
+            </a:r>
+            <a:endParaRPr lang="ko-KR" altLang="en-US" sz="800" dirty="0"/>
+          </a:p>
+        </p:txBody>
+      </p:sp>
+      <p:sp>
+        <p:nvSpPr>
+          <p:cNvPr id="20" name="TextBox 19">
+            <a:extLst>
+              <a:ext uri="{FF2B5EF4-FFF2-40B4-BE49-F238E27FC236}">
+                <a16:creationId xmlns:a16="http://schemas.microsoft.com/office/drawing/2014/main" id="{6F0EB287-4D86-8B27-81B0-B1209604BE06}"/>
+              </a:ext>
+            </a:extLst>
+          </p:cNvPr>
+          <p:cNvSpPr txBox="1"/>
+          <p:nvPr/>
+        </p:nvSpPr>
+        <p:spPr>
+          <a:xfrm>
+            <a:off x="1338304" y="933066"/>
+            <a:ext cx="2376264" cy="646331"/>
+          </a:xfrm>
+          <a:prstGeom prst="rect">
+            <a:avLst/>
+          </a:prstGeom>
+          <a:noFill/>
+        </p:spPr>
+        <p:txBody>
+          <a:bodyPr wrap="square" rtlCol="0">
+            <a:spAutoFit/>
+          </a:bodyPr>
+          <a:lstStyle/>
+          <a:p>
+            <a:pPr algn="ctr"/>
+            <a:r>
+              <a:rPr lang="ko-KR" altLang="en-US" dirty="0" err="1"/>
+              <a:t>건파이어</a:t>
+            </a:r>
+            <a:r>
+              <a:rPr lang="ko-KR" altLang="en-US" dirty="0"/>
+              <a:t> 리본</a:t>
+            </a:r>
+            <a:endParaRPr lang="en-US" altLang="ko-KR" dirty="0"/>
+          </a:p>
+          <a:p>
+            <a:pPr algn="ctr"/>
+            <a:r>
+              <a:rPr lang="en-US" altLang="ko-KR" dirty="0"/>
+              <a:t>( Gunfire Reborn )</a:t>
+            </a:r>
+            <a:endParaRPr lang="ko-KR" altLang="en-US" dirty="0"/>
+          </a:p>
+        </p:txBody>
+      </p:sp>
+      <p:sp>
+        <p:nvSpPr>
+          <p:cNvPr id="21" name="TextBox 20">
+            <a:extLst>
+              <a:ext uri="{FF2B5EF4-FFF2-40B4-BE49-F238E27FC236}">
+                <a16:creationId xmlns:a16="http://schemas.microsoft.com/office/drawing/2014/main" id="{3685A815-B982-D946-3384-F419145D23B2}"/>
+              </a:ext>
+            </a:extLst>
+          </p:cNvPr>
+          <p:cNvSpPr txBox="1"/>
+          <p:nvPr/>
+        </p:nvSpPr>
+        <p:spPr>
+          <a:xfrm>
+            <a:off x="6162838" y="1386998"/>
+            <a:ext cx="1368152" cy="369332"/>
+          </a:xfrm>
+          <a:prstGeom prst="rect">
+            <a:avLst/>
+          </a:prstGeom>
+          <a:noFill/>
+        </p:spPr>
+        <p:txBody>
+          <a:bodyPr wrap="square" rtlCol="0">
+            <a:spAutoFit/>
+          </a:bodyPr>
+          <a:lstStyle/>
+          <a:p>
+            <a:pPr algn="ctr"/>
+            <a:r>
+              <a:rPr lang="ko-KR" altLang="en-US" dirty="0"/>
+              <a:t>유사점</a:t>
+            </a:r>
+          </a:p>
+        </p:txBody>
+      </p:sp>
+      <p:sp>
+        <p:nvSpPr>
+          <p:cNvPr id="22" name="사각형: 둥근 모서리 21">
+            <a:extLst>
+              <a:ext uri="{FF2B5EF4-FFF2-40B4-BE49-F238E27FC236}">
+                <a16:creationId xmlns:a16="http://schemas.microsoft.com/office/drawing/2014/main" id="{6160797C-CB6A-E90C-5CF2-B2030C1B3166}"/>
               </a:ext>
             </a:extLst>
           </p:cNvPr>
@@ -9830,19 +9962,314 @@
           <p:nvPr/>
         </p:nvSpPr>
         <p:spPr>
-          <a:xfrm rot="20490163">
-            <a:off x="399544" y="829588"/>
-            <a:ext cx="302030" cy="320863"/>
+          <a:xfrm>
+            <a:off x="4801350" y="1776306"/>
+            <a:ext cx="4091129" cy="2224826"/>
+          </a:xfrm>
+          <a:prstGeom prst="roundRect">
+            <a:avLst/>
+          </a:prstGeom>
+        </p:spPr>
+        <p:style>
+          <a:lnRef idx="2">
+            <a:schemeClr val="dk1"/>
+          </a:lnRef>
+          <a:fillRef idx="1">
+            <a:schemeClr val="lt1"/>
+          </a:fillRef>
+          <a:effectRef idx="0">
+            <a:schemeClr val="dk1"/>
+          </a:effectRef>
+          <a:fontRef idx="minor">
+            <a:schemeClr val="dk1"/>
+          </a:fontRef>
+        </p:style>
+        <p:txBody>
+          <a:bodyPr rtlCol="0" anchor="ctr"/>
+          <a:lstStyle/>
+          <a:p>
+            <a:pPr marL="228600" indent="-228600">
+              <a:buAutoNum type="arabicPeriod"/>
+            </a:pPr>
+            <a:r>
+              <a:rPr lang="en-US" altLang="ko-KR" sz="1200" dirty="0"/>
+              <a:t>1</a:t>
+            </a:r>
+            <a:r>
+              <a:rPr lang="ko-KR" altLang="en-US" sz="1200" dirty="0"/>
+              <a:t>인칭 게임이다</a:t>
+            </a:r>
+            <a:r>
+              <a:rPr lang="en-US" altLang="ko-KR" sz="1200" dirty="0"/>
+              <a:t>.</a:t>
+            </a:r>
+          </a:p>
+          <a:p>
+            <a:pPr marL="228600" indent="-228600">
+              <a:buAutoNum type="arabicPeriod"/>
+            </a:pPr>
+            <a:endParaRPr lang="en-US" altLang="ko-KR" sz="1200" dirty="0"/>
+          </a:p>
+          <a:p>
+            <a:r>
+              <a:rPr lang="en-US" altLang="ko-KR" sz="1200" dirty="0"/>
+              <a:t>2. </a:t>
+            </a:r>
+            <a:r>
+              <a:rPr lang="ko-KR" altLang="en-US" sz="1200" dirty="0"/>
+              <a:t>최대 </a:t>
+            </a:r>
+            <a:r>
+              <a:rPr lang="en-US" altLang="ko-KR" sz="1200" dirty="0"/>
+              <a:t>4</a:t>
+            </a:r>
+            <a:r>
+              <a:rPr lang="ko-KR" altLang="en-US" sz="1200" dirty="0"/>
+              <a:t>인 협동게임이다</a:t>
+            </a:r>
+            <a:endParaRPr lang="en-US" altLang="ko-KR" sz="1200" dirty="0"/>
+          </a:p>
+          <a:p>
+            <a:endParaRPr lang="en-US" altLang="ko-KR" sz="1200" dirty="0"/>
+          </a:p>
+          <a:p>
+            <a:r>
+              <a:rPr lang="en-US" altLang="ko-KR" sz="1200" dirty="0"/>
+              <a:t>3. </a:t>
+            </a:r>
+            <a:r>
+              <a:rPr lang="ko-KR" altLang="en-US" sz="1200" dirty="0"/>
+              <a:t>스킬과 무기를 사용하여 적을 물리쳐야 한다</a:t>
+            </a:r>
+            <a:r>
+              <a:rPr lang="en-US" altLang="ko-KR" sz="1200" dirty="0"/>
+              <a:t>.</a:t>
+            </a:r>
+          </a:p>
+          <a:p>
+            <a:endParaRPr lang="en-US" altLang="ko-KR" sz="1200" dirty="0"/>
+          </a:p>
+          <a:p>
+            <a:r>
+              <a:rPr lang="en-US" altLang="ko-KR" sz="1200" dirty="0"/>
+              <a:t>4. </a:t>
+            </a:r>
+            <a:r>
+              <a:rPr lang="ko-KR" altLang="en-US" sz="1200" dirty="0"/>
+              <a:t>일반 스테이지와 보스 스테이지로 나뉘어져 있다</a:t>
+            </a:r>
+            <a:r>
+              <a:rPr lang="en-US" altLang="ko-KR" sz="1200" dirty="0"/>
+              <a:t>.</a:t>
+            </a:r>
+          </a:p>
+        </p:txBody>
+      </p:sp>
+      <p:sp>
+        <p:nvSpPr>
+          <p:cNvPr id="23" name="TextBox 22">
+            <a:extLst>
+              <a:ext uri="{FF2B5EF4-FFF2-40B4-BE49-F238E27FC236}">
+                <a16:creationId xmlns:a16="http://schemas.microsoft.com/office/drawing/2014/main" id="{719690DC-B741-65A2-7139-4DFDCCC79FE8}"/>
+              </a:ext>
+            </a:extLst>
+          </p:cNvPr>
+          <p:cNvSpPr txBox="1"/>
+          <p:nvPr/>
+        </p:nvSpPr>
+        <p:spPr>
+          <a:xfrm>
+            <a:off x="6162838" y="3999975"/>
+            <a:ext cx="1368152" cy="338554"/>
+          </a:xfrm>
+          <a:prstGeom prst="rect">
+            <a:avLst/>
+          </a:prstGeom>
+          <a:noFill/>
+        </p:spPr>
+        <p:txBody>
+          <a:bodyPr wrap="square" rtlCol="0">
+            <a:spAutoFit/>
+          </a:bodyPr>
+          <a:lstStyle/>
+          <a:p>
+            <a:pPr algn="ctr"/>
+            <a:r>
+              <a:rPr lang="ko-KR" altLang="en-US" sz="1600" dirty="0"/>
+              <a:t>차이점</a:t>
+            </a:r>
+          </a:p>
+        </p:txBody>
+      </p:sp>
+      <p:sp>
+        <p:nvSpPr>
+          <p:cNvPr id="24" name="사각형: 둥근 모서리 23">
+            <a:extLst>
+              <a:ext uri="{FF2B5EF4-FFF2-40B4-BE49-F238E27FC236}">
+                <a16:creationId xmlns:a16="http://schemas.microsoft.com/office/drawing/2014/main" id="{2985935C-F360-9724-9143-FF88A42CA5C8}"/>
+              </a:ext>
+            </a:extLst>
+          </p:cNvPr>
+          <p:cNvSpPr/>
+          <p:nvPr/>
+        </p:nvSpPr>
+        <p:spPr>
+          <a:xfrm>
+            <a:off x="4801350" y="4342289"/>
+            <a:ext cx="4091129" cy="2224826"/>
+          </a:xfrm>
+          <a:prstGeom prst="roundRect">
+            <a:avLst/>
+          </a:prstGeom>
+        </p:spPr>
+        <p:style>
+          <a:lnRef idx="2">
+            <a:schemeClr val="dk1"/>
+          </a:lnRef>
+          <a:fillRef idx="1">
+            <a:schemeClr val="lt1"/>
+          </a:fillRef>
+          <a:effectRef idx="0">
+            <a:schemeClr val="dk1"/>
+          </a:effectRef>
+          <a:fontRef idx="minor">
+            <a:schemeClr val="dk1"/>
+          </a:fontRef>
+        </p:style>
+        <p:txBody>
+          <a:bodyPr rtlCol="0" anchor="ctr"/>
+          <a:lstStyle/>
+          <a:p>
+            <a:pPr marL="228600" indent="-228600">
+              <a:buAutoNum type="arabicPeriod"/>
+            </a:pPr>
+            <a:r>
+              <a:rPr lang="ko-KR" altLang="en-US" sz="1200" dirty="0" err="1"/>
+              <a:t>마나를</a:t>
+            </a:r>
+            <a:r>
+              <a:rPr lang="ko-KR" altLang="en-US" sz="1200" dirty="0"/>
+              <a:t> 신경 써야 한다</a:t>
+            </a:r>
+            <a:r>
+              <a:rPr lang="en-US" altLang="ko-KR" sz="1200" dirty="0"/>
+              <a:t>.</a:t>
+            </a:r>
+          </a:p>
+          <a:p>
+            <a:pPr marL="228600" indent="-228600">
+              <a:buAutoNum type="arabicPeriod"/>
+            </a:pPr>
+            <a:endParaRPr lang="en-US" altLang="ko-KR" sz="1200" dirty="0"/>
+          </a:p>
+          <a:p>
+            <a:r>
+              <a:rPr lang="en-US" altLang="ko-KR" sz="1200" dirty="0"/>
+              <a:t>2. </a:t>
+            </a:r>
+            <a:r>
+              <a:rPr lang="ko-KR" altLang="en-US" sz="1200" dirty="0"/>
+              <a:t>게임 진행을 위한 스토리 </a:t>
+            </a:r>
+            <a:r>
+              <a:rPr lang="ko-KR" altLang="en-US" sz="1200" dirty="0" err="1"/>
+              <a:t>텔링이</a:t>
+            </a:r>
+            <a:r>
+              <a:rPr lang="ko-KR" altLang="en-US" sz="1200" dirty="0"/>
+              <a:t> 존재한다</a:t>
+            </a:r>
+            <a:r>
+              <a:rPr lang="en-US" altLang="ko-KR" sz="1200" dirty="0"/>
+              <a:t>.</a:t>
+            </a:r>
+          </a:p>
+          <a:p>
+            <a:endParaRPr lang="en-US" altLang="ko-KR" sz="1200" dirty="0"/>
+          </a:p>
+          <a:p>
+            <a:r>
+              <a:rPr lang="en-US" altLang="ko-KR" sz="1200" dirty="0"/>
+              <a:t>3. </a:t>
+            </a:r>
+            <a:r>
+              <a:rPr lang="ko-KR" altLang="en-US" sz="1200" dirty="0"/>
+              <a:t>음성채팅이 가능하다</a:t>
+            </a:r>
+            <a:r>
+              <a:rPr lang="en-US" altLang="ko-KR" sz="1200" dirty="0"/>
+              <a:t>.</a:t>
+            </a:r>
+          </a:p>
+          <a:p>
+            <a:endParaRPr lang="en-US" altLang="ko-KR" sz="1200" dirty="0"/>
+          </a:p>
+          <a:p>
+            <a:r>
+              <a:rPr lang="en-US" altLang="ko-KR" sz="1200" dirty="0"/>
+              <a:t>4. </a:t>
+            </a:r>
+            <a:r>
+              <a:rPr lang="ko-KR" altLang="en-US" sz="1200" dirty="0"/>
+              <a:t>게임이 플레이어의 감각에 영향을 준다</a:t>
+            </a:r>
+            <a:r>
+              <a:rPr lang="en-US" altLang="ko-KR" sz="1200" dirty="0"/>
+              <a:t>.</a:t>
+            </a:r>
+          </a:p>
+        </p:txBody>
+      </p:sp>
+    </p:spTree>
+    <p:extLst>
+      <p:ext uri="{BB962C8B-B14F-4D97-AF65-F5344CB8AC3E}">
+        <p14:creationId xmlns:p14="http://schemas.microsoft.com/office/powerpoint/2010/main" val="1902747088"/>
+      </p:ext>
+    </p:extLst>
+  </p:cSld>
+  <p:clrMapOvr>
+    <a:masterClrMapping/>
+  </p:clrMapOvr>
+</p:sld>
+</file>
+
+<file path=ppt/slides/slide17.xml><?xml version="1.0" encoding="utf-8"?>
+<p:sld xmlns:a="http://schemas.openxmlformats.org/drawingml/2006/main" xmlns:r="http://schemas.openxmlformats.org/officeDocument/2006/relationships" xmlns:p="http://schemas.openxmlformats.org/presentationml/2006/main">
+  <p:cSld>
+    <p:spTree>
+      <p:nvGrpSpPr>
+        <p:cNvPr id="1" name=""/>
+        <p:cNvGrpSpPr/>
+        <p:nvPr/>
+      </p:nvGrpSpPr>
+      <p:grpSpPr>
+        <a:xfrm>
+          <a:off x="0" y="0"/>
+          <a:ext cx="0" cy="0"/>
+          <a:chOff x="0" y="0"/>
+          <a:chExt cx="0" cy="0"/>
+        </a:xfrm>
+      </p:grpSpPr>
+      <p:sp>
+        <p:nvSpPr>
+          <p:cNvPr id="4" name="직사각형 3"/>
+          <p:cNvSpPr/>
+          <p:nvPr/>
+        </p:nvSpPr>
+        <p:spPr>
+          <a:xfrm>
+            <a:off x="370592" y="389855"/>
+            <a:ext cx="264898" cy="246221"/>
           </a:xfrm>
           <a:prstGeom prst="rect">
             <a:avLst/>
           </a:prstGeom>
           <a:solidFill>
             <a:schemeClr val="bg1">
-              <a:lumMod val="95000"/>
+              <a:lumMod val="85000"/>
             </a:schemeClr>
           </a:solidFill>
-          <a:ln w="3175">
+          <a:ln>
             <a:noFill/>
           </a:ln>
         </p:spPr>
@@ -9867,16 +10294,140 @@
           <a:lstStyle/>
           <a:p>
             <a:pPr algn="ctr"/>
-            <a:endParaRPr lang="ko-KR" altLang="en-US" dirty="0"/>
-          </a:p>
-        </p:txBody>
-      </p:sp>
-      <p:sp>
-        <p:nvSpPr>
-          <p:cNvPr id="20" name="TextBox 19">
+            <a:endParaRPr lang="ko-KR" altLang="en-US"/>
+          </a:p>
+        </p:txBody>
+      </p:sp>
+      <p:sp>
+        <p:nvSpPr>
+          <p:cNvPr id="5" name="TextBox 4"/>
+          <p:cNvSpPr txBox="1"/>
+          <p:nvPr/>
+        </p:nvSpPr>
+        <p:spPr>
+          <a:xfrm>
+            <a:off x="635490" y="335487"/>
+            <a:ext cx="1776269" cy="400110"/>
+          </a:xfrm>
+          <a:prstGeom prst="rect">
+            <a:avLst/>
+          </a:prstGeom>
+          <a:noFill/>
+        </p:spPr>
+        <p:txBody>
+          <a:bodyPr wrap="square" rtlCol="0">
+            <a:spAutoFit/>
+          </a:bodyPr>
+          <a:lstStyle/>
+          <a:p>
+            <a:r>
+              <a:rPr lang="ko-KR" altLang="en-US" sz="2000">
+                <a:solidFill>
+                  <a:schemeClr val="tx1">
+                    <a:lumMod val="75000"/>
+                    <a:lumOff val="25000"/>
+                  </a:schemeClr>
+                </a:solidFill>
+                <a:latin typeface="Sandoll 고딕 03 Bold" pitchFamily="34" charset="-127"/>
+                <a:ea typeface="Sandoll 고딕 03 Bold" pitchFamily="34" charset="-127"/>
+              </a:rPr>
+              <a:t>현황 및 계획</a:t>
+            </a:r>
+            <a:endParaRPr lang="ko-KR" altLang="en-US" sz="2000" dirty="0">
+              <a:solidFill>
+                <a:schemeClr val="tx1">
+                  <a:lumMod val="75000"/>
+                  <a:lumOff val="25000"/>
+                </a:schemeClr>
+              </a:solidFill>
+              <a:latin typeface="Sandoll 고딕 03 Bold" pitchFamily="34" charset="-127"/>
+              <a:ea typeface="Sandoll 고딕 03 Bold" pitchFamily="34" charset="-127"/>
+            </a:endParaRPr>
+          </a:p>
+        </p:txBody>
+      </p:sp>
+      <p:cxnSp>
+        <p:nvCxnSpPr>
+          <p:cNvPr id="7" name="직선 연결선 6"/>
+          <p:cNvCxnSpPr/>
+          <p:nvPr/>
+        </p:nvCxnSpPr>
+        <p:spPr>
+          <a:xfrm>
+            <a:off x="251520" y="0"/>
+            <a:ext cx="0" cy="6858000"/>
+          </a:xfrm>
+          <a:prstGeom prst="line">
+            <a:avLst/>
+          </a:prstGeom>
+          <a:ln>
+            <a:solidFill>
+              <a:schemeClr val="bg1">
+                <a:lumMod val="65000"/>
+              </a:schemeClr>
+            </a:solidFill>
+            <a:prstDash val="sysDot"/>
+          </a:ln>
+        </p:spPr>
+        <p:style>
+          <a:lnRef idx="1">
+            <a:schemeClr val="accent1"/>
+          </a:lnRef>
+          <a:fillRef idx="0">
+            <a:schemeClr val="accent1"/>
+          </a:fillRef>
+          <a:effectRef idx="0">
+            <a:schemeClr val="accent1"/>
+          </a:effectRef>
+          <a:fontRef idx="minor">
+            <a:schemeClr val="tx1"/>
+          </a:fontRef>
+        </p:style>
+      </p:cxnSp>
+      <p:cxnSp>
+        <p:nvCxnSpPr>
+          <p:cNvPr id="8" name="직선 연결선 7"/>
+          <p:cNvCxnSpPr/>
+          <p:nvPr/>
+        </p:nvCxnSpPr>
+        <p:spPr>
+          <a:xfrm>
+            <a:off x="0" y="260648"/>
+            <a:ext cx="9144000" cy="0"/>
+          </a:xfrm>
+          <a:prstGeom prst="line">
+            <a:avLst/>
+          </a:prstGeom>
+          <a:ln>
+            <a:solidFill>
+              <a:schemeClr val="bg1">
+                <a:lumMod val="65000"/>
+              </a:schemeClr>
+            </a:solidFill>
+            <a:prstDash val="sysDot"/>
+          </a:ln>
+        </p:spPr>
+        <p:style>
+          <a:lnRef idx="1">
+            <a:schemeClr val="accent1"/>
+          </a:lnRef>
+          <a:fillRef idx="0">
+            <a:schemeClr val="accent1"/>
+          </a:fillRef>
+          <a:effectRef idx="0">
+            <a:schemeClr val="accent1"/>
+          </a:effectRef>
+          <a:fontRef idx="minor">
+            <a:schemeClr val="tx1"/>
+          </a:fontRef>
+        </p:style>
+      </p:cxnSp>
+      <p:sp>
+        <p:nvSpPr>
+          <p:cNvPr id="4163" name="TextBox 4162">
             <a:extLst>
               <a:ext uri="{FF2B5EF4-FFF2-40B4-BE49-F238E27FC236}">
-                <a16:creationId xmlns:a16="http://schemas.microsoft.com/office/drawing/2014/main" id="{F41AF202-BC6D-8CE4-0407-56A9180CBA9F}"/>
+                <a16:creationId xmlns:a16="http://schemas.microsoft.com/office/drawing/2014/main" id="{3C4B1F17-2D08-8557-911F-4590D98CF19B}"/>
               </a:ext>
             </a:extLst>
           </p:cNvPr>
@@ -9885,8 +10436,8 @@
         </p:nvSpPr>
         <p:spPr>
           <a:xfrm>
-            <a:off x="447999" y="799738"/>
-            <a:ext cx="8061880" cy="6058262"/>
+            <a:off x="2194227" y="366265"/>
+            <a:ext cx="5258091" cy="338554"/>
           </a:xfrm>
           <a:prstGeom prst="rect">
             <a:avLst/>
@@ -9899,527 +10450,857 @@
           </a:bodyPr>
           <a:lstStyle/>
           <a:p>
-            <a:pPr>
-              <a:lnSpc>
-                <a:spcPct val="150000"/>
-              </a:lnSpc>
-            </a:pPr>
-            <a:r>
-              <a:rPr lang="en-US" altLang="ko-KR" sz="1200" b="1" dirty="0"/>
-              <a:t>1  </a:t>
-            </a:r>
-            <a:r>
-              <a:rPr lang="ko-KR" altLang="en-US" sz="1200" u="sng" dirty="0" err="1"/>
-              <a:t>스키닝</a:t>
-            </a:r>
-            <a:r>
-              <a:rPr lang="ko-KR" altLang="en-US" sz="1200" u="sng" dirty="0"/>
-              <a:t> 애니메이션</a:t>
-            </a:r>
-            <a:endParaRPr lang="en-US" altLang="ko-KR" sz="1200" u="sng" dirty="0"/>
-          </a:p>
-          <a:p>
-            <a:pPr>
-              <a:lnSpc>
-                <a:spcPct val="150000"/>
-              </a:lnSpc>
-            </a:pPr>
-            <a:r>
-              <a:rPr lang="en-US" altLang="ko-KR" sz="1200" b="1" dirty="0">
+            <a:r>
+              <a:rPr lang="en-US" altLang="ko-KR" sz="1600" dirty="0">
                 <a:solidFill>
-                  <a:srgbClr val="000000"/>
+                  <a:schemeClr val="bg1">
+                    <a:lumMod val="50000"/>
+                  </a:schemeClr>
                 </a:solidFill>
-                <a:ea typeface="맑은 고딕" panose="020B0503020000020004" pitchFamily="50" charset="-127"/>
-                <a:cs typeface="굴림" panose="020B0600000101010101" pitchFamily="50" charset="-127"/>
+                <a:latin typeface="Sandoll 고딕 02 Medium" pitchFamily="34" charset="-127"/>
+                <a:ea typeface="Sandoll 고딕 02 Medium" pitchFamily="34" charset="-127"/>
               </a:rPr>
-              <a:t>    </a:t>
-            </a:r>
-            <a:r>
-              <a:rPr lang="en-US" altLang="ko-KR" sz="1200" b="1" dirty="0">
+              <a:t>1) </a:t>
+            </a:r>
+            <a:r>
+              <a:rPr lang="ko-KR" altLang="en-US" sz="1600" dirty="0">
                 <a:solidFill>
-                  <a:srgbClr val="000000"/>
+                  <a:schemeClr val="bg1">
+                    <a:lumMod val="50000"/>
+                  </a:schemeClr>
                 </a:solidFill>
-                <a:effectLst/>
-                <a:ea typeface="맑은 고딕" panose="020B0503020000020004" pitchFamily="50" charset="-127"/>
-                <a:cs typeface="굴림" panose="020B0600000101010101" pitchFamily="50" charset="-127"/>
+                <a:latin typeface="Sandoll 고딕 02 Medium" pitchFamily="34" charset="-127"/>
+                <a:ea typeface="Sandoll 고딕 02 Medium" pitchFamily="34" charset="-127"/>
               </a:rPr>
-              <a:t>Blender</a:t>
-            </a:r>
-            <a:r>
-              <a:rPr lang="ko-KR" altLang="ko-KR" sz="1200" dirty="0">
-                <a:solidFill>
-                  <a:srgbClr val="000000"/>
-                </a:solidFill>
-                <a:effectLst/>
-                <a:ea typeface="굴림" panose="020B0600000101010101" pitchFamily="50" charset="-127"/>
-                <a:cs typeface="굴림" panose="020B0600000101010101" pitchFamily="50" charset="-127"/>
-              </a:rPr>
-              <a:t>와 </a:t>
-            </a:r>
-            <a:r>
-              <a:rPr lang="en-US" altLang="ko-KR" sz="1200" b="1" dirty="0">
-                <a:solidFill>
-                  <a:srgbClr val="000000"/>
-                </a:solidFill>
-                <a:effectLst/>
-                <a:ea typeface="굴림" panose="020B0600000101010101" pitchFamily="50" charset="-127"/>
-                <a:cs typeface="굴림" panose="020B0600000101010101" pitchFamily="50" charset="-127"/>
-              </a:rPr>
-              <a:t>Unity 3D</a:t>
-            </a:r>
-            <a:r>
-              <a:rPr lang="ko-KR" altLang="ko-KR" sz="1200" dirty="0">
-                <a:solidFill>
-                  <a:srgbClr val="000000"/>
-                </a:solidFill>
-                <a:effectLst/>
-                <a:ea typeface="굴림" panose="020B0600000101010101" pitchFamily="50" charset="-127"/>
-                <a:cs typeface="굴림" panose="020B0600000101010101" pitchFamily="50" charset="-127"/>
-              </a:rPr>
-              <a:t>를 이용하여 </a:t>
-            </a:r>
-            <a:r>
-              <a:rPr lang="ko-KR" altLang="ko-KR" sz="1200" b="1" dirty="0" err="1">
-                <a:solidFill>
-                  <a:srgbClr val="000000"/>
-                </a:solidFill>
-                <a:effectLst/>
-                <a:ea typeface="굴림" panose="020B0600000101010101" pitchFamily="50" charset="-127"/>
-                <a:cs typeface="굴림" panose="020B0600000101010101" pitchFamily="50" charset="-127"/>
-              </a:rPr>
-              <a:t>스키닝</a:t>
-            </a:r>
-            <a:r>
-              <a:rPr lang="ko-KR" altLang="ko-KR" sz="1200" b="1" dirty="0">
-                <a:solidFill>
-                  <a:srgbClr val="000000"/>
-                </a:solidFill>
-                <a:effectLst/>
-                <a:ea typeface="굴림" panose="020B0600000101010101" pitchFamily="50" charset="-127"/>
-                <a:cs typeface="굴림" panose="020B0600000101010101" pitchFamily="50" charset="-127"/>
-              </a:rPr>
-              <a:t> 애니메이션</a:t>
-            </a:r>
-            <a:r>
-              <a:rPr lang="ko-KR" altLang="ko-KR" sz="1200" dirty="0">
-                <a:solidFill>
-                  <a:srgbClr val="000000"/>
-                </a:solidFill>
-                <a:effectLst/>
-                <a:ea typeface="굴림" panose="020B0600000101010101" pitchFamily="50" charset="-127"/>
-                <a:cs typeface="굴림" panose="020B0600000101010101" pitchFamily="50" charset="-127"/>
-              </a:rPr>
-              <a:t>을 받아와 캐릭터와 몬스터의 애니메이션 구현</a:t>
-            </a:r>
-            <a:endParaRPr lang="en-US" altLang="ko-KR" sz="1200" dirty="0">
-              <a:solidFill>
-                <a:srgbClr val="000000"/>
-              </a:solidFill>
-              <a:effectLst/>
-              <a:ea typeface="굴림" panose="020B0600000101010101" pitchFamily="50" charset="-127"/>
-              <a:cs typeface="굴림" panose="020B0600000101010101" pitchFamily="50" charset="-127"/>
-            </a:endParaRPr>
-          </a:p>
-          <a:p>
-            <a:pPr>
-              <a:lnSpc>
-                <a:spcPct val="150000"/>
-              </a:lnSpc>
-            </a:pPr>
-            <a:endParaRPr lang="en-US" altLang="ko-KR" sz="800" dirty="0"/>
-          </a:p>
-          <a:p>
-            <a:pPr>
-              <a:lnSpc>
-                <a:spcPct val="150000"/>
-              </a:lnSpc>
-            </a:pPr>
-            <a:r>
-              <a:rPr lang="en-US" altLang="ko-KR" sz="1200" b="1" dirty="0"/>
-              <a:t>2  </a:t>
-            </a:r>
-            <a:r>
-              <a:rPr lang="ko-KR" altLang="en-US" sz="1200" u="sng" dirty="0" err="1"/>
-              <a:t>블러링</a:t>
-            </a:r>
-            <a:endParaRPr lang="en-US" altLang="ko-KR" sz="1200" u="sng" dirty="0"/>
-          </a:p>
-          <a:p>
-            <a:pPr>
-              <a:lnSpc>
-                <a:spcPct val="150000"/>
-              </a:lnSpc>
-            </a:pPr>
-            <a:r>
-              <a:rPr lang="en-US" altLang="ko-KR" sz="1200" b="1" dirty="0"/>
-              <a:t>    DirectX12</a:t>
-            </a:r>
-            <a:r>
-              <a:rPr lang="ko-KR" altLang="en-US" sz="1200" dirty="0"/>
-              <a:t>를 이용해 </a:t>
-            </a:r>
-            <a:r>
-              <a:rPr lang="ko-KR" altLang="en-US" sz="1200" b="1" dirty="0"/>
-              <a:t>안개 효과</a:t>
-            </a:r>
-            <a:r>
-              <a:rPr lang="ko-KR" altLang="en-US" sz="1200" dirty="0"/>
-              <a:t>를 주어 좁아지는 시야를 표현</a:t>
-            </a:r>
-            <a:endParaRPr lang="en-US" altLang="ko-KR" sz="1200" dirty="0"/>
-          </a:p>
-          <a:p>
-            <a:pPr>
-              <a:lnSpc>
-                <a:spcPct val="150000"/>
-              </a:lnSpc>
-            </a:pPr>
-            <a:endParaRPr lang="en-US" altLang="ko-KR" sz="800" dirty="0"/>
-          </a:p>
-          <a:p>
-            <a:pPr>
-              <a:lnSpc>
-                <a:spcPct val="150000"/>
-              </a:lnSpc>
-            </a:pPr>
-            <a:r>
-              <a:rPr lang="en-US" altLang="ko-KR" sz="1200" b="1" dirty="0"/>
-              <a:t>3  </a:t>
-            </a:r>
-            <a:r>
-              <a:rPr lang="ko-KR" altLang="en-US" sz="1200" u="sng" dirty="0"/>
-              <a:t>멀티 플레이</a:t>
-            </a:r>
-            <a:endParaRPr lang="en-US" altLang="ko-KR" sz="1200" u="sng" dirty="0"/>
-          </a:p>
-          <a:p>
-            <a:pPr>
-              <a:lnSpc>
-                <a:spcPct val="150000"/>
-              </a:lnSpc>
-            </a:pPr>
-            <a:r>
-              <a:rPr lang="en-US" altLang="ko-KR" sz="1200" b="1" dirty="0"/>
-              <a:t>    IOCP </a:t>
-            </a:r>
-            <a:r>
-              <a:rPr lang="ko-KR" altLang="en-US" sz="1200" b="1" dirty="0"/>
+              <a:t>구성원 역할 분담 및 중점 연구 분야</a:t>
+            </a:r>
+          </a:p>
+        </p:txBody>
+      </p:sp>
+      <p:sp>
+        <p:nvSpPr>
+          <p:cNvPr id="2" name="TextBox 1">
+            <a:extLst>
+              <a:ext uri="{FF2B5EF4-FFF2-40B4-BE49-F238E27FC236}">
+                <a16:creationId xmlns:a16="http://schemas.microsoft.com/office/drawing/2014/main" id="{35DAEF35-F020-A34B-7F86-186C9B3A3EB9}"/>
+              </a:ext>
+            </a:extLst>
+          </p:cNvPr>
+          <p:cNvSpPr txBox="1"/>
+          <p:nvPr/>
+        </p:nvSpPr>
+        <p:spPr>
+          <a:xfrm>
+            <a:off x="450252" y="1848251"/>
+            <a:ext cx="1584176" cy="861774"/>
+          </a:xfrm>
+          <a:prstGeom prst="rect">
+            <a:avLst/>
+          </a:prstGeom>
+        </p:spPr>
+        <p:style>
+          <a:lnRef idx="2">
+            <a:schemeClr val="accent3"/>
+          </a:lnRef>
+          <a:fillRef idx="1">
+            <a:schemeClr val="lt1"/>
+          </a:fillRef>
+          <a:effectRef idx="0">
+            <a:schemeClr val="accent3"/>
+          </a:effectRef>
+          <a:fontRef idx="minor">
+            <a:schemeClr val="dk1"/>
+          </a:fontRef>
+        </p:style>
+        <p:txBody>
+          <a:bodyPr wrap="square" rtlCol="0">
+            <a:spAutoFit/>
+          </a:bodyPr>
+          <a:lstStyle/>
+          <a:p>
+            <a:r>
+              <a:rPr lang="en-US" altLang="ko-KR" sz="1600" dirty="0"/>
+              <a:t>2018180020</a:t>
+            </a:r>
+          </a:p>
+          <a:p>
+            <a:r>
+              <a:rPr lang="ko-KR" altLang="en-US" b="1" dirty="0"/>
+              <a:t>박재우</a:t>
+            </a:r>
+            <a:endParaRPr lang="en-US" altLang="ko-KR" b="1" dirty="0"/>
+          </a:p>
+          <a:p>
+            <a:r>
+              <a:rPr lang="en-US" altLang="ko-KR" sz="1400" dirty="0"/>
+              <a:t>(</a:t>
+            </a:r>
+            <a:r>
+              <a:rPr lang="ko-KR" altLang="en-US" sz="1400" dirty="0"/>
+              <a:t>클라이언트</a:t>
+            </a:r>
+            <a:r>
+              <a:rPr lang="en-US" altLang="ko-KR" sz="1400" dirty="0"/>
+              <a:t>)</a:t>
+            </a:r>
+            <a:endParaRPr lang="ko-KR" altLang="en-US" sz="1400" dirty="0"/>
+          </a:p>
+        </p:txBody>
+      </p:sp>
+      <p:sp>
+        <p:nvSpPr>
+          <p:cNvPr id="3" name="TextBox 2">
+            <a:extLst>
+              <a:ext uri="{FF2B5EF4-FFF2-40B4-BE49-F238E27FC236}">
+                <a16:creationId xmlns:a16="http://schemas.microsoft.com/office/drawing/2014/main" id="{39610EAD-EAEA-97D2-682D-F46F83F44849}"/>
+              </a:ext>
+            </a:extLst>
+          </p:cNvPr>
+          <p:cNvSpPr txBox="1"/>
+          <p:nvPr/>
+        </p:nvSpPr>
+        <p:spPr>
+          <a:xfrm>
+            <a:off x="458150" y="3102474"/>
+            <a:ext cx="1584176" cy="861774"/>
+          </a:xfrm>
+          <a:prstGeom prst="rect">
+            <a:avLst/>
+          </a:prstGeom>
+        </p:spPr>
+        <p:style>
+          <a:lnRef idx="2">
+            <a:schemeClr val="accent6"/>
+          </a:lnRef>
+          <a:fillRef idx="1">
+            <a:schemeClr val="lt1"/>
+          </a:fillRef>
+          <a:effectRef idx="0">
+            <a:schemeClr val="accent6"/>
+          </a:effectRef>
+          <a:fontRef idx="minor">
+            <a:schemeClr val="dk1"/>
+          </a:fontRef>
+        </p:style>
+        <p:txBody>
+          <a:bodyPr wrap="square" rtlCol="0">
+            <a:spAutoFit/>
+          </a:bodyPr>
+          <a:lstStyle/>
+          <a:p>
+            <a:r>
+              <a:rPr lang="en-US" altLang="ko-KR" sz="1600" dirty="0"/>
+              <a:t>2020182031</a:t>
+            </a:r>
+          </a:p>
+          <a:p>
+            <a:r>
+              <a:rPr lang="ko-KR" altLang="en-US" b="1" dirty="0"/>
+              <a:t>이서연</a:t>
+            </a:r>
+            <a:endParaRPr lang="en-US" altLang="ko-KR" b="1" dirty="0"/>
+          </a:p>
+          <a:p>
+            <a:r>
+              <a:rPr lang="en-US" altLang="ko-KR" sz="1400" dirty="0"/>
+              <a:t>(</a:t>
+            </a:r>
+            <a:r>
+              <a:rPr lang="ko-KR" altLang="en-US" sz="1400" dirty="0"/>
+              <a:t>클라이언트</a:t>
+            </a:r>
+            <a:r>
+              <a:rPr lang="en-US" altLang="ko-KR" sz="1400" dirty="0"/>
+              <a:t>)</a:t>
+            </a:r>
+            <a:endParaRPr lang="ko-KR" altLang="en-US" sz="1400" dirty="0"/>
+          </a:p>
+        </p:txBody>
+      </p:sp>
+      <p:sp>
+        <p:nvSpPr>
+          <p:cNvPr id="6" name="TextBox 5">
+            <a:extLst>
+              <a:ext uri="{FF2B5EF4-FFF2-40B4-BE49-F238E27FC236}">
+                <a16:creationId xmlns:a16="http://schemas.microsoft.com/office/drawing/2014/main" id="{CAAA451C-AA5E-078C-161A-122EE43099F6}"/>
+              </a:ext>
+            </a:extLst>
+          </p:cNvPr>
+          <p:cNvSpPr txBox="1"/>
+          <p:nvPr/>
+        </p:nvSpPr>
+        <p:spPr>
+          <a:xfrm>
+            <a:off x="450252" y="4356697"/>
+            <a:ext cx="1584176" cy="861774"/>
+          </a:xfrm>
+          <a:prstGeom prst="rect">
+            <a:avLst/>
+          </a:prstGeom>
+        </p:spPr>
+        <p:style>
+          <a:lnRef idx="2">
+            <a:schemeClr val="accent1"/>
+          </a:lnRef>
+          <a:fillRef idx="1">
+            <a:schemeClr val="lt1"/>
+          </a:fillRef>
+          <a:effectRef idx="0">
+            <a:schemeClr val="accent1"/>
+          </a:effectRef>
+          <a:fontRef idx="minor">
+            <a:schemeClr val="dk1"/>
+          </a:fontRef>
+        </p:style>
+        <p:txBody>
+          <a:bodyPr wrap="square" rtlCol="0">
+            <a:spAutoFit/>
+          </a:bodyPr>
+          <a:lstStyle/>
+          <a:p>
+            <a:r>
+              <a:rPr lang="en-US" altLang="ko-KR" sz="1600" dirty="0"/>
+              <a:t>2020182037</a:t>
+            </a:r>
+          </a:p>
+          <a:p>
+            <a:r>
+              <a:rPr lang="ko-KR" altLang="en-US" b="1" dirty="0" err="1"/>
+              <a:t>정롭비</a:t>
+            </a:r>
+            <a:endParaRPr lang="en-US" altLang="ko-KR" b="1" dirty="0"/>
+          </a:p>
+          <a:p>
+            <a:r>
+              <a:rPr lang="en-US" altLang="ko-KR" sz="1400" dirty="0"/>
+              <a:t>(</a:t>
+            </a:r>
+            <a:r>
+              <a:rPr lang="ko-KR" altLang="en-US" sz="1400" dirty="0"/>
               <a:t>서버</a:t>
             </a:r>
             <a:r>
-              <a:rPr lang="ko-KR" altLang="en-US" sz="1200" dirty="0"/>
-              <a:t>를 이용해 멀티 플레이 구현</a:t>
-            </a:r>
-            <a:endParaRPr lang="en-US" altLang="ko-KR" sz="1200" dirty="0"/>
-          </a:p>
-          <a:p>
-            <a:pPr>
-              <a:lnSpc>
-                <a:spcPct val="150000"/>
-              </a:lnSpc>
-            </a:pPr>
-            <a:endParaRPr lang="en-US" altLang="ko-KR" sz="800" dirty="0"/>
-          </a:p>
-          <a:p>
-            <a:pPr>
-              <a:lnSpc>
-                <a:spcPct val="150000"/>
-              </a:lnSpc>
-            </a:pPr>
-            <a:r>
-              <a:rPr lang="en-US" altLang="ko-KR" sz="1200" b="1" dirty="0"/>
-              <a:t>4  </a:t>
-            </a:r>
-            <a:r>
-              <a:rPr lang="ko-KR" altLang="en-US" sz="1200" u="sng" dirty="0"/>
-              <a:t>컴포넌트 구조 디자인 패턴</a:t>
-            </a:r>
-            <a:endParaRPr lang="en-US" altLang="ko-KR" sz="1200" u="sng" dirty="0"/>
-          </a:p>
-          <a:p>
-            <a:pPr>
-              <a:lnSpc>
-                <a:spcPct val="150000"/>
-              </a:lnSpc>
-            </a:pPr>
-            <a:r>
-              <a:rPr lang="ko-KR" altLang="en-US" sz="1200" b="1" dirty="0"/>
-              <a:t>    컴포넌트 기반</a:t>
-            </a:r>
-            <a:r>
-              <a:rPr lang="ko-KR" altLang="en-US" sz="1200" dirty="0"/>
-              <a:t>의 </a:t>
-            </a:r>
-            <a:r>
-              <a:rPr lang="ko-KR" altLang="en-US" sz="1200" b="1" dirty="0"/>
-              <a:t>프레임워크</a:t>
-            </a:r>
-            <a:r>
-              <a:rPr lang="ko-KR" altLang="en-US" sz="1200" dirty="0"/>
-              <a:t>를 개발하여 코드의 </a:t>
-            </a:r>
-            <a:r>
-              <a:rPr lang="ko-KR" altLang="en-US" sz="1200" b="1" dirty="0"/>
-              <a:t>가독성</a:t>
-            </a:r>
-            <a:r>
-              <a:rPr lang="ko-KR" altLang="en-US" sz="1200" dirty="0"/>
-              <a:t>이 좋아지고 </a:t>
-            </a:r>
-            <a:r>
-              <a:rPr lang="ko-KR" altLang="en-US" sz="1200" b="1" dirty="0"/>
-              <a:t>버그</a:t>
-            </a:r>
-            <a:r>
-              <a:rPr lang="ko-KR" altLang="en-US" sz="1200" dirty="0"/>
-              <a:t>를 처리하기 쉬우며</a:t>
-            </a:r>
-            <a:endParaRPr lang="en-US" altLang="ko-KR" sz="1200" dirty="0"/>
-          </a:p>
-          <a:p>
-            <a:pPr>
-              <a:lnSpc>
-                <a:spcPct val="150000"/>
-              </a:lnSpc>
-            </a:pPr>
-            <a:r>
-              <a:rPr lang="ko-KR" altLang="en-US" sz="1200" b="1" dirty="0"/>
-              <a:t>    재활용</a:t>
-            </a:r>
-            <a:r>
-              <a:rPr lang="ko-KR" altLang="en-US" sz="1200" dirty="0"/>
-              <a:t>이 간편해서 </a:t>
-            </a:r>
-            <a:r>
-              <a:rPr lang="ko-KR" altLang="en-US" sz="1200" b="1" dirty="0"/>
-              <a:t>게임 개발 속도</a:t>
-            </a:r>
-            <a:r>
-              <a:rPr lang="ko-KR" altLang="en-US" sz="1200" dirty="0"/>
-              <a:t>에 영향을 준다</a:t>
-            </a:r>
-            <a:r>
-              <a:rPr lang="en-US" altLang="ko-KR" sz="1200" dirty="0"/>
-              <a:t>.</a:t>
-            </a:r>
-          </a:p>
-          <a:p>
-            <a:pPr>
-              <a:lnSpc>
-                <a:spcPct val="150000"/>
-              </a:lnSpc>
-            </a:pPr>
-            <a:endParaRPr lang="en-US" altLang="ko-KR" sz="800" dirty="0"/>
-          </a:p>
-          <a:p>
-            <a:pPr>
-              <a:lnSpc>
-                <a:spcPct val="150000"/>
-              </a:lnSpc>
-            </a:pPr>
-            <a:r>
-              <a:rPr lang="en-US" altLang="ko-KR" sz="1200" b="1" dirty="0"/>
-              <a:t>5  </a:t>
-            </a:r>
-            <a:r>
-              <a:rPr lang="ko-KR" altLang="en-US" sz="1200" u="sng" dirty="0"/>
-              <a:t>이펙트</a:t>
-            </a:r>
-            <a:endParaRPr lang="en-US" altLang="ko-KR" sz="1200" u="sng" dirty="0"/>
-          </a:p>
-          <a:p>
-            <a:pPr>
-              <a:lnSpc>
-                <a:spcPct val="150000"/>
-              </a:lnSpc>
-            </a:pPr>
-            <a:r>
-              <a:rPr lang="en-US" altLang="ko-KR" sz="1200" b="1" dirty="0"/>
-              <a:t>    DirectX12</a:t>
-            </a:r>
-            <a:r>
-              <a:rPr lang="ko-KR" altLang="en-US" sz="1200" dirty="0"/>
-              <a:t>로 </a:t>
-            </a:r>
-            <a:r>
-              <a:rPr lang="ko-KR" altLang="en-US" sz="1200" b="1" dirty="0"/>
-              <a:t>빌보드 </a:t>
-            </a:r>
-            <a:r>
-              <a:rPr lang="ko-KR" altLang="en-US" sz="1200" dirty="0" err="1"/>
-              <a:t>텍스쳐를</a:t>
-            </a:r>
-            <a:r>
-              <a:rPr lang="ko-KR" altLang="en-US" sz="1200" dirty="0"/>
-              <a:t> 이용한 이펙트 구현</a:t>
-            </a:r>
-            <a:endParaRPr lang="en-US" altLang="ko-KR" sz="1200" dirty="0"/>
-          </a:p>
-          <a:p>
-            <a:pPr>
-              <a:lnSpc>
-                <a:spcPct val="150000"/>
-              </a:lnSpc>
-            </a:pPr>
-            <a:endParaRPr lang="en-US" altLang="ko-KR" sz="800" dirty="0"/>
-          </a:p>
-          <a:p>
-            <a:pPr>
-              <a:lnSpc>
-                <a:spcPct val="150000"/>
-              </a:lnSpc>
-            </a:pPr>
-            <a:r>
-              <a:rPr lang="en-US" altLang="ko-KR" sz="1200" b="1" dirty="0"/>
-              <a:t>6  </a:t>
-            </a:r>
-            <a:r>
-              <a:rPr lang="ko-KR" altLang="en-US" sz="1200" u="sng" dirty="0" err="1"/>
-              <a:t>컷신</a:t>
-            </a:r>
-            <a:endParaRPr lang="en-US" altLang="ko-KR" sz="1200" u="sng" dirty="0"/>
-          </a:p>
-          <a:p>
-            <a:pPr>
-              <a:lnSpc>
-                <a:spcPct val="150000"/>
-              </a:lnSpc>
-            </a:pPr>
-            <a:r>
-              <a:rPr lang="ko-KR" altLang="en-US" sz="1200" b="1" dirty="0"/>
-              <a:t>    카메라</a:t>
-            </a:r>
-            <a:r>
-              <a:rPr lang="ko-KR" altLang="en-US" sz="1200" dirty="0"/>
-              <a:t>의 움직임과 객체의 애니메이션으로 게임 속 </a:t>
-            </a:r>
-            <a:r>
-              <a:rPr lang="ko-KR" altLang="en-US" sz="1200" b="1" dirty="0"/>
-              <a:t>영상 효과</a:t>
-            </a:r>
-            <a:r>
-              <a:rPr lang="ko-KR" altLang="en-US" sz="1200" dirty="0"/>
-              <a:t>구현</a:t>
-            </a:r>
-            <a:endParaRPr lang="en-US" altLang="ko-KR" sz="1200" dirty="0"/>
-          </a:p>
-          <a:p>
-            <a:pPr>
-              <a:lnSpc>
-                <a:spcPct val="150000"/>
-              </a:lnSpc>
-            </a:pPr>
-            <a:endParaRPr lang="en-US" altLang="ko-KR" sz="800" dirty="0"/>
-          </a:p>
-          <a:p>
-            <a:pPr>
-              <a:lnSpc>
-                <a:spcPct val="150000"/>
-              </a:lnSpc>
-            </a:pPr>
-            <a:r>
-              <a:rPr lang="en-US" altLang="ko-KR" sz="1200" b="1" dirty="0"/>
-              <a:t>7  </a:t>
-            </a:r>
-            <a:r>
-              <a:rPr lang="ko-KR" altLang="en-US" sz="1200" u="sng" dirty="0"/>
-              <a:t>음성 채팅</a:t>
-            </a:r>
-            <a:endParaRPr lang="en-US" altLang="ko-KR" sz="1200" u="sng" dirty="0"/>
-          </a:p>
-          <a:p>
-            <a:pPr>
-              <a:lnSpc>
-                <a:spcPct val="150000"/>
-              </a:lnSpc>
-            </a:pPr>
-            <a:r>
-              <a:rPr lang="en-US" altLang="ko-KR" sz="1200" b="1" dirty="0"/>
-              <a:t>    </a:t>
-            </a:r>
-            <a:r>
-              <a:rPr lang="en-US" altLang="ko-KR" sz="1200" b="1" dirty="0" err="1"/>
-              <a:t>Vivox</a:t>
-            </a:r>
-            <a:r>
-              <a:rPr lang="ko-KR" altLang="en-US" sz="1200" dirty="0"/>
-              <a:t>를 활용한 음성 채팅으로 플레이어 간의 의사소통이 </a:t>
-            </a:r>
-            <a:r>
-              <a:rPr lang="ko-KR" altLang="en-US" sz="1200" dirty="0" err="1"/>
-              <a:t>원활해진다</a:t>
-            </a:r>
-            <a:endParaRPr lang="en-US" altLang="ko-KR" sz="1200" dirty="0"/>
-          </a:p>
-          <a:p>
-            <a:pPr>
-              <a:lnSpc>
-                <a:spcPct val="150000"/>
-              </a:lnSpc>
-            </a:pPr>
-            <a:endParaRPr lang="en-US" altLang="ko-KR" sz="800" dirty="0"/>
-          </a:p>
-          <a:p>
-            <a:pPr>
-              <a:lnSpc>
-                <a:spcPct val="150000"/>
-              </a:lnSpc>
-            </a:pPr>
-            <a:r>
-              <a:rPr lang="en-US" altLang="ko-KR" sz="1200" b="1" dirty="0"/>
-              <a:t>8  </a:t>
-            </a:r>
-            <a:r>
-              <a:rPr lang="ko-KR" altLang="en-US" sz="1200" u="sng" dirty="0" err="1"/>
+              <a:rPr lang="en-US" altLang="ko-KR" sz="1400" dirty="0"/>
+              <a:t>)</a:t>
+            </a:r>
+            <a:endParaRPr lang="ko-KR" altLang="en-US" sz="1400" dirty="0"/>
+          </a:p>
+        </p:txBody>
+      </p:sp>
+      <p:sp>
+        <p:nvSpPr>
+          <p:cNvPr id="13" name="TextBox 12">
+            <a:extLst>
+              <a:ext uri="{FF2B5EF4-FFF2-40B4-BE49-F238E27FC236}">
+                <a16:creationId xmlns:a16="http://schemas.microsoft.com/office/drawing/2014/main" id="{09D0B5AF-0575-54FC-4544-66715A1C578C}"/>
+              </a:ext>
+            </a:extLst>
+          </p:cNvPr>
+          <p:cNvSpPr txBox="1"/>
+          <p:nvPr/>
+        </p:nvSpPr>
+        <p:spPr>
+          <a:xfrm>
+            <a:off x="2241800" y="1920763"/>
+            <a:ext cx="6160901" cy="738664"/>
+          </a:xfrm>
+          <a:prstGeom prst="rect">
+            <a:avLst/>
+          </a:prstGeom>
+          <a:noFill/>
+        </p:spPr>
+        <p:txBody>
+          <a:bodyPr wrap="square" rtlCol="0">
+            <a:spAutoFit/>
+          </a:bodyPr>
+          <a:lstStyle/>
+          <a:p>
+            <a:r>
+              <a:rPr lang="en-US" altLang="ko-KR" sz="1400" dirty="0"/>
+              <a:t>Level-Design</a:t>
+            </a:r>
+          </a:p>
+          <a:p>
+            <a:r>
+              <a:rPr lang="en-US" altLang="ko-KR" sz="1400" dirty="0"/>
+              <a:t>VIVOX </a:t>
+            </a:r>
+            <a:r>
+              <a:rPr lang="ko-KR" altLang="en-US" sz="1400" dirty="0"/>
+              <a:t>환경 구축</a:t>
+            </a:r>
+            <a:endParaRPr lang="en-US" altLang="ko-KR" sz="1400" dirty="0"/>
+          </a:p>
+          <a:p>
+            <a:r>
+              <a:rPr lang="en-US" altLang="ko-KR" sz="1400" dirty="0"/>
+              <a:t>Git </a:t>
+            </a:r>
+            <a:r>
+              <a:rPr lang="ko-KR" altLang="en-US" sz="1400" dirty="0"/>
+              <a:t>관리</a:t>
+            </a:r>
+          </a:p>
+        </p:txBody>
+      </p:sp>
+      <p:sp>
+        <p:nvSpPr>
+          <p:cNvPr id="14" name="TextBox 13">
+            <a:extLst>
+              <a:ext uri="{FF2B5EF4-FFF2-40B4-BE49-F238E27FC236}">
+                <a16:creationId xmlns:a16="http://schemas.microsoft.com/office/drawing/2014/main" id="{AC6BAB15-F88D-E1A0-595C-56D5843B30A8}"/>
+              </a:ext>
+            </a:extLst>
+          </p:cNvPr>
+          <p:cNvSpPr txBox="1"/>
+          <p:nvPr/>
+        </p:nvSpPr>
+        <p:spPr>
+          <a:xfrm>
+            <a:off x="2213020" y="3278760"/>
+            <a:ext cx="6160901" cy="523220"/>
+          </a:xfrm>
+          <a:prstGeom prst="rect">
+            <a:avLst/>
+          </a:prstGeom>
+          <a:noFill/>
+        </p:spPr>
+        <p:txBody>
+          <a:bodyPr wrap="square" rtlCol="0">
+            <a:spAutoFit/>
+          </a:bodyPr>
+          <a:lstStyle/>
+          <a:p>
+            <a:r>
+              <a:rPr lang="en-US" altLang="ko-KR" sz="1400" dirty="0"/>
+              <a:t>Shader</a:t>
+            </a:r>
+            <a:r>
+              <a:rPr lang="ko-KR" altLang="en-US" sz="1400" dirty="0"/>
+              <a:t> </a:t>
+            </a:r>
+            <a:r>
+              <a:rPr lang="en-US" altLang="ko-KR" sz="1400" dirty="0"/>
+              <a:t>Programming</a:t>
+            </a:r>
+          </a:p>
+          <a:p>
+            <a:r>
+              <a:rPr lang="en-US" altLang="ko-KR" sz="1400" dirty="0"/>
+              <a:t>2D </a:t>
+            </a:r>
+            <a:r>
+              <a:rPr lang="ko-KR" altLang="en-US" sz="1400" dirty="0"/>
+              <a:t>리소스 제작</a:t>
+            </a:r>
+          </a:p>
+        </p:txBody>
+      </p:sp>
+      <p:sp>
+        <p:nvSpPr>
+          <p:cNvPr id="15" name="TextBox 14">
+            <a:extLst>
+              <a:ext uri="{FF2B5EF4-FFF2-40B4-BE49-F238E27FC236}">
+                <a16:creationId xmlns:a16="http://schemas.microsoft.com/office/drawing/2014/main" id="{6802AB36-2113-AA46-E828-1E75ED7055AE}"/>
+              </a:ext>
+            </a:extLst>
+          </p:cNvPr>
+          <p:cNvSpPr txBox="1"/>
+          <p:nvPr/>
+        </p:nvSpPr>
+        <p:spPr>
+          <a:xfrm>
+            <a:off x="2213019" y="4514582"/>
+            <a:ext cx="6160901" cy="523220"/>
+          </a:xfrm>
+          <a:prstGeom prst="rect">
+            <a:avLst/>
+          </a:prstGeom>
+          <a:noFill/>
+        </p:spPr>
+        <p:txBody>
+          <a:bodyPr wrap="square" rtlCol="0">
+            <a:spAutoFit/>
+          </a:bodyPr>
+          <a:lstStyle/>
+          <a:p>
+            <a:r>
+              <a:rPr lang="en-US" altLang="ko-KR" sz="1400" dirty="0"/>
+              <a:t>IOCP</a:t>
+            </a:r>
+            <a:r>
+              <a:rPr lang="ko-KR" altLang="en-US" sz="1400" dirty="0"/>
+              <a:t>기반 서버 구축</a:t>
+            </a:r>
+            <a:endParaRPr lang="en-US" altLang="ko-KR" sz="1400" dirty="0"/>
+          </a:p>
+          <a:p>
+            <a:r>
+              <a:rPr lang="ko-KR" altLang="en-US" sz="1400" dirty="0"/>
+              <a:t>네트워크 프레임워크 작성</a:t>
+            </a:r>
+          </a:p>
+        </p:txBody>
+      </p:sp>
+      <p:sp>
+        <p:nvSpPr>
+          <p:cNvPr id="16" name="TextBox 15">
+            <a:extLst>
+              <a:ext uri="{FF2B5EF4-FFF2-40B4-BE49-F238E27FC236}">
+                <a16:creationId xmlns:a16="http://schemas.microsoft.com/office/drawing/2014/main" id="{A214C3B6-54CB-349A-071C-0963160355F6}"/>
+              </a:ext>
+            </a:extLst>
+          </p:cNvPr>
+          <p:cNvSpPr txBox="1"/>
+          <p:nvPr/>
+        </p:nvSpPr>
+        <p:spPr>
+          <a:xfrm>
+            <a:off x="2221775" y="5610920"/>
+            <a:ext cx="6160901" cy="1231106"/>
+          </a:xfrm>
+          <a:prstGeom prst="rect">
+            <a:avLst/>
+          </a:prstGeom>
+          <a:noFill/>
+        </p:spPr>
+        <p:txBody>
+          <a:bodyPr wrap="square" rtlCol="0">
+            <a:spAutoFit/>
+          </a:bodyPr>
+          <a:lstStyle/>
+          <a:p>
+            <a:r>
+              <a:rPr lang="ko-KR" altLang="en-US" sz="1400" dirty="0"/>
+              <a:t>클라이언트 </a:t>
+            </a:r>
+            <a:r>
+              <a:rPr lang="en-US" altLang="ko-KR" sz="1400" dirty="0"/>
+              <a:t>Component </a:t>
+            </a:r>
+            <a:r>
+              <a:rPr lang="ko-KR" altLang="en-US" sz="1400" dirty="0"/>
+              <a:t>구조</a:t>
+            </a:r>
+            <a:endParaRPr lang="en-US" altLang="ko-KR" sz="1400" dirty="0"/>
+          </a:p>
+          <a:p>
+            <a:r>
+              <a:rPr lang="ko-KR" altLang="en-US" sz="1400" dirty="0"/>
+              <a:t>프레임워크 제작</a:t>
+            </a:r>
+            <a:endParaRPr lang="en-US" altLang="ko-KR" sz="1400" dirty="0"/>
+          </a:p>
+          <a:p>
+            <a:endParaRPr lang="en-US" altLang="ko-KR" sz="1400" dirty="0"/>
+          </a:p>
+          <a:p>
+            <a:r>
+              <a:rPr lang="ko-KR" altLang="en-US" sz="1400" dirty="0"/>
+              <a:t>애니메이션</a:t>
+            </a:r>
+            <a:endParaRPr lang="en-US" altLang="ko-KR" sz="1400" dirty="0"/>
+          </a:p>
+          <a:p>
+            <a:r>
+              <a:rPr lang="en-US" altLang="ko-KR" dirty="0"/>
+              <a:t>	</a:t>
+            </a:r>
+          </a:p>
+        </p:txBody>
+      </p:sp>
+      <p:sp>
+        <p:nvSpPr>
+          <p:cNvPr id="17" name="TextBox 16">
+            <a:extLst>
+              <a:ext uri="{FF2B5EF4-FFF2-40B4-BE49-F238E27FC236}">
+                <a16:creationId xmlns:a16="http://schemas.microsoft.com/office/drawing/2014/main" id="{77E5888E-40A7-1D0E-FDE0-4D89C5DF0B5D}"/>
+              </a:ext>
+            </a:extLst>
+          </p:cNvPr>
+          <p:cNvSpPr txBox="1"/>
+          <p:nvPr/>
+        </p:nvSpPr>
+        <p:spPr>
+          <a:xfrm>
+            <a:off x="450252" y="5610920"/>
+            <a:ext cx="1584176" cy="861774"/>
+          </a:xfrm>
+          <a:prstGeom prst="rect">
+            <a:avLst/>
+          </a:prstGeom>
+        </p:spPr>
+        <p:style>
+          <a:lnRef idx="2">
+            <a:schemeClr val="accent2"/>
+          </a:lnRef>
+          <a:fillRef idx="1">
+            <a:schemeClr val="lt1"/>
+          </a:fillRef>
+          <a:effectRef idx="0">
+            <a:schemeClr val="accent2"/>
+          </a:effectRef>
+          <a:fontRef idx="minor">
+            <a:schemeClr val="dk1"/>
+          </a:fontRef>
+        </p:style>
+        <p:txBody>
+          <a:bodyPr wrap="square" rtlCol="0">
+            <a:spAutoFit/>
+          </a:bodyPr>
+          <a:lstStyle/>
+          <a:p>
+            <a:endParaRPr lang="en-US" altLang="ko-KR" sz="1600" dirty="0"/>
+          </a:p>
+          <a:p>
+            <a:pPr algn="ctr"/>
+            <a:r>
+              <a:rPr lang="ko-KR" altLang="en-US" b="1" dirty="0"/>
+              <a:t>공통</a:t>
+            </a:r>
+            <a:endParaRPr lang="en-US" altLang="ko-KR" b="1" dirty="0"/>
+          </a:p>
+          <a:p>
+            <a:endParaRPr lang="en-US" altLang="ko-KR" sz="1600" dirty="0"/>
+          </a:p>
+        </p:txBody>
+      </p:sp>
+      <p:sp>
+        <p:nvSpPr>
+          <p:cNvPr id="18" name="TextBox 17">
+            <a:extLst>
+              <a:ext uri="{FF2B5EF4-FFF2-40B4-BE49-F238E27FC236}">
+                <a16:creationId xmlns:a16="http://schemas.microsoft.com/office/drawing/2014/main" id="{78DBE603-059C-A098-F95D-68B6751C0990}"/>
+              </a:ext>
+            </a:extLst>
+          </p:cNvPr>
+          <p:cNvSpPr txBox="1"/>
+          <p:nvPr/>
+        </p:nvSpPr>
+        <p:spPr>
+          <a:xfrm>
+            <a:off x="2591024" y="1053512"/>
+            <a:ext cx="2232248" cy="369332"/>
+          </a:xfrm>
+          <a:prstGeom prst="rect">
+            <a:avLst/>
+          </a:prstGeom>
+          <a:noFill/>
+        </p:spPr>
+        <p:txBody>
+          <a:bodyPr wrap="square" rtlCol="0">
+            <a:spAutoFit/>
+          </a:bodyPr>
+          <a:lstStyle/>
+          <a:p>
+            <a:r>
+              <a:rPr lang="ko-KR" altLang="en-US" b="1" dirty="0"/>
+              <a:t>역할 분담</a:t>
+            </a:r>
+          </a:p>
+        </p:txBody>
+      </p:sp>
+      <p:sp>
+        <p:nvSpPr>
+          <p:cNvPr id="19" name="TextBox 18">
+            <a:extLst>
+              <a:ext uri="{FF2B5EF4-FFF2-40B4-BE49-F238E27FC236}">
+                <a16:creationId xmlns:a16="http://schemas.microsoft.com/office/drawing/2014/main" id="{88B129F9-ED72-A45E-72BC-FCB75A41676D}"/>
+              </a:ext>
+            </a:extLst>
+          </p:cNvPr>
+          <p:cNvSpPr txBox="1"/>
+          <p:nvPr/>
+        </p:nvSpPr>
+        <p:spPr>
+          <a:xfrm>
+            <a:off x="6192076" y="1048542"/>
+            <a:ext cx="2592288" cy="369332"/>
+          </a:xfrm>
+          <a:prstGeom prst="rect">
+            <a:avLst/>
+          </a:prstGeom>
+          <a:noFill/>
+        </p:spPr>
+        <p:txBody>
+          <a:bodyPr wrap="square" rtlCol="0">
+            <a:spAutoFit/>
+          </a:bodyPr>
+          <a:lstStyle/>
+          <a:p>
+            <a:r>
+              <a:rPr lang="ko-KR" altLang="en-US" b="1" dirty="0"/>
+              <a:t>중점 연구 분야</a:t>
+            </a:r>
+          </a:p>
+        </p:txBody>
+      </p:sp>
+      <p:sp>
+        <p:nvSpPr>
+          <p:cNvPr id="20" name="TextBox 19">
+            <a:extLst>
+              <a:ext uri="{FF2B5EF4-FFF2-40B4-BE49-F238E27FC236}">
+                <a16:creationId xmlns:a16="http://schemas.microsoft.com/office/drawing/2014/main" id="{315A9DA5-F196-540D-8963-A369D8EBAB3C}"/>
+              </a:ext>
+            </a:extLst>
+          </p:cNvPr>
+          <p:cNvSpPr txBox="1"/>
+          <p:nvPr/>
+        </p:nvSpPr>
+        <p:spPr>
+          <a:xfrm>
+            <a:off x="2731578" y="1953454"/>
+            <a:ext cx="6160901" cy="954107"/>
+          </a:xfrm>
+          <a:prstGeom prst="rect">
+            <a:avLst/>
+          </a:prstGeom>
+          <a:noFill/>
+        </p:spPr>
+        <p:txBody>
+          <a:bodyPr wrap="square" rtlCol="0">
+            <a:spAutoFit/>
+          </a:bodyPr>
+          <a:lstStyle/>
+          <a:p>
+            <a:pPr algn="r"/>
+            <a:r>
+              <a:rPr lang="en-US" altLang="ko-KR" sz="1400" dirty="0"/>
+              <a:t>Level-Design </a:t>
+            </a:r>
+            <a:r>
+              <a:rPr lang="ko-KR" altLang="en-US" sz="1400" dirty="0"/>
+              <a:t>연구</a:t>
+            </a:r>
+            <a:endParaRPr lang="en-US" altLang="ko-KR" sz="1400" dirty="0"/>
+          </a:p>
+          <a:p>
+            <a:pPr algn="r"/>
+            <a:r>
+              <a:rPr lang="en-US" altLang="ko-KR" sz="1400" dirty="0"/>
+              <a:t>DirectX12 </a:t>
+            </a:r>
+            <a:r>
+              <a:rPr lang="ko-KR" altLang="en-US" sz="1400" dirty="0"/>
+              <a:t>연구</a:t>
+            </a:r>
+            <a:endParaRPr lang="en-US" altLang="ko-KR" sz="1400" dirty="0"/>
+          </a:p>
+          <a:p>
+            <a:pPr algn="r"/>
+            <a:r>
+              <a:rPr lang="en-US" altLang="ko-KR" sz="1400" dirty="0"/>
+              <a:t>VIVOX </a:t>
+            </a:r>
+            <a:r>
+              <a:rPr lang="ko-KR" altLang="en-US" sz="1400" dirty="0"/>
+              <a:t>환경 연구</a:t>
+            </a:r>
+            <a:endParaRPr lang="en-US" altLang="ko-KR" sz="1400" dirty="0"/>
+          </a:p>
+          <a:p>
+            <a:pPr algn="r"/>
+            <a:endParaRPr lang="ko-KR" altLang="en-US" sz="1400" dirty="0"/>
+          </a:p>
+        </p:txBody>
+      </p:sp>
+      <p:sp>
+        <p:nvSpPr>
+          <p:cNvPr id="21" name="TextBox 20">
+            <a:extLst>
+              <a:ext uri="{FF2B5EF4-FFF2-40B4-BE49-F238E27FC236}">
+                <a16:creationId xmlns:a16="http://schemas.microsoft.com/office/drawing/2014/main" id="{67BE4F02-3641-084E-32E1-1EAE26C7C155}"/>
+              </a:ext>
+            </a:extLst>
+          </p:cNvPr>
+          <p:cNvSpPr txBox="1"/>
+          <p:nvPr/>
+        </p:nvSpPr>
+        <p:spPr>
+          <a:xfrm>
+            <a:off x="2731579" y="3202800"/>
+            <a:ext cx="6160901" cy="738664"/>
+          </a:xfrm>
+          <a:prstGeom prst="rect">
+            <a:avLst/>
+          </a:prstGeom>
+          <a:noFill/>
+        </p:spPr>
+        <p:txBody>
+          <a:bodyPr wrap="square" rtlCol="0">
+            <a:spAutoFit/>
+          </a:bodyPr>
+          <a:lstStyle/>
+          <a:p>
+            <a:pPr algn="r"/>
+            <a:r>
+              <a:rPr lang="ko-KR" altLang="en-US" sz="1400" dirty="0" err="1"/>
               <a:t>카툰</a:t>
             </a:r>
             <a:r>
-              <a:rPr lang="ko-KR" altLang="en-US" sz="1200" u="sng" dirty="0"/>
-              <a:t> </a:t>
-            </a:r>
-            <a:r>
-              <a:rPr lang="ko-KR" altLang="en-US" sz="1200" u="sng" dirty="0" err="1"/>
-              <a:t>쉐이딩</a:t>
-            </a:r>
-            <a:endParaRPr lang="en-US" altLang="ko-KR" sz="1200" u="sng" dirty="0"/>
-          </a:p>
-          <a:p>
-            <a:pPr>
-              <a:lnSpc>
-                <a:spcPct val="150000"/>
-              </a:lnSpc>
-            </a:pPr>
-            <a:r>
-              <a:rPr lang="ko-KR" altLang="en-US" sz="1200" b="1" dirty="0"/>
-              <a:t>    </a:t>
-            </a:r>
-            <a:r>
-              <a:rPr lang="ko-KR" altLang="en-US" sz="1200" b="1" dirty="0" err="1"/>
-              <a:t>카툰</a:t>
-            </a:r>
-            <a:r>
-              <a:rPr lang="ko-KR" altLang="en-US" sz="1200" b="1" dirty="0"/>
-              <a:t> 렌더링</a:t>
-            </a:r>
-            <a:r>
-              <a:rPr lang="ko-KR" altLang="en-US" sz="1200" dirty="0"/>
-              <a:t>을 활용해 거부감 없고 포근한 느낌의 </a:t>
-            </a:r>
-            <a:r>
-              <a:rPr lang="en-US" altLang="ko-KR" sz="1200" dirty="0"/>
-              <a:t>3D</a:t>
-            </a:r>
-            <a:r>
-              <a:rPr lang="ko-KR" altLang="en-US" sz="1200" dirty="0"/>
-              <a:t>게임 구현</a:t>
-            </a:r>
+              <a:rPr lang="ko-KR" altLang="en-US" sz="1400" dirty="0"/>
+              <a:t> 렌더링 및 여러 </a:t>
+            </a:r>
+            <a:r>
+              <a:rPr lang="ko-KR" altLang="en-US" sz="1400" dirty="0" err="1"/>
+              <a:t>쉐이더</a:t>
+            </a:r>
+            <a:r>
+              <a:rPr lang="ko-KR" altLang="en-US" sz="1400" dirty="0"/>
+              <a:t> 프로그래밍 연구</a:t>
+            </a:r>
+            <a:endParaRPr lang="en-US" altLang="ko-KR" sz="1400" dirty="0"/>
+          </a:p>
+          <a:p>
+            <a:pPr algn="r"/>
+            <a:r>
+              <a:rPr lang="en-US" altLang="ko-KR" sz="1400" dirty="0"/>
+              <a:t>DirectX12 </a:t>
+            </a:r>
+            <a:r>
+              <a:rPr lang="ko-KR" altLang="en-US" sz="1400" dirty="0"/>
+              <a:t>연구</a:t>
+            </a:r>
+          </a:p>
+          <a:p>
+            <a:pPr algn="r"/>
+            <a:endParaRPr lang="ko-KR" altLang="en-US" sz="1400" dirty="0"/>
+          </a:p>
+        </p:txBody>
+      </p:sp>
+      <p:sp>
+        <p:nvSpPr>
+          <p:cNvPr id="22" name="TextBox 21">
+            <a:extLst>
+              <a:ext uri="{FF2B5EF4-FFF2-40B4-BE49-F238E27FC236}">
+                <a16:creationId xmlns:a16="http://schemas.microsoft.com/office/drawing/2014/main" id="{E2CF5605-7CA3-8E0C-99C3-E75BE3A62B2F}"/>
+              </a:ext>
+            </a:extLst>
+          </p:cNvPr>
+          <p:cNvSpPr txBox="1"/>
+          <p:nvPr/>
+        </p:nvSpPr>
+        <p:spPr>
+          <a:xfrm>
+            <a:off x="2731578" y="4489304"/>
+            <a:ext cx="6160901" cy="523220"/>
+          </a:xfrm>
+          <a:prstGeom prst="rect">
+            <a:avLst/>
+          </a:prstGeom>
+          <a:noFill/>
+        </p:spPr>
+        <p:txBody>
+          <a:bodyPr wrap="square" rtlCol="0">
+            <a:spAutoFit/>
+          </a:bodyPr>
+          <a:lstStyle/>
+          <a:p>
+            <a:pPr algn="r"/>
+            <a:r>
+              <a:rPr lang="en-US" altLang="ko-KR" sz="1400" dirty="0"/>
+              <a:t>IOCP </a:t>
+            </a:r>
+            <a:r>
+              <a:rPr lang="ko-KR" altLang="en-US" sz="1400" dirty="0"/>
+              <a:t>멀티 스레드 연구</a:t>
+            </a:r>
+            <a:endParaRPr lang="en-US" altLang="ko-KR" sz="1400" dirty="0"/>
+          </a:p>
+          <a:p>
+            <a:pPr algn="r"/>
+            <a:r>
+              <a:rPr lang="ko-KR" altLang="en-US" sz="1400" dirty="0"/>
+              <a:t>네트워크 문제에 대처 가능한 설계 연구</a:t>
+            </a:r>
+          </a:p>
+        </p:txBody>
+      </p:sp>
+      <p:sp>
+        <p:nvSpPr>
+          <p:cNvPr id="23" name="TextBox 22">
+            <a:extLst>
+              <a:ext uri="{FF2B5EF4-FFF2-40B4-BE49-F238E27FC236}">
+                <a16:creationId xmlns:a16="http://schemas.microsoft.com/office/drawing/2014/main" id="{247E8820-B58B-0A23-71EF-4F5A1EA99FCC}"/>
+              </a:ext>
+            </a:extLst>
+          </p:cNvPr>
+          <p:cNvSpPr txBox="1"/>
+          <p:nvPr/>
+        </p:nvSpPr>
+        <p:spPr>
+          <a:xfrm>
+            <a:off x="1807837" y="5616020"/>
+            <a:ext cx="7084642" cy="1169551"/>
+          </a:xfrm>
+          <a:prstGeom prst="rect">
+            <a:avLst/>
+          </a:prstGeom>
+          <a:noFill/>
+        </p:spPr>
+        <p:txBody>
+          <a:bodyPr wrap="square" rtlCol="0">
+            <a:spAutoFit/>
+          </a:bodyPr>
+          <a:lstStyle/>
+          <a:p>
+            <a:pPr algn="r"/>
+            <a:r>
+              <a:rPr lang="ko-KR" altLang="en-US" sz="1400" dirty="0"/>
+              <a:t>매끄러운 공동 작업을 위한 공학적 설계방법 사고</a:t>
+            </a:r>
+            <a:endParaRPr lang="en-US" altLang="ko-KR" sz="1400" dirty="0"/>
+          </a:p>
+          <a:p>
+            <a:pPr algn="r"/>
+            <a:endParaRPr lang="en-US" altLang="ko-KR" sz="1400" dirty="0"/>
+          </a:p>
+          <a:p>
+            <a:pPr algn="r"/>
+            <a:r>
+              <a:rPr lang="ko-KR" altLang="en-US" sz="1400" dirty="0"/>
+              <a:t>효율적인 </a:t>
+            </a:r>
+            <a:r>
+              <a:rPr lang="en-US" altLang="ko-KR" sz="1400" dirty="0"/>
+              <a:t>Multi - Threading</a:t>
+            </a:r>
+            <a:r>
+              <a:rPr lang="ko-KR" altLang="en-US" sz="1400" dirty="0"/>
+              <a:t>연구</a:t>
+            </a:r>
+            <a:endParaRPr lang="en-US" altLang="ko-KR" sz="1400" dirty="0"/>
+          </a:p>
+          <a:p>
+            <a:pPr algn="r"/>
+            <a:endParaRPr lang="ko-KR" altLang="en-US" sz="1400" dirty="0"/>
+          </a:p>
+          <a:p>
+            <a:pPr algn="r"/>
+            <a:r>
+              <a:rPr lang="en-US" altLang="ko-KR" sz="1400" dirty="0"/>
+              <a:t>DirectX12</a:t>
+            </a:r>
+            <a:r>
+              <a:rPr lang="ko-KR" altLang="en-US" sz="1400" dirty="0"/>
+              <a:t>를 결합한 </a:t>
+            </a:r>
+            <a:r>
+              <a:rPr lang="en-US" altLang="ko-KR" sz="1400" dirty="0"/>
+              <a:t>Component</a:t>
+            </a:r>
+            <a:r>
+              <a:rPr lang="ko-KR" altLang="en-US" sz="1400" dirty="0"/>
+              <a:t>구조 프레임워크 연구</a:t>
+            </a:r>
+            <a:endParaRPr lang="en-US" altLang="ko-KR" sz="1400" dirty="0"/>
           </a:p>
         </p:txBody>
       </p:sp>
     </p:spTree>
     <p:extLst>
       <p:ext uri="{BB962C8B-B14F-4D97-AF65-F5344CB8AC3E}">
-        <p14:creationId xmlns:p14="http://schemas.microsoft.com/office/powerpoint/2010/main" val="400805153"/>
+        <p14:creationId xmlns:p14="http://schemas.microsoft.com/office/powerpoint/2010/main" val="1857559583"/>
       </p:ext>
     </p:extLst>
   </p:cSld>
@@ -10503,7 +11384,7 @@
         <p:spPr>
           <a:xfrm>
             <a:off x="635490" y="335487"/>
-            <a:ext cx="1441381" cy="400110"/>
+            <a:ext cx="1776269" cy="400110"/>
           </a:xfrm>
           <a:prstGeom prst="rect">
             <a:avLst/>
@@ -10517,7 +11398,7 @@
           <a:lstStyle/>
           <a:p>
             <a:r>
-              <a:rPr lang="ko-KR" altLang="en-US" sz="2000" dirty="0">
+              <a:rPr lang="ko-KR" altLang="en-US" sz="2000">
                 <a:solidFill>
                   <a:schemeClr val="tx1">
                     <a:lumMod val="75000"/>
@@ -10527,8 +11408,18 @@
                 <a:latin typeface="Sandoll 고딕 03 Bold" pitchFamily="34" charset="-127"/>
                 <a:ea typeface="Sandoll 고딕 03 Bold" pitchFamily="34" charset="-127"/>
               </a:rPr>
-              <a:t>게임 특징</a:t>
-            </a:r>
+              <a:t>현황 및 계획</a:t>
+            </a:r>
+            <a:endParaRPr lang="ko-KR" altLang="en-US" sz="2000" dirty="0">
+              <a:solidFill>
+                <a:schemeClr val="tx1">
+                  <a:lumMod val="75000"/>
+                  <a:lumOff val="25000"/>
+                </a:schemeClr>
+              </a:solidFill>
+              <a:latin typeface="Sandoll 고딕 03 Bold" pitchFamily="34" charset="-127"/>
+              <a:ea typeface="Sandoll 고딕 03 Bold" pitchFamily="34" charset="-127"/>
+            </a:endParaRPr>
           </a:p>
         </p:txBody>
       </p:sp>
@@ -10785,8 +11676,8 @@
         </p:nvSpPr>
         <p:spPr>
           <a:xfrm>
-            <a:off x="1907704" y="366265"/>
-            <a:ext cx="2232248" cy="338554"/>
+            <a:off x="2194228" y="366265"/>
+            <a:ext cx="3529900" cy="338554"/>
           </a:xfrm>
           <a:prstGeom prst="rect">
             <a:avLst/>
@@ -10809,7 +11700,7 @@
                 <a:latin typeface="Sandoll 고딕 02 Medium" pitchFamily="34" charset="-127"/>
                 <a:ea typeface="Sandoll 고딕 02 Medium" pitchFamily="34" charset="-127"/>
               </a:rPr>
-              <a:t>3) </a:t>
+              <a:t>2) </a:t>
             </a:r>
             <a:r>
               <a:rPr lang="ko-KR" altLang="en-US" sz="1600" dirty="0">
@@ -10821,259 +11712,17 @@
                 <a:latin typeface="Sandoll 고딕 02 Medium" pitchFamily="34" charset="-127"/>
                 <a:ea typeface="Sandoll 고딕 02 Medium" pitchFamily="34" charset="-127"/>
               </a:rPr>
-              <a:t>타 게임과 비교</a:t>
-            </a:r>
-          </a:p>
-        </p:txBody>
-      </p:sp>
-      <p:pic>
-        <p:nvPicPr>
-          <p:cNvPr id="3" name="그림 2">
+              <a:t>개인 별 준비 현황  및 일정</a:t>
+            </a:r>
+          </a:p>
+        </p:txBody>
+      </p:sp>
+      <p:sp>
+        <p:nvSpPr>
+          <p:cNvPr id="18" name="사각형: 둥근 모서리 17">
             <a:extLst>
               <a:ext uri="{FF2B5EF4-FFF2-40B4-BE49-F238E27FC236}">
-                <a16:creationId xmlns:a16="http://schemas.microsoft.com/office/drawing/2014/main" id="{C32A9BB2-54F0-A71F-5A4E-E85793B4180A}"/>
-              </a:ext>
-            </a:extLst>
-          </p:cNvPr>
-          <p:cNvPicPr>
-            <a:picLocks noChangeAspect="1"/>
-          </p:cNvPicPr>
-          <p:nvPr/>
-        </p:nvPicPr>
-        <p:blipFill>
-          <a:blip r:embed="rId2"/>
-          <a:stretch>
-            <a:fillRect/>
-          </a:stretch>
-        </p:blipFill>
-        <p:spPr>
-          <a:xfrm>
-            <a:off x="505011" y="1690760"/>
-            <a:ext cx="4046793" cy="2282676"/>
-          </a:xfrm>
-          <a:prstGeom prst="rect">
-            <a:avLst/>
-          </a:prstGeom>
-        </p:spPr>
-      </p:pic>
-      <p:sp>
-        <p:nvSpPr>
-          <p:cNvPr id="6" name="TextBox 5">
-            <a:extLst>
-              <a:ext uri="{FF2B5EF4-FFF2-40B4-BE49-F238E27FC236}">
-                <a16:creationId xmlns:a16="http://schemas.microsoft.com/office/drawing/2014/main" id="{51586400-A884-2B06-3106-F3107DD7C1FF}"/>
-              </a:ext>
-            </a:extLst>
-          </p:cNvPr>
-          <p:cNvSpPr txBox="1"/>
-          <p:nvPr/>
-        </p:nvSpPr>
-        <p:spPr>
-          <a:xfrm>
-            <a:off x="503041" y="4001131"/>
-            <a:ext cx="3936510" cy="215444"/>
-          </a:xfrm>
-          <a:prstGeom prst="rect">
-            <a:avLst/>
-          </a:prstGeom>
-          <a:noFill/>
-        </p:spPr>
-        <p:txBody>
-          <a:bodyPr wrap="square" rtlCol="0">
-            <a:spAutoFit/>
-          </a:bodyPr>
-          <a:lstStyle/>
-          <a:p>
-            <a:r>
-              <a:rPr lang="ko-KR" altLang="en-US" sz="800" dirty="0"/>
-              <a:t>출처 </a:t>
-            </a:r>
-            <a:r>
-              <a:rPr lang="en-US" altLang="ko-KR" sz="800" dirty="0"/>
-              <a:t>- https://bzooryu.tistory.com/77</a:t>
-            </a:r>
-            <a:endParaRPr lang="ko-KR" altLang="en-US" sz="800" dirty="0"/>
-          </a:p>
-        </p:txBody>
-      </p:sp>
-      <p:pic>
-        <p:nvPicPr>
-          <p:cNvPr id="10242" name="Picture 2" descr="Gunfire Reborn - Proving the '30 Seconds of Fun' Mantra">
-            <a:extLst>
-              <a:ext uri="{FF2B5EF4-FFF2-40B4-BE49-F238E27FC236}">
-                <a16:creationId xmlns:a16="http://schemas.microsoft.com/office/drawing/2014/main" id="{E15E812A-79A7-7A19-A56C-8492C36AB087}"/>
-              </a:ext>
-            </a:extLst>
-          </p:cNvPr>
-          <p:cNvPicPr>
-            <a:picLocks noChangeAspect="1" noChangeArrowheads="1"/>
-          </p:cNvPicPr>
-          <p:nvPr/>
-        </p:nvPicPr>
-        <p:blipFill>
-          <a:blip r:embed="rId3" cstate="print">
-            <a:extLst>
-              <a:ext uri="{28A0092B-C50C-407E-A947-70E740481C1C}">
-                <a14:useLocalDpi xmlns:a14="http://schemas.microsoft.com/office/drawing/2010/main" val="0"/>
-              </a:ext>
-            </a:extLst>
-          </a:blip>
-          <a:srcRect/>
-          <a:stretch>
-            <a:fillRect/>
-          </a:stretch>
-        </p:blipFill>
-        <p:spPr bwMode="auto">
-          <a:xfrm>
-            <a:off x="503040" y="4247353"/>
-            <a:ext cx="4046793" cy="2282675"/>
-          </a:xfrm>
-          <a:prstGeom prst="rect">
-            <a:avLst/>
-          </a:prstGeom>
-          <a:noFill/>
-          <a:extLst>
-            <a:ext uri="{909E8E84-426E-40DD-AFC4-6F175D3DCCD1}">
-              <a14:hiddenFill xmlns:a14="http://schemas.microsoft.com/office/drawing/2010/main">
-                <a:solidFill>
-                  <a:srgbClr val="FFFFFF"/>
-                </a:solidFill>
-              </a14:hiddenFill>
-            </a:ext>
-          </a:extLst>
-        </p:spPr>
-      </p:pic>
-      <p:sp>
-        <p:nvSpPr>
-          <p:cNvPr id="19" name="TextBox 18">
-            <a:extLst>
-              <a:ext uri="{FF2B5EF4-FFF2-40B4-BE49-F238E27FC236}">
-                <a16:creationId xmlns:a16="http://schemas.microsoft.com/office/drawing/2014/main" id="{DC0A1512-0BE4-9FBB-FF7E-94EC0C056D4D}"/>
-              </a:ext>
-            </a:extLst>
-          </p:cNvPr>
-          <p:cNvSpPr txBox="1"/>
-          <p:nvPr/>
-        </p:nvSpPr>
-        <p:spPr>
-          <a:xfrm>
-            <a:off x="503041" y="6514249"/>
-            <a:ext cx="3936510" cy="215444"/>
-          </a:xfrm>
-          <a:prstGeom prst="rect">
-            <a:avLst/>
-          </a:prstGeom>
-          <a:noFill/>
-        </p:spPr>
-        <p:txBody>
-          <a:bodyPr wrap="square" rtlCol="0">
-            <a:spAutoFit/>
-          </a:bodyPr>
-          <a:lstStyle/>
-          <a:p>
-            <a:r>
-              <a:rPr lang="ko-KR" altLang="en-US" sz="800" dirty="0"/>
-              <a:t>출처 </a:t>
-            </a:r>
-            <a:r>
-              <a:rPr lang="en-US" altLang="ko-KR" sz="800" dirty="0"/>
-              <a:t>- https://www.superjumpmagazine.com/gunfire-reborn-30-seconds-of-fun/</a:t>
-            </a:r>
-            <a:endParaRPr lang="ko-KR" altLang="en-US" sz="800" dirty="0"/>
-          </a:p>
-        </p:txBody>
-      </p:sp>
-      <p:sp>
-        <p:nvSpPr>
-          <p:cNvPr id="20" name="TextBox 19">
-            <a:extLst>
-              <a:ext uri="{FF2B5EF4-FFF2-40B4-BE49-F238E27FC236}">
-                <a16:creationId xmlns:a16="http://schemas.microsoft.com/office/drawing/2014/main" id="{6F0EB287-4D86-8B27-81B0-B1209604BE06}"/>
-              </a:ext>
-            </a:extLst>
-          </p:cNvPr>
-          <p:cNvSpPr txBox="1"/>
-          <p:nvPr/>
-        </p:nvSpPr>
-        <p:spPr>
-          <a:xfrm>
-            <a:off x="1338304" y="933066"/>
-            <a:ext cx="2376264" cy="646331"/>
-          </a:xfrm>
-          <a:prstGeom prst="rect">
-            <a:avLst/>
-          </a:prstGeom>
-          <a:noFill/>
-        </p:spPr>
-        <p:txBody>
-          <a:bodyPr wrap="square" rtlCol="0">
-            <a:spAutoFit/>
-          </a:bodyPr>
-          <a:lstStyle/>
-          <a:p>
-            <a:pPr algn="ctr"/>
-            <a:r>
-              <a:rPr lang="ko-KR" altLang="en-US" dirty="0" err="1"/>
-              <a:t>건파이어</a:t>
-            </a:r>
-            <a:r>
-              <a:rPr lang="ko-KR" altLang="en-US" dirty="0"/>
-              <a:t> 리본</a:t>
-            </a:r>
-            <a:endParaRPr lang="en-US" altLang="ko-KR" dirty="0"/>
-          </a:p>
-          <a:p>
-            <a:pPr algn="ctr"/>
-            <a:r>
-              <a:rPr lang="en-US" altLang="ko-KR" dirty="0"/>
-              <a:t>( Gunfire Reborn )</a:t>
-            </a:r>
-            <a:endParaRPr lang="ko-KR" altLang="en-US" dirty="0"/>
-          </a:p>
-        </p:txBody>
-      </p:sp>
-      <p:sp>
-        <p:nvSpPr>
-          <p:cNvPr id="21" name="TextBox 20">
-            <a:extLst>
-              <a:ext uri="{FF2B5EF4-FFF2-40B4-BE49-F238E27FC236}">
-                <a16:creationId xmlns:a16="http://schemas.microsoft.com/office/drawing/2014/main" id="{3685A815-B982-D946-3384-F419145D23B2}"/>
-              </a:ext>
-            </a:extLst>
-          </p:cNvPr>
-          <p:cNvSpPr txBox="1"/>
-          <p:nvPr/>
-        </p:nvSpPr>
-        <p:spPr>
-          <a:xfrm>
-            <a:off x="6162838" y="1386998"/>
-            <a:ext cx="1368152" cy="369332"/>
-          </a:xfrm>
-          <a:prstGeom prst="rect">
-            <a:avLst/>
-          </a:prstGeom>
-          <a:noFill/>
-        </p:spPr>
-        <p:txBody>
-          <a:bodyPr wrap="square" rtlCol="0">
-            <a:spAutoFit/>
-          </a:bodyPr>
-          <a:lstStyle/>
-          <a:p>
-            <a:pPr algn="ctr"/>
-            <a:r>
-              <a:rPr lang="ko-KR" altLang="en-US" dirty="0"/>
-              <a:t>유사점</a:t>
-            </a:r>
-          </a:p>
-        </p:txBody>
-      </p:sp>
-      <p:sp>
-        <p:nvSpPr>
-          <p:cNvPr id="22" name="사각형: 둥근 모서리 21">
-            <a:extLst>
-              <a:ext uri="{FF2B5EF4-FFF2-40B4-BE49-F238E27FC236}">
-                <a16:creationId xmlns:a16="http://schemas.microsoft.com/office/drawing/2014/main" id="{6160797C-CB6A-E90C-5CF2-B2030C1B3166}"/>
+                <a16:creationId xmlns:a16="http://schemas.microsoft.com/office/drawing/2014/main" id="{0BD29BA1-D977-4BF7-5E54-F5A8766CA2DB}"/>
               </a:ext>
             </a:extLst>
           </p:cNvPr>
@@ -11082,8 +11731,8 @@
         </p:nvSpPr>
         <p:spPr>
           <a:xfrm>
-            <a:off x="4801350" y="1776306"/>
-            <a:ext cx="4091129" cy="2224826"/>
+            <a:off x="522804" y="1077510"/>
+            <a:ext cx="4174956" cy="2135466"/>
           </a:xfrm>
           <a:prstGeom prst="roundRect">
             <a:avLst/>
@@ -11091,13 +11740,13 @@
         </p:spPr>
         <p:style>
           <a:lnRef idx="2">
-            <a:schemeClr val="dk1"/>
+            <a:schemeClr val="accent5"/>
           </a:lnRef>
           <a:fillRef idx="1">
             <a:schemeClr val="lt1"/>
           </a:fillRef>
           <a:effectRef idx="0">
-            <a:schemeClr val="dk1"/>
+            <a:schemeClr val="accent5"/>
           </a:effectRef>
           <a:fontRef idx="minor">
             <a:schemeClr val="dk1"/>
@@ -11107,242 +11756,116 @@
           <a:bodyPr rtlCol="0" anchor="ctr"/>
           <a:lstStyle/>
           <a:p>
-            <a:pPr marL="228600" indent="-228600">
-              <a:buAutoNum type="arabicPeriod"/>
-            </a:pPr>
-            <a:r>
-              <a:rPr lang="en-US" altLang="ko-KR" sz="1200" dirty="0"/>
-              <a:t>1</a:t>
-            </a:r>
-            <a:r>
-              <a:rPr lang="ko-KR" altLang="en-US" sz="1200" dirty="0"/>
-              <a:t>인칭 게임이다</a:t>
-            </a:r>
-            <a:r>
-              <a:rPr lang="en-US" altLang="ko-KR" sz="1200" dirty="0"/>
-              <a:t>.</a:t>
-            </a:r>
-          </a:p>
-          <a:p>
-            <a:pPr marL="228600" indent="-228600">
-              <a:buAutoNum type="arabicPeriod"/>
-            </a:pPr>
-            <a:endParaRPr lang="en-US" altLang="ko-KR" sz="1200" dirty="0"/>
-          </a:p>
-          <a:p>
-            <a:r>
-              <a:rPr lang="en-US" altLang="ko-KR" sz="1200" dirty="0"/>
-              <a:t>2. </a:t>
-            </a:r>
-            <a:r>
-              <a:rPr lang="ko-KR" altLang="en-US" sz="1200" dirty="0"/>
-              <a:t>최대 </a:t>
-            </a:r>
-            <a:r>
-              <a:rPr lang="en-US" altLang="ko-KR" sz="1200" dirty="0"/>
-              <a:t>4</a:t>
-            </a:r>
-            <a:r>
-              <a:rPr lang="ko-KR" altLang="en-US" sz="1200" dirty="0"/>
-              <a:t>인 협동게임이다</a:t>
-            </a:r>
-            <a:endParaRPr lang="en-US" altLang="ko-KR" sz="1200" dirty="0"/>
-          </a:p>
-          <a:p>
-            <a:endParaRPr lang="en-US" altLang="ko-KR" sz="1200" dirty="0"/>
-          </a:p>
-          <a:p>
-            <a:r>
-              <a:rPr lang="en-US" altLang="ko-KR" sz="1200" dirty="0"/>
-              <a:t>3. </a:t>
-            </a:r>
-            <a:r>
-              <a:rPr lang="ko-KR" altLang="en-US" sz="1200" dirty="0"/>
-              <a:t>스킬과 무기를 사용하여 적을 물리쳐야 한다</a:t>
-            </a:r>
-            <a:r>
-              <a:rPr lang="en-US" altLang="ko-KR" sz="1200" dirty="0"/>
-              <a:t>.</a:t>
-            </a:r>
-          </a:p>
-          <a:p>
-            <a:endParaRPr lang="en-US" altLang="ko-KR" sz="1200" dirty="0"/>
-          </a:p>
-          <a:p>
-            <a:r>
-              <a:rPr lang="en-US" altLang="ko-KR" sz="1200" dirty="0"/>
-              <a:t>4. </a:t>
-            </a:r>
-            <a:r>
-              <a:rPr lang="ko-KR" altLang="en-US" sz="1200" dirty="0"/>
-              <a:t>일반 스테이지와 보스 스테이지로 나뉘어져 있다</a:t>
-            </a:r>
-            <a:r>
-              <a:rPr lang="en-US" altLang="ko-KR" sz="1200" dirty="0"/>
-              <a:t>.</a:t>
-            </a:r>
-          </a:p>
-        </p:txBody>
-      </p:sp>
-      <p:sp>
-        <p:nvSpPr>
-          <p:cNvPr id="23" name="TextBox 22">
-            <a:extLst>
-              <a:ext uri="{FF2B5EF4-FFF2-40B4-BE49-F238E27FC236}">
-                <a16:creationId xmlns:a16="http://schemas.microsoft.com/office/drawing/2014/main" id="{719690DC-B741-65A2-7139-4DFDCCC79FE8}"/>
-              </a:ext>
-            </a:extLst>
-          </p:cNvPr>
-          <p:cNvSpPr txBox="1"/>
-          <p:nvPr/>
-        </p:nvSpPr>
-        <p:spPr>
-          <a:xfrm>
-            <a:off x="6162838" y="3999975"/>
-            <a:ext cx="1368152" cy="338554"/>
-          </a:xfrm>
-          <a:prstGeom prst="rect">
-            <a:avLst/>
-          </a:prstGeom>
-          <a:noFill/>
-        </p:spPr>
-        <p:txBody>
-          <a:bodyPr wrap="square" rtlCol="0">
-            <a:spAutoFit/>
-          </a:bodyPr>
-          <a:lstStyle/>
-          <a:p>
-            <a:pPr algn="ctr"/>
-            <a:r>
-              <a:rPr lang="ko-KR" altLang="en-US" sz="1600" dirty="0"/>
-              <a:t>차이점</a:t>
-            </a:r>
-          </a:p>
-        </p:txBody>
-      </p:sp>
-      <p:sp>
-        <p:nvSpPr>
-          <p:cNvPr id="24" name="사각형: 둥근 모서리 23">
-            <a:extLst>
-              <a:ext uri="{FF2B5EF4-FFF2-40B4-BE49-F238E27FC236}">
-                <a16:creationId xmlns:a16="http://schemas.microsoft.com/office/drawing/2014/main" id="{2985935C-F360-9724-9143-FF88A42CA5C8}"/>
-              </a:ext>
-            </a:extLst>
-          </p:cNvPr>
-          <p:cNvSpPr/>
-          <p:nvPr/>
-        </p:nvSpPr>
-        <p:spPr>
-          <a:xfrm>
-            <a:off x="4801350" y="4342289"/>
-            <a:ext cx="4091129" cy="2224826"/>
-          </a:xfrm>
-          <a:prstGeom prst="roundRect">
-            <a:avLst/>
-          </a:prstGeom>
-        </p:spPr>
-        <p:style>
-          <a:lnRef idx="2">
-            <a:schemeClr val="dk1"/>
-          </a:lnRef>
-          <a:fillRef idx="1">
-            <a:schemeClr val="lt1"/>
-          </a:fillRef>
-          <a:effectRef idx="0">
-            <a:schemeClr val="dk1"/>
-          </a:effectRef>
-          <a:fontRef idx="minor">
-            <a:schemeClr val="dk1"/>
-          </a:fontRef>
-        </p:style>
-        <p:txBody>
-          <a:bodyPr rtlCol="0" anchor="ctr"/>
-          <a:lstStyle/>
-          <a:p>
-            <a:pPr marL="228600" indent="-228600">
-              <a:buAutoNum type="arabicPeriod"/>
-            </a:pPr>
-            <a:r>
-              <a:rPr lang="ko-KR" altLang="en-US" sz="1200" dirty="0" err="1"/>
-              <a:t>마나를</a:t>
-            </a:r>
-            <a:r>
-              <a:rPr lang="ko-KR" altLang="en-US" sz="1200" dirty="0"/>
-              <a:t> 신경 써야 한다</a:t>
-            </a:r>
-            <a:r>
-              <a:rPr lang="en-US" altLang="ko-KR" sz="1200" dirty="0"/>
-              <a:t>.</a:t>
-            </a:r>
-          </a:p>
-          <a:p>
-            <a:pPr marL="228600" indent="-228600">
-              <a:buAutoNum type="arabicPeriod"/>
-            </a:pPr>
-            <a:endParaRPr lang="en-US" altLang="ko-KR" sz="1200" dirty="0"/>
-          </a:p>
-          <a:p>
-            <a:r>
-              <a:rPr lang="en-US" altLang="ko-KR" sz="1200" dirty="0"/>
-              <a:t>2. </a:t>
-            </a:r>
-            <a:r>
-              <a:rPr lang="ko-KR" altLang="en-US" sz="1200" dirty="0"/>
-              <a:t>게임 진행을 위한 스토리 </a:t>
-            </a:r>
-            <a:r>
-              <a:rPr lang="ko-KR" altLang="en-US" sz="1200" dirty="0" err="1"/>
-              <a:t>텔링이</a:t>
-            </a:r>
-            <a:r>
-              <a:rPr lang="ko-KR" altLang="en-US" sz="1200" dirty="0"/>
-              <a:t> 존재한다</a:t>
-            </a:r>
-            <a:r>
-              <a:rPr lang="en-US" altLang="ko-KR" sz="1200" dirty="0"/>
-              <a:t>.</a:t>
-            </a:r>
-          </a:p>
-          <a:p>
-            <a:endParaRPr lang="en-US" altLang="ko-KR" sz="1200" dirty="0"/>
-          </a:p>
-          <a:p>
-            <a:r>
-              <a:rPr lang="en-US" altLang="ko-KR" sz="1200" dirty="0"/>
-              <a:t>3. </a:t>
-            </a:r>
-            <a:r>
-              <a:rPr lang="ko-KR" altLang="en-US" sz="1200" dirty="0"/>
-              <a:t>음성채팅이 가능하다</a:t>
-            </a:r>
-            <a:r>
-              <a:rPr lang="en-US" altLang="ko-KR" sz="1200" dirty="0"/>
-              <a:t>.</a:t>
-            </a:r>
-          </a:p>
-          <a:p>
-            <a:endParaRPr lang="en-US" altLang="ko-KR" sz="1200" dirty="0"/>
-          </a:p>
-          <a:p>
-            <a:r>
-              <a:rPr lang="en-US" altLang="ko-KR" sz="1200" dirty="0"/>
-              <a:t>4. </a:t>
-            </a:r>
-            <a:r>
-              <a:rPr lang="ko-KR" altLang="en-US" sz="1200" dirty="0"/>
-              <a:t>게임이 플레이어의 감각에 영향을 준다</a:t>
-            </a:r>
-            <a:r>
-              <a:rPr lang="en-US" altLang="ko-KR" sz="1200" dirty="0"/>
-              <a:t>.</a:t>
-            </a:r>
+            <a:r>
+              <a:rPr lang="en-US" altLang="ko-KR" sz="1400" b="1" dirty="0"/>
+              <a:t>Component</a:t>
+            </a:r>
+            <a:r>
+              <a:rPr lang="ko-KR" altLang="en-US" sz="1400" b="1" dirty="0"/>
+              <a:t> </a:t>
+            </a:r>
+            <a:r>
+              <a:rPr lang="en-US" altLang="ko-KR" sz="1400" b="1" dirty="0"/>
+              <a:t>Design</a:t>
+            </a:r>
+            <a:r>
+              <a:rPr lang="ko-KR" altLang="en-US" sz="1400" b="1" dirty="0"/>
+              <a:t> </a:t>
+            </a:r>
+            <a:r>
+              <a:rPr lang="en-US" altLang="ko-KR" sz="1400" b="1" dirty="0"/>
+              <a:t>Pattern</a:t>
+            </a:r>
+            <a:r>
+              <a:rPr lang="ko-KR" altLang="en-US" sz="1400" b="1" dirty="0"/>
+              <a:t> </a:t>
+            </a:r>
+            <a:r>
+              <a:rPr lang="ko-KR" altLang="en-US" sz="1400" dirty="0"/>
+              <a:t>학습</a:t>
+            </a:r>
+            <a:endParaRPr lang="en-US" altLang="ko-KR" sz="1400" dirty="0"/>
+          </a:p>
+          <a:p>
+            <a:endParaRPr lang="en-US" altLang="ko-KR" sz="1400" dirty="0"/>
+          </a:p>
+          <a:p>
+            <a:r>
+              <a:rPr lang="en-US" altLang="ko-KR" sz="1400" b="1" dirty="0"/>
+              <a:t>3D</a:t>
+            </a:r>
+            <a:r>
+              <a:rPr lang="ko-KR" altLang="en-US" sz="1400" b="1" dirty="0"/>
+              <a:t>게임 프로그래밍</a:t>
+            </a:r>
+            <a:r>
+              <a:rPr lang="en-US" altLang="ko-KR" sz="1400" b="1" dirty="0"/>
+              <a:t>1/2</a:t>
+            </a:r>
+          </a:p>
+          <a:p>
+            <a:r>
+              <a:rPr lang="ko-KR" altLang="en-US" sz="1400" b="1" dirty="0"/>
+              <a:t>게임 수학</a:t>
+            </a:r>
+            <a:endParaRPr lang="en-US" altLang="ko-KR" sz="1400" b="1" dirty="0"/>
+          </a:p>
+          <a:p>
+            <a:r>
+              <a:rPr lang="en-US" altLang="ko-KR" sz="1400" b="1" dirty="0"/>
+              <a:t>C / C++ / STL</a:t>
+            </a:r>
+          </a:p>
+          <a:p>
+            <a:r>
+              <a:rPr lang="ko-KR" altLang="en-US" sz="1400" b="1" dirty="0"/>
+              <a:t>네트워크 기초 </a:t>
+            </a:r>
+            <a:r>
+              <a:rPr lang="en-US" altLang="ko-KR" sz="1400" b="1" dirty="0"/>
+              <a:t>/ </a:t>
+            </a:r>
+            <a:r>
+              <a:rPr lang="ko-KR" altLang="en-US" sz="1400" b="1" dirty="0"/>
+              <a:t>게임 프로그래밍</a:t>
+            </a:r>
+            <a:endParaRPr lang="en-US" altLang="ko-KR" sz="1400" b="1" dirty="0"/>
+          </a:p>
+          <a:p>
+            <a:r>
+              <a:rPr lang="ko-KR" altLang="en-US" sz="1400" b="1" dirty="0"/>
+              <a:t>자료구조</a:t>
+            </a:r>
+            <a:endParaRPr lang="en-US" altLang="ko-KR" sz="1400" b="1" dirty="0"/>
+          </a:p>
+          <a:p>
+            <a:r>
+              <a:rPr lang="ko-KR" altLang="en-US" sz="1400" b="1" dirty="0"/>
+              <a:t>인공지능</a:t>
+            </a:r>
+            <a:endParaRPr lang="en-US" altLang="ko-KR" sz="1400" b="1" dirty="0"/>
+          </a:p>
+          <a:p>
+            <a:r>
+              <a:rPr lang="ko-KR" altLang="en-US" sz="1400" b="1" dirty="0"/>
+              <a:t>알고리즘</a:t>
+            </a:r>
+            <a:r>
+              <a:rPr lang="en-US" altLang="ko-KR" sz="1400" b="1" dirty="0"/>
+              <a:t> </a:t>
+            </a:r>
+            <a:r>
+              <a:rPr lang="ko-KR" altLang="en-US" sz="1400" dirty="0"/>
+              <a:t>수강</a:t>
+            </a:r>
+            <a:endParaRPr lang="en-US" altLang="ko-KR" sz="1400" dirty="0"/>
           </a:p>
         </p:txBody>
       </p:sp>
     </p:spTree>
     <p:extLst>
       <p:ext uri="{BB962C8B-B14F-4D97-AF65-F5344CB8AC3E}">
-        <p14:creationId xmlns:p14="http://schemas.microsoft.com/office/powerpoint/2010/main" val="1902747088"/>
+        <p14:creationId xmlns:p14="http://schemas.microsoft.com/office/powerpoint/2010/main" val="2800385426"/>
       </p:ext>
     </p:extLst>
   </p:cSld>
@@ -11369,23 +11892,278 @@
           <a:chExt cx="0" cy="0"/>
         </a:xfrm>
       </p:grpSpPr>
-      <p:sp>
-        <p:nvSpPr>
-          <p:cNvPr id="4" name="직사각형 3"/>
+      <p:grpSp>
+        <p:nvGrpSpPr>
+          <p:cNvPr id="18" name="그룹 17"/>
+          <p:cNvGrpSpPr/>
+          <p:nvPr/>
+        </p:nvGrpSpPr>
+        <p:grpSpPr>
+          <a:xfrm>
+            <a:off x="0" y="0"/>
+            <a:ext cx="4427984" cy="6858000"/>
+            <a:chOff x="0" y="0"/>
+            <a:chExt cx="4427984" cy="6858000"/>
+          </a:xfrm>
+        </p:grpSpPr>
+        <p:cxnSp>
+          <p:nvCxnSpPr>
+            <p:cNvPr id="5" name="직선 연결선 4"/>
+            <p:cNvCxnSpPr/>
+            <p:nvPr/>
+          </p:nvCxnSpPr>
+          <p:spPr>
+            <a:xfrm flipH="1">
+              <a:off x="0" y="0"/>
+              <a:ext cx="2915816" cy="5229200"/>
+            </a:xfrm>
+            <a:prstGeom prst="line">
+              <a:avLst/>
+            </a:prstGeom>
+            <a:ln>
+              <a:solidFill>
+                <a:schemeClr val="bg1">
+                  <a:lumMod val="65000"/>
+                </a:schemeClr>
+              </a:solidFill>
+              <a:prstDash val="sysDot"/>
+            </a:ln>
+          </p:spPr>
+          <p:style>
+            <a:lnRef idx="1">
+              <a:schemeClr val="accent1"/>
+            </a:lnRef>
+            <a:fillRef idx="0">
+              <a:schemeClr val="accent1"/>
+            </a:fillRef>
+            <a:effectRef idx="0">
+              <a:schemeClr val="accent1"/>
+            </a:effectRef>
+            <a:fontRef idx="minor">
+              <a:schemeClr val="tx1"/>
+            </a:fontRef>
+          </p:style>
+        </p:cxnSp>
+        <p:cxnSp>
+          <p:nvCxnSpPr>
+            <p:cNvPr id="6" name="직선 연결선 5"/>
+            <p:cNvCxnSpPr/>
+            <p:nvPr/>
+          </p:nvCxnSpPr>
+          <p:spPr>
+            <a:xfrm>
+              <a:off x="0" y="4337720"/>
+              <a:ext cx="4427984" cy="2520280"/>
+            </a:xfrm>
+            <a:prstGeom prst="line">
+              <a:avLst/>
+            </a:prstGeom>
+            <a:ln>
+              <a:solidFill>
+                <a:schemeClr val="bg1">
+                  <a:lumMod val="65000"/>
+                </a:schemeClr>
+              </a:solidFill>
+              <a:prstDash val="sysDot"/>
+            </a:ln>
+          </p:spPr>
+          <p:style>
+            <a:lnRef idx="1">
+              <a:schemeClr val="accent1"/>
+            </a:lnRef>
+            <a:fillRef idx="0">
+              <a:schemeClr val="accent1"/>
+            </a:fillRef>
+            <a:effectRef idx="0">
+              <a:schemeClr val="accent1"/>
+            </a:effectRef>
+            <a:fontRef idx="minor">
+              <a:schemeClr val="tx1"/>
+            </a:fontRef>
+          </p:style>
+        </p:cxnSp>
+      </p:grpSp>
+      <p:grpSp>
+        <p:nvGrpSpPr>
+          <p:cNvPr id="12" name="그룹 11"/>
+          <p:cNvGrpSpPr/>
+          <p:nvPr/>
+        </p:nvGrpSpPr>
+        <p:grpSpPr>
+          <a:xfrm>
+            <a:off x="1998417" y="2368811"/>
+            <a:ext cx="772316" cy="491577"/>
+            <a:chOff x="4252314" y="1143866"/>
+            <a:chExt cx="772316" cy="491577"/>
+          </a:xfrm>
+        </p:grpSpPr>
+        <p:sp>
+          <p:nvSpPr>
+            <p:cNvPr id="9" name="직사각형 8"/>
+            <p:cNvSpPr/>
+            <p:nvPr/>
+          </p:nvSpPr>
+          <p:spPr>
+            <a:xfrm rot="599424">
+              <a:off x="4252314" y="1223935"/>
+              <a:ext cx="319686" cy="319686"/>
+            </a:xfrm>
+            <a:prstGeom prst="rect">
+              <a:avLst/>
+            </a:prstGeom>
+            <a:noFill/>
+            <a:ln w="9525">
+              <a:solidFill>
+                <a:schemeClr val="bg1">
+                  <a:lumMod val="65000"/>
+                </a:schemeClr>
+              </a:solidFill>
+            </a:ln>
+          </p:spPr>
+          <p:style>
+            <a:lnRef idx="2">
+              <a:schemeClr val="accent1">
+                <a:shade val="50000"/>
+              </a:schemeClr>
+            </a:lnRef>
+            <a:fillRef idx="1">
+              <a:schemeClr val="accent1"/>
+            </a:fillRef>
+            <a:effectRef idx="0">
+              <a:schemeClr val="accent1"/>
+            </a:effectRef>
+            <a:fontRef idx="minor">
+              <a:schemeClr val="lt1"/>
+            </a:fontRef>
+          </p:style>
+          <p:txBody>
+            <a:bodyPr rtlCol="0" anchor="ctr"/>
+            <a:lstStyle/>
+            <a:p>
+              <a:pPr algn="ctr"/>
+              <a:endParaRPr lang="ko-KR" altLang="en-US"/>
+            </a:p>
+          </p:txBody>
+        </p:sp>
+        <p:sp>
+          <p:nvSpPr>
+            <p:cNvPr id="10" name="직사각형 9"/>
+            <p:cNvSpPr/>
+            <p:nvPr/>
+          </p:nvSpPr>
+          <p:spPr>
+            <a:xfrm rot="1427337">
+              <a:off x="4556578" y="1143866"/>
+              <a:ext cx="468052" cy="468052"/>
+            </a:xfrm>
+            <a:prstGeom prst="rect">
+              <a:avLst/>
+            </a:prstGeom>
+            <a:noFill/>
+            <a:ln w="9525">
+              <a:solidFill>
+                <a:schemeClr val="bg1">
+                  <a:lumMod val="65000"/>
+                </a:schemeClr>
+              </a:solidFill>
+            </a:ln>
+          </p:spPr>
+          <p:style>
+            <a:lnRef idx="2">
+              <a:schemeClr val="accent1">
+                <a:shade val="50000"/>
+              </a:schemeClr>
+            </a:lnRef>
+            <a:fillRef idx="1">
+              <a:schemeClr val="accent1"/>
+            </a:fillRef>
+            <a:effectRef idx="0">
+              <a:schemeClr val="accent1"/>
+            </a:effectRef>
+            <a:fontRef idx="minor">
+              <a:schemeClr val="lt1"/>
+            </a:fontRef>
+          </p:style>
+          <p:txBody>
+            <a:bodyPr rtlCol="0" anchor="ctr"/>
+            <a:lstStyle/>
+            <a:p>
+              <a:pPr algn="ctr"/>
+              <a:endParaRPr lang="ko-KR" altLang="en-US"/>
+            </a:p>
+          </p:txBody>
+        </p:sp>
+        <p:sp>
+          <p:nvSpPr>
+            <p:cNvPr id="11" name="직사각형 10"/>
+            <p:cNvSpPr/>
+            <p:nvPr/>
+          </p:nvSpPr>
+          <p:spPr>
+            <a:xfrm rot="3783077">
+              <a:off x="4440058" y="1443568"/>
+              <a:ext cx="191875" cy="191875"/>
+            </a:xfrm>
+            <a:prstGeom prst="rect">
+              <a:avLst/>
+            </a:prstGeom>
+            <a:solidFill>
+              <a:schemeClr val="bg1">
+                <a:lumMod val="65000"/>
+              </a:schemeClr>
+            </a:solidFill>
+            <a:ln w="9525">
+              <a:solidFill>
+                <a:schemeClr val="bg1">
+                  <a:lumMod val="65000"/>
+                </a:schemeClr>
+              </a:solidFill>
+            </a:ln>
+          </p:spPr>
+          <p:style>
+            <a:lnRef idx="2">
+              <a:schemeClr val="accent1">
+                <a:shade val="50000"/>
+              </a:schemeClr>
+            </a:lnRef>
+            <a:fillRef idx="1">
+              <a:schemeClr val="accent1"/>
+            </a:fillRef>
+            <a:effectRef idx="0">
+              <a:schemeClr val="accent1"/>
+            </a:effectRef>
+            <a:fontRef idx="minor">
+              <a:schemeClr val="lt1"/>
+            </a:fontRef>
+          </p:style>
+          <p:txBody>
+            <a:bodyPr rtlCol="0" anchor="ctr"/>
+            <a:lstStyle/>
+            <a:p>
+              <a:pPr algn="ctr"/>
+              <a:endParaRPr lang="ko-KR" altLang="en-US"/>
+            </a:p>
+          </p:txBody>
+        </p:sp>
+      </p:grpSp>
+      <p:sp>
+        <p:nvSpPr>
+          <p:cNvPr id="14" name="직사각형 13"/>
           <p:cNvSpPr/>
           <p:nvPr/>
         </p:nvSpPr>
         <p:spPr>
           <a:xfrm>
-            <a:off x="370592" y="389855"/>
-            <a:ext cx="264898" cy="246221"/>
+            <a:off x="1995998" y="3096143"/>
+            <a:ext cx="128998" cy="360842"/>
           </a:xfrm>
           <a:prstGeom prst="rect">
             <a:avLst/>
           </a:prstGeom>
           <a:solidFill>
-            <a:schemeClr val="bg1">
-              <a:lumMod val="85000"/>
+            <a:schemeClr val="tx1">
+              <a:lumMod val="75000"/>
+              <a:lumOff val="25000"/>
             </a:schemeClr>
           </a:solidFill>
           <a:ln>
@@ -11419,14 +12197,14 @@
       </p:sp>
       <p:sp>
         <p:nvSpPr>
-          <p:cNvPr id="5" name="TextBox 4"/>
+          <p:cNvPr id="15" name="TextBox 14"/>
           <p:cNvSpPr txBox="1"/>
           <p:nvPr/>
         </p:nvSpPr>
         <p:spPr>
           <a:xfrm>
-            <a:off x="635490" y="335487"/>
-            <a:ext cx="1776269" cy="400110"/>
+            <a:off x="2195736" y="3014882"/>
+            <a:ext cx="2016223" cy="523220"/>
           </a:xfrm>
           <a:prstGeom prst="rect">
             <a:avLst/>
@@ -11440,986 +12218,48 @@
           <a:lstStyle/>
           <a:p>
             <a:r>
-              <a:rPr lang="ko-KR" altLang="en-US" sz="2000">
+              <a:rPr lang="ko-KR" altLang="en-US" sz="2800" dirty="0">
                 <a:solidFill>
                   <a:schemeClr val="tx1">
                     <a:lumMod val="75000"/>
                     <a:lumOff val="25000"/>
                   </a:schemeClr>
                 </a:solidFill>
-                <a:latin typeface="Sandoll 고딕 03 Bold" pitchFamily="34" charset="-127"/>
-                <a:ea typeface="Sandoll 고딕 03 Bold" pitchFamily="34" charset="-127"/>
+                <a:latin typeface="HU젊음의행진140" pitchFamily="18" charset="-127"/>
+                <a:ea typeface="HU젊음의행진140" pitchFamily="18" charset="-127"/>
               </a:rPr>
-              <a:t>현황 및 계획</a:t>
-            </a:r>
-            <a:endParaRPr lang="ko-KR" altLang="en-US" sz="2000" dirty="0">
+              <a:t>감사합니다</a:t>
+            </a:r>
+            <a:r>
+              <a:rPr lang="en-US" altLang="ko-KR" sz="2800" dirty="0">
+                <a:solidFill>
+                  <a:schemeClr val="tx1">
+                    <a:lumMod val="75000"/>
+                    <a:lumOff val="25000"/>
+                  </a:schemeClr>
+                </a:solidFill>
+                <a:latin typeface="HU젊음의행진140" pitchFamily="18" charset="-127"/>
+                <a:ea typeface="HU젊음의행진140" pitchFamily="18" charset="-127"/>
+              </a:rPr>
+              <a:t>.</a:t>
+            </a:r>
+            <a:endParaRPr lang="ko-KR" altLang="en-US" sz="2800" dirty="0">
               <a:solidFill>
                 <a:schemeClr val="tx1">
                   <a:lumMod val="75000"/>
                   <a:lumOff val="25000"/>
                 </a:schemeClr>
               </a:solidFill>
-              <a:latin typeface="Sandoll 고딕 03 Bold" pitchFamily="34" charset="-127"/>
-              <a:ea typeface="Sandoll 고딕 03 Bold" pitchFamily="34" charset="-127"/>
+              <a:latin typeface="HU젊음의행진140" pitchFamily="18" charset="-127"/>
+              <a:ea typeface="HU젊음의행진140" pitchFamily="18" charset="-127"/>
             </a:endParaRPr>
-          </a:p>
-        </p:txBody>
-      </p:sp>
-      <p:cxnSp>
-        <p:nvCxnSpPr>
-          <p:cNvPr id="7" name="직선 연결선 6"/>
-          <p:cNvCxnSpPr/>
-          <p:nvPr/>
-        </p:nvCxnSpPr>
-        <p:spPr>
-          <a:xfrm>
-            <a:off x="251520" y="0"/>
-            <a:ext cx="0" cy="6858000"/>
-          </a:xfrm>
-          <a:prstGeom prst="line">
-            <a:avLst/>
-          </a:prstGeom>
-          <a:ln>
-            <a:solidFill>
-              <a:schemeClr val="bg1">
-                <a:lumMod val="65000"/>
-              </a:schemeClr>
-            </a:solidFill>
-            <a:prstDash val="sysDot"/>
-          </a:ln>
-        </p:spPr>
-        <p:style>
-          <a:lnRef idx="1">
-            <a:schemeClr val="accent1"/>
-          </a:lnRef>
-          <a:fillRef idx="0">
-            <a:schemeClr val="accent1"/>
-          </a:fillRef>
-          <a:effectRef idx="0">
-            <a:schemeClr val="accent1"/>
-          </a:effectRef>
-          <a:fontRef idx="minor">
-            <a:schemeClr val="tx1"/>
-          </a:fontRef>
-        </p:style>
-      </p:cxnSp>
-      <p:cxnSp>
-        <p:nvCxnSpPr>
-          <p:cNvPr id="8" name="직선 연결선 7"/>
-          <p:cNvCxnSpPr/>
-          <p:nvPr/>
-        </p:nvCxnSpPr>
-        <p:spPr>
-          <a:xfrm>
-            <a:off x="0" y="260648"/>
-            <a:ext cx="9144000" cy="0"/>
-          </a:xfrm>
-          <a:prstGeom prst="line">
-            <a:avLst/>
-          </a:prstGeom>
-          <a:ln>
-            <a:solidFill>
-              <a:schemeClr val="bg1">
-                <a:lumMod val="65000"/>
-              </a:schemeClr>
-            </a:solidFill>
-            <a:prstDash val="sysDot"/>
-          </a:ln>
-        </p:spPr>
-        <p:style>
-          <a:lnRef idx="1">
-            <a:schemeClr val="accent1"/>
-          </a:lnRef>
-          <a:fillRef idx="0">
-            <a:schemeClr val="accent1"/>
-          </a:fillRef>
-          <a:effectRef idx="0">
-            <a:schemeClr val="accent1"/>
-          </a:effectRef>
-          <a:fontRef idx="minor">
-            <a:schemeClr val="tx1"/>
-          </a:fontRef>
-        </p:style>
-      </p:cxnSp>
-      <p:sp>
-        <p:nvSpPr>
-          <p:cNvPr id="4163" name="TextBox 4162">
-            <a:extLst>
-              <a:ext uri="{FF2B5EF4-FFF2-40B4-BE49-F238E27FC236}">
-                <a16:creationId xmlns:a16="http://schemas.microsoft.com/office/drawing/2014/main" id="{3C4B1F17-2D08-8557-911F-4590D98CF19B}"/>
-              </a:ext>
-            </a:extLst>
-          </p:cNvPr>
-          <p:cNvSpPr txBox="1"/>
-          <p:nvPr/>
-        </p:nvSpPr>
-        <p:spPr>
-          <a:xfrm>
-            <a:off x="2194227" y="366265"/>
-            <a:ext cx="5258091" cy="338554"/>
-          </a:xfrm>
-          <a:prstGeom prst="rect">
-            <a:avLst/>
-          </a:prstGeom>
-          <a:noFill/>
-        </p:spPr>
-        <p:txBody>
-          <a:bodyPr wrap="square" rtlCol="0">
-            <a:spAutoFit/>
-          </a:bodyPr>
-          <a:lstStyle/>
-          <a:p>
-            <a:r>
-              <a:rPr lang="en-US" altLang="ko-KR" sz="1600" dirty="0">
-                <a:solidFill>
-                  <a:schemeClr val="bg1">
-                    <a:lumMod val="50000"/>
-                  </a:schemeClr>
-                </a:solidFill>
-                <a:latin typeface="Sandoll 고딕 02 Medium" pitchFamily="34" charset="-127"/>
-                <a:ea typeface="Sandoll 고딕 02 Medium" pitchFamily="34" charset="-127"/>
-              </a:rPr>
-              <a:t>1) </a:t>
-            </a:r>
-            <a:r>
-              <a:rPr lang="ko-KR" altLang="en-US" sz="1600" dirty="0">
-                <a:solidFill>
-                  <a:schemeClr val="bg1">
-                    <a:lumMod val="50000"/>
-                  </a:schemeClr>
-                </a:solidFill>
-                <a:latin typeface="Sandoll 고딕 02 Medium" pitchFamily="34" charset="-127"/>
-                <a:ea typeface="Sandoll 고딕 02 Medium" pitchFamily="34" charset="-127"/>
-              </a:rPr>
-              <a:t>구성원 역할 분담 및 중점 연구 분야</a:t>
-            </a:r>
-          </a:p>
-        </p:txBody>
-      </p:sp>
-      <p:sp>
-        <p:nvSpPr>
-          <p:cNvPr id="2" name="TextBox 1">
-            <a:extLst>
-              <a:ext uri="{FF2B5EF4-FFF2-40B4-BE49-F238E27FC236}">
-                <a16:creationId xmlns:a16="http://schemas.microsoft.com/office/drawing/2014/main" id="{35DAEF35-F020-A34B-7F86-186C9B3A3EB9}"/>
-              </a:ext>
-            </a:extLst>
-          </p:cNvPr>
-          <p:cNvSpPr txBox="1"/>
-          <p:nvPr/>
-        </p:nvSpPr>
-        <p:spPr>
-          <a:xfrm>
-            <a:off x="450252" y="1848251"/>
-            <a:ext cx="1584176" cy="861774"/>
-          </a:xfrm>
-          <a:prstGeom prst="rect">
-            <a:avLst/>
-          </a:prstGeom>
-        </p:spPr>
-        <p:style>
-          <a:lnRef idx="2">
-            <a:schemeClr val="accent3"/>
-          </a:lnRef>
-          <a:fillRef idx="1">
-            <a:schemeClr val="lt1"/>
-          </a:fillRef>
-          <a:effectRef idx="0">
-            <a:schemeClr val="accent3"/>
-          </a:effectRef>
-          <a:fontRef idx="minor">
-            <a:schemeClr val="dk1"/>
-          </a:fontRef>
-        </p:style>
-        <p:txBody>
-          <a:bodyPr wrap="square" rtlCol="0">
-            <a:spAutoFit/>
-          </a:bodyPr>
-          <a:lstStyle/>
-          <a:p>
-            <a:r>
-              <a:rPr lang="en-US" altLang="ko-KR" sz="1600" dirty="0"/>
-              <a:t>2018180020</a:t>
-            </a:r>
-          </a:p>
-          <a:p>
-            <a:r>
-              <a:rPr lang="ko-KR" altLang="en-US" b="1" dirty="0"/>
-              <a:t>박재우</a:t>
-            </a:r>
-            <a:endParaRPr lang="en-US" altLang="ko-KR" b="1" dirty="0"/>
-          </a:p>
-          <a:p>
-            <a:r>
-              <a:rPr lang="en-US" altLang="ko-KR" sz="1400" dirty="0"/>
-              <a:t>(</a:t>
-            </a:r>
-            <a:r>
-              <a:rPr lang="ko-KR" altLang="en-US" sz="1400" dirty="0"/>
-              <a:t>클라이언트</a:t>
-            </a:r>
-            <a:r>
-              <a:rPr lang="en-US" altLang="ko-KR" sz="1400" dirty="0"/>
-              <a:t>)</a:t>
-            </a:r>
-            <a:endParaRPr lang="ko-KR" altLang="en-US" sz="1400" dirty="0"/>
-          </a:p>
-        </p:txBody>
-      </p:sp>
-      <p:sp>
-        <p:nvSpPr>
-          <p:cNvPr id="3" name="TextBox 2">
-            <a:extLst>
-              <a:ext uri="{FF2B5EF4-FFF2-40B4-BE49-F238E27FC236}">
-                <a16:creationId xmlns:a16="http://schemas.microsoft.com/office/drawing/2014/main" id="{39610EAD-EAEA-97D2-682D-F46F83F44849}"/>
-              </a:ext>
-            </a:extLst>
-          </p:cNvPr>
-          <p:cNvSpPr txBox="1"/>
-          <p:nvPr/>
-        </p:nvSpPr>
-        <p:spPr>
-          <a:xfrm>
-            <a:off x="458150" y="3102474"/>
-            <a:ext cx="1584176" cy="861774"/>
-          </a:xfrm>
-          <a:prstGeom prst="rect">
-            <a:avLst/>
-          </a:prstGeom>
-        </p:spPr>
-        <p:style>
-          <a:lnRef idx="2">
-            <a:schemeClr val="accent6"/>
-          </a:lnRef>
-          <a:fillRef idx="1">
-            <a:schemeClr val="lt1"/>
-          </a:fillRef>
-          <a:effectRef idx="0">
-            <a:schemeClr val="accent6"/>
-          </a:effectRef>
-          <a:fontRef idx="minor">
-            <a:schemeClr val="dk1"/>
-          </a:fontRef>
-        </p:style>
-        <p:txBody>
-          <a:bodyPr wrap="square" rtlCol="0">
-            <a:spAutoFit/>
-          </a:bodyPr>
-          <a:lstStyle/>
-          <a:p>
-            <a:r>
-              <a:rPr lang="en-US" altLang="ko-KR" sz="1600" dirty="0"/>
-              <a:t>2020182031</a:t>
-            </a:r>
-          </a:p>
-          <a:p>
-            <a:r>
-              <a:rPr lang="ko-KR" altLang="en-US" b="1" dirty="0"/>
-              <a:t>이서연</a:t>
-            </a:r>
-            <a:endParaRPr lang="en-US" altLang="ko-KR" b="1" dirty="0"/>
-          </a:p>
-          <a:p>
-            <a:r>
-              <a:rPr lang="en-US" altLang="ko-KR" sz="1400" dirty="0"/>
-              <a:t>(</a:t>
-            </a:r>
-            <a:r>
-              <a:rPr lang="ko-KR" altLang="en-US" sz="1400" dirty="0"/>
-              <a:t>클라이언트</a:t>
-            </a:r>
-            <a:r>
-              <a:rPr lang="en-US" altLang="ko-KR" sz="1400" dirty="0"/>
-              <a:t>)</a:t>
-            </a:r>
-            <a:endParaRPr lang="ko-KR" altLang="en-US" sz="1400" dirty="0"/>
-          </a:p>
-        </p:txBody>
-      </p:sp>
-      <p:sp>
-        <p:nvSpPr>
-          <p:cNvPr id="6" name="TextBox 5">
-            <a:extLst>
-              <a:ext uri="{FF2B5EF4-FFF2-40B4-BE49-F238E27FC236}">
-                <a16:creationId xmlns:a16="http://schemas.microsoft.com/office/drawing/2014/main" id="{CAAA451C-AA5E-078C-161A-122EE43099F6}"/>
-              </a:ext>
-            </a:extLst>
-          </p:cNvPr>
-          <p:cNvSpPr txBox="1"/>
-          <p:nvPr/>
-        </p:nvSpPr>
-        <p:spPr>
-          <a:xfrm>
-            <a:off x="450252" y="4356697"/>
-            <a:ext cx="1584176" cy="861774"/>
-          </a:xfrm>
-          <a:prstGeom prst="rect">
-            <a:avLst/>
-          </a:prstGeom>
-        </p:spPr>
-        <p:style>
-          <a:lnRef idx="2">
-            <a:schemeClr val="accent1"/>
-          </a:lnRef>
-          <a:fillRef idx="1">
-            <a:schemeClr val="lt1"/>
-          </a:fillRef>
-          <a:effectRef idx="0">
-            <a:schemeClr val="accent1"/>
-          </a:effectRef>
-          <a:fontRef idx="minor">
-            <a:schemeClr val="dk1"/>
-          </a:fontRef>
-        </p:style>
-        <p:txBody>
-          <a:bodyPr wrap="square" rtlCol="0">
-            <a:spAutoFit/>
-          </a:bodyPr>
-          <a:lstStyle/>
-          <a:p>
-            <a:r>
-              <a:rPr lang="en-US" altLang="ko-KR" sz="1600" dirty="0"/>
-              <a:t>2020182037</a:t>
-            </a:r>
-          </a:p>
-          <a:p>
-            <a:r>
-              <a:rPr lang="ko-KR" altLang="en-US" b="1" dirty="0" err="1"/>
-              <a:t>정롭비</a:t>
-            </a:r>
-            <a:endParaRPr lang="en-US" altLang="ko-KR" b="1" dirty="0"/>
-          </a:p>
-          <a:p>
-            <a:r>
-              <a:rPr lang="en-US" altLang="ko-KR" sz="1400" dirty="0"/>
-              <a:t>(</a:t>
-            </a:r>
-            <a:r>
-              <a:rPr lang="ko-KR" altLang="en-US" sz="1400" dirty="0"/>
-              <a:t>서버</a:t>
-            </a:r>
-            <a:r>
-              <a:rPr lang="en-US" altLang="ko-KR" sz="1400" dirty="0"/>
-              <a:t>)</a:t>
-            </a:r>
-            <a:endParaRPr lang="ko-KR" altLang="en-US" sz="1400" dirty="0"/>
-          </a:p>
-        </p:txBody>
-      </p:sp>
-      <p:sp>
-        <p:nvSpPr>
-          <p:cNvPr id="13" name="TextBox 12">
-            <a:extLst>
-              <a:ext uri="{FF2B5EF4-FFF2-40B4-BE49-F238E27FC236}">
-                <a16:creationId xmlns:a16="http://schemas.microsoft.com/office/drawing/2014/main" id="{09D0B5AF-0575-54FC-4544-66715A1C578C}"/>
-              </a:ext>
-            </a:extLst>
-          </p:cNvPr>
-          <p:cNvSpPr txBox="1"/>
-          <p:nvPr/>
-        </p:nvSpPr>
-        <p:spPr>
-          <a:xfrm>
-            <a:off x="2241800" y="1920763"/>
-            <a:ext cx="6160901" cy="738664"/>
-          </a:xfrm>
-          <a:prstGeom prst="rect">
-            <a:avLst/>
-          </a:prstGeom>
-          <a:noFill/>
-        </p:spPr>
-        <p:txBody>
-          <a:bodyPr wrap="square" rtlCol="0">
-            <a:spAutoFit/>
-          </a:bodyPr>
-          <a:lstStyle/>
-          <a:p>
-            <a:r>
-              <a:rPr lang="en-US" altLang="ko-KR" sz="1400" dirty="0"/>
-              <a:t>Level-Design</a:t>
-            </a:r>
-          </a:p>
-          <a:p>
-            <a:r>
-              <a:rPr lang="en-US" altLang="ko-KR" sz="1400" dirty="0"/>
-              <a:t>VIVOX </a:t>
-            </a:r>
-            <a:r>
-              <a:rPr lang="ko-KR" altLang="en-US" sz="1400" dirty="0"/>
-              <a:t>환경 구축</a:t>
-            </a:r>
-            <a:endParaRPr lang="en-US" altLang="ko-KR" sz="1400" dirty="0"/>
-          </a:p>
-          <a:p>
-            <a:r>
-              <a:rPr lang="en-US" altLang="ko-KR" sz="1400" dirty="0"/>
-              <a:t>Git </a:t>
-            </a:r>
-            <a:r>
-              <a:rPr lang="ko-KR" altLang="en-US" sz="1400" dirty="0"/>
-              <a:t>관리</a:t>
-            </a:r>
-          </a:p>
-        </p:txBody>
-      </p:sp>
-      <p:sp>
-        <p:nvSpPr>
-          <p:cNvPr id="14" name="TextBox 13">
-            <a:extLst>
-              <a:ext uri="{FF2B5EF4-FFF2-40B4-BE49-F238E27FC236}">
-                <a16:creationId xmlns:a16="http://schemas.microsoft.com/office/drawing/2014/main" id="{AC6BAB15-F88D-E1A0-595C-56D5843B30A8}"/>
-              </a:ext>
-            </a:extLst>
-          </p:cNvPr>
-          <p:cNvSpPr txBox="1"/>
-          <p:nvPr/>
-        </p:nvSpPr>
-        <p:spPr>
-          <a:xfrm>
-            <a:off x="2213020" y="3278760"/>
-            <a:ext cx="6160901" cy="523220"/>
-          </a:xfrm>
-          <a:prstGeom prst="rect">
-            <a:avLst/>
-          </a:prstGeom>
-          <a:noFill/>
-        </p:spPr>
-        <p:txBody>
-          <a:bodyPr wrap="square" rtlCol="0">
-            <a:spAutoFit/>
-          </a:bodyPr>
-          <a:lstStyle/>
-          <a:p>
-            <a:r>
-              <a:rPr lang="en-US" altLang="ko-KR" sz="1400" dirty="0"/>
-              <a:t>Shader</a:t>
-            </a:r>
-            <a:r>
-              <a:rPr lang="ko-KR" altLang="en-US" sz="1400" dirty="0"/>
-              <a:t> </a:t>
-            </a:r>
-            <a:r>
-              <a:rPr lang="en-US" altLang="ko-KR" sz="1400" dirty="0"/>
-              <a:t>Programming</a:t>
-            </a:r>
-          </a:p>
-          <a:p>
-            <a:r>
-              <a:rPr lang="en-US" altLang="ko-KR" sz="1400" dirty="0"/>
-              <a:t>2D </a:t>
-            </a:r>
-            <a:r>
-              <a:rPr lang="ko-KR" altLang="en-US" sz="1400" dirty="0"/>
-              <a:t>리소스 제작</a:t>
-            </a:r>
-          </a:p>
-        </p:txBody>
-      </p:sp>
-      <p:sp>
-        <p:nvSpPr>
-          <p:cNvPr id="15" name="TextBox 14">
-            <a:extLst>
-              <a:ext uri="{FF2B5EF4-FFF2-40B4-BE49-F238E27FC236}">
-                <a16:creationId xmlns:a16="http://schemas.microsoft.com/office/drawing/2014/main" id="{6802AB36-2113-AA46-E828-1E75ED7055AE}"/>
-              </a:ext>
-            </a:extLst>
-          </p:cNvPr>
-          <p:cNvSpPr txBox="1"/>
-          <p:nvPr/>
-        </p:nvSpPr>
-        <p:spPr>
-          <a:xfrm>
-            <a:off x="2213019" y="4514582"/>
-            <a:ext cx="6160901" cy="523220"/>
-          </a:xfrm>
-          <a:prstGeom prst="rect">
-            <a:avLst/>
-          </a:prstGeom>
-          <a:noFill/>
-        </p:spPr>
-        <p:txBody>
-          <a:bodyPr wrap="square" rtlCol="0">
-            <a:spAutoFit/>
-          </a:bodyPr>
-          <a:lstStyle/>
-          <a:p>
-            <a:r>
-              <a:rPr lang="en-US" altLang="ko-KR" sz="1400" dirty="0"/>
-              <a:t>IOCP</a:t>
-            </a:r>
-            <a:r>
-              <a:rPr lang="ko-KR" altLang="en-US" sz="1400" dirty="0"/>
-              <a:t>기반 서버 구축</a:t>
-            </a:r>
-            <a:endParaRPr lang="en-US" altLang="ko-KR" sz="1400" dirty="0"/>
-          </a:p>
-          <a:p>
-            <a:r>
-              <a:rPr lang="ko-KR" altLang="en-US" sz="1400" dirty="0"/>
-              <a:t>네트워크 프레임워크 작성</a:t>
-            </a:r>
-          </a:p>
-        </p:txBody>
-      </p:sp>
-      <p:sp>
-        <p:nvSpPr>
-          <p:cNvPr id="16" name="TextBox 15">
-            <a:extLst>
-              <a:ext uri="{FF2B5EF4-FFF2-40B4-BE49-F238E27FC236}">
-                <a16:creationId xmlns:a16="http://schemas.microsoft.com/office/drawing/2014/main" id="{A214C3B6-54CB-349A-071C-0963160355F6}"/>
-              </a:ext>
-            </a:extLst>
-          </p:cNvPr>
-          <p:cNvSpPr txBox="1"/>
-          <p:nvPr/>
-        </p:nvSpPr>
-        <p:spPr>
-          <a:xfrm>
-            <a:off x="2221775" y="5610920"/>
-            <a:ext cx="6160901" cy="1231106"/>
-          </a:xfrm>
-          <a:prstGeom prst="rect">
-            <a:avLst/>
-          </a:prstGeom>
-          <a:noFill/>
-        </p:spPr>
-        <p:txBody>
-          <a:bodyPr wrap="square" rtlCol="0">
-            <a:spAutoFit/>
-          </a:bodyPr>
-          <a:lstStyle/>
-          <a:p>
-            <a:r>
-              <a:rPr lang="ko-KR" altLang="en-US" sz="1400" dirty="0"/>
-              <a:t>클라이언트 </a:t>
-            </a:r>
-            <a:r>
-              <a:rPr lang="en-US" altLang="ko-KR" sz="1400" dirty="0"/>
-              <a:t>Component </a:t>
-            </a:r>
-            <a:r>
-              <a:rPr lang="ko-KR" altLang="en-US" sz="1400" dirty="0"/>
-              <a:t>구조</a:t>
-            </a:r>
-            <a:endParaRPr lang="en-US" altLang="ko-KR" sz="1400" dirty="0"/>
-          </a:p>
-          <a:p>
-            <a:r>
-              <a:rPr lang="ko-KR" altLang="en-US" sz="1400" dirty="0"/>
-              <a:t>프레임워크 제작</a:t>
-            </a:r>
-            <a:endParaRPr lang="en-US" altLang="ko-KR" sz="1400" dirty="0"/>
-          </a:p>
-          <a:p>
-            <a:endParaRPr lang="en-US" altLang="ko-KR" sz="1400" dirty="0"/>
-          </a:p>
-          <a:p>
-            <a:r>
-              <a:rPr lang="ko-KR" altLang="en-US" sz="1400" dirty="0"/>
-              <a:t>애니메이션</a:t>
-            </a:r>
-            <a:endParaRPr lang="en-US" altLang="ko-KR" sz="1400" dirty="0"/>
-          </a:p>
-          <a:p>
-            <a:r>
-              <a:rPr lang="en-US" altLang="ko-KR" dirty="0"/>
-              <a:t>	</a:t>
-            </a:r>
-          </a:p>
-        </p:txBody>
-      </p:sp>
-      <p:sp>
-        <p:nvSpPr>
-          <p:cNvPr id="17" name="TextBox 16">
-            <a:extLst>
-              <a:ext uri="{FF2B5EF4-FFF2-40B4-BE49-F238E27FC236}">
-                <a16:creationId xmlns:a16="http://schemas.microsoft.com/office/drawing/2014/main" id="{77E5888E-40A7-1D0E-FDE0-4D89C5DF0B5D}"/>
-              </a:ext>
-            </a:extLst>
-          </p:cNvPr>
-          <p:cNvSpPr txBox="1"/>
-          <p:nvPr/>
-        </p:nvSpPr>
-        <p:spPr>
-          <a:xfrm>
-            <a:off x="450252" y="5610920"/>
-            <a:ext cx="1584176" cy="861774"/>
-          </a:xfrm>
-          <a:prstGeom prst="rect">
-            <a:avLst/>
-          </a:prstGeom>
-        </p:spPr>
-        <p:style>
-          <a:lnRef idx="2">
-            <a:schemeClr val="accent2"/>
-          </a:lnRef>
-          <a:fillRef idx="1">
-            <a:schemeClr val="lt1"/>
-          </a:fillRef>
-          <a:effectRef idx="0">
-            <a:schemeClr val="accent2"/>
-          </a:effectRef>
-          <a:fontRef idx="minor">
-            <a:schemeClr val="dk1"/>
-          </a:fontRef>
-        </p:style>
-        <p:txBody>
-          <a:bodyPr wrap="square" rtlCol="0">
-            <a:spAutoFit/>
-          </a:bodyPr>
-          <a:lstStyle/>
-          <a:p>
-            <a:endParaRPr lang="en-US" altLang="ko-KR" sz="1600" dirty="0"/>
-          </a:p>
-          <a:p>
-            <a:pPr algn="ctr"/>
-            <a:r>
-              <a:rPr lang="ko-KR" altLang="en-US" b="1" dirty="0"/>
-              <a:t>공통</a:t>
-            </a:r>
-            <a:endParaRPr lang="en-US" altLang="ko-KR" b="1" dirty="0"/>
-          </a:p>
-          <a:p>
-            <a:endParaRPr lang="en-US" altLang="ko-KR" sz="1600" dirty="0"/>
-          </a:p>
-        </p:txBody>
-      </p:sp>
-      <p:sp>
-        <p:nvSpPr>
-          <p:cNvPr id="18" name="TextBox 17">
-            <a:extLst>
-              <a:ext uri="{FF2B5EF4-FFF2-40B4-BE49-F238E27FC236}">
-                <a16:creationId xmlns:a16="http://schemas.microsoft.com/office/drawing/2014/main" id="{78DBE603-059C-A098-F95D-68B6751C0990}"/>
-              </a:ext>
-            </a:extLst>
-          </p:cNvPr>
-          <p:cNvSpPr txBox="1"/>
-          <p:nvPr/>
-        </p:nvSpPr>
-        <p:spPr>
-          <a:xfrm>
-            <a:off x="2591024" y="1053512"/>
-            <a:ext cx="2232248" cy="369332"/>
-          </a:xfrm>
-          <a:prstGeom prst="rect">
-            <a:avLst/>
-          </a:prstGeom>
-          <a:noFill/>
-        </p:spPr>
-        <p:txBody>
-          <a:bodyPr wrap="square" rtlCol="0">
-            <a:spAutoFit/>
-          </a:bodyPr>
-          <a:lstStyle/>
-          <a:p>
-            <a:r>
-              <a:rPr lang="ko-KR" altLang="en-US" b="1" dirty="0"/>
-              <a:t>역할 분담</a:t>
-            </a:r>
-          </a:p>
-        </p:txBody>
-      </p:sp>
-      <p:sp>
-        <p:nvSpPr>
-          <p:cNvPr id="19" name="TextBox 18">
-            <a:extLst>
-              <a:ext uri="{FF2B5EF4-FFF2-40B4-BE49-F238E27FC236}">
-                <a16:creationId xmlns:a16="http://schemas.microsoft.com/office/drawing/2014/main" id="{88B129F9-ED72-A45E-72BC-FCB75A41676D}"/>
-              </a:ext>
-            </a:extLst>
-          </p:cNvPr>
-          <p:cNvSpPr txBox="1"/>
-          <p:nvPr/>
-        </p:nvSpPr>
-        <p:spPr>
-          <a:xfrm>
-            <a:off x="6192076" y="1048542"/>
-            <a:ext cx="2592288" cy="369332"/>
-          </a:xfrm>
-          <a:prstGeom prst="rect">
-            <a:avLst/>
-          </a:prstGeom>
-          <a:noFill/>
-        </p:spPr>
-        <p:txBody>
-          <a:bodyPr wrap="square" rtlCol="0">
-            <a:spAutoFit/>
-          </a:bodyPr>
-          <a:lstStyle/>
-          <a:p>
-            <a:r>
-              <a:rPr lang="ko-KR" altLang="en-US" b="1" dirty="0"/>
-              <a:t>중점 연구 분야</a:t>
-            </a:r>
-          </a:p>
-        </p:txBody>
-      </p:sp>
-      <p:sp>
-        <p:nvSpPr>
-          <p:cNvPr id="20" name="TextBox 19">
-            <a:extLst>
-              <a:ext uri="{FF2B5EF4-FFF2-40B4-BE49-F238E27FC236}">
-                <a16:creationId xmlns:a16="http://schemas.microsoft.com/office/drawing/2014/main" id="{315A9DA5-F196-540D-8963-A369D8EBAB3C}"/>
-              </a:ext>
-            </a:extLst>
-          </p:cNvPr>
-          <p:cNvSpPr txBox="1"/>
-          <p:nvPr/>
-        </p:nvSpPr>
-        <p:spPr>
-          <a:xfrm>
-            <a:off x="2731578" y="1953454"/>
-            <a:ext cx="6160901" cy="954107"/>
-          </a:xfrm>
-          <a:prstGeom prst="rect">
-            <a:avLst/>
-          </a:prstGeom>
-          <a:noFill/>
-        </p:spPr>
-        <p:txBody>
-          <a:bodyPr wrap="square" rtlCol="0">
-            <a:spAutoFit/>
-          </a:bodyPr>
-          <a:lstStyle/>
-          <a:p>
-            <a:pPr algn="r"/>
-            <a:r>
-              <a:rPr lang="en-US" altLang="ko-KR" sz="1400" dirty="0"/>
-              <a:t>Level-Design </a:t>
-            </a:r>
-            <a:r>
-              <a:rPr lang="ko-KR" altLang="en-US" sz="1400" dirty="0"/>
-              <a:t>연구</a:t>
-            </a:r>
-            <a:endParaRPr lang="en-US" altLang="ko-KR" sz="1400" dirty="0"/>
-          </a:p>
-          <a:p>
-            <a:pPr algn="r"/>
-            <a:r>
-              <a:rPr lang="en-US" altLang="ko-KR" sz="1400" dirty="0"/>
-              <a:t>DirectX12 </a:t>
-            </a:r>
-            <a:r>
-              <a:rPr lang="ko-KR" altLang="en-US" sz="1400" dirty="0"/>
-              <a:t>연구</a:t>
-            </a:r>
-            <a:endParaRPr lang="en-US" altLang="ko-KR" sz="1400" dirty="0"/>
-          </a:p>
-          <a:p>
-            <a:pPr algn="r"/>
-            <a:r>
-              <a:rPr lang="en-US" altLang="ko-KR" sz="1400" dirty="0"/>
-              <a:t>VIVOX </a:t>
-            </a:r>
-            <a:r>
-              <a:rPr lang="ko-KR" altLang="en-US" sz="1400" dirty="0"/>
-              <a:t>환경 연구</a:t>
-            </a:r>
-            <a:endParaRPr lang="en-US" altLang="ko-KR" sz="1400" dirty="0"/>
-          </a:p>
-          <a:p>
-            <a:pPr algn="r"/>
-            <a:endParaRPr lang="ko-KR" altLang="en-US" sz="1400" dirty="0"/>
-          </a:p>
-        </p:txBody>
-      </p:sp>
-      <p:sp>
-        <p:nvSpPr>
-          <p:cNvPr id="21" name="TextBox 20">
-            <a:extLst>
-              <a:ext uri="{FF2B5EF4-FFF2-40B4-BE49-F238E27FC236}">
-                <a16:creationId xmlns:a16="http://schemas.microsoft.com/office/drawing/2014/main" id="{67BE4F02-3641-084E-32E1-1EAE26C7C155}"/>
-              </a:ext>
-            </a:extLst>
-          </p:cNvPr>
-          <p:cNvSpPr txBox="1"/>
-          <p:nvPr/>
-        </p:nvSpPr>
-        <p:spPr>
-          <a:xfrm>
-            <a:off x="2731579" y="3202800"/>
-            <a:ext cx="6160901" cy="738664"/>
-          </a:xfrm>
-          <a:prstGeom prst="rect">
-            <a:avLst/>
-          </a:prstGeom>
-          <a:noFill/>
-        </p:spPr>
-        <p:txBody>
-          <a:bodyPr wrap="square" rtlCol="0">
-            <a:spAutoFit/>
-          </a:bodyPr>
-          <a:lstStyle/>
-          <a:p>
-            <a:pPr algn="r"/>
-            <a:r>
-              <a:rPr lang="ko-KR" altLang="en-US" sz="1400" dirty="0" err="1"/>
-              <a:t>카툰</a:t>
-            </a:r>
-            <a:r>
-              <a:rPr lang="ko-KR" altLang="en-US" sz="1400" dirty="0"/>
-              <a:t> 렌더링 및 여러 </a:t>
-            </a:r>
-            <a:r>
-              <a:rPr lang="ko-KR" altLang="en-US" sz="1400" dirty="0" err="1"/>
-              <a:t>쉐이더</a:t>
-            </a:r>
-            <a:r>
-              <a:rPr lang="ko-KR" altLang="en-US" sz="1400" dirty="0"/>
-              <a:t> 프로그래밍 연구</a:t>
-            </a:r>
-            <a:endParaRPr lang="en-US" altLang="ko-KR" sz="1400" dirty="0"/>
-          </a:p>
-          <a:p>
-            <a:pPr algn="r"/>
-            <a:r>
-              <a:rPr lang="en-US" altLang="ko-KR" sz="1400" dirty="0"/>
-              <a:t>DirectX12 </a:t>
-            </a:r>
-            <a:r>
-              <a:rPr lang="ko-KR" altLang="en-US" sz="1400" dirty="0"/>
-              <a:t>연구</a:t>
-            </a:r>
-          </a:p>
-          <a:p>
-            <a:pPr algn="r"/>
-            <a:endParaRPr lang="ko-KR" altLang="en-US" sz="1400" dirty="0"/>
-          </a:p>
-        </p:txBody>
-      </p:sp>
-      <p:sp>
-        <p:nvSpPr>
-          <p:cNvPr id="22" name="TextBox 21">
-            <a:extLst>
-              <a:ext uri="{FF2B5EF4-FFF2-40B4-BE49-F238E27FC236}">
-                <a16:creationId xmlns:a16="http://schemas.microsoft.com/office/drawing/2014/main" id="{E2CF5605-7CA3-8E0C-99C3-E75BE3A62B2F}"/>
-              </a:ext>
-            </a:extLst>
-          </p:cNvPr>
-          <p:cNvSpPr txBox="1"/>
-          <p:nvPr/>
-        </p:nvSpPr>
-        <p:spPr>
-          <a:xfrm>
-            <a:off x="2731578" y="4489304"/>
-            <a:ext cx="6160901" cy="523220"/>
-          </a:xfrm>
-          <a:prstGeom prst="rect">
-            <a:avLst/>
-          </a:prstGeom>
-          <a:noFill/>
-        </p:spPr>
-        <p:txBody>
-          <a:bodyPr wrap="square" rtlCol="0">
-            <a:spAutoFit/>
-          </a:bodyPr>
-          <a:lstStyle/>
-          <a:p>
-            <a:pPr algn="r"/>
-            <a:r>
-              <a:rPr lang="en-US" altLang="ko-KR" sz="1400" dirty="0"/>
-              <a:t>IOCP </a:t>
-            </a:r>
-            <a:r>
-              <a:rPr lang="ko-KR" altLang="en-US" sz="1400" dirty="0"/>
-              <a:t>멀티 스레드 연구</a:t>
-            </a:r>
-            <a:endParaRPr lang="en-US" altLang="ko-KR" sz="1400" dirty="0"/>
-          </a:p>
-          <a:p>
-            <a:pPr algn="r"/>
-            <a:r>
-              <a:rPr lang="ko-KR" altLang="en-US" sz="1400" dirty="0"/>
-              <a:t>네트워크 문제에 대처 가능한 설계 연구</a:t>
-            </a:r>
-          </a:p>
-        </p:txBody>
-      </p:sp>
-      <p:sp>
-        <p:nvSpPr>
-          <p:cNvPr id="23" name="TextBox 22">
-            <a:extLst>
-              <a:ext uri="{FF2B5EF4-FFF2-40B4-BE49-F238E27FC236}">
-                <a16:creationId xmlns:a16="http://schemas.microsoft.com/office/drawing/2014/main" id="{247E8820-B58B-0A23-71EF-4F5A1EA99FCC}"/>
-              </a:ext>
-            </a:extLst>
-          </p:cNvPr>
-          <p:cNvSpPr txBox="1"/>
-          <p:nvPr/>
-        </p:nvSpPr>
-        <p:spPr>
-          <a:xfrm>
-            <a:off x="1807837" y="5616020"/>
-            <a:ext cx="7084642" cy="1169551"/>
-          </a:xfrm>
-          <a:prstGeom prst="rect">
-            <a:avLst/>
-          </a:prstGeom>
-          <a:noFill/>
-        </p:spPr>
-        <p:txBody>
-          <a:bodyPr wrap="square" rtlCol="0">
-            <a:spAutoFit/>
-          </a:bodyPr>
-          <a:lstStyle/>
-          <a:p>
-            <a:pPr algn="r"/>
-            <a:r>
-              <a:rPr lang="ko-KR" altLang="en-US" sz="1400" dirty="0"/>
-              <a:t>매끄러운 공동 작업을 위한 공학적 설계방법 사고</a:t>
-            </a:r>
-            <a:endParaRPr lang="en-US" altLang="ko-KR" sz="1400" dirty="0"/>
-          </a:p>
-          <a:p>
-            <a:pPr algn="r"/>
-            <a:endParaRPr lang="en-US" altLang="ko-KR" sz="1400" dirty="0"/>
-          </a:p>
-          <a:p>
-            <a:pPr algn="r"/>
-            <a:r>
-              <a:rPr lang="ko-KR" altLang="en-US" sz="1400" dirty="0"/>
-              <a:t>효율적인 </a:t>
-            </a:r>
-            <a:r>
-              <a:rPr lang="en-US" altLang="ko-KR" sz="1400" dirty="0"/>
-              <a:t>Multi - Threading</a:t>
-            </a:r>
-            <a:r>
-              <a:rPr lang="ko-KR" altLang="en-US" sz="1400" dirty="0"/>
-              <a:t>연구</a:t>
-            </a:r>
-            <a:endParaRPr lang="en-US" altLang="ko-KR" sz="1400" dirty="0"/>
-          </a:p>
-          <a:p>
-            <a:pPr algn="r"/>
-            <a:endParaRPr lang="ko-KR" altLang="en-US" sz="1400" dirty="0"/>
-          </a:p>
-          <a:p>
-            <a:pPr algn="r"/>
-            <a:r>
-              <a:rPr lang="en-US" altLang="ko-KR" sz="1400" dirty="0"/>
-              <a:t>DirectX12</a:t>
-            </a:r>
-            <a:r>
-              <a:rPr lang="ko-KR" altLang="en-US" sz="1400" dirty="0"/>
-              <a:t>를 결합한 </a:t>
-            </a:r>
-            <a:r>
-              <a:rPr lang="en-US" altLang="ko-KR" sz="1400" dirty="0"/>
-              <a:t>Component</a:t>
-            </a:r>
-            <a:r>
-              <a:rPr lang="ko-KR" altLang="en-US" sz="1400" dirty="0"/>
-              <a:t>구조 프레임워크 연구</a:t>
-            </a:r>
-            <a:endParaRPr lang="en-US" altLang="ko-KR" sz="1400" dirty="0"/>
           </a:p>
         </p:txBody>
       </p:sp>
     </p:spTree>
     <p:extLst>
       <p:ext uri="{BB962C8B-B14F-4D97-AF65-F5344CB8AC3E}">
-        <p14:creationId xmlns:p14="http://schemas.microsoft.com/office/powerpoint/2010/main" val="1857559583"/>
+        <p14:creationId xmlns:p14="http://schemas.microsoft.com/office/powerpoint/2010/main" val="717293422"/>
       </p:ext>
     </p:extLst>
   </p:cSld>
@@ -13395,965 +13235,6 @@
     <p:extLst>
       <p:ext uri="{BB962C8B-B14F-4D97-AF65-F5344CB8AC3E}">
         <p14:creationId xmlns:p14="http://schemas.microsoft.com/office/powerpoint/2010/main" val="56458010"/>
-      </p:ext>
-    </p:extLst>
-  </p:cSld>
-  <p:clrMapOvr>
-    <a:masterClrMapping/>
-  </p:clrMapOvr>
-</p:sld>
-</file>
-
-<file path=ppt/slides/slide20.xml><?xml version="1.0" encoding="utf-8"?>
-<p:sld xmlns:a="http://schemas.openxmlformats.org/drawingml/2006/main" xmlns:r="http://schemas.openxmlformats.org/officeDocument/2006/relationships" xmlns:p="http://schemas.openxmlformats.org/presentationml/2006/main">
-  <p:cSld>
-    <p:spTree>
-      <p:nvGrpSpPr>
-        <p:cNvPr id="1" name=""/>
-        <p:cNvGrpSpPr/>
-        <p:nvPr/>
-      </p:nvGrpSpPr>
-      <p:grpSpPr>
-        <a:xfrm>
-          <a:off x="0" y="0"/>
-          <a:ext cx="0" cy="0"/>
-          <a:chOff x="0" y="0"/>
-          <a:chExt cx="0" cy="0"/>
-        </a:xfrm>
-      </p:grpSpPr>
-      <p:sp>
-        <p:nvSpPr>
-          <p:cNvPr id="4" name="직사각형 3"/>
-          <p:cNvSpPr/>
-          <p:nvPr/>
-        </p:nvSpPr>
-        <p:spPr>
-          <a:xfrm>
-            <a:off x="370592" y="389855"/>
-            <a:ext cx="264898" cy="246221"/>
-          </a:xfrm>
-          <a:prstGeom prst="rect">
-            <a:avLst/>
-          </a:prstGeom>
-          <a:solidFill>
-            <a:schemeClr val="bg1">
-              <a:lumMod val="85000"/>
-            </a:schemeClr>
-          </a:solidFill>
-          <a:ln>
-            <a:noFill/>
-          </a:ln>
-        </p:spPr>
-        <p:style>
-          <a:lnRef idx="2">
-            <a:schemeClr val="accent1">
-              <a:shade val="50000"/>
-            </a:schemeClr>
-          </a:lnRef>
-          <a:fillRef idx="1">
-            <a:schemeClr val="accent1"/>
-          </a:fillRef>
-          <a:effectRef idx="0">
-            <a:schemeClr val="accent1"/>
-          </a:effectRef>
-          <a:fontRef idx="minor">
-            <a:schemeClr val="lt1"/>
-          </a:fontRef>
-        </p:style>
-        <p:txBody>
-          <a:bodyPr rtlCol="0" anchor="ctr"/>
-          <a:lstStyle/>
-          <a:p>
-            <a:pPr algn="ctr"/>
-            <a:endParaRPr lang="ko-KR" altLang="en-US"/>
-          </a:p>
-        </p:txBody>
-      </p:sp>
-      <p:sp>
-        <p:nvSpPr>
-          <p:cNvPr id="5" name="TextBox 4"/>
-          <p:cNvSpPr txBox="1"/>
-          <p:nvPr/>
-        </p:nvSpPr>
-        <p:spPr>
-          <a:xfrm>
-            <a:off x="635490" y="335487"/>
-            <a:ext cx="1776269" cy="400110"/>
-          </a:xfrm>
-          <a:prstGeom prst="rect">
-            <a:avLst/>
-          </a:prstGeom>
-          <a:noFill/>
-        </p:spPr>
-        <p:txBody>
-          <a:bodyPr wrap="square" rtlCol="0">
-            <a:spAutoFit/>
-          </a:bodyPr>
-          <a:lstStyle/>
-          <a:p>
-            <a:r>
-              <a:rPr lang="ko-KR" altLang="en-US" sz="2000">
-                <a:solidFill>
-                  <a:schemeClr val="tx1">
-                    <a:lumMod val="75000"/>
-                    <a:lumOff val="25000"/>
-                  </a:schemeClr>
-                </a:solidFill>
-                <a:latin typeface="Sandoll 고딕 03 Bold" pitchFamily="34" charset="-127"/>
-                <a:ea typeface="Sandoll 고딕 03 Bold" pitchFamily="34" charset="-127"/>
-              </a:rPr>
-              <a:t>현황 및 계획</a:t>
-            </a:r>
-            <a:endParaRPr lang="ko-KR" altLang="en-US" sz="2000" dirty="0">
-              <a:solidFill>
-                <a:schemeClr val="tx1">
-                  <a:lumMod val="75000"/>
-                  <a:lumOff val="25000"/>
-                </a:schemeClr>
-              </a:solidFill>
-              <a:latin typeface="Sandoll 고딕 03 Bold" pitchFamily="34" charset="-127"/>
-              <a:ea typeface="Sandoll 고딕 03 Bold" pitchFamily="34" charset="-127"/>
-            </a:endParaRPr>
-          </a:p>
-        </p:txBody>
-      </p:sp>
-      <p:cxnSp>
-        <p:nvCxnSpPr>
-          <p:cNvPr id="7" name="직선 연결선 6"/>
-          <p:cNvCxnSpPr/>
-          <p:nvPr/>
-        </p:nvCxnSpPr>
-        <p:spPr>
-          <a:xfrm>
-            <a:off x="251520" y="0"/>
-            <a:ext cx="0" cy="6858000"/>
-          </a:xfrm>
-          <a:prstGeom prst="line">
-            <a:avLst/>
-          </a:prstGeom>
-          <a:ln>
-            <a:solidFill>
-              <a:schemeClr val="bg1">
-                <a:lumMod val="65000"/>
-              </a:schemeClr>
-            </a:solidFill>
-            <a:prstDash val="sysDot"/>
-          </a:ln>
-        </p:spPr>
-        <p:style>
-          <a:lnRef idx="1">
-            <a:schemeClr val="accent1"/>
-          </a:lnRef>
-          <a:fillRef idx="0">
-            <a:schemeClr val="accent1"/>
-          </a:fillRef>
-          <a:effectRef idx="0">
-            <a:schemeClr val="accent1"/>
-          </a:effectRef>
-          <a:fontRef idx="minor">
-            <a:schemeClr val="tx1"/>
-          </a:fontRef>
-        </p:style>
-      </p:cxnSp>
-      <p:cxnSp>
-        <p:nvCxnSpPr>
-          <p:cNvPr id="8" name="직선 연결선 7"/>
-          <p:cNvCxnSpPr/>
-          <p:nvPr/>
-        </p:nvCxnSpPr>
-        <p:spPr>
-          <a:xfrm>
-            <a:off x="0" y="260648"/>
-            <a:ext cx="9144000" cy="0"/>
-          </a:xfrm>
-          <a:prstGeom prst="line">
-            <a:avLst/>
-          </a:prstGeom>
-          <a:ln>
-            <a:solidFill>
-              <a:schemeClr val="bg1">
-                <a:lumMod val="65000"/>
-              </a:schemeClr>
-            </a:solidFill>
-            <a:prstDash val="sysDot"/>
-          </a:ln>
-        </p:spPr>
-        <p:style>
-          <a:lnRef idx="1">
-            <a:schemeClr val="accent1"/>
-          </a:lnRef>
-          <a:fillRef idx="0">
-            <a:schemeClr val="accent1"/>
-          </a:fillRef>
-          <a:effectRef idx="0">
-            <a:schemeClr val="accent1"/>
-          </a:effectRef>
-          <a:fontRef idx="minor">
-            <a:schemeClr val="tx1"/>
-          </a:fontRef>
-        </p:style>
-      </p:cxnSp>
-      <p:grpSp>
-        <p:nvGrpSpPr>
-          <p:cNvPr id="9" name="그룹 8"/>
-          <p:cNvGrpSpPr/>
-          <p:nvPr/>
-        </p:nvGrpSpPr>
-        <p:grpSpPr>
-          <a:xfrm>
-            <a:off x="8371684" y="6351563"/>
-            <a:ext cx="772316" cy="491577"/>
-            <a:chOff x="4252314" y="1143866"/>
-            <a:chExt cx="772316" cy="491577"/>
-          </a:xfrm>
-        </p:grpSpPr>
-        <p:sp>
-          <p:nvSpPr>
-            <p:cNvPr id="10" name="직사각형 9"/>
-            <p:cNvSpPr/>
-            <p:nvPr/>
-          </p:nvSpPr>
-          <p:spPr>
-            <a:xfrm rot="599424">
-              <a:off x="4252314" y="1223935"/>
-              <a:ext cx="319686" cy="319686"/>
-            </a:xfrm>
-            <a:prstGeom prst="rect">
-              <a:avLst/>
-            </a:prstGeom>
-            <a:noFill/>
-            <a:ln w="9525">
-              <a:solidFill>
-                <a:schemeClr val="bg1">
-                  <a:lumMod val="65000"/>
-                </a:schemeClr>
-              </a:solidFill>
-            </a:ln>
-          </p:spPr>
-          <p:style>
-            <a:lnRef idx="2">
-              <a:schemeClr val="accent1">
-                <a:shade val="50000"/>
-              </a:schemeClr>
-            </a:lnRef>
-            <a:fillRef idx="1">
-              <a:schemeClr val="accent1"/>
-            </a:fillRef>
-            <a:effectRef idx="0">
-              <a:schemeClr val="accent1"/>
-            </a:effectRef>
-            <a:fontRef idx="minor">
-              <a:schemeClr val="lt1"/>
-            </a:fontRef>
-          </p:style>
-          <p:txBody>
-            <a:bodyPr rtlCol="0" anchor="ctr"/>
-            <a:lstStyle/>
-            <a:p>
-              <a:pPr algn="ctr"/>
-              <a:endParaRPr lang="ko-KR" altLang="en-US"/>
-            </a:p>
-          </p:txBody>
-        </p:sp>
-        <p:sp>
-          <p:nvSpPr>
-            <p:cNvPr id="11" name="직사각형 10"/>
-            <p:cNvSpPr/>
-            <p:nvPr/>
-          </p:nvSpPr>
-          <p:spPr>
-            <a:xfrm rot="1427337">
-              <a:off x="4556578" y="1143866"/>
-              <a:ext cx="468052" cy="468052"/>
-            </a:xfrm>
-            <a:prstGeom prst="rect">
-              <a:avLst/>
-            </a:prstGeom>
-            <a:noFill/>
-            <a:ln w="9525">
-              <a:solidFill>
-                <a:schemeClr val="bg1">
-                  <a:lumMod val="65000"/>
-                </a:schemeClr>
-              </a:solidFill>
-            </a:ln>
-          </p:spPr>
-          <p:style>
-            <a:lnRef idx="2">
-              <a:schemeClr val="accent1">
-                <a:shade val="50000"/>
-              </a:schemeClr>
-            </a:lnRef>
-            <a:fillRef idx="1">
-              <a:schemeClr val="accent1"/>
-            </a:fillRef>
-            <a:effectRef idx="0">
-              <a:schemeClr val="accent1"/>
-            </a:effectRef>
-            <a:fontRef idx="minor">
-              <a:schemeClr val="lt1"/>
-            </a:fontRef>
-          </p:style>
-          <p:txBody>
-            <a:bodyPr rtlCol="0" anchor="ctr"/>
-            <a:lstStyle/>
-            <a:p>
-              <a:pPr algn="ctr"/>
-              <a:endParaRPr lang="ko-KR" altLang="en-US"/>
-            </a:p>
-          </p:txBody>
-        </p:sp>
-        <p:sp>
-          <p:nvSpPr>
-            <p:cNvPr id="12" name="직사각형 11"/>
-            <p:cNvSpPr/>
-            <p:nvPr/>
-          </p:nvSpPr>
-          <p:spPr>
-            <a:xfrm rot="3783077">
-              <a:off x="4440058" y="1443568"/>
-              <a:ext cx="191875" cy="191875"/>
-            </a:xfrm>
-            <a:prstGeom prst="rect">
-              <a:avLst/>
-            </a:prstGeom>
-            <a:solidFill>
-              <a:schemeClr val="bg1">
-                <a:lumMod val="65000"/>
-              </a:schemeClr>
-            </a:solidFill>
-            <a:ln w="9525">
-              <a:solidFill>
-                <a:schemeClr val="bg1">
-                  <a:lumMod val="65000"/>
-                </a:schemeClr>
-              </a:solidFill>
-            </a:ln>
-          </p:spPr>
-          <p:style>
-            <a:lnRef idx="2">
-              <a:schemeClr val="accent1">
-                <a:shade val="50000"/>
-              </a:schemeClr>
-            </a:lnRef>
-            <a:fillRef idx="1">
-              <a:schemeClr val="accent1"/>
-            </a:fillRef>
-            <a:effectRef idx="0">
-              <a:schemeClr val="accent1"/>
-            </a:effectRef>
-            <a:fontRef idx="minor">
-              <a:schemeClr val="lt1"/>
-            </a:fontRef>
-          </p:style>
-          <p:txBody>
-            <a:bodyPr rtlCol="0" anchor="ctr"/>
-            <a:lstStyle/>
-            <a:p>
-              <a:pPr algn="ctr"/>
-              <a:endParaRPr lang="ko-KR" altLang="en-US"/>
-            </a:p>
-          </p:txBody>
-        </p:sp>
-      </p:grpSp>
-      <p:sp>
-        <p:nvSpPr>
-          <p:cNvPr id="4163" name="TextBox 4162">
-            <a:extLst>
-              <a:ext uri="{FF2B5EF4-FFF2-40B4-BE49-F238E27FC236}">
-                <a16:creationId xmlns:a16="http://schemas.microsoft.com/office/drawing/2014/main" id="{3C4B1F17-2D08-8557-911F-4590D98CF19B}"/>
-              </a:ext>
-            </a:extLst>
-          </p:cNvPr>
-          <p:cNvSpPr txBox="1"/>
-          <p:nvPr/>
-        </p:nvSpPr>
-        <p:spPr>
-          <a:xfrm>
-            <a:off x="2194228" y="366265"/>
-            <a:ext cx="3529900" cy="338554"/>
-          </a:xfrm>
-          <a:prstGeom prst="rect">
-            <a:avLst/>
-          </a:prstGeom>
-          <a:noFill/>
-        </p:spPr>
-        <p:txBody>
-          <a:bodyPr wrap="square" rtlCol="0">
-            <a:spAutoFit/>
-          </a:bodyPr>
-          <a:lstStyle/>
-          <a:p>
-            <a:r>
-              <a:rPr lang="en-US" altLang="ko-KR" sz="1600" dirty="0">
-                <a:solidFill>
-                  <a:schemeClr val="bg1">
-                    <a:lumMod val="50000"/>
-                  </a:schemeClr>
-                </a:solidFill>
-                <a:latin typeface="Sandoll 고딕 02 Medium" pitchFamily="34" charset="-127"/>
-                <a:ea typeface="Sandoll 고딕 02 Medium" pitchFamily="34" charset="-127"/>
-              </a:rPr>
-              <a:t>2) </a:t>
-            </a:r>
-            <a:r>
-              <a:rPr lang="ko-KR" altLang="en-US" sz="1600" dirty="0">
-                <a:solidFill>
-                  <a:schemeClr val="bg1">
-                    <a:lumMod val="50000"/>
-                  </a:schemeClr>
-                </a:solidFill>
-                <a:latin typeface="Sandoll 고딕 02 Medium" pitchFamily="34" charset="-127"/>
-                <a:ea typeface="Sandoll 고딕 02 Medium" pitchFamily="34" charset="-127"/>
-              </a:rPr>
-              <a:t>개인 별 준비 현황  및 일정</a:t>
-            </a:r>
-          </a:p>
-        </p:txBody>
-      </p:sp>
-      <p:sp>
-        <p:nvSpPr>
-          <p:cNvPr id="18" name="사각형: 둥근 모서리 17">
-            <a:extLst>
-              <a:ext uri="{FF2B5EF4-FFF2-40B4-BE49-F238E27FC236}">
-                <a16:creationId xmlns:a16="http://schemas.microsoft.com/office/drawing/2014/main" id="{0BD29BA1-D977-4BF7-5E54-F5A8766CA2DB}"/>
-              </a:ext>
-            </a:extLst>
-          </p:cNvPr>
-          <p:cNvSpPr/>
-          <p:nvPr/>
-        </p:nvSpPr>
-        <p:spPr>
-          <a:xfrm>
-            <a:off x="522804" y="1077510"/>
-            <a:ext cx="4174956" cy="2135466"/>
-          </a:xfrm>
-          <a:prstGeom prst="roundRect">
-            <a:avLst/>
-          </a:prstGeom>
-        </p:spPr>
-        <p:style>
-          <a:lnRef idx="2">
-            <a:schemeClr val="accent5"/>
-          </a:lnRef>
-          <a:fillRef idx="1">
-            <a:schemeClr val="lt1"/>
-          </a:fillRef>
-          <a:effectRef idx="0">
-            <a:schemeClr val="accent5"/>
-          </a:effectRef>
-          <a:fontRef idx="minor">
-            <a:schemeClr val="dk1"/>
-          </a:fontRef>
-        </p:style>
-        <p:txBody>
-          <a:bodyPr rtlCol="0" anchor="ctr"/>
-          <a:lstStyle/>
-          <a:p>
-            <a:r>
-              <a:rPr lang="en-US" altLang="ko-KR" sz="1400" b="1" dirty="0"/>
-              <a:t>Component</a:t>
-            </a:r>
-            <a:r>
-              <a:rPr lang="ko-KR" altLang="en-US" sz="1400" b="1" dirty="0"/>
-              <a:t> </a:t>
-            </a:r>
-            <a:r>
-              <a:rPr lang="en-US" altLang="ko-KR" sz="1400" b="1" dirty="0"/>
-              <a:t>Design</a:t>
-            </a:r>
-            <a:r>
-              <a:rPr lang="ko-KR" altLang="en-US" sz="1400" b="1" dirty="0"/>
-              <a:t> </a:t>
-            </a:r>
-            <a:r>
-              <a:rPr lang="en-US" altLang="ko-KR" sz="1400" b="1" dirty="0"/>
-              <a:t>Pattern</a:t>
-            </a:r>
-            <a:r>
-              <a:rPr lang="ko-KR" altLang="en-US" sz="1400" b="1" dirty="0"/>
-              <a:t> </a:t>
-            </a:r>
-            <a:r>
-              <a:rPr lang="ko-KR" altLang="en-US" sz="1400" dirty="0"/>
-              <a:t>학습</a:t>
-            </a:r>
-            <a:endParaRPr lang="en-US" altLang="ko-KR" sz="1400" dirty="0"/>
-          </a:p>
-          <a:p>
-            <a:endParaRPr lang="en-US" altLang="ko-KR" sz="1400" dirty="0"/>
-          </a:p>
-          <a:p>
-            <a:r>
-              <a:rPr lang="en-US" altLang="ko-KR" sz="1400" b="1" dirty="0"/>
-              <a:t>3D</a:t>
-            </a:r>
-            <a:r>
-              <a:rPr lang="ko-KR" altLang="en-US" sz="1400" b="1" dirty="0"/>
-              <a:t>게임 프로그래밍</a:t>
-            </a:r>
-            <a:r>
-              <a:rPr lang="en-US" altLang="ko-KR" sz="1400" b="1" dirty="0"/>
-              <a:t>1/2</a:t>
-            </a:r>
-          </a:p>
-          <a:p>
-            <a:r>
-              <a:rPr lang="ko-KR" altLang="en-US" sz="1400" b="1" dirty="0"/>
-              <a:t>게임 수학</a:t>
-            </a:r>
-            <a:endParaRPr lang="en-US" altLang="ko-KR" sz="1400" b="1" dirty="0"/>
-          </a:p>
-          <a:p>
-            <a:r>
-              <a:rPr lang="en-US" altLang="ko-KR" sz="1400" b="1" dirty="0"/>
-              <a:t>C / C++ / STL</a:t>
-            </a:r>
-          </a:p>
-          <a:p>
-            <a:r>
-              <a:rPr lang="ko-KR" altLang="en-US" sz="1400" b="1" dirty="0"/>
-              <a:t>네트워크 기초 </a:t>
-            </a:r>
-            <a:r>
-              <a:rPr lang="en-US" altLang="ko-KR" sz="1400" b="1" dirty="0"/>
-              <a:t>/ </a:t>
-            </a:r>
-            <a:r>
-              <a:rPr lang="ko-KR" altLang="en-US" sz="1400" b="1" dirty="0"/>
-              <a:t>게임 프로그래밍</a:t>
-            </a:r>
-            <a:endParaRPr lang="en-US" altLang="ko-KR" sz="1400" b="1" dirty="0"/>
-          </a:p>
-          <a:p>
-            <a:r>
-              <a:rPr lang="ko-KR" altLang="en-US" sz="1400" b="1" dirty="0"/>
-              <a:t>자료구조</a:t>
-            </a:r>
-            <a:endParaRPr lang="en-US" altLang="ko-KR" sz="1400" b="1" dirty="0"/>
-          </a:p>
-          <a:p>
-            <a:r>
-              <a:rPr lang="ko-KR" altLang="en-US" sz="1400" b="1" dirty="0"/>
-              <a:t>인공지능</a:t>
-            </a:r>
-            <a:endParaRPr lang="en-US" altLang="ko-KR" sz="1400" b="1" dirty="0"/>
-          </a:p>
-          <a:p>
-            <a:r>
-              <a:rPr lang="ko-KR" altLang="en-US" sz="1400" b="1" dirty="0"/>
-              <a:t>알고리즘</a:t>
-            </a:r>
-            <a:r>
-              <a:rPr lang="en-US" altLang="ko-KR" sz="1400" b="1" dirty="0"/>
-              <a:t> </a:t>
-            </a:r>
-            <a:r>
-              <a:rPr lang="ko-KR" altLang="en-US" sz="1400" dirty="0"/>
-              <a:t>수강</a:t>
-            </a:r>
-            <a:endParaRPr lang="en-US" altLang="ko-KR" sz="1400" dirty="0"/>
-          </a:p>
-        </p:txBody>
-      </p:sp>
-    </p:spTree>
-    <p:extLst>
-      <p:ext uri="{BB962C8B-B14F-4D97-AF65-F5344CB8AC3E}">
-        <p14:creationId xmlns:p14="http://schemas.microsoft.com/office/powerpoint/2010/main" val="2800385426"/>
-      </p:ext>
-    </p:extLst>
-  </p:cSld>
-  <p:clrMapOvr>
-    <a:masterClrMapping/>
-  </p:clrMapOvr>
-</p:sld>
-</file>
-
-<file path=ppt/slides/slide21.xml><?xml version="1.0" encoding="utf-8"?>
-<p:sld xmlns:a="http://schemas.openxmlformats.org/drawingml/2006/main" xmlns:r="http://schemas.openxmlformats.org/officeDocument/2006/relationships" xmlns:p="http://schemas.openxmlformats.org/presentationml/2006/main">
-  <p:cSld>
-    <p:spTree>
-      <p:nvGrpSpPr>
-        <p:cNvPr id="1" name=""/>
-        <p:cNvGrpSpPr/>
-        <p:nvPr/>
-      </p:nvGrpSpPr>
-      <p:grpSpPr>
-        <a:xfrm>
-          <a:off x="0" y="0"/>
-          <a:ext cx="0" cy="0"/>
-          <a:chOff x="0" y="0"/>
-          <a:chExt cx="0" cy="0"/>
-        </a:xfrm>
-      </p:grpSpPr>
-      <p:grpSp>
-        <p:nvGrpSpPr>
-          <p:cNvPr id="18" name="그룹 17"/>
-          <p:cNvGrpSpPr/>
-          <p:nvPr/>
-        </p:nvGrpSpPr>
-        <p:grpSpPr>
-          <a:xfrm>
-            <a:off x="0" y="0"/>
-            <a:ext cx="4427984" cy="6858000"/>
-            <a:chOff x="0" y="0"/>
-            <a:chExt cx="4427984" cy="6858000"/>
-          </a:xfrm>
-        </p:grpSpPr>
-        <p:cxnSp>
-          <p:nvCxnSpPr>
-            <p:cNvPr id="5" name="직선 연결선 4"/>
-            <p:cNvCxnSpPr/>
-            <p:nvPr/>
-          </p:nvCxnSpPr>
-          <p:spPr>
-            <a:xfrm flipH="1">
-              <a:off x="0" y="0"/>
-              <a:ext cx="2915816" cy="5229200"/>
-            </a:xfrm>
-            <a:prstGeom prst="line">
-              <a:avLst/>
-            </a:prstGeom>
-            <a:ln>
-              <a:solidFill>
-                <a:schemeClr val="bg1">
-                  <a:lumMod val="65000"/>
-                </a:schemeClr>
-              </a:solidFill>
-              <a:prstDash val="sysDot"/>
-            </a:ln>
-          </p:spPr>
-          <p:style>
-            <a:lnRef idx="1">
-              <a:schemeClr val="accent1"/>
-            </a:lnRef>
-            <a:fillRef idx="0">
-              <a:schemeClr val="accent1"/>
-            </a:fillRef>
-            <a:effectRef idx="0">
-              <a:schemeClr val="accent1"/>
-            </a:effectRef>
-            <a:fontRef idx="minor">
-              <a:schemeClr val="tx1"/>
-            </a:fontRef>
-          </p:style>
-        </p:cxnSp>
-        <p:cxnSp>
-          <p:nvCxnSpPr>
-            <p:cNvPr id="6" name="직선 연결선 5"/>
-            <p:cNvCxnSpPr/>
-            <p:nvPr/>
-          </p:nvCxnSpPr>
-          <p:spPr>
-            <a:xfrm>
-              <a:off x="0" y="4337720"/>
-              <a:ext cx="4427984" cy="2520280"/>
-            </a:xfrm>
-            <a:prstGeom prst="line">
-              <a:avLst/>
-            </a:prstGeom>
-            <a:ln>
-              <a:solidFill>
-                <a:schemeClr val="bg1">
-                  <a:lumMod val="65000"/>
-                </a:schemeClr>
-              </a:solidFill>
-              <a:prstDash val="sysDot"/>
-            </a:ln>
-          </p:spPr>
-          <p:style>
-            <a:lnRef idx="1">
-              <a:schemeClr val="accent1"/>
-            </a:lnRef>
-            <a:fillRef idx="0">
-              <a:schemeClr val="accent1"/>
-            </a:fillRef>
-            <a:effectRef idx="0">
-              <a:schemeClr val="accent1"/>
-            </a:effectRef>
-            <a:fontRef idx="minor">
-              <a:schemeClr val="tx1"/>
-            </a:fontRef>
-          </p:style>
-        </p:cxnSp>
-      </p:grpSp>
-      <p:grpSp>
-        <p:nvGrpSpPr>
-          <p:cNvPr id="12" name="그룹 11"/>
-          <p:cNvGrpSpPr/>
-          <p:nvPr/>
-        </p:nvGrpSpPr>
-        <p:grpSpPr>
-          <a:xfrm>
-            <a:off x="1998417" y="2368811"/>
-            <a:ext cx="772316" cy="491577"/>
-            <a:chOff x="4252314" y="1143866"/>
-            <a:chExt cx="772316" cy="491577"/>
-          </a:xfrm>
-        </p:grpSpPr>
-        <p:sp>
-          <p:nvSpPr>
-            <p:cNvPr id="9" name="직사각형 8"/>
-            <p:cNvSpPr/>
-            <p:nvPr/>
-          </p:nvSpPr>
-          <p:spPr>
-            <a:xfrm rot="599424">
-              <a:off x="4252314" y="1223935"/>
-              <a:ext cx="319686" cy="319686"/>
-            </a:xfrm>
-            <a:prstGeom prst="rect">
-              <a:avLst/>
-            </a:prstGeom>
-            <a:noFill/>
-            <a:ln w="9525">
-              <a:solidFill>
-                <a:schemeClr val="bg1">
-                  <a:lumMod val="65000"/>
-                </a:schemeClr>
-              </a:solidFill>
-            </a:ln>
-          </p:spPr>
-          <p:style>
-            <a:lnRef idx="2">
-              <a:schemeClr val="accent1">
-                <a:shade val="50000"/>
-              </a:schemeClr>
-            </a:lnRef>
-            <a:fillRef idx="1">
-              <a:schemeClr val="accent1"/>
-            </a:fillRef>
-            <a:effectRef idx="0">
-              <a:schemeClr val="accent1"/>
-            </a:effectRef>
-            <a:fontRef idx="minor">
-              <a:schemeClr val="lt1"/>
-            </a:fontRef>
-          </p:style>
-          <p:txBody>
-            <a:bodyPr rtlCol="0" anchor="ctr"/>
-            <a:lstStyle/>
-            <a:p>
-              <a:pPr algn="ctr"/>
-              <a:endParaRPr lang="ko-KR" altLang="en-US"/>
-            </a:p>
-          </p:txBody>
-        </p:sp>
-        <p:sp>
-          <p:nvSpPr>
-            <p:cNvPr id="10" name="직사각형 9"/>
-            <p:cNvSpPr/>
-            <p:nvPr/>
-          </p:nvSpPr>
-          <p:spPr>
-            <a:xfrm rot="1427337">
-              <a:off x="4556578" y="1143866"/>
-              <a:ext cx="468052" cy="468052"/>
-            </a:xfrm>
-            <a:prstGeom prst="rect">
-              <a:avLst/>
-            </a:prstGeom>
-            <a:noFill/>
-            <a:ln w="9525">
-              <a:solidFill>
-                <a:schemeClr val="bg1">
-                  <a:lumMod val="65000"/>
-                </a:schemeClr>
-              </a:solidFill>
-            </a:ln>
-          </p:spPr>
-          <p:style>
-            <a:lnRef idx="2">
-              <a:schemeClr val="accent1">
-                <a:shade val="50000"/>
-              </a:schemeClr>
-            </a:lnRef>
-            <a:fillRef idx="1">
-              <a:schemeClr val="accent1"/>
-            </a:fillRef>
-            <a:effectRef idx="0">
-              <a:schemeClr val="accent1"/>
-            </a:effectRef>
-            <a:fontRef idx="minor">
-              <a:schemeClr val="lt1"/>
-            </a:fontRef>
-          </p:style>
-          <p:txBody>
-            <a:bodyPr rtlCol="0" anchor="ctr"/>
-            <a:lstStyle/>
-            <a:p>
-              <a:pPr algn="ctr"/>
-              <a:endParaRPr lang="ko-KR" altLang="en-US"/>
-            </a:p>
-          </p:txBody>
-        </p:sp>
-        <p:sp>
-          <p:nvSpPr>
-            <p:cNvPr id="11" name="직사각형 10"/>
-            <p:cNvSpPr/>
-            <p:nvPr/>
-          </p:nvSpPr>
-          <p:spPr>
-            <a:xfrm rot="3783077">
-              <a:off x="4440058" y="1443568"/>
-              <a:ext cx="191875" cy="191875"/>
-            </a:xfrm>
-            <a:prstGeom prst="rect">
-              <a:avLst/>
-            </a:prstGeom>
-            <a:solidFill>
-              <a:schemeClr val="bg1">
-                <a:lumMod val="65000"/>
-              </a:schemeClr>
-            </a:solidFill>
-            <a:ln w="9525">
-              <a:solidFill>
-                <a:schemeClr val="bg1">
-                  <a:lumMod val="65000"/>
-                </a:schemeClr>
-              </a:solidFill>
-            </a:ln>
-          </p:spPr>
-          <p:style>
-            <a:lnRef idx="2">
-              <a:schemeClr val="accent1">
-                <a:shade val="50000"/>
-              </a:schemeClr>
-            </a:lnRef>
-            <a:fillRef idx="1">
-              <a:schemeClr val="accent1"/>
-            </a:fillRef>
-            <a:effectRef idx="0">
-              <a:schemeClr val="accent1"/>
-            </a:effectRef>
-            <a:fontRef idx="minor">
-              <a:schemeClr val="lt1"/>
-            </a:fontRef>
-          </p:style>
-          <p:txBody>
-            <a:bodyPr rtlCol="0" anchor="ctr"/>
-            <a:lstStyle/>
-            <a:p>
-              <a:pPr algn="ctr"/>
-              <a:endParaRPr lang="ko-KR" altLang="en-US"/>
-            </a:p>
-          </p:txBody>
-        </p:sp>
-      </p:grpSp>
-      <p:sp>
-        <p:nvSpPr>
-          <p:cNvPr id="14" name="직사각형 13"/>
-          <p:cNvSpPr/>
-          <p:nvPr/>
-        </p:nvSpPr>
-        <p:spPr>
-          <a:xfrm>
-            <a:off x="1995998" y="3096143"/>
-            <a:ext cx="128998" cy="360842"/>
-          </a:xfrm>
-          <a:prstGeom prst="rect">
-            <a:avLst/>
-          </a:prstGeom>
-          <a:solidFill>
-            <a:schemeClr val="tx1">
-              <a:lumMod val="75000"/>
-              <a:lumOff val="25000"/>
-            </a:schemeClr>
-          </a:solidFill>
-          <a:ln>
-            <a:noFill/>
-          </a:ln>
-        </p:spPr>
-        <p:style>
-          <a:lnRef idx="2">
-            <a:schemeClr val="accent1">
-              <a:shade val="50000"/>
-            </a:schemeClr>
-          </a:lnRef>
-          <a:fillRef idx="1">
-            <a:schemeClr val="accent1"/>
-          </a:fillRef>
-          <a:effectRef idx="0">
-            <a:schemeClr val="accent1"/>
-          </a:effectRef>
-          <a:fontRef idx="minor">
-            <a:schemeClr val="lt1"/>
-          </a:fontRef>
-        </p:style>
-        <p:txBody>
-          <a:bodyPr rtlCol="0" anchor="ctr"/>
-          <a:lstStyle/>
-          <a:p>
-            <a:pPr algn="ctr"/>
-            <a:endParaRPr lang="ko-KR" altLang="en-US"/>
-          </a:p>
-        </p:txBody>
-      </p:sp>
-      <p:sp>
-        <p:nvSpPr>
-          <p:cNvPr id="15" name="TextBox 14"/>
-          <p:cNvSpPr txBox="1"/>
-          <p:nvPr/>
-        </p:nvSpPr>
-        <p:spPr>
-          <a:xfrm>
-            <a:off x="2195736" y="3014882"/>
-            <a:ext cx="2016223" cy="523220"/>
-          </a:xfrm>
-          <a:prstGeom prst="rect">
-            <a:avLst/>
-          </a:prstGeom>
-          <a:noFill/>
-        </p:spPr>
-        <p:txBody>
-          <a:bodyPr wrap="square" rtlCol="0">
-            <a:spAutoFit/>
-          </a:bodyPr>
-          <a:lstStyle/>
-          <a:p>
-            <a:r>
-              <a:rPr lang="ko-KR" altLang="en-US" sz="2800" dirty="0">
-                <a:solidFill>
-                  <a:schemeClr val="tx1">
-                    <a:lumMod val="75000"/>
-                    <a:lumOff val="25000"/>
-                  </a:schemeClr>
-                </a:solidFill>
-                <a:latin typeface="HU젊음의행진140" pitchFamily="18" charset="-127"/>
-                <a:ea typeface="HU젊음의행진140" pitchFamily="18" charset="-127"/>
-              </a:rPr>
-              <a:t>감사합니다</a:t>
-            </a:r>
-            <a:r>
-              <a:rPr lang="en-US" altLang="ko-KR" sz="2800" dirty="0">
-                <a:solidFill>
-                  <a:schemeClr val="tx1">
-                    <a:lumMod val="75000"/>
-                    <a:lumOff val="25000"/>
-                  </a:schemeClr>
-                </a:solidFill>
-                <a:latin typeface="HU젊음의행진140" pitchFamily="18" charset="-127"/>
-                <a:ea typeface="HU젊음의행진140" pitchFamily="18" charset="-127"/>
-              </a:rPr>
-              <a:t>.</a:t>
-            </a:r>
-            <a:endParaRPr lang="ko-KR" altLang="en-US" sz="2800" dirty="0">
-              <a:solidFill>
-                <a:schemeClr val="tx1">
-                  <a:lumMod val="75000"/>
-                  <a:lumOff val="25000"/>
-                </a:schemeClr>
-              </a:solidFill>
-              <a:latin typeface="HU젊음의행진140" pitchFamily="18" charset="-127"/>
-              <a:ea typeface="HU젊음의행진140" pitchFamily="18" charset="-127"/>
-            </a:endParaRPr>
-          </a:p>
-        </p:txBody>
-      </p:sp>
-    </p:spTree>
-    <p:extLst>
-      <p:ext uri="{BB962C8B-B14F-4D97-AF65-F5344CB8AC3E}">
-        <p14:creationId xmlns:p14="http://schemas.microsoft.com/office/powerpoint/2010/main" val="717293422"/>
       </p:ext>
     </p:extLst>
   </p:cSld>
